--- a/WSAPoll, Fast Loopback.pptx
+++ b/WSAPoll, Fast Loopback.pptx
@@ -4,14 +4,38 @@
   <p:sldMasterIdLst>
     <p:sldMasterId id="2147483648" r:id="rId1"/>
   </p:sldMasterIdLst>
+  <p:notesMasterIdLst>
+    <p:notesMasterId r:id="rId27"/>
+  </p:notesMasterIdLst>
+  <p:handoutMasterIdLst>
+    <p:handoutMasterId r:id="rId28"/>
+  </p:handoutMasterIdLst>
   <p:sldIdLst>
     <p:sldId id="261" r:id="rId2"/>
     <p:sldId id="256" r:id="rId3"/>
-    <p:sldId id="291" r:id="rId4"/>
-    <p:sldId id="287" r:id="rId5"/>
-    <p:sldId id="290" r:id="rId6"/>
-    <p:sldId id="288" r:id="rId7"/>
-    <p:sldId id="289" r:id="rId8"/>
+    <p:sldId id="296" r:id="rId4"/>
+    <p:sldId id="295" r:id="rId5"/>
+    <p:sldId id="297" r:id="rId6"/>
+    <p:sldId id="294" r:id="rId7"/>
+    <p:sldId id="302" r:id="rId8"/>
+    <p:sldId id="303" r:id="rId9"/>
+    <p:sldId id="304" r:id="rId10"/>
+    <p:sldId id="305" r:id="rId11"/>
+    <p:sldId id="301" r:id="rId12"/>
+    <p:sldId id="287" r:id="rId13"/>
+    <p:sldId id="293" r:id="rId14"/>
+    <p:sldId id="298" r:id="rId15"/>
+    <p:sldId id="299" r:id="rId16"/>
+    <p:sldId id="300" r:id="rId17"/>
+    <p:sldId id="306" r:id="rId18"/>
+    <p:sldId id="307" r:id="rId19"/>
+    <p:sldId id="292" r:id="rId20"/>
+    <p:sldId id="291" r:id="rId21"/>
+    <p:sldId id="308" r:id="rId22"/>
+    <p:sldId id="289" r:id="rId23"/>
+    <p:sldId id="290" r:id="rId24"/>
+    <p:sldId id="288" r:id="rId25"/>
+    <p:sldId id="309" r:id="rId26"/>
   </p:sldIdLst>
   <p:sldSz cx="12192000" cy="6858000"/>
   <p:notesSz cx="6858000" cy="9144000"/>
@@ -116,6 +140,609 @@
     </p:ext>
   </p:extLst>
 </p:presentation>
+</file>
+
+<file path=ppt/handoutMasters/handoutMaster1.xml><?xml version="1.0" encoding="utf-8"?>
+<p:handoutMaster xmlns:a="http://schemas.openxmlformats.org/drawingml/2006/main" xmlns:r="http://schemas.openxmlformats.org/officeDocument/2006/relationships" xmlns:p="http://schemas.openxmlformats.org/presentationml/2006/main">
+  <p:cSld>
+    <p:bg>
+      <p:bgRef idx="1001">
+        <a:schemeClr val="bg1"/>
+      </p:bgRef>
+    </p:bg>
+    <p:spTree>
+      <p:nvGrpSpPr>
+        <p:cNvPr id="1" name=""/>
+        <p:cNvGrpSpPr/>
+        <p:nvPr/>
+      </p:nvGrpSpPr>
+      <p:grpSpPr>
+        <a:xfrm>
+          <a:off x="0" y="0"/>
+          <a:ext cx="0" cy="0"/>
+          <a:chOff x="0" y="0"/>
+          <a:chExt cx="0" cy="0"/>
+        </a:xfrm>
+      </p:grpSpPr>
+      <p:sp>
+        <p:nvSpPr>
+          <p:cNvPr id="2" name="머리글 개체 틀 1"/>
+          <p:cNvSpPr>
+            <a:spLocks noGrp="1"/>
+          </p:cNvSpPr>
+          <p:nvPr>
+            <p:ph type="hdr" sz="quarter"/>
+          </p:nvPr>
+        </p:nvSpPr>
+        <p:spPr>
+          <a:xfrm>
+            <a:off x="0" y="0"/>
+            <a:ext cx="2971800" cy="458788"/>
+          </a:xfrm>
+          <a:prstGeom prst="rect">
+            <a:avLst/>
+          </a:prstGeom>
+        </p:spPr>
+        <p:txBody>
+          <a:bodyPr vert="horz" lIns="91440" tIns="45720" rIns="91440" bIns="45720" rtlCol="0"/>
+          <a:lstStyle>
+            <a:lvl1pPr algn="l">
+              <a:defRPr sz="1200"/>
+            </a:lvl1pPr>
+          </a:lstStyle>
+          <a:p>
+            <a:endParaRPr lang="ko-KR" altLang="en-US"/>
+          </a:p>
+        </p:txBody>
+      </p:sp>
+      <p:sp>
+        <p:nvSpPr>
+          <p:cNvPr id="3" name="날짜 개체 틀 2"/>
+          <p:cNvSpPr>
+            <a:spLocks noGrp="1"/>
+          </p:cNvSpPr>
+          <p:nvPr>
+            <p:ph type="dt" sz="quarter" idx="1"/>
+          </p:nvPr>
+        </p:nvSpPr>
+        <p:spPr>
+          <a:xfrm>
+            <a:off x="3884613" y="0"/>
+            <a:ext cx="2971800" cy="458788"/>
+          </a:xfrm>
+          <a:prstGeom prst="rect">
+            <a:avLst/>
+          </a:prstGeom>
+        </p:spPr>
+        <p:txBody>
+          <a:bodyPr vert="horz" lIns="91440" tIns="45720" rIns="91440" bIns="45720" rtlCol="0"/>
+          <a:lstStyle>
+            <a:lvl1pPr algn="r">
+              <a:defRPr sz="1200"/>
+            </a:lvl1pPr>
+          </a:lstStyle>
+          <a:p>
+            <a:fld id="{9EF82A2F-441E-472B-91FB-0859EF4D88A2}" type="datetimeFigureOut">
+              <a:rPr lang="ko-KR" altLang="en-US" smtClean="0"/>
+              <a:t>2017-02-04</a:t>
+            </a:fld>
+            <a:endParaRPr lang="ko-KR" altLang="en-US"/>
+          </a:p>
+        </p:txBody>
+      </p:sp>
+      <p:sp>
+        <p:nvSpPr>
+          <p:cNvPr id="4" name="바닥글 개체 틀 3"/>
+          <p:cNvSpPr>
+            <a:spLocks noGrp="1"/>
+          </p:cNvSpPr>
+          <p:nvPr>
+            <p:ph type="ftr" sz="quarter" idx="2"/>
+          </p:nvPr>
+        </p:nvSpPr>
+        <p:spPr>
+          <a:xfrm>
+            <a:off x="0" y="8685213"/>
+            <a:ext cx="2971800" cy="458787"/>
+          </a:xfrm>
+          <a:prstGeom prst="rect">
+            <a:avLst/>
+          </a:prstGeom>
+        </p:spPr>
+        <p:txBody>
+          <a:bodyPr vert="horz" lIns="91440" tIns="45720" rIns="91440" bIns="45720" rtlCol="0" anchor="b"/>
+          <a:lstStyle>
+            <a:lvl1pPr algn="l">
+              <a:defRPr sz="1200"/>
+            </a:lvl1pPr>
+          </a:lstStyle>
+          <a:p>
+            <a:endParaRPr lang="ko-KR" altLang="en-US"/>
+          </a:p>
+        </p:txBody>
+      </p:sp>
+      <p:sp>
+        <p:nvSpPr>
+          <p:cNvPr id="5" name="슬라이드 번호 개체 틀 4"/>
+          <p:cNvSpPr>
+            <a:spLocks noGrp="1"/>
+          </p:cNvSpPr>
+          <p:nvPr>
+            <p:ph type="sldNum" sz="quarter" idx="3"/>
+          </p:nvPr>
+        </p:nvSpPr>
+        <p:spPr>
+          <a:xfrm>
+            <a:off x="3884613" y="8685213"/>
+            <a:ext cx="2971800" cy="458787"/>
+          </a:xfrm>
+          <a:prstGeom prst="rect">
+            <a:avLst/>
+          </a:prstGeom>
+        </p:spPr>
+        <p:txBody>
+          <a:bodyPr vert="horz" lIns="91440" tIns="45720" rIns="91440" bIns="45720" rtlCol="0" anchor="b"/>
+          <a:lstStyle>
+            <a:lvl1pPr algn="r">
+              <a:defRPr sz="1200"/>
+            </a:lvl1pPr>
+          </a:lstStyle>
+          <a:p>
+            <a:fld id="{495CDB7B-589A-48D9-85E3-C465CB34CAEF}" type="slidenum">
+              <a:rPr lang="ko-KR" altLang="en-US" smtClean="0"/>
+              <a:t>‹#›</a:t>
+            </a:fld>
+            <a:endParaRPr lang="ko-KR" altLang="en-US"/>
+          </a:p>
+        </p:txBody>
+      </p:sp>
+    </p:spTree>
+    <p:extLst>
+      <p:ext uri="{BB962C8B-B14F-4D97-AF65-F5344CB8AC3E}">
+        <p14:creationId xmlns:p14="http://schemas.microsoft.com/office/powerpoint/2010/main" val="3547471661"/>
+      </p:ext>
+    </p:extLst>
+  </p:cSld>
+  <p:clrMap bg1="lt1" tx1="dk1" bg2="lt2" tx2="dk2" accent1="accent1" accent2="accent2" accent3="accent3" accent4="accent4" accent5="accent5" accent6="accent6" hlink="hlink" folHlink="folHlink"/>
+</p:handoutMaster>
+</file>
+
+<file path=ppt/notesMasters/notesMaster1.xml><?xml version="1.0" encoding="utf-8"?>
+<p:notesMaster xmlns:a="http://schemas.openxmlformats.org/drawingml/2006/main" xmlns:r="http://schemas.openxmlformats.org/officeDocument/2006/relationships" xmlns:p="http://schemas.openxmlformats.org/presentationml/2006/main">
+  <p:cSld>
+    <p:bg>
+      <p:bgRef idx="1001">
+        <a:schemeClr val="bg1"/>
+      </p:bgRef>
+    </p:bg>
+    <p:spTree>
+      <p:nvGrpSpPr>
+        <p:cNvPr id="1" name=""/>
+        <p:cNvGrpSpPr/>
+        <p:nvPr/>
+      </p:nvGrpSpPr>
+      <p:grpSpPr>
+        <a:xfrm>
+          <a:off x="0" y="0"/>
+          <a:ext cx="0" cy="0"/>
+          <a:chOff x="0" y="0"/>
+          <a:chExt cx="0" cy="0"/>
+        </a:xfrm>
+      </p:grpSpPr>
+      <p:sp>
+        <p:nvSpPr>
+          <p:cNvPr id="2" name="머리글 개체 틀 1"/>
+          <p:cNvSpPr>
+            <a:spLocks noGrp="1"/>
+          </p:cNvSpPr>
+          <p:nvPr>
+            <p:ph type="hdr" sz="quarter"/>
+          </p:nvPr>
+        </p:nvSpPr>
+        <p:spPr>
+          <a:xfrm>
+            <a:off x="0" y="0"/>
+            <a:ext cx="2971800" cy="458788"/>
+          </a:xfrm>
+          <a:prstGeom prst="rect">
+            <a:avLst/>
+          </a:prstGeom>
+        </p:spPr>
+        <p:txBody>
+          <a:bodyPr vert="horz" lIns="91440" tIns="45720" rIns="91440" bIns="45720" rtlCol="0"/>
+          <a:lstStyle>
+            <a:lvl1pPr algn="l">
+              <a:defRPr sz="1200"/>
+            </a:lvl1pPr>
+          </a:lstStyle>
+          <a:p>
+            <a:endParaRPr lang="ko-KR" altLang="en-US"/>
+          </a:p>
+        </p:txBody>
+      </p:sp>
+      <p:sp>
+        <p:nvSpPr>
+          <p:cNvPr id="3" name="날짜 개체 틀 2"/>
+          <p:cNvSpPr>
+            <a:spLocks noGrp="1"/>
+          </p:cNvSpPr>
+          <p:nvPr>
+            <p:ph type="dt" idx="1"/>
+          </p:nvPr>
+        </p:nvSpPr>
+        <p:spPr>
+          <a:xfrm>
+            <a:off x="3884613" y="0"/>
+            <a:ext cx="2971800" cy="458788"/>
+          </a:xfrm>
+          <a:prstGeom prst="rect">
+            <a:avLst/>
+          </a:prstGeom>
+        </p:spPr>
+        <p:txBody>
+          <a:bodyPr vert="horz" lIns="91440" tIns="45720" rIns="91440" bIns="45720" rtlCol="0"/>
+          <a:lstStyle>
+            <a:lvl1pPr algn="r">
+              <a:defRPr sz="1200"/>
+            </a:lvl1pPr>
+          </a:lstStyle>
+          <a:p>
+            <a:fld id="{54A3E567-B29B-4C0F-B6EF-DB7C1BF73903}" type="datetimeFigureOut">
+              <a:rPr lang="ko-KR" altLang="en-US" smtClean="0"/>
+              <a:t>2017-02-04</a:t>
+            </a:fld>
+            <a:endParaRPr lang="ko-KR" altLang="en-US"/>
+          </a:p>
+        </p:txBody>
+      </p:sp>
+      <p:sp>
+        <p:nvSpPr>
+          <p:cNvPr id="4" name="슬라이드 이미지 개체 틀 3"/>
+          <p:cNvSpPr>
+            <a:spLocks noGrp="1" noRot="1" noChangeAspect="1"/>
+          </p:cNvSpPr>
+          <p:nvPr>
+            <p:ph type="sldImg" idx="2"/>
+          </p:nvPr>
+        </p:nvSpPr>
+        <p:spPr>
+          <a:xfrm>
+            <a:off x="685800" y="1143000"/>
+            <a:ext cx="5486400" cy="3086100"/>
+          </a:xfrm>
+          <a:prstGeom prst="rect">
+            <a:avLst/>
+          </a:prstGeom>
+          <a:noFill/>
+          <a:ln w="12700">
+            <a:solidFill>
+              <a:prstClr val="black"/>
+            </a:solidFill>
+          </a:ln>
+        </p:spPr>
+        <p:txBody>
+          <a:bodyPr vert="horz" lIns="91440" tIns="45720" rIns="91440" bIns="45720" rtlCol="0" anchor="ctr"/>
+          <a:lstStyle/>
+          <a:p>
+            <a:endParaRPr lang="ko-KR" altLang="en-US"/>
+          </a:p>
+        </p:txBody>
+      </p:sp>
+      <p:sp>
+        <p:nvSpPr>
+          <p:cNvPr id="5" name="슬라이드 노트 개체 틀 4"/>
+          <p:cNvSpPr>
+            <a:spLocks noGrp="1"/>
+          </p:cNvSpPr>
+          <p:nvPr>
+            <p:ph type="body" sz="quarter" idx="3"/>
+          </p:nvPr>
+        </p:nvSpPr>
+        <p:spPr>
+          <a:xfrm>
+            <a:off x="685800" y="4400550"/>
+            <a:ext cx="5486400" cy="3600450"/>
+          </a:xfrm>
+          <a:prstGeom prst="rect">
+            <a:avLst/>
+          </a:prstGeom>
+        </p:spPr>
+        <p:txBody>
+          <a:bodyPr vert="horz" lIns="91440" tIns="45720" rIns="91440" bIns="45720" rtlCol="0"/>
+          <a:lstStyle/>
+          <a:p>
+            <a:pPr lvl="0"/>
+            <a:r>
+              <a:rPr lang="ko-KR" altLang="en-US"/>
+              <a:t>마스터 텍스트 스타일 편집</a:t>
+            </a:r>
+          </a:p>
+          <a:p>
+            <a:pPr lvl="1"/>
+            <a:r>
+              <a:rPr lang="ko-KR" altLang="en-US"/>
+              <a:t>둘째 수준</a:t>
+            </a:r>
+          </a:p>
+          <a:p>
+            <a:pPr lvl="2"/>
+            <a:r>
+              <a:rPr lang="ko-KR" altLang="en-US"/>
+              <a:t>셋째 수준</a:t>
+            </a:r>
+          </a:p>
+          <a:p>
+            <a:pPr lvl="3"/>
+            <a:r>
+              <a:rPr lang="ko-KR" altLang="en-US"/>
+              <a:t>넷째 수준</a:t>
+            </a:r>
+          </a:p>
+          <a:p>
+            <a:pPr lvl="4"/>
+            <a:r>
+              <a:rPr lang="ko-KR" altLang="en-US"/>
+              <a:t>다섯째 수준</a:t>
+            </a:r>
+            <a:endParaRPr lang="ko-KR" altLang="en-US"/>
+          </a:p>
+        </p:txBody>
+      </p:sp>
+      <p:sp>
+        <p:nvSpPr>
+          <p:cNvPr id="6" name="바닥글 개체 틀 5"/>
+          <p:cNvSpPr>
+            <a:spLocks noGrp="1"/>
+          </p:cNvSpPr>
+          <p:nvPr>
+            <p:ph type="ftr" sz="quarter" idx="4"/>
+          </p:nvPr>
+        </p:nvSpPr>
+        <p:spPr>
+          <a:xfrm>
+            <a:off x="0" y="8685213"/>
+            <a:ext cx="2971800" cy="458787"/>
+          </a:xfrm>
+          <a:prstGeom prst="rect">
+            <a:avLst/>
+          </a:prstGeom>
+        </p:spPr>
+        <p:txBody>
+          <a:bodyPr vert="horz" lIns="91440" tIns="45720" rIns="91440" bIns="45720" rtlCol="0" anchor="b"/>
+          <a:lstStyle>
+            <a:lvl1pPr algn="l">
+              <a:defRPr sz="1200"/>
+            </a:lvl1pPr>
+          </a:lstStyle>
+          <a:p>
+            <a:endParaRPr lang="ko-KR" altLang="en-US"/>
+          </a:p>
+        </p:txBody>
+      </p:sp>
+      <p:sp>
+        <p:nvSpPr>
+          <p:cNvPr id="7" name="슬라이드 번호 개체 틀 6"/>
+          <p:cNvSpPr>
+            <a:spLocks noGrp="1"/>
+          </p:cNvSpPr>
+          <p:nvPr>
+            <p:ph type="sldNum" sz="quarter" idx="5"/>
+          </p:nvPr>
+        </p:nvSpPr>
+        <p:spPr>
+          <a:xfrm>
+            <a:off x="3884613" y="8685213"/>
+            <a:ext cx="2971800" cy="458787"/>
+          </a:xfrm>
+          <a:prstGeom prst="rect">
+            <a:avLst/>
+          </a:prstGeom>
+        </p:spPr>
+        <p:txBody>
+          <a:bodyPr vert="horz" lIns="91440" tIns="45720" rIns="91440" bIns="45720" rtlCol="0" anchor="b"/>
+          <a:lstStyle>
+            <a:lvl1pPr algn="r">
+              <a:defRPr sz="1200"/>
+            </a:lvl1pPr>
+          </a:lstStyle>
+          <a:p>
+            <a:fld id="{9D72A88F-1F4A-4A98-8F7A-BDD41242B633}" type="slidenum">
+              <a:rPr lang="ko-KR" altLang="en-US" smtClean="0"/>
+              <a:t>‹#›</a:t>
+            </a:fld>
+            <a:endParaRPr lang="ko-KR" altLang="en-US"/>
+          </a:p>
+        </p:txBody>
+      </p:sp>
+    </p:spTree>
+    <p:extLst>
+      <p:ext uri="{BB962C8B-B14F-4D97-AF65-F5344CB8AC3E}">
+        <p14:creationId xmlns:p14="http://schemas.microsoft.com/office/powerpoint/2010/main" val="4225299173"/>
+      </p:ext>
+    </p:extLst>
+  </p:cSld>
+  <p:clrMap bg1="lt1" tx1="dk1" bg2="lt2" tx2="dk2" accent1="accent1" accent2="accent2" accent3="accent3" accent4="accent4" accent5="accent5" accent6="accent6" hlink="hlink" folHlink="folHlink"/>
+  <p:notesStyle>
+    <a:lvl1pPr marL="0" algn="l" defTabSz="914400" rtl="0" eaLnBrk="1" latinLnBrk="1" hangingPunct="1">
+      <a:defRPr sz="1200" kern="1200">
+        <a:solidFill>
+          <a:schemeClr val="tx1"/>
+        </a:solidFill>
+        <a:latin typeface="+mn-lt"/>
+        <a:ea typeface="+mn-ea"/>
+        <a:cs typeface="+mn-cs"/>
+      </a:defRPr>
+    </a:lvl1pPr>
+    <a:lvl2pPr marL="457200" algn="l" defTabSz="914400" rtl="0" eaLnBrk="1" latinLnBrk="1" hangingPunct="1">
+      <a:defRPr sz="1200" kern="1200">
+        <a:solidFill>
+          <a:schemeClr val="tx1"/>
+        </a:solidFill>
+        <a:latin typeface="+mn-lt"/>
+        <a:ea typeface="+mn-ea"/>
+        <a:cs typeface="+mn-cs"/>
+      </a:defRPr>
+    </a:lvl2pPr>
+    <a:lvl3pPr marL="914400" algn="l" defTabSz="914400" rtl="0" eaLnBrk="1" latinLnBrk="1" hangingPunct="1">
+      <a:defRPr sz="1200" kern="1200">
+        <a:solidFill>
+          <a:schemeClr val="tx1"/>
+        </a:solidFill>
+        <a:latin typeface="+mn-lt"/>
+        <a:ea typeface="+mn-ea"/>
+        <a:cs typeface="+mn-cs"/>
+      </a:defRPr>
+    </a:lvl3pPr>
+    <a:lvl4pPr marL="1371600" algn="l" defTabSz="914400" rtl="0" eaLnBrk="1" latinLnBrk="1" hangingPunct="1">
+      <a:defRPr sz="1200" kern="1200">
+        <a:solidFill>
+          <a:schemeClr val="tx1"/>
+        </a:solidFill>
+        <a:latin typeface="+mn-lt"/>
+        <a:ea typeface="+mn-ea"/>
+        <a:cs typeface="+mn-cs"/>
+      </a:defRPr>
+    </a:lvl4pPr>
+    <a:lvl5pPr marL="1828800" algn="l" defTabSz="914400" rtl="0" eaLnBrk="1" latinLnBrk="1" hangingPunct="1">
+      <a:defRPr sz="1200" kern="1200">
+        <a:solidFill>
+          <a:schemeClr val="tx1"/>
+        </a:solidFill>
+        <a:latin typeface="+mn-lt"/>
+        <a:ea typeface="+mn-ea"/>
+        <a:cs typeface="+mn-cs"/>
+      </a:defRPr>
+    </a:lvl5pPr>
+    <a:lvl6pPr marL="2286000" algn="l" defTabSz="914400" rtl="0" eaLnBrk="1" latinLnBrk="1" hangingPunct="1">
+      <a:defRPr sz="1200" kern="1200">
+        <a:solidFill>
+          <a:schemeClr val="tx1"/>
+        </a:solidFill>
+        <a:latin typeface="+mn-lt"/>
+        <a:ea typeface="+mn-ea"/>
+        <a:cs typeface="+mn-cs"/>
+      </a:defRPr>
+    </a:lvl6pPr>
+    <a:lvl7pPr marL="2743200" algn="l" defTabSz="914400" rtl="0" eaLnBrk="1" latinLnBrk="1" hangingPunct="1">
+      <a:defRPr sz="1200" kern="1200">
+        <a:solidFill>
+          <a:schemeClr val="tx1"/>
+        </a:solidFill>
+        <a:latin typeface="+mn-lt"/>
+        <a:ea typeface="+mn-ea"/>
+        <a:cs typeface="+mn-cs"/>
+      </a:defRPr>
+    </a:lvl7pPr>
+    <a:lvl8pPr marL="3200400" algn="l" defTabSz="914400" rtl="0" eaLnBrk="1" latinLnBrk="1" hangingPunct="1">
+      <a:defRPr sz="1200" kern="1200">
+        <a:solidFill>
+          <a:schemeClr val="tx1"/>
+        </a:solidFill>
+        <a:latin typeface="+mn-lt"/>
+        <a:ea typeface="+mn-ea"/>
+        <a:cs typeface="+mn-cs"/>
+      </a:defRPr>
+    </a:lvl8pPr>
+    <a:lvl9pPr marL="3657600" algn="l" defTabSz="914400" rtl="0" eaLnBrk="1" latinLnBrk="1" hangingPunct="1">
+      <a:defRPr sz="1200" kern="1200">
+        <a:solidFill>
+          <a:schemeClr val="tx1"/>
+        </a:solidFill>
+        <a:latin typeface="+mn-lt"/>
+        <a:ea typeface="+mn-ea"/>
+        <a:cs typeface="+mn-cs"/>
+      </a:defRPr>
+    </a:lvl9pPr>
+  </p:notesStyle>
+</p:notesMaster>
+</file>
+
+<file path=ppt/notesSlides/notesSlide1.xml><?xml version="1.0" encoding="utf-8"?>
+<p:notes xmlns:a="http://schemas.openxmlformats.org/drawingml/2006/main" xmlns:r="http://schemas.openxmlformats.org/officeDocument/2006/relationships" xmlns:p="http://schemas.openxmlformats.org/presentationml/2006/main">
+  <p:cSld>
+    <p:spTree>
+      <p:nvGrpSpPr>
+        <p:cNvPr id="1" name=""/>
+        <p:cNvGrpSpPr/>
+        <p:nvPr/>
+      </p:nvGrpSpPr>
+      <p:grpSpPr>
+        <a:xfrm>
+          <a:off x="0" y="0"/>
+          <a:ext cx="0" cy="0"/>
+          <a:chOff x="0" y="0"/>
+          <a:chExt cx="0" cy="0"/>
+        </a:xfrm>
+      </p:grpSpPr>
+      <p:sp>
+        <p:nvSpPr>
+          <p:cNvPr id="2" name="슬라이드 이미지 개체 틀 1"/>
+          <p:cNvSpPr>
+            <a:spLocks noGrp="1" noRot="1" noChangeAspect="1"/>
+          </p:cNvSpPr>
+          <p:nvPr>
+            <p:ph type="sldImg"/>
+          </p:nvPr>
+        </p:nvSpPr>
+        <p:spPr/>
+      </p:sp>
+      <p:sp>
+        <p:nvSpPr>
+          <p:cNvPr id="3" name="슬라이드 노트 개체 틀 2"/>
+          <p:cNvSpPr>
+            <a:spLocks noGrp="1"/>
+          </p:cNvSpPr>
+          <p:nvPr>
+            <p:ph type="body" idx="1"/>
+          </p:nvPr>
+        </p:nvSpPr>
+        <p:spPr/>
+        <p:txBody>
+          <a:bodyPr/>
+          <a:lstStyle/>
+          <a:p>
+            <a:r>
+              <a:rPr lang="en-US" altLang="ko-KR" dirty="0"/>
+              <a:t>2017. 02. 04</a:t>
+            </a:r>
+            <a:endParaRPr lang="ko-KR" altLang="en-US" dirty="0"/>
+          </a:p>
+        </p:txBody>
+      </p:sp>
+      <p:sp>
+        <p:nvSpPr>
+          <p:cNvPr id="4" name="슬라이드 번호 개체 틀 3"/>
+          <p:cNvSpPr>
+            <a:spLocks noGrp="1"/>
+          </p:cNvSpPr>
+          <p:nvPr>
+            <p:ph type="sldNum" sz="quarter" idx="10"/>
+          </p:nvPr>
+        </p:nvSpPr>
+        <p:spPr/>
+        <p:txBody>
+          <a:bodyPr/>
+          <a:lstStyle/>
+          <a:p>
+            <a:fld id="{9D72A88F-1F4A-4A98-8F7A-BDD41242B633}" type="slidenum">
+              <a:rPr lang="ko-KR" altLang="en-US" smtClean="0"/>
+              <a:t>3</a:t>
+            </a:fld>
+            <a:endParaRPr lang="ko-KR" altLang="en-US"/>
+          </a:p>
+        </p:txBody>
+      </p:sp>
+    </p:spTree>
+    <p:extLst>
+      <p:ext uri="{BB962C8B-B14F-4D97-AF65-F5344CB8AC3E}">
+        <p14:creationId xmlns:p14="http://schemas.microsoft.com/office/powerpoint/2010/main" val="1841702522"/>
+      </p:ext>
+    </p:extLst>
+  </p:cSld>
+  <p:clrMapOvr>
+    <a:masterClrMapping/>
+  </p:clrMapOvr>
+</p:notes>
 </file>
 
 <file path=ppt/slideLayouts/slideLayout1.xml><?xml version="1.0" encoding="utf-8"?>
@@ -3353,6 +3980,1487 @@
 </p:sld>
 </file>
 
+<file path=ppt/slides/slide10.xml><?xml version="1.0" encoding="utf-8"?>
+<p:sld xmlns:a="http://schemas.openxmlformats.org/drawingml/2006/main" xmlns:r="http://schemas.openxmlformats.org/officeDocument/2006/relationships" xmlns:p="http://schemas.openxmlformats.org/presentationml/2006/main">
+  <p:cSld>
+    <p:spTree>
+      <p:nvGrpSpPr>
+        <p:cNvPr id="1" name=""/>
+        <p:cNvGrpSpPr/>
+        <p:nvPr/>
+      </p:nvGrpSpPr>
+      <p:grpSpPr>
+        <a:xfrm>
+          <a:off x="0" y="0"/>
+          <a:ext cx="0" cy="0"/>
+          <a:chOff x="0" y="0"/>
+          <a:chExt cx="0" cy="0"/>
+        </a:xfrm>
+      </p:grpSpPr>
+      <p:sp>
+        <p:nvSpPr>
+          <p:cNvPr id="3" name="직사각형 2"/>
+          <p:cNvSpPr/>
+          <p:nvPr/>
+        </p:nvSpPr>
+        <p:spPr>
+          <a:xfrm>
+            <a:off x="654424" y="1141309"/>
+            <a:ext cx="10425952" cy="4524315"/>
+          </a:xfrm>
+          <a:prstGeom prst="rect">
+            <a:avLst/>
+          </a:prstGeom>
+        </p:spPr>
+        <p:txBody>
+          <a:bodyPr wrap="square">
+            <a:spAutoFit/>
+          </a:bodyPr>
+          <a:lstStyle/>
+          <a:p>
+            <a:r>
+              <a:rPr lang="en-US" altLang="ko-KR" sz="2400" dirty="0"/>
+              <a:t>Casper</a:t>
+            </a:r>
+            <a:r>
+              <a:rPr lang="ko-KR" altLang="en-US" sz="2400" dirty="0"/>
+              <a:t>가 언급했듯이 </a:t>
+            </a:r>
+            <a:r>
+              <a:rPr lang="en-US" altLang="ko-KR" sz="2400" dirty="0"/>
+              <a:t>poll()</a:t>
+            </a:r>
+            <a:r>
+              <a:rPr lang="ko-KR" altLang="en-US" sz="2400" dirty="0"/>
+              <a:t>을 가진 시스템은 </a:t>
+            </a:r>
+            <a:r>
+              <a:rPr lang="en-US" altLang="ko-KR" sz="2400" dirty="0"/>
+              <a:t>select </a:t>
+            </a:r>
+            <a:r>
+              <a:rPr lang="ko-KR" altLang="en-US" sz="2400" dirty="0"/>
+              <a:t>보다 적기 때문에</a:t>
+            </a:r>
+            <a:r>
+              <a:rPr lang="en-US" altLang="ko-KR" sz="2400" dirty="0"/>
+              <a:t> </a:t>
+            </a:r>
+            <a:r>
+              <a:rPr lang="ko-KR" altLang="en-US" sz="2400" dirty="0"/>
+              <a:t>후자가 이식성은 높다</a:t>
+            </a:r>
+            <a:r>
+              <a:rPr lang="en-US" altLang="ko-KR" sz="2400" dirty="0"/>
+              <a:t>. </a:t>
+            </a:r>
+            <a:r>
+              <a:rPr lang="ko-KR" altLang="en-US" sz="2400" dirty="0"/>
+              <a:t>또 오리지날의 구현</a:t>
+            </a:r>
+            <a:r>
+              <a:rPr lang="en-US" altLang="ko-KR" sz="2400" dirty="0"/>
+              <a:t>(SVR3)</a:t>
+            </a:r>
+            <a:r>
+              <a:rPr lang="ko-KR" altLang="en-US" sz="2400" dirty="0"/>
+              <a:t>에서는 </a:t>
+            </a:r>
+            <a:r>
+              <a:rPr lang="ko-KR" altLang="en-US" sz="2400" dirty="0" err="1"/>
+              <a:t>디스크립터에</a:t>
+            </a:r>
+            <a:r>
+              <a:rPr lang="ko-KR" altLang="en-US" sz="2400" dirty="0"/>
+              <a:t> </a:t>
+            </a:r>
+            <a:r>
+              <a:rPr lang="en-US" altLang="ko-KR" sz="2400" dirty="0"/>
+              <a:t>-1</a:t>
+            </a:r>
+            <a:r>
+              <a:rPr lang="ko-KR" altLang="en-US" sz="2400" dirty="0"/>
+              <a:t>를 설정하여 커널에 </a:t>
+            </a:r>
+            <a:r>
+              <a:rPr lang="en-US" altLang="ko-KR" sz="2400" dirty="0" err="1"/>
+              <a:t>pollfd</a:t>
+            </a:r>
+            <a:r>
+              <a:rPr lang="en-US" altLang="ko-KR" sz="2400" dirty="0"/>
+              <a:t> </a:t>
+            </a:r>
+            <a:r>
+              <a:rPr lang="ko-KR" altLang="en-US" sz="2400" dirty="0"/>
+              <a:t>구조체 속의 엔트리를 무시하게 할 수 없었다</a:t>
+            </a:r>
+            <a:r>
+              <a:rPr lang="en-US" altLang="ko-KR" sz="2400" dirty="0"/>
+              <a:t>. </a:t>
+            </a:r>
+          </a:p>
+          <a:p>
+            <a:endParaRPr lang="en-US" altLang="ko-KR" sz="2400" dirty="0"/>
+          </a:p>
+          <a:p>
+            <a:r>
+              <a:rPr lang="ko-KR" altLang="en-US" sz="2400" dirty="0"/>
+              <a:t>이것은 배열 중에서 엔트리를 삭제하는 것이 귀찮게 된다</a:t>
+            </a:r>
+            <a:r>
+              <a:rPr lang="en-US" altLang="ko-KR" sz="2400" dirty="0"/>
+              <a:t>. SVR4</a:t>
+            </a:r>
+            <a:r>
+              <a:rPr lang="ko-KR" altLang="en-US" sz="2400" dirty="0"/>
+              <a:t>에서는 이것은 회피 되었다</a:t>
+            </a:r>
+            <a:r>
+              <a:rPr lang="en-US" altLang="ko-KR" sz="2400" dirty="0"/>
+              <a:t>. </a:t>
+            </a:r>
+          </a:p>
+          <a:p>
+            <a:endParaRPr lang="en-US" altLang="ko-KR" sz="2400" dirty="0"/>
+          </a:p>
+          <a:p>
+            <a:r>
+              <a:rPr lang="ko-KR" altLang="en-US" sz="2400" dirty="0"/>
+              <a:t>개인적으로는 나는 항상 </a:t>
+            </a:r>
+            <a:r>
+              <a:rPr lang="en-US" altLang="ko-KR" sz="2400" dirty="0"/>
+              <a:t>select()</a:t>
+            </a:r>
+            <a:r>
+              <a:rPr lang="ko-KR" altLang="en-US" sz="2400" dirty="0"/>
+              <a:t>를 쓰고</a:t>
+            </a:r>
+            <a:r>
+              <a:rPr lang="en-US" altLang="ko-KR" sz="2400" dirty="0"/>
+              <a:t>, poll()</a:t>
+            </a:r>
+            <a:r>
+              <a:rPr lang="ko-KR" altLang="en-US" sz="2400" dirty="0"/>
+              <a:t>은 좀처럼 쓰지 않는다</a:t>
+            </a:r>
+            <a:r>
+              <a:rPr lang="en-US" altLang="ko-KR" sz="2400" dirty="0"/>
+              <a:t>. </a:t>
+            </a:r>
+          </a:p>
+          <a:p>
+            <a:r>
+              <a:rPr lang="ko-KR" altLang="en-US" sz="2400" dirty="0"/>
+              <a:t>그것은 나의 코드를 </a:t>
+            </a:r>
+            <a:r>
+              <a:rPr lang="en-US" altLang="ko-KR" sz="2400" dirty="0"/>
+              <a:t>BSD </a:t>
+            </a:r>
+            <a:r>
+              <a:rPr lang="ko-KR" altLang="en-US" sz="2400" dirty="0"/>
+              <a:t>환경에도 이식 하기 때문이다</a:t>
+            </a:r>
+            <a:r>
+              <a:rPr lang="en-US" altLang="ko-KR" sz="2400" dirty="0"/>
+              <a:t>. </a:t>
+            </a:r>
+            <a:r>
+              <a:rPr lang="ko-KR" altLang="en-US" sz="2400" dirty="0"/>
+              <a:t>누군가가 </a:t>
+            </a:r>
+            <a:r>
+              <a:rPr lang="en-US" altLang="ko-KR" sz="2400" dirty="0"/>
+              <a:t>select()</a:t>
+            </a:r>
+            <a:r>
+              <a:rPr lang="ko-KR" altLang="en-US" sz="2400" dirty="0"/>
+              <a:t>을 사용한 </a:t>
+            </a:r>
+            <a:r>
+              <a:rPr lang="en-US" altLang="ko-KR" sz="2400" dirty="0"/>
+              <a:t>poll()</a:t>
+            </a:r>
+            <a:r>
+              <a:rPr lang="ko-KR" altLang="en-US" sz="2400" dirty="0"/>
+              <a:t> 구현을 쓰는지 모르겠지만</a:t>
+            </a:r>
+            <a:r>
+              <a:rPr lang="en-US" altLang="ko-KR" sz="2400" dirty="0"/>
+              <a:t>, </a:t>
+            </a:r>
+            <a:r>
+              <a:rPr lang="ko-KR" altLang="en-US" sz="2400" dirty="0"/>
+              <a:t>나는 본 적이 없다</a:t>
+            </a:r>
+            <a:r>
+              <a:rPr lang="en-US" altLang="ko-KR" sz="2400" dirty="0"/>
+              <a:t>.</a:t>
+            </a:r>
+          </a:p>
+          <a:p>
+            <a:endParaRPr lang="en-US" altLang="ko-KR" sz="2400" dirty="0"/>
+          </a:p>
+          <a:p>
+            <a:r>
+              <a:rPr lang="en-US" altLang="ko-KR" sz="2400" b="1" dirty="0"/>
+              <a:t>select()</a:t>
+            </a:r>
+            <a:r>
+              <a:rPr lang="ko-KR" altLang="en-US" sz="2400" b="1" dirty="0"/>
+              <a:t>와 </a:t>
+            </a:r>
+            <a:r>
+              <a:rPr lang="en-US" altLang="ko-KR" sz="2400" b="1" dirty="0"/>
+              <a:t>poll()</a:t>
+            </a:r>
+            <a:r>
+              <a:rPr lang="ko-KR" altLang="en-US" sz="2400" b="1" dirty="0"/>
+              <a:t>은 모두 </a:t>
+            </a:r>
+            <a:r>
+              <a:rPr lang="en-US" altLang="ko-KR" sz="2400" b="1" dirty="0"/>
+              <a:t>POSIX 1003.1g</a:t>
+            </a:r>
+            <a:r>
+              <a:rPr lang="ko-KR" altLang="en-US" sz="2400" b="1" dirty="0"/>
+              <a:t>에 의해서 표준화되고 있다</a:t>
+            </a:r>
+            <a:r>
+              <a:rPr lang="en-US" altLang="ko-KR" sz="2400" b="1" dirty="0"/>
+              <a:t>.</a:t>
+            </a:r>
+          </a:p>
+        </p:txBody>
+      </p:sp>
+      <p:sp>
+        <p:nvSpPr>
+          <p:cNvPr id="4" name="TextBox 3"/>
+          <p:cNvSpPr txBox="1"/>
+          <p:nvPr/>
+        </p:nvSpPr>
+        <p:spPr>
+          <a:xfrm>
+            <a:off x="1353786" y="6139543"/>
+            <a:ext cx="10735294" cy="523220"/>
+          </a:xfrm>
+          <a:prstGeom prst="rect">
+            <a:avLst/>
+          </a:prstGeom>
+          <a:noFill/>
+        </p:spPr>
+        <p:txBody>
+          <a:bodyPr wrap="square" rtlCol="0">
+            <a:spAutoFit/>
+          </a:bodyPr>
+          <a:lstStyle/>
+          <a:p>
+            <a:r>
+              <a:rPr lang="en-US" altLang="ko-KR" sz="2800" b="1" dirty="0">
+                <a:solidFill>
+                  <a:srgbClr val="FF0000"/>
+                </a:solidFill>
+              </a:rPr>
+              <a:t>Windows</a:t>
+            </a:r>
+            <a:r>
+              <a:rPr lang="ko-KR" altLang="en-US" sz="2800" b="1" dirty="0">
+                <a:solidFill>
+                  <a:srgbClr val="FF0000"/>
+                </a:solidFill>
+              </a:rPr>
+              <a:t>는 이전부터 </a:t>
+            </a:r>
+            <a:r>
+              <a:rPr lang="en-US" altLang="ko-KR" sz="2800" b="1" dirty="0">
+                <a:solidFill>
+                  <a:srgbClr val="FF0000"/>
+                </a:solidFill>
+              </a:rPr>
+              <a:t>select</a:t>
+            </a:r>
+            <a:r>
+              <a:rPr lang="ko-KR" altLang="en-US" sz="2800" b="1" dirty="0">
+                <a:solidFill>
+                  <a:srgbClr val="FF0000"/>
+                </a:solidFill>
+              </a:rPr>
+              <a:t>가 있었고</a:t>
+            </a:r>
+            <a:r>
+              <a:rPr lang="en-US" altLang="ko-KR" sz="2800" b="1" dirty="0">
+                <a:solidFill>
+                  <a:srgbClr val="FF0000"/>
+                </a:solidFill>
+              </a:rPr>
+              <a:t>, Vista</a:t>
+            </a:r>
+            <a:r>
+              <a:rPr lang="ko-KR" altLang="en-US" sz="2800" b="1" dirty="0">
+                <a:solidFill>
+                  <a:srgbClr val="FF0000"/>
+                </a:solidFill>
+              </a:rPr>
+              <a:t>부터 </a:t>
+            </a:r>
+            <a:r>
+              <a:rPr lang="en-US" altLang="ko-KR" sz="2800" b="1" dirty="0">
+                <a:solidFill>
+                  <a:srgbClr val="FF0000"/>
+                </a:solidFill>
+              </a:rPr>
+              <a:t>poll</a:t>
+            </a:r>
+            <a:r>
+              <a:rPr lang="ko-KR" altLang="en-US" sz="2800" b="1" dirty="0">
+                <a:solidFill>
+                  <a:srgbClr val="FF0000"/>
+                </a:solidFill>
+              </a:rPr>
+              <a:t> 이 생겼다</a:t>
+            </a:r>
+            <a:r>
+              <a:rPr lang="en-US" altLang="ko-KR" sz="2800" b="1" dirty="0">
+                <a:solidFill>
+                  <a:srgbClr val="FF0000"/>
+                </a:solidFill>
+              </a:rPr>
+              <a:t>.</a:t>
+            </a:r>
+            <a:endParaRPr lang="ko-KR" altLang="en-US" sz="2800" b="1" dirty="0">
+              <a:solidFill>
+                <a:srgbClr val="FF0000"/>
+              </a:solidFill>
+            </a:endParaRPr>
+          </a:p>
+        </p:txBody>
+      </p:sp>
+    </p:spTree>
+    <p:extLst>
+      <p:ext uri="{BB962C8B-B14F-4D97-AF65-F5344CB8AC3E}">
+        <p14:creationId xmlns:p14="http://schemas.microsoft.com/office/powerpoint/2010/main" val="450910893"/>
+      </p:ext>
+    </p:extLst>
+  </p:cSld>
+  <p:clrMapOvr>
+    <a:masterClrMapping/>
+  </p:clrMapOvr>
+</p:sld>
+</file>
+
+<file path=ppt/slides/slide11.xml><?xml version="1.0" encoding="utf-8"?>
+<p:sld xmlns:a="http://schemas.openxmlformats.org/drawingml/2006/main" xmlns:r="http://schemas.openxmlformats.org/officeDocument/2006/relationships" xmlns:p="http://schemas.openxmlformats.org/presentationml/2006/main">
+  <p:cSld>
+    <p:spTree>
+      <p:nvGrpSpPr>
+        <p:cNvPr id="1" name=""/>
+        <p:cNvGrpSpPr/>
+        <p:nvPr/>
+      </p:nvGrpSpPr>
+      <p:grpSpPr>
+        <a:xfrm>
+          <a:off x="0" y="0"/>
+          <a:ext cx="0" cy="0"/>
+          <a:chOff x="0" y="0"/>
+          <a:chExt cx="0" cy="0"/>
+        </a:xfrm>
+      </p:grpSpPr>
+      <p:pic>
+        <p:nvPicPr>
+          <p:cNvPr id="2" name="그림 1"/>
+          <p:cNvPicPr>
+            <a:picLocks noChangeAspect="1"/>
+          </p:cNvPicPr>
+          <p:nvPr/>
+        </p:nvPicPr>
+        <p:blipFill>
+          <a:blip r:embed="rId2"/>
+          <a:stretch>
+            <a:fillRect/>
+          </a:stretch>
+        </p:blipFill>
+        <p:spPr>
+          <a:xfrm>
+            <a:off x="1529134" y="550841"/>
+            <a:ext cx="8363012" cy="5370742"/>
+          </a:xfrm>
+          <a:prstGeom prst="rect">
+            <a:avLst/>
+          </a:prstGeom>
+        </p:spPr>
+      </p:pic>
+      <p:sp>
+        <p:nvSpPr>
+          <p:cNvPr id="3" name="직사각형 2"/>
+          <p:cNvSpPr/>
+          <p:nvPr/>
+        </p:nvSpPr>
+        <p:spPr>
+          <a:xfrm>
+            <a:off x="1671638" y="5921583"/>
+            <a:ext cx="7307283" cy="276999"/>
+          </a:xfrm>
+          <a:prstGeom prst="rect">
+            <a:avLst/>
+          </a:prstGeom>
+        </p:spPr>
+        <p:txBody>
+          <a:bodyPr wrap="square">
+            <a:spAutoFit/>
+          </a:bodyPr>
+          <a:lstStyle/>
+          <a:p>
+            <a:r>
+              <a:rPr lang="ko-KR" altLang="en-US" sz="1200" dirty="0"/>
+              <a:t>출처</a:t>
+            </a:r>
+            <a:r>
+              <a:rPr lang="en-US" altLang="ko-KR" sz="1200" dirty="0"/>
+              <a:t>: </a:t>
+            </a:r>
+            <a:r>
+              <a:rPr lang="ko-KR" altLang="en-US" sz="1200" dirty="0">
+                <a:hlinkClick r:id="rId3"/>
+              </a:rPr>
+              <a:t>http://eenn.tistory.com/entry/poll-%EA%B3%BC-select-%EC%9D%98-%EC%B0%A8%EC%9D%B4</a:t>
+            </a:r>
+            <a:r>
+              <a:rPr lang="ko-KR" altLang="en-US" sz="1200" dirty="0"/>
+              <a:t> </a:t>
+            </a:r>
+            <a:endParaRPr lang="ko-KR" altLang="en-US" sz="1200" dirty="0"/>
+          </a:p>
+        </p:txBody>
+      </p:sp>
+    </p:spTree>
+    <p:extLst>
+      <p:ext uri="{BB962C8B-B14F-4D97-AF65-F5344CB8AC3E}">
+        <p14:creationId xmlns:p14="http://schemas.microsoft.com/office/powerpoint/2010/main" val="2182333078"/>
+      </p:ext>
+    </p:extLst>
+  </p:cSld>
+  <p:clrMapOvr>
+    <a:masterClrMapping/>
+  </p:clrMapOvr>
+</p:sld>
+</file>
+
+<file path=ppt/slides/slide12.xml><?xml version="1.0" encoding="utf-8"?>
+<p:sld xmlns:a="http://schemas.openxmlformats.org/drawingml/2006/main" xmlns:r="http://schemas.openxmlformats.org/officeDocument/2006/relationships" xmlns:p="http://schemas.openxmlformats.org/presentationml/2006/main">
+  <p:cSld>
+    <p:spTree>
+      <p:nvGrpSpPr>
+        <p:cNvPr id="1" name=""/>
+        <p:cNvGrpSpPr/>
+        <p:nvPr/>
+      </p:nvGrpSpPr>
+      <p:grpSpPr>
+        <a:xfrm>
+          <a:off x="0" y="0"/>
+          <a:ext cx="0" cy="0"/>
+          <a:chOff x="0" y="0"/>
+          <a:chExt cx="0" cy="0"/>
+        </a:xfrm>
+      </p:grpSpPr>
+      <p:sp>
+        <p:nvSpPr>
+          <p:cNvPr id="2" name="TextBox 1"/>
+          <p:cNvSpPr txBox="1"/>
+          <p:nvPr/>
+        </p:nvSpPr>
+        <p:spPr>
+          <a:xfrm>
+            <a:off x="551328" y="322729"/>
+            <a:ext cx="11282083" cy="646331"/>
+          </a:xfrm>
+          <a:prstGeom prst="rect">
+            <a:avLst/>
+          </a:prstGeom>
+          <a:noFill/>
+        </p:spPr>
+        <p:txBody>
+          <a:bodyPr wrap="square" rtlCol="0">
+            <a:spAutoFit/>
+          </a:bodyPr>
+          <a:lstStyle/>
+          <a:p>
+            <a:r>
+              <a:rPr lang="en-US" altLang="ko-KR" sz="3600" dirty="0"/>
+              <a:t>select </a:t>
+            </a:r>
+            <a:r>
+              <a:rPr lang="ko-KR" altLang="en-US" sz="3600" dirty="0"/>
+              <a:t>와 </a:t>
+            </a:r>
+            <a:r>
+              <a:rPr lang="en-US" altLang="ko-KR" sz="3600" dirty="0"/>
+              <a:t>poll </a:t>
+            </a:r>
+            <a:r>
+              <a:rPr lang="ko-KR" altLang="en-US" sz="3600" dirty="0"/>
+              <a:t>비교</a:t>
+            </a:r>
+            <a:endParaRPr lang="ko-KR" altLang="en-US" sz="3600" b="1" dirty="0"/>
+          </a:p>
+        </p:txBody>
+      </p:sp>
+      <p:sp>
+        <p:nvSpPr>
+          <p:cNvPr id="3" name="직사각형 2"/>
+          <p:cNvSpPr/>
+          <p:nvPr/>
+        </p:nvSpPr>
+        <p:spPr>
+          <a:xfrm>
+            <a:off x="645458" y="1186988"/>
+            <a:ext cx="10703859" cy="3970318"/>
+          </a:xfrm>
+          <a:prstGeom prst="rect">
+            <a:avLst/>
+          </a:prstGeom>
+        </p:spPr>
+        <p:txBody>
+          <a:bodyPr wrap="square">
+            <a:spAutoFit/>
+          </a:bodyPr>
+          <a:lstStyle/>
+          <a:p>
+            <a:r>
+              <a:rPr lang="en-US" altLang="ko-KR" dirty="0"/>
+              <a:t>poll </a:t>
+            </a:r>
+            <a:r>
+              <a:rPr lang="ko-KR" altLang="en-US" dirty="0"/>
+              <a:t>은 가장 높은 </a:t>
+            </a:r>
+            <a:r>
+              <a:rPr lang="en-US" altLang="ko-KR" dirty="0" err="1"/>
+              <a:t>fd</a:t>
+            </a:r>
+            <a:r>
+              <a:rPr lang="ko-KR" altLang="en-US" dirty="0"/>
+              <a:t>에 </a:t>
+            </a:r>
+            <a:r>
+              <a:rPr lang="en-US" altLang="ko-KR" dirty="0"/>
+              <a:t>+1</a:t>
+            </a:r>
+            <a:r>
+              <a:rPr lang="ko-KR" altLang="en-US" dirty="0"/>
+              <a:t>을 할 필요가 없다</a:t>
+            </a:r>
+            <a:r>
+              <a:rPr lang="en-US" altLang="ko-KR" dirty="0"/>
+              <a:t>.</a:t>
+            </a:r>
+            <a:br>
+              <a:rPr lang="en-US" altLang="ko-KR" dirty="0"/>
+            </a:br>
+            <a:endParaRPr lang="en-US" altLang="ko-KR" dirty="0"/>
+          </a:p>
+          <a:p>
+            <a:r>
+              <a:rPr lang="en-US" altLang="ko-KR" dirty="0"/>
+              <a:t>poll</a:t>
+            </a:r>
+            <a:r>
+              <a:rPr lang="ko-KR" altLang="en-US" dirty="0"/>
+              <a:t>은 </a:t>
+            </a:r>
+            <a:r>
+              <a:rPr lang="en-US" altLang="ko-KR" dirty="0" err="1"/>
+              <a:t>fd</a:t>
+            </a:r>
+            <a:r>
+              <a:rPr lang="ko-KR" altLang="en-US" dirty="0"/>
+              <a:t>가 클 경우 좋다</a:t>
+            </a:r>
+            <a:r>
+              <a:rPr lang="en-US" altLang="ko-KR" dirty="0"/>
+              <a:t>. select</a:t>
+            </a:r>
+            <a:r>
+              <a:rPr lang="ko-KR" altLang="en-US" dirty="0"/>
+              <a:t>는 모든 </a:t>
+            </a:r>
+            <a:r>
+              <a:rPr lang="en-US" altLang="ko-KR" dirty="0" err="1"/>
+              <a:t>fd</a:t>
+            </a:r>
+            <a:r>
+              <a:rPr lang="ko-KR" altLang="en-US" dirty="0"/>
+              <a:t>의 비트를 검사한다</a:t>
+            </a:r>
+            <a:r>
+              <a:rPr lang="en-US" altLang="ko-KR" dirty="0"/>
+              <a:t>. (select</a:t>
+            </a:r>
+            <a:r>
+              <a:rPr lang="ko-KR" altLang="en-US" dirty="0"/>
+              <a:t>는 </a:t>
+            </a:r>
+            <a:r>
+              <a:rPr lang="en-US" altLang="ko-KR" dirty="0"/>
+              <a:t>for loop</a:t>
+            </a:r>
+            <a:r>
+              <a:rPr lang="ko-KR" altLang="en-US" dirty="0"/>
+              <a:t>에서 </a:t>
+            </a:r>
+            <a:r>
+              <a:rPr lang="en-US" altLang="ko-KR" dirty="0"/>
+              <a:t>set </a:t>
+            </a:r>
+            <a:r>
+              <a:rPr lang="ko-KR" altLang="en-US" dirty="0"/>
+              <a:t>된 정보를 찾음</a:t>
+            </a:r>
+            <a:r>
+              <a:rPr lang="en-US" altLang="ko-KR" dirty="0"/>
+              <a:t>)</a:t>
+            </a:r>
+          </a:p>
+          <a:p>
+            <a:r>
+              <a:rPr lang="en-US" altLang="ko-KR" dirty="0"/>
+              <a:t>-&gt; </a:t>
+            </a:r>
+            <a:r>
+              <a:rPr lang="ko-KR" altLang="en-US" dirty="0"/>
+              <a:t>그렇다고 </a:t>
+            </a:r>
+            <a:r>
+              <a:rPr lang="en-US" altLang="ko-KR" dirty="0"/>
+              <a:t>select</a:t>
+            </a:r>
+            <a:r>
+              <a:rPr lang="ko-KR" altLang="en-US" dirty="0"/>
+              <a:t>가 안좋다고 말할 수 없다</a:t>
+            </a:r>
+            <a:r>
+              <a:rPr lang="en-US" altLang="ko-KR" dirty="0"/>
+              <a:t>. </a:t>
+            </a:r>
+            <a:r>
+              <a:rPr lang="ko-KR" altLang="en-US" dirty="0"/>
+              <a:t>이벤트가 자주 발생하고 연속적인 시스템에서는 </a:t>
+            </a:r>
+            <a:r>
+              <a:rPr lang="en-US" altLang="ko-KR" dirty="0"/>
+              <a:t>select</a:t>
+            </a:r>
+            <a:r>
+              <a:rPr lang="ko-KR" altLang="en-US" dirty="0"/>
+              <a:t>를 사용 </a:t>
+            </a:r>
+            <a:r>
+              <a:rPr lang="en-US" altLang="ko-KR" dirty="0"/>
+              <a:t>(apache http)</a:t>
+            </a:r>
+          </a:p>
+          <a:p>
+            <a:endParaRPr lang="en-US" altLang="ko-KR" dirty="0"/>
+          </a:p>
+          <a:p>
+            <a:r>
+              <a:rPr lang="en-US" altLang="ko-KR" dirty="0"/>
+              <a:t>poll</a:t>
+            </a:r>
+            <a:r>
+              <a:rPr lang="ko-KR" altLang="en-US" dirty="0"/>
+              <a:t>은 어느 정도 분산되어 있거나 크기 제한이 없는 </a:t>
+            </a:r>
+            <a:r>
+              <a:rPr lang="ko-KR" altLang="en-US" dirty="0" err="1"/>
+              <a:t>여러개의</a:t>
+            </a:r>
+            <a:r>
+              <a:rPr lang="ko-KR" altLang="en-US" dirty="0"/>
+              <a:t> </a:t>
+            </a:r>
+            <a:r>
+              <a:rPr lang="en-US" altLang="ko-KR" dirty="0"/>
+              <a:t>array </a:t>
+            </a:r>
+            <a:r>
+              <a:rPr lang="ko-KR" altLang="en-US" dirty="0"/>
+              <a:t>형태로 넘겨서 사용할 때 유용하다</a:t>
+            </a:r>
+            <a:r>
+              <a:rPr lang="en-US" altLang="ko-KR" dirty="0"/>
+              <a:t>. </a:t>
+            </a:r>
+          </a:p>
+          <a:p>
+            <a:r>
+              <a:rPr lang="ko-KR" altLang="en-US" dirty="0"/>
+              <a:t>그리고</a:t>
+            </a:r>
+            <a:r>
+              <a:rPr lang="en-US" altLang="ko-KR" dirty="0"/>
+              <a:t>, </a:t>
+            </a:r>
+            <a:r>
+              <a:rPr lang="ko-KR" altLang="en-US" dirty="0"/>
+              <a:t>필요한 것만 비교할 경우가 효과적이다</a:t>
+            </a:r>
+            <a:r>
+              <a:rPr lang="en-US" altLang="ko-KR" dirty="0"/>
+              <a:t>. </a:t>
+            </a:r>
+          </a:p>
+          <a:p>
+            <a:endParaRPr lang="en-US" altLang="ko-KR" dirty="0"/>
+          </a:p>
+          <a:p>
+            <a:r>
+              <a:rPr lang="en-US" altLang="ko-KR" dirty="0"/>
+              <a:t>- select</a:t>
+            </a:r>
+            <a:r>
+              <a:rPr lang="ko-KR" altLang="en-US" dirty="0"/>
+              <a:t>는 </a:t>
+            </a:r>
+            <a:r>
+              <a:rPr lang="en-US" altLang="ko-KR" dirty="0" err="1"/>
+              <a:t>fd</a:t>
+            </a:r>
+            <a:r>
+              <a:rPr lang="en-US" altLang="ko-KR" dirty="0"/>
+              <a:t> set</a:t>
+            </a:r>
+            <a:r>
+              <a:rPr lang="ko-KR" altLang="en-US" dirty="0"/>
+              <a:t>을 초기화를 해야 하지만</a:t>
+            </a:r>
+            <a:r>
+              <a:rPr lang="en-US" altLang="ko-KR" dirty="0"/>
+              <a:t>, poll</a:t>
+            </a:r>
+            <a:r>
+              <a:rPr lang="ko-KR" altLang="en-US" dirty="0"/>
+              <a:t>은 입력과 결과를 분리할 수 있다</a:t>
+            </a:r>
+            <a:r>
+              <a:rPr lang="en-US" altLang="ko-KR" dirty="0"/>
+              <a:t>.</a:t>
+            </a:r>
+          </a:p>
+          <a:p>
+            <a:r>
+              <a:rPr lang="en-US" altLang="ko-KR" dirty="0"/>
+              <a:t>- select</a:t>
+            </a:r>
+            <a:r>
+              <a:rPr lang="ko-KR" altLang="en-US" dirty="0"/>
+              <a:t>는 사이즈 제한이 있다</a:t>
+            </a:r>
+            <a:r>
+              <a:rPr lang="en-US" altLang="ko-KR" dirty="0"/>
+              <a:t>. </a:t>
+            </a:r>
+          </a:p>
+          <a:p>
+            <a:r>
+              <a:rPr lang="en-US" altLang="ko-KR" dirty="0"/>
+              <a:t>- select</a:t>
+            </a:r>
+            <a:r>
+              <a:rPr lang="ko-KR" altLang="en-US" dirty="0"/>
+              <a:t>가 이식성이 좋음</a:t>
+            </a:r>
+            <a:r>
+              <a:rPr lang="en-US" altLang="ko-KR" dirty="0"/>
+              <a:t>. </a:t>
+            </a:r>
+            <a:r>
+              <a:rPr lang="ko-KR" altLang="en-US" dirty="0"/>
+              <a:t>어떤 시스템은 </a:t>
+            </a:r>
+            <a:r>
+              <a:rPr lang="en-US" altLang="ko-KR" dirty="0"/>
+              <a:t>poll</a:t>
+            </a:r>
+            <a:r>
+              <a:rPr lang="ko-KR" altLang="en-US" dirty="0"/>
+              <a:t>을 쓰지 않기도 함 </a:t>
+            </a:r>
+          </a:p>
+          <a:p>
+            <a:r>
+              <a:rPr lang="en-US" altLang="ko-KR" dirty="0"/>
+              <a:t>- select</a:t>
+            </a:r>
+            <a:r>
+              <a:rPr lang="ko-KR" altLang="en-US" dirty="0"/>
+              <a:t>의 </a:t>
+            </a:r>
+            <a:r>
+              <a:rPr lang="en-US" altLang="ko-KR" dirty="0"/>
+              <a:t>timeout</a:t>
+            </a:r>
+            <a:r>
+              <a:rPr lang="ko-KR" altLang="en-US" dirty="0"/>
+              <a:t>이 </a:t>
+            </a:r>
+            <a:r>
+              <a:rPr lang="en-US" altLang="ko-KR" dirty="0"/>
+              <a:t>poll</a:t>
+            </a:r>
+            <a:r>
+              <a:rPr lang="ko-KR" altLang="en-US" dirty="0"/>
+              <a:t>의 </a:t>
+            </a:r>
+            <a:r>
+              <a:rPr lang="en-US" altLang="ko-KR" dirty="0"/>
+              <a:t>timeout</a:t>
+            </a:r>
+            <a:r>
+              <a:rPr lang="ko-KR" altLang="en-US" dirty="0"/>
+              <a:t>보다 안정적임</a:t>
+            </a:r>
+          </a:p>
+        </p:txBody>
+      </p:sp>
+      <p:sp>
+        <p:nvSpPr>
+          <p:cNvPr id="4" name="직사각형 3"/>
+          <p:cNvSpPr/>
+          <p:nvPr/>
+        </p:nvSpPr>
+        <p:spPr>
+          <a:xfrm>
+            <a:off x="918587" y="6527142"/>
+            <a:ext cx="11187953" cy="276999"/>
+          </a:xfrm>
+          <a:prstGeom prst="rect">
+            <a:avLst/>
+          </a:prstGeom>
+        </p:spPr>
+        <p:txBody>
+          <a:bodyPr wrap="square">
+            <a:spAutoFit/>
+          </a:bodyPr>
+          <a:lstStyle/>
+          <a:p>
+            <a:r>
+              <a:rPr lang="ko-KR" altLang="en-US" sz="1200" dirty="0"/>
+              <a:t>출처: </a:t>
+            </a:r>
+            <a:r>
+              <a:rPr lang="ko-KR" altLang="en-US" sz="1200" dirty="0">
+                <a:hlinkClick r:id="rId2"/>
+              </a:rPr>
+              <a:t>http://knight76.tistory.com/entry/select-poll-%EC%8B%9C%EC%8A%A4%ED%85%9C-%EC%BD%9C-%EC%9D%B4%ED%95%B4%ED%95%98%EA%B8%B0</a:t>
+            </a:r>
+            <a:r>
+              <a:rPr lang="ko-KR" altLang="en-US" sz="1200" dirty="0"/>
+              <a:t> </a:t>
+            </a:r>
+            <a:endParaRPr lang="ko-KR" altLang="en-US" sz="1200" dirty="0"/>
+          </a:p>
+        </p:txBody>
+      </p:sp>
+    </p:spTree>
+    <p:extLst>
+      <p:ext uri="{BB962C8B-B14F-4D97-AF65-F5344CB8AC3E}">
+        <p14:creationId xmlns:p14="http://schemas.microsoft.com/office/powerpoint/2010/main" val="2751484186"/>
+      </p:ext>
+    </p:extLst>
+  </p:cSld>
+  <p:clrMapOvr>
+    <a:masterClrMapping/>
+  </p:clrMapOvr>
+</p:sld>
+</file>
+
+<file path=ppt/slides/slide13.xml><?xml version="1.0" encoding="utf-8"?>
+<p:sld xmlns:a="http://schemas.openxmlformats.org/drawingml/2006/main" xmlns:r="http://schemas.openxmlformats.org/officeDocument/2006/relationships" xmlns:p="http://schemas.openxmlformats.org/presentationml/2006/main">
+  <p:cSld>
+    <p:spTree>
+      <p:nvGrpSpPr>
+        <p:cNvPr id="1" name=""/>
+        <p:cNvGrpSpPr/>
+        <p:nvPr/>
+      </p:nvGrpSpPr>
+      <p:grpSpPr>
+        <a:xfrm>
+          <a:off x="0" y="0"/>
+          <a:ext cx="0" cy="0"/>
+          <a:chOff x="0" y="0"/>
+          <a:chExt cx="0" cy="0"/>
+        </a:xfrm>
+      </p:grpSpPr>
+      <p:sp>
+        <p:nvSpPr>
+          <p:cNvPr id="2" name="TextBox 1"/>
+          <p:cNvSpPr txBox="1"/>
+          <p:nvPr/>
+        </p:nvSpPr>
+        <p:spPr>
+          <a:xfrm>
+            <a:off x="551329" y="322729"/>
+            <a:ext cx="6894500" cy="646331"/>
+          </a:xfrm>
+          <a:prstGeom prst="rect">
+            <a:avLst/>
+          </a:prstGeom>
+          <a:noFill/>
+        </p:spPr>
+        <p:txBody>
+          <a:bodyPr wrap="square" rtlCol="0">
+            <a:spAutoFit/>
+          </a:bodyPr>
+          <a:lstStyle/>
+          <a:p>
+            <a:r>
+              <a:rPr lang="ko-KR" altLang="en-US" sz="3600" b="1" dirty="0"/>
+              <a:t>이제 </a:t>
+            </a:r>
+            <a:r>
+              <a:rPr lang="en-US" altLang="ko-KR" sz="3600" b="1" dirty="0"/>
+              <a:t>Windows</a:t>
+            </a:r>
+            <a:r>
+              <a:rPr lang="ko-KR" altLang="en-US" sz="3600" b="1" dirty="0"/>
+              <a:t>의 </a:t>
+            </a:r>
+            <a:r>
+              <a:rPr lang="en-US" altLang="ko-KR" sz="3600" b="1" dirty="0" err="1"/>
+              <a:t>WSAPoll</a:t>
+            </a:r>
+            <a:r>
+              <a:rPr lang="en-US" altLang="ko-KR" sz="3600" b="1" dirty="0"/>
+              <a:t> </a:t>
+            </a:r>
+            <a:r>
+              <a:rPr lang="ko-KR" altLang="en-US" sz="3600" b="1" dirty="0"/>
+              <a:t>로</a:t>
+            </a:r>
+          </a:p>
+        </p:txBody>
+      </p:sp>
+      <p:sp>
+        <p:nvSpPr>
+          <p:cNvPr id="3" name="직사각형 2"/>
+          <p:cNvSpPr/>
+          <p:nvPr/>
+        </p:nvSpPr>
+        <p:spPr>
+          <a:xfrm>
+            <a:off x="654424" y="1141309"/>
+            <a:ext cx="10425952" cy="461665"/>
+          </a:xfrm>
+          <a:prstGeom prst="rect">
+            <a:avLst/>
+          </a:prstGeom>
+        </p:spPr>
+        <p:txBody>
+          <a:bodyPr wrap="square">
+            <a:spAutoFit/>
+          </a:bodyPr>
+          <a:lstStyle/>
+          <a:p>
+            <a:r>
+              <a:rPr lang="ko-KR" altLang="en-US" sz="2400" dirty="0" err="1"/>
+              <a:t>ㅊㅌㅊㅌㅊ</a:t>
+            </a:r>
+            <a:endParaRPr lang="ko-KR" altLang="en-US" sz="2400" dirty="0"/>
+          </a:p>
+        </p:txBody>
+      </p:sp>
+      <p:sp>
+        <p:nvSpPr>
+          <p:cNvPr id="4" name="직사각형 3"/>
+          <p:cNvSpPr/>
+          <p:nvPr/>
+        </p:nvSpPr>
+        <p:spPr>
+          <a:xfrm>
+            <a:off x="839190" y="2741704"/>
+            <a:ext cx="10691750" cy="923330"/>
+          </a:xfrm>
+          <a:prstGeom prst="rect">
+            <a:avLst/>
+          </a:prstGeom>
+        </p:spPr>
+        <p:txBody>
+          <a:bodyPr wrap="square">
+            <a:spAutoFit/>
+          </a:bodyPr>
+          <a:lstStyle/>
+          <a:p>
+            <a:r>
+              <a:rPr lang="en-US" altLang="ko-KR" dirty="0"/>
+              <a:t>(</a:t>
+            </a:r>
+            <a:r>
+              <a:rPr lang="ko-KR" altLang="en-US" dirty="0"/>
+              <a:t>구글 번역</a:t>
+            </a:r>
+            <a:r>
+              <a:rPr lang="en-US" altLang="ko-KR" dirty="0"/>
+              <a:t>)</a:t>
+            </a:r>
+          </a:p>
+          <a:p>
+            <a:r>
+              <a:rPr lang="ko-KR" altLang="en-US" dirty="0"/>
+              <a:t>https://blogs.msdn.microsoft.com/wndp/2006/10/26/wsapoll-a-new-winsock-api-to-simplify-porting-poll-applications-to-winsock/</a:t>
+            </a:r>
+            <a:endParaRPr lang="ko-KR" altLang="en-US" dirty="0"/>
+          </a:p>
+        </p:txBody>
+      </p:sp>
+      <p:sp>
+        <p:nvSpPr>
+          <p:cNvPr id="5" name="직사각형 4"/>
+          <p:cNvSpPr/>
+          <p:nvPr/>
+        </p:nvSpPr>
+        <p:spPr>
+          <a:xfrm>
+            <a:off x="839190" y="4281492"/>
+            <a:ext cx="6096000" cy="646331"/>
+          </a:xfrm>
+          <a:prstGeom prst="rect">
+            <a:avLst/>
+          </a:prstGeom>
+        </p:spPr>
+        <p:txBody>
+          <a:bodyPr>
+            <a:spAutoFit/>
+          </a:bodyPr>
+          <a:lstStyle/>
+          <a:p>
+            <a:r>
+              <a:rPr lang="ko-KR" altLang="en-US" dirty="0"/>
+              <a:t>https://msdn.microsoft.com/ko-kr/library/windows/desktop/ms741669(v=vs.85).aspx</a:t>
+            </a:r>
+            <a:endParaRPr lang="ko-KR" altLang="en-US" dirty="0"/>
+          </a:p>
+        </p:txBody>
+      </p:sp>
+    </p:spTree>
+    <p:extLst>
+      <p:ext uri="{BB962C8B-B14F-4D97-AF65-F5344CB8AC3E}">
+        <p14:creationId xmlns:p14="http://schemas.microsoft.com/office/powerpoint/2010/main" val="384142984"/>
+      </p:ext>
+    </p:extLst>
+  </p:cSld>
+  <p:clrMapOvr>
+    <a:masterClrMapping/>
+  </p:clrMapOvr>
+</p:sld>
+</file>
+
+<file path=ppt/slides/slide14.xml><?xml version="1.0" encoding="utf-8"?>
+<p:sld xmlns:a="http://schemas.openxmlformats.org/drawingml/2006/main" xmlns:r="http://schemas.openxmlformats.org/officeDocument/2006/relationships" xmlns:p="http://schemas.openxmlformats.org/presentationml/2006/main">
+  <p:cSld>
+    <p:spTree>
+      <p:nvGrpSpPr>
+        <p:cNvPr id="1" name=""/>
+        <p:cNvGrpSpPr/>
+        <p:nvPr/>
+      </p:nvGrpSpPr>
+      <p:grpSpPr>
+        <a:xfrm>
+          <a:off x="0" y="0"/>
+          <a:ext cx="0" cy="0"/>
+          <a:chOff x="0" y="0"/>
+          <a:chExt cx="0" cy="0"/>
+        </a:xfrm>
+      </p:grpSpPr>
+    </p:spTree>
+    <p:extLst>
+      <p:ext uri="{BB962C8B-B14F-4D97-AF65-F5344CB8AC3E}">
+        <p14:creationId xmlns:p14="http://schemas.microsoft.com/office/powerpoint/2010/main" val="1778192700"/>
+      </p:ext>
+    </p:extLst>
+  </p:cSld>
+  <p:clrMapOvr>
+    <a:masterClrMapping/>
+  </p:clrMapOvr>
+</p:sld>
+</file>
+
+<file path=ppt/slides/slide15.xml><?xml version="1.0" encoding="utf-8"?>
+<p:sld xmlns:a="http://schemas.openxmlformats.org/drawingml/2006/main" xmlns:r="http://schemas.openxmlformats.org/officeDocument/2006/relationships" xmlns:p="http://schemas.openxmlformats.org/presentationml/2006/main">
+  <p:cSld>
+    <p:spTree>
+      <p:nvGrpSpPr>
+        <p:cNvPr id="1" name=""/>
+        <p:cNvGrpSpPr/>
+        <p:nvPr/>
+      </p:nvGrpSpPr>
+      <p:grpSpPr>
+        <a:xfrm>
+          <a:off x="0" y="0"/>
+          <a:ext cx="0" cy="0"/>
+          <a:chOff x="0" y="0"/>
+          <a:chExt cx="0" cy="0"/>
+        </a:xfrm>
+      </p:grpSpPr>
+    </p:spTree>
+    <p:extLst>
+      <p:ext uri="{BB962C8B-B14F-4D97-AF65-F5344CB8AC3E}">
+        <p14:creationId xmlns:p14="http://schemas.microsoft.com/office/powerpoint/2010/main" val="240838179"/>
+      </p:ext>
+    </p:extLst>
+  </p:cSld>
+  <p:clrMapOvr>
+    <a:masterClrMapping/>
+  </p:clrMapOvr>
+</p:sld>
+</file>
+
+<file path=ppt/slides/slide16.xml><?xml version="1.0" encoding="utf-8"?>
+<p:sld xmlns:a="http://schemas.openxmlformats.org/drawingml/2006/main" xmlns:r="http://schemas.openxmlformats.org/officeDocument/2006/relationships" xmlns:p="http://schemas.openxmlformats.org/presentationml/2006/main">
+  <p:cSld>
+    <p:spTree>
+      <p:nvGrpSpPr>
+        <p:cNvPr id="1" name=""/>
+        <p:cNvGrpSpPr/>
+        <p:nvPr/>
+      </p:nvGrpSpPr>
+      <p:grpSpPr>
+        <a:xfrm>
+          <a:off x="0" y="0"/>
+          <a:ext cx="0" cy="0"/>
+          <a:chOff x="0" y="0"/>
+          <a:chExt cx="0" cy="0"/>
+        </a:xfrm>
+      </p:grpSpPr>
+    </p:spTree>
+    <p:extLst>
+      <p:ext uri="{BB962C8B-B14F-4D97-AF65-F5344CB8AC3E}">
+        <p14:creationId xmlns:p14="http://schemas.microsoft.com/office/powerpoint/2010/main" val="2620082438"/>
+      </p:ext>
+    </p:extLst>
+  </p:cSld>
+  <p:clrMapOvr>
+    <a:masterClrMapping/>
+  </p:clrMapOvr>
+</p:sld>
+</file>
+
+<file path=ppt/slides/slide17.xml><?xml version="1.0" encoding="utf-8"?>
+<p:sld xmlns:a="http://schemas.openxmlformats.org/drawingml/2006/main" xmlns:r="http://schemas.openxmlformats.org/officeDocument/2006/relationships" xmlns:p="http://schemas.openxmlformats.org/presentationml/2006/main">
+  <p:cSld>
+    <p:spTree>
+      <p:nvGrpSpPr>
+        <p:cNvPr id="1" name=""/>
+        <p:cNvGrpSpPr/>
+        <p:nvPr/>
+      </p:nvGrpSpPr>
+      <p:grpSpPr>
+        <a:xfrm>
+          <a:off x="0" y="0"/>
+          <a:ext cx="0" cy="0"/>
+          <a:chOff x="0" y="0"/>
+          <a:chExt cx="0" cy="0"/>
+        </a:xfrm>
+      </p:grpSpPr>
+      <p:sp>
+        <p:nvSpPr>
+          <p:cNvPr id="2" name="TextBox 1"/>
+          <p:cNvSpPr txBox="1"/>
+          <p:nvPr/>
+        </p:nvSpPr>
+        <p:spPr>
+          <a:xfrm>
+            <a:off x="551329" y="322729"/>
+            <a:ext cx="4074459" cy="646331"/>
+          </a:xfrm>
+          <a:prstGeom prst="rect">
+            <a:avLst/>
+          </a:prstGeom>
+          <a:noFill/>
+        </p:spPr>
+        <p:txBody>
+          <a:bodyPr wrap="square" rtlCol="0">
+            <a:spAutoFit/>
+          </a:bodyPr>
+          <a:lstStyle/>
+          <a:p>
+            <a:r>
+              <a:rPr lang="ko-KR" altLang="en-US" sz="3600" b="1" dirty="0" err="1"/>
+              <a:t>ㅌㅌㅌㅌㅌ</a:t>
+            </a:r>
+            <a:endParaRPr lang="ko-KR" altLang="en-US" sz="3600" b="1" dirty="0"/>
+          </a:p>
+        </p:txBody>
+      </p:sp>
+      <p:sp>
+        <p:nvSpPr>
+          <p:cNvPr id="3" name="직사각형 2"/>
+          <p:cNvSpPr/>
+          <p:nvPr/>
+        </p:nvSpPr>
+        <p:spPr>
+          <a:xfrm>
+            <a:off x="654424" y="1141309"/>
+            <a:ext cx="10425952" cy="461665"/>
+          </a:xfrm>
+          <a:prstGeom prst="rect">
+            <a:avLst/>
+          </a:prstGeom>
+        </p:spPr>
+        <p:txBody>
+          <a:bodyPr wrap="square">
+            <a:spAutoFit/>
+          </a:bodyPr>
+          <a:lstStyle/>
+          <a:p>
+            <a:r>
+              <a:rPr lang="ko-KR" altLang="en-US" sz="2400" dirty="0" err="1"/>
+              <a:t>ㅊㅌㅊㅌㅊ</a:t>
+            </a:r>
+            <a:endParaRPr lang="ko-KR" altLang="en-US" sz="2400" dirty="0"/>
+          </a:p>
+        </p:txBody>
+      </p:sp>
+    </p:spTree>
+    <p:extLst>
+      <p:ext uri="{BB962C8B-B14F-4D97-AF65-F5344CB8AC3E}">
+        <p14:creationId xmlns:p14="http://schemas.microsoft.com/office/powerpoint/2010/main" val="750272973"/>
+      </p:ext>
+    </p:extLst>
+  </p:cSld>
+  <p:clrMapOvr>
+    <a:masterClrMapping/>
+  </p:clrMapOvr>
+</p:sld>
+</file>
+
+<file path=ppt/slides/slide18.xml><?xml version="1.0" encoding="utf-8"?>
+<p:sld xmlns:a="http://schemas.openxmlformats.org/drawingml/2006/main" xmlns:r="http://schemas.openxmlformats.org/officeDocument/2006/relationships" xmlns:p="http://schemas.openxmlformats.org/presentationml/2006/main">
+  <p:cSld>
+    <p:spTree>
+      <p:nvGrpSpPr>
+        <p:cNvPr id="1" name=""/>
+        <p:cNvGrpSpPr/>
+        <p:nvPr/>
+      </p:nvGrpSpPr>
+      <p:grpSpPr>
+        <a:xfrm>
+          <a:off x="0" y="0"/>
+          <a:ext cx="0" cy="0"/>
+          <a:chOff x="0" y="0"/>
+          <a:chExt cx="0" cy="0"/>
+        </a:xfrm>
+      </p:grpSpPr>
+      <p:sp>
+        <p:nvSpPr>
+          <p:cNvPr id="2" name="TextBox 1"/>
+          <p:cNvSpPr txBox="1"/>
+          <p:nvPr/>
+        </p:nvSpPr>
+        <p:spPr>
+          <a:xfrm>
+            <a:off x="551329" y="322729"/>
+            <a:ext cx="4074459" cy="646331"/>
+          </a:xfrm>
+          <a:prstGeom prst="rect">
+            <a:avLst/>
+          </a:prstGeom>
+          <a:noFill/>
+        </p:spPr>
+        <p:txBody>
+          <a:bodyPr wrap="square" rtlCol="0">
+            <a:spAutoFit/>
+          </a:bodyPr>
+          <a:lstStyle/>
+          <a:p>
+            <a:r>
+              <a:rPr lang="ko-KR" altLang="en-US" sz="3600" b="1" dirty="0" err="1"/>
+              <a:t>ㅌㅌㅌㅌㅌ</a:t>
+            </a:r>
+            <a:endParaRPr lang="ko-KR" altLang="en-US" sz="3600" b="1" dirty="0"/>
+          </a:p>
+        </p:txBody>
+      </p:sp>
+      <p:sp>
+        <p:nvSpPr>
+          <p:cNvPr id="3" name="직사각형 2"/>
+          <p:cNvSpPr/>
+          <p:nvPr/>
+        </p:nvSpPr>
+        <p:spPr>
+          <a:xfrm>
+            <a:off x="654424" y="1141309"/>
+            <a:ext cx="10425952" cy="461665"/>
+          </a:xfrm>
+          <a:prstGeom prst="rect">
+            <a:avLst/>
+          </a:prstGeom>
+        </p:spPr>
+        <p:txBody>
+          <a:bodyPr wrap="square">
+            <a:spAutoFit/>
+          </a:bodyPr>
+          <a:lstStyle/>
+          <a:p>
+            <a:r>
+              <a:rPr lang="ko-KR" altLang="en-US" sz="2400" dirty="0" err="1"/>
+              <a:t>ㅊㅌㅊㅌㅊ</a:t>
+            </a:r>
+            <a:endParaRPr lang="ko-KR" altLang="en-US" sz="2400" dirty="0"/>
+          </a:p>
+        </p:txBody>
+      </p:sp>
+    </p:spTree>
+    <p:extLst>
+      <p:ext uri="{BB962C8B-B14F-4D97-AF65-F5344CB8AC3E}">
+        <p14:creationId xmlns:p14="http://schemas.microsoft.com/office/powerpoint/2010/main" val="1663635338"/>
+      </p:ext>
+    </p:extLst>
+  </p:cSld>
+  <p:clrMapOvr>
+    <a:masterClrMapping/>
+  </p:clrMapOvr>
+</p:sld>
+</file>
+
+<file path=ppt/slides/slide19.xml><?xml version="1.0" encoding="utf-8"?>
+<p:sld xmlns:a="http://schemas.openxmlformats.org/drawingml/2006/main" xmlns:r="http://schemas.openxmlformats.org/officeDocument/2006/relationships" xmlns:p="http://schemas.openxmlformats.org/presentationml/2006/main">
+  <p:cSld>
+    <p:spTree>
+      <p:nvGrpSpPr>
+        <p:cNvPr id="1" name=""/>
+        <p:cNvGrpSpPr/>
+        <p:nvPr/>
+      </p:nvGrpSpPr>
+      <p:grpSpPr>
+        <a:xfrm>
+          <a:off x="0" y="0"/>
+          <a:ext cx="0" cy="0"/>
+          <a:chOff x="0" y="0"/>
+          <a:chExt cx="0" cy="0"/>
+        </a:xfrm>
+      </p:grpSpPr>
+      <p:sp>
+        <p:nvSpPr>
+          <p:cNvPr id="2" name="TextBox 1"/>
+          <p:cNvSpPr txBox="1"/>
+          <p:nvPr/>
+        </p:nvSpPr>
+        <p:spPr>
+          <a:xfrm>
+            <a:off x="551329" y="322729"/>
+            <a:ext cx="4074459" cy="646331"/>
+          </a:xfrm>
+          <a:prstGeom prst="rect">
+            <a:avLst/>
+          </a:prstGeom>
+          <a:noFill/>
+        </p:spPr>
+        <p:txBody>
+          <a:bodyPr wrap="square" rtlCol="0">
+            <a:spAutoFit/>
+          </a:bodyPr>
+          <a:lstStyle/>
+          <a:p>
+            <a:r>
+              <a:rPr lang="en-US" altLang="ko-KR" sz="3600" b="1" dirty="0" err="1"/>
+              <a:t>linux</a:t>
+            </a:r>
+            <a:r>
+              <a:rPr lang="ko-KR" altLang="en-US" sz="3600" b="1" dirty="0"/>
+              <a:t>의 </a:t>
+            </a:r>
+            <a:r>
+              <a:rPr lang="en-US" altLang="ko-KR" sz="3600" b="1" dirty="0"/>
+              <a:t>poll</a:t>
+            </a:r>
+            <a:endParaRPr lang="ko-KR" altLang="en-US" sz="3600" b="1" dirty="0"/>
+          </a:p>
+        </p:txBody>
+      </p:sp>
+      <p:sp>
+        <p:nvSpPr>
+          <p:cNvPr id="3" name="직사각형 2"/>
+          <p:cNvSpPr/>
+          <p:nvPr/>
+        </p:nvSpPr>
+        <p:spPr>
+          <a:xfrm>
+            <a:off x="551329" y="1153184"/>
+            <a:ext cx="10425952" cy="3416320"/>
+          </a:xfrm>
+          <a:prstGeom prst="rect">
+            <a:avLst/>
+          </a:prstGeom>
+        </p:spPr>
+        <p:txBody>
+          <a:bodyPr wrap="square">
+            <a:spAutoFit/>
+          </a:bodyPr>
+          <a:lstStyle/>
+          <a:p>
+            <a:r>
+              <a:rPr lang="en-US" altLang="ko-KR" sz="2400" dirty="0"/>
+              <a:t>poll </a:t>
+            </a:r>
+            <a:r>
+              <a:rPr lang="ko-KR" altLang="en-US" sz="2400" dirty="0"/>
+              <a:t>함수 예제</a:t>
+            </a:r>
+          </a:p>
+          <a:p>
+            <a:r>
+              <a:rPr lang="en-US" altLang="ko-KR" sz="2400" dirty="0">
+                <a:hlinkClick r:id="rId2"/>
+              </a:rPr>
+              <a:t>http://sfixer.tistory.com/entry/%EA%B1%B0%EA%BE%B8%EB%A1%9C-%EC%8B%9C%EC%9E%91%ED%95%98%EB%8A%94-%EC%8B%9C%EC%8A%A4%ED%85%9C-%ED%94%84%EB%A1%9C%EA%B7%B8%EB%9E%98%EB%B0%8D-poll-%ED%95%A8%EC%88%98-%EC%98%88%EC%A0%9C</a:t>
+            </a:r>
+            <a:r>
+              <a:rPr lang="en-US" altLang="ko-KR" sz="2400" dirty="0"/>
+              <a:t> </a:t>
+            </a:r>
+          </a:p>
+          <a:p>
+            <a:endParaRPr lang="en-US" altLang="ko-KR" sz="2400" dirty="0"/>
+          </a:p>
+          <a:p>
+            <a:r>
+              <a:rPr lang="en-US" altLang="ko-KR" sz="2400" dirty="0"/>
+              <a:t>Poll</a:t>
+            </a:r>
+            <a:r>
+              <a:rPr lang="ko-KR" altLang="en-US" sz="2400" dirty="0"/>
+              <a:t>을 이용한 다중서버 예제</a:t>
+            </a:r>
+          </a:p>
+          <a:p>
+            <a:r>
+              <a:rPr lang="en-US" altLang="ko-KR" sz="2400" dirty="0">
+                <a:hlinkClick r:id="rId3"/>
+              </a:rPr>
+              <a:t>http://robelias.tistory.com/2</a:t>
+            </a:r>
+            <a:r>
+              <a:rPr lang="en-US" altLang="ko-KR" sz="2400" dirty="0"/>
+              <a:t> </a:t>
+            </a:r>
+            <a:endParaRPr lang="ko-KR" altLang="en-US" sz="2400" dirty="0"/>
+          </a:p>
+        </p:txBody>
+      </p:sp>
+    </p:spTree>
+    <p:extLst>
+      <p:ext uri="{BB962C8B-B14F-4D97-AF65-F5344CB8AC3E}">
+        <p14:creationId xmlns:p14="http://schemas.microsoft.com/office/powerpoint/2010/main" val="1973882705"/>
+      </p:ext>
+    </p:extLst>
+  </p:cSld>
+  <p:clrMapOvr>
+    <a:masterClrMapping/>
+  </p:clrMapOvr>
+</p:sld>
+</file>
+
 <file path=ppt/slides/slide2.xml><?xml version="1.0" encoding="utf-8"?>
 <p:sld xmlns:a="http://schemas.openxmlformats.org/drawingml/2006/main" xmlns:r="http://schemas.openxmlformats.org/officeDocument/2006/relationships" xmlns:p="http://schemas.openxmlformats.org/presentationml/2006/main">
   <p:cSld>
@@ -3370,197 +5478,1150 @@
           <a:chExt cx="0" cy="0"/>
         </a:xfrm>
       </p:grpSpPr>
-      <p:sp>
-        <p:nvSpPr>
-          <p:cNvPr id="2" name="TextBox 1"/>
-          <p:cNvSpPr txBox="1"/>
+      <p:pic>
+        <p:nvPicPr>
+          <p:cNvPr id="1026" name="Picture 2" descr="linux ms에 대한 이미지 검색결과"/>
+          <p:cNvPicPr>
+            <a:picLocks noChangeAspect="1" noChangeArrowheads="1"/>
+          </p:cNvPicPr>
           <p:nvPr/>
-        </p:nvSpPr>
-        <p:spPr>
-          <a:xfrm>
-            <a:off x="551329" y="322729"/>
-            <a:ext cx="4074459" cy="646331"/>
+        </p:nvPicPr>
+        <p:blipFill>
+          <a:blip r:embed="rId2">
+            <a:extLst>
+              <a:ext uri="{28A0092B-C50C-407E-A947-70E740481C1C}">
+                <a14:useLocalDpi xmlns:a14="http://schemas.microsoft.com/office/drawing/2010/main" val="0"/>
+              </a:ext>
+            </a:extLst>
+          </a:blip>
+          <a:srcRect/>
+          <a:stretch>
+            <a:fillRect/>
+          </a:stretch>
+        </p:blipFill>
+        <p:spPr bwMode="auto">
+          <a:xfrm>
+            <a:off x="-1" y="0"/>
+            <a:ext cx="12191999" cy="6858000"/>
           </a:xfrm>
           <a:prstGeom prst="rect">
             <a:avLst/>
           </a:prstGeom>
           <a:noFill/>
-        </p:spPr>
-        <p:txBody>
-          <a:bodyPr wrap="square" rtlCol="0">
-            <a:spAutoFit/>
-          </a:bodyPr>
-          <a:lstStyle/>
-          <a:p>
-            <a:r>
-              <a:rPr lang="en-US" altLang="ko-KR" sz="3600" b="1" dirty="0"/>
-              <a:t>NIC Teaming</a:t>
-            </a:r>
-            <a:endParaRPr lang="ko-KR" altLang="en-US" sz="3600" b="1" dirty="0"/>
-          </a:p>
-        </p:txBody>
-      </p:sp>
-      <p:sp>
-        <p:nvSpPr>
-          <p:cNvPr id="3" name="직사각형 2"/>
-          <p:cNvSpPr/>
-          <p:nvPr/>
-        </p:nvSpPr>
-        <p:spPr>
-          <a:xfrm>
-            <a:off x="654424" y="1141309"/>
-            <a:ext cx="10425952" cy="3785652"/>
-          </a:xfrm>
-          <a:prstGeom prst="rect">
-            <a:avLst/>
-          </a:prstGeom>
-        </p:spPr>
-        <p:txBody>
-          <a:bodyPr wrap="square">
-            <a:spAutoFit/>
-          </a:bodyPr>
-          <a:lstStyle/>
-          <a:p>
-            <a:r>
-              <a:rPr lang="ko-KR" altLang="en-US" sz="2400" dirty="0"/>
-              <a:t>가상 </a:t>
-            </a:r>
-            <a:r>
-              <a:rPr lang="ko-KR" altLang="en-US" sz="2400" dirty="0" err="1"/>
-              <a:t>머신으로</a:t>
-            </a:r>
-            <a:r>
-              <a:rPr lang="ko-KR" altLang="en-US" sz="2400" dirty="0"/>
-              <a:t> 게임서버를 서비스할 때 가장 걱정되는 것은 네트웍 병목</a:t>
-            </a:r>
-            <a:r>
-              <a:rPr lang="en-US" altLang="ko-KR" sz="2400" dirty="0"/>
-              <a:t>.</a:t>
-            </a:r>
-          </a:p>
-          <a:p>
-            <a:pPr marL="342900" indent="-342900">
-              <a:buFontTx/>
-              <a:buChar char="-"/>
-            </a:pPr>
-            <a:r>
-              <a:rPr lang="en-US" altLang="ko-KR" sz="2400" dirty="0"/>
-              <a:t>CPU</a:t>
-            </a:r>
-            <a:r>
-              <a:rPr lang="ko-KR" altLang="en-US" sz="2400" dirty="0"/>
-              <a:t>와 </a:t>
-            </a:r>
-            <a:r>
-              <a:rPr lang="en-US" altLang="ko-KR" sz="2400" dirty="0"/>
-              <a:t>RAM</a:t>
-            </a:r>
-            <a:r>
-              <a:rPr lang="ko-KR" altLang="en-US" sz="2400" dirty="0"/>
-              <a:t>은 늘리면 되지만</a:t>
-            </a:r>
-            <a:r>
-              <a:rPr lang="en-US" altLang="ko-KR" sz="2400" dirty="0"/>
-              <a:t>...</a:t>
-            </a:r>
-          </a:p>
-          <a:p>
-            <a:endParaRPr lang="en-US" altLang="ko-KR" sz="2400" dirty="0"/>
-          </a:p>
-          <a:p>
-            <a:r>
-              <a:rPr lang="ko-KR" altLang="en-US" sz="2400" dirty="0"/>
-              <a:t>NIC </a:t>
-            </a:r>
-            <a:r>
-              <a:rPr lang="ko-KR" altLang="en-US" sz="2400" dirty="0" err="1"/>
-              <a:t>Traming은</a:t>
-            </a:r>
-            <a:r>
-              <a:rPr lang="ko-KR" altLang="en-US" sz="2400" dirty="0"/>
-              <a:t> 이 문제를 해결해 준다.</a:t>
-            </a:r>
-          </a:p>
-          <a:p>
-            <a:endParaRPr lang="en-US" altLang="ko-KR" sz="2400" dirty="0"/>
-          </a:p>
-          <a:p>
-            <a:r>
-              <a:rPr lang="ko-KR" altLang="en-US" sz="2400" dirty="0"/>
-              <a:t>NIC </a:t>
-            </a:r>
-            <a:r>
-              <a:rPr lang="ko-KR" altLang="en-US" sz="2400" dirty="0" err="1"/>
-              <a:t>Traming은</a:t>
-            </a:r>
-            <a:r>
-              <a:rPr lang="ko-KR" altLang="en-US" sz="2400" dirty="0"/>
-              <a:t> </a:t>
-            </a:r>
-            <a:r>
-              <a:rPr lang="ko-KR" altLang="en-US" sz="2400" dirty="0" err="1"/>
-              <a:t>NIC를</a:t>
-            </a:r>
-            <a:r>
-              <a:rPr lang="ko-KR" altLang="en-US" sz="2400" dirty="0"/>
-              <a:t> 모아서 사용할 수 있어서 </a:t>
-            </a:r>
-            <a:r>
-              <a:rPr lang="ko-KR" altLang="en-US" sz="2400" dirty="0" err="1"/>
-              <a:t>쓰루풋</a:t>
-            </a:r>
-            <a:r>
-              <a:rPr lang="ko-KR" altLang="en-US" sz="2400" dirty="0"/>
-              <a:t> 향상과 가용성 향상</a:t>
-            </a:r>
-            <a:r>
-              <a:rPr lang="en-US" altLang="ko-KR" sz="2400" dirty="0"/>
-              <a:t>(</a:t>
-            </a:r>
-            <a:r>
-              <a:rPr lang="ko-KR" altLang="en-US" sz="2400" dirty="0"/>
-              <a:t>하나의 </a:t>
-            </a:r>
-            <a:r>
-              <a:rPr lang="en-US" altLang="ko-KR" sz="2400" dirty="0"/>
-              <a:t>NIC</a:t>
-            </a:r>
-            <a:r>
-              <a:rPr lang="ko-KR" altLang="en-US" sz="2400" dirty="0"/>
-              <a:t>에 문제가 발생해도 다른 </a:t>
-            </a:r>
-            <a:r>
-              <a:rPr lang="en-US" altLang="ko-KR" sz="2400" dirty="0"/>
-              <a:t>NIC</a:t>
-            </a:r>
-            <a:r>
-              <a:rPr lang="ko-KR" altLang="en-US" sz="2400" dirty="0"/>
-              <a:t>을 통해서 네트워크 통신 가능</a:t>
-            </a:r>
-            <a:r>
-              <a:rPr lang="en-US" altLang="ko-KR" sz="2400" dirty="0"/>
-              <a:t>)</a:t>
-            </a:r>
-            <a:r>
-              <a:rPr lang="ko-KR" altLang="en-US" sz="2400" dirty="0"/>
-              <a:t>을 얻을 수 있다.</a:t>
-            </a:r>
-          </a:p>
-          <a:p>
-            <a:r>
-              <a:rPr lang="ko-KR" altLang="en-US" sz="2400" dirty="0"/>
-              <a:t> </a:t>
-            </a:r>
-          </a:p>
-          <a:p>
-            <a:endParaRPr lang="ko-KR" altLang="en-US" sz="2400" dirty="0"/>
-          </a:p>
-        </p:txBody>
-      </p:sp>
+          <a:extLst>
+            <a:ext uri="{909E8E84-426E-40DD-AFC4-6F175D3DCCD1}">
+              <a14:hiddenFill xmlns:a14="http://schemas.microsoft.com/office/drawing/2010/main">
+                <a:solidFill>
+                  <a:srgbClr val="FFFFFF"/>
+                </a:solidFill>
+              </a14:hiddenFill>
+            </a:ext>
+          </a:extLst>
+        </p:spPr>
+      </p:pic>
     </p:spTree>
     <p:extLst>
       <p:ext uri="{BB962C8B-B14F-4D97-AF65-F5344CB8AC3E}">
         <p14:creationId xmlns:p14="http://schemas.microsoft.com/office/powerpoint/2010/main" val="722124744"/>
+      </p:ext>
+    </p:extLst>
+  </p:cSld>
+  <p:clrMapOvr>
+    <a:masterClrMapping/>
+  </p:clrMapOvr>
+</p:sld>
+</file>
+
+<file path=ppt/slides/slide20.xml><?xml version="1.0" encoding="utf-8"?>
+<p:sld xmlns:a="http://schemas.openxmlformats.org/drawingml/2006/main" xmlns:r="http://schemas.openxmlformats.org/officeDocument/2006/relationships" xmlns:p="http://schemas.openxmlformats.org/presentationml/2006/main">
+  <p:cSld>
+    <p:spTree>
+      <p:nvGrpSpPr>
+        <p:cNvPr id="1" name=""/>
+        <p:cNvGrpSpPr/>
+        <p:nvPr/>
+      </p:nvGrpSpPr>
+      <p:grpSpPr>
+        <a:xfrm>
+          <a:off x="0" y="0"/>
+          <a:ext cx="0" cy="0"/>
+          <a:chOff x="0" y="0"/>
+          <a:chExt cx="0" cy="0"/>
+        </a:xfrm>
+      </p:grpSpPr>
+      <p:sp>
+        <p:nvSpPr>
+          <p:cNvPr id="2" name="TextBox 1"/>
+          <p:cNvSpPr txBox="1"/>
+          <p:nvPr/>
+        </p:nvSpPr>
+        <p:spPr>
+          <a:xfrm>
+            <a:off x="551329" y="322729"/>
+            <a:ext cx="7381388" cy="646331"/>
+          </a:xfrm>
+          <a:prstGeom prst="rect">
+            <a:avLst/>
+          </a:prstGeom>
+          <a:noFill/>
+        </p:spPr>
+        <p:txBody>
+          <a:bodyPr wrap="square" rtlCol="0">
+            <a:spAutoFit/>
+          </a:bodyPr>
+          <a:lstStyle/>
+          <a:p>
+            <a:r>
+              <a:rPr lang="en-US" altLang="ko-KR" sz="3600" b="1" dirty="0"/>
+              <a:t>.NET</a:t>
+            </a:r>
+            <a:r>
+              <a:rPr lang="ko-KR" altLang="en-US" sz="3600" b="1" dirty="0"/>
+              <a:t>의 </a:t>
+            </a:r>
+            <a:r>
+              <a:rPr lang="en-US" altLang="ko-KR" sz="3600" b="1" dirty="0" err="1"/>
+              <a:t>Sokcet.Poll</a:t>
+            </a:r>
+            <a:r>
+              <a:rPr lang="en-US" altLang="ko-KR" sz="3600" b="1" dirty="0"/>
+              <a:t> </a:t>
+            </a:r>
+            <a:r>
+              <a:rPr lang="ko-KR" altLang="en-US" sz="3600" b="1" dirty="0"/>
+              <a:t>이 있지만</a:t>
+            </a:r>
+            <a:r>
+              <a:rPr lang="en-US" altLang="ko-KR" sz="3600" b="1" dirty="0"/>
+              <a:t>…</a:t>
+            </a:r>
+            <a:endParaRPr lang="ko-KR" altLang="en-US" sz="3600" b="1" dirty="0"/>
+          </a:p>
+        </p:txBody>
+      </p:sp>
+      <p:sp>
+        <p:nvSpPr>
+          <p:cNvPr id="3" name="직사각형 2"/>
+          <p:cNvSpPr/>
+          <p:nvPr/>
+        </p:nvSpPr>
+        <p:spPr>
+          <a:xfrm>
+            <a:off x="551329" y="1153185"/>
+            <a:ext cx="10817140" cy="738664"/>
+          </a:xfrm>
+          <a:prstGeom prst="rect">
+            <a:avLst/>
+          </a:prstGeom>
+        </p:spPr>
+        <p:txBody>
+          <a:bodyPr wrap="square">
+            <a:spAutoFit/>
+          </a:bodyPr>
+          <a:lstStyle/>
+          <a:p>
+            <a:r>
+              <a:rPr lang="ko-KR" altLang="en-US" sz="2400" dirty="0"/>
+              <a:t>당연하게 닷넷에서도 </a:t>
+            </a:r>
+            <a:r>
+              <a:rPr lang="en-US" altLang="ko-KR" sz="2400" dirty="0"/>
+              <a:t>poll </a:t>
+            </a:r>
+            <a:r>
+              <a:rPr lang="ko-KR" altLang="en-US" sz="2400" dirty="0"/>
+              <a:t>함수를 지원한다</a:t>
+            </a:r>
+            <a:r>
+              <a:rPr lang="en-US" altLang="ko-KR" sz="2400" dirty="0"/>
+              <a:t>. </a:t>
+            </a:r>
+            <a:br>
+              <a:rPr lang="en-US" altLang="ko-KR" sz="2400" dirty="0"/>
+            </a:br>
+            <a:r>
+              <a:rPr lang="en-US" altLang="ko-KR" dirty="0">
+                <a:hlinkClick r:id="rId2"/>
+              </a:rPr>
+              <a:t>https://msdn.microsoft.com/ko-kr/library/system.net.sockets.socket.poll(v=vs.110).aspx</a:t>
+            </a:r>
+            <a:endParaRPr lang="ko-KR" altLang="en-US" sz="2400" dirty="0"/>
+          </a:p>
+        </p:txBody>
+      </p:sp>
+      <p:pic>
+        <p:nvPicPr>
+          <p:cNvPr id="4" name="그림 3"/>
+          <p:cNvPicPr>
+            <a:picLocks noChangeAspect="1"/>
+          </p:cNvPicPr>
+          <p:nvPr/>
+        </p:nvPicPr>
+        <p:blipFill>
+          <a:blip r:embed="rId3"/>
+          <a:stretch>
+            <a:fillRect/>
+          </a:stretch>
+        </p:blipFill>
+        <p:spPr>
+          <a:xfrm>
+            <a:off x="2878273" y="1939349"/>
+            <a:ext cx="6163252" cy="4681086"/>
+          </a:xfrm>
+          <a:prstGeom prst="rect">
+            <a:avLst/>
+          </a:prstGeom>
+        </p:spPr>
+      </p:pic>
+    </p:spTree>
+    <p:extLst>
+      <p:ext uri="{BB962C8B-B14F-4D97-AF65-F5344CB8AC3E}">
+        <p14:creationId xmlns:p14="http://schemas.microsoft.com/office/powerpoint/2010/main" val="1989872692"/>
+      </p:ext>
+    </p:extLst>
+  </p:cSld>
+  <p:clrMapOvr>
+    <a:masterClrMapping/>
+  </p:clrMapOvr>
+</p:sld>
+</file>
+
+<file path=ppt/slides/slide21.xml><?xml version="1.0" encoding="utf-8"?>
+<p:sld xmlns:a="http://schemas.openxmlformats.org/drawingml/2006/main" xmlns:r="http://schemas.openxmlformats.org/officeDocument/2006/relationships" xmlns:p="http://schemas.openxmlformats.org/presentationml/2006/main">
+  <p:cSld>
+    <p:spTree>
+      <p:nvGrpSpPr>
+        <p:cNvPr id="1" name=""/>
+        <p:cNvGrpSpPr/>
+        <p:nvPr/>
+      </p:nvGrpSpPr>
+      <p:grpSpPr>
+        <a:xfrm>
+          <a:off x="0" y="0"/>
+          <a:ext cx="0" cy="0"/>
+          <a:chOff x="0" y="0"/>
+          <a:chExt cx="0" cy="0"/>
+        </a:xfrm>
+      </p:grpSpPr>
+      <p:sp>
+        <p:nvSpPr>
+          <p:cNvPr id="2" name="TextBox 1"/>
+          <p:cNvSpPr txBox="1"/>
+          <p:nvPr/>
+        </p:nvSpPr>
+        <p:spPr>
+          <a:xfrm>
+            <a:off x="551329" y="322729"/>
+            <a:ext cx="4074459" cy="646331"/>
+          </a:xfrm>
+          <a:prstGeom prst="rect">
+            <a:avLst/>
+          </a:prstGeom>
+          <a:noFill/>
+        </p:spPr>
+        <p:txBody>
+          <a:bodyPr wrap="square" rtlCol="0">
+            <a:spAutoFit/>
+          </a:bodyPr>
+          <a:lstStyle/>
+          <a:p>
+            <a:r>
+              <a:rPr lang="en-US" altLang="ko-KR" sz="3600" b="1" dirty="0"/>
+              <a:t>IOCP,</a:t>
+            </a:r>
+            <a:r>
+              <a:rPr lang="ko-KR" altLang="en-US" sz="3600" b="1" dirty="0"/>
+              <a:t> </a:t>
+            </a:r>
+            <a:r>
+              <a:rPr lang="en-US" altLang="ko-KR" sz="3600" b="1" dirty="0"/>
+              <a:t>select,</a:t>
+            </a:r>
+            <a:r>
+              <a:rPr lang="ko-KR" altLang="en-US" sz="3600" b="1" dirty="0"/>
+              <a:t> </a:t>
+            </a:r>
+            <a:r>
+              <a:rPr lang="en-US" altLang="ko-KR" sz="3600" b="1" dirty="0"/>
+              <a:t>poll</a:t>
+            </a:r>
+            <a:endParaRPr lang="ko-KR" altLang="en-US" sz="3600" b="1" dirty="0"/>
+          </a:p>
+        </p:txBody>
+      </p:sp>
+      <p:pic>
+        <p:nvPicPr>
+          <p:cNvPr id="4" name="그림 3"/>
+          <p:cNvPicPr>
+            <a:picLocks noChangeAspect="1"/>
+          </p:cNvPicPr>
+          <p:nvPr/>
+        </p:nvPicPr>
+        <p:blipFill>
+          <a:blip r:embed="rId2"/>
+          <a:stretch>
+            <a:fillRect/>
+          </a:stretch>
+        </p:blipFill>
+        <p:spPr>
+          <a:xfrm>
+            <a:off x="676706" y="3463550"/>
+            <a:ext cx="5320332" cy="2389000"/>
+          </a:xfrm>
+          <a:prstGeom prst="rect">
+            <a:avLst/>
+          </a:prstGeom>
+        </p:spPr>
+      </p:pic>
+      <p:pic>
+        <p:nvPicPr>
+          <p:cNvPr id="5" name="그림 4"/>
+          <p:cNvPicPr>
+            <a:picLocks noChangeAspect="1"/>
+          </p:cNvPicPr>
+          <p:nvPr/>
+        </p:nvPicPr>
+        <p:blipFill>
+          <a:blip r:embed="rId3"/>
+          <a:stretch>
+            <a:fillRect/>
+          </a:stretch>
+        </p:blipFill>
+        <p:spPr>
+          <a:xfrm>
+            <a:off x="6347447" y="3419168"/>
+            <a:ext cx="5610782" cy="2144869"/>
+          </a:xfrm>
+          <a:prstGeom prst="rect">
+            <a:avLst/>
+          </a:prstGeom>
+        </p:spPr>
+      </p:pic>
+      <p:sp>
+        <p:nvSpPr>
+          <p:cNvPr id="6" name="직사각형 5"/>
+          <p:cNvSpPr/>
+          <p:nvPr/>
+        </p:nvSpPr>
+        <p:spPr>
+          <a:xfrm>
+            <a:off x="7553994" y="5564037"/>
+            <a:ext cx="3640035" cy="276999"/>
+          </a:xfrm>
+          <a:prstGeom prst="rect">
+            <a:avLst/>
+          </a:prstGeom>
+        </p:spPr>
+        <p:txBody>
+          <a:bodyPr wrap="none">
+            <a:spAutoFit/>
+          </a:bodyPr>
+          <a:lstStyle/>
+          <a:p>
+            <a:r>
+              <a:rPr lang="ko-KR" altLang="en-US" sz="1200" dirty="0">
+                <a:hlinkClick r:id="rId4"/>
+              </a:rPr>
+              <a:t>http://gpgstudy.com/forum/viewforum.php?f=18</a:t>
+            </a:r>
+            <a:r>
+              <a:rPr lang="ko-KR" altLang="en-US" sz="1200" dirty="0"/>
+              <a:t> </a:t>
+            </a:r>
+            <a:endParaRPr lang="ko-KR" altLang="en-US" sz="1200" dirty="0"/>
+          </a:p>
+        </p:txBody>
+      </p:sp>
+      <p:sp>
+        <p:nvSpPr>
+          <p:cNvPr id="7" name="직사각형 6"/>
+          <p:cNvSpPr/>
+          <p:nvPr/>
+        </p:nvSpPr>
+        <p:spPr>
+          <a:xfrm>
+            <a:off x="926085" y="5762885"/>
+            <a:ext cx="4916572" cy="276999"/>
+          </a:xfrm>
+          <a:prstGeom prst="rect">
+            <a:avLst/>
+          </a:prstGeom>
+        </p:spPr>
+        <p:txBody>
+          <a:bodyPr wrap="square">
+            <a:spAutoFit/>
+          </a:bodyPr>
+          <a:lstStyle/>
+          <a:p>
+            <a:r>
+              <a:rPr lang="ko-KR" altLang="en-US" sz="1200" dirty="0">
+                <a:hlinkClick r:id="rId5"/>
+              </a:rPr>
+              <a:t>http://www.yes24.com/24/goods/3097854?scode=032&amp;OzSrank=8</a:t>
+            </a:r>
+            <a:r>
+              <a:rPr lang="ko-KR" altLang="en-US" sz="1200" dirty="0"/>
+              <a:t> </a:t>
+            </a:r>
+            <a:endParaRPr lang="ko-KR" altLang="en-US" sz="1200" dirty="0"/>
+          </a:p>
+        </p:txBody>
+      </p:sp>
+      <p:sp>
+        <p:nvSpPr>
+          <p:cNvPr id="8" name="TextBox 7"/>
+          <p:cNvSpPr txBox="1"/>
+          <p:nvPr/>
+        </p:nvSpPr>
+        <p:spPr>
+          <a:xfrm>
+            <a:off x="676705" y="1514151"/>
+            <a:ext cx="10517323" cy="523220"/>
+          </a:xfrm>
+          <a:prstGeom prst="rect">
+            <a:avLst/>
+          </a:prstGeom>
+          <a:noFill/>
+        </p:spPr>
+        <p:txBody>
+          <a:bodyPr wrap="square" rtlCol="0">
+            <a:spAutoFit/>
+          </a:bodyPr>
+          <a:lstStyle/>
+          <a:p>
+            <a:r>
+              <a:rPr lang="en-US" altLang="ko-KR" sz="2800" b="1" dirty="0"/>
+              <a:t>Online Game Server</a:t>
+            </a:r>
+            <a:r>
+              <a:rPr lang="ko-KR" altLang="en-US" sz="2800" b="1" dirty="0"/>
+              <a:t>만 네트워크를 사용하는 것은 아니다</a:t>
+            </a:r>
+            <a:r>
+              <a:rPr lang="en-US" altLang="ko-KR" sz="2800" b="1" dirty="0"/>
+              <a:t>.</a:t>
+            </a:r>
+            <a:endParaRPr lang="ko-KR" altLang="en-US" sz="2800" b="1" dirty="0"/>
+          </a:p>
+        </p:txBody>
+      </p:sp>
+    </p:spTree>
+    <p:extLst>
+      <p:ext uri="{BB962C8B-B14F-4D97-AF65-F5344CB8AC3E}">
+        <p14:creationId xmlns:p14="http://schemas.microsoft.com/office/powerpoint/2010/main" val="2551655043"/>
+      </p:ext>
+    </p:extLst>
+  </p:cSld>
+  <p:clrMapOvr>
+    <a:masterClrMapping/>
+  </p:clrMapOvr>
+</p:sld>
+</file>
+
+<file path=ppt/slides/slide22.xml><?xml version="1.0" encoding="utf-8"?>
+<p:sld xmlns:a="http://schemas.openxmlformats.org/drawingml/2006/main" xmlns:r="http://schemas.openxmlformats.org/officeDocument/2006/relationships" xmlns:p="http://schemas.openxmlformats.org/presentationml/2006/main">
+  <p:cSld>
+    <p:spTree>
+      <p:nvGrpSpPr>
+        <p:cNvPr id="1" name=""/>
+        <p:cNvGrpSpPr/>
+        <p:nvPr/>
+      </p:nvGrpSpPr>
+      <p:grpSpPr>
+        <a:xfrm>
+          <a:off x="0" y="0"/>
+          <a:ext cx="0" cy="0"/>
+          <a:chOff x="0" y="0"/>
+          <a:chExt cx="0" cy="0"/>
+        </a:xfrm>
+      </p:grpSpPr>
+      <p:pic>
+        <p:nvPicPr>
+          <p:cNvPr id="3" name="그림 2"/>
+          <p:cNvPicPr>
+            <a:picLocks noChangeAspect="1"/>
+          </p:cNvPicPr>
+          <p:nvPr/>
+        </p:nvPicPr>
+        <p:blipFill>
+          <a:blip r:embed="rId2"/>
+          <a:stretch>
+            <a:fillRect/>
+          </a:stretch>
+        </p:blipFill>
+        <p:spPr>
+          <a:xfrm>
+            <a:off x="872093" y="779750"/>
+            <a:ext cx="10854212" cy="1072800"/>
+          </a:xfrm>
+          <a:prstGeom prst="rect">
+            <a:avLst/>
+          </a:prstGeom>
+        </p:spPr>
+      </p:pic>
+      <p:pic>
+        <p:nvPicPr>
+          <p:cNvPr id="4" name="그림 3"/>
+          <p:cNvPicPr>
+            <a:picLocks noChangeAspect="1"/>
+          </p:cNvPicPr>
+          <p:nvPr/>
+        </p:nvPicPr>
+        <p:blipFill>
+          <a:blip r:embed="rId3"/>
+          <a:stretch>
+            <a:fillRect/>
+          </a:stretch>
+        </p:blipFill>
+        <p:spPr>
+          <a:xfrm>
+            <a:off x="2848717" y="1852550"/>
+            <a:ext cx="6093402" cy="4731693"/>
+          </a:xfrm>
+          <a:prstGeom prst="rect">
+            <a:avLst/>
+          </a:prstGeom>
+        </p:spPr>
+      </p:pic>
+    </p:spTree>
+    <p:extLst>
+      <p:ext uri="{BB962C8B-B14F-4D97-AF65-F5344CB8AC3E}">
+        <p14:creationId xmlns:p14="http://schemas.microsoft.com/office/powerpoint/2010/main" val="505500386"/>
+      </p:ext>
+    </p:extLst>
+  </p:cSld>
+  <p:clrMapOvr>
+    <a:masterClrMapping/>
+  </p:clrMapOvr>
+</p:sld>
+</file>
+
+<file path=ppt/slides/slide23.xml><?xml version="1.0" encoding="utf-8"?>
+<p:sld xmlns:a="http://schemas.openxmlformats.org/drawingml/2006/main" xmlns:r="http://schemas.openxmlformats.org/officeDocument/2006/relationships" xmlns:p="http://schemas.openxmlformats.org/presentationml/2006/main">
+  <p:cSld>
+    <p:spTree>
+      <p:nvGrpSpPr>
+        <p:cNvPr id="1" name=""/>
+        <p:cNvGrpSpPr/>
+        <p:nvPr/>
+      </p:nvGrpSpPr>
+      <p:grpSpPr>
+        <a:xfrm>
+          <a:off x="0" y="0"/>
+          <a:ext cx="0" cy="0"/>
+          <a:chOff x="0" y="0"/>
+          <a:chExt cx="0" cy="0"/>
+        </a:xfrm>
+      </p:grpSpPr>
+      <p:sp>
+        <p:nvSpPr>
+          <p:cNvPr id="2" name="TextBox 1"/>
+          <p:cNvSpPr txBox="1"/>
+          <p:nvPr/>
+        </p:nvSpPr>
+        <p:spPr>
+          <a:xfrm>
+            <a:off x="551328" y="322729"/>
+            <a:ext cx="11282083" cy="646331"/>
+          </a:xfrm>
+          <a:prstGeom prst="rect">
+            <a:avLst/>
+          </a:prstGeom>
+          <a:noFill/>
+        </p:spPr>
+        <p:txBody>
+          <a:bodyPr wrap="square" rtlCol="0">
+            <a:spAutoFit/>
+          </a:bodyPr>
+          <a:lstStyle/>
+          <a:p>
+            <a:r>
+              <a:rPr lang="en-US" altLang="ko-KR" sz="3600" b="1" dirty="0"/>
+              <a:t>HTTP/2</a:t>
+            </a:r>
+            <a:endParaRPr lang="ko-KR" altLang="en-US" sz="3600" b="1" dirty="0"/>
+          </a:p>
+        </p:txBody>
+      </p:sp>
+      <p:sp>
+        <p:nvSpPr>
+          <p:cNvPr id="3" name="직사각형 2"/>
+          <p:cNvSpPr/>
+          <p:nvPr/>
+        </p:nvSpPr>
+        <p:spPr>
+          <a:xfrm>
+            <a:off x="645458" y="1186988"/>
+            <a:ext cx="10703859" cy="369332"/>
+          </a:xfrm>
+          <a:prstGeom prst="rect">
+            <a:avLst/>
+          </a:prstGeom>
+        </p:spPr>
+        <p:txBody>
+          <a:bodyPr wrap="square">
+            <a:spAutoFit/>
+          </a:bodyPr>
+          <a:lstStyle/>
+          <a:p>
+            <a:r>
+              <a:rPr lang="en-US" altLang="ko-KR" dirty="0"/>
+              <a:t>https://github.com/pauldotknopf/WindowsSDK7-Samples/tree/master/netds/winsock</a:t>
+            </a:r>
+            <a:endParaRPr lang="ko-KR" altLang="en-US" sz="2400" dirty="0"/>
+          </a:p>
+        </p:txBody>
+      </p:sp>
+      <p:sp>
+        <p:nvSpPr>
+          <p:cNvPr id="4" name="직사각형 3"/>
+          <p:cNvSpPr/>
+          <p:nvPr/>
+        </p:nvSpPr>
+        <p:spPr>
+          <a:xfrm>
+            <a:off x="3509779" y="3244334"/>
+            <a:ext cx="5172442" cy="369332"/>
+          </a:xfrm>
+          <a:prstGeom prst="rect">
+            <a:avLst/>
+          </a:prstGeom>
+        </p:spPr>
+        <p:txBody>
+          <a:bodyPr wrap="none">
+            <a:spAutoFit/>
+          </a:bodyPr>
+          <a:lstStyle/>
+          <a:p>
+            <a:r>
+              <a:rPr lang="ko-KR" altLang="en-US" dirty="0"/>
+              <a:t>http://www.dreamy.pe.kr/zbxe/CodeClip/119393</a:t>
+            </a:r>
+            <a:endParaRPr lang="ko-KR" altLang="en-US" dirty="0"/>
+          </a:p>
+        </p:txBody>
+      </p:sp>
+      <p:sp>
+        <p:nvSpPr>
+          <p:cNvPr id="5" name="직사각형 4"/>
+          <p:cNvSpPr/>
+          <p:nvPr/>
+        </p:nvSpPr>
+        <p:spPr>
+          <a:xfrm>
+            <a:off x="2949387" y="4499252"/>
+            <a:ext cx="6096000" cy="923330"/>
+          </a:xfrm>
+          <a:prstGeom prst="rect">
+            <a:avLst/>
+          </a:prstGeom>
+        </p:spPr>
+        <p:txBody>
+          <a:bodyPr>
+            <a:spAutoFit/>
+          </a:bodyPr>
+          <a:lstStyle/>
+          <a:p>
+            <a:r>
+              <a:rPr lang="ko-KR" altLang="en-US" dirty="0"/>
+              <a:t>http://wiki.nex32.net/%EC%9A%A9%EC%96%B4/%EC%9C%A0%EB%8B%89%EC%8A%A4_%EB%8F%84%EB%A9%94%EC%9D%B8_%EC%86%8C%EC%BC%93</a:t>
+            </a:r>
+            <a:endParaRPr lang="ko-KR" altLang="en-US" dirty="0"/>
+          </a:p>
+        </p:txBody>
+      </p:sp>
+    </p:spTree>
+    <p:extLst>
+      <p:ext uri="{BB962C8B-B14F-4D97-AF65-F5344CB8AC3E}">
+        <p14:creationId xmlns:p14="http://schemas.microsoft.com/office/powerpoint/2010/main" val="1816069401"/>
+      </p:ext>
+    </p:extLst>
+  </p:cSld>
+  <p:clrMapOvr>
+    <a:masterClrMapping/>
+  </p:clrMapOvr>
+</p:sld>
+</file>
+
+<file path=ppt/slides/slide24.xml><?xml version="1.0" encoding="utf-8"?>
+<p:sld xmlns:a="http://schemas.openxmlformats.org/drawingml/2006/main" xmlns:r="http://schemas.openxmlformats.org/officeDocument/2006/relationships" xmlns:p="http://schemas.openxmlformats.org/presentationml/2006/main">
+  <p:cSld>
+    <p:spTree>
+      <p:nvGrpSpPr>
+        <p:cNvPr id="1" name=""/>
+        <p:cNvGrpSpPr/>
+        <p:nvPr/>
+      </p:nvGrpSpPr>
+      <p:grpSpPr>
+        <a:xfrm>
+          <a:off x="0" y="0"/>
+          <a:ext cx="0" cy="0"/>
+          <a:chOff x="0" y="0"/>
+          <a:chExt cx="0" cy="0"/>
+        </a:xfrm>
+      </p:grpSpPr>
+      <p:sp>
+        <p:nvSpPr>
+          <p:cNvPr id="2" name="TextBox 1"/>
+          <p:cNvSpPr txBox="1"/>
+          <p:nvPr/>
+        </p:nvSpPr>
+        <p:spPr>
+          <a:xfrm>
+            <a:off x="551328" y="322729"/>
+            <a:ext cx="11282083" cy="646331"/>
+          </a:xfrm>
+          <a:prstGeom prst="rect">
+            <a:avLst/>
+          </a:prstGeom>
+          <a:noFill/>
+        </p:spPr>
+        <p:txBody>
+          <a:bodyPr wrap="square" rtlCol="0">
+            <a:spAutoFit/>
+          </a:bodyPr>
+          <a:lstStyle/>
+          <a:p>
+            <a:r>
+              <a:rPr lang="en-US" altLang="ko-KR" sz="3600" b="1" dirty="0"/>
+              <a:t>HTTP/2</a:t>
+            </a:r>
+            <a:endParaRPr lang="ko-KR" altLang="en-US" sz="3600" b="1" dirty="0"/>
+          </a:p>
+        </p:txBody>
+      </p:sp>
+      <p:sp>
+        <p:nvSpPr>
+          <p:cNvPr id="4" name="직사각형 3"/>
+          <p:cNvSpPr/>
+          <p:nvPr/>
+        </p:nvSpPr>
+        <p:spPr>
+          <a:xfrm>
+            <a:off x="59374" y="973799"/>
+            <a:ext cx="12047167" cy="5837495"/>
+          </a:xfrm>
+          <a:prstGeom prst="rect">
+            <a:avLst/>
+          </a:prstGeom>
+        </p:spPr>
+        <p:txBody>
+          <a:bodyPr wrap="square">
+            <a:spAutoFit/>
+          </a:bodyPr>
+          <a:lstStyle/>
+          <a:p>
+            <a:pPr>
+              <a:spcAft>
+                <a:spcPts val="1600"/>
+              </a:spcAft>
+            </a:pPr>
+            <a:r>
+              <a:rPr lang="en-US" altLang="ko-KR" b="1" dirty="0">
+                <a:solidFill>
+                  <a:srgbClr val="595959"/>
+                </a:solidFill>
+                <a:latin typeface="Arial" panose="020B0604020202020204" pitchFamily="34" charset="0"/>
+              </a:rPr>
+              <a:t>fast loopback</a:t>
+            </a:r>
+            <a:endParaRPr lang="en-US" altLang="ko-KR" dirty="0"/>
+          </a:p>
+          <a:p>
+            <a:r>
+              <a:rPr lang="en-US" altLang="ko-KR" u="sng" dirty="0">
+                <a:solidFill>
+                  <a:srgbClr val="0097A7"/>
+                </a:solidFill>
+                <a:latin typeface="Arial" panose="020B0604020202020204" pitchFamily="34" charset="0"/>
+                <a:hlinkClick r:id="rId2"/>
+              </a:rPr>
+              <a:t>http://www.drdobbs.com/windows/the-new-socket-apis-in-windows-8/240148403?pgno=3</a:t>
+            </a:r>
+            <a:br>
+              <a:rPr lang="en-US" altLang="ko-KR" dirty="0">
+                <a:solidFill>
+                  <a:srgbClr val="595959"/>
+                </a:solidFill>
+                <a:latin typeface="Arial" panose="020B0604020202020204" pitchFamily="34" charset="0"/>
+                <a:hlinkClick r:id="rId2"/>
+              </a:rPr>
+            </a:br>
+            <a:br>
+              <a:rPr lang="en-US" altLang="ko-KR" dirty="0">
+                <a:solidFill>
+                  <a:srgbClr val="595959"/>
+                </a:solidFill>
+                <a:latin typeface="Arial" panose="020B0604020202020204" pitchFamily="34" charset="0"/>
+                <a:hlinkClick r:id="rId2"/>
+              </a:rPr>
+            </a:br>
+            <a:r>
+              <a:rPr lang="en-US" altLang="ko-KR" u="sng" dirty="0">
+                <a:solidFill>
+                  <a:srgbClr val="0097A7"/>
+                </a:solidFill>
+                <a:latin typeface="Arial" panose="020B0604020202020204" pitchFamily="34" charset="0"/>
+                <a:hlinkClick r:id="rId3"/>
+              </a:rPr>
+              <a:t>https://github.com/search?q=SIO_LOOPBACK_FAST_PATH&amp;type=Code&amp;utf8=%E2%9C%93</a:t>
+            </a:r>
+            <a:br>
+              <a:rPr lang="en-US" altLang="ko-KR" dirty="0">
+                <a:solidFill>
+                  <a:srgbClr val="595959"/>
+                </a:solidFill>
+                <a:latin typeface="Arial" panose="020B0604020202020204" pitchFamily="34" charset="0"/>
+                <a:hlinkClick r:id="rId3"/>
+              </a:rPr>
+            </a:br>
+            <a:br>
+              <a:rPr lang="en-US" altLang="ko-KR" dirty="0">
+                <a:solidFill>
+                  <a:srgbClr val="595959"/>
+                </a:solidFill>
+                <a:latin typeface="Arial" panose="020B0604020202020204" pitchFamily="34" charset="0"/>
+                <a:hlinkClick r:id="rId3"/>
+              </a:rPr>
+            </a:br>
+            <a:r>
+              <a:rPr lang="en-US" altLang="ko-KR" dirty="0">
+                <a:solidFill>
+                  <a:srgbClr val="595959"/>
+                </a:solidFill>
+                <a:latin typeface="Arial" panose="020B0604020202020204" pitchFamily="34" charset="0"/>
+              </a:rPr>
+              <a:t>Fast TCP Loopback Performance and Low Latency with Windows Server 2012 TCP Loopback Fast Path</a:t>
+            </a:r>
+            <a:br>
+              <a:rPr lang="en-US" altLang="ko-KR" dirty="0">
+                <a:solidFill>
+                  <a:srgbClr val="595959"/>
+                </a:solidFill>
+                <a:latin typeface="Arial" panose="020B0604020202020204" pitchFamily="34" charset="0"/>
+              </a:rPr>
+            </a:br>
+            <a:r>
+              <a:rPr lang="en-US" altLang="ko-KR" u="sng" dirty="0">
+                <a:solidFill>
+                  <a:srgbClr val="0097A7"/>
+                </a:solidFill>
+                <a:latin typeface="Arial" panose="020B0604020202020204" pitchFamily="34" charset="0"/>
+                <a:hlinkClick r:id="rId4"/>
+              </a:rPr>
+              <a:t>https://blogs.technet.microsoft.com/wincat/2012/12/05/fast-tcp-loopback-performance-and-low-latency-with-windows-server-2012-tcp-loopback-fast-path/</a:t>
+            </a:r>
+            <a:br>
+              <a:rPr lang="en-US" altLang="ko-KR" dirty="0">
+                <a:solidFill>
+                  <a:srgbClr val="595959"/>
+                </a:solidFill>
+                <a:latin typeface="Arial" panose="020B0604020202020204" pitchFamily="34" charset="0"/>
+                <a:hlinkClick r:id="rId4"/>
+              </a:rPr>
+            </a:br>
+            <a:br>
+              <a:rPr lang="en-US" altLang="ko-KR" dirty="0">
+                <a:solidFill>
+                  <a:srgbClr val="595959"/>
+                </a:solidFill>
+                <a:latin typeface="Arial" panose="020B0604020202020204" pitchFamily="34" charset="0"/>
+                <a:hlinkClick r:id="rId4"/>
+              </a:rPr>
+            </a:br>
+            <a:r>
+              <a:rPr lang="en-US" altLang="ko-KR" dirty="0">
+                <a:solidFill>
+                  <a:srgbClr val="595959"/>
+                </a:solidFill>
+                <a:latin typeface="Arial" panose="020B0604020202020204" pitchFamily="34" charset="0"/>
+              </a:rPr>
+              <a:t>Fast Loopback on Windows 10 with weird </a:t>
+            </a:r>
+            <a:r>
+              <a:rPr lang="en-US" altLang="ko-KR" dirty="0" err="1">
+                <a:solidFill>
+                  <a:srgbClr val="595959"/>
+                </a:solidFill>
+                <a:latin typeface="Arial" panose="020B0604020202020204" pitchFamily="34" charset="0"/>
+              </a:rPr>
+              <a:t>HyperThreading</a:t>
+            </a:r>
+            <a:r>
+              <a:rPr lang="en-US" altLang="ko-KR" dirty="0">
+                <a:solidFill>
+                  <a:srgbClr val="595959"/>
+                </a:solidFill>
+                <a:latin typeface="Arial" panose="020B0604020202020204" pitchFamily="34" charset="0"/>
+              </a:rPr>
+              <a:t> results</a:t>
+            </a:r>
+            <a:br>
+              <a:rPr lang="en-US" altLang="ko-KR" dirty="0">
+                <a:solidFill>
+                  <a:srgbClr val="595959"/>
+                </a:solidFill>
+                <a:latin typeface="Arial" panose="020B0604020202020204" pitchFamily="34" charset="0"/>
+              </a:rPr>
+            </a:br>
+            <a:r>
+              <a:rPr lang="en-US" altLang="ko-KR" u="sng" dirty="0">
+                <a:solidFill>
+                  <a:srgbClr val="0097A7"/>
+                </a:solidFill>
+                <a:latin typeface="Arial" panose="020B0604020202020204" pitchFamily="34" charset="0"/>
+                <a:hlinkClick r:id="rId5"/>
+              </a:rPr>
+              <a:t>http://stackoverflow.com/questions/31742501/fast-loopback-on-windows-10-with-weird-hyperthreading-results</a:t>
+            </a:r>
+            <a:br>
+              <a:rPr lang="en-US" altLang="ko-KR" dirty="0">
+                <a:solidFill>
+                  <a:srgbClr val="595959"/>
+                </a:solidFill>
+                <a:latin typeface="Arial" panose="020B0604020202020204" pitchFamily="34" charset="0"/>
+                <a:hlinkClick r:id="rId5"/>
+              </a:rPr>
+            </a:br>
+            <a:br>
+              <a:rPr lang="en-US" altLang="ko-KR" dirty="0">
+                <a:solidFill>
+                  <a:srgbClr val="595959"/>
+                </a:solidFill>
+                <a:latin typeface="Arial" panose="020B0604020202020204" pitchFamily="34" charset="0"/>
+                <a:hlinkClick r:id="rId5"/>
+              </a:rPr>
+            </a:br>
+            <a:r>
+              <a:rPr lang="en-US" altLang="ko-KR" dirty="0">
+                <a:solidFill>
+                  <a:srgbClr val="595959"/>
+                </a:solidFill>
+                <a:latin typeface="Arial" panose="020B0604020202020204" pitchFamily="34" charset="0"/>
+              </a:rPr>
+              <a:t>SIO_LOOPBACK_FAST_PATH control code</a:t>
+            </a:r>
+            <a:br>
+              <a:rPr lang="en-US" altLang="ko-KR" dirty="0">
+                <a:solidFill>
+                  <a:srgbClr val="595959"/>
+                </a:solidFill>
+                <a:latin typeface="Arial" panose="020B0604020202020204" pitchFamily="34" charset="0"/>
+              </a:rPr>
+            </a:br>
+            <a:r>
+              <a:rPr lang="en-US" altLang="ko-KR" u="sng" dirty="0">
+                <a:solidFill>
+                  <a:srgbClr val="0097A7"/>
+                </a:solidFill>
+                <a:latin typeface="Arial" panose="020B0604020202020204" pitchFamily="34" charset="0"/>
+                <a:hlinkClick r:id="rId6"/>
+              </a:rPr>
+              <a:t>https://msdn.microsoft.com/en-us/library/windows/desktop/jj841212(v=vs.85).aspx</a:t>
+            </a:r>
+            <a:br>
+              <a:rPr lang="en-US" altLang="ko-KR" dirty="0">
+                <a:solidFill>
+                  <a:srgbClr val="595959"/>
+                </a:solidFill>
+                <a:latin typeface="Arial" panose="020B0604020202020204" pitchFamily="34" charset="0"/>
+                <a:hlinkClick r:id="rId6"/>
+              </a:rPr>
+            </a:br>
+            <a:br>
+              <a:rPr lang="en-US" altLang="ko-KR" dirty="0">
+                <a:solidFill>
+                  <a:srgbClr val="595959"/>
+                </a:solidFill>
+                <a:latin typeface="Arial" panose="020B0604020202020204" pitchFamily="34" charset="0"/>
+                <a:hlinkClick r:id="rId6"/>
+              </a:rPr>
+            </a:br>
+            <a:r>
+              <a:rPr lang="en-US" altLang="ko-KR" dirty="0">
+                <a:solidFill>
+                  <a:srgbClr val="595959"/>
+                </a:solidFill>
+                <a:latin typeface="Arial" panose="020B0604020202020204" pitchFamily="34" charset="0"/>
+              </a:rPr>
+              <a:t>Python3.6</a:t>
+            </a:r>
+            <a:r>
+              <a:rPr lang="ko-KR" altLang="en-US" dirty="0">
+                <a:solidFill>
+                  <a:srgbClr val="595959"/>
+                </a:solidFill>
+                <a:latin typeface="Arial" panose="020B0604020202020204" pitchFamily="34" charset="0"/>
+              </a:rPr>
+              <a:t>の新機能</a:t>
+            </a:r>
+            <a:br>
+              <a:rPr lang="ko-KR" altLang="en-US" dirty="0">
+                <a:solidFill>
+                  <a:srgbClr val="595959"/>
+                </a:solidFill>
+                <a:latin typeface="Arial" panose="020B0604020202020204" pitchFamily="34" charset="0"/>
+              </a:rPr>
+            </a:br>
+            <a:r>
+              <a:rPr lang="en-US" altLang="ko-KR" u="sng" dirty="0">
+                <a:solidFill>
+                  <a:srgbClr val="0097A7"/>
+                </a:solidFill>
+                <a:latin typeface="Arial" panose="020B0604020202020204" pitchFamily="34" charset="0"/>
+                <a:hlinkClick r:id="rId7"/>
+              </a:rPr>
+              <a:t>http://qiita.com/ksato9700/items/ed839a6db6a671fd31e6#socket</a:t>
+            </a:r>
+            <a:br>
+              <a:rPr lang="en-US" altLang="ko-KR" dirty="0">
+                <a:solidFill>
+                  <a:srgbClr val="595959"/>
+                </a:solidFill>
+                <a:latin typeface="Arial" panose="020B0604020202020204" pitchFamily="34" charset="0"/>
+                <a:hlinkClick r:id="rId7"/>
+              </a:rPr>
+            </a:br>
+            <a:br>
+              <a:rPr lang="en-US" altLang="ko-KR" dirty="0">
+                <a:solidFill>
+                  <a:srgbClr val="595959"/>
+                </a:solidFill>
+                <a:latin typeface="Arial" panose="020B0604020202020204" pitchFamily="34" charset="0"/>
+                <a:hlinkClick r:id="rId7"/>
+              </a:rPr>
+            </a:br>
+            <a:r>
+              <a:rPr lang="en-US" altLang="ko-KR" dirty="0" err="1">
+                <a:solidFill>
+                  <a:srgbClr val="595959"/>
+                </a:solidFill>
+                <a:latin typeface="Arial" panose="020B0604020202020204" pitchFamily="34" charset="0"/>
+              </a:rPr>
+              <a:t>librapid</a:t>
+            </a:r>
+            <a:r>
+              <a:rPr lang="en-US" altLang="ko-KR" dirty="0">
+                <a:solidFill>
+                  <a:srgbClr val="595959"/>
+                </a:solidFill>
+                <a:latin typeface="Arial" panose="020B0604020202020204" pitchFamily="34" charset="0"/>
+              </a:rPr>
+              <a:t>. Optimization Windows </a:t>
+            </a:r>
+            <a:r>
+              <a:rPr lang="en-US" altLang="ko-KR" dirty="0" err="1">
+                <a:solidFill>
+                  <a:srgbClr val="595959"/>
+                </a:solidFill>
+                <a:latin typeface="Arial" panose="020B0604020202020204" pitchFamily="34" charset="0"/>
+              </a:rPr>
+              <a:t>Tcp</a:t>
+            </a:r>
+            <a:r>
+              <a:rPr lang="en-US" altLang="ko-KR" dirty="0">
+                <a:solidFill>
+                  <a:srgbClr val="595959"/>
+                </a:solidFill>
+                <a:latin typeface="Arial" panose="020B0604020202020204" pitchFamily="34" charset="0"/>
+              </a:rPr>
+              <a:t> Server Library</a:t>
+            </a:r>
+            <a:br>
+              <a:rPr lang="en-US" altLang="ko-KR" dirty="0">
+                <a:solidFill>
+                  <a:srgbClr val="595959"/>
+                </a:solidFill>
+                <a:latin typeface="Arial" panose="020B0604020202020204" pitchFamily="34" charset="0"/>
+              </a:rPr>
+            </a:br>
+            <a:r>
+              <a:rPr lang="en-US" altLang="ko-KR" u="sng" dirty="0">
+                <a:solidFill>
+                  <a:srgbClr val="0097A7"/>
+                </a:solidFill>
+                <a:latin typeface="Arial" panose="020B0604020202020204" pitchFamily="34" charset="0"/>
+                <a:hlinkClick r:id="rId8"/>
+              </a:rPr>
+              <a:t>https://github.com/billlin0904/librapid</a:t>
+            </a:r>
+            <a:r>
+              <a:rPr lang="en-US" altLang="ko-KR" dirty="0">
+                <a:solidFill>
+                  <a:srgbClr val="595959"/>
+                </a:solidFill>
+                <a:latin typeface="Arial" panose="020B0604020202020204" pitchFamily="34" charset="0"/>
+              </a:rPr>
+              <a:t> </a:t>
+            </a:r>
+            <a:endParaRPr lang="ko-KR" altLang="en-US" dirty="0"/>
+          </a:p>
+        </p:txBody>
+      </p:sp>
+    </p:spTree>
+    <p:extLst>
+      <p:ext uri="{BB962C8B-B14F-4D97-AF65-F5344CB8AC3E}">
+        <p14:creationId xmlns:p14="http://schemas.microsoft.com/office/powerpoint/2010/main" val="3075968608"/>
+      </p:ext>
+    </p:extLst>
+  </p:cSld>
+  <p:clrMapOvr>
+    <a:masterClrMapping/>
+  </p:clrMapOvr>
+</p:sld>
+</file>
+
+<file path=ppt/slides/slide25.xml><?xml version="1.0" encoding="utf-8"?>
+<p:sld xmlns:a="http://schemas.openxmlformats.org/drawingml/2006/main" xmlns:r="http://schemas.openxmlformats.org/officeDocument/2006/relationships" xmlns:p="http://schemas.openxmlformats.org/presentationml/2006/main">
+  <p:cSld>
+    <p:spTree>
+      <p:nvGrpSpPr>
+        <p:cNvPr id="1" name=""/>
+        <p:cNvGrpSpPr/>
+        <p:nvPr/>
+      </p:nvGrpSpPr>
+      <p:grpSpPr>
+        <a:xfrm>
+          <a:off x="0" y="0"/>
+          <a:ext cx="0" cy="0"/>
+          <a:chOff x="0" y="0"/>
+          <a:chExt cx="0" cy="0"/>
+        </a:xfrm>
+      </p:grpSpPr>
+      <p:sp>
+        <p:nvSpPr>
+          <p:cNvPr id="2" name="TextBox 1"/>
+          <p:cNvSpPr txBox="1"/>
+          <p:nvPr/>
+        </p:nvSpPr>
+        <p:spPr>
+          <a:xfrm>
+            <a:off x="551328" y="322729"/>
+            <a:ext cx="11282083" cy="646331"/>
+          </a:xfrm>
+          <a:prstGeom prst="rect">
+            <a:avLst/>
+          </a:prstGeom>
+          <a:noFill/>
+        </p:spPr>
+        <p:txBody>
+          <a:bodyPr wrap="square" rtlCol="0">
+            <a:spAutoFit/>
+          </a:bodyPr>
+          <a:lstStyle/>
+          <a:p>
+            <a:r>
+              <a:rPr lang="en-US" altLang="ko-KR" sz="3600" b="1" dirty="0"/>
+              <a:t>HTTP/2</a:t>
+            </a:r>
+            <a:endParaRPr lang="ko-KR" altLang="en-US" sz="3600" b="1" dirty="0"/>
+          </a:p>
+        </p:txBody>
+      </p:sp>
+    </p:spTree>
+    <p:extLst>
+      <p:ext uri="{BB962C8B-B14F-4D97-AF65-F5344CB8AC3E}">
+        <p14:creationId xmlns:p14="http://schemas.microsoft.com/office/powerpoint/2010/main" val="117595690"/>
       </p:ext>
     </p:extLst>
   </p:cSld>
@@ -3587,176 +6648,34 @@
           <a:chExt cx="0" cy="0"/>
         </a:xfrm>
       </p:grpSpPr>
-      <p:sp>
-        <p:nvSpPr>
-          <p:cNvPr id="2" name="TextBox 1"/>
-          <p:cNvSpPr txBox="1"/>
+      <p:pic>
+        <p:nvPicPr>
+          <p:cNvPr id="2" name="그림 1"/>
+          <p:cNvPicPr>
+            <a:picLocks noChangeAspect="1"/>
+          </p:cNvPicPr>
           <p:nvPr/>
-        </p:nvSpPr>
+        </p:nvPicPr>
+        <p:blipFill>
+          <a:blip r:embed="rId3"/>
+          <a:stretch>
+            <a:fillRect/>
+          </a:stretch>
+        </p:blipFill>
         <p:spPr>
           <a:xfrm>
-            <a:off x="551329" y="322729"/>
-            <a:ext cx="4074459" cy="646331"/>
+            <a:off x="59378" y="586552"/>
+            <a:ext cx="12061372" cy="5747138"/>
           </a:xfrm>
           <a:prstGeom prst="rect">
             <a:avLst/>
           </a:prstGeom>
-          <a:noFill/>
-        </p:spPr>
-        <p:txBody>
-          <a:bodyPr wrap="square" rtlCol="0">
-            <a:spAutoFit/>
-          </a:bodyPr>
-          <a:lstStyle/>
-          <a:p>
-            <a:r>
-              <a:rPr lang="en-US" altLang="ko-KR" sz="3600" b="1" dirty="0"/>
-              <a:t>NIC Teaming</a:t>
-            </a:r>
-            <a:endParaRPr lang="ko-KR" altLang="en-US" sz="3600" b="1" dirty="0"/>
-          </a:p>
-        </p:txBody>
-      </p:sp>
-      <p:sp>
-        <p:nvSpPr>
-          <p:cNvPr id="3" name="직사각형 2"/>
-          <p:cNvSpPr/>
-          <p:nvPr/>
-        </p:nvSpPr>
-        <p:spPr>
-          <a:xfrm>
-            <a:off x="654424" y="1141309"/>
-            <a:ext cx="10817140" cy="6740307"/>
-          </a:xfrm>
-          <a:prstGeom prst="rect">
-            <a:avLst/>
-          </a:prstGeom>
-        </p:spPr>
-        <p:txBody>
-          <a:bodyPr wrap="square">
-            <a:spAutoFit/>
-          </a:bodyPr>
-          <a:lstStyle/>
-          <a:p>
-            <a:r>
-              <a:rPr lang="en-US" altLang="ko-KR" sz="2400" dirty="0"/>
-              <a:t>poll </a:t>
-            </a:r>
-            <a:r>
-              <a:rPr lang="ko-KR" altLang="en-US" sz="2400" dirty="0"/>
-              <a:t>함수 예제</a:t>
-            </a:r>
-          </a:p>
-          <a:p>
-            <a:r>
-              <a:rPr lang="en-US" altLang="ko-KR" sz="2400" dirty="0"/>
-              <a:t>http://sfixer.tistory.com/entry/%EA%B1%B0%EA%BE%B8%EB%A1%9C-%EC%8B%9C%EC%9E%91%ED%95%98%EB%8A%94-%EC%8B%9C%EC%8A%A4%ED%85%9C-%ED%94%84%EB%A1%9C%EA%B7%B8%EB%9E%98%EB%B0%8D-poll-%ED%95%A8%EC%88%98-%EC%98%88%EC%A0%9C</a:t>
-            </a:r>
-          </a:p>
-          <a:p>
-            <a:endParaRPr lang="en-US" altLang="ko-KR" sz="2400" dirty="0"/>
-          </a:p>
-          <a:p>
-            <a:r>
-              <a:rPr lang="en-US" altLang="ko-KR" sz="2400" dirty="0"/>
-              <a:t>Poll</a:t>
-            </a:r>
-            <a:r>
-              <a:rPr lang="ko-KR" altLang="en-US" sz="2400" dirty="0"/>
-              <a:t>을 이용한 다중서버 예제</a:t>
-            </a:r>
-          </a:p>
-          <a:p>
-            <a:r>
-              <a:rPr lang="en-US" altLang="ko-KR" sz="2400" dirty="0"/>
-              <a:t>http://robelias.tistory.com/2</a:t>
-            </a:r>
-          </a:p>
-          <a:p>
-            <a:endParaRPr lang="en-US" altLang="ko-KR" sz="2400" dirty="0"/>
-          </a:p>
-          <a:p>
-            <a:r>
-              <a:rPr lang="en-US" altLang="ko-KR" sz="2400" dirty="0"/>
-              <a:t>poll()</a:t>
-            </a:r>
-            <a:r>
-              <a:rPr lang="ko-KR" altLang="en-US" sz="2400" dirty="0"/>
-              <a:t>を利用したデータ受信プログラム </a:t>
-            </a:r>
-          </a:p>
-          <a:p>
-            <a:r>
-              <a:rPr lang="en-US" altLang="ko-KR" sz="2400" dirty="0"/>
-              <a:t>http://www.geekpage.jp/programming/linux-network/book/08/8-18.php</a:t>
-            </a:r>
-          </a:p>
-          <a:p>
-            <a:endParaRPr lang="en-US" altLang="ko-KR" sz="2400" dirty="0"/>
-          </a:p>
-          <a:p>
-            <a:r>
-              <a:rPr lang="en-US" altLang="ko-KR" sz="2400" dirty="0"/>
-              <a:t>select() </a:t>
-            </a:r>
-            <a:r>
-              <a:rPr lang="ko-KR" altLang="en-US" sz="2400" dirty="0" err="1"/>
-              <a:t>ではなく</a:t>
-            </a:r>
-            <a:r>
-              <a:rPr lang="ko-KR" altLang="en-US" sz="2400" dirty="0"/>
-              <a:t> </a:t>
-            </a:r>
-            <a:r>
-              <a:rPr lang="en-US" altLang="ko-KR" sz="2400" dirty="0"/>
-              <a:t>poll() </a:t>
-            </a:r>
-            <a:r>
-              <a:rPr lang="ko-KR" altLang="en-US" sz="2400" dirty="0"/>
-              <a:t>の使用</a:t>
-            </a:r>
-          </a:p>
-          <a:p>
-            <a:r>
-              <a:rPr lang="en-US" altLang="ko-KR" sz="2400" dirty="0"/>
-              <a:t>http://www.ibm.com/support/knowledgecenter/ja/ssw_i5_54/rzab6/poll.htm</a:t>
-            </a:r>
-          </a:p>
-          <a:p>
-            <a:endParaRPr lang="en-US" altLang="ko-KR" sz="2400" dirty="0"/>
-          </a:p>
-          <a:p>
-            <a:r>
-              <a:rPr lang="ko-KR" altLang="en-US" sz="2400" dirty="0" err="1"/>
-              <a:t>ソケットプログラミング</a:t>
-            </a:r>
-            <a:r>
-              <a:rPr lang="ko-KR" altLang="en-US" sz="2400" dirty="0"/>
-              <a:t> </a:t>
-            </a:r>
-            <a:r>
-              <a:rPr lang="en-US" altLang="ko-KR" sz="2400" dirty="0"/>
-              <a:t>- TCP/IP</a:t>
-            </a:r>
-            <a:r>
-              <a:rPr lang="ko-KR" altLang="en-US" sz="2400" dirty="0" err="1"/>
-              <a:t>サーバの</a:t>
-            </a:r>
-            <a:endParaRPr lang="ko-KR" altLang="en-US" sz="2400" dirty="0"/>
-          </a:p>
-          <a:p>
-            <a:r>
-              <a:rPr lang="en-US" altLang="ko-KR" sz="2400" dirty="0"/>
-              <a:t>http://d.hatena.ne.jp/shibason/20090620/1245489616</a:t>
-            </a:r>
-            <a:endParaRPr lang="ko-KR" altLang="en-US" sz="2400" dirty="0"/>
-          </a:p>
-        </p:txBody>
-      </p:sp>
+        </p:spPr>
+      </p:pic>
     </p:spTree>
     <p:extLst>
       <p:ext uri="{BB962C8B-B14F-4D97-AF65-F5344CB8AC3E}">
-        <p14:creationId xmlns:p14="http://schemas.microsoft.com/office/powerpoint/2010/main" val="1989872692"/>
+        <p14:creationId xmlns:p14="http://schemas.microsoft.com/office/powerpoint/2010/main" val="1077644727"/>
       </p:ext>
     </p:extLst>
   </p:cSld>
@@ -3783,33 +6702,79 @@
           <a:chExt cx="0" cy="0"/>
         </a:xfrm>
       </p:grpSpPr>
-      <p:sp>
-        <p:nvSpPr>
-          <p:cNvPr id="2" name="TextBox 1"/>
-          <p:cNvSpPr txBox="1"/>
+      <p:pic>
+        <p:nvPicPr>
+          <p:cNvPr id="7172" name="Picture 4" descr="windows linux에 대한 이미지 검색결과">
+            <a:hlinkClick r:id="rId2"/>
+          </p:cNvPr>
+          <p:cNvPicPr>
+            <a:picLocks noChangeAspect="1" noChangeArrowheads="1"/>
+          </p:cNvPicPr>
           <p:nvPr/>
-        </p:nvSpPr>
-        <p:spPr>
-          <a:xfrm>
-            <a:off x="551328" y="322729"/>
-            <a:ext cx="11282083" cy="646331"/>
+        </p:nvPicPr>
+        <p:blipFill>
+          <a:blip r:embed="rId3">
+            <a:extLst>
+              <a:ext uri="{28A0092B-C50C-407E-A947-70E740481C1C}">
+                <a14:useLocalDpi xmlns:a14="http://schemas.microsoft.com/office/drawing/2010/main" val="0"/>
+              </a:ext>
+            </a:extLst>
+          </a:blip>
+          <a:srcRect/>
+          <a:stretch>
+            <a:fillRect/>
+          </a:stretch>
+        </p:blipFill>
+        <p:spPr bwMode="auto">
+          <a:xfrm>
+            <a:off x="2652160" y="1397318"/>
+            <a:ext cx="6521368" cy="3842664"/>
           </a:xfrm>
           <a:prstGeom prst="rect">
             <a:avLst/>
           </a:prstGeom>
           <a:noFill/>
-        </p:spPr>
-        <p:txBody>
-          <a:bodyPr wrap="square" rtlCol="0">
+          <a:extLst>
+            <a:ext uri="{909E8E84-426E-40DD-AFC4-6F175D3DCCD1}">
+              <a14:hiddenFill xmlns:a14="http://schemas.microsoft.com/office/drawing/2010/main">
+                <a:solidFill>
+                  <a:srgbClr val="FFFFFF"/>
+                </a:solidFill>
+              </a14:hiddenFill>
+            </a:ext>
+          </a:extLst>
+        </p:spPr>
+      </p:pic>
+      <p:sp>
+        <p:nvSpPr>
+          <p:cNvPr id="2" name="직사각형 1"/>
+          <p:cNvSpPr/>
+          <p:nvPr/>
+        </p:nvSpPr>
+        <p:spPr>
+          <a:xfrm>
+            <a:off x="1109056" y="2347635"/>
+            <a:ext cx="1758110" cy="523220"/>
+          </a:xfrm>
+          <a:prstGeom prst="rect">
+            <a:avLst/>
+          </a:prstGeom>
+        </p:spPr>
+        <p:txBody>
+          <a:bodyPr wrap="none">
             <a:spAutoFit/>
           </a:bodyPr>
           <a:lstStyle/>
           <a:p>
             <a:r>
-              <a:rPr lang="en-US" altLang="ko-KR" sz="3600" b="1" dirty="0"/>
-              <a:t>HTTP/2</a:t>
-            </a:r>
-            <a:endParaRPr lang="ko-KR" altLang="en-US" sz="3600" b="1" dirty="0"/>
+              <a:rPr lang="ko-KR" altLang="en-US" sz="2800" b="1" dirty="0" err="1"/>
+              <a:t>WSAPoll</a:t>
+            </a:r>
+            <a:r>
+              <a:rPr lang="ko-KR" altLang="en-US" sz="2800" b="1" dirty="0"/>
+              <a:t> </a:t>
+            </a:r>
+            <a:endParaRPr lang="ko-KR" altLang="en-US" sz="2800" b="1" dirty="0"/>
           </a:p>
         </p:txBody>
       </p:sp>
@@ -3821,335 +6786,105 @@
         </p:nvSpPr>
         <p:spPr>
           <a:xfrm>
-            <a:off x="645458" y="1186988"/>
-            <a:ext cx="10703859" cy="3970318"/>
+            <a:off x="155205" y="3270588"/>
+            <a:ext cx="2629118" cy="523220"/>
           </a:xfrm>
           <a:prstGeom prst="rect">
             <a:avLst/>
           </a:prstGeom>
         </p:spPr>
         <p:txBody>
-          <a:bodyPr wrap="square">
+          <a:bodyPr wrap="none">
             <a:spAutoFit/>
           </a:bodyPr>
           <a:lstStyle/>
           <a:p>
             <a:r>
-              <a:rPr lang="en-US" altLang="ko-KR" dirty="0"/>
-              <a:t>5. select </a:t>
-            </a:r>
-            <a:r>
-              <a:rPr lang="ko-KR" altLang="en-US" dirty="0"/>
-              <a:t>와 </a:t>
-            </a:r>
-            <a:r>
-              <a:rPr lang="en-US" altLang="ko-KR" dirty="0"/>
-              <a:t>poll </a:t>
-            </a:r>
-            <a:r>
-              <a:rPr lang="ko-KR" altLang="en-US" dirty="0"/>
-              <a:t>비교</a:t>
-            </a:r>
-          </a:p>
-          <a:p>
-            <a:endParaRPr lang="ko-KR" altLang="en-US" dirty="0"/>
-          </a:p>
-          <a:p>
-            <a:r>
-              <a:rPr lang="en-US" altLang="ko-KR" dirty="0"/>
-              <a:t>- poll </a:t>
-            </a:r>
-            <a:r>
-              <a:rPr lang="ko-KR" altLang="en-US" dirty="0"/>
-              <a:t>은 가장 높은 </a:t>
-            </a:r>
-            <a:r>
-              <a:rPr lang="en-US" altLang="ko-KR" dirty="0" err="1"/>
-              <a:t>fd</a:t>
-            </a:r>
-            <a:r>
-              <a:rPr lang="ko-KR" altLang="en-US" dirty="0"/>
-              <a:t>에 </a:t>
-            </a:r>
-            <a:r>
-              <a:rPr lang="en-US" altLang="ko-KR" dirty="0"/>
-              <a:t>+1</a:t>
-            </a:r>
-            <a:r>
-              <a:rPr lang="ko-KR" altLang="en-US" dirty="0"/>
-              <a:t>을 할 필요가 없다</a:t>
-            </a:r>
-            <a:r>
-              <a:rPr lang="en-US" altLang="ko-KR" dirty="0"/>
-              <a:t>.</a:t>
-            </a:r>
-          </a:p>
-          <a:p>
-            <a:r>
-              <a:rPr lang="en-US" altLang="ko-KR" dirty="0"/>
-              <a:t>- poll</a:t>
-            </a:r>
-            <a:r>
-              <a:rPr lang="ko-KR" altLang="en-US" dirty="0"/>
-              <a:t>은 </a:t>
-            </a:r>
-            <a:r>
-              <a:rPr lang="en-US" altLang="ko-KR" dirty="0" err="1"/>
-              <a:t>fd</a:t>
-            </a:r>
-            <a:r>
-              <a:rPr lang="ko-KR" altLang="en-US" dirty="0"/>
-              <a:t>가 클 경우 좋다</a:t>
-            </a:r>
-            <a:r>
-              <a:rPr lang="en-US" altLang="ko-KR" dirty="0"/>
-              <a:t>. select</a:t>
-            </a:r>
-            <a:r>
-              <a:rPr lang="ko-KR" altLang="en-US" dirty="0"/>
-              <a:t>는 모든 </a:t>
-            </a:r>
-            <a:r>
-              <a:rPr lang="en-US" altLang="ko-KR" dirty="0" err="1"/>
-              <a:t>fd</a:t>
-            </a:r>
-            <a:r>
-              <a:rPr lang="ko-KR" altLang="en-US" dirty="0"/>
-              <a:t>의 비트를 검사한다</a:t>
-            </a:r>
-            <a:r>
-              <a:rPr lang="en-US" altLang="ko-KR" dirty="0"/>
-              <a:t>. (select</a:t>
-            </a:r>
-            <a:r>
-              <a:rPr lang="ko-KR" altLang="en-US" dirty="0"/>
-              <a:t>는 </a:t>
-            </a:r>
-            <a:r>
-              <a:rPr lang="en-US" altLang="ko-KR" dirty="0"/>
-              <a:t>for loop</a:t>
-            </a:r>
-            <a:r>
-              <a:rPr lang="ko-KR" altLang="en-US" dirty="0"/>
-              <a:t>에서 </a:t>
-            </a:r>
-            <a:r>
-              <a:rPr lang="en-US" altLang="ko-KR" dirty="0"/>
-              <a:t>set </a:t>
-            </a:r>
-            <a:r>
-              <a:rPr lang="ko-KR" altLang="en-US" dirty="0"/>
-              <a:t>된 정보를 찾음</a:t>
-            </a:r>
-            <a:r>
-              <a:rPr lang="en-US" altLang="ko-KR" dirty="0"/>
-              <a:t>)</a:t>
-            </a:r>
-          </a:p>
-          <a:p>
-            <a:r>
-              <a:rPr lang="en-US" altLang="ko-KR" dirty="0"/>
-              <a:t>  -&gt; </a:t>
-            </a:r>
-            <a:r>
-              <a:rPr lang="ko-KR" altLang="en-US" dirty="0"/>
-              <a:t>그렇다고 </a:t>
-            </a:r>
-            <a:r>
-              <a:rPr lang="en-US" altLang="ko-KR" dirty="0"/>
-              <a:t>select</a:t>
-            </a:r>
-            <a:r>
-              <a:rPr lang="ko-KR" altLang="en-US" dirty="0"/>
-              <a:t>가 안좋다고 말할 수 없다</a:t>
-            </a:r>
-            <a:r>
-              <a:rPr lang="en-US" altLang="ko-KR" dirty="0"/>
-              <a:t>. </a:t>
-            </a:r>
-            <a:r>
-              <a:rPr lang="ko-KR" altLang="en-US" dirty="0"/>
-              <a:t>이벤트가 자주발생하고 연속적인 시스템에서는 </a:t>
-            </a:r>
-            <a:r>
-              <a:rPr lang="en-US" altLang="ko-KR" dirty="0"/>
-              <a:t>select</a:t>
-            </a:r>
-            <a:r>
-              <a:rPr lang="ko-KR" altLang="en-US" dirty="0"/>
-              <a:t>를 사용 </a:t>
-            </a:r>
-            <a:r>
-              <a:rPr lang="en-US" altLang="ko-KR" dirty="0"/>
-              <a:t>(apache http)</a:t>
-            </a:r>
-          </a:p>
-          <a:p>
-            <a:r>
-              <a:rPr lang="en-US" altLang="ko-KR" dirty="0"/>
-              <a:t>     poll</a:t>
-            </a:r>
-            <a:r>
-              <a:rPr lang="ko-KR" altLang="en-US" dirty="0"/>
-              <a:t>은 어느 정도 분산되어 있거나 크기 제한이 없는 </a:t>
-            </a:r>
-            <a:r>
-              <a:rPr lang="ko-KR" altLang="en-US" dirty="0" err="1"/>
-              <a:t>여러개의</a:t>
-            </a:r>
-            <a:r>
-              <a:rPr lang="ko-KR" altLang="en-US" dirty="0"/>
+              <a:rPr lang="ko-KR" altLang="en-US" sz="2800" b="1" dirty="0" err="1"/>
+              <a:t>Fast</a:t>
+            </a:r>
+            <a:r>
+              <a:rPr lang="ko-KR" altLang="en-US" sz="2800" b="1" dirty="0"/>
               <a:t> </a:t>
             </a:r>
             <a:r>
-              <a:rPr lang="en-US" altLang="ko-KR" dirty="0"/>
-              <a:t>array </a:t>
-            </a:r>
-            <a:r>
-              <a:rPr lang="ko-KR" altLang="en-US" dirty="0"/>
-              <a:t>형태로 넘겨서 사용할 때 유용하다</a:t>
-            </a:r>
-            <a:r>
-              <a:rPr lang="en-US" altLang="ko-KR" dirty="0"/>
-              <a:t>. </a:t>
-            </a:r>
-          </a:p>
-          <a:p>
-            <a:r>
-              <a:rPr lang="en-US" altLang="ko-KR" dirty="0"/>
-              <a:t>            </a:t>
-            </a:r>
-            <a:r>
-              <a:rPr lang="ko-KR" altLang="en-US" dirty="0"/>
-              <a:t>그리고</a:t>
-            </a:r>
-            <a:r>
-              <a:rPr lang="en-US" altLang="ko-KR" dirty="0"/>
-              <a:t>, </a:t>
-            </a:r>
-            <a:r>
-              <a:rPr lang="ko-KR" altLang="en-US" dirty="0"/>
-              <a:t>필요한 것만 비교할 경우가 효과적이다</a:t>
-            </a:r>
-            <a:r>
-              <a:rPr lang="en-US" altLang="ko-KR" dirty="0"/>
-              <a:t>. </a:t>
-            </a:r>
-          </a:p>
-          <a:p>
-            <a:r>
-              <a:rPr lang="en-US" altLang="ko-KR" dirty="0"/>
-              <a:t>- select</a:t>
-            </a:r>
-            <a:r>
-              <a:rPr lang="ko-KR" altLang="en-US" dirty="0"/>
-              <a:t>는 </a:t>
-            </a:r>
-            <a:r>
-              <a:rPr lang="en-US" altLang="ko-KR" dirty="0" err="1"/>
-              <a:t>fd</a:t>
-            </a:r>
-            <a:r>
-              <a:rPr lang="en-US" altLang="ko-KR" dirty="0"/>
-              <a:t> set</a:t>
-            </a:r>
-            <a:r>
-              <a:rPr lang="ko-KR" altLang="en-US" dirty="0"/>
-              <a:t>을 초기화를 해야 하지만</a:t>
-            </a:r>
-            <a:r>
-              <a:rPr lang="en-US" altLang="ko-KR" dirty="0"/>
-              <a:t>, poll</a:t>
-            </a:r>
-            <a:r>
-              <a:rPr lang="ko-KR" altLang="en-US" dirty="0"/>
-              <a:t>은 입력과 결과를 분리할 수 있다</a:t>
-            </a:r>
-            <a:r>
-              <a:rPr lang="en-US" altLang="ko-KR" dirty="0"/>
-              <a:t>.</a:t>
-            </a:r>
-          </a:p>
-          <a:p>
-            <a:r>
-              <a:rPr lang="en-US" altLang="ko-KR" dirty="0"/>
-              <a:t>- select</a:t>
-            </a:r>
-            <a:r>
-              <a:rPr lang="ko-KR" altLang="en-US" dirty="0"/>
-              <a:t>는 사이즈 제한이 있다</a:t>
-            </a:r>
-            <a:r>
-              <a:rPr lang="en-US" altLang="ko-KR" dirty="0"/>
-              <a:t>. </a:t>
-            </a:r>
-          </a:p>
-          <a:p>
-            <a:r>
-              <a:rPr lang="en-US" altLang="ko-KR" dirty="0"/>
-              <a:t>- select</a:t>
-            </a:r>
-            <a:r>
-              <a:rPr lang="ko-KR" altLang="en-US" dirty="0"/>
-              <a:t>가 이식성이 좋음</a:t>
-            </a:r>
-            <a:r>
-              <a:rPr lang="en-US" altLang="ko-KR" dirty="0"/>
-              <a:t>. </a:t>
-            </a:r>
-            <a:r>
-              <a:rPr lang="ko-KR" altLang="en-US" dirty="0"/>
-              <a:t>어떤 시스템은 </a:t>
-            </a:r>
-            <a:r>
-              <a:rPr lang="en-US" altLang="ko-KR" dirty="0"/>
-              <a:t>poll</a:t>
-            </a:r>
-            <a:r>
-              <a:rPr lang="ko-KR" altLang="en-US" dirty="0"/>
-              <a:t>을 쓰지 않기도 함 </a:t>
-            </a:r>
-          </a:p>
-          <a:p>
-            <a:r>
-              <a:rPr lang="en-US" altLang="ko-KR" dirty="0"/>
-              <a:t>- select</a:t>
-            </a:r>
-            <a:r>
-              <a:rPr lang="ko-KR" altLang="en-US" dirty="0"/>
-              <a:t>의 </a:t>
-            </a:r>
-            <a:r>
-              <a:rPr lang="en-US" altLang="ko-KR" dirty="0"/>
-              <a:t>timeout</a:t>
-            </a:r>
-            <a:r>
-              <a:rPr lang="ko-KR" altLang="en-US" dirty="0"/>
-              <a:t>이 </a:t>
-            </a:r>
-            <a:r>
-              <a:rPr lang="en-US" altLang="ko-KR" dirty="0"/>
-              <a:t>poll</a:t>
-            </a:r>
-            <a:r>
-              <a:rPr lang="ko-KR" altLang="en-US" dirty="0"/>
-              <a:t>의 </a:t>
-            </a:r>
-            <a:r>
-              <a:rPr lang="en-US" altLang="ko-KR" dirty="0"/>
-              <a:t>timeout</a:t>
-            </a:r>
-            <a:r>
-              <a:rPr lang="ko-KR" altLang="en-US" dirty="0"/>
-              <a:t>보다 안정적임</a:t>
-            </a:r>
+              <a:rPr lang="ko-KR" altLang="en-US" sz="2800" b="1" dirty="0" err="1"/>
+              <a:t>Loopback</a:t>
+            </a:r>
+            <a:endParaRPr lang="ko-KR" altLang="en-US" sz="2800" b="1" dirty="0"/>
+          </a:p>
+        </p:txBody>
+      </p:sp>
+      <p:sp>
+        <p:nvSpPr>
+          <p:cNvPr id="7" name="직사각형 6"/>
+          <p:cNvSpPr/>
+          <p:nvPr/>
+        </p:nvSpPr>
+        <p:spPr>
+          <a:xfrm>
+            <a:off x="9039792" y="2347635"/>
+            <a:ext cx="954107" cy="523220"/>
+          </a:xfrm>
+          <a:prstGeom prst="rect">
+            <a:avLst/>
+          </a:prstGeom>
+        </p:spPr>
+        <p:txBody>
+          <a:bodyPr wrap="none">
+            <a:spAutoFit/>
+          </a:bodyPr>
+          <a:lstStyle/>
+          <a:p>
+            <a:r>
+              <a:rPr lang="en-US" altLang="ko-KR" sz="2800" b="1" dirty="0"/>
+              <a:t>p</a:t>
+            </a:r>
+            <a:r>
+              <a:rPr lang="ko-KR" altLang="en-US" sz="2800" b="1" dirty="0" err="1"/>
+              <a:t>oll</a:t>
+            </a:r>
+            <a:r>
+              <a:rPr lang="ko-KR" altLang="en-US" sz="2800" b="1" dirty="0"/>
+              <a:t> </a:t>
+            </a:r>
+            <a:endParaRPr lang="ko-KR" altLang="en-US" sz="2800" b="1" dirty="0"/>
+          </a:p>
+        </p:txBody>
+      </p:sp>
+      <p:sp>
+        <p:nvSpPr>
+          <p:cNvPr id="8" name="직사각형 7"/>
+          <p:cNvSpPr/>
+          <p:nvPr/>
+        </p:nvSpPr>
+        <p:spPr>
+          <a:xfrm>
+            <a:off x="8576656" y="3008978"/>
+            <a:ext cx="3673570" cy="523220"/>
+          </a:xfrm>
+          <a:prstGeom prst="rect">
+            <a:avLst/>
+          </a:prstGeom>
+        </p:spPr>
+        <p:txBody>
+          <a:bodyPr wrap="none">
+            <a:spAutoFit/>
+          </a:bodyPr>
+          <a:lstStyle/>
+          <a:p>
+            <a:r>
+              <a:rPr lang="en-US" altLang="ko-KR" sz="2800" b="1" dirty="0"/>
+              <a:t>Unix Domain Socket</a:t>
+            </a:r>
+            <a:endParaRPr lang="ko-KR" altLang="en-US" sz="2800" b="1" dirty="0"/>
           </a:p>
         </p:txBody>
       </p:sp>
     </p:spTree>
     <p:extLst>
       <p:ext uri="{BB962C8B-B14F-4D97-AF65-F5344CB8AC3E}">
-        <p14:creationId xmlns:p14="http://schemas.microsoft.com/office/powerpoint/2010/main" val="2751484186"/>
+        <p14:creationId xmlns:p14="http://schemas.microsoft.com/office/powerpoint/2010/main" val="2313247636"/>
       </p:ext>
     </p:extLst>
   </p:cSld>
@@ -4176,69 +6911,34 @@
           <a:chExt cx="0" cy="0"/>
         </a:xfrm>
       </p:grpSpPr>
-      <p:sp>
-        <p:nvSpPr>
-          <p:cNvPr id="2" name="TextBox 1"/>
-          <p:cNvSpPr txBox="1"/>
+      <p:pic>
+        <p:nvPicPr>
+          <p:cNvPr id="2" name="그림 1"/>
+          <p:cNvPicPr>
+            <a:picLocks noChangeAspect="1"/>
+          </p:cNvPicPr>
           <p:nvPr/>
-        </p:nvSpPr>
+        </p:nvPicPr>
+        <p:blipFill>
+          <a:blip r:embed="rId2"/>
+          <a:stretch>
+            <a:fillRect/>
+          </a:stretch>
+        </p:blipFill>
         <p:spPr>
           <a:xfrm>
-            <a:off x="551328" y="322729"/>
-            <a:ext cx="11282083" cy="646331"/>
+            <a:off x="152400" y="663385"/>
+            <a:ext cx="11765280" cy="5644512"/>
           </a:xfrm>
           <a:prstGeom prst="rect">
             <a:avLst/>
           </a:prstGeom>
-          <a:noFill/>
-        </p:spPr>
-        <p:txBody>
-          <a:bodyPr wrap="square" rtlCol="0">
-            <a:spAutoFit/>
-          </a:bodyPr>
-          <a:lstStyle/>
-          <a:p>
-            <a:r>
-              <a:rPr lang="en-US" altLang="ko-KR" sz="3600" b="1" dirty="0"/>
-              <a:t>HTTP/2</a:t>
-            </a:r>
-            <a:endParaRPr lang="ko-KR" altLang="en-US" sz="3600" b="1" dirty="0"/>
-          </a:p>
-        </p:txBody>
-      </p:sp>
-      <p:sp>
-        <p:nvSpPr>
-          <p:cNvPr id="3" name="직사각형 2"/>
-          <p:cNvSpPr/>
-          <p:nvPr/>
-        </p:nvSpPr>
-        <p:spPr>
-          <a:xfrm>
-            <a:off x="645458" y="1186988"/>
-            <a:ext cx="10703859" cy="369332"/>
-          </a:xfrm>
-          <a:prstGeom prst="rect">
-            <a:avLst/>
-          </a:prstGeom>
-        </p:spPr>
-        <p:txBody>
-          <a:bodyPr wrap="square">
-            <a:spAutoFit/>
-          </a:bodyPr>
-          <a:lstStyle/>
-          <a:p>
-            <a:r>
-              <a:rPr lang="en-US" altLang="ko-KR" dirty="0"/>
-              <a:t>https://github.com/pauldotknopf/WindowsSDK7-Samples/tree/master/netds/winsock</a:t>
-            </a:r>
-            <a:endParaRPr lang="ko-KR" altLang="en-US" sz="2400" dirty="0"/>
-          </a:p>
-        </p:txBody>
-      </p:sp>
+        </p:spPr>
+      </p:pic>
     </p:spTree>
     <p:extLst>
       <p:ext uri="{BB962C8B-B14F-4D97-AF65-F5344CB8AC3E}">
-        <p14:creationId xmlns:p14="http://schemas.microsoft.com/office/powerpoint/2010/main" val="1816069401"/>
+        <p14:creationId xmlns:p14="http://schemas.microsoft.com/office/powerpoint/2010/main" val="3999792102"/>
       </p:ext>
     </p:extLst>
   </p:cSld>
@@ -4273,8 +6973,8 @@
         </p:nvSpPr>
         <p:spPr>
           <a:xfrm>
-            <a:off x="551328" y="322729"/>
-            <a:ext cx="11282083" cy="646331"/>
+            <a:off x="551329" y="322729"/>
+            <a:ext cx="4074459" cy="646331"/>
           </a:xfrm>
           <a:prstGeom prst="rect">
             <a:avLst/>
@@ -4288,8 +6988,8 @@
           <a:lstStyle/>
           <a:p>
             <a:r>
-              <a:rPr lang="en-US" altLang="ko-KR" sz="3600" b="1" dirty="0"/>
-              <a:t>HTTP/2</a:t>
+              <a:rPr lang="en-US" altLang="ko-KR" sz="3600" b="1" dirty="0" err="1"/>
+              <a:t>WSAPoll</a:t>
             </a:r>
             <a:endParaRPr lang="ko-KR" altLang="en-US" sz="3600" b="1" dirty="0"/>
           </a:p>
@@ -4297,14 +6997,14 @@
       </p:sp>
       <p:sp>
         <p:nvSpPr>
-          <p:cNvPr id="4" name="직사각형 3"/>
+          <p:cNvPr id="3" name="직사각형 2"/>
           <p:cNvSpPr/>
           <p:nvPr/>
         </p:nvSpPr>
         <p:spPr>
           <a:xfrm>
-            <a:off x="59374" y="973799"/>
-            <a:ext cx="12047167" cy="5837495"/>
+            <a:off x="654424" y="1141309"/>
+            <a:ext cx="10425952" cy="3539430"/>
           </a:xfrm>
           <a:prstGeom prst="rect">
             <a:avLst/>
@@ -4316,357 +7016,120 @@
           </a:bodyPr>
           <a:lstStyle/>
           <a:p>
-            <a:pPr>
-              <a:spcAft>
-                <a:spcPts val="1600"/>
-              </a:spcAft>
+            <a:pPr marL="514350" indent="-514350">
+              <a:buFont typeface="Arial" panose="020B0604020202020204" pitchFamily="34" charset="0"/>
+              <a:buChar char="•"/>
             </a:pPr>
             <a:r>
-              <a:rPr lang="en-US" altLang="ko-KR" b="1" dirty="0">
-                <a:solidFill>
-                  <a:srgbClr val="595959"/>
-                </a:solidFill>
-                <a:latin typeface="Arial" panose="020B0604020202020204" pitchFamily="34" charset="0"/>
-              </a:rPr>
-              <a:t>fast loopback</a:t>
-            </a:r>
-            <a:endParaRPr lang="en-US" altLang="ko-KR" dirty="0"/>
-          </a:p>
-          <a:p>
-            <a:r>
-              <a:rPr lang="en-US" altLang="ko-KR" u="sng" dirty="0">
-                <a:solidFill>
-                  <a:srgbClr val="0097A7"/>
-                </a:solidFill>
-                <a:latin typeface="Arial" panose="020B0604020202020204" pitchFamily="34" charset="0"/>
-                <a:hlinkClick r:id="rId2"/>
-              </a:rPr>
-              <a:t>http://www.drdobbs.com/windows/the-new-socket-apis-in-windows-8/240148403?pgno=3</a:t>
+              <a:rPr lang="en-US" altLang="ko-KR" sz="2800" b="1" dirty="0"/>
+              <a:t>Windows Vista</a:t>
+            </a:r>
+            <a:r>
+              <a:rPr lang="ko-KR" altLang="en-US" sz="2800" dirty="0"/>
+              <a:t>부터 새로 생긴 네트워크 </a:t>
+            </a:r>
+            <a:r>
+              <a:rPr lang="en-US" altLang="ko-KR" sz="2800" dirty="0"/>
+              <a:t>API.</a:t>
             </a:r>
             <a:br>
-              <a:rPr lang="en-US" altLang="ko-KR" dirty="0">
-                <a:solidFill>
-                  <a:srgbClr val="595959"/>
-                </a:solidFill>
-                <a:latin typeface="Arial" panose="020B0604020202020204" pitchFamily="34" charset="0"/>
-                <a:hlinkClick r:id="rId2"/>
-              </a:rPr>
+              <a:rPr lang="en-US" altLang="ko-KR" sz="2800" dirty="0"/>
             </a:br>
+            <a:endParaRPr lang="en-US" altLang="ko-KR" sz="2800" dirty="0"/>
+          </a:p>
+          <a:p>
+            <a:pPr marL="514350" indent="-514350">
+              <a:buFont typeface="Arial" panose="020B0604020202020204" pitchFamily="34" charset="0"/>
+              <a:buChar char="•"/>
+            </a:pPr>
+            <a:r>
+              <a:rPr lang="en-US" altLang="ko-KR" sz="2800" dirty="0"/>
+              <a:t>Linux(Unix) OS</a:t>
+            </a:r>
+            <a:r>
+              <a:rPr lang="ko-KR" altLang="en-US" sz="2800" dirty="0"/>
+              <a:t>의 </a:t>
+            </a:r>
+            <a:r>
+              <a:rPr lang="en-US" altLang="ko-KR" sz="2800" b="1" dirty="0"/>
+              <a:t>poll</a:t>
+            </a:r>
+            <a:r>
+              <a:rPr lang="ko-KR" altLang="en-US" sz="2800" dirty="0"/>
+              <a:t>과 비슷한 것이다</a:t>
+            </a:r>
+            <a:r>
+              <a:rPr lang="en-US" altLang="ko-KR" sz="2800" dirty="0"/>
+              <a:t>.</a:t>
+            </a:r>
             <a:br>
-              <a:rPr lang="en-US" altLang="ko-KR" dirty="0">
-                <a:solidFill>
-                  <a:srgbClr val="595959"/>
-                </a:solidFill>
-                <a:latin typeface="Arial" panose="020B0604020202020204" pitchFamily="34" charset="0"/>
-                <a:hlinkClick r:id="rId2"/>
-              </a:rPr>
+              <a:rPr lang="en-US" altLang="ko-KR" sz="2800" dirty="0"/>
             </a:br>
-            <a:r>
-              <a:rPr lang="en-US" altLang="ko-KR" u="sng" dirty="0">
-                <a:solidFill>
-                  <a:srgbClr val="0097A7"/>
-                </a:solidFill>
-                <a:latin typeface="Arial" panose="020B0604020202020204" pitchFamily="34" charset="0"/>
-                <a:hlinkClick r:id="rId3"/>
-              </a:rPr>
-              <a:t>https://github.com/search?q=SIO_LOOPBACK_FAST_PATH&amp;type=Code&amp;utf8=%E2%9C%93</a:t>
+            <a:endParaRPr lang="ko-KR" altLang="en-US" sz="2800" dirty="0"/>
+          </a:p>
+          <a:p>
+            <a:pPr marL="514350" indent="-514350">
+              <a:buFont typeface="Arial" panose="020B0604020202020204" pitchFamily="34" charset="0"/>
+              <a:buChar char="•"/>
+            </a:pPr>
+            <a:r>
+              <a:rPr lang="ko-KR" altLang="en-US" sz="2800" dirty="0"/>
+              <a:t>복수의 파일 </a:t>
+            </a:r>
+            <a:r>
+              <a:rPr lang="ko-KR" altLang="en-US" sz="2800" dirty="0" err="1"/>
+              <a:t>디스크립터를</a:t>
+            </a:r>
+            <a:r>
+              <a:rPr lang="ko-KR" altLang="en-US" sz="2800" dirty="0"/>
+              <a:t> 감시하는 </a:t>
+            </a:r>
+            <a:r>
+              <a:rPr lang="en-US" altLang="ko-KR" sz="2800" dirty="0"/>
+              <a:t>API.</a:t>
             </a:r>
             <a:br>
-              <a:rPr lang="en-US" altLang="ko-KR" dirty="0">
-                <a:solidFill>
-                  <a:srgbClr val="595959"/>
-                </a:solidFill>
-                <a:latin typeface="Arial" panose="020B0604020202020204" pitchFamily="34" charset="0"/>
-                <a:hlinkClick r:id="rId3"/>
-              </a:rPr>
+              <a:rPr lang="en-US" altLang="ko-KR" sz="2800" dirty="0"/>
             </a:br>
-            <a:br>
-              <a:rPr lang="en-US" altLang="ko-KR" dirty="0">
-                <a:solidFill>
-                  <a:srgbClr val="595959"/>
-                </a:solidFill>
-                <a:latin typeface="Arial" panose="020B0604020202020204" pitchFamily="34" charset="0"/>
-                <a:hlinkClick r:id="rId3"/>
-              </a:rPr>
-            </a:br>
-            <a:r>
-              <a:rPr lang="en-US" altLang="ko-KR" dirty="0">
-                <a:solidFill>
-                  <a:srgbClr val="595959"/>
-                </a:solidFill>
-                <a:latin typeface="Arial" panose="020B0604020202020204" pitchFamily="34" charset="0"/>
-              </a:rPr>
-              <a:t>Fast TCP Loopback Performance and Low Latency with Windows Server 2012 TCP Loopback Fast Path</a:t>
-            </a:r>
-            <a:br>
-              <a:rPr lang="en-US" altLang="ko-KR" dirty="0">
-                <a:solidFill>
-                  <a:srgbClr val="595959"/>
-                </a:solidFill>
-                <a:latin typeface="Arial" panose="020B0604020202020204" pitchFamily="34" charset="0"/>
-              </a:rPr>
-            </a:br>
-            <a:r>
-              <a:rPr lang="en-US" altLang="ko-KR" u="sng" dirty="0">
-                <a:solidFill>
-                  <a:srgbClr val="0097A7"/>
-                </a:solidFill>
-                <a:latin typeface="Arial" panose="020B0604020202020204" pitchFamily="34" charset="0"/>
-                <a:hlinkClick r:id="rId4"/>
-              </a:rPr>
-              <a:t>https://blogs.technet.microsoft.com/wincat/2012/12/05/fast-tcp-loopback-performance-and-low-latency-with-windows-server-2012-tcp-loopback-fast-path/</a:t>
-            </a:r>
-            <a:br>
-              <a:rPr lang="en-US" altLang="ko-KR" dirty="0">
-                <a:solidFill>
-                  <a:srgbClr val="595959"/>
-                </a:solidFill>
-                <a:latin typeface="Arial" panose="020B0604020202020204" pitchFamily="34" charset="0"/>
-                <a:hlinkClick r:id="rId4"/>
-              </a:rPr>
-            </a:br>
-            <a:br>
-              <a:rPr lang="en-US" altLang="ko-KR" dirty="0">
-                <a:solidFill>
-                  <a:srgbClr val="595959"/>
-                </a:solidFill>
-                <a:latin typeface="Arial" panose="020B0604020202020204" pitchFamily="34" charset="0"/>
-                <a:hlinkClick r:id="rId4"/>
-              </a:rPr>
-            </a:br>
-            <a:r>
-              <a:rPr lang="en-US" altLang="ko-KR" dirty="0">
-                <a:solidFill>
-                  <a:srgbClr val="595959"/>
-                </a:solidFill>
-                <a:latin typeface="Arial" panose="020B0604020202020204" pitchFamily="34" charset="0"/>
-              </a:rPr>
-              <a:t>Fast Loopback on Windows 10 with weird </a:t>
-            </a:r>
-            <a:r>
-              <a:rPr lang="en-US" altLang="ko-KR" dirty="0" err="1">
-                <a:solidFill>
-                  <a:srgbClr val="595959"/>
-                </a:solidFill>
-                <a:latin typeface="Arial" panose="020B0604020202020204" pitchFamily="34" charset="0"/>
-              </a:rPr>
-              <a:t>HyperThreading</a:t>
-            </a:r>
-            <a:r>
-              <a:rPr lang="en-US" altLang="ko-KR" dirty="0">
-                <a:solidFill>
-                  <a:srgbClr val="595959"/>
-                </a:solidFill>
-                <a:latin typeface="Arial" panose="020B0604020202020204" pitchFamily="34" charset="0"/>
-              </a:rPr>
-              <a:t> results</a:t>
-            </a:r>
-            <a:br>
-              <a:rPr lang="en-US" altLang="ko-KR" dirty="0">
-                <a:solidFill>
-                  <a:srgbClr val="595959"/>
-                </a:solidFill>
-                <a:latin typeface="Arial" panose="020B0604020202020204" pitchFamily="34" charset="0"/>
-              </a:rPr>
-            </a:br>
-            <a:r>
-              <a:rPr lang="en-US" altLang="ko-KR" u="sng" dirty="0">
-                <a:solidFill>
-                  <a:srgbClr val="0097A7"/>
-                </a:solidFill>
-                <a:latin typeface="Arial" panose="020B0604020202020204" pitchFamily="34" charset="0"/>
-                <a:hlinkClick r:id="rId5"/>
-              </a:rPr>
-              <a:t>http://stackoverflow.com/questions/31742501/fast-loopback-on-windows-10-with-weird-hyperthreading-results</a:t>
-            </a:r>
-            <a:br>
-              <a:rPr lang="en-US" altLang="ko-KR" dirty="0">
-                <a:solidFill>
-                  <a:srgbClr val="595959"/>
-                </a:solidFill>
-                <a:latin typeface="Arial" panose="020B0604020202020204" pitchFamily="34" charset="0"/>
-                <a:hlinkClick r:id="rId5"/>
-              </a:rPr>
-            </a:br>
-            <a:br>
-              <a:rPr lang="en-US" altLang="ko-KR" dirty="0">
-                <a:solidFill>
-                  <a:srgbClr val="595959"/>
-                </a:solidFill>
-                <a:latin typeface="Arial" panose="020B0604020202020204" pitchFamily="34" charset="0"/>
-                <a:hlinkClick r:id="rId5"/>
-              </a:rPr>
-            </a:br>
-            <a:r>
-              <a:rPr lang="en-US" altLang="ko-KR" dirty="0">
-                <a:solidFill>
-                  <a:srgbClr val="595959"/>
-                </a:solidFill>
-                <a:latin typeface="Arial" panose="020B0604020202020204" pitchFamily="34" charset="0"/>
-              </a:rPr>
-              <a:t>SIO_LOOPBACK_FAST_PATH control code</a:t>
-            </a:r>
-            <a:br>
-              <a:rPr lang="en-US" altLang="ko-KR" dirty="0">
-                <a:solidFill>
-                  <a:srgbClr val="595959"/>
-                </a:solidFill>
-                <a:latin typeface="Arial" panose="020B0604020202020204" pitchFamily="34" charset="0"/>
-              </a:rPr>
-            </a:br>
-            <a:r>
-              <a:rPr lang="en-US" altLang="ko-KR" u="sng" dirty="0">
-                <a:solidFill>
-                  <a:srgbClr val="0097A7"/>
-                </a:solidFill>
-                <a:latin typeface="Arial" panose="020B0604020202020204" pitchFamily="34" charset="0"/>
-                <a:hlinkClick r:id="rId6"/>
-              </a:rPr>
-              <a:t>https://msdn.microsoft.com/en-us/library/windows/desktop/jj841212(v=vs.85).aspx</a:t>
-            </a:r>
-            <a:br>
-              <a:rPr lang="en-US" altLang="ko-KR" dirty="0">
-                <a:solidFill>
-                  <a:srgbClr val="595959"/>
-                </a:solidFill>
-                <a:latin typeface="Arial" panose="020B0604020202020204" pitchFamily="34" charset="0"/>
-                <a:hlinkClick r:id="rId6"/>
-              </a:rPr>
-            </a:br>
-            <a:br>
-              <a:rPr lang="en-US" altLang="ko-KR" dirty="0">
-                <a:solidFill>
-                  <a:srgbClr val="595959"/>
-                </a:solidFill>
-                <a:latin typeface="Arial" panose="020B0604020202020204" pitchFamily="34" charset="0"/>
-                <a:hlinkClick r:id="rId6"/>
-              </a:rPr>
-            </a:br>
-            <a:r>
-              <a:rPr lang="en-US" altLang="ko-KR" dirty="0">
-                <a:solidFill>
-                  <a:srgbClr val="595959"/>
-                </a:solidFill>
-                <a:latin typeface="Arial" panose="020B0604020202020204" pitchFamily="34" charset="0"/>
-              </a:rPr>
-              <a:t>Python3.6</a:t>
-            </a:r>
-            <a:r>
-              <a:rPr lang="ko-KR" altLang="en-US" dirty="0">
-                <a:solidFill>
-                  <a:srgbClr val="595959"/>
-                </a:solidFill>
-                <a:latin typeface="Arial" panose="020B0604020202020204" pitchFamily="34" charset="0"/>
-              </a:rPr>
-              <a:t>の新機能</a:t>
-            </a:r>
-            <a:br>
-              <a:rPr lang="ko-KR" altLang="en-US" dirty="0">
-                <a:solidFill>
-                  <a:srgbClr val="595959"/>
-                </a:solidFill>
-                <a:latin typeface="Arial" panose="020B0604020202020204" pitchFamily="34" charset="0"/>
-              </a:rPr>
-            </a:br>
-            <a:r>
-              <a:rPr lang="en-US" altLang="ko-KR" u="sng" dirty="0">
-                <a:solidFill>
-                  <a:srgbClr val="0097A7"/>
-                </a:solidFill>
-                <a:latin typeface="Arial" panose="020B0604020202020204" pitchFamily="34" charset="0"/>
-                <a:hlinkClick r:id="rId7"/>
-              </a:rPr>
-              <a:t>http://qiita.com/ksato9700/items/ed839a6db6a671fd31e6#socket</a:t>
-            </a:r>
-            <a:br>
-              <a:rPr lang="en-US" altLang="ko-KR" dirty="0">
-                <a:solidFill>
-                  <a:srgbClr val="595959"/>
-                </a:solidFill>
-                <a:latin typeface="Arial" panose="020B0604020202020204" pitchFamily="34" charset="0"/>
-                <a:hlinkClick r:id="rId7"/>
-              </a:rPr>
-            </a:br>
-            <a:br>
-              <a:rPr lang="en-US" altLang="ko-KR" dirty="0">
-                <a:solidFill>
-                  <a:srgbClr val="595959"/>
-                </a:solidFill>
-                <a:latin typeface="Arial" panose="020B0604020202020204" pitchFamily="34" charset="0"/>
-                <a:hlinkClick r:id="rId7"/>
-              </a:rPr>
-            </a:br>
-            <a:r>
-              <a:rPr lang="en-US" altLang="ko-KR" dirty="0" err="1">
-                <a:solidFill>
-                  <a:srgbClr val="595959"/>
-                </a:solidFill>
-                <a:latin typeface="Arial" panose="020B0604020202020204" pitchFamily="34" charset="0"/>
-              </a:rPr>
-              <a:t>librapid</a:t>
-            </a:r>
-            <a:r>
-              <a:rPr lang="en-US" altLang="ko-KR" dirty="0">
-                <a:solidFill>
-                  <a:srgbClr val="595959"/>
-                </a:solidFill>
-                <a:latin typeface="Arial" panose="020B0604020202020204" pitchFamily="34" charset="0"/>
-              </a:rPr>
-              <a:t>. Optimization Windows </a:t>
-            </a:r>
-            <a:r>
-              <a:rPr lang="en-US" altLang="ko-KR" dirty="0" err="1">
-                <a:solidFill>
-                  <a:srgbClr val="595959"/>
-                </a:solidFill>
-                <a:latin typeface="Arial" panose="020B0604020202020204" pitchFamily="34" charset="0"/>
-              </a:rPr>
-              <a:t>Tcp</a:t>
-            </a:r>
-            <a:r>
-              <a:rPr lang="en-US" altLang="ko-KR" dirty="0">
-                <a:solidFill>
-                  <a:srgbClr val="595959"/>
-                </a:solidFill>
-                <a:latin typeface="Arial" panose="020B0604020202020204" pitchFamily="34" charset="0"/>
-              </a:rPr>
-              <a:t> Server Library</a:t>
-            </a:r>
-            <a:br>
-              <a:rPr lang="en-US" altLang="ko-KR" dirty="0">
-                <a:solidFill>
-                  <a:srgbClr val="595959"/>
-                </a:solidFill>
-                <a:latin typeface="Arial" panose="020B0604020202020204" pitchFamily="34" charset="0"/>
-              </a:rPr>
-            </a:br>
-            <a:r>
-              <a:rPr lang="en-US" altLang="ko-KR" u="sng" dirty="0">
-                <a:solidFill>
-                  <a:srgbClr val="0097A7"/>
-                </a:solidFill>
-                <a:latin typeface="Arial" panose="020B0604020202020204" pitchFamily="34" charset="0"/>
-                <a:hlinkClick r:id="rId8"/>
-              </a:rPr>
-              <a:t>https://github.com/billlin0904/librapid</a:t>
-            </a:r>
-            <a:r>
-              <a:rPr lang="en-US" altLang="ko-KR" dirty="0">
-                <a:solidFill>
-                  <a:srgbClr val="595959"/>
-                </a:solidFill>
-                <a:latin typeface="Arial" panose="020B0604020202020204" pitchFamily="34" charset="0"/>
-              </a:rPr>
-              <a:t> </a:t>
-            </a:r>
-            <a:endParaRPr lang="ko-KR" altLang="en-US" dirty="0"/>
+            <a:endParaRPr lang="en-US" altLang="ko-KR" sz="2800" dirty="0"/>
+          </a:p>
+          <a:p>
+            <a:pPr marL="514350" indent="-514350">
+              <a:buFont typeface="Arial" panose="020B0604020202020204" pitchFamily="34" charset="0"/>
+              <a:buChar char="•"/>
+            </a:pPr>
+            <a:r>
+              <a:rPr lang="ko-KR" altLang="en-US" sz="2800" dirty="0"/>
+              <a:t>지정한 소켓의 상태가 변화했는지 확인하는 기능을 제공한다</a:t>
+            </a:r>
+            <a:r>
+              <a:rPr lang="en-US" altLang="ko-KR" sz="2800" dirty="0"/>
+              <a:t>. </a:t>
+            </a:r>
+            <a:r>
+              <a:rPr lang="ko-KR" altLang="en-US" sz="2800" dirty="0"/>
+              <a:t>기능적으로는 </a:t>
+            </a:r>
+            <a:r>
+              <a:rPr lang="en-US" altLang="ko-KR" sz="2800" dirty="0"/>
+              <a:t>select</a:t>
+            </a:r>
+            <a:r>
+              <a:rPr lang="ko-KR" altLang="en-US" sz="2800" dirty="0"/>
+              <a:t>와 유사하다</a:t>
+            </a:r>
+            <a:r>
+              <a:rPr lang="en-US" altLang="ko-KR" sz="2800" dirty="0"/>
+              <a:t>.</a:t>
+            </a:r>
+            <a:endParaRPr lang="ko-KR" altLang="en-US" sz="2800" dirty="0"/>
           </a:p>
         </p:txBody>
       </p:sp>
     </p:spTree>
     <p:extLst>
       <p:ext uri="{BB962C8B-B14F-4D97-AF65-F5344CB8AC3E}">
-        <p14:creationId xmlns:p14="http://schemas.microsoft.com/office/powerpoint/2010/main" val="3075968608"/>
+        <p14:creationId xmlns:p14="http://schemas.microsoft.com/office/powerpoint/2010/main" val="3421330507"/>
       </p:ext>
     </p:extLst>
   </p:cSld>
@@ -4701,8 +7164,8 @@
         </p:nvSpPr>
         <p:spPr>
           <a:xfrm>
-            <a:off x="551328" y="322729"/>
-            <a:ext cx="11282083" cy="646331"/>
+            <a:off x="551329" y="322729"/>
+            <a:ext cx="6217606" cy="646331"/>
           </a:xfrm>
           <a:prstGeom prst="rect">
             <a:avLst/>
@@ -4716,17 +7179,951 @@
           <a:lstStyle/>
           <a:p>
             <a:r>
+              <a:rPr lang="ko-KR" altLang="en-US" sz="3600" b="1" dirty="0"/>
+              <a:t>잠시 </a:t>
+            </a:r>
+            <a:r>
               <a:rPr lang="en-US" altLang="ko-KR" sz="3600" b="1" dirty="0"/>
-              <a:t>HTTP/2</a:t>
+              <a:t>Linux</a:t>
+            </a:r>
+            <a:r>
+              <a:rPr lang="ko-KR" altLang="en-US" sz="3600" b="1" dirty="0"/>
+              <a:t>의 </a:t>
+            </a:r>
+            <a:r>
+              <a:rPr lang="en-US" altLang="ko-KR" sz="3600" b="1" dirty="0"/>
+              <a:t>poll</a:t>
+            </a:r>
+            <a:r>
+              <a:rPr lang="ko-KR" altLang="en-US" sz="3600" b="1" dirty="0"/>
+              <a:t>에 대해</a:t>
+            </a:r>
+            <a:r>
+              <a:rPr lang="en-US" altLang="ko-KR" sz="3600" b="1" dirty="0"/>
+              <a:t>…</a:t>
             </a:r>
             <a:endParaRPr lang="ko-KR" altLang="en-US" sz="3600" b="1" dirty="0"/>
+          </a:p>
+        </p:txBody>
+      </p:sp>
+      <p:sp>
+        <p:nvSpPr>
+          <p:cNvPr id="3" name="직사각형 2"/>
+          <p:cNvSpPr/>
+          <p:nvPr/>
+        </p:nvSpPr>
+        <p:spPr>
+          <a:xfrm>
+            <a:off x="654424" y="1141309"/>
+            <a:ext cx="10425952" cy="2308324"/>
+          </a:xfrm>
+          <a:prstGeom prst="rect">
+            <a:avLst/>
+          </a:prstGeom>
+        </p:spPr>
+        <p:txBody>
+          <a:bodyPr wrap="square">
+            <a:spAutoFit/>
+          </a:bodyPr>
+          <a:lstStyle/>
+          <a:p>
+            <a:r>
+              <a:rPr lang="en-US" altLang="ko-KR" sz="2400" dirty="0"/>
+              <a:t>poll</a:t>
+            </a:r>
+            <a:r>
+              <a:rPr lang="ko-KR" altLang="en-US" sz="2400" dirty="0"/>
+              <a:t>은 거의 </a:t>
+            </a:r>
+            <a:r>
+              <a:rPr lang="en-US" altLang="ko-KR" sz="2400" dirty="0"/>
+              <a:t>select</a:t>
+            </a:r>
+            <a:r>
+              <a:rPr lang="ko-KR" altLang="en-US" sz="2400" dirty="0"/>
+              <a:t>와 비슷하지만 아래와 같은 차이가 있다</a:t>
+            </a:r>
+            <a:r>
+              <a:rPr lang="en-US" altLang="ko-KR" sz="2400" dirty="0"/>
+              <a:t>.</a:t>
+            </a:r>
+            <a:br>
+              <a:rPr lang="en-US" altLang="ko-KR" sz="2400" dirty="0"/>
+            </a:br>
+            <a:endParaRPr lang="en-US" altLang="ko-KR" sz="2400" dirty="0"/>
+          </a:p>
+          <a:p>
+            <a:r>
+              <a:rPr lang="en-US" altLang="ko-KR" sz="2400" dirty="0"/>
+              <a:t>- </a:t>
+            </a:r>
+            <a:r>
+              <a:rPr lang="ko-KR" altLang="en-US" sz="2400" dirty="0"/>
+              <a:t>관리할 수 있는 </a:t>
+            </a:r>
+            <a:r>
+              <a:rPr lang="ko-KR" altLang="en-US" sz="2400" b="1" dirty="0" err="1"/>
+              <a:t>디스크립터</a:t>
+            </a:r>
+            <a:r>
+              <a:rPr lang="en-US" altLang="ko-KR" sz="2400" b="1" dirty="0"/>
+              <a:t>(</a:t>
+            </a:r>
+            <a:r>
+              <a:rPr lang="ko-KR" altLang="en-US" sz="2400" b="1" dirty="0"/>
+              <a:t>네트워크에서는 소켓</a:t>
+            </a:r>
+            <a:r>
+              <a:rPr lang="en-US" altLang="ko-KR" sz="2400" b="1" dirty="0"/>
+              <a:t>)</a:t>
+            </a:r>
+            <a:r>
+              <a:rPr lang="ko-KR" altLang="en-US" sz="2400" b="1" dirty="0"/>
+              <a:t> 수가 무제한</a:t>
+            </a:r>
+            <a:r>
+              <a:rPr lang="ko-KR" altLang="en-US" sz="2400" dirty="0"/>
+              <a:t>이 된다</a:t>
+            </a:r>
+            <a:r>
+              <a:rPr lang="en-US" altLang="ko-KR" sz="2400" dirty="0"/>
+              <a:t>.</a:t>
+            </a:r>
+            <a:br>
+              <a:rPr lang="en-US" altLang="ko-KR" sz="2400" dirty="0"/>
+            </a:br>
+            <a:br>
+              <a:rPr lang="en-US" altLang="ko-KR" sz="2400" dirty="0"/>
+            </a:br>
+            <a:r>
+              <a:rPr lang="en-US" altLang="ko-KR" sz="2400" dirty="0"/>
+              <a:t>- poll </a:t>
+            </a:r>
+            <a:r>
+              <a:rPr lang="ko-KR" altLang="en-US" sz="2400" dirty="0"/>
+              <a:t>시스템 콜 자체를 구현하고 있는 시스템이 </a:t>
+            </a:r>
+            <a:r>
+              <a:rPr lang="en-US" altLang="ko-KR" sz="2400" dirty="0"/>
+              <a:t>select </a:t>
+            </a:r>
+            <a:r>
+              <a:rPr lang="ko-KR" altLang="en-US" sz="2400" dirty="0"/>
+              <a:t>보다 적기 때문에 </a:t>
+            </a:r>
+            <a:r>
+              <a:rPr lang="ko-KR" altLang="en-US" sz="2400" dirty="0" err="1"/>
+              <a:t>이식성</a:t>
+            </a:r>
+            <a:r>
+              <a:rPr lang="ko-KR" altLang="en-US" sz="2400" dirty="0"/>
+              <a:t> 등에 좋지 않다</a:t>
+            </a:r>
+            <a:r>
+              <a:rPr lang="en-US" altLang="ko-KR" sz="2400" dirty="0"/>
+              <a:t>(</a:t>
+            </a:r>
+            <a:r>
+              <a:rPr lang="ko-KR" altLang="en-US" sz="2400" dirty="0"/>
+              <a:t>조금 오래된 이야기</a:t>
+            </a:r>
+            <a:r>
+              <a:rPr lang="en-US" altLang="ko-KR" sz="2400" dirty="0"/>
+              <a:t>..)</a:t>
+            </a:r>
+            <a:endParaRPr lang="ko-KR" altLang="en-US" sz="2400" dirty="0"/>
           </a:p>
         </p:txBody>
       </p:sp>
     </p:spTree>
     <p:extLst>
       <p:ext uri="{BB962C8B-B14F-4D97-AF65-F5344CB8AC3E}">
-        <p14:creationId xmlns:p14="http://schemas.microsoft.com/office/powerpoint/2010/main" val="505500386"/>
+        <p14:creationId xmlns:p14="http://schemas.microsoft.com/office/powerpoint/2010/main" val="2165421971"/>
+      </p:ext>
+    </p:extLst>
+  </p:cSld>
+  <p:clrMapOvr>
+    <a:masterClrMapping/>
+  </p:clrMapOvr>
+</p:sld>
+</file>
+
+<file path=ppt/slides/slide8.xml><?xml version="1.0" encoding="utf-8"?>
+<p:sld xmlns:a="http://schemas.openxmlformats.org/drawingml/2006/main" xmlns:r="http://schemas.openxmlformats.org/officeDocument/2006/relationships" xmlns:p="http://schemas.openxmlformats.org/presentationml/2006/main">
+  <p:cSld>
+    <p:spTree>
+      <p:nvGrpSpPr>
+        <p:cNvPr id="1" name=""/>
+        <p:cNvGrpSpPr/>
+        <p:nvPr/>
+      </p:nvGrpSpPr>
+      <p:grpSpPr>
+        <a:xfrm>
+          <a:off x="0" y="0"/>
+          <a:ext cx="0" cy="0"/>
+          <a:chOff x="0" y="0"/>
+          <a:chExt cx="0" cy="0"/>
+        </a:xfrm>
+      </p:grpSpPr>
+      <p:sp>
+        <p:nvSpPr>
+          <p:cNvPr id="2" name="TextBox 1"/>
+          <p:cNvSpPr txBox="1"/>
+          <p:nvPr/>
+        </p:nvSpPr>
+        <p:spPr>
+          <a:xfrm>
+            <a:off x="551329" y="322729"/>
+            <a:ext cx="5683216" cy="646331"/>
+          </a:xfrm>
+          <a:prstGeom prst="rect">
+            <a:avLst/>
+          </a:prstGeom>
+          <a:noFill/>
+        </p:spPr>
+        <p:txBody>
+          <a:bodyPr wrap="square" rtlCol="0">
+            <a:spAutoFit/>
+          </a:bodyPr>
+          <a:lstStyle/>
+          <a:p>
+            <a:r>
+              <a:rPr lang="ko-KR" altLang="en-US" sz="3600" b="1" dirty="0"/>
+              <a:t>잠시 </a:t>
+            </a:r>
+            <a:r>
+              <a:rPr lang="en-US" altLang="ko-KR" sz="3600" b="1" dirty="0"/>
+              <a:t>select </a:t>
+            </a:r>
+            <a:r>
+              <a:rPr lang="ko-KR" altLang="en-US" sz="3600" b="1" dirty="0"/>
+              <a:t>에 대해서</a:t>
+            </a:r>
+            <a:r>
+              <a:rPr lang="en-US" altLang="ko-KR" sz="3600" b="1" dirty="0"/>
+              <a:t>…</a:t>
+            </a:r>
+            <a:endParaRPr lang="ko-KR" altLang="en-US" sz="3600" b="1" dirty="0"/>
+          </a:p>
+        </p:txBody>
+      </p:sp>
+      <p:sp>
+        <p:nvSpPr>
+          <p:cNvPr id="4" name="직사각형 3"/>
+          <p:cNvSpPr/>
+          <p:nvPr/>
+        </p:nvSpPr>
+        <p:spPr>
+          <a:xfrm>
+            <a:off x="551329" y="4938777"/>
+            <a:ext cx="11228993" cy="1754326"/>
+          </a:xfrm>
+          <a:prstGeom prst="rect">
+            <a:avLst/>
+          </a:prstGeom>
+        </p:spPr>
+        <p:txBody>
+          <a:bodyPr wrap="square">
+            <a:spAutoFit/>
+          </a:bodyPr>
+          <a:lstStyle/>
+          <a:p>
+            <a:r>
+              <a:rPr lang="ko-KR" altLang="en-US" sz="1200" dirty="0"/>
+              <a:t>소켓 </a:t>
+            </a:r>
+            <a:r>
+              <a:rPr lang="ko-KR" altLang="en-US" sz="1200" dirty="0" err="1"/>
+              <a:t>멀티플렉싱</a:t>
+            </a:r>
+            <a:r>
+              <a:rPr lang="ko-KR" altLang="en-US" sz="1200" dirty="0"/>
+              <a:t> 함수 </a:t>
+            </a:r>
+            <a:r>
+              <a:rPr lang="en-US" altLang="ko-KR" sz="1200" dirty="0"/>
+              <a:t>select()</a:t>
+            </a:r>
+          </a:p>
+          <a:p>
+            <a:r>
+              <a:rPr lang="en-US" altLang="ko-KR" sz="1200" dirty="0">
+                <a:hlinkClick r:id="rId2"/>
+              </a:rPr>
+              <a:t>http://eastroot1590.tistory.com/entry/%EC%86%8C%EC%BC%93-%EB%A9%80%ED%8B%B0%ED%94%8C%EB%A0%89%EC%8B%B1-%ED%95%A8%EC%88%98-select</a:t>
+            </a:r>
+            <a:endParaRPr lang="en-US" altLang="ko-KR" sz="1200" dirty="0"/>
+          </a:p>
+          <a:p>
+            <a:endParaRPr lang="en-US" altLang="ko-KR" sz="1200" dirty="0"/>
+          </a:p>
+          <a:p>
+            <a:r>
+              <a:rPr lang="ko-KR" altLang="en-US" sz="1200" dirty="0" err="1"/>
+              <a:t>Non</a:t>
+            </a:r>
+            <a:r>
+              <a:rPr lang="ko-KR" altLang="en-US" sz="1200" dirty="0"/>
+              <a:t>-Block 네트워크 프로그램 - 2 (</a:t>
+            </a:r>
+            <a:r>
+              <a:rPr lang="ko-KR" altLang="en-US" sz="1200" dirty="0" err="1"/>
+              <a:t>select</a:t>
+            </a:r>
+            <a:r>
+              <a:rPr lang="ko-KR" altLang="en-US" sz="1200" dirty="0"/>
+              <a:t> 사용하기)</a:t>
+            </a:r>
+          </a:p>
+          <a:p>
+            <a:r>
+              <a:rPr lang="ko-KR" altLang="en-US" sz="1200" dirty="0">
+                <a:hlinkClick r:id="rId3"/>
+              </a:rPr>
+              <a:t>http://blog.naver.com/cestlavie_01/220908793329</a:t>
+            </a:r>
+            <a:r>
+              <a:rPr lang="ko-KR" altLang="en-US" sz="1200" dirty="0"/>
+              <a:t> </a:t>
+            </a:r>
+          </a:p>
+          <a:p>
+            <a:endParaRPr lang="ko-KR" altLang="en-US" sz="1200" dirty="0"/>
+          </a:p>
+          <a:p>
+            <a:r>
+              <a:rPr lang="ko-KR" altLang="en-US" sz="1200" dirty="0" err="1"/>
+              <a:t>Non</a:t>
+            </a:r>
+            <a:r>
+              <a:rPr lang="ko-KR" altLang="en-US" sz="1200" dirty="0"/>
+              <a:t>-Block 네트워크 프로그램 - 3 (</a:t>
+            </a:r>
+            <a:r>
+              <a:rPr lang="ko-KR" altLang="en-US" sz="1200" dirty="0" err="1"/>
+              <a:t>select를</a:t>
+            </a:r>
+            <a:r>
+              <a:rPr lang="ko-KR" altLang="en-US" sz="1200" dirty="0"/>
+              <a:t> 이용한 </a:t>
+            </a:r>
+            <a:r>
+              <a:rPr lang="ko-KR" altLang="en-US" sz="1200" dirty="0" err="1"/>
+              <a:t>echo</a:t>
+            </a:r>
+            <a:r>
+              <a:rPr lang="ko-KR" altLang="en-US" sz="1200" dirty="0"/>
+              <a:t> </a:t>
+            </a:r>
+            <a:r>
+              <a:rPr lang="ko-KR" altLang="en-US" sz="1200" dirty="0" err="1"/>
+              <a:t>server</a:t>
+            </a:r>
+            <a:r>
+              <a:rPr lang="ko-KR" altLang="en-US" sz="1200" dirty="0"/>
+              <a:t>)</a:t>
+            </a:r>
+          </a:p>
+          <a:p>
+            <a:r>
+              <a:rPr lang="ko-KR" altLang="en-US" sz="1200" dirty="0">
+                <a:hlinkClick r:id="rId4"/>
+              </a:rPr>
+              <a:t>http://blog.naver.com/cestlavie_01/220909732913</a:t>
+            </a:r>
+            <a:r>
+              <a:rPr lang="ko-KR" altLang="en-US" sz="1200" dirty="0"/>
+              <a:t> </a:t>
+            </a:r>
+            <a:endParaRPr lang="ko-KR" altLang="en-US" sz="1200" dirty="0"/>
+          </a:p>
+        </p:txBody>
+      </p:sp>
+      <p:pic>
+        <p:nvPicPr>
+          <p:cNvPr id="5" name="그림 4"/>
+          <p:cNvPicPr>
+            <a:picLocks noChangeAspect="1"/>
+          </p:cNvPicPr>
+          <p:nvPr/>
+        </p:nvPicPr>
+        <p:blipFill>
+          <a:blip r:embed="rId5"/>
+          <a:stretch>
+            <a:fillRect/>
+          </a:stretch>
+        </p:blipFill>
+        <p:spPr>
+          <a:xfrm>
+            <a:off x="665142" y="1260638"/>
+            <a:ext cx="10229866" cy="2147579"/>
+          </a:xfrm>
+          <a:prstGeom prst="rect">
+            <a:avLst/>
+          </a:prstGeom>
+        </p:spPr>
+      </p:pic>
+      <p:sp>
+        <p:nvSpPr>
+          <p:cNvPr id="6" name="직사각형 5"/>
+          <p:cNvSpPr/>
+          <p:nvPr/>
+        </p:nvSpPr>
+        <p:spPr>
+          <a:xfrm>
+            <a:off x="8525449" y="3453574"/>
+            <a:ext cx="2369559" cy="246221"/>
+          </a:xfrm>
+          <a:prstGeom prst="rect">
+            <a:avLst/>
+          </a:prstGeom>
+        </p:spPr>
+        <p:txBody>
+          <a:bodyPr wrap="none">
+            <a:spAutoFit/>
+          </a:bodyPr>
+          <a:lstStyle/>
+          <a:p>
+            <a:r>
+              <a:rPr lang="ko-KR" altLang="en-US" sz="1000" dirty="0"/>
+              <a:t>출처</a:t>
+            </a:r>
+            <a:r>
+              <a:rPr lang="en-US" altLang="ko-KR" sz="1000" dirty="0"/>
+              <a:t>: </a:t>
+            </a:r>
+            <a:r>
+              <a:rPr lang="ko-KR" altLang="en-US" sz="1000" dirty="0">
+                <a:hlinkClick r:id="rId6"/>
+              </a:rPr>
+              <a:t>http://downman.tistory.com/79</a:t>
+            </a:r>
+            <a:r>
+              <a:rPr lang="ko-KR" altLang="en-US" sz="1000" dirty="0"/>
+              <a:t> </a:t>
+            </a:r>
+            <a:endParaRPr lang="ko-KR" altLang="en-US" sz="1000" dirty="0"/>
+          </a:p>
+        </p:txBody>
+      </p:sp>
+    </p:spTree>
+    <p:extLst>
+      <p:ext uri="{BB962C8B-B14F-4D97-AF65-F5344CB8AC3E}">
+        <p14:creationId xmlns:p14="http://schemas.microsoft.com/office/powerpoint/2010/main" val="572213710"/>
+      </p:ext>
+    </p:extLst>
+  </p:cSld>
+  <p:clrMapOvr>
+    <a:masterClrMapping/>
+  </p:clrMapOvr>
+</p:sld>
+</file>
+
+<file path=ppt/slides/slide9.xml><?xml version="1.0" encoding="utf-8"?>
+<p:sld xmlns:a="http://schemas.openxmlformats.org/drawingml/2006/main" xmlns:r="http://schemas.openxmlformats.org/officeDocument/2006/relationships" xmlns:p="http://schemas.openxmlformats.org/presentationml/2006/main">
+  <p:cSld>
+    <p:spTree>
+      <p:nvGrpSpPr>
+        <p:cNvPr id="1" name=""/>
+        <p:cNvGrpSpPr/>
+        <p:nvPr/>
+      </p:nvGrpSpPr>
+      <p:grpSpPr>
+        <a:xfrm>
+          <a:off x="0" y="0"/>
+          <a:ext cx="0" cy="0"/>
+          <a:chOff x="0" y="0"/>
+          <a:chExt cx="0" cy="0"/>
+        </a:xfrm>
+      </p:grpSpPr>
+      <p:sp>
+        <p:nvSpPr>
+          <p:cNvPr id="2" name="TextBox 1"/>
+          <p:cNvSpPr txBox="1"/>
+          <p:nvPr/>
+        </p:nvSpPr>
+        <p:spPr>
+          <a:xfrm>
+            <a:off x="551329" y="322729"/>
+            <a:ext cx="5208203" cy="646331"/>
+          </a:xfrm>
+          <a:prstGeom prst="rect">
+            <a:avLst/>
+          </a:prstGeom>
+          <a:noFill/>
+        </p:spPr>
+        <p:txBody>
+          <a:bodyPr wrap="square" rtlCol="0">
+            <a:spAutoFit/>
+          </a:bodyPr>
+          <a:lstStyle/>
+          <a:p>
+            <a:r>
+              <a:rPr lang="en-US" altLang="ko-KR" sz="3600" b="1" dirty="0"/>
+              <a:t>select</a:t>
+            </a:r>
+            <a:r>
+              <a:rPr lang="ko-KR" altLang="en-US" sz="3600" b="1" dirty="0"/>
+              <a:t>와 </a:t>
+            </a:r>
+            <a:r>
+              <a:rPr lang="en-US" altLang="ko-KR" sz="3600" b="1" dirty="0"/>
+              <a:t>poll</a:t>
+            </a:r>
+            <a:r>
+              <a:rPr lang="ko-KR" altLang="en-US" sz="3600" b="1" dirty="0"/>
+              <a:t>의 차이는</a:t>
+            </a:r>
+            <a:r>
+              <a:rPr lang="en-US" altLang="ko-KR" sz="3600" b="1" dirty="0"/>
+              <a:t>?</a:t>
+            </a:r>
+            <a:endParaRPr lang="ko-KR" altLang="en-US" sz="3600" b="1" dirty="0"/>
+          </a:p>
+        </p:txBody>
+      </p:sp>
+      <p:sp>
+        <p:nvSpPr>
+          <p:cNvPr id="3" name="직사각형 2"/>
+          <p:cNvSpPr/>
+          <p:nvPr/>
+        </p:nvSpPr>
+        <p:spPr>
+          <a:xfrm>
+            <a:off x="551329" y="2033054"/>
+            <a:ext cx="10425952" cy="4893647"/>
+          </a:xfrm>
+          <a:prstGeom prst="rect">
+            <a:avLst/>
+          </a:prstGeom>
+        </p:spPr>
+        <p:txBody>
+          <a:bodyPr wrap="square">
+            <a:spAutoFit/>
+          </a:bodyPr>
+          <a:lstStyle/>
+          <a:p>
+            <a:r>
+              <a:rPr lang="en-US" altLang="ko-KR" sz="2400" dirty="0"/>
+              <a:t>Richard Stevens(rstevens@noao.edu):</a:t>
+            </a:r>
+          </a:p>
+          <a:p>
+            <a:endParaRPr lang="en-US" altLang="ko-KR" sz="2400" dirty="0"/>
+          </a:p>
+          <a:p>
+            <a:r>
+              <a:rPr lang="ko-KR" altLang="en-US" sz="2400" dirty="0"/>
+              <a:t>기본적 차이는 </a:t>
+            </a:r>
+            <a:r>
+              <a:rPr lang="en-US" altLang="ko-KR" sz="2400" dirty="0"/>
+              <a:t>select()</a:t>
+            </a:r>
+            <a:r>
+              <a:rPr lang="ko-KR" altLang="en-US" sz="2400" dirty="0"/>
+              <a:t>의 </a:t>
+            </a:r>
+            <a:r>
+              <a:rPr lang="en-US" altLang="ko-KR" sz="2400" dirty="0" err="1"/>
+              <a:t>fd_set</a:t>
+            </a:r>
+            <a:r>
+              <a:rPr lang="ko-KR" altLang="en-US" sz="2400" dirty="0"/>
+              <a:t>은 비트 마스크로 되어 있어서 고정 크기라는 것이다</a:t>
+            </a:r>
+            <a:r>
+              <a:rPr lang="en-US" altLang="ko-KR" sz="2400" dirty="0"/>
+              <a:t>. </a:t>
+            </a:r>
+            <a:r>
+              <a:rPr lang="ko-KR" altLang="en-US" sz="2400" b="1" dirty="0"/>
+              <a:t>커널 컴파일 때 이 사이즈 제한을 제외하여 애플리케이션에 필요한 만큼 </a:t>
+            </a:r>
+            <a:r>
+              <a:rPr lang="en-US" altLang="ko-KR" sz="2400" b="1" dirty="0"/>
+              <a:t>FD_SETSIZE</a:t>
+            </a:r>
+            <a:r>
+              <a:rPr lang="ko-KR" altLang="en-US" sz="2400" b="1" dirty="0"/>
+              <a:t>로 정의할 수 있지만</a:t>
+            </a:r>
+            <a:r>
+              <a:rPr lang="en-US" altLang="ko-KR" sz="2400" b="1" dirty="0"/>
+              <a:t>, </a:t>
+            </a:r>
+            <a:r>
+              <a:rPr lang="ko-KR" altLang="en-US" sz="2400" b="1" dirty="0"/>
+              <a:t>많이 작업이 필요</a:t>
+            </a:r>
+            <a:r>
+              <a:rPr lang="ko-KR" altLang="en-US" sz="2400" dirty="0"/>
+              <a:t>하다</a:t>
+            </a:r>
+            <a:r>
+              <a:rPr lang="en-US" altLang="ko-KR" sz="2400" dirty="0"/>
+              <a:t>. </a:t>
+            </a:r>
+          </a:p>
+          <a:p>
+            <a:endParaRPr lang="en-US" altLang="ko-KR" sz="2400" dirty="0"/>
+          </a:p>
+          <a:p>
+            <a:r>
+              <a:rPr lang="en-US" altLang="ko-KR" sz="2400" dirty="0"/>
+              <a:t>4.4 BSD</a:t>
+            </a:r>
+            <a:r>
+              <a:rPr lang="ko-KR" altLang="en-US" sz="2400" dirty="0"/>
+              <a:t>의 커널과 </a:t>
+            </a:r>
+            <a:r>
+              <a:rPr lang="en-US" altLang="ko-KR" sz="2400" dirty="0"/>
+              <a:t>Solaris</a:t>
+            </a:r>
+            <a:r>
+              <a:rPr lang="ko-KR" altLang="en-US" sz="2400" dirty="0"/>
+              <a:t> 라이브러리 함수 양쪽에는 이 제한이 있다</a:t>
+            </a:r>
+            <a:r>
+              <a:rPr lang="en-US" altLang="ko-KR" sz="2400" dirty="0"/>
+              <a:t>. </a:t>
+            </a:r>
+            <a:r>
+              <a:rPr lang="ko-KR" altLang="en-US" sz="2400" dirty="0"/>
+              <a:t>그러나</a:t>
+            </a:r>
+            <a:r>
+              <a:rPr lang="en-US" altLang="ko-KR" sz="2400" dirty="0"/>
+              <a:t> BSD/OS 2.1</a:t>
+            </a:r>
+            <a:r>
+              <a:rPr lang="ko-KR" altLang="en-US" sz="2400" dirty="0"/>
+              <a:t>에는 이 제한을 피하도록 코딩 되어 있는 것을 찾았다</a:t>
+            </a:r>
+            <a:r>
+              <a:rPr lang="en-US" altLang="ko-KR" sz="2400" dirty="0"/>
+              <a:t>. </a:t>
+            </a:r>
+            <a:r>
+              <a:rPr lang="ko-KR" altLang="en-US" sz="2400" dirty="0"/>
+              <a:t>그래서 이것은 가능하다</a:t>
+            </a:r>
+            <a:r>
+              <a:rPr lang="en-US" altLang="ko-KR" sz="2400" dirty="0"/>
+              <a:t>. </a:t>
+            </a:r>
+          </a:p>
+          <a:p>
+            <a:endParaRPr lang="en-US" altLang="ko-KR" sz="2400" dirty="0"/>
+          </a:p>
+          <a:p>
+            <a:r>
+              <a:rPr lang="ko-KR" altLang="en-US" sz="2400" dirty="0"/>
+              <a:t>그러나 </a:t>
+            </a:r>
+            <a:r>
+              <a:rPr lang="en-US" altLang="ko-KR" sz="2400" dirty="0"/>
+              <a:t>poll()</a:t>
+            </a:r>
+            <a:r>
+              <a:rPr lang="ko-KR" altLang="en-US" sz="2400" dirty="0"/>
+              <a:t>에서는 유저는 </a:t>
+            </a:r>
+            <a:r>
+              <a:rPr lang="en-US" altLang="ko-KR" sz="2400" dirty="0" err="1"/>
+              <a:t>pollfd</a:t>
+            </a:r>
+            <a:r>
+              <a:rPr lang="en-US" altLang="ko-KR" sz="2400" dirty="0"/>
+              <a:t> </a:t>
+            </a:r>
+            <a:r>
+              <a:rPr lang="ko-KR" altLang="en-US" sz="2400" dirty="0"/>
+              <a:t>구조체 배열을 나누 맞추어야 한다</a:t>
+            </a:r>
+            <a:r>
+              <a:rPr lang="en-US" altLang="ko-KR" sz="2400" dirty="0"/>
+              <a:t>. </a:t>
+            </a:r>
+            <a:r>
+              <a:rPr lang="ko-KR" altLang="en-US" sz="2400" dirty="0"/>
+              <a:t>그리고 </a:t>
+            </a:r>
+            <a:r>
+              <a:rPr lang="ko-KR" altLang="en-US" sz="2400" b="1" dirty="0"/>
+              <a:t>이 배열의 엔트리 수를 주기 때문에 근본적으로는 상한은 없다</a:t>
+            </a:r>
+            <a:r>
+              <a:rPr lang="en-US" altLang="ko-KR" sz="2400" dirty="0"/>
+              <a:t>. </a:t>
+            </a:r>
+          </a:p>
+          <a:p>
+            <a:endParaRPr lang="en-US" altLang="ko-KR" sz="2400" dirty="0"/>
+          </a:p>
+        </p:txBody>
+      </p:sp>
+      <p:sp>
+        <p:nvSpPr>
+          <p:cNvPr id="4" name="TextBox 3"/>
+          <p:cNvSpPr txBox="1"/>
+          <p:nvPr/>
+        </p:nvSpPr>
+        <p:spPr>
+          <a:xfrm>
+            <a:off x="1805049" y="1582390"/>
+            <a:ext cx="3705102" cy="369332"/>
+          </a:xfrm>
+          <a:prstGeom prst="rect">
+            <a:avLst/>
+          </a:prstGeom>
+          <a:noFill/>
+        </p:spPr>
+        <p:txBody>
+          <a:bodyPr wrap="square" rtlCol="0">
+            <a:spAutoFit/>
+          </a:bodyPr>
+          <a:lstStyle/>
+          <a:p>
+            <a:r>
+              <a:rPr lang="ko-KR" altLang="en-US" b="1" dirty="0">
+                <a:solidFill>
+                  <a:srgbClr val="FF0000"/>
+                </a:solidFill>
+              </a:rPr>
+              <a:t>주의</a:t>
+            </a:r>
+            <a:r>
+              <a:rPr lang="en-US" altLang="ko-KR" b="1" dirty="0">
+                <a:solidFill>
+                  <a:srgbClr val="FF0000"/>
+                </a:solidFill>
+              </a:rPr>
+              <a:t>: </a:t>
+            </a:r>
+            <a:r>
+              <a:rPr lang="ko-KR" altLang="en-US" b="1" dirty="0">
+                <a:solidFill>
+                  <a:srgbClr val="FF0000"/>
+                </a:solidFill>
+              </a:rPr>
+              <a:t>좀 오래된 이야기 입니다</a:t>
+            </a:r>
+            <a:r>
+              <a:rPr lang="en-US" altLang="ko-KR" b="1" dirty="0">
+                <a:solidFill>
+                  <a:srgbClr val="FF0000"/>
+                </a:solidFill>
+              </a:rPr>
+              <a:t>.</a:t>
+            </a:r>
+            <a:endParaRPr lang="ko-KR" altLang="en-US" b="1" dirty="0">
+              <a:solidFill>
+                <a:srgbClr val="FF0000"/>
+              </a:solidFill>
+            </a:endParaRPr>
+          </a:p>
+        </p:txBody>
+      </p:sp>
+      <p:sp>
+        <p:nvSpPr>
+          <p:cNvPr id="5" name="직사각형 4"/>
+          <p:cNvSpPr/>
+          <p:nvPr/>
+        </p:nvSpPr>
+        <p:spPr>
+          <a:xfrm>
+            <a:off x="551329" y="1131725"/>
+            <a:ext cx="8882743" cy="738664"/>
+          </a:xfrm>
+          <a:prstGeom prst="rect">
+            <a:avLst/>
+          </a:prstGeom>
+        </p:spPr>
+        <p:txBody>
+          <a:bodyPr wrap="square">
+            <a:spAutoFit/>
+          </a:bodyPr>
+          <a:lstStyle/>
+          <a:p>
+            <a:r>
+              <a:rPr lang="ko-KR" altLang="en-US" sz="1400" dirty="0" err="1"/>
+              <a:t>Programming</a:t>
+            </a:r>
+            <a:r>
+              <a:rPr lang="ko-KR" altLang="en-US" sz="1400" dirty="0"/>
+              <a:t> UNIX </a:t>
+            </a:r>
+            <a:r>
+              <a:rPr lang="ko-KR" altLang="en-US" sz="1400" dirty="0" err="1"/>
+              <a:t>Sockets</a:t>
+            </a:r>
+            <a:r>
+              <a:rPr lang="ko-KR" altLang="en-US" sz="1400" dirty="0"/>
+              <a:t> </a:t>
+            </a:r>
+            <a:r>
+              <a:rPr lang="ko-KR" altLang="en-US" sz="1400" dirty="0" err="1"/>
+              <a:t>in</a:t>
+            </a:r>
+            <a:r>
+              <a:rPr lang="ko-KR" altLang="en-US" sz="1400" dirty="0"/>
+              <a:t> C - </a:t>
+            </a:r>
+            <a:r>
+              <a:rPr lang="ko-KR" altLang="en-US" sz="1400" dirty="0" err="1"/>
+              <a:t>Frequently</a:t>
+            </a:r>
+            <a:r>
+              <a:rPr lang="ko-KR" altLang="en-US" sz="1400" dirty="0"/>
+              <a:t> </a:t>
+            </a:r>
+            <a:r>
+              <a:rPr lang="ko-KR" altLang="en-US" sz="1400" dirty="0" err="1"/>
+              <a:t>Asked</a:t>
+            </a:r>
+            <a:r>
+              <a:rPr lang="ko-KR" altLang="en-US" sz="1400" dirty="0"/>
+              <a:t> </a:t>
+            </a:r>
+            <a:r>
+              <a:rPr lang="ko-KR" altLang="en-US" sz="1400" dirty="0" err="1"/>
+              <a:t>Questions</a:t>
+            </a:r>
+            <a:endParaRPr lang="ko-KR" altLang="en-US" sz="1400" dirty="0"/>
+          </a:p>
+          <a:p>
+            <a:r>
+              <a:rPr lang="ko-KR" altLang="en-US" sz="1400" dirty="0" err="1"/>
+              <a:t>Created</a:t>
+            </a:r>
+            <a:r>
+              <a:rPr lang="ko-KR" altLang="en-US" sz="1400" dirty="0"/>
+              <a:t> </a:t>
+            </a:r>
+            <a:r>
+              <a:rPr lang="ko-KR" altLang="en-US" sz="1400" dirty="0" err="1"/>
+              <a:t>by</a:t>
+            </a:r>
+            <a:r>
+              <a:rPr lang="ko-KR" altLang="en-US" sz="1400" dirty="0"/>
+              <a:t> </a:t>
+            </a:r>
+            <a:r>
+              <a:rPr lang="ko-KR" altLang="en-US" sz="1400" dirty="0" err="1"/>
+              <a:t>Vic</a:t>
+            </a:r>
+            <a:r>
+              <a:rPr lang="ko-KR" altLang="en-US" sz="1400" dirty="0"/>
+              <a:t> </a:t>
+            </a:r>
+            <a:r>
+              <a:rPr lang="ko-KR" altLang="en-US" sz="1400" dirty="0" err="1"/>
+              <a:t>Metcalfe</a:t>
+            </a:r>
+            <a:r>
+              <a:rPr lang="ko-KR" altLang="en-US" sz="1400" dirty="0"/>
+              <a:t>, </a:t>
+            </a:r>
+            <a:r>
+              <a:rPr lang="ko-KR" altLang="en-US" sz="1400" dirty="0" err="1"/>
+              <a:t>Andrew</a:t>
+            </a:r>
+            <a:r>
+              <a:rPr lang="ko-KR" altLang="en-US" sz="1400" dirty="0"/>
+              <a:t> </a:t>
+            </a:r>
+            <a:r>
+              <a:rPr lang="ko-KR" altLang="en-US" sz="1400" dirty="0" err="1"/>
+              <a:t>Gierth</a:t>
+            </a:r>
+            <a:r>
+              <a:rPr lang="ko-KR" altLang="en-US" sz="1400" dirty="0"/>
+              <a:t> and </a:t>
+            </a:r>
+            <a:r>
+              <a:rPr lang="ko-KR" altLang="en-US" sz="1400" dirty="0" err="1"/>
+              <a:t>other</a:t>
+            </a:r>
+            <a:r>
+              <a:rPr lang="ko-KR" altLang="en-US" sz="1400" dirty="0"/>
+              <a:t> </a:t>
+            </a:r>
+            <a:r>
+              <a:rPr lang="ko-KR" altLang="en-US" sz="1400" dirty="0" err="1"/>
+              <a:t>contributers</a:t>
+            </a:r>
+            <a:r>
+              <a:rPr lang="ko-KR" altLang="en-US" sz="1400" dirty="0"/>
+              <a:t> (</a:t>
+            </a:r>
+            <a:r>
+              <a:rPr lang="ko-KR" altLang="en-US" sz="1400" dirty="0" err="1"/>
+              <a:t>Transrated</a:t>
+            </a:r>
+            <a:r>
+              <a:rPr lang="ko-KR" altLang="en-US" sz="1400" dirty="0"/>
+              <a:t> </a:t>
+            </a:r>
+            <a:r>
+              <a:rPr lang="ko-KR" altLang="en-US" sz="1400" dirty="0" err="1"/>
+              <a:t>into</a:t>
+            </a:r>
+            <a:r>
+              <a:rPr lang="ko-KR" altLang="en-US" sz="1400" dirty="0"/>
+              <a:t> </a:t>
+            </a:r>
+            <a:r>
+              <a:rPr lang="ko-KR" altLang="en-US" sz="1400" dirty="0" err="1"/>
+              <a:t>Japanese</a:t>
+            </a:r>
+            <a:r>
+              <a:rPr lang="ko-KR" altLang="en-US" sz="1400" dirty="0"/>
+              <a:t> </a:t>
+            </a:r>
+            <a:r>
+              <a:rPr lang="ko-KR" altLang="en-US" sz="1400" dirty="0" err="1"/>
+              <a:t>by</a:t>
+            </a:r>
+            <a:r>
+              <a:rPr lang="ko-KR" altLang="en-US" sz="1400" dirty="0"/>
+              <a:t>: </a:t>
+            </a:r>
+            <a:r>
+              <a:rPr lang="ko-KR" altLang="en-US" sz="1400" dirty="0" err="1"/>
+              <a:t>Keisuke</a:t>
+            </a:r>
+            <a:r>
+              <a:rPr lang="ko-KR" altLang="en-US" sz="1400" dirty="0"/>
+              <a:t> </a:t>
+            </a:r>
+            <a:r>
+              <a:rPr lang="ko-KR" altLang="en-US" sz="1400" dirty="0" err="1"/>
+              <a:t>Mori</a:t>
+            </a:r>
+            <a:r>
+              <a:rPr lang="ko-KR" altLang="en-US" sz="1400" dirty="0"/>
+              <a:t>)</a:t>
+            </a:r>
+          </a:p>
+          <a:p>
+            <a:r>
+              <a:rPr lang="ko-KR" altLang="en-US" sz="1400" dirty="0" err="1"/>
+              <a:t>May</a:t>
+            </a:r>
+            <a:r>
+              <a:rPr lang="ko-KR" altLang="en-US" sz="1400" dirty="0"/>
+              <a:t> 21, 1998</a:t>
+            </a:r>
+            <a:endParaRPr lang="ko-KR" altLang="en-US" sz="1400" dirty="0"/>
+          </a:p>
+        </p:txBody>
+      </p:sp>
+    </p:spTree>
+    <p:extLst>
+      <p:ext uri="{BB962C8B-B14F-4D97-AF65-F5344CB8AC3E}">
+        <p14:creationId xmlns:p14="http://schemas.microsoft.com/office/powerpoint/2010/main" val="1870480454"/>
       </p:ext>
     </p:extLst>
   </p:cSld>
@@ -4995,4 +8392,594 @@
     </a:ext>
   </a:extLst>
 </a:theme>
+</file>
+
+<file path=ppt/theme/theme2.xml><?xml version="1.0" encoding="utf-8"?>
+<a:theme xmlns:a="http://schemas.openxmlformats.org/drawingml/2006/main" name="Office 테마">
+  <a:themeElements>
+    <a:clrScheme name="Office">
+      <a:dk1>
+        <a:sysClr val="windowText" lastClr="000000"/>
+      </a:dk1>
+      <a:lt1>
+        <a:sysClr val="window" lastClr="FFFFFF"/>
+      </a:lt1>
+      <a:dk2>
+        <a:srgbClr val="44546A"/>
+      </a:dk2>
+      <a:lt2>
+        <a:srgbClr val="E7E6E6"/>
+      </a:lt2>
+      <a:accent1>
+        <a:srgbClr val="4472C4"/>
+      </a:accent1>
+      <a:accent2>
+        <a:srgbClr val="ED7D31"/>
+      </a:accent2>
+      <a:accent3>
+        <a:srgbClr val="A5A5A5"/>
+      </a:accent3>
+      <a:accent4>
+        <a:srgbClr val="FFC000"/>
+      </a:accent4>
+      <a:accent5>
+        <a:srgbClr val="5B9BD5"/>
+      </a:accent5>
+      <a:accent6>
+        <a:srgbClr val="70AD47"/>
+      </a:accent6>
+      <a:hlink>
+        <a:srgbClr val="0563C1"/>
+      </a:hlink>
+      <a:folHlink>
+        <a:srgbClr val="954F72"/>
+      </a:folHlink>
+    </a:clrScheme>
+    <a:fontScheme name="Office">
+      <a:majorFont>
+        <a:latin typeface="맑은 고딕" panose="020F0302020204030204"/>
+        <a:ea typeface=""/>
+        <a:cs typeface=""/>
+        <a:font script="Jpan" typeface="游ゴシック Light"/>
+        <a:font script="Hang" typeface="맑은 고딕"/>
+        <a:font script="Hans" typeface="等线 Light"/>
+        <a:font script="Hant" typeface="新細明體"/>
+        <a:font script="Arab" typeface="Times New Roman"/>
+        <a:font script="Hebr" typeface="Times New Roman"/>
+        <a:font script="Thai" typeface="Angsana New"/>
+        <a:font script="Ethi" typeface="Nyala"/>
+        <a:font script="Beng" typeface="Vrinda"/>
+        <a:font script="Gujr" typeface="Shruti"/>
+        <a:font script="Khmr" typeface="MoolBoran"/>
+        <a:font script="Knda" typeface="Tunga"/>
+        <a:font script="Guru" typeface="Raavi"/>
+        <a:font script="Cans" typeface="Euphemia"/>
+        <a:font script="Cher" typeface="Plantagenet Cherokee"/>
+        <a:font script="Yiii" typeface="Microsoft Yi Baiti"/>
+        <a:font script="Tibt" typeface="Microsoft Himalaya"/>
+        <a:font script="Thaa" typeface="MV Boli"/>
+        <a:font script="Deva" typeface="Mangal"/>
+        <a:font script="Telu" typeface="Gautami"/>
+        <a:font script="Taml" typeface="Latha"/>
+        <a:font script="Syrc" typeface="Estrangelo Edessa"/>
+        <a:font script="Orya" typeface="Kalinga"/>
+        <a:font script="Mlym" typeface="Kartika"/>
+        <a:font script="Laoo" typeface="DokChampa"/>
+        <a:font script="Sinh" typeface="Iskoola Pota"/>
+        <a:font script="Mong" typeface="Mongolian Baiti"/>
+        <a:font script="Viet" typeface="Times New Roman"/>
+        <a:font script="Uigh" typeface="Microsoft Uighur"/>
+        <a:font script="Geor" typeface="Sylfaen"/>
+        <a:font script="Armn" typeface="Arial"/>
+        <a:font script="Bugi" typeface="Leelawadee UI"/>
+        <a:font script="Bopo" typeface="Microsoft JhengHei"/>
+        <a:font script="Java" typeface="Javanese Text"/>
+        <a:font script="Lisu" typeface="Segoe UI"/>
+        <a:font script="Mymr" typeface="Myanmar Text"/>
+        <a:font script="Nkoo" typeface="Ebrima"/>
+        <a:font script="Olck" typeface="Nirmala UI"/>
+        <a:font script="Osma" typeface="Ebrima"/>
+        <a:font script="Phag" typeface="Phagspa"/>
+        <a:font script="Syrn" typeface="Estrangelo Edessa"/>
+        <a:font script="Syrj" typeface="Estrangelo Edessa"/>
+        <a:font script="Syre" typeface="Estrangelo Edessa"/>
+        <a:font script="Sora" typeface="Nirmala UI"/>
+        <a:font script="Tale" typeface="Microsoft Tai Le"/>
+        <a:font script="Talu" typeface="Microsoft New Tai Lue"/>
+        <a:font script="Tfng" typeface="Ebrima"/>
+      </a:majorFont>
+      <a:minorFont>
+        <a:latin typeface="맑은 고딕" panose="020F0502020204030204"/>
+        <a:ea typeface=""/>
+        <a:cs typeface=""/>
+        <a:font script="Jpan" typeface="游ゴシック"/>
+        <a:font script="Hang" typeface="맑은 고딕"/>
+        <a:font script="Hans" typeface="等线"/>
+        <a:font script="Hant" typeface="新細明體"/>
+        <a:font script="Arab" typeface="Arial"/>
+        <a:font script="Hebr" typeface="Arial"/>
+        <a:font script="Thai" typeface="Cordia New"/>
+        <a:font script="Ethi" typeface="Nyala"/>
+        <a:font script="Beng" typeface="Vrinda"/>
+        <a:font script="Gujr" typeface="Shruti"/>
+        <a:font script="Khmr" typeface="DaunPenh"/>
+        <a:font script="Knda" typeface="Tunga"/>
+        <a:font script="Guru" typeface="Raavi"/>
+        <a:font script="Cans" typeface="Euphemia"/>
+        <a:font script="Cher" typeface="Plantagenet Cherokee"/>
+        <a:font script="Yiii" typeface="Microsoft Yi Baiti"/>
+        <a:font script="Tibt" typeface="Microsoft Himalaya"/>
+        <a:font script="Thaa" typeface="MV Boli"/>
+        <a:font script="Deva" typeface="Mangal"/>
+        <a:font script="Telu" typeface="Gautami"/>
+        <a:font script="Taml" typeface="Latha"/>
+        <a:font script="Syrc" typeface="Estrangelo Edessa"/>
+        <a:font script="Orya" typeface="Kalinga"/>
+        <a:font script="Mlym" typeface="Kartika"/>
+        <a:font script="Laoo" typeface="DokChampa"/>
+        <a:font script="Sinh" typeface="Iskoola Pota"/>
+        <a:font script="Mong" typeface="Mongolian Baiti"/>
+        <a:font script="Viet" typeface="Arial"/>
+        <a:font script="Uigh" typeface="Microsoft Uighur"/>
+        <a:font script="Geor" typeface="Sylfaen"/>
+        <a:font script="Armn" typeface="Arial"/>
+        <a:font script="Bugi" typeface="Leelawadee UI"/>
+        <a:font script="Bopo" typeface="Microsoft JhengHei"/>
+        <a:font script="Java" typeface="Javanese Text"/>
+        <a:font script="Lisu" typeface="Segoe UI"/>
+        <a:font script="Mymr" typeface="Myanmar Text"/>
+        <a:font script="Nkoo" typeface="Ebrima"/>
+        <a:font script="Olck" typeface="Nirmala UI"/>
+        <a:font script="Osma" typeface="Ebrima"/>
+        <a:font script="Phag" typeface="Phagspa"/>
+        <a:font script="Syrn" typeface="Estrangelo Edessa"/>
+        <a:font script="Syrj" typeface="Estrangelo Edessa"/>
+        <a:font script="Syre" typeface="Estrangelo Edessa"/>
+        <a:font script="Sora" typeface="Nirmala UI"/>
+        <a:font script="Tale" typeface="Microsoft Tai Le"/>
+        <a:font script="Talu" typeface="Microsoft New Tai Lue"/>
+        <a:font script="Tfng" typeface="Ebrima"/>
+      </a:minorFont>
+    </a:fontScheme>
+    <a:fmtScheme name="Office">
+      <a:fillStyleLst>
+        <a:solidFill>
+          <a:schemeClr val="phClr"/>
+        </a:solidFill>
+        <a:gradFill rotWithShape="1">
+          <a:gsLst>
+            <a:gs pos="0">
+              <a:schemeClr val="phClr">
+                <a:lumMod val="110000"/>
+                <a:satMod val="105000"/>
+                <a:tint val="67000"/>
+              </a:schemeClr>
+            </a:gs>
+            <a:gs pos="50000">
+              <a:schemeClr val="phClr">
+                <a:lumMod val="105000"/>
+                <a:satMod val="103000"/>
+                <a:tint val="73000"/>
+              </a:schemeClr>
+            </a:gs>
+            <a:gs pos="100000">
+              <a:schemeClr val="phClr">
+                <a:lumMod val="105000"/>
+                <a:satMod val="109000"/>
+                <a:tint val="81000"/>
+              </a:schemeClr>
+            </a:gs>
+          </a:gsLst>
+          <a:lin ang="5400000" scaled="0"/>
+        </a:gradFill>
+        <a:gradFill rotWithShape="1">
+          <a:gsLst>
+            <a:gs pos="0">
+              <a:schemeClr val="phClr">
+                <a:satMod val="103000"/>
+                <a:lumMod val="102000"/>
+                <a:tint val="94000"/>
+              </a:schemeClr>
+            </a:gs>
+            <a:gs pos="50000">
+              <a:schemeClr val="phClr">
+                <a:satMod val="110000"/>
+                <a:lumMod val="100000"/>
+                <a:shade val="100000"/>
+              </a:schemeClr>
+            </a:gs>
+            <a:gs pos="100000">
+              <a:schemeClr val="phClr">
+                <a:lumMod val="99000"/>
+                <a:satMod val="120000"/>
+                <a:shade val="78000"/>
+              </a:schemeClr>
+            </a:gs>
+          </a:gsLst>
+          <a:lin ang="5400000" scaled="0"/>
+        </a:gradFill>
+      </a:fillStyleLst>
+      <a:lnStyleLst>
+        <a:ln w="6350" cap="flat" cmpd="sng" algn="ctr">
+          <a:solidFill>
+            <a:schemeClr val="phClr"/>
+          </a:solidFill>
+          <a:prstDash val="solid"/>
+          <a:miter lim="800000"/>
+        </a:ln>
+        <a:ln w="12700" cap="flat" cmpd="sng" algn="ctr">
+          <a:solidFill>
+            <a:schemeClr val="phClr"/>
+          </a:solidFill>
+          <a:prstDash val="solid"/>
+          <a:miter lim="800000"/>
+        </a:ln>
+        <a:ln w="19050" cap="flat" cmpd="sng" algn="ctr">
+          <a:solidFill>
+            <a:schemeClr val="phClr"/>
+          </a:solidFill>
+          <a:prstDash val="solid"/>
+          <a:miter lim="800000"/>
+        </a:ln>
+      </a:lnStyleLst>
+      <a:effectStyleLst>
+        <a:effectStyle>
+          <a:effectLst/>
+        </a:effectStyle>
+        <a:effectStyle>
+          <a:effectLst/>
+        </a:effectStyle>
+        <a:effectStyle>
+          <a:effectLst>
+            <a:outerShdw blurRad="57150" dist="19050" dir="5400000" algn="ctr" rotWithShape="0">
+              <a:srgbClr val="000000">
+                <a:alpha val="63000"/>
+              </a:srgbClr>
+            </a:outerShdw>
+          </a:effectLst>
+        </a:effectStyle>
+      </a:effectStyleLst>
+      <a:bgFillStyleLst>
+        <a:solidFill>
+          <a:schemeClr val="phClr"/>
+        </a:solidFill>
+        <a:solidFill>
+          <a:schemeClr val="phClr">
+            <a:tint val="95000"/>
+            <a:satMod val="170000"/>
+          </a:schemeClr>
+        </a:solidFill>
+        <a:gradFill rotWithShape="1">
+          <a:gsLst>
+            <a:gs pos="0">
+              <a:schemeClr val="phClr">
+                <a:tint val="93000"/>
+                <a:satMod val="150000"/>
+                <a:shade val="98000"/>
+                <a:lumMod val="102000"/>
+              </a:schemeClr>
+            </a:gs>
+            <a:gs pos="50000">
+              <a:schemeClr val="phClr">
+                <a:tint val="98000"/>
+                <a:satMod val="130000"/>
+                <a:shade val="90000"/>
+                <a:lumMod val="103000"/>
+              </a:schemeClr>
+            </a:gs>
+            <a:gs pos="100000">
+              <a:schemeClr val="phClr">
+                <a:shade val="63000"/>
+                <a:satMod val="120000"/>
+              </a:schemeClr>
+            </a:gs>
+          </a:gsLst>
+          <a:lin ang="5400000" scaled="0"/>
+        </a:gradFill>
+      </a:bgFillStyleLst>
+    </a:fmtScheme>
+  </a:themeElements>
+  <a:objectDefaults/>
+  <a:extraClrSchemeLst/>
+  <a:extLst>
+    <a:ext uri="{05A4C25C-085E-4340-85A3-A5531E510DB2}">
+      <thm15:themeFamily xmlns:thm15="http://schemas.microsoft.com/office/thememl/2012/main" name="Office Theme" id="{62F939B6-93AF-4DB8-9C6B-D6C7DFDC589F}" vid="{4A3C46E8-61CC-4603-A589-7422A47A8E4A}"/>
+    </a:ext>
+  </a:extLst>
+</a:theme>
+</file>
+
+<file path=ppt/theme/theme3.xml><?xml version="1.0" encoding="utf-8"?>
+<a:theme xmlns:a="http://schemas.openxmlformats.org/drawingml/2006/main" name="Office 테마">
+  <a:themeElements>
+    <a:clrScheme name="Office">
+      <a:dk1>
+        <a:sysClr val="windowText" lastClr="000000"/>
+      </a:dk1>
+      <a:lt1>
+        <a:sysClr val="window" lastClr="FFFFFF"/>
+      </a:lt1>
+      <a:dk2>
+        <a:srgbClr val="44546A"/>
+      </a:dk2>
+      <a:lt2>
+        <a:srgbClr val="E7E6E6"/>
+      </a:lt2>
+      <a:accent1>
+        <a:srgbClr val="4472C4"/>
+      </a:accent1>
+      <a:accent2>
+        <a:srgbClr val="ED7D31"/>
+      </a:accent2>
+      <a:accent3>
+        <a:srgbClr val="A5A5A5"/>
+      </a:accent3>
+      <a:accent4>
+        <a:srgbClr val="FFC000"/>
+      </a:accent4>
+      <a:accent5>
+        <a:srgbClr val="5B9BD5"/>
+      </a:accent5>
+      <a:accent6>
+        <a:srgbClr val="70AD47"/>
+      </a:accent6>
+      <a:hlink>
+        <a:srgbClr val="0563C1"/>
+      </a:hlink>
+      <a:folHlink>
+        <a:srgbClr val="954F72"/>
+      </a:folHlink>
+    </a:clrScheme>
+    <a:fontScheme name="Office">
+      <a:majorFont>
+        <a:latin typeface="맑은 고딕" panose="020F0302020204030204"/>
+        <a:ea typeface=""/>
+        <a:cs typeface=""/>
+        <a:font script="Jpan" typeface="游ゴシック Light"/>
+        <a:font script="Hang" typeface="맑은 고딕"/>
+        <a:font script="Hans" typeface="等线 Light"/>
+        <a:font script="Hant" typeface="新細明體"/>
+        <a:font script="Arab" typeface="Times New Roman"/>
+        <a:font script="Hebr" typeface="Times New Roman"/>
+        <a:font script="Thai" typeface="Angsana New"/>
+        <a:font script="Ethi" typeface="Nyala"/>
+        <a:font script="Beng" typeface="Vrinda"/>
+        <a:font script="Gujr" typeface="Shruti"/>
+        <a:font script="Khmr" typeface="MoolBoran"/>
+        <a:font script="Knda" typeface="Tunga"/>
+        <a:font script="Guru" typeface="Raavi"/>
+        <a:font script="Cans" typeface="Euphemia"/>
+        <a:font script="Cher" typeface="Plantagenet Cherokee"/>
+        <a:font script="Yiii" typeface="Microsoft Yi Baiti"/>
+        <a:font script="Tibt" typeface="Microsoft Himalaya"/>
+        <a:font script="Thaa" typeface="MV Boli"/>
+        <a:font script="Deva" typeface="Mangal"/>
+        <a:font script="Telu" typeface="Gautami"/>
+        <a:font script="Taml" typeface="Latha"/>
+        <a:font script="Syrc" typeface="Estrangelo Edessa"/>
+        <a:font script="Orya" typeface="Kalinga"/>
+        <a:font script="Mlym" typeface="Kartika"/>
+        <a:font script="Laoo" typeface="DokChampa"/>
+        <a:font script="Sinh" typeface="Iskoola Pota"/>
+        <a:font script="Mong" typeface="Mongolian Baiti"/>
+        <a:font script="Viet" typeface="Times New Roman"/>
+        <a:font script="Uigh" typeface="Microsoft Uighur"/>
+        <a:font script="Geor" typeface="Sylfaen"/>
+        <a:font script="Armn" typeface="Arial"/>
+        <a:font script="Bugi" typeface="Leelawadee UI"/>
+        <a:font script="Bopo" typeface="Microsoft JhengHei"/>
+        <a:font script="Java" typeface="Javanese Text"/>
+        <a:font script="Lisu" typeface="Segoe UI"/>
+        <a:font script="Mymr" typeface="Myanmar Text"/>
+        <a:font script="Nkoo" typeface="Ebrima"/>
+        <a:font script="Olck" typeface="Nirmala UI"/>
+        <a:font script="Osma" typeface="Ebrima"/>
+        <a:font script="Phag" typeface="Phagspa"/>
+        <a:font script="Syrn" typeface="Estrangelo Edessa"/>
+        <a:font script="Syrj" typeface="Estrangelo Edessa"/>
+        <a:font script="Syre" typeface="Estrangelo Edessa"/>
+        <a:font script="Sora" typeface="Nirmala UI"/>
+        <a:font script="Tale" typeface="Microsoft Tai Le"/>
+        <a:font script="Talu" typeface="Microsoft New Tai Lue"/>
+        <a:font script="Tfng" typeface="Ebrima"/>
+      </a:majorFont>
+      <a:minorFont>
+        <a:latin typeface="맑은 고딕" panose="020F0502020204030204"/>
+        <a:ea typeface=""/>
+        <a:cs typeface=""/>
+        <a:font script="Jpan" typeface="游ゴシック"/>
+        <a:font script="Hang" typeface="맑은 고딕"/>
+        <a:font script="Hans" typeface="等线"/>
+        <a:font script="Hant" typeface="新細明體"/>
+        <a:font script="Arab" typeface="Arial"/>
+        <a:font script="Hebr" typeface="Arial"/>
+        <a:font script="Thai" typeface="Cordia New"/>
+        <a:font script="Ethi" typeface="Nyala"/>
+        <a:font script="Beng" typeface="Vrinda"/>
+        <a:font script="Gujr" typeface="Shruti"/>
+        <a:font script="Khmr" typeface="DaunPenh"/>
+        <a:font script="Knda" typeface="Tunga"/>
+        <a:font script="Guru" typeface="Raavi"/>
+        <a:font script="Cans" typeface="Euphemia"/>
+        <a:font script="Cher" typeface="Plantagenet Cherokee"/>
+        <a:font script="Yiii" typeface="Microsoft Yi Baiti"/>
+        <a:font script="Tibt" typeface="Microsoft Himalaya"/>
+        <a:font script="Thaa" typeface="MV Boli"/>
+        <a:font script="Deva" typeface="Mangal"/>
+        <a:font script="Telu" typeface="Gautami"/>
+        <a:font script="Taml" typeface="Latha"/>
+        <a:font script="Syrc" typeface="Estrangelo Edessa"/>
+        <a:font script="Orya" typeface="Kalinga"/>
+        <a:font script="Mlym" typeface="Kartika"/>
+        <a:font script="Laoo" typeface="DokChampa"/>
+        <a:font script="Sinh" typeface="Iskoola Pota"/>
+        <a:font script="Mong" typeface="Mongolian Baiti"/>
+        <a:font script="Viet" typeface="Arial"/>
+        <a:font script="Uigh" typeface="Microsoft Uighur"/>
+        <a:font script="Geor" typeface="Sylfaen"/>
+        <a:font script="Armn" typeface="Arial"/>
+        <a:font script="Bugi" typeface="Leelawadee UI"/>
+        <a:font script="Bopo" typeface="Microsoft JhengHei"/>
+        <a:font script="Java" typeface="Javanese Text"/>
+        <a:font script="Lisu" typeface="Segoe UI"/>
+        <a:font script="Mymr" typeface="Myanmar Text"/>
+        <a:font script="Nkoo" typeface="Ebrima"/>
+        <a:font script="Olck" typeface="Nirmala UI"/>
+        <a:font script="Osma" typeface="Ebrima"/>
+        <a:font script="Phag" typeface="Phagspa"/>
+        <a:font script="Syrn" typeface="Estrangelo Edessa"/>
+        <a:font script="Syrj" typeface="Estrangelo Edessa"/>
+        <a:font script="Syre" typeface="Estrangelo Edessa"/>
+        <a:font script="Sora" typeface="Nirmala UI"/>
+        <a:font script="Tale" typeface="Microsoft Tai Le"/>
+        <a:font script="Talu" typeface="Microsoft New Tai Lue"/>
+        <a:font script="Tfng" typeface="Ebrima"/>
+      </a:minorFont>
+    </a:fontScheme>
+    <a:fmtScheme name="Office">
+      <a:fillStyleLst>
+        <a:solidFill>
+          <a:schemeClr val="phClr"/>
+        </a:solidFill>
+        <a:gradFill rotWithShape="1">
+          <a:gsLst>
+            <a:gs pos="0">
+              <a:schemeClr val="phClr">
+                <a:lumMod val="110000"/>
+                <a:satMod val="105000"/>
+                <a:tint val="67000"/>
+              </a:schemeClr>
+            </a:gs>
+            <a:gs pos="50000">
+              <a:schemeClr val="phClr">
+                <a:lumMod val="105000"/>
+                <a:satMod val="103000"/>
+                <a:tint val="73000"/>
+              </a:schemeClr>
+            </a:gs>
+            <a:gs pos="100000">
+              <a:schemeClr val="phClr">
+                <a:lumMod val="105000"/>
+                <a:satMod val="109000"/>
+                <a:tint val="81000"/>
+              </a:schemeClr>
+            </a:gs>
+          </a:gsLst>
+          <a:lin ang="5400000" scaled="0"/>
+        </a:gradFill>
+        <a:gradFill rotWithShape="1">
+          <a:gsLst>
+            <a:gs pos="0">
+              <a:schemeClr val="phClr">
+                <a:satMod val="103000"/>
+                <a:lumMod val="102000"/>
+                <a:tint val="94000"/>
+              </a:schemeClr>
+            </a:gs>
+            <a:gs pos="50000">
+              <a:schemeClr val="phClr">
+                <a:satMod val="110000"/>
+                <a:lumMod val="100000"/>
+                <a:shade val="100000"/>
+              </a:schemeClr>
+            </a:gs>
+            <a:gs pos="100000">
+              <a:schemeClr val="phClr">
+                <a:lumMod val="99000"/>
+                <a:satMod val="120000"/>
+                <a:shade val="78000"/>
+              </a:schemeClr>
+            </a:gs>
+          </a:gsLst>
+          <a:lin ang="5400000" scaled="0"/>
+        </a:gradFill>
+      </a:fillStyleLst>
+      <a:lnStyleLst>
+        <a:ln w="6350" cap="flat" cmpd="sng" algn="ctr">
+          <a:solidFill>
+            <a:schemeClr val="phClr"/>
+          </a:solidFill>
+          <a:prstDash val="solid"/>
+          <a:miter lim="800000"/>
+        </a:ln>
+        <a:ln w="12700" cap="flat" cmpd="sng" algn="ctr">
+          <a:solidFill>
+            <a:schemeClr val="phClr"/>
+          </a:solidFill>
+          <a:prstDash val="solid"/>
+          <a:miter lim="800000"/>
+        </a:ln>
+        <a:ln w="19050" cap="flat" cmpd="sng" algn="ctr">
+          <a:solidFill>
+            <a:schemeClr val="phClr"/>
+          </a:solidFill>
+          <a:prstDash val="solid"/>
+          <a:miter lim="800000"/>
+        </a:ln>
+      </a:lnStyleLst>
+      <a:effectStyleLst>
+        <a:effectStyle>
+          <a:effectLst/>
+        </a:effectStyle>
+        <a:effectStyle>
+          <a:effectLst/>
+        </a:effectStyle>
+        <a:effectStyle>
+          <a:effectLst>
+            <a:outerShdw blurRad="57150" dist="19050" dir="5400000" algn="ctr" rotWithShape="0">
+              <a:srgbClr val="000000">
+                <a:alpha val="63000"/>
+              </a:srgbClr>
+            </a:outerShdw>
+          </a:effectLst>
+        </a:effectStyle>
+      </a:effectStyleLst>
+      <a:bgFillStyleLst>
+        <a:solidFill>
+          <a:schemeClr val="phClr"/>
+        </a:solidFill>
+        <a:solidFill>
+          <a:schemeClr val="phClr">
+            <a:tint val="95000"/>
+            <a:satMod val="170000"/>
+          </a:schemeClr>
+        </a:solidFill>
+        <a:gradFill rotWithShape="1">
+          <a:gsLst>
+            <a:gs pos="0">
+              <a:schemeClr val="phClr">
+                <a:tint val="93000"/>
+                <a:satMod val="150000"/>
+                <a:shade val="98000"/>
+                <a:lumMod val="102000"/>
+              </a:schemeClr>
+            </a:gs>
+            <a:gs pos="50000">
+              <a:schemeClr val="phClr">
+                <a:tint val="98000"/>
+                <a:satMod val="130000"/>
+                <a:shade val="90000"/>
+                <a:lumMod val="103000"/>
+              </a:schemeClr>
+            </a:gs>
+            <a:gs pos="100000">
+              <a:schemeClr val="phClr">
+                <a:shade val="63000"/>
+                <a:satMod val="120000"/>
+              </a:schemeClr>
+            </a:gs>
+          </a:gsLst>
+          <a:lin ang="5400000" scaled="0"/>
+        </a:gradFill>
+      </a:bgFillStyleLst>
+    </a:fmtScheme>
+  </a:themeElements>
+  <a:objectDefaults/>
+  <a:extraClrSchemeLst/>
+  <a:extLst>
+    <a:ext uri="{05A4C25C-085E-4340-85A3-A5531E510DB2}">
+      <thm15:themeFamily xmlns:thm15="http://schemas.microsoft.com/office/thememl/2012/main" name="Office Theme" id="{62F939B6-93AF-4DB8-9C6B-D6C7DFDC589F}" vid="{4A3C46E8-61CC-4603-A589-7422A47A8E4A}"/>
+    </a:ext>
+  </a:extLst>
+</a:theme>
 </file>
--- a/WSAPoll, Fast Loopback.pptx
+++ b/WSAPoll, Fast Loopback.pptx
@@ -5,10 +5,10 @@
     <p:sldMasterId id="2147483648" r:id="rId1"/>
   </p:sldMasterIdLst>
   <p:notesMasterIdLst>
-    <p:notesMasterId r:id="rId27"/>
+    <p:notesMasterId r:id="rId29"/>
   </p:notesMasterIdLst>
   <p:handoutMasterIdLst>
-    <p:handoutMasterId r:id="rId28"/>
+    <p:handoutMasterId r:id="rId30"/>
   </p:handoutMasterIdLst>
   <p:sldIdLst>
     <p:sldId id="261" r:id="rId2"/>
@@ -25,17 +25,19 @@
     <p:sldId id="287" r:id="rId13"/>
     <p:sldId id="293" r:id="rId14"/>
     <p:sldId id="298" r:id="rId15"/>
-    <p:sldId id="299" r:id="rId16"/>
-    <p:sldId id="300" r:id="rId17"/>
-    <p:sldId id="306" r:id="rId18"/>
-    <p:sldId id="307" r:id="rId19"/>
-    <p:sldId id="292" r:id="rId20"/>
-    <p:sldId id="291" r:id="rId21"/>
-    <p:sldId id="308" r:id="rId22"/>
-    <p:sldId id="289" r:id="rId23"/>
-    <p:sldId id="290" r:id="rId24"/>
-    <p:sldId id="288" r:id="rId25"/>
-    <p:sldId id="309" r:id="rId26"/>
+    <p:sldId id="300" r:id="rId16"/>
+    <p:sldId id="299" r:id="rId17"/>
+    <p:sldId id="310" r:id="rId18"/>
+    <p:sldId id="311" r:id="rId19"/>
+    <p:sldId id="306" r:id="rId20"/>
+    <p:sldId id="307" r:id="rId21"/>
+    <p:sldId id="292" r:id="rId22"/>
+    <p:sldId id="291" r:id="rId23"/>
+    <p:sldId id="308" r:id="rId24"/>
+    <p:sldId id="289" r:id="rId25"/>
+    <p:sldId id="290" r:id="rId26"/>
+    <p:sldId id="288" r:id="rId27"/>
+    <p:sldId id="309" r:id="rId28"/>
   </p:sldIdLst>
   <p:sldSz cx="12192000" cy="6858000"/>
   <p:notesSz cx="6858000" cy="9144000"/>
@@ -138,6 +140,9 @@
     <p:ext uri="{EFAFB233-063F-42B5-8137-9DF3F51BA10A}">
       <p15:sldGuideLst xmlns:p15="http://schemas.microsoft.com/office/powerpoint/2012/main"/>
     </p:ext>
+    <p:ext uri="{2D200454-40CA-4A62-9FC3-DE9A4176ACB9}">
+      <p15:notesGuideLst xmlns:p15="http://schemas.microsoft.com/office/powerpoint/2012/main"/>
+    </p:ext>
   </p:extLst>
 </p:presentation>
 </file>
@@ -224,7 +229,7 @@
           <a:p>
             <a:fld id="{9EF82A2F-441E-472B-91FB-0859EF4D88A2}" type="datetimeFigureOut">
               <a:rPr lang="ko-KR" altLang="en-US" smtClean="0"/>
-              <a:t>2017-02-04</a:t>
+              <a:t>2017-02-05</a:t>
             </a:fld>
             <a:endParaRPr lang="ko-KR" altLang="en-US"/>
           </a:p>
@@ -389,7 +394,7 @@
           <a:p>
             <a:fld id="{54A3E567-B29B-4C0F-B6EF-DB7C1BF73903}" type="datetimeFigureOut">
               <a:rPr lang="ko-KR" altLang="en-US" smtClean="0"/>
-              <a:t>2017-02-04</a:t>
+              <a:t>2017-02-05</a:t>
             </a:fld>
             <a:endParaRPr lang="ko-KR" altLang="en-US"/>
           </a:p>
@@ -484,7 +489,6 @@
               <a:rPr lang="ko-KR" altLang="en-US"/>
               <a:t>다섯째 수준</a:t>
             </a:r>
-            <a:endParaRPr lang="ko-KR" altLang="en-US"/>
           </a:p>
         </p:txBody>
       </p:sp>
@@ -874,7 +878,7 @@
           <a:p>
             <a:fld id="{0627BC7C-EAB6-4A08-B129-4C556FE3167E}" type="datetimeFigureOut">
               <a:rPr lang="ko-KR" altLang="en-US" smtClean="0"/>
-              <a:t>2017-02-04</a:t>
+              <a:t>2017-02-05</a:t>
             </a:fld>
             <a:endParaRPr lang="ko-KR" altLang="en-US"/>
           </a:p>
@@ -1042,7 +1046,7 @@
           <a:p>
             <a:fld id="{0627BC7C-EAB6-4A08-B129-4C556FE3167E}" type="datetimeFigureOut">
               <a:rPr lang="ko-KR" altLang="en-US" smtClean="0"/>
-              <a:t>2017-02-04</a:t>
+              <a:t>2017-02-05</a:t>
             </a:fld>
             <a:endParaRPr lang="ko-KR" altLang="en-US"/>
           </a:p>
@@ -1220,7 +1224,7 @@
           <a:p>
             <a:fld id="{0627BC7C-EAB6-4A08-B129-4C556FE3167E}" type="datetimeFigureOut">
               <a:rPr lang="ko-KR" altLang="en-US" smtClean="0"/>
-              <a:t>2017-02-04</a:t>
+              <a:t>2017-02-05</a:t>
             </a:fld>
             <a:endParaRPr lang="ko-KR" altLang="en-US"/>
           </a:p>
@@ -1388,7 +1392,7 @@
           <a:p>
             <a:fld id="{0627BC7C-EAB6-4A08-B129-4C556FE3167E}" type="datetimeFigureOut">
               <a:rPr lang="ko-KR" altLang="en-US" smtClean="0"/>
-              <a:t>2017-02-04</a:t>
+              <a:t>2017-02-05</a:t>
             </a:fld>
             <a:endParaRPr lang="ko-KR" altLang="en-US"/>
           </a:p>
@@ -1633,7 +1637,7 @@
           <a:p>
             <a:fld id="{0627BC7C-EAB6-4A08-B129-4C556FE3167E}" type="datetimeFigureOut">
               <a:rPr lang="ko-KR" altLang="en-US" smtClean="0"/>
-              <a:t>2017-02-04</a:t>
+              <a:t>2017-02-05</a:t>
             </a:fld>
             <a:endParaRPr lang="ko-KR" altLang="en-US"/>
           </a:p>
@@ -1862,7 +1866,7 @@
           <a:p>
             <a:fld id="{0627BC7C-EAB6-4A08-B129-4C556FE3167E}" type="datetimeFigureOut">
               <a:rPr lang="ko-KR" altLang="en-US" smtClean="0"/>
-              <a:t>2017-02-04</a:t>
+              <a:t>2017-02-05</a:t>
             </a:fld>
             <a:endParaRPr lang="ko-KR" altLang="en-US"/>
           </a:p>
@@ -2226,7 +2230,7 @@
           <a:p>
             <a:fld id="{0627BC7C-EAB6-4A08-B129-4C556FE3167E}" type="datetimeFigureOut">
               <a:rPr lang="ko-KR" altLang="en-US" smtClean="0"/>
-              <a:t>2017-02-04</a:t>
+              <a:t>2017-02-05</a:t>
             </a:fld>
             <a:endParaRPr lang="ko-KR" altLang="en-US"/>
           </a:p>
@@ -2343,7 +2347,7 @@
           <a:p>
             <a:fld id="{0627BC7C-EAB6-4A08-B129-4C556FE3167E}" type="datetimeFigureOut">
               <a:rPr lang="ko-KR" altLang="en-US" smtClean="0"/>
-              <a:t>2017-02-04</a:t>
+              <a:t>2017-02-05</a:t>
             </a:fld>
             <a:endParaRPr lang="ko-KR" altLang="en-US"/>
           </a:p>
@@ -2438,7 +2442,7 @@
           <a:p>
             <a:fld id="{0627BC7C-EAB6-4A08-B129-4C556FE3167E}" type="datetimeFigureOut">
               <a:rPr lang="ko-KR" altLang="en-US" smtClean="0"/>
-              <a:t>2017-02-04</a:t>
+              <a:t>2017-02-05</a:t>
             </a:fld>
             <a:endParaRPr lang="ko-KR" altLang="en-US"/>
           </a:p>
@@ -2713,7 +2717,7 @@
           <a:p>
             <a:fld id="{0627BC7C-EAB6-4A08-B129-4C556FE3167E}" type="datetimeFigureOut">
               <a:rPr lang="ko-KR" altLang="en-US" smtClean="0"/>
-              <a:t>2017-02-04</a:t>
+              <a:t>2017-02-05</a:t>
             </a:fld>
             <a:endParaRPr lang="ko-KR" altLang="en-US"/>
           </a:p>
@@ -2965,7 +2969,7 @@
           <a:p>
             <a:fld id="{0627BC7C-EAB6-4A08-B129-4C556FE3167E}" type="datetimeFigureOut">
               <a:rPr lang="ko-KR" altLang="en-US" smtClean="0"/>
-              <a:t>2017-02-04</a:t>
+              <a:t>2017-02-05</a:t>
             </a:fld>
             <a:endParaRPr lang="ko-KR" altLang="en-US"/>
           </a:p>
@@ -3176,7 +3180,7 @@
           <a:p>
             <a:fld id="{0627BC7C-EAB6-4A08-B129-4C556FE3167E}" type="datetimeFigureOut">
               <a:rPr lang="ko-KR" altLang="en-US" smtClean="0"/>
-              <a:t>2017-02-04</a:t>
+              <a:t>2017-02-05</a:t>
             </a:fld>
             <a:endParaRPr lang="ko-KR" altLang="en-US"/>
           </a:p>
@@ -4429,7 +4433,6 @@
               <a:rPr lang="ko-KR" altLang="en-US" sz="1200" dirty="0"/>
               <a:t> </a:t>
             </a:r>
-            <a:endParaRPr lang="ko-KR" altLang="en-US" sz="1200" dirty="0"/>
           </a:p>
         </p:txBody>
       </p:sp>
@@ -4858,7 +4861,6 @@
               <a:rPr lang="ko-KR" altLang="en-US" sz="1200" dirty="0"/>
               <a:t> </a:t>
             </a:r>
-            <a:endParaRPr lang="ko-KR" altLang="en-US" sz="1200" dirty="0"/>
           </a:p>
         </p:txBody>
       </p:sp>
@@ -4943,14 +4945,14 @@
       </p:sp>
       <p:sp>
         <p:nvSpPr>
-          <p:cNvPr id="3" name="직사각형 2"/>
+          <p:cNvPr id="4" name="직사각형 3"/>
           <p:cNvSpPr/>
           <p:nvPr/>
         </p:nvSpPr>
         <p:spPr>
           <a:xfrm>
-            <a:off x="654424" y="1141309"/>
-            <a:ext cx="10425952" cy="461665"/>
+            <a:off x="2822369" y="6569126"/>
+            <a:ext cx="9349839" cy="276999"/>
           </a:xfrm>
           <a:prstGeom prst="rect">
             <a:avLst/>
@@ -4963,85 +4965,42 @@
           <a:lstStyle/>
           <a:p>
             <a:r>
-              <a:rPr lang="ko-KR" altLang="en-US" sz="2400" dirty="0" err="1"/>
-              <a:t>ㅊㅌㅊㅌㅊ</a:t>
-            </a:r>
-            <a:endParaRPr lang="ko-KR" altLang="en-US" sz="2400" dirty="0"/>
-          </a:p>
-        </p:txBody>
-      </p:sp>
-      <p:sp>
-        <p:nvSpPr>
-          <p:cNvPr id="4" name="직사각형 3"/>
-          <p:cNvSpPr/>
+              <a:rPr lang="ko-KR" altLang="en-US" sz="1200" dirty="0">
+                <a:hlinkClick r:id="rId2"/>
+              </a:rPr>
+              <a:t>https://blogs.msdn.microsoft.com/wndp/2006/10/26/wsapoll-a-new-winsock-api-to-simplify-porting-poll-applications-to-winsock/</a:t>
+            </a:r>
+            <a:r>
+              <a:rPr lang="ko-KR" altLang="en-US" sz="1200" dirty="0"/>
+              <a:t> </a:t>
+            </a:r>
+          </a:p>
+        </p:txBody>
+      </p:sp>
+      <p:pic>
+        <p:nvPicPr>
+          <p:cNvPr id="6" name="그림 5"/>
+          <p:cNvPicPr>
+            <a:picLocks noChangeAspect="1"/>
+          </p:cNvPicPr>
           <p:nvPr/>
-        </p:nvSpPr>
+        </p:nvPicPr>
+        <p:blipFill>
+          <a:blip r:embed="rId3"/>
+          <a:stretch>
+            <a:fillRect/>
+          </a:stretch>
+        </p:blipFill>
         <p:spPr>
           <a:xfrm>
-            <a:off x="839190" y="2741704"/>
-            <a:ext cx="10691750" cy="923330"/>
+            <a:off x="1750434" y="969060"/>
+            <a:ext cx="8524875" cy="5419725"/>
           </a:xfrm>
           <a:prstGeom prst="rect">
             <a:avLst/>
           </a:prstGeom>
         </p:spPr>
-        <p:txBody>
-          <a:bodyPr wrap="square">
-            <a:spAutoFit/>
-          </a:bodyPr>
-          <a:lstStyle/>
-          <a:p>
-            <a:r>
-              <a:rPr lang="en-US" altLang="ko-KR" dirty="0"/>
-              <a:t>(</a:t>
-            </a:r>
-            <a:r>
-              <a:rPr lang="ko-KR" altLang="en-US" dirty="0"/>
-              <a:t>구글 번역</a:t>
-            </a:r>
-            <a:r>
-              <a:rPr lang="en-US" altLang="ko-KR" dirty="0"/>
-              <a:t>)</a:t>
-            </a:r>
-          </a:p>
-          <a:p>
-            <a:r>
-              <a:rPr lang="ko-KR" altLang="en-US" dirty="0"/>
-              <a:t>https://blogs.msdn.microsoft.com/wndp/2006/10/26/wsapoll-a-new-winsock-api-to-simplify-porting-poll-applications-to-winsock/</a:t>
-            </a:r>
-            <a:endParaRPr lang="ko-KR" altLang="en-US" dirty="0"/>
-          </a:p>
-        </p:txBody>
-      </p:sp>
-      <p:sp>
-        <p:nvSpPr>
-          <p:cNvPr id="5" name="직사각형 4"/>
-          <p:cNvSpPr/>
-          <p:nvPr/>
-        </p:nvSpPr>
-        <p:spPr>
-          <a:xfrm>
-            <a:off x="839190" y="4281492"/>
-            <a:ext cx="6096000" cy="646331"/>
-          </a:xfrm>
-          <a:prstGeom prst="rect">
-            <a:avLst/>
-          </a:prstGeom>
-        </p:spPr>
-        <p:txBody>
-          <a:bodyPr>
-            <a:spAutoFit/>
-          </a:bodyPr>
-          <a:lstStyle/>
-          <a:p>
-            <a:r>
-              <a:rPr lang="ko-KR" altLang="en-US" dirty="0"/>
-              <a:t>https://msdn.microsoft.com/ko-kr/library/windows/desktop/ms741669(v=vs.85).aspx</a:t>
-            </a:r>
-            <a:endParaRPr lang="ko-KR" altLang="en-US" dirty="0"/>
-          </a:p>
-        </p:txBody>
-      </p:sp>
+      </p:pic>
     </p:spTree>
     <p:extLst>
       <p:ext uri="{BB962C8B-B14F-4D97-AF65-F5344CB8AC3E}">
@@ -5072,6 +5031,114 @@
           <a:chExt cx="0" cy="0"/>
         </a:xfrm>
       </p:grpSpPr>
+      <p:sp>
+        <p:nvSpPr>
+          <p:cNvPr id="2" name="직사각형 1"/>
+          <p:cNvSpPr/>
+          <p:nvPr/>
+        </p:nvSpPr>
+        <p:spPr>
+          <a:xfrm>
+            <a:off x="472135" y="2853139"/>
+            <a:ext cx="10770919" cy="923330"/>
+          </a:xfrm>
+          <a:prstGeom prst="rect">
+            <a:avLst/>
+          </a:prstGeom>
+        </p:spPr>
+        <p:txBody>
+          <a:bodyPr wrap="square">
+            <a:spAutoFit/>
+          </a:bodyPr>
+          <a:lstStyle/>
+          <a:p>
+            <a:r>
+              <a:rPr lang="ko-KR" altLang="en-US" dirty="0" err="1"/>
+              <a:t>poll</a:t>
+            </a:r>
+            <a:r>
+              <a:rPr lang="ko-KR" altLang="en-US" dirty="0"/>
+              <a:t>()을 사용하여 응용 프로그램을 개발 한 경험이 있다면 </a:t>
+            </a:r>
+            <a:r>
+              <a:rPr lang="ko-KR" altLang="en-US" dirty="0" err="1"/>
+              <a:t>WSAPoll은</a:t>
+            </a:r>
+            <a:r>
+              <a:rPr lang="ko-KR" altLang="en-US" dirty="0"/>
+              <a:t> 매우 친숙하다. </a:t>
+            </a:r>
+            <a:r>
+              <a:rPr lang="ko-KR" altLang="en-US" b="1" dirty="0" err="1"/>
+              <a:t>poll</a:t>
+            </a:r>
+            <a:r>
+              <a:rPr lang="ko-KR" altLang="en-US" b="1" dirty="0"/>
+              <a:t>()과 똑같이 동작하도록 설계되었다</a:t>
+            </a:r>
+            <a:r>
+              <a:rPr lang="ko-KR" altLang="en-US" dirty="0"/>
+              <a:t>. 실제로 BSD </a:t>
+            </a:r>
+            <a:r>
+              <a:rPr lang="ko-KR" altLang="en-US" dirty="0" err="1"/>
+              <a:t>Unix에서</a:t>
+            </a:r>
+            <a:r>
+              <a:rPr lang="ko-KR" altLang="en-US" dirty="0"/>
+              <a:t> 실행되도록 </a:t>
+            </a:r>
+            <a:r>
+              <a:rPr lang="ko-KR" altLang="en-US" dirty="0" err="1"/>
+              <a:t>Winsock</a:t>
+            </a:r>
+            <a:r>
+              <a:rPr lang="ko-KR" altLang="en-US" dirty="0"/>
+              <a:t> </a:t>
+            </a:r>
+            <a:r>
+              <a:rPr lang="ko-KR" altLang="en-US" dirty="0" err="1"/>
+              <a:t>WSAPoll</a:t>
+            </a:r>
+            <a:r>
+              <a:rPr lang="ko-KR" altLang="en-US" dirty="0"/>
+              <a:t> SDK 샘플을 이식했다. </a:t>
+            </a:r>
+            <a:endParaRPr lang="en-US" altLang="ko-KR" dirty="0"/>
+          </a:p>
+          <a:p>
+            <a:r>
+              <a:rPr lang="en-US" altLang="ko-KR" dirty="0"/>
+              <a:t>…..</a:t>
+            </a:r>
+            <a:endParaRPr lang="ko-KR" altLang="en-US" dirty="0"/>
+          </a:p>
+        </p:txBody>
+      </p:sp>
+      <p:pic>
+        <p:nvPicPr>
+          <p:cNvPr id="3" name="그림 2"/>
+          <p:cNvPicPr>
+            <a:picLocks noChangeAspect="1"/>
+          </p:cNvPicPr>
+          <p:nvPr/>
+        </p:nvPicPr>
+        <p:blipFill>
+          <a:blip r:embed="rId2"/>
+          <a:stretch>
+            <a:fillRect/>
+          </a:stretch>
+        </p:blipFill>
+        <p:spPr>
+          <a:xfrm>
+            <a:off x="472135" y="947799"/>
+            <a:ext cx="11037932" cy="1676648"/>
+          </a:xfrm>
+          <a:prstGeom prst="rect">
+            <a:avLst/>
+          </a:prstGeom>
+        </p:spPr>
+      </p:pic>
     </p:spTree>
     <p:extLst>
       <p:ext uri="{BB962C8B-B14F-4D97-AF65-F5344CB8AC3E}">
@@ -5102,10 +5169,388 @@
           <a:chExt cx="0" cy="0"/>
         </a:xfrm>
       </p:grpSpPr>
+      <p:sp>
+        <p:nvSpPr>
+          <p:cNvPr id="2" name="직사각형 1"/>
+          <p:cNvSpPr/>
+          <p:nvPr/>
+        </p:nvSpPr>
+        <p:spPr>
+          <a:xfrm>
+            <a:off x="6915398" y="445839"/>
+            <a:ext cx="5078680" cy="400110"/>
+          </a:xfrm>
+          <a:prstGeom prst="rect">
+            <a:avLst/>
+          </a:prstGeom>
+        </p:spPr>
+        <p:txBody>
+          <a:bodyPr wrap="square">
+            <a:spAutoFit/>
+          </a:bodyPr>
+          <a:lstStyle/>
+          <a:p>
+            <a:r>
+              <a:rPr lang="en-US" altLang="ko-KR" sz="1000" dirty="0"/>
+              <a:t>MSDN</a:t>
+            </a:r>
+          </a:p>
+          <a:p>
+            <a:r>
+              <a:rPr lang="ko-KR" altLang="en-US" sz="1000" dirty="0">
+                <a:hlinkClick r:id="rId2"/>
+              </a:rPr>
+              <a:t>https://msdn.microsoft.com/ko-kr/library/windows/desktop/ms741669(v=vs.85).aspx</a:t>
+            </a:r>
+            <a:r>
+              <a:rPr lang="ko-KR" altLang="en-US" sz="1000" dirty="0"/>
+              <a:t> </a:t>
+            </a:r>
+          </a:p>
+        </p:txBody>
+      </p:sp>
+      <p:sp>
+        <p:nvSpPr>
+          <p:cNvPr id="3" name="TextBox 2"/>
+          <p:cNvSpPr txBox="1"/>
+          <p:nvPr/>
+        </p:nvSpPr>
+        <p:spPr>
+          <a:xfrm>
+            <a:off x="551329" y="322729"/>
+            <a:ext cx="4074459" cy="646331"/>
+          </a:xfrm>
+          <a:prstGeom prst="rect">
+            <a:avLst/>
+          </a:prstGeom>
+          <a:noFill/>
+        </p:spPr>
+        <p:txBody>
+          <a:bodyPr wrap="square" rtlCol="0">
+            <a:spAutoFit/>
+          </a:bodyPr>
+          <a:lstStyle/>
+          <a:p>
+            <a:r>
+              <a:rPr lang="en-US" altLang="ko-KR" sz="3600" b="1" dirty="0" err="1"/>
+              <a:t>WSAPoll</a:t>
+            </a:r>
+            <a:r>
+              <a:rPr lang="en-US" altLang="ko-KR" sz="3600" b="1" dirty="0"/>
+              <a:t> function</a:t>
+            </a:r>
+            <a:endParaRPr lang="ko-KR" altLang="en-US" sz="3600" b="1" dirty="0"/>
+          </a:p>
+        </p:txBody>
+      </p:sp>
+      <p:sp>
+        <p:nvSpPr>
+          <p:cNvPr id="4" name="직사각형 3"/>
+          <p:cNvSpPr/>
+          <p:nvPr/>
+        </p:nvSpPr>
+        <p:spPr>
+          <a:xfrm>
+            <a:off x="672934" y="1431553"/>
+            <a:ext cx="4801590" cy="2246769"/>
+          </a:xfrm>
+          <a:prstGeom prst="rect">
+            <a:avLst/>
+          </a:prstGeom>
+          <a:ln>
+            <a:solidFill>
+              <a:schemeClr val="tx1"/>
+            </a:solidFill>
+          </a:ln>
+        </p:spPr>
+        <p:txBody>
+          <a:bodyPr wrap="square">
+            <a:spAutoFit/>
+          </a:bodyPr>
+          <a:lstStyle/>
+          <a:p>
+            <a:r>
+              <a:rPr lang="ko-KR" altLang="en-US" sz="2800" dirty="0" err="1"/>
+              <a:t>int</a:t>
+            </a:r>
+            <a:r>
+              <a:rPr lang="ko-KR" altLang="en-US" sz="2800" dirty="0"/>
+              <a:t> WSAAPI </a:t>
+            </a:r>
+            <a:r>
+              <a:rPr lang="ko-KR" altLang="en-US" sz="2800" dirty="0" err="1"/>
+              <a:t>WSAPoll</a:t>
+            </a:r>
+            <a:r>
+              <a:rPr lang="ko-KR" altLang="en-US" sz="2800" dirty="0"/>
+              <a:t>(</a:t>
+            </a:r>
+          </a:p>
+          <a:p>
+            <a:r>
+              <a:rPr lang="ko-KR" altLang="en-US" sz="2800" dirty="0"/>
+              <a:t>  WSAPOLLFD </a:t>
+            </a:r>
+            <a:r>
+              <a:rPr lang="ko-KR" altLang="en-US" sz="2800" dirty="0" err="1"/>
+              <a:t>fdarray</a:t>
+            </a:r>
+            <a:r>
+              <a:rPr lang="ko-KR" altLang="en-US" sz="2800" dirty="0"/>
+              <a:t>[],</a:t>
+            </a:r>
+          </a:p>
+          <a:p>
+            <a:r>
+              <a:rPr lang="ko-KR" altLang="en-US" sz="2800" dirty="0"/>
+              <a:t>  ULONG </a:t>
+            </a:r>
+            <a:r>
+              <a:rPr lang="ko-KR" altLang="en-US" sz="2800" dirty="0" err="1"/>
+              <a:t>nfds</a:t>
+            </a:r>
+            <a:r>
+              <a:rPr lang="ko-KR" altLang="en-US" sz="2800" dirty="0"/>
+              <a:t>,</a:t>
+            </a:r>
+          </a:p>
+          <a:p>
+            <a:r>
+              <a:rPr lang="ko-KR" altLang="en-US" sz="2800" dirty="0"/>
+              <a:t>  INT </a:t>
+            </a:r>
+            <a:r>
+              <a:rPr lang="ko-KR" altLang="en-US" sz="2800" dirty="0" err="1"/>
+              <a:t>timeout</a:t>
+            </a:r>
+            <a:endParaRPr lang="ko-KR" altLang="en-US" sz="2800" dirty="0"/>
+          </a:p>
+          <a:p>
+            <a:r>
+              <a:rPr lang="ko-KR" altLang="en-US" sz="2800" dirty="0"/>
+              <a:t>);</a:t>
+            </a:r>
+            <a:endParaRPr lang="ko-KR" altLang="en-US" sz="2800" dirty="0"/>
+          </a:p>
+        </p:txBody>
+      </p:sp>
+      <p:sp>
+        <p:nvSpPr>
+          <p:cNvPr id="5" name="직사각형 4"/>
+          <p:cNvSpPr/>
+          <p:nvPr/>
+        </p:nvSpPr>
+        <p:spPr>
+          <a:xfrm>
+            <a:off x="672934" y="4263926"/>
+            <a:ext cx="10982697" cy="1631216"/>
+          </a:xfrm>
+          <a:prstGeom prst="rect">
+            <a:avLst/>
+          </a:prstGeom>
+        </p:spPr>
+        <p:txBody>
+          <a:bodyPr wrap="square">
+            <a:spAutoFit/>
+          </a:bodyPr>
+          <a:lstStyle/>
+          <a:p>
+            <a:pPr marL="285750" indent="-285750">
+              <a:buFont typeface="Arial" panose="020B0604020202020204" pitchFamily="34" charset="0"/>
+              <a:buChar char="•"/>
+            </a:pPr>
+            <a:r>
+              <a:rPr lang="ko-KR" altLang="en-US" sz="2000" dirty="0" err="1"/>
+              <a:t>fdarray는</a:t>
+            </a:r>
+            <a:r>
+              <a:rPr lang="ko-KR" altLang="en-US" sz="2000" dirty="0"/>
+              <a:t> WSAPOLLFD 구조체 배열을 지정한다.</a:t>
+            </a:r>
+          </a:p>
+          <a:p>
+            <a:pPr marL="285750" indent="-285750">
+              <a:buFont typeface="Arial" panose="020B0604020202020204" pitchFamily="34" charset="0"/>
+              <a:buChar char="•"/>
+            </a:pPr>
+            <a:r>
+              <a:rPr lang="ko-KR" altLang="en-US" sz="2000" dirty="0" err="1"/>
+              <a:t>nfds는</a:t>
+            </a:r>
+            <a:r>
+              <a:rPr lang="ko-KR" altLang="en-US" sz="2000" dirty="0"/>
+              <a:t> </a:t>
+            </a:r>
+            <a:r>
+              <a:rPr lang="ko-KR" altLang="en-US" sz="2000" dirty="0" err="1"/>
+              <a:t>fdarray의</a:t>
+            </a:r>
+            <a:r>
+              <a:rPr lang="ko-KR" altLang="en-US" sz="2000" dirty="0"/>
+              <a:t> 요소 수를 지정한다. </a:t>
+            </a:r>
+          </a:p>
+          <a:p>
+            <a:pPr marL="285750" indent="-285750">
+              <a:buFont typeface="Arial" panose="020B0604020202020204" pitchFamily="34" charset="0"/>
+              <a:buChar char="•"/>
+            </a:pPr>
+            <a:r>
+              <a:rPr lang="ko-KR" altLang="en-US" sz="2000" dirty="0" err="1"/>
+              <a:t>timeout은</a:t>
+            </a:r>
+            <a:r>
+              <a:rPr lang="ko-KR" altLang="en-US" sz="2000" dirty="0"/>
+              <a:t> 함수 호출 후 대기할 시간이다(어떤 이벤트도 없으면 이 시간까지 대기한다).</a:t>
+            </a:r>
+            <a:br>
+              <a:rPr lang="en-US" altLang="ko-KR" sz="2000" dirty="0"/>
+            </a:br>
+            <a:r>
+              <a:rPr lang="en-US" altLang="ko-KR" sz="2000" dirty="0"/>
+              <a:t>- </a:t>
+            </a:r>
+            <a:r>
+              <a:rPr lang="ko-KR" altLang="en-US" sz="2000" dirty="0"/>
+              <a:t>0 보다 클 경우 그 값만큼 함수가 대기하고 0의 경우는 즉시 제어를 반환한다. </a:t>
+            </a:r>
+            <a:br>
+              <a:rPr lang="en-US" altLang="ko-KR" sz="2000" dirty="0"/>
+            </a:br>
+            <a:r>
+              <a:rPr lang="en-US" altLang="ko-KR" sz="2000" dirty="0"/>
+              <a:t>-</a:t>
+            </a:r>
+            <a:r>
+              <a:rPr lang="ko-KR" altLang="en-US" sz="2000" dirty="0"/>
+              <a:t> 마이너스 값의 경우는 소켓이 지정된 위상에 변화가 있을 때까지 제어를 반환하지 않는다.</a:t>
+            </a:r>
+            <a:endParaRPr lang="ko-KR" altLang="en-US" sz="2000" dirty="0"/>
+          </a:p>
+        </p:txBody>
+      </p:sp>
+      <p:sp>
+        <p:nvSpPr>
+          <p:cNvPr id="6" name="직사각형 5"/>
+          <p:cNvSpPr/>
+          <p:nvPr/>
+        </p:nvSpPr>
+        <p:spPr>
+          <a:xfrm>
+            <a:off x="6042677" y="1431553"/>
+            <a:ext cx="4243449" cy="2246769"/>
+          </a:xfrm>
+          <a:prstGeom prst="rect">
+            <a:avLst/>
+          </a:prstGeom>
+          <a:ln>
+            <a:solidFill>
+              <a:schemeClr val="tx1"/>
+            </a:solidFill>
+          </a:ln>
+        </p:spPr>
+        <p:txBody>
+          <a:bodyPr wrap="square">
+            <a:spAutoFit/>
+          </a:bodyPr>
+          <a:lstStyle/>
+          <a:p>
+            <a:r>
+              <a:rPr lang="ko-KR" altLang="en-US" sz="2800" dirty="0" err="1"/>
+              <a:t>typedef</a:t>
+            </a:r>
+            <a:r>
+              <a:rPr lang="ko-KR" altLang="en-US" sz="2800" dirty="0"/>
+              <a:t> </a:t>
+            </a:r>
+            <a:r>
+              <a:rPr lang="ko-KR" altLang="en-US" sz="2800" dirty="0" err="1"/>
+              <a:t>struct</a:t>
+            </a:r>
+            <a:r>
+              <a:rPr lang="ko-KR" altLang="en-US" sz="2800" dirty="0"/>
+              <a:t> </a:t>
+            </a:r>
+            <a:r>
+              <a:rPr lang="ko-KR" altLang="en-US" sz="2800" dirty="0" err="1"/>
+              <a:t>pollfd</a:t>
+            </a:r>
+            <a:r>
+              <a:rPr lang="ko-KR" altLang="en-US" sz="2800" dirty="0"/>
+              <a:t> {</a:t>
+            </a:r>
+          </a:p>
+          <a:p>
+            <a:r>
+              <a:rPr lang="ko-KR" altLang="en-US" sz="2800" dirty="0"/>
+              <a:t>  SOCKET </a:t>
+            </a:r>
+            <a:r>
+              <a:rPr lang="ko-KR" altLang="en-US" sz="2800" dirty="0" err="1"/>
+              <a:t>fd</a:t>
+            </a:r>
+            <a:r>
+              <a:rPr lang="ko-KR" altLang="en-US" sz="2800" dirty="0"/>
+              <a:t>;</a:t>
+            </a:r>
+          </a:p>
+          <a:p>
+            <a:r>
+              <a:rPr lang="ko-KR" altLang="en-US" sz="2800" dirty="0"/>
+              <a:t>  </a:t>
+            </a:r>
+            <a:r>
+              <a:rPr lang="ko-KR" altLang="en-US" sz="2800" dirty="0" err="1"/>
+              <a:t>short</a:t>
+            </a:r>
+            <a:r>
+              <a:rPr lang="ko-KR" altLang="en-US" sz="2800" dirty="0"/>
+              <a:t>  </a:t>
+            </a:r>
+            <a:r>
+              <a:rPr lang="ko-KR" altLang="en-US" sz="2800" dirty="0" err="1"/>
+              <a:t>events</a:t>
+            </a:r>
+            <a:r>
+              <a:rPr lang="ko-KR" altLang="en-US" sz="2800" dirty="0"/>
+              <a:t>;</a:t>
+            </a:r>
+          </a:p>
+          <a:p>
+            <a:r>
+              <a:rPr lang="ko-KR" altLang="en-US" sz="2800" dirty="0"/>
+              <a:t>  </a:t>
+            </a:r>
+            <a:r>
+              <a:rPr lang="ko-KR" altLang="en-US" sz="2800" dirty="0" err="1"/>
+              <a:t>short</a:t>
+            </a:r>
+            <a:r>
+              <a:rPr lang="ko-KR" altLang="en-US" sz="2800" dirty="0"/>
+              <a:t>  </a:t>
+            </a:r>
+            <a:r>
+              <a:rPr lang="ko-KR" altLang="en-US" sz="2800" dirty="0" err="1"/>
+              <a:t>revents</a:t>
+            </a:r>
+            <a:r>
+              <a:rPr lang="ko-KR" altLang="en-US" sz="2800" dirty="0"/>
+              <a:t>;</a:t>
+            </a:r>
+          </a:p>
+          <a:p>
+            <a:r>
+              <a:rPr lang="ko-KR" altLang="en-US" sz="2800" dirty="0"/>
+              <a:t>} WSAPOLLFD</a:t>
+            </a:r>
+            <a:endParaRPr lang="ko-KR" altLang="en-US" sz="2800" dirty="0"/>
+          </a:p>
+        </p:txBody>
+      </p:sp>
     </p:spTree>
     <p:extLst>
       <p:ext uri="{BB962C8B-B14F-4D97-AF65-F5344CB8AC3E}">
-        <p14:creationId xmlns:p14="http://schemas.microsoft.com/office/powerpoint/2010/main" val="240838179"/>
+        <p14:creationId xmlns:p14="http://schemas.microsoft.com/office/powerpoint/2010/main" val="2620082438"/>
       </p:ext>
     </p:extLst>
   </p:cSld>
@@ -5132,10 +5577,1006 @@
           <a:chExt cx="0" cy="0"/>
         </a:xfrm>
       </p:grpSpPr>
+      <p:sp>
+        <p:nvSpPr>
+          <p:cNvPr id="2" name="직사각형 1"/>
+          <p:cNvSpPr/>
+          <p:nvPr/>
+        </p:nvSpPr>
+        <p:spPr>
+          <a:xfrm>
+            <a:off x="1377537" y="990025"/>
+            <a:ext cx="3540710" cy="1938992"/>
+          </a:xfrm>
+          <a:prstGeom prst="rect">
+            <a:avLst/>
+          </a:prstGeom>
+          <a:ln>
+            <a:solidFill>
+              <a:schemeClr val="tx1"/>
+            </a:solidFill>
+          </a:ln>
+        </p:spPr>
+        <p:txBody>
+          <a:bodyPr wrap="square">
+            <a:spAutoFit/>
+          </a:bodyPr>
+          <a:lstStyle/>
+          <a:p>
+            <a:r>
+              <a:rPr lang="ko-KR" altLang="en-US" sz="2400" dirty="0" err="1"/>
+              <a:t>typedef</a:t>
+            </a:r>
+            <a:r>
+              <a:rPr lang="ko-KR" altLang="en-US" sz="2400" dirty="0"/>
+              <a:t> </a:t>
+            </a:r>
+            <a:r>
+              <a:rPr lang="ko-KR" altLang="en-US" sz="2400" dirty="0" err="1"/>
+              <a:t>struct</a:t>
+            </a:r>
+            <a:r>
+              <a:rPr lang="ko-KR" altLang="en-US" sz="2400" dirty="0"/>
+              <a:t> </a:t>
+            </a:r>
+            <a:r>
+              <a:rPr lang="ko-KR" altLang="en-US" sz="2400" dirty="0" err="1"/>
+              <a:t>pollfd</a:t>
+            </a:r>
+            <a:r>
+              <a:rPr lang="ko-KR" altLang="en-US" sz="2400" dirty="0"/>
+              <a:t> {</a:t>
+            </a:r>
+          </a:p>
+          <a:p>
+            <a:r>
+              <a:rPr lang="ko-KR" altLang="en-US" sz="2400" dirty="0"/>
+              <a:t>  SOCKET </a:t>
+            </a:r>
+            <a:r>
+              <a:rPr lang="ko-KR" altLang="en-US" sz="2400" dirty="0" err="1"/>
+              <a:t>fd</a:t>
+            </a:r>
+            <a:r>
+              <a:rPr lang="ko-KR" altLang="en-US" sz="2400" dirty="0"/>
+              <a:t>;</a:t>
+            </a:r>
+          </a:p>
+          <a:p>
+            <a:r>
+              <a:rPr lang="ko-KR" altLang="en-US" sz="2400" dirty="0"/>
+              <a:t>  </a:t>
+            </a:r>
+            <a:r>
+              <a:rPr lang="ko-KR" altLang="en-US" sz="2400" dirty="0" err="1"/>
+              <a:t>short</a:t>
+            </a:r>
+            <a:r>
+              <a:rPr lang="ko-KR" altLang="en-US" sz="2400" dirty="0"/>
+              <a:t>  </a:t>
+            </a:r>
+            <a:r>
+              <a:rPr lang="ko-KR" altLang="en-US" sz="2400" dirty="0" err="1"/>
+              <a:t>events</a:t>
+            </a:r>
+            <a:r>
+              <a:rPr lang="ko-KR" altLang="en-US" sz="2400" dirty="0"/>
+              <a:t>;</a:t>
+            </a:r>
+          </a:p>
+          <a:p>
+            <a:r>
+              <a:rPr lang="ko-KR" altLang="en-US" sz="2400" dirty="0"/>
+              <a:t>  </a:t>
+            </a:r>
+            <a:r>
+              <a:rPr lang="ko-KR" altLang="en-US" sz="2400" dirty="0" err="1"/>
+              <a:t>short</a:t>
+            </a:r>
+            <a:r>
+              <a:rPr lang="ko-KR" altLang="en-US" sz="2400" dirty="0"/>
+              <a:t>  </a:t>
+            </a:r>
+            <a:r>
+              <a:rPr lang="ko-KR" altLang="en-US" sz="2400" dirty="0" err="1"/>
+              <a:t>revents</a:t>
+            </a:r>
+            <a:r>
+              <a:rPr lang="ko-KR" altLang="en-US" sz="2400" dirty="0"/>
+              <a:t>;</a:t>
+            </a:r>
+          </a:p>
+          <a:p>
+            <a:r>
+              <a:rPr lang="ko-KR" altLang="en-US" sz="2400" dirty="0"/>
+              <a:t>} WSAPOLLFD</a:t>
+            </a:r>
+            <a:endParaRPr lang="ko-KR" altLang="en-US" sz="2400" dirty="0"/>
+          </a:p>
+        </p:txBody>
+      </p:sp>
+      <p:sp>
+        <p:nvSpPr>
+          <p:cNvPr id="3" name="직사각형 2"/>
+          <p:cNvSpPr/>
+          <p:nvPr/>
+        </p:nvSpPr>
+        <p:spPr>
+          <a:xfrm>
+            <a:off x="5292436" y="1341168"/>
+            <a:ext cx="6096000" cy="1200329"/>
+          </a:xfrm>
+          <a:prstGeom prst="rect">
+            <a:avLst/>
+          </a:prstGeom>
+        </p:spPr>
+        <p:txBody>
+          <a:bodyPr>
+            <a:spAutoFit/>
+          </a:bodyPr>
+          <a:lstStyle/>
+          <a:p>
+            <a:r>
+              <a:rPr lang="ko-KR" altLang="en-US" sz="2400" dirty="0" err="1"/>
+              <a:t>events는</a:t>
+            </a:r>
+            <a:r>
+              <a:rPr lang="ko-KR" altLang="en-US" sz="2400" dirty="0"/>
+              <a:t> 어떤 이벤트 발생을 원하는지를 뜻하는 플래그 셋이다. </a:t>
+            </a:r>
+            <a:endParaRPr lang="en-US" altLang="ko-KR" sz="2400" dirty="0"/>
+          </a:p>
+          <a:p>
+            <a:r>
+              <a:rPr lang="ko-KR" altLang="en-US" sz="2400" dirty="0"/>
+              <a:t>이것은 꼭 하나 이상 설정이 되어야 한다.</a:t>
+            </a:r>
+            <a:endParaRPr lang="ko-KR" altLang="en-US" sz="2400" dirty="0"/>
+          </a:p>
+        </p:txBody>
+      </p:sp>
+      <p:graphicFrame>
+        <p:nvGraphicFramePr>
+          <p:cNvPr id="5" name="표 4"/>
+          <p:cNvGraphicFramePr>
+            <a:graphicFrameLocks noGrp="1"/>
+          </p:cNvGraphicFramePr>
+          <p:nvPr>
+            <p:extLst>
+              <p:ext uri="{D42A27DB-BD31-4B8C-83A1-F6EECF244321}">
+                <p14:modId xmlns:p14="http://schemas.microsoft.com/office/powerpoint/2010/main" val="2338926616"/>
+              </p:ext>
+            </p:extLst>
+          </p:nvPr>
+        </p:nvGraphicFramePr>
+        <p:xfrm>
+          <a:off x="1377537" y="3316537"/>
+          <a:ext cx="9393382" cy="2217420"/>
+        </p:xfrm>
+        <a:graphic>
+          <a:graphicData uri="http://schemas.openxmlformats.org/drawingml/2006/table">
+            <a:tbl>
+              <a:tblPr/>
+              <a:tblGrid>
+                <a:gridCol w="2137558">
+                  <a:extLst>
+                    <a:ext uri="{9D8B030D-6E8A-4147-A177-3AD203B41FA5}">
+                      <a16:colId xmlns:a16="http://schemas.microsoft.com/office/drawing/2014/main" val="3722374992"/>
+                    </a:ext>
+                  </a:extLst>
+                </a:gridCol>
+                <a:gridCol w="7255824">
+                  <a:extLst>
+                    <a:ext uri="{9D8B030D-6E8A-4147-A177-3AD203B41FA5}">
+                      <a16:colId xmlns:a16="http://schemas.microsoft.com/office/drawing/2014/main" val="3106374543"/>
+                    </a:ext>
+                  </a:extLst>
+                </a:gridCol>
+              </a:tblGrid>
+              <a:tr h="0">
+                <a:tc>
+                  <a:txBody>
+                    <a:bodyPr/>
+                    <a:lstStyle/>
+                    <a:p>
+                      <a:r>
+                        <a:rPr lang="en-US" b="1">
+                          <a:effectLst/>
+                        </a:rPr>
+                        <a:t>Flag</a:t>
+                      </a:r>
+                    </a:p>
+                  </a:txBody>
+                  <a:tcPr marL="123825" marR="123825" marT="57150" marB="57150" anchor="ctr">
+                    <a:lnL w="9525" cap="flat" cmpd="sng" algn="ctr">
+                      <a:solidFill>
+                        <a:srgbClr val="DDDDDD"/>
+                      </a:solidFill>
+                      <a:prstDash val="solid"/>
+                      <a:round/>
+                      <a:headEnd type="none" w="med" len="med"/>
+                      <a:tailEnd type="none" w="med" len="med"/>
+                    </a:lnL>
+                    <a:lnR w="9525" cap="flat" cmpd="sng" algn="ctr">
+                      <a:solidFill>
+                        <a:srgbClr val="DDDDDD"/>
+                      </a:solidFill>
+                      <a:prstDash val="solid"/>
+                      <a:round/>
+                      <a:headEnd type="none" w="med" len="med"/>
+                      <a:tailEnd type="none" w="med" len="med"/>
+                    </a:lnR>
+                    <a:lnT w="9525" cap="flat" cmpd="sng" algn="ctr">
+                      <a:solidFill>
+                        <a:srgbClr val="DDDDDD"/>
+                      </a:solidFill>
+                      <a:prstDash val="solid"/>
+                      <a:round/>
+                      <a:headEnd type="none" w="med" len="med"/>
+                      <a:tailEnd type="none" w="med" len="med"/>
+                    </a:lnT>
+                    <a:lnB w="9525" cap="flat" cmpd="sng" algn="ctr">
+                      <a:solidFill>
+                        <a:srgbClr val="DDDDDD"/>
+                      </a:solidFill>
+                      <a:prstDash val="solid"/>
+                      <a:round/>
+                      <a:headEnd type="none" w="med" len="med"/>
+                      <a:tailEnd type="none" w="med" len="med"/>
+                    </a:lnB>
+                    <a:solidFill>
+                      <a:srgbClr val="FFFFFF"/>
+                    </a:solidFill>
+                  </a:tcPr>
+                </a:tc>
+                <a:tc>
+                  <a:txBody>
+                    <a:bodyPr/>
+                    <a:lstStyle/>
+                    <a:p>
+                      <a:r>
+                        <a:rPr lang="en-US" b="1">
+                          <a:effectLst/>
+                        </a:rPr>
+                        <a:t>Description</a:t>
+                      </a:r>
+                    </a:p>
+                  </a:txBody>
+                  <a:tcPr marL="123825" marR="123825" marT="57150" marB="57150" anchor="ctr">
+                    <a:lnL w="9525" cap="flat" cmpd="sng" algn="ctr">
+                      <a:solidFill>
+                        <a:srgbClr val="DDDDDD"/>
+                      </a:solidFill>
+                      <a:prstDash val="solid"/>
+                      <a:round/>
+                      <a:headEnd type="none" w="med" len="med"/>
+                      <a:tailEnd type="none" w="med" len="med"/>
+                    </a:lnL>
+                    <a:lnR w="9525" cap="flat" cmpd="sng" algn="ctr">
+                      <a:solidFill>
+                        <a:srgbClr val="DDDDDD"/>
+                      </a:solidFill>
+                      <a:prstDash val="solid"/>
+                      <a:round/>
+                      <a:headEnd type="none" w="med" len="med"/>
+                      <a:tailEnd type="none" w="med" len="med"/>
+                    </a:lnR>
+                    <a:lnT w="9525" cap="flat" cmpd="sng" algn="ctr">
+                      <a:solidFill>
+                        <a:srgbClr val="DDDDDD"/>
+                      </a:solidFill>
+                      <a:prstDash val="solid"/>
+                      <a:round/>
+                      <a:headEnd type="none" w="med" len="med"/>
+                      <a:tailEnd type="none" w="med" len="med"/>
+                    </a:lnT>
+                    <a:lnB w="9525" cap="flat" cmpd="sng" algn="ctr">
+                      <a:solidFill>
+                        <a:srgbClr val="DDDDDD"/>
+                      </a:solidFill>
+                      <a:prstDash val="solid"/>
+                      <a:round/>
+                      <a:headEnd type="none" w="med" len="med"/>
+                      <a:tailEnd type="none" w="med" len="med"/>
+                    </a:lnB>
+                    <a:solidFill>
+                      <a:srgbClr val="FFFFFF"/>
+                    </a:solidFill>
+                  </a:tcPr>
+                </a:tc>
+                <a:extLst>
+                  <a:ext uri="{0D108BD9-81ED-4DB2-BD59-A6C34878D82A}">
+                    <a16:rowId xmlns:a16="http://schemas.microsoft.com/office/drawing/2014/main" val="3267802134"/>
+                  </a:ext>
+                </a:extLst>
+              </a:tr>
+              <a:tr h="0">
+                <a:tc>
+                  <a:txBody>
+                    <a:bodyPr/>
+                    <a:lstStyle/>
+                    <a:p>
+                      <a:r>
+                        <a:rPr lang="en-US">
+                          <a:effectLst/>
+                        </a:rPr>
+                        <a:t>POLLPRI</a:t>
+                      </a:r>
+                    </a:p>
+                  </a:txBody>
+                  <a:tcPr marL="123825" marR="123825" marT="57150" marB="57150" anchor="ctr">
+                    <a:lnL w="9525" cap="flat" cmpd="sng" algn="ctr">
+                      <a:solidFill>
+                        <a:srgbClr val="DDDDDD"/>
+                      </a:solidFill>
+                      <a:prstDash val="solid"/>
+                      <a:round/>
+                      <a:headEnd type="none" w="med" len="med"/>
+                      <a:tailEnd type="none" w="med" len="med"/>
+                    </a:lnL>
+                    <a:lnR w="9525" cap="flat" cmpd="sng" algn="ctr">
+                      <a:solidFill>
+                        <a:srgbClr val="DDDDDD"/>
+                      </a:solidFill>
+                      <a:prstDash val="solid"/>
+                      <a:round/>
+                      <a:headEnd type="none" w="med" len="med"/>
+                      <a:tailEnd type="none" w="med" len="med"/>
+                    </a:lnR>
+                    <a:lnT w="9525" cap="flat" cmpd="sng" algn="ctr">
+                      <a:solidFill>
+                        <a:srgbClr val="DDDDDD"/>
+                      </a:solidFill>
+                      <a:prstDash val="solid"/>
+                      <a:round/>
+                      <a:headEnd type="none" w="med" len="med"/>
+                      <a:tailEnd type="none" w="med" len="med"/>
+                    </a:lnT>
+                    <a:lnB w="9525" cap="flat" cmpd="sng" algn="ctr">
+                      <a:solidFill>
+                        <a:srgbClr val="DDDDDD"/>
+                      </a:solidFill>
+                      <a:prstDash val="solid"/>
+                      <a:round/>
+                      <a:headEnd type="none" w="med" len="med"/>
+                      <a:tailEnd type="none" w="med" len="med"/>
+                    </a:lnB>
+                    <a:solidFill>
+                      <a:srgbClr val="FFFFFF"/>
+                    </a:solidFill>
+                  </a:tcPr>
+                </a:tc>
+                <a:tc>
+                  <a:txBody>
+                    <a:bodyPr/>
+                    <a:lstStyle/>
+                    <a:p>
+                      <a:r>
+                        <a:rPr lang="en-US" altLang="ko-KR">
+                          <a:effectLst/>
+                        </a:rPr>
+                        <a:t>Priority data</a:t>
+                      </a:r>
+                      <a:r>
+                        <a:rPr lang="ko-KR" altLang="en-US">
+                          <a:effectLst/>
+                        </a:rPr>
+                        <a:t>를 블러킹 없이 읽을 수 있다</a:t>
+                      </a:r>
+                      <a:r>
+                        <a:rPr lang="en-US" altLang="ko-KR">
+                          <a:effectLst/>
+                        </a:rPr>
+                        <a:t>. </a:t>
+                      </a:r>
+                      <a:r>
+                        <a:rPr lang="ko-KR" altLang="en-US">
+                          <a:effectLst/>
+                        </a:rPr>
+                        <a:t>이 플로그는 </a:t>
+                      </a:r>
+                      <a:r>
+                        <a:rPr lang="en-US" altLang="ko-KR">
+                          <a:effectLst/>
+                        </a:rPr>
+                        <a:t>MS winsock</a:t>
+                      </a:r>
+                      <a:r>
+                        <a:rPr lang="ko-KR" altLang="en-US">
+                          <a:effectLst/>
+                        </a:rPr>
+                        <a:t>에서는 지원하지 않는다</a:t>
+                      </a:r>
+                      <a:r>
+                        <a:rPr lang="en-US" altLang="ko-KR">
+                          <a:effectLst/>
+                        </a:rPr>
+                        <a:t>.</a:t>
+                      </a:r>
+                    </a:p>
+                  </a:txBody>
+                  <a:tcPr marL="123825" marR="123825" marT="57150" marB="57150" anchor="ctr">
+                    <a:lnL w="9525" cap="flat" cmpd="sng" algn="ctr">
+                      <a:solidFill>
+                        <a:srgbClr val="DDDDDD"/>
+                      </a:solidFill>
+                      <a:prstDash val="solid"/>
+                      <a:round/>
+                      <a:headEnd type="none" w="med" len="med"/>
+                      <a:tailEnd type="none" w="med" len="med"/>
+                    </a:lnL>
+                    <a:lnR w="9525" cap="flat" cmpd="sng" algn="ctr">
+                      <a:solidFill>
+                        <a:srgbClr val="DDDDDD"/>
+                      </a:solidFill>
+                      <a:prstDash val="solid"/>
+                      <a:round/>
+                      <a:headEnd type="none" w="med" len="med"/>
+                      <a:tailEnd type="none" w="med" len="med"/>
+                    </a:lnR>
+                    <a:lnT w="9525" cap="flat" cmpd="sng" algn="ctr">
+                      <a:solidFill>
+                        <a:srgbClr val="DDDDDD"/>
+                      </a:solidFill>
+                      <a:prstDash val="solid"/>
+                      <a:round/>
+                      <a:headEnd type="none" w="med" len="med"/>
+                      <a:tailEnd type="none" w="med" len="med"/>
+                    </a:lnT>
+                    <a:lnB w="9525" cap="flat" cmpd="sng" algn="ctr">
+                      <a:solidFill>
+                        <a:srgbClr val="DDDDDD"/>
+                      </a:solidFill>
+                      <a:prstDash val="solid"/>
+                      <a:round/>
+                      <a:headEnd type="none" w="med" len="med"/>
+                      <a:tailEnd type="none" w="med" len="med"/>
+                    </a:lnB>
+                    <a:solidFill>
+                      <a:srgbClr val="FFFFFF"/>
+                    </a:solidFill>
+                  </a:tcPr>
+                </a:tc>
+                <a:extLst>
+                  <a:ext uri="{0D108BD9-81ED-4DB2-BD59-A6C34878D82A}">
+                    <a16:rowId xmlns:a16="http://schemas.microsoft.com/office/drawing/2014/main" val="2027989700"/>
+                  </a:ext>
+                </a:extLst>
+              </a:tr>
+              <a:tr h="0">
+                <a:tc>
+                  <a:txBody>
+                    <a:bodyPr/>
+                    <a:lstStyle/>
+                    <a:p>
+                      <a:r>
+                        <a:rPr lang="en-US">
+                          <a:effectLst/>
+                        </a:rPr>
+                        <a:t>POLLRDBAND</a:t>
+                      </a:r>
+                    </a:p>
+                  </a:txBody>
+                  <a:tcPr marL="123825" marR="123825" marT="57150" marB="57150" anchor="ctr">
+                    <a:lnL w="9525" cap="flat" cmpd="sng" algn="ctr">
+                      <a:solidFill>
+                        <a:srgbClr val="DDDDDD"/>
+                      </a:solidFill>
+                      <a:prstDash val="solid"/>
+                      <a:round/>
+                      <a:headEnd type="none" w="med" len="med"/>
+                      <a:tailEnd type="none" w="med" len="med"/>
+                    </a:lnL>
+                    <a:lnR w="9525" cap="flat" cmpd="sng" algn="ctr">
+                      <a:solidFill>
+                        <a:srgbClr val="DDDDDD"/>
+                      </a:solidFill>
+                      <a:prstDash val="solid"/>
+                      <a:round/>
+                      <a:headEnd type="none" w="med" len="med"/>
+                      <a:tailEnd type="none" w="med" len="med"/>
+                    </a:lnR>
+                    <a:lnT w="9525" cap="flat" cmpd="sng" algn="ctr">
+                      <a:solidFill>
+                        <a:srgbClr val="DDDDDD"/>
+                      </a:solidFill>
+                      <a:prstDash val="solid"/>
+                      <a:round/>
+                      <a:headEnd type="none" w="med" len="med"/>
+                      <a:tailEnd type="none" w="med" len="med"/>
+                    </a:lnT>
+                    <a:lnB w="9525" cap="flat" cmpd="sng" algn="ctr">
+                      <a:solidFill>
+                        <a:srgbClr val="DDDDDD"/>
+                      </a:solidFill>
+                      <a:prstDash val="solid"/>
+                      <a:round/>
+                      <a:headEnd type="none" w="med" len="med"/>
+                      <a:tailEnd type="none" w="med" len="med"/>
+                    </a:lnB>
+                    <a:solidFill>
+                      <a:srgbClr val="F8F8F8"/>
+                    </a:solidFill>
+                  </a:tcPr>
+                </a:tc>
+                <a:tc>
+                  <a:txBody>
+                    <a:bodyPr/>
+                    <a:lstStyle/>
+                    <a:p>
+                      <a:r>
+                        <a:rPr lang="en-US">
+                          <a:effectLst/>
+                        </a:rPr>
+                        <a:t>Priority band(out-of-band) data</a:t>
+                      </a:r>
+                      <a:r>
+                        <a:rPr lang="ko-KR" altLang="en-US">
+                          <a:effectLst/>
+                        </a:rPr>
+                        <a:t>를 블럭킹 읽을 수 있다</a:t>
+                      </a:r>
+                      <a:r>
+                        <a:rPr lang="en-US" altLang="ko-KR">
+                          <a:effectLst/>
+                        </a:rPr>
+                        <a:t>.</a:t>
+                      </a:r>
+                    </a:p>
+                  </a:txBody>
+                  <a:tcPr marL="123825" marR="123825" marT="57150" marB="57150" anchor="ctr">
+                    <a:lnL w="9525" cap="flat" cmpd="sng" algn="ctr">
+                      <a:solidFill>
+                        <a:srgbClr val="DDDDDD"/>
+                      </a:solidFill>
+                      <a:prstDash val="solid"/>
+                      <a:round/>
+                      <a:headEnd type="none" w="med" len="med"/>
+                      <a:tailEnd type="none" w="med" len="med"/>
+                    </a:lnL>
+                    <a:lnR w="9525" cap="flat" cmpd="sng" algn="ctr">
+                      <a:solidFill>
+                        <a:srgbClr val="DDDDDD"/>
+                      </a:solidFill>
+                      <a:prstDash val="solid"/>
+                      <a:round/>
+                      <a:headEnd type="none" w="med" len="med"/>
+                      <a:tailEnd type="none" w="med" len="med"/>
+                    </a:lnR>
+                    <a:lnT w="9525" cap="flat" cmpd="sng" algn="ctr">
+                      <a:solidFill>
+                        <a:srgbClr val="DDDDDD"/>
+                      </a:solidFill>
+                      <a:prstDash val="solid"/>
+                      <a:round/>
+                      <a:headEnd type="none" w="med" len="med"/>
+                      <a:tailEnd type="none" w="med" len="med"/>
+                    </a:lnT>
+                    <a:lnB w="9525" cap="flat" cmpd="sng" algn="ctr">
+                      <a:solidFill>
+                        <a:srgbClr val="DDDDDD"/>
+                      </a:solidFill>
+                      <a:prstDash val="solid"/>
+                      <a:round/>
+                      <a:headEnd type="none" w="med" len="med"/>
+                      <a:tailEnd type="none" w="med" len="med"/>
+                    </a:lnB>
+                    <a:solidFill>
+                      <a:srgbClr val="F8F8F8"/>
+                    </a:solidFill>
+                  </a:tcPr>
+                </a:tc>
+                <a:extLst>
+                  <a:ext uri="{0D108BD9-81ED-4DB2-BD59-A6C34878D82A}">
+                    <a16:rowId xmlns:a16="http://schemas.microsoft.com/office/drawing/2014/main" val="2882603859"/>
+                  </a:ext>
+                </a:extLst>
+              </a:tr>
+              <a:tr h="0">
+                <a:tc>
+                  <a:txBody>
+                    <a:bodyPr/>
+                    <a:lstStyle/>
+                    <a:p>
+                      <a:r>
+                        <a:rPr lang="en-US">
+                          <a:effectLst/>
+                        </a:rPr>
+                        <a:t>POLLRDNORM</a:t>
+                      </a:r>
+                    </a:p>
+                  </a:txBody>
+                  <a:tcPr marL="123825" marR="123825" marT="57150" marB="57150" anchor="ctr">
+                    <a:lnL w="9525" cap="flat" cmpd="sng" algn="ctr">
+                      <a:solidFill>
+                        <a:srgbClr val="DDDDDD"/>
+                      </a:solidFill>
+                      <a:prstDash val="solid"/>
+                      <a:round/>
+                      <a:headEnd type="none" w="med" len="med"/>
+                      <a:tailEnd type="none" w="med" len="med"/>
+                    </a:lnL>
+                    <a:lnR w="9525" cap="flat" cmpd="sng" algn="ctr">
+                      <a:solidFill>
+                        <a:srgbClr val="DDDDDD"/>
+                      </a:solidFill>
+                      <a:prstDash val="solid"/>
+                      <a:round/>
+                      <a:headEnd type="none" w="med" len="med"/>
+                      <a:tailEnd type="none" w="med" len="med"/>
+                    </a:lnR>
+                    <a:lnT w="9525" cap="flat" cmpd="sng" algn="ctr">
+                      <a:solidFill>
+                        <a:srgbClr val="DDDDDD"/>
+                      </a:solidFill>
+                      <a:prstDash val="solid"/>
+                      <a:round/>
+                      <a:headEnd type="none" w="med" len="med"/>
+                      <a:tailEnd type="none" w="med" len="med"/>
+                    </a:lnT>
+                    <a:lnB w="9525" cap="flat" cmpd="sng" algn="ctr">
+                      <a:solidFill>
+                        <a:srgbClr val="DDDDDD"/>
+                      </a:solidFill>
+                      <a:prstDash val="solid"/>
+                      <a:round/>
+                      <a:headEnd type="none" w="med" len="med"/>
+                      <a:tailEnd type="none" w="med" len="med"/>
+                    </a:lnB>
+                    <a:solidFill>
+                      <a:srgbClr val="FFFFFF"/>
+                    </a:solidFill>
+                  </a:tcPr>
+                </a:tc>
+                <a:tc>
+                  <a:txBody>
+                    <a:bodyPr/>
+                    <a:lstStyle/>
+                    <a:p>
+                      <a:r>
+                        <a:rPr lang="ko-KR" altLang="en-US">
+                          <a:effectLst/>
+                        </a:rPr>
+                        <a:t>보통의 데이터를 블럭킹 없이 읽을 수 있다</a:t>
+                      </a:r>
+                      <a:r>
+                        <a:rPr lang="en-US" altLang="ko-KR">
+                          <a:effectLst/>
+                        </a:rPr>
+                        <a:t>.</a:t>
+                      </a:r>
+                    </a:p>
+                  </a:txBody>
+                  <a:tcPr marL="123825" marR="123825" marT="57150" marB="57150" anchor="ctr">
+                    <a:lnL w="9525" cap="flat" cmpd="sng" algn="ctr">
+                      <a:solidFill>
+                        <a:srgbClr val="DDDDDD"/>
+                      </a:solidFill>
+                      <a:prstDash val="solid"/>
+                      <a:round/>
+                      <a:headEnd type="none" w="med" len="med"/>
+                      <a:tailEnd type="none" w="med" len="med"/>
+                    </a:lnL>
+                    <a:lnR w="9525" cap="flat" cmpd="sng" algn="ctr">
+                      <a:solidFill>
+                        <a:srgbClr val="DDDDDD"/>
+                      </a:solidFill>
+                      <a:prstDash val="solid"/>
+                      <a:round/>
+                      <a:headEnd type="none" w="med" len="med"/>
+                      <a:tailEnd type="none" w="med" len="med"/>
+                    </a:lnR>
+                    <a:lnT w="9525" cap="flat" cmpd="sng" algn="ctr">
+                      <a:solidFill>
+                        <a:srgbClr val="DDDDDD"/>
+                      </a:solidFill>
+                      <a:prstDash val="solid"/>
+                      <a:round/>
+                      <a:headEnd type="none" w="med" len="med"/>
+                      <a:tailEnd type="none" w="med" len="med"/>
+                    </a:lnT>
+                    <a:lnB w="9525" cap="flat" cmpd="sng" algn="ctr">
+                      <a:solidFill>
+                        <a:srgbClr val="DDDDDD"/>
+                      </a:solidFill>
+                      <a:prstDash val="solid"/>
+                      <a:round/>
+                      <a:headEnd type="none" w="med" len="med"/>
+                      <a:tailEnd type="none" w="med" len="med"/>
+                    </a:lnB>
+                    <a:solidFill>
+                      <a:srgbClr val="FFFFFF"/>
+                    </a:solidFill>
+                  </a:tcPr>
+                </a:tc>
+                <a:extLst>
+                  <a:ext uri="{0D108BD9-81ED-4DB2-BD59-A6C34878D82A}">
+                    <a16:rowId xmlns:a16="http://schemas.microsoft.com/office/drawing/2014/main" val="2362660542"/>
+                  </a:ext>
+                </a:extLst>
+              </a:tr>
+              <a:tr h="0">
+                <a:tc>
+                  <a:txBody>
+                    <a:bodyPr/>
+                    <a:lstStyle/>
+                    <a:p>
+                      <a:r>
+                        <a:rPr lang="en-US">
+                          <a:effectLst/>
+                        </a:rPr>
+                        <a:t>POLLWRNORM</a:t>
+                      </a:r>
+                    </a:p>
+                  </a:txBody>
+                  <a:tcPr marL="123825" marR="123825" marT="57150" marB="57150" anchor="ctr">
+                    <a:lnL w="9525" cap="flat" cmpd="sng" algn="ctr">
+                      <a:solidFill>
+                        <a:srgbClr val="DDDDDD"/>
+                      </a:solidFill>
+                      <a:prstDash val="solid"/>
+                      <a:round/>
+                      <a:headEnd type="none" w="med" len="med"/>
+                      <a:tailEnd type="none" w="med" len="med"/>
+                    </a:lnL>
+                    <a:lnR w="9525" cap="flat" cmpd="sng" algn="ctr">
+                      <a:solidFill>
+                        <a:srgbClr val="DDDDDD"/>
+                      </a:solidFill>
+                      <a:prstDash val="solid"/>
+                      <a:round/>
+                      <a:headEnd type="none" w="med" len="med"/>
+                      <a:tailEnd type="none" w="med" len="med"/>
+                    </a:lnR>
+                    <a:lnT w="9525" cap="flat" cmpd="sng" algn="ctr">
+                      <a:solidFill>
+                        <a:srgbClr val="DDDDDD"/>
+                      </a:solidFill>
+                      <a:prstDash val="solid"/>
+                      <a:round/>
+                      <a:headEnd type="none" w="med" len="med"/>
+                      <a:tailEnd type="none" w="med" len="med"/>
+                    </a:lnT>
+                    <a:lnB w="9525" cap="flat" cmpd="sng" algn="ctr">
+                      <a:solidFill>
+                        <a:srgbClr val="DDDDDD"/>
+                      </a:solidFill>
+                      <a:prstDash val="solid"/>
+                      <a:round/>
+                      <a:headEnd type="none" w="med" len="med"/>
+                      <a:tailEnd type="none" w="med" len="med"/>
+                    </a:lnB>
+                    <a:solidFill>
+                      <a:srgbClr val="F8F8F8"/>
+                    </a:solidFill>
+                  </a:tcPr>
+                </a:tc>
+                <a:tc>
+                  <a:txBody>
+                    <a:bodyPr/>
+                    <a:lstStyle/>
+                    <a:p>
+                      <a:r>
+                        <a:rPr lang="ko-KR" altLang="en-US" dirty="0">
+                          <a:effectLst/>
+                        </a:rPr>
+                        <a:t>보통의 데이터를 </a:t>
+                      </a:r>
+                      <a:r>
+                        <a:rPr lang="ko-KR" altLang="en-US" dirty="0" err="1">
+                          <a:effectLst/>
+                        </a:rPr>
+                        <a:t>블럭킹</a:t>
+                      </a:r>
+                      <a:r>
+                        <a:rPr lang="ko-KR" altLang="en-US" dirty="0">
+                          <a:effectLst/>
+                        </a:rPr>
+                        <a:t> 없이 쓸 수 있다</a:t>
+                      </a:r>
+                      <a:r>
+                        <a:rPr lang="en-US" altLang="ko-KR" dirty="0">
+                          <a:effectLst/>
+                        </a:rPr>
+                        <a:t>.</a:t>
+                      </a:r>
+                    </a:p>
+                  </a:txBody>
+                  <a:tcPr marL="123825" marR="123825" marT="57150" marB="57150" anchor="ctr">
+                    <a:lnL w="9525" cap="flat" cmpd="sng" algn="ctr">
+                      <a:solidFill>
+                        <a:srgbClr val="DDDDDD"/>
+                      </a:solidFill>
+                      <a:prstDash val="solid"/>
+                      <a:round/>
+                      <a:headEnd type="none" w="med" len="med"/>
+                      <a:tailEnd type="none" w="med" len="med"/>
+                    </a:lnL>
+                    <a:lnR w="9525" cap="flat" cmpd="sng" algn="ctr">
+                      <a:solidFill>
+                        <a:srgbClr val="DDDDDD"/>
+                      </a:solidFill>
+                      <a:prstDash val="solid"/>
+                      <a:round/>
+                      <a:headEnd type="none" w="med" len="med"/>
+                      <a:tailEnd type="none" w="med" len="med"/>
+                    </a:lnR>
+                    <a:lnT w="9525" cap="flat" cmpd="sng" algn="ctr">
+                      <a:solidFill>
+                        <a:srgbClr val="DDDDDD"/>
+                      </a:solidFill>
+                      <a:prstDash val="solid"/>
+                      <a:round/>
+                      <a:headEnd type="none" w="med" len="med"/>
+                      <a:tailEnd type="none" w="med" len="med"/>
+                    </a:lnT>
+                    <a:lnB w="9525" cap="flat" cmpd="sng" algn="ctr">
+                      <a:solidFill>
+                        <a:srgbClr val="DDDDDD"/>
+                      </a:solidFill>
+                      <a:prstDash val="solid"/>
+                      <a:round/>
+                      <a:headEnd type="none" w="med" len="med"/>
+                      <a:tailEnd type="none" w="med" len="med"/>
+                    </a:lnB>
+                    <a:solidFill>
+                      <a:srgbClr val="F8F8F8"/>
+                    </a:solidFill>
+                  </a:tcPr>
+                </a:tc>
+                <a:extLst>
+                  <a:ext uri="{0D108BD9-81ED-4DB2-BD59-A6C34878D82A}">
+                    <a16:rowId xmlns:a16="http://schemas.microsoft.com/office/drawing/2014/main" val="106762988"/>
+                  </a:ext>
+                </a:extLst>
+              </a:tr>
+            </a:tbl>
+          </a:graphicData>
+        </a:graphic>
+      </p:graphicFrame>
+      <p:sp>
+        <p:nvSpPr>
+          <p:cNvPr id="6" name="직사각형 5"/>
+          <p:cNvSpPr/>
+          <p:nvPr/>
+        </p:nvSpPr>
+        <p:spPr>
+          <a:xfrm>
+            <a:off x="1377537" y="5789796"/>
+            <a:ext cx="9393382" cy="923330"/>
+          </a:xfrm>
+          <a:prstGeom prst="rect">
+            <a:avLst/>
+          </a:prstGeom>
+        </p:spPr>
+        <p:txBody>
+          <a:bodyPr wrap="square">
+            <a:spAutoFit/>
+          </a:bodyPr>
+          <a:lstStyle/>
+          <a:p>
+            <a:r>
+              <a:rPr lang="en-US" altLang="ko-KR" dirty="0">
+                <a:solidFill>
+                  <a:srgbClr val="333333"/>
+                </a:solidFill>
+                <a:latin typeface="-apple-system"/>
+              </a:rPr>
+              <a:t>POLLIN </a:t>
+            </a:r>
+            <a:r>
+              <a:rPr lang="ko-KR" altLang="en-US" dirty="0">
+                <a:solidFill>
+                  <a:srgbClr val="333333"/>
+                </a:solidFill>
+                <a:latin typeface="-apple-system"/>
+              </a:rPr>
+              <a:t>플러그는 </a:t>
+            </a:r>
+            <a:r>
+              <a:rPr lang="en-US" altLang="ko-KR" dirty="0">
+                <a:solidFill>
+                  <a:srgbClr val="333333"/>
+                </a:solidFill>
+                <a:latin typeface="-apple-system"/>
+              </a:rPr>
+              <a:t>POLLRDNORM</a:t>
+            </a:r>
+            <a:r>
+              <a:rPr lang="ko-KR" altLang="en-US" dirty="0">
+                <a:solidFill>
+                  <a:srgbClr val="333333"/>
+                </a:solidFill>
+                <a:latin typeface="-apple-system"/>
+              </a:rPr>
+              <a:t>과 </a:t>
+            </a:r>
+            <a:r>
+              <a:rPr lang="en-US" altLang="ko-KR" dirty="0">
+                <a:solidFill>
+                  <a:srgbClr val="333333"/>
+                </a:solidFill>
+                <a:latin typeface="-apple-system"/>
+              </a:rPr>
+              <a:t>POLLRDBAND </a:t>
+            </a:r>
+            <a:r>
+              <a:rPr lang="ko-KR" altLang="en-US" dirty="0">
+                <a:solidFill>
+                  <a:srgbClr val="333333"/>
+                </a:solidFill>
+                <a:latin typeface="-apple-system"/>
+              </a:rPr>
+              <a:t>플러그의 값을 합친 것이다</a:t>
+            </a:r>
+            <a:r>
+              <a:rPr lang="en-US" altLang="ko-KR" dirty="0">
+                <a:solidFill>
+                  <a:srgbClr val="333333"/>
+                </a:solidFill>
+                <a:latin typeface="-apple-system"/>
+              </a:rPr>
+              <a:t>. </a:t>
+            </a:r>
+            <a:br>
+              <a:rPr lang="ko-KR" altLang="en-US" dirty="0"/>
+            </a:br>
+            <a:br>
+              <a:rPr lang="ko-KR" altLang="en-US" dirty="0"/>
+            </a:br>
+            <a:r>
+              <a:rPr lang="en-US" altLang="ko-KR" dirty="0">
+                <a:solidFill>
+                  <a:srgbClr val="333333"/>
+                </a:solidFill>
+                <a:latin typeface="-apple-system"/>
+              </a:rPr>
+              <a:t>POLLOUT </a:t>
+            </a:r>
+            <a:r>
+              <a:rPr lang="ko-KR" altLang="en-US" dirty="0">
+                <a:solidFill>
+                  <a:srgbClr val="333333"/>
+                </a:solidFill>
+                <a:latin typeface="-apple-system"/>
+              </a:rPr>
+              <a:t>플러그는 </a:t>
+            </a:r>
+            <a:r>
+              <a:rPr lang="en-US" altLang="ko-KR" dirty="0">
+                <a:solidFill>
+                  <a:srgbClr val="333333"/>
+                </a:solidFill>
+                <a:latin typeface="-apple-system"/>
+              </a:rPr>
+              <a:t>POLLWRNORM </a:t>
+            </a:r>
+            <a:r>
+              <a:rPr lang="ko-KR" altLang="en-US" dirty="0">
+                <a:solidFill>
+                  <a:srgbClr val="333333"/>
+                </a:solidFill>
+                <a:latin typeface="-apple-system"/>
+              </a:rPr>
+              <a:t>플러그 값과 같은 정의이다</a:t>
+            </a:r>
+            <a:r>
+              <a:rPr lang="en-US" altLang="ko-KR" dirty="0">
+                <a:solidFill>
+                  <a:srgbClr val="333333"/>
+                </a:solidFill>
+                <a:latin typeface="-apple-system"/>
+              </a:rPr>
+              <a:t>.</a:t>
+            </a:r>
+            <a:endParaRPr lang="ko-KR" altLang="en-US" dirty="0"/>
+          </a:p>
+        </p:txBody>
+      </p:sp>
     </p:spTree>
     <p:extLst>
       <p:ext uri="{BB962C8B-B14F-4D97-AF65-F5344CB8AC3E}">
-        <p14:creationId xmlns:p14="http://schemas.microsoft.com/office/powerpoint/2010/main" val="2620082438"/>
+        <p14:creationId xmlns:p14="http://schemas.microsoft.com/office/powerpoint/2010/main" val="240838179"/>
       </p:ext>
     </p:extLst>
   </p:cSld>
@@ -5164,31 +6605,119 @@
       </p:grpSpPr>
       <p:sp>
         <p:nvSpPr>
-          <p:cNvPr id="2" name="TextBox 1"/>
-          <p:cNvSpPr txBox="1"/>
+          <p:cNvPr id="2" name="직사각형 1"/>
+          <p:cNvSpPr/>
           <p:nvPr/>
         </p:nvSpPr>
         <p:spPr>
           <a:xfrm>
-            <a:off x="551329" y="322729"/>
-            <a:ext cx="4074459" cy="646331"/>
+            <a:off x="1377537" y="990025"/>
+            <a:ext cx="3540710" cy="1938992"/>
           </a:xfrm>
           <a:prstGeom prst="rect">
             <a:avLst/>
           </a:prstGeom>
-          <a:noFill/>
+          <a:ln>
+            <a:solidFill>
+              <a:schemeClr val="tx1"/>
+            </a:solidFill>
+          </a:ln>
         </p:spPr>
         <p:txBody>
-          <a:bodyPr wrap="square" rtlCol="0">
+          <a:bodyPr wrap="square">
             <a:spAutoFit/>
           </a:bodyPr>
           <a:lstStyle/>
           <a:p>
             <a:r>
-              <a:rPr lang="ko-KR" altLang="en-US" sz="3600" b="1" dirty="0" err="1"/>
-              <a:t>ㅌㅌㅌㅌㅌ</a:t>
-            </a:r>
-            <a:endParaRPr lang="ko-KR" altLang="en-US" sz="3600" b="1" dirty="0"/>
+              <a:rPr lang="ko-KR" altLang="en-US" sz="2400" dirty="0" err="1"/>
+              <a:t>typedef</a:t>
+            </a:r>
+            <a:r>
+              <a:rPr lang="ko-KR" altLang="en-US" sz="2400" dirty="0"/>
+              <a:t> </a:t>
+            </a:r>
+            <a:r>
+              <a:rPr lang="ko-KR" altLang="en-US" sz="2400" dirty="0" err="1"/>
+              <a:t>struct</a:t>
+            </a:r>
+            <a:r>
+              <a:rPr lang="ko-KR" altLang="en-US" sz="2400" dirty="0"/>
+              <a:t> </a:t>
+            </a:r>
+            <a:r>
+              <a:rPr lang="ko-KR" altLang="en-US" sz="2400" dirty="0" err="1"/>
+              <a:t>pollfd</a:t>
+            </a:r>
+            <a:r>
+              <a:rPr lang="ko-KR" altLang="en-US" sz="2400" dirty="0"/>
+              <a:t> {</a:t>
+            </a:r>
+          </a:p>
+          <a:p>
+            <a:r>
+              <a:rPr lang="ko-KR" altLang="en-US" sz="2400" dirty="0"/>
+              <a:t>  SOCKET </a:t>
+            </a:r>
+            <a:r>
+              <a:rPr lang="ko-KR" altLang="en-US" sz="2400" dirty="0" err="1"/>
+              <a:t>fd</a:t>
+            </a:r>
+            <a:r>
+              <a:rPr lang="ko-KR" altLang="en-US" sz="2400" dirty="0"/>
+              <a:t>;</a:t>
+            </a:r>
+          </a:p>
+          <a:p>
+            <a:r>
+              <a:rPr lang="ko-KR" altLang="en-US" sz="2400" dirty="0"/>
+              <a:t>  </a:t>
+            </a:r>
+            <a:r>
+              <a:rPr lang="ko-KR" altLang="en-US" sz="2400" dirty="0" err="1"/>
+              <a:t>short</a:t>
+            </a:r>
+            <a:r>
+              <a:rPr lang="ko-KR" altLang="en-US" sz="2400" dirty="0"/>
+              <a:t>  </a:t>
+            </a:r>
+            <a:r>
+              <a:rPr lang="ko-KR" altLang="en-US" sz="2400" dirty="0" err="1"/>
+              <a:t>events</a:t>
+            </a:r>
+            <a:r>
+              <a:rPr lang="ko-KR" altLang="en-US" sz="2400" dirty="0"/>
+              <a:t>;</a:t>
+            </a:r>
+          </a:p>
+          <a:p>
+            <a:r>
+              <a:rPr lang="ko-KR" altLang="en-US" sz="2400" dirty="0"/>
+              <a:t>  </a:t>
+            </a:r>
+            <a:r>
+              <a:rPr lang="ko-KR" altLang="en-US" sz="2400" dirty="0" err="1"/>
+              <a:t>short</a:t>
+            </a:r>
+            <a:r>
+              <a:rPr lang="ko-KR" altLang="en-US" sz="2400" dirty="0"/>
+              <a:t>  </a:t>
+            </a:r>
+            <a:r>
+              <a:rPr lang="ko-KR" altLang="en-US" sz="2400" dirty="0" err="1"/>
+              <a:t>revents</a:t>
+            </a:r>
+            <a:r>
+              <a:rPr lang="ko-KR" altLang="en-US" sz="2400" dirty="0"/>
+              <a:t>;</a:t>
+            </a:r>
+          </a:p>
+          <a:p>
+            <a:r>
+              <a:rPr lang="ko-KR" altLang="en-US" sz="2400" dirty="0"/>
+              <a:t>} WSAPOLLFD</a:t>
+            </a:r>
+            <a:endParaRPr lang="ko-KR" altLang="en-US" sz="2400" dirty="0"/>
           </a:p>
         </p:txBody>
       </p:sp>
@@ -5200,31 +6729,1191 @@
         </p:nvSpPr>
         <p:spPr>
           <a:xfrm>
-            <a:off x="654424" y="1141309"/>
-            <a:ext cx="10425952" cy="461665"/>
+            <a:off x="5066805" y="1728688"/>
+            <a:ext cx="6096000" cy="1200329"/>
           </a:xfrm>
           <a:prstGeom prst="rect">
             <a:avLst/>
           </a:prstGeom>
         </p:spPr>
         <p:txBody>
-          <a:bodyPr wrap="square">
+          <a:bodyPr>
             <a:spAutoFit/>
           </a:bodyPr>
           <a:lstStyle/>
           <a:p>
             <a:r>
-              <a:rPr lang="ko-KR" altLang="en-US" sz="2400" dirty="0" err="1"/>
-              <a:t>ㅊㅌㅊㅌㅊ</a:t>
+              <a:rPr lang="en-US" altLang="ko-KR" sz="2400" dirty="0" err="1">
+                <a:solidFill>
+                  <a:srgbClr val="333333"/>
+                </a:solidFill>
+                <a:latin typeface="-apple-system"/>
+              </a:rPr>
+              <a:t>revents</a:t>
+            </a:r>
+            <a:r>
+              <a:rPr lang="ko-KR" altLang="en-US" sz="2400" dirty="0">
+                <a:solidFill>
+                  <a:srgbClr val="333333"/>
+                </a:solidFill>
+                <a:latin typeface="-apple-system"/>
+              </a:rPr>
+              <a:t>는 </a:t>
+            </a:r>
+            <a:r>
+              <a:rPr lang="en-US" altLang="ko-KR" sz="2400" dirty="0" err="1">
+                <a:solidFill>
+                  <a:srgbClr val="333333"/>
+                </a:solidFill>
+                <a:latin typeface="-apple-system"/>
+              </a:rPr>
+              <a:t>WSAPoll</a:t>
+            </a:r>
+            <a:r>
+              <a:rPr lang="en-US" altLang="ko-KR" sz="2400" dirty="0">
+                <a:solidFill>
+                  <a:srgbClr val="333333"/>
+                </a:solidFill>
+                <a:latin typeface="-apple-system"/>
+              </a:rPr>
+              <a:t> </a:t>
+            </a:r>
+            <a:r>
+              <a:rPr lang="ko-KR" altLang="en-US" sz="2400" dirty="0">
+                <a:solidFill>
+                  <a:srgbClr val="333333"/>
+                </a:solidFill>
+                <a:latin typeface="-apple-system"/>
+              </a:rPr>
+              <a:t>함수 호출 후 반환 되었을 때 상태 쿼리 결과를 나타내는 플러그 셋이다</a:t>
+            </a:r>
+            <a:r>
+              <a:rPr lang="en-US" altLang="ko-KR" sz="2400" dirty="0">
+                <a:solidFill>
+                  <a:srgbClr val="333333"/>
+                </a:solidFill>
+                <a:latin typeface="-apple-system"/>
+              </a:rPr>
+              <a:t>. </a:t>
+            </a:r>
+            <a:r>
+              <a:rPr lang="ko-KR" altLang="en-US" sz="2400" dirty="0">
+                <a:solidFill>
+                  <a:srgbClr val="333333"/>
+                </a:solidFill>
+                <a:latin typeface="-apple-system"/>
+              </a:rPr>
+              <a:t>이것은 아래의 플러그를 조합할 수 있다</a:t>
+            </a:r>
+            <a:r>
+              <a:rPr lang="en-US" altLang="ko-KR" sz="2400" dirty="0">
+                <a:solidFill>
+                  <a:srgbClr val="333333"/>
+                </a:solidFill>
+                <a:latin typeface="-apple-system"/>
+              </a:rPr>
+              <a:t>.</a:t>
             </a:r>
             <a:endParaRPr lang="ko-KR" altLang="en-US" sz="2400" dirty="0"/>
           </a:p>
         </p:txBody>
       </p:sp>
+      <p:graphicFrame>
+        <p:nvGraphicFramePr>
+          <p:cNvPr id="4" name="표 3"/>
+          <p:cNvGraphicFramePr>
+            <a:graphicFrameLocks noGrp="1"/>
+          </p:cNvGraphicFramePr>
+          <p:nvPr>
+            <p:extLst>
+              <p:ext uri="{D42A27DB-BD31-4B8C-83A1-F6EECF244321}">
+                <p14:modId xmlns:p14="http://schemas.microsoft.com/office/powerpoint/2010/main" val="1309483706"/>
+              </p:ext>
+            </p:extLst>
+          </p:nvPr>
+        </p:nvGraphicFramePr>
+        <p:xfrm>
+          <a:off x="1283184" y="3238790"/>
+          <a:ext cx="9879621" cy="3520725"/>
+        </p:xfrm>
+        <a:graphic>
+          <a:graphicData uri="http://schemas.openxmlformats.org/drawingml/2006/table">
+            <a:tbl>
+              <a:tblPr/>
+              <a:tblGrid>
+                <a:gridCol w="1851902">
+                  <a:extLst>
+                    <a:ext uri="{9D8B030D-6E8A-4147-A177-3AD203B41FA5}">
+                      <a16:colId xmlns:a16="http://schemas.microsoft.com/office/drawing/2014/main" val="2017781995"/>
+                    </a:ext>
+                  </a:extLst>
+                </a:gridCol>
+                <a:gridCol w="8027719">
+                  <a:extLst>
+                    <a:ext uri="{9D8B030D-6E8A-4147-A177-3AD203B41FA5}">
+                      <a16:colId xmlns:a16="http://schemas.microsoft.com/office/drawing/2014/main" val="1386874677"/>
+                    </a:ext>
+                  </a:extLst>
+                </a:gridCol>
+              </a:tblGrid>
+              <a:tr h="319904">
+                <a:tc>
+                  <a:txBody>
+                    <a:bodyPr/>
+                    <a:lstStyle/>
+                    <a:p>
+                      <a:r>
+                        <a:rPr lang="en-US" sz="1600" b="1">
+                          <a:effectLst/>
+                        </a:rPr>
+                        <a:t>Flag</a:t>
+                      </a:r>
+                    </a:p>
+                  </a:txBody>
+                  <a:tcPr marL="96597" marR="96597" marT="44583" marB="44583" anchor="ctr">
+                    <a:lnL w="9525" cap="flat" cmpd="sng" algn="ctr">
+                      <a:solidFill>
+                        <a:srgbClr val="DDDDDD"/>
+                      </a:solidFill>
+                      <a:prstDash val="solid"/>
+                      <a:round/>
+                      <a:headEnd type="none" w="med" len="med"/>
+                      <a:tailEnd type="none" w="med" len="med"/>
+                    </a:lnL>
+                    <a:lnR w="9525" cap="flat" cmpd="sng" algn="ctr">
+                      <a:solidFill>
+                        <a:srgbClr val="DDDDDD"/>
+                      </a:solidFill>
+                      <a:prstDash val="solid"/>
+                      <a:round/>
+                      <a:headEnd type="none" w="med" len="med"/>
+                      <a:tailEnd type="none" w="med" len="med"/>
+                    </a:lnR>
+                    <a:lnT w="9525" cap="flat" cmpd="sng" algn="ctr">
+                      <a:solidFill>
+                        <a:srgbClr val="DDDDDD"/>
+                      </a:solidFill>
+                      <a:prstDash val="solid"/>
+                      <a:round/>
+                      <a:headEnd type="none" w="med" len="med"/>
+                      <a:tailEnd type="none" w="med" len="med"/>
+                    </a:lnT>
+                    <a:lnB w="9525" cap="flat" cmpd="sng" algn="ctr">
+                      <a:solidFill>
+                        <a:srgbClr val="DDDDDD"/>
+                      </a:solidFill>
+                      <a:prstDash val="solid"/>
+                      <a:round/>
+                      <a:headEnd type="none" w="med" len="med"/>
+                      <a:tailEnd type="none" w="med" len="med"/>
+                    </a:lnB>
+                    <a:solidFill>
+                      <a:srgbClr val="FFFFFF"/>
+                    </a:solidFill>
+                  </a:tcPr>
+                </a:tc>
+                <a:tc>
+                  <a:txBody>
+                    <a:bodyPr/>
+                    <a:lstStyle/>
+                    <a:p>
+                      <a:r>
+                        <a:rPr lang="en-US" sz="1600" b="1">
+                          <a:effectLst/>
+                        </a:rPr>
+                        <a:t>Description</a:t>
+                      </a:r>
+                    </a:p>
+                  </a:txBody>
+                  <a:tcPr marL="96597" marR="96597" marT="44583" marB="44583" anchor="ctr">
+                    <a:lnL w="9525" cap="flat" cmpd="sng" algn="ctr">
+                      <a:solidFill>
+                        <a:srgbClr val="DDDDDD"/>
+                      </a:solidFill>
+                      <a:prstDash val="solid"/>
+                      <a:round/>
+                      <a:headEnd type="none" w="med" len="med"/>
+                      <a:tailEnd type="none" w="med" len="med"/>
+                    </a:lnL>
+                    <a:lnR w="9525" cap="flat" cmpd="sng" algn="ctr">
+                      <a:solidFill>
+                        <a:srgbClr val="DDDDDD"/>
+                      </a:solidFill>
+                      <a:prstDash val="solid"/>
+                      <a:round/>
+                      <a:headEnd type="none" w="med" len="med"/>
+                      <a:tailEnd type="none" w="med" len="med"/>
+                    </a:lnR>
+                    <a:lnT w="9525" cap="flat" cmpd="sng" algn="ctr">
+                      <a:solidFill>
+                        <a:srgbClr val="DDDDDD"/>
+                      </a:solidFill>
+                      <a:prstDash val="solid"/>
+                      <a:round/>
+                      <a:headEnd type="none" w="med" len="med"/>
+                      <a:tailEnd type="none" w="med" len="med"/>
+                    </a:lnT>
+                    <a:lnB w="9525" cap="flat" cmpd="sng" algn="ctr">
+                      <a:solidFill>
+                        <a:srgbClr val="DDDDDD"/>
+                      </a:solidFill>
+                      <a:prstDash val="solid"/>
+                      <a:round/>
+                      <a:headEnd type="none" w="med" len="med"/>
+                      <a:tailEnd type="none" w="med" len="med"/>
+                    </a:lnB>
+                    <a:solidFill>
+                      <a:srgbClr val="FFFFFF"/>
+                    </a:solidFill>
+                  </a:tcPr>
+                </a:tc>
+                <a:extLst>
+                  <a:ext uri="{0D108BD9-81ED-4DB2-BD59-A6C34878D82A}">
+                    <a16:rowId xmlns:a16="http://schemas.microsoft.com/office/drawing/2014/main" val="73401867"/>
+                  </a:ext>
+                </a:extLst>
+              </a:tr>
+              <a:tr h="319904">
+                <a:tc>
+                  <a:txBody>
+                    <a:bodyPr/>
+                    <a:lstStyle/>
+                    <a:p>
+                      <a:r>
+                        <a:rPr lang="en-US" sz="1600">
+                          <a:effectLst/>
+                        </a:rPr>
+                        <a:t>POLLERR</a:t>
+                      </a:r>
+                    </a:p>
+                  </a:txBody>
+                  <a:tcPr marL="96597" marR="96597" marT="44583" marB="44583" anchor="ctr">
+                    <a:lnL w="9525" cap="flat" cmpd="sng" algn="ctr">
+                      <a:solidFill>
+                        <a:srgbClr val="DDDDDD"/>
+                      </a:solidFill>
+                      <a:prstDash val="solid"/>
+                      <a:round/>
+                      <a:headEnd type="none" w="med" len="med"/>
+                      <a:tailEnd type="none" w="med" len="med"/>
+                    </a:lnL>
+                    <a:lnR w="9525" cap="flat" cmpd="sng" algn="ctr">
+                      <a:solidFill>
+                        <a:srgbClr val="DDDDDD"/>
+                      </a:solidFill>
+                      <a:prstDash val="solid"/>
+                      <a:round/>
+                      <a:headEnd type="none" w="med" len="med"/>
+                      <a:tailEnd type="none" w="med" len="med"/>
+                    </a:lnR>
+                    <a:lnT w="9525" cap="flat" cmpd="sng" algn="ctr">
+                      <a:solidFill>
+                        <a:srgbClr val="DDDDDD"/>
+                      </a:solidFill>
+                      <a:prstDash val="solid"/>
+                      <a:round/>
+                      <a:headEnd type="none" w="med" len="med"/>
+                      <a:tailEnd type="none" w="med" len="med"/>
+                    </a:lnT>
+                    <a:lnB w="9525" cap="flat" cmpd="sng" algn="ctr">
+                      <a:solidFill>
+                        <a:srgbClr val="DDDDDD"/>
+                      </a:solidFill>
+                      <a:prstDash val="solid"/>
+                      <a:round/>
+                      <a:headEnd type="none" w="med" len="med"/>
+                      <a:tailEnd type="none" w="med" len="med"/>
+                    </a:lnB>
+                    <a:solidFill>
+                      <a:srgbClr val="FFFFFF"/>
+                    </a:solidFill>
+                  </a:tcPr>
+                </a:tc>
+                <a:tc>
+                  <a:txBody>
+                    <a:bodyPr/>
+                    <a:lstStyle/>
+                    <a:p>
+                      <a:r>
+                        <a:rPr lang="ko-KR" altLang="en-US" sz="1600">
+                          <a:effectLst/>
+                        </a:rPr>
+                        <a:t>에러가 발생하였다</a:t>
+                      </a:r>
+                      <a:r>
+                        <a:rPr lang="en-US" altLang="ko-KR" sz="1600">
+                          <a:effectLst/>
+                        </a:rPr>
+                        <a:t>.</a:t>
+                      </a:r>
+                    </a:p>
+                  </a:txBody>
+                  <a:tcPr marL="96597" marR="96597" marT="44583" marB="44583" anchor="ctr">
+                    <a:lnL w="9525" cap="flat" cmpd="sng" algn="ctr">
+                      <a:solidFill>
+                        <a:srgbClr val="DDDDDD"/>
+                      </a:solidFill>
+                      <a:prstDash val="solid"/>
+                      <a:round/>
+                      <a:headEnd type="none" w="med" len="med"/>
+                      <a:tailEnd type="none" w="med" len="med"/>
+                    </a:lnL>
+                    <a:lnR w="9525" cap="flat" cmpd="sng" algn="ctr">
+                      <a:solidFill>
+                        <a:srgbClr val="DDDDDD"/>
+                      </a:solidFill>
+                      <a:prstDash val="solid"/>
+                      <a:round/>
+                      <a:headEnd type="none" w="med" len="med"/>
+                      <a:tailEnd type="none" w="med" len="med"/>
+                    </a:lnR>
+                    <a:lnT w="9525" cap="flat" cmpd="sng" algn="ctr">
+                      <a:solidFill>
+                        <a:srgbClr val="DDDDDD"/>
+                      </a:solidFill>
+                      <a:prstDash val="solid"/>
+                      <a:round/>
+                      <a:headEnd type="none" w="med" len="med"/>
+                      <a:tailEnd type="none" w="med" len="med"/>
+                    </a:lnT>
+                    <a:lnB w="9525" cap="flat" cmpd="sng" algn="ctr">
+                      <a:solidFill>
+                        <a:srgbClr val="DDDDDD"/>
+                      </a:solidFill>
+                      <a:prstDash val="solid"/>
+                      <a:round/>
+                      <a:headEnd type="none" w="med" len="med"/>
+                      <a:tailEnd type="none" w="med" len="med"/>
+                    </a:lnB>
+                    <a:solidFill>
+                      <a:srgbClr val="FFFFFF"/>
+                    </a:solidFill>
+                  </a:tcPr>
+                </a:tc>
+                <a:extLst>
+                  <a:ext uri="{0D108BD9-81ED-4DB2-BD59-A6C34878D82A}">
+                    <a16:rowId xmlns:a16="http://schemas.microsoft.com/office/drawing/2014/main" val="12266271"/>
+                  </a:ext>
+                </a:extLst>
+              </a:tr>
+              <a:tr h="409610">
+                <a:tc>
+                  <a:txBody>
+                    <a:bodyPr/>
+                    <a:lstStyle/>
+                    <a:p>
+                      <a:r>
+                        <a:rPr lang="en-US" sz="1600" dirty="0">
+                          <a:effectLst/>
+                        </a:rPr>
+                        <a:t>POLLHUP</a:t>
+                      </a:r>
+                    </a:p>
+                  </a:txBody>
+                  <a:tcPr marL="96597" marR="96597" marT="44583" marB="44583" anchor="ctr">
+                    <a:lnL w="9525" cap="flat" cmpd="sng" algn="ctr">
+                      <a:solidFill>
+                        <a:srgbClr val="DDDDDD"/>
+                      </a:solidFill>
+                      <a:prstDash val="solid"/>
+                      <a:round/>
+                      <a:headEnd type="none" w="med" len="med"/>
+                      <a:tailEnd type="none" w="med" len="med"/>
+                    </a:lnL>
+                    <a:lnR w="9525" cap="flat" cmpd="sng" algn="ctr">
+                      <a:solidFill>
+                        <a:srgbClr val="DDDDDD"/>
+                      </a:solidFill>
+                      <a:prstDash val="solid"/>
+                      <a:round/>
+                      <a:headEnd type="none" w="med" len="med"/>
+                      <a:tailEnd type="none" w="med" len="med"/>
+                    </a:lnR>
+                    <a:lnT w="9525" cap="flat" cmpd="sng" algn="ctr">
+                      <a:solidFill>
+                        <a:srgbClr val="DDDDDD"/>
+                      </a:solidFill>
+                      <a:prstDash val="solid"/>
+                      <a:round/>
+                      <a:headEnd type="none" w="med" len="med"/>
+                      <a:tailEnd type="none" w="med" len="med"/>
+                    </a:lnT>
+                    <a:lnB w="9525" cap="flat" cmpd="sng" algn="ctr">
+                      <a:solidFill>
+                        <a:srgbClr val="DDDDDD"/>
+                      </a:solidFill>
+                      <a:prstDash val="solid"/>
+                      <a:round/>
+                      <a:headEnd type="none" w="med" len="med"/>
+                      <a:tailEnd type="none" w="med" len="med"/>
+                    </a:lnB>
+                    <a:solidFill>
+                      <a:srgbClr val="F8F8F8"/>
+                    </a:solidFill>
+                  </a:tcPr>
+                </a:tc>
+                <a:tc>
+                  <a:txBody>
+                    <a:bodyPr/>
+                    <a:lstStyle/>
+                    <a:p>
+                      <a:r>
+                        <a:rPr lang="ko-KR" altLang="en-US" sz="1600">
+                          <a:effectLst/>
+                        </a:rPr>
+                        <a:t>스트림 지향 접속의 경우 접속 종료 및 중지 되었다</a:t>
+                      </a:r>
+                    </a:p>
+                  </a:txBody>
+                  <a:tcPr marL="96597" marR="96597" marT="44583" marB="44583" anchor="ctr">
+                    <a:lnL w="9525" cap="flat" cmpd="sng" algn="ctr">
+                      <a:solidFill>
+                        <a:srgbClr val="DDDDDD"/>
+                      </a:solidFill>
+                      <a:prstDash val="solid"/>
+                      <a:round/>
+                      <a:headEnd type="none" w="med" len="med"/>
+                      <a:tailEnd type="none" w="med" len="med"/>
+                    </a:lnL>
+                    <a:lnR w="9525" cap="flat" cmpd="sng" algn="ctr">
+                      <a:solidFill>
+                        <a:srgbClr val="DDDDDD"/>
+                      </a:solidFill>
+                      <a:prstDash val="solid"/>
+                      <a:round/>
+                      <a:headEnd type="none" w="med" len="med"/>
+                      <a:tailEnd type="none" w="med" len="med"/>
+                    </a:lnR>
+                    <a:lnT w="9525" cap="flat" cmpd="sng" algn="ctr">
+                      <a:solidFill>
+                        <a:srgbClr val="DDDDDD"/>
+                      </a:solidFill>
+                      <a:prstDash val="solid"/>
+                      <a:round/>
+                      <a:headEnd type="none" w="med" len="med"/>
+                      <a:tailEnd type="none" w="med" len="med"/>
+                    </a:lnT>
+                    <a:lnB w="9525" cap="flat" cmpd="sng" algn="ctr">
+                      <a:solidFill>
+                        <a:srgbClr val="DDDDDD"/>
+                      </a:solidFill>
+                      <a:prstDash val="solid"/>
+                      <a:round/>
+                      <a:headEnd type="none" w="med" len="med"/>
+                      <a:tailEnd type="none" w="med" len="med"/>
+                    </a:lnB>
+                    <a:solidFill>
+                      <a:srgbClr val="F8F8F8"/>
+                    </a:solidFill>
+                  </a:tcPr>
+                </a:tc>
+                <a:extLst>
+                  <a:ext uri="{0D108BD9-81ED-4DB2-BD59-A6C34878D82A}">
+                    <a16:rowId xmlns:a16="http://schemas.microsoft.com/office/drawing/2014/main" val="3142008944"/>
+                  </a:ext>
+                </a:extLst>
+              </a:tr>
+              <a:tr h="396570">
+                <a:tc>
+                  <a:txBody>
+                    <a:bodyPr/>
+                    <a:lstStyle/>
+                    <a:p>
+                      <a:r>
+                        <a:rPr lang="en-US" sz="1600">
+                          <a:effectLst/>
+                        </a:rPr>
+                        <a:t>POLLNVAL</a:t>
+                      </a:r>
+                    </a:p>
+                  </a:txBody>
+                  <a:tcPr marL="96597" marR="96597" marT="44583" marB="44583" anchor="ctr">
+                    <a:lnL w="9525" cap="flat" cmpd="sng" algn="ctr">
+                      <a:solidFill>
+                        <a:srgbClr val="DDDDDD"/>
+                      </a:solidFill>
+                      <a:prstDash val="solid"/>
+                      <a:round/>
+                      <a:headEnd type="none" w="med" len="med"/>
+                      <a:tailEnd type="none" w="med" len="med"/>
+                    </a:lnL>
+                    <a:lnR w="9525" cap="flat" cmpd="sng" algn="ctr">
+                      <a:solidFill>
+                        <a:srgbClr val="DDDDDD"/>
+                      </a:solidFill>
+                      <a:prstDash val="solid"/>
+                      <a:round/>
+                      <a:headEnd type="none" w="med" len="med"/>
+                      <a:tailEnd type="none" w="med" len="med"/>
+                    </a:lnR>
+                    <a:lnT w="9525" cap="flat" cmpd="sng" algn="ctr">
+                      <a:solidFill>
+                        <a:srgbClr val="DDDDDD"/>
+                      </a:solidFill>
+                      <a:prstDash val="solid"/>
+                      <a:round/>
+                      <a:headEnd type="none" w="med" len="med"/>
+                      <a:tailEnd type="none" w="med" len="med"/>
+                    </a:lnT>
+                    <a:lnB w="9525" cap="flat" cmpd="sng" algn="ctr">
+                      <a:solidFill>
+                        <a:srgbClr val="DDDDDD"/>
+                      </a:solidFill>
+                      <a:prstDash val="solid"/>
+                      <a:round/>
+                      <a:headEnd type="none" w="med" len="med"/>
+                      <a:tailEnd type="none" w="med" len="med"/>
+                    </a:lnB>
+                    <a:solidFill>
+                      <a:srgbClr val="FFFFFF"/>
+                    </a:solidFill>
+                  </a:tcPr>
+                </a:tc>
+                <a:tc>
+                  <a:txBody>
+                    <a:bodyPr/>
+                    <a:lstStyle/>
+                    <a:p>
+                      <a:r>
+                        <a:rPr lang="ko-KR" altLang="en-US" sz="1600">
+                          <a:effectLst/>
+                        </a:rPr>
+                        <a:t>무효한 소켓이 사용되었다</a:t>
+                      </a:r>
+                      <a:r>
+                        <a:rPr lang="en-US" altLang="ko-KR" sz="1600">
+                          <a:effectLst/>
+                        </a:rPr>
+                        <a:t>.</a:t>
+                      </a:r>
+                    </a:p>
+                  </a:txBody>
+                  <a:tcPr marL="96597" marR="96597" marT="44583" marB="44583" anchor="ctr">
+                    <a:lnL w="9525" cap="flat" cmpd="sng" algn="ctr">
+                      <a:solidFill>
+                        <a:srgbClr val="DDDDDD"/>
+                      </a:solidFill>
+                      <a:prstDash val="solid"/>
+                      <a:round/>
+                      <a:headEnd type="none" w="med" len="med"/>
+                      <a:tailEnd type="none" w="med" len="med"/>
+                    </a:lnL>
+                    <a:lnR w="9525" cap="flat" cmpd="sng" algn="ctr">
+                      <a:solidFill>
+                        <a:srgbClr val="DDDDDD"/>
+                      </a:solidFill>
+                      <a:prstDash val="solid"/>
+                      <a:round/>
+                      <a:headEnd type="none" w="med" len="med"/>
+                      <a:tailEnd type="none" w="med" len="med"/>
+                    </a:lnR>
+                    <a:lnT w="9525" cap="flat" cmpd="sng" algn="ctr">
+                      <a:solidFill>
+                        <a:srgbClr val="DDDDDD"/>
+                      </a:solidFill>
+                      <a:prstDash val="solid"/>
+                      <a:round/>
+                      <a:headEnd type="none" w="med" len="med"/>
+                      <a:tailEnd type="none" w="med" len="med"/>
+                    </a:lnT>
+                    <a:lnB w="9525" cap="flat" cmpd="sng" algn="ctr">
+                      <a:solidFill>
+                        <a:srgbClr val="DDDDDD"/>
+                      </a:solidFill>
+                      <a:prstDash val="solid"/>
+                      <a:round/>
+                      <a:headEnd type="none" w="med" len="med"/>
+                      <a:tailEnd type="none" w="med" len="med"/>
+                    </a:lnB>
+                    <a:solidFill>
+                      <a:srgbClr val="FFFFFF"/>
+                    </a:solidFill>
+                  </a:tcPr>
+                </a:tc>
+                <a:extLst>
+                  <a:ext uri="{0D108BD9-81ED-4DB2-BD59-A6C34878D82A}">
+                    <a16:rowId xmlns:a16="http://schemas.microsoft.com/office/drawing/2014/main" val="3252411954"/>
+                  </a:ext>
+                </a:extLst>
+              </a:tr>
+              <a:tr h="705012">
+                <a:tc>
+                  <a:txBody>
+                    <a:bodyPr/>
+                    <a:lstStyle/>
+                    <a:p>
+                      <a:r>
+                        <a:rPr lang="en-US" sz="1600">
+                          <a:effectLst/>
+                        </a:rPr>
+                        <a:t>POLLPRI</a:t>
+                      </a:r>
+                    </a:p>
+                  </a:txBody>
+                  <a:tcPr marL="96597" marR="96597" marT="44583" marB="44583" anchor="ctr">
+                    <a:lnL w="9525" cap="flat" cmpd="sng" algn="ctr">
+                      <a:solidFill>
+                        <a:srgbClr val="DDDDDD"/>
+                      </a:solidFill>
+                      <a:prstDash val="solid"/>
+                      <a:round/>
+                      <a:headEnd type="none" w="med" len="med"/>
+                      <a:tailEnd type="none" w="med" len="med"/>
+                    </a:lnL>
+                    <a:lnR w="9525" cap="flat" cmpd="sng" algn="ctr">
+                      <a:solidFill>
+                        <a:srgbClr val="DDDDDD"/>
+                      </a:solidFill>
+                      <a:prstDash val="solid"/>
+                      <a:round/>
+                      <a:headEnd type="none" w="med" len="med"/>
+                      <a:tailEnd type="none" w="med" len="med"/>
+                    </a:lnR>
+                    <a:lnT w="9525" cap="flat" cmpd="sng" algn="ctr">
+                      <a:solidFill>
+                        <a:srgbClr val="DDDDDD"/>
+                      </a:solidFill>
+                      <a:prstDash val="solid"/>
+                      <a:round/>
+                      <a:headEnd type="none" w="med" len="med"/>
+                      <a:tailEnd type="none" w="med" len="med"/>
+                    </a:lnT>
+                    <a:lnB w="9525" cap="flat" cmpd="sng" algn="ctr">
+                      <a:solidFill>
+                        <a:srgbClr val="DDDDDD"/>
+                      </a:solidFill>
+                      <a:prstDash val="solid"/>
+                      <a:round/>
+                      <a:headEnd type="none" w="med" len="med"/>
+                      <a:tailEnd type="none" w="med" len="med"/>
+                    </a:lnB>
+                    <a:solidFill>
+                      <a:srgbClr val="F8F8F8"/>
+                    </a:solidFill>
+                  </a:tcPr>
+                </a:tc>
+                <a:tc>
+                  <a:txBody>
+                    <a:bodyPr/>
+                    <a:lstStyle/>
+                    <a:p>
+                      <a:r>
+                        <a:rPr lang="en-US" altLang="ko-KR" sz="1600" dirty="0">
+                          <a:effectLst/>
+                        </a:rPr>
+                        <a:t>Priority data</a:t>
+                      </a:r>
+                      <a:r>
+                        <a:rPr lang="ko-KR" altLang="en-US" sz="1600" dirty="0">
+                          <a:effectLst/>
+                        </a:rPr>
+                        <a:t>를 </a:t>
+                      </a:r>
+                      <a:r>
+                        <a:rPr lang="ko-KR" altLang="en-US" sz="1600" dirty="0" err="1">
+                          <a:effectLst/>
+                        </a:rPr>
+                        <a:t>블럭킹</a:t>
+                      </a:r>
+                      <a:r>
+                        <a:rPr lang="ko-KR" altLang="en-US" sz="1600" dirty="0">
+                          <a:effectLst/>
+                        </a:rPr>
+                        <a:t> 없이 읽을 수 있다</a:t>
+                      </a:r>
+                      <a:r>
+                        <a:rPr lang="en-US" altLang="ko-KR" sz="1600" dirty="0">
+                          <a:effectLst/>
+                        </a:rPr>
+                        <a:t>. </a:t>
+                      </a:r>
+                      <a:r>
+                        <a:rPr lang="ko-KR" altLang="en-US" sz="1600" dirty="0">
+                          <a:effectLst/>
+                        </a:rPr>
+                        <a:t>이 </a:t>
+                      </a:r>
+                      <a:r>
+                        <a:rPr lang="ko-KR" altLang="en-US" sz="1600" dirty="0" err="1">
+                          <a:effectLst/>
+                        </a:rPr>
+                        <a:t>플로그는</a:t>
+                      </a:r>
+                      <a:r>
+                        <a:rPr lang="ko-KR" altLang="en-US" sz="1600" dirty="0">
+                          <a:effectLst/>
+                        </a:rPr>
+                        <a:t> </a:t>
+                      </a:r>
+                      <a:r>
+                        <a:rPr lang="en-US" altLang="ko-KR" sz="1600" dirty="0">
+                          <a:effectLst/>
+                        </a:rPr>
+                        <a:t>MS </a:t>
+                      </a:r>
+                      <a:r>
+                        <a:rPr lang="en-US" altLang="ko-KR" sz="1600" dirty="0" err="1">
+                          <a:effectLst/>
+                        </a:rPr>
+                        <a:t>winsock</a:t>
+                      </a:r>
+                      <a:r>
+                        <a:rPr lang="ko-KR" altLang="en-US" sz="1600" dirty="0">
+                          <a:effectLst/>
+                        </a:rPr>
+                        <a:t>에서는 지원하지 않는다</a:t>
+                      </a:r>
+                      <a:r>
+                        <a:rPr lang="en-US" altLang="ko-KR" sz="1600" dirty="0">
+                          <a:effectLst/>
+                        </a:rPr>
+                        <a:t>.</a:t>
+                      </a:r>
+                    </a:p>
+                  </a:txBody>
+                  <a:tcPr marL="96597" marR="96597" marT="44583" marB="44583" anchor="ctr">
+                    <a:lnL w="9525" cap="flat" cmpd="sng" algn="ctr">
+                      <a:solidFill>
+                        <a:srgbClr val="DDDDDD"/>
+                      </a:solidFill>
+                      <a:prstDash val="solid"/>
+                      <a:round/>
+                      <a:headEnd type="none" w="med" len="med"/>
+                      <a:tailEnd type="none" w="med" len="med"/>
+                    </a:lnL>
+                    <a:lnR w="9525" cap="flat" cmpd="sng" algn="ctr">
+                      <a:solidFill>
+                        <a:srgbClr val="DDDDDD"/>
+                      </a:solidFill>
+                      <a:prstDash val="solid"/>
+                      <a:round/>
+                      <a:headEnd type="none" w="med" len="med"/>
+                      <a:tailEnd type="none" w="med" len="med"/>
+                    </a:lnR>
+                    <a:lnT w="9525" cap="flat" cmpd="sng" algn="ctr">
+                      <a:solidFill>
+                        <a:srgbClr val="DDDDDD"/>
+                      </a:solidFill>
+                      <a:prstDash val="solid"/>
+                      <a:round/>
+                      <a:headEnd type="none" w="med" len="med"/>
+                      <a:tailEnd type="none" w="med" len="med"/>
+                    </a:lnT>
+                    <a:lnB w="9525" cap="flat" cmpd="sng" algn="ctr">
+                      <a:solidFill>
+                        <a:srgbClr val="DDDDDD"/>
+                      </a:solidFill>
+                      <a:prstDash val="solid"/>
+                      <a:round/>
+                      <a:headEnd type="none" w="med" len="med"/>
+                      <a:tailEnd type="none" w="med" len="med"/>
+                    </a:lnB>
+                    <a:solidFill>
+                      <a:srgbClr val="F8F8F8"/>
+                    </a:solidFill>
+                  </a:tcPr>
+                </a:tc>
+                <a:extLst>
+                  <a:ext uri="{0D108BD9-81ED-4DB2-BD59-A6C34878D82A}">
+                    <a16:rowId xmlns:a16="http://schemas.microsoft.com/office/drawing/2014/main" val="1084660774"/>
+                  </a:ext>
+                </a:extLst>
+              </a:tr>
+              <a:tr h="429617">
+                <a:tc>
+                  <a:txBody>
+                    <a:bodyPr/>
+                    <a:lstStyle/>
+                    <a:p>
+                      <a:r>
+                        <a:rPr lang="en-US" sz="1600">
+                          <a:effectLst/>
+                        </a:rPr>
+                        <a:t>POLLRDBAND</a:t>
+                      </a:r>
+                    </a:p>
+                  </a:txBody>
+                  <a:tcPr marL="96597" marR="96597" marT="44583" marB="44583" anchor="ctr">
+                    <a:lnL w="9525" cap="flat" cmpd="sng" algn="ctr">
+                      <a:solidFill>
+                        <a:srgbClr val="DDDDDD"/>
+                      </a:solidFill>
+                      <a:prstDash val="solid"/>
+                      <a:round/>
+                      <a:headEnd type="none" w="med" len="med"/>
+                      <a:tailEnd type="none" w="med" len="med"/>
+                    </a:lnL>
+                    <a:lnR w="9525" cap="flat" cmpd="sng" algn="ctr">
+                      <a:solidFill>
+                        <a:srgbClr val="DDDDDD"/>
+                      </a:solidFill>
+                      <a:prstDash val="solid"/>
+                      <a:round/>
+                      <a:headEnd type="none" w="med" len="med"/>
+                      <a:tailEnd type="none" w="med" len="med"/>
+                    </a:lnR>
+                    <a:lnT w="9525" cap="flat" cmpd="sng" algn="ctr">
+                      <a:solidFill>
+                        <a:srgbClr val="DDDDDD"/>
+                      </a:solidFill>
+                      <a:prstDash val="solid"/>
+                      <a:round/>
+                      <a:headEnd type="none" w="med" len="med"/>
+                      <a:tailEnd type="none" w="med" len="med"/>
+                    </a:lnT>
+                    <a:lnB w="9525" cap="flat" cmpd="sng" algn="ctr">
+                      <a:solidFill>
+                        <a:srgbClr val="DDDDDD"/>
+                      </a:solidFill>
+                      <a:prstDash val="solid"/>
+                      <a:round/>
+                      <a:headEnd type="none" w="med" len="med"/>
+                      <a:tailEnd type="none" w="med" len="med"/>
+                    </a:lnB>
+                    <a:solidFill>
+                      <a:srgbClr val="FFFFFF"/>
+                    </a:solidFill>
+                  </a:tcPr>
+                </a:tc>
+                <a:tc>
+                  <a:txBody>
+                    <a:bodyPr/>
+                    <a:lstStyle/>
+                    <a:p>
+                      <a:r>
+                        <a:rPr lang="en-US" sz="1600" dirty="0">
+                          <a:effectLst/>
+                        </a:rPr>
+                        <a:t>Priority band(out-of-band) data</a:t>
+                      </a:r>
+                      <a:r>
+                        <a:rPr lang="ko-KR" altLang="en-US" sz="1600" dirty="0">
+                          <a:effectLst/>
+                        </a:rPr>
+                        <a:t>를 </a:t>
+                      </a:r>
+                      <a:r>
+                        <a:rPr lang="ko-KR" altLang="en-US" sz="1600" dirty="0" err="1">
+                          <a:effectLst/>
+                        </a:rPr>
+                        <a:t>블럭킹</a:t>
+                      </a:r>
+                      <a:r>
+                        <a:rPr lang="ko-KR" altLang="en-US" sz="1600" dirty="0">
+                          <a:effectLst/>
+                        </a:rPr>
+                        <a:t> 없이 읽을 수 있다</a:t>
+                      </a:r>
+                    </a:p>
+                  </a:txBody>
+                  <a:tcPr marL="96597" marR="96597" marT="44583" marB="44583" anchor="ctr">
+                    <a:lnL w="9525" cap="flat" cmpd="sng" algn="ctr">
+                      <a:solidFill>
+                        <a:srgbClr val="DDDDDD"/>
+                      </a:solidFill>
+                      <a:prstDash val="solid"/>
+                      <a:round/>
+                      <a:headEnd type="none" w="med" len="med"/>
+                      <a:tailEnd type="none" w="med" len="med"/>
+                    </a:lnL>
+                    <a:lnR w="9525" cap="flat" cmpd="sng" algn="ctr">
+                      <a:solidFill>
+                        <a:srgbClr val="DDDDDD"/>
+                      </a:solidFill>
+                      <a:prstDash val="solid"/>
+                      <a:round/>
+                      <a:headEnd type="none" w="med" len="med"/>
+                      <a:tailEnd type="none" w="med" len="med"/>
+                    </a:lnR>
+                    <a:lnT w="9525" cap="flat" cmpd="sng" algn="ctr">
+                      <a:solidFill>
+                        <a:srgbClr val="DDDDDD"/>
+                      </a:solidFill>
+                      <a:prstDash val="solid"/>
+                      <a:round/>
+                      <a:headEnd type="none" w="med" len="med"/>
+                      <a:tailEnd type="none" w="med" len="med"/>
+                    </a:lnT>
+                    <a:lnB w="9525" cap="flat" cmpd="sng" algn="ctr">
+                      <a:solidFill>
+                        <a:srgbClr val="DDDDDD"/>
+                      </a:solidFill>
+                      <a:prstDash val="solid"/>
+                      <a:round/>
+                      <a:headEnd type="none" w="med" len="med"/>
+                      <a:tailEnd type="none" w="med" len="med"/>
+                    </a:lnB>
+                    <a:solidFill>
+                      <a:srgbClr val="FFFFFF"/>
+                    </a:solidFill>
+                  </a:tcPr>
+                </a:tc>
+                <a:extLst>
+                  <a:ext uri="{0D108BD9-81ED-4DB2-BD59-A6C34878D82A}">
+                    <a16:rowId xmlns:a16="http://schemas.microsoft.com/office/drawing/2014/main" val="2548888414"/>
+                  </a:ext>
+                </a:extLst>
+              </a:tr>
+              <a:tr h="434168">
+                <a:tc>
+                  <a:txBody>
+                    <a:bodyPr/>
+                    <a:lstStyle/>
+                    <a:p>
+                      <a:r>
+                        <a:rPr lang="en-US" sz="1600">
+                          <a:effectLst/>
+                        </a:rPr>
+                        <a:t>POLLRDNORM</a:t>
+                      </a:r>
+                    </a:p>
+                  </a:txBody>
+                  <a:tcPr marL="96597" marR="96597" marT="44583" marB="44583" anchor="ctr">
+                    <a:lnL w="9525" cap="flat" cmpd="sng" algn="ctr">
+                      <a:solidFill>
+                        <a:srgbClr val="DDDDDD"/>
+                      </a:solidFill>
+                      <a:prstDash val="solid"/>
+                      <a:round/>
+                      <a:headEnd type="none" w="med" len="med"/>
+                      <a:tailEnd type="none" w="med" len="med"/>
+                    </a:lnL>
+                    <a:lnR w="9525" cap="flat" cmpd="sng" algn="ctr">
+                      <a:solidFill>
+                        <a:srgbClr val="DDDDDD"/>
+                      </a:solidFill>
+                      <a:prstDash val="solid"/>
+                      <a:round/>
+                      <a:headEnd type="none" w="med" len="med"/>
+                      <a:tailEnd type="none" w="med" len="med"/>
+                    </a:lnR>
+                    <a:lnT w="9525" cap="flat" cmpd="sng" algn="ctr">
+                      <a:solidFill>
+                        <a:srgbClr val="DDDDDD"/>
+                      </a:solidFill>
+                      <a:prstDash val="solid"/>
+                      <a:round/>
+                      <a:headEnd type="none" w="med" len="med"/>
+                      <a:tailEnd type="none" w="med" len="med"/>
+                    </a:lnT>
+                    <a:lnB w="9525" cap="flat" cmpd="sng" algn="ctr">
+                      <a:solidFill>
+                        <a:srgbClr val="DDDDDD"/>
+                      </a:solidFill>
+                      <a:prstDash val="solid"/>
+                      <a:round/>
+                      <a:headEnd type="none" w="med" len="med"/>
+                      <a:tailEnd type="none" w="med" len="med"/>
+                    </a:lnB>
+                    <a:solidFill>
+                      <a:srgbClr val="F8F8F8"/>
+                    </a:solidFill>
+                  </a:tcPr>
+                </a:tc>
+                <a:tc>
+                  <a:txBody>
+                    <a:bodyPr/>
+                    <a:lstStyle/>
+                    <a:p>
+                      <a:r>
+                        <a:rPr lang="ko-KR" altLang="en-US" sz="1600">
+                          <a:effectLst/>
+                        </a:rPr>
+                        <a:t>보통의 데이터를 블럭킹 없이 읽을 수 있다</a:t>
+                      </a:r>
+                      <a:r>
+                        <a:rPr lang="en-US" altLang="ko-KR" sz="1600">
+                          <a:effectLst/>
+                        </a:rPr>
+                        <a:t>.</a:t>
+                      </a:r>
+                    </a:p>
+                  </a:txBody>
+                  <a:tcPr marL="96597" marR="96597" marT="44583" marB="44583" anchor="ctr">
+                    <a:lnL w="9525" cap="flat" cmpd="sng" algn="ctr">
+                      <a:solidFill>
+                        <a:srgbClr val="DDDDDD"/>
+                      </a:solidFill>
+                      <a:prstDash val="solid"/>
+                      <a:round/>
+                      <a:headEnd type="none" w="med" len="med"/>
+                      <a:tailEnd type="none" w="med" len="med"/>
+                    </a:lnL>
+                    <a:lnR w="9525" cap="flat" cmpd="sng" algn="ctr">
+                      <a:solidFill>
+                        <a:srgbClr val="DDDDDD"/>
+                      </a:solidFill>
+                      <a:prstDash val="solid"/>
+                      <a:round/>
+                      <a:headEnd type="none" w="med" len="med"/>
+                      <a:tailEnd type="none" w="med" len="med"/>
+                    </a:lnR>
+                    <a:lnT w="9525" cap="flat" cmpd="sng" algn="ctr">
+                      <a:solidFill>
+                        <a:srgbClr val="DDDDDD"/>
+                      </a:solidFill>
+                      <a:prstDash val="solid"/>
+                      <a:round/>
+                      <a:headEnd type="none" w="med" len="med"/>
+                      <a:tailEnd type="none" w="med" len="med"/>
+                    </a:lnT>
+                    <a:lnB w="9525" cap="flat" cmpd="sng" algn="ctr">
+                      <a:solidFill>
+                        <a:srgbClr val="DDDDDD"/>
+                      </a:solidFill>
+                      <a:prstDash val="solid"/>
+                      <a:round/>
+                      <a:headEnd type="none" w="med" len="med"/>
+                      <a:tailEnd type="none" w="med" len="med"/>
+                    </a:lnB>
+                    <a:solidFill>
+                      <a:srgbClr val="F8F8F8"/>
+                    </a:solidFill>
+                  </a:tcPr>
+                </a:tc>
+                <a:extLst>
+                  <a:ext uri="{0D108BD9-81ED-4DB2-BD59-A6C34878D82A}">
+                    <a16:rowId xmlns:a16="http://schemas.microsoft.com/office/drawing/2014/main" val="3062806713"/>
+                  </a:ext>
+                </a:extLst>
+              </a:tr>
+              <a:tr h="479736">
+                <a:tc>
+                  <a:txBody>
+                    <a:bodyPr/>
+                    <a:lstStyle/>
+                    <a:p>
+                      <a:r>
+                        <a:rPr lang="en-US" sz="1600">
+                          <a:effectLst/>
+                        </a:rPr>
+                        <a:t>POLLWRNORM</a:t>
+                      </a:r>
+                    </a:p>
+                  </a:txBody>
+                  <a:tcPr marL="96597" marR="96597" marT="44583" marB="44583" anchor="ctr">
+                    <a:lnL w="9525" cap="flat" cmpd="sng" algn="ctr">
+                      <a:solidFill>
+                        <a:srgbClr val="DDDDDD"/>
+                      </a:solidFill>
+                      <a:prstDash val="solid"/>
+                      <a:round/>
+                      <a:headEnd type="none" w="med" len="med"/>
+                      <a:tailEnd type="none" w="med" len="med"/>
+                    </a:lnL>
+                    <a:lnR w="9525" cap="flat" cmpd="sng" algn="ctr">
+                      <a:solidFill>
+                        <a:srgbClr val="DDDDDD"/>
+                      </a:solidFill>
+                      <a:prstDash val="solid"/>
+                      <a:round/>
+                      <a:headEnd type="none" w="med" len="med"/>
+                      <a:tailEnd type="none" w="med" len="med"/>
+                    </a:lnR>
+                    <a:lnT w="9525" cap="flat" cmpd="sng" algn="ctr">
+                      <a:solidFill>
+                        <a:srgbClr val="DDDDDD"/>
+                      </a:solidFill>
+                      <a:prstDash val="solid"/>
+                      <a:round/>
+                      <a:headEnd type="none" w="med" len="med"/>
+                      <a:tailEnd type="none" w="med" len="med"/>
+                    </a:lnT>
+                    <a:lnB w="9525" cap="flat" cmpd="sng" algn="ctr">
+                      <a:solidFill>
+                        <a:srgbClr val="DDDDDD"/>
+                      </a:solidFill>
+                      <a:prstDash val="solid"/>
+                      <a:round/>
+                      <a:headEnd type="none" w="med" len="med"/>
+                      <a:tailEnd type="none" w="med" len="med"/>
+                    </a:lnB>
+                    <a:solidFill>
+                      <a:srgbClr val="FFFFFF"/>
+                    </a:solidFill>
+                  </a:tcPr>
+                </a:tc>
+                <a:tc>
+                  <a:txBody>
+                    <a:bodyPr/>
+                    <a:lstStyle/>
+                    <a:p>
+                      <a:r>
+                        <a:rPr lang="ko-KR" altLang="en-US" sz="1600" dirty="0">
+                          <a:effectLst/>
+                        </a:rPr>
+                        <a:t>보통의 데이터를 </a:t>
+                      </a:r>
+                      <a:r>
+                        <a:rPr lang="ko-KR" altLang="en-US" sz="1600" dirty="0" err="1">
+                          <a:effectLst/>
+                        </a:rPr>
+                        <a:t>블럭킹</a:t>
+                      </a:r>
+                      <a:r>
+                        <a:rPr lang="ko-KR" altLang="en-US" sz="1600" dirty="0">
+                          <a:effectLst/>
+                        </a:rPr>
+                        <a:t> 없이 쓸 수 있다</a:t>
+                      </a:r>
+                    </a:p>
+                  </a:txBody>
+                  <a:tcPr marL="96597" marR="96597" marT="44583" marB="44583" anchor="ctr">
+                    <a:lnL w="9525" cap="flat" cmpd="sng" algn="ctr">
+                      <a:solidFill>
+                        <a:srgbClr val="DDDDDD"/>
+                      </a:solidFill>
+                      <a:prstDash val="solid"/>
+                      <a:round/>
+                      <a:headEnd type="none" w="med" len="med"/>
+                      <a:tailEnd type="none" w="med" len="med"/>
+                    </a:lnL>
+                    <a:lnR w="9525" cap="flat" cmpd="sng" algn="ctr">
+                      <a:solidFill>
+                        <a:srgbClr val="DDDDDD"/>
+                      </a:solidFill>
+                      <a:prstDash val="solid"/>
+                      <a:round/>
+                      <a:headEnd type="none" w="med" len="med"/>
+                      <a:tailEnd type="none" w="med" len="med"/>
+                    </a:lnR>
+                    <a:lnT w="9525" cap="flat" cmpd="sng" algn="ctr">
+                      <a:solidFill>
+                        <a:srgbClr val="DDDDDD"/>
+                      </a:solidFill>
+                      <a:prstDash val="solid"/>
+                      <a:round/>
+                      <a:headEnd type="none" w="med" len="med"/>
+                      <a:tailEnd type="none" w="med" len="med"/>
+                    </a:lnT>
+                    <a:lnB w="9525" cap="flat" cmpd="sng" algn="ctr">
+                      <a:solidFill>
+                        <a:srgbClr val="DDDDDD"/>
+                      </a:solidFill>
+                      <a:prstDash val="solid"/>
+                      <a:round/>
+                      <a:headEnd type="none" w="med" len="med"/>
+                      <a:tailEnd type="none" w="med" len="med"/>
+                    </a:lnB>
+                    <a:solidFill>
+                      <a:srgbClr val="FFFFFF"/>
+                    </a:solidFill>
+                  </a:tcPr>
+                </a:tc>
+                <a:extLst>
+                  <a:ext uri="{0D108BD9-81ED-4DB2-BD59-A6C34878D82A}">
+                    <a16:rowId xmlns:a16="http://schemas.microsoft.com/office/drawing/2014/main" val="1409208063"/>
+                  </a:ext>
+                </a:extLst>
+              </a:tr>
+            </a:tbl>
+          </a:graphicData>
+        </a:graphic>
+      </p:graphicFrame>
     </p:spTree>
     <p:extLst>
       <p:ext uri="{BB962C8B-B14F-4D97-AF65-F5344CB8AC3E}">
-        <p14:creationId xmlns:p14="http://schemas.microsoft.com/office/powerpoint/2010/main" val="750272973"/>
+        <p14:creationId xmlns:p14="http://schemas.microsoft.com/office/powerpoint/2010/main" val="2963898662"/>
       </p:ext>
     </p:extLst>
   </p:cSld>
@@ -5251,69 +7940,10 @@
           <a:chExt cx="0" cy="0"/>
         </a:xfrm>
       </p:grpSpPr>
-      <p:sp>
-        <p:nvSpPr>
-          <p:cNvPr id="2" name="TextBox 1"/>
-          <p:cNvSpPr txBox="1"/>
-          <p:nvPr/>
-        </p:nvSpPr>
-        <p:spPr>
-          <a:xfrm>
-            <a:off x="551329" y="322729"/>
-            <a:ext cx="4074459" cy="646331"/>
-          </a:xfrm>
-          <a:prstGeom prst="rect">
-            <a:avLst/>
-          </a:prstGeom>
-          <a:noFill/>
-        </p:spPr>
-        <p:txBody>
-          <a:bodyPr wrap="square" rtlCol="0">
-            <a:spAutoFit/>
-          </a:bodyPr>
-          <a:lstStyle/>
-          <a:p>
-            <a:r>
-              <a:rPr lang="ko-KR" altLang="en-US" sz="3600" b="1" dirty="0" err="1"/>
-              <a:t>ㅌㅌㅌㅌㅌ</a:t>
-            </a:r>
-            <a:endParaRPr lang="ko-KR" altLang="en-US" sz="3600" b="1" dirty="0"/>
-          </a:p>
-        </p:txBody>
-      </p:sp>
-      <p:sp>
-        <p:nvSpPr>
-          <p:cNvPr id="3" name="직사각형 2"/>
-          <p:cNvSpPr/>
-          <p:nvPr/>
-        </p:nvSpPr>
-        <p:spPr>
-          <a:xfrm>
-            <a:off x="654424" y="1141309"/>
-            <a:ext cx="10425952" cy="461665"/>
-          </a:xfrm>
-          <a:prstGeom prst="rect">
-            <a:avLst/>
-          </a:prstGeom>
-        </p:spPr>
-        <p:txBody>
-          <a:bodyPr wrap="square">
-            <a:spAutoFit/>
-          </a:bodyPr>
-          <a:lstStyle/>
-          <a:p>
-            <a:r>
-              <a:rPr lang="ko-KR" altLang="en-US" sz="2400" dirty="0" err="1"/>
-              <a:t>ㅊㅌㅊㅌㅊ</a:t>
-            </a:r>
-            <a:endParaRPr lang="ko-KR" altLang="en-US" sz="2400" dirty="0"/>
-          </a:p>
-        </p:txBody>
-      </p:sp>
     </p:spTree>
     <p:extLst>
       <p:ext uri="{BB962C8B-B14F-4D97-AF65-F5344CB8AC3E}">
-        <p14:creationId xmlns:p14="http://schemas.microsoft.com/office/powerpoint/2010/main" val="1663635338"/>
+        <p14:creationId xmlns:p14="http://schemas.microsoft.com/office/powerpoint/2010/main" val="1421070529"/>
       </p:ext>
     </p:extLst>
   </p:cSld>
@@ -5363,16 +7993,8 @@
           <a:lstStyle/>
           <a:p>
             <a:r>
-              <a:rPr lang="en-US" altLang="ko-KR" sz="3600" b="1" dirty="0" err="1"/>
-              <a:t>linux</a:t>
-            </a:r>
-            <a:r>
-              <a:rPr lang="ko-KR" altLang="en-US" sz="3600" b="1" dirty="0"/>
-              <a:t>의 </a:t>
-            </a:r>
-            <a:r>
-              <a:rPr lang="en-US" altLang="ko-KR" sz="3600" b="1" dirty="0"/>
-              <a:t>poll</a:t>
+              <a:rPr lang="ko-KR" altLang="en-US" sz="3600" b="1" dirty="0" err="1"/>
+              <a:t>ㅌㅌㅌㅌㅌ</a:t>
             </a:r>
             <a:endParaRPr lang="ko-KR" altLang="en-US" sz="3600" b="1" dirty="0"/>
           </a:p>
@@ -5386,8 +8008,8 @@
         </p:nvSpPr>
         <p:spPr>
           <a:xfrm>
-            <a:off x="551329" y="1153184"/>
-            <a:ext cx="10425952" cy="3416320"/>
+            <a:off x="654424" y="1141309"/>
+            <a:ext cx="10425952" cy="461665"/>
           </a:xfrm>
           <a:prstGeom prst="rect">
             <a:avLst/>
@@ -5400,49 +8022,8 @@
           <a:lstStyle/>
           <a:p>
             <a:r>
-              <a:rPr lang="en-US" altLang="ko-KR" sz="2400" dirty="0"/>
-              <a:t>poll </a:t>
-            </a:r>
-            <a:r>
-              <a:rPr lang="ko-KR" altLang="en-US" sz="2400" dirty="0"/>
-              <a:t>함수 예제</a:t>
-            </a:r>
-          </a:p>
-          <a:p>
-            <a:r>
-              <a:rPr lang="en-US" altLang="ko-KR" sz="2400" dirty="0">
-                <a:hlinkClick r:id="rId2"/>
-              </a:rPr>
-              <a:t>http://sfixer.tistory.com/entry/%EA%B1%B0%EA%BE%B8%EB%A1%9C-%EC%8B%9C%EC%9E%91%ED%95%98%EB%8A%94-%EC%8B%9C%EC%8A%A4%ED%85%9C-%ED%94%84%EB%A1%9C%EA%B7%B8%EB%9E%98%EB%B0%8D-poll-%ED%95%A8%EC%88%98-%EC%98%88%EC%A0%9C</a:t>
-            </a:r>
-            <a:r>
-              <a:rPr lang="en-US" altLang="ko-KR" sz="2400" dirty="0"/>
-              <a:t> </a:t>
-            </a:r>
-          </a:p>
-          <a:p>
-            <a:endParaRPr lang="en-US" altLang="ko-KR" sz="2400" dirty="0"/>
-          </a:p>
-          <a:p>
-            <a:r>
-              <a:rPr lang="en-US" altLang="ko-KR" sz="2400" dirty="0"/>
-              <a:t>Poll</a:t>
-            </a:r>
-            <a:r>
-              <a:rPr lang="ko-KR" altLang="en-US" sz="2400" dirty="0"/>
-              <a:t>을 이용한 다중서버 예제</a:t>
-            </a:r>
-          </a:p>
-          <a:p>
-            <a:r>
-              <a:rPr lang="en-US" altLang="ko-KR" sz="2400" dirty="0">
-                <a:hlinkClick r:id="rId3"/>
-              </a:rPr>
-              <a:t>http://robelias.tistory.com/2</a:t>
-            </a:r>
-            <a:r>
-              <a:rPr lang="en-US" altLang="ko-KR" sz="2400" dirty="0"/>
-              <a:t> </a:t>
+              <a:rPr lang="ko-KR" altLang="en-US" sz="2400" dirty="0" err="1"/>
+              <a:t>ㅊㅌㅊㅌㅊ</a:t>
             </a:r>
             <a:endParaRPr lang="ko-KR" altLang="en-US" sz="2400" dirty="0"/>
           </a:p>
@@ -5451,7 +8032,7 @@
     </p:spTree>
     <p:extLst>
       <p:ext uri="{BB962C8B-B14F-4D97-AF65-F5344CB8AC3E}">
-        <p14:creationId xmlns:p14="http://schemas.microsoft.com/office/powerpoint/2010/main" val="1973882705"/>
+        <p14:creationId xmlns:p14="http://schemas.microsoft.com/office/powerpoint/2010/main" val="750272973"/>
       </p:ext>
     </p:extLst>
   </p:cSld>
@@ -5558,6 +8139,233 @@
         <p:spPr>
           <a:xfrm>
             <a:off x="551329" y="322729"/>
+            <a:ext cx="4074459" cy="646331"/>
+          </a:xfrm>
+          <a:prstGeom prst="rect">
+            <a:avLst/>
+          </a:prstGeom>
+          <a:noFill/>
+        </p:spPr>
+        <p:txBody>
+          <a:bodyPr wrap="square" rtlCol="0">
+            <a:spAutoFit/>
+          </a:bodyPr>
+          <a:lstStyle/>
+          <a:p>
+            <a:r>
+              <a:rPr lang="ko-KR" altLang="en-US" sz="3600" b="1" dirty="0" err="1"/>
+              <a:t>ㅌㅌㅌㅌㅌ</a:t>
+            </a:r>
+            <a:endParaRPr lang="ko-KR" altLang="en-US" sz="3600" b="1" dirty="0"/>
+          </a:p>
+        </p:txBody>
+      </p:sp>
+      <p:sp>
+        <p:nvSpPr>
+          <p:cNvPr id="3" name="직사각형 2"/>
+          <p:cNvSpPr/>
+          <p:nvPr/>
+        </p:nvSpPr>
+        <p:spPr>
+          <a:xfrm>
+            <a:off x="654424" y="1141309"/>
+            <a:ext cx="10425952" cy="461665"/>
+          </a:xfrm>
+          <a:prstGeom prst="rect">
+            <a:avLst/>
+          </a:prstGeom>
+        </p:spPr>
+        <p:txBody>
+          <a:bodyPr wrap="square">
+            <a:spAutoFit/>
+          </a:bodyPr>
+          <a:lstStyle/>
+          <a:p>
+            <a:r>
+              <a:rPr lang="ko-KR" altLang="en-US" sz="2400" dirty="0" err="1"/>
+              <a:t>ㅊㅌㅊㅌㅊ</a:t>
+            </a:r>
+            <a:endParaRPr lang="ko-KR" altLang="en-US" sz="2400" dirty="0"/>
+          </a:p>
+        </p:txBody>
+      </p:sp>
+    </p:spTree>
+    <p:extLst>
+      <p:ext uri="{BB962C8B-B14F-4D97-AF65-F5344CB8AC3E}">
+        <p14:creationId xmlns:p14="http://schemas.microsoft.com/office/powerpoint/2010/main" val="1663635338"/>
+      </p:ext>
+    </p:extLst>
+  </p:cSld>
+  <p:clrMapOvr>
+    <a:masterClrMapping/>
+  </p:clrMapOvr>
+</p:sld>
+</file>
+
+<file path=ppt/slides/slide21.xml><?xml version="1.0" encoding="utf-8"?>
+<p:sld xmlns:a="http://schemas.openxmlformats.org/drawingml/2006/main" xmlns:r="http://schemas.openxmlformats.org/officeDocument/2006/relationships" xmlns:p="http://schemas.openxmlformats.org/presentationml/2006/main">
+  <p:cSld>
+    <p:spTree>
+      <p:nvGrpSpPr>
+        <p:cNvPr id="1" name=""/>
+        <p:cNvGrpSpPr/>
+        <p:nvPr/>
+      </p:nvGrpSpPr>
+      <p:grpSpPr>
+        <a:xfrm>
+          <a:off x="0" y="0"/>
+          <a:ext cx="0" cy="0"/>
+          <a:chOff x="0" y="0"/>
+          <a:chExt cx="0" cy="0"/>
+        </a:xfrm>
+      </p:grpSpPr>
+      <p:sp>
+        <p:nvSpPr>
+          <p:cNvPr id="2" name="TextBox 1"/>
+          <p:cNvSpPr txBox="1"/>
+          <p:nvPr/>
+        </p:nvSpPr>
+        <p:spPr>
+          <a:xfrm>
+            <a:off x="551329" y="322729"/>
+            <a:ext cx="4074459" cy="646331"/>
+          </a:xfrm>
+          <a:prstGeom prst="rect">
+            <a:avLst/>
+          </a:prstGeom>
+          <a:noFill/>
+        </p:spPr>
+        <p:txBody>
+          <a:bodyPr wrap="square" rtlCol="0">
+            <a:spAutoFit/>
+          </a:bodyPr>
+          <a:lstStyle/>
+          <a:p>
+            <a:r>
+              <a:rPr lang="en-US" altLang="ko-KR" sz="3600" b="1" dirty="0" err="1"/>
+              <a:t>linux</a:t>
+            </a:r>
+            <a:r>
+              <a:rPr lang="ko-KR" altLang="en-US" sz="3600" b="1" dirty="0"/>
+              <a:t>의 </a:t>
+            </a:r>
+            <a:r>
+              <a:rPr lang="en-US" altLang="ko-KR" sz="3600" b="1" dirty="0"/>
+              <a:t>poll</a:t>
+            </a:r>
+            <a:endParaRPr lang="ko-KR" altLang="en-US" sz="3600" b="1" dirty="0"/>
+          </a:p>
+        </p:txBody>
+      </p:sp>
+      <p:sp>
+        <p:nvSpPr>
+          <p:cNvPr id="3" name="직사각형 2"/>
+          <p:cNvSpPr/>
+          <p:nvPr/>
+        </p:nvSpPr>
+        <p:spPr>
+          <a:xfrm>
+            <a:off x="551329" y="1153184"/>
+            <a:ext cx="10425952" cy="3416320"/>
+          </a:xfrm>
+          <a:prstGeom prst="rect">
+            <a:avLst/>
+          </a:prstGeom>
+        </p:spPr>
+        <p:txBody>
+          <a:bodyPr wrap="square">
+            <a:spAutoFit/>
+          </a:bodyPr>
+          <a:lstStyle/>
+          <a:p>
+            <a:r>
+              <a:rPr lang="en-US" altLang="ko-KR" sz="2400" dirty="0"/>
+              <a:t>poll </a:t>
+            </a:r>
+            <a:r>
+              <a:rPr lang="ko-KR" altLang="en-US" sz="2400" dirty="0"/>
+              <a:t>함수 예제</a:t>
+            </a:r>
+          </a:p>
+          <a:p>
+            <a:r>
+              <a:rPr lang="en-US" altLang="ko-KR" sz="2400" dirty="0">
+                <a:hlinkClick r:id="rId2"/>
+              </a:rPr>
+              <a:t>http://sfixer.tistory.com/entry/%EA%B1%B0%EA%BE%B8%EB%A1%9C-%EC%8B%9C%EC%9E%91%ED%95%98%EB%8A%94-%EC%8B%9C%EC%8A%A4%ED%85%9C-%ED%94%84%EB%A1%9C%EA%B7%B8%EB%9E%98%EB%B0%8D-poll-%ED%95%A8%EC%88%98-%EC%98%88%EC%A0%9C</a:t>
+            </a:r>
+            <a:r>
+              <a:rPr lang="en-US" altLang="ko-KR" sz="2400" dirty="0"/>
+              <a:t> </a:t>
+            </a:r>
+          </a:p>
+          <a:p>
+            <a:endParaRPr lang="en-US" altLang="ko-KR" sz="2400" dirty="0"/>
+          </a:p>
+          <a:p>
+            <a:r>
+              <a:rPr lang="en-US" altLang="ko-KR" sz="2400" dirty="0"/>
+              <a:t>Poll</a:t>
+            </a:r>
+            <a:r>
+              <a:rPr lang="ko-KR" altLang="en-US" sz="2400" dirty="0"/>
+              <a:t>을 이용한 다중서버 예제</a:t>
+            </a:r>
+          </a:p>
+          <a:p>
+            <a:r>
+              <a:rPr lang="en-US" altLang="ko-KR" sz="2400" dirty="0">
+                <a:hlinkClick r:id="rId3"/>
+              </a:rPr>
+              <a:t>http://robelias.tistory.com/2</a:t>
+            </a:r>
+            <a:r>
+              <a:rPr lang="en-US" altLang="ko-KR" sz="2400" dirty="0"/>
+              <a:t> </a:t>
+            </a:r>
+            <a:endParaRPr lang="ko-KR" altLang="en-US" sz="2400" dirty="0"/>
+          </a:p>
+        </p:txBody>
+      </p:sp>
+    </p:spTree>
+    <p:extLst>
+      <p:ext uri="{BB962C8B-B14F-4D97-AF65-F5344CB8AC3E}">
+        <p14:creationId xmlns:p14="http://schemas.microsoft.com/office/powerpoint/2010/main" val="1973882705"/>
+      </p:ext>
+    </p:extLst>
+  </p:cSld>
+  <p:clrMapOvr>
+    <a:masterClrMapping/>
+  </p:clrMapOvr>
+</p:sld>
+</file>
+
+<file path=ppt/slides/slide22.xml><?xml version="1.0" encoding="utf-8"?>
+<p:sld xmlns:a="http://schemas.openxmlformats.org/drawingml/2006/main" xmlns:r="http://schemas.openxmlformats.org/officeDocument/2006/relationships" xmlns:p="http://schemas.openxmlformats.org/presentationml/2006/main">
+  <p:cSld>
+    <p:spTree>
+      <p:nvGrpSpPr>
+        <p:cNvPr id="1" name=""/>
+        <p:cNvGrpSpPr/>
+        <p:nvPr/>
+      </p:nvGrpSpPr>
+      <p:grpSpPr>
+        <a:xfrm>
+          <a:off x="0" y="0"/>
+          <a:ext cx="0" cy="0"/>
+          <a:chOff x="0" y="0"/>
+          <a:chExt cx="0" cy="0"/>
+        </a:xfrm>
+      </p:grpSpPr>
+      <p:sp>
+        <p:nvSpPr>
+          <p:cNvPr id="2" name="TextBox 1"/>
+          <p:cNvSpPr txBox="1"/>
+          <p:nvPr/>
+        </p:nvSpPr>
+        <p:spPr>
+          <a:xfrm>
+            <a:off x="551329" y="322729"/>
             <a:ext cx="7381388" cy="646331"/>
           </a:xfrm>
           <a:prstGeom prst="rect">
@@ -5686,7 +8494,7 @@
 </p:sld>
 </file>
 
-<file path=ppt/slides/slide21.xml><?xml version="1.0" encoding="utf-8"?>
+<file path=ppt/slides/slide23.xml><?xml version="1.0" encoding="utf-8"?>
 <p:sld xmlns:a="http://schemas.openxmlformats.org/drawingml/2006/main" xmlns:r="http://schemas.openxmlformats.org/officeDocument/2006/relationships" xmlns:p="http://schemas.openxmlformats.org/presentationml/2006/main">
   <p:cSld>
     <p:spTree>
@@ -5828,7 +8636,6 @@
               <a:rPr lang="ko-KR" altLang="en-US" sz="1200" dirty="0"/>
               <a:t> </a:t>
             </a:r>
-            <a:endParaRPr lang="ko-KR" altLang="en-US" sz="1200" dirty="0"/>
           </a:p>
         </p:txBody>
       </p:sp>
@@ -5863,7 +8670,6 @@
               <a:rPr lang="ko-KR" altLang="en-US" sz="1200" dirty="0"/>
               <a:t> </a:t>
             </a:r>
-            <a:endParaRPr lang="ko-KR" altLang="en-US" sz="1200" dirty="0"/>
           </a:p>
         </p:txBody>
       </p:sp>
@@ -5918,7 +8724,7 @@
 </p:sld>
 </file>
 
-<file path=ppt/slides/slide22.xml><?xml version="1.0" encoding="utf-8"?>
+<file path=ppt/slides/slide24.xml><?xml version="1.0" encoding="utf-8"?>
 <p:sld xmlns:a="http://schemas.openxmlformats.org/drawingml/2006/main" xmlns:r="http://schemas.openxmlformats.org/officeDocument/2006/relationships" xmlns:p="http://schemas.openxmlformats.org/presentationml/2006/main">
   <p:cSld>
     <p:spTree>
@@ -5996,7 +8802,7 @@
 </p:sld>
 </file>
 
-<file path=ppt/slides/slide23.xml><?xml version="1.0" encoding="utf-8"?>
+<file path=ppt/slides/slide25.xml><?xml version="1.0" encoding="utf-8"?>
 <p:sld xmlns:a="http://schemas.openxmlformats.org/drawingml/2006/main" xmlns:r="http://schemas.openxmlformats.org/officeDocument/2006/relationships" xmlns:p="http://schemas.openxmlformats.org/presentationml/2006/main">
   <p:cSld>
     <p:spTree>
@@ -6097,7 +8903,6 @@
               <a:rPr lang="ko-KR" altLang="en-US" dirty="0"/>
               <a:t>http://www.dreamy.pe.kr/zbxe/CodeClip/119393</a:t>
             </a:r>
-            <a:endParaRPr lang="ko-KR" altLang="en-US" dirty="0"/>
           </a:p>
         </p:txBody>
       </p:sp>
@@ -6126,7 +8931,6 @@
               <a:rPr lang="ko-KR" altLang="en-US" dirty="0"/>
               <a:t>http://wiki.nex32.net/%EC%9A%A9%EC%96%B4/%EC%9C%A0%EB%8B%89%EC%8A%A4_%EB%8F%84%EB%A9%94%EC%9D%B8_%EC%86%8C%EC%BC%93</a:t>
             </a:r>
-            <a:endParaRPr lang="ko-KR" altLang="en-US" dirty="0"/>
           </a:p>
         </p:txBody>
       </p:sp>
@@ -6143,7 +8947,7 @@
 </p:sld>
 </file>
 
-<file path=ppt/slides/slide24.xml><?xml version="1.0" encoding="utf-8"?>
+<file path=ppt/slides/slide26.xml><?xml version="1.0" encoding="utf-8"?>
 <p:sld xmlns:a="http://schemas.openxmlformats.org/drawingml/2006/main" xmlns:r="http://schemas.openxmlformats.org/officeDocument/2006/relationships" xmlns:p="http://schemas.openxmlformats.org/presentationml/2006/main">
   <p:cSld>
     <p:spTree>
@@ -6571,7 +9375,7 @@
 </p:sld>
 </file>
 
-<file path=ppt/slides/slide25.xml><?xml version="1.0" encoding="utf-8"?>
+<file path=ppt/slides/slide27.xml><?xml version="1.0" encoding="utf-8"?>
 <p:sld xmlns:a="http://schemas.openxmlformats.org/drawingml/2006/main" xmlns:r="http://schemas.openxmlformats.org/officeDocument/2006/relationships" xmlns:p="http://schemas.openxmlformats.org/presentationml/2006/main">
   <p:cSld>
     <p:spTree>
@@ -6774,7 +9578,6 @@
               <a:rPr lang="ko-KR" altLang="en-US" sz="2800" b="1" dirty="0"/>
               <a:t> </a:t>
             </a:r>
-            <a:endParaRPr lang="ko-KR" altLang="en-US" sz="2800" b="1" dirty="0"/>
           </a:p>
         </p:txBody>
       </p:sp>
@@ -6848,7 +9651,6 @@
               <a:rPr lang="ko-KR" altLang="en-US" sz="2800" b="1" dirty="0"/>
               <a:t> </a:t>
             </a:r>
-            <a:endParaRPr lang="ko-KR" altLang="en-US" sz="2800" b="1" dirty="0"/>
           </a:p>
         </p:txBody>
       </p:sp>
@@ -7535,7 +10337,6 @@
               <a:rPr lang="ko-KR" altLang="en-US" sz="1200" dirty="0"/>
               <a:t> </a:t>
             </a:r>
-            <a:endParaRPr lang="ko-KR" altLang="en-US" sz="1200" dirty="0"/>
           </a:p>
         </p:txBody>
       </p:sp>
@@ -7602,7 +10403,6 @@
               <a:rPr lang="ko-KR" altLang="en-US" sz="1000" dirty="0"/>
               <a:t> </a:t>
             </a:r>
-            <a:endParaRPr lang="ko-KR" altLang="en-US" sz="1000" dirty="0"/>
           </a:p>
         </p:txBody>
       </p:sp>
@@ -8116,7 +10916,6 @@
               <a:rPr lang="ko-KR" altLang="en-US" sz="1400" dirty="0"/>
               <a:t> 21, 1998</a:t>
             </a:r>
-            <a:endParaRPr lang="ko-KR" altLang="en-US" sz="1400" dirty="0"/>
           </a:p>
         </p:txBody>
       </p:sp>

--- a/WSAPoll, Fast Loopback.pptx
+++ b/WSAPoll, Fast Loopback.pptx
@@ -5,10 +5,10 @@
     <p:sldMasterId id="2147483648" r:id="rId1"/>
   </p:sldMasterIdLst>
   <p:notesMasterIdLst>
-    <p:notesMasterId r:id="rId29"/>
+    <p:notesMasterId r:id="rId30"/>
   </p:notesMasterIdLst>
   <p:handoutMasterIdLst>
-    <p:handoutMasterId r:id="rId30"/>
+    <p:handoutMasterId r:id="rId31"/>
   </p:handoutMasterIdLst>
   <p:sldIdLst>
     <p:sldId id="261" r:id="rId2"/>
@@ -28,16 +28,17 @@
     <p:sldId id="300" r:id="rId16"/>
     <p:sldId id="299" r:id="rId17"/>
     <p:sldId id="310" r:id="rId18"/>
-    <p:sldId id="311" r:id="rId19"/>
-    <p:sldId id="306" r:id="rId20"/>
-    <p:sldId id="307" r:id="rId21"/>
-    <p:sldId id="292" r:id="rId22"/>
-    <p:sldId id="291" r:id="rId23"/>
-    <p:sldId id="308" r:id="rId24"/>
-    <p:sldId id="289" r:id="rId25"/>
-    <p:sldId id="290" r:id="rId26"/>
-    <p:sldId id="288" r:id="rId27"/>
-    <p:sldId id="309" r:id="rId28"/>
+    <p:sldId id="306" r:id="rId19"/>
+    <p:sldId id="311" r:id="rId20"/>
+    <p:sldId id="312" r:id="rId21"/>
+    <p:sldId id="307" r:id="rId22"/>
+    <p:sldId id="292" r:id="rId23"/>
+    <p:sldId id="291" r:id="rId24"/>
+    <p:sldId id="308" r:id="rId25"/>
+    <p:sldId id="289" r:id="rId26"/>
+    <p:sldId id="290" r:id="rId27"/>
+    <p:sldId id="288" r:id="rId28"/>
+    <p:sldId id="309" r:id="rId29"/>
   </p:sldIdLst>
   <p:sldSz cx="12192000" cy="6858000"/>
   <p:notesSz cx="6858000" cy="9144000"/>
@@ -5330,7 +5331,6 @@
               <a:rPr lang="ko-KR" altLang="en-US" sz="2800" dirty="0"/>
               <a:t>);</a:t>
             </a:r>
-            <a:endParaRPr lang="ko-KR" altLang="en-US" sz="2800" dirty="0"/>
           </a:p>
         </p:txBody>
       </p:sp>
@@ -5425,7 +5425,6 @@
               <a:rPr lang="ko-KR" altLang="en-US" sz="2000" dirty="0"/>
               <a:t> 마이너스 값의 경우는 소켓이 지정된 위상에 변화가 있을 때까지 제어를 반환하지 않는다.</a:t>
             </a:r>
-            <a:endParaRPr lang="ko-KR" altLang="en-US" sz="2000" dirty="0"/>
           </a:p>
         </p:txBody>
       </p:sp>
@@ -5543,7 +5542,6 @@
               <a:rPr lang="ko-KR" altLang="en-US" sz="2800" dirty="0"/>
               <a:t>} WSAPOLLFD</a:t>
             </a:r>
-            <a:endParaRPr lang="ko-KR" altLang="en-US" sz="2800" dirty="0"/>
           </a:p>
         </p:txBody>
       </p:sp>
@@ -5691,7 +5689,6 @@
               <a:rPr lang="ko-KR" altLang="en-US" sz="2400" dirty="0"/>
               <a:t>} WSAPOLLFD</a:t>
             </a:r>
-            <a:endParaRPr lang="ko-KR" altLang="en-US" sz="2400" dirty="0"/>
           </a:p>
         </p:txBody>
       </p:sp>
@@ -5731,7 +5728,6 @@
               <a:rPr lang="ko-KR" altLang="en-US" sz="2400" dirty="0"/>
               <a:t>이것은 꼭 하나 이상 설정이 되어야 한다.</a:t>
             </a:r>
-            <a:endParaRPr lang="ko-KR" altLang="en-US" sz="2400" dirty="0"/>
           </a:p>
         </p:txBody>
       </p:sp>
@@ -6717,7 +6713,6 @@
               <a:rPr lang="ko-KR" altLang="en-US" sz="2400" dirty="0"/>
               <a:t>} WSAPOLLFD</a:t>
             </a:r>
-            <a:endParaRPr lang="ko-KR" altLang="en-US" sz="2400" dirty="0"/>
           </a:p>
         </p:txBody>
       </p:sp>
@@ -7940,10 +7935,169 @@
           <a:chExt cx="0" cy="0"/>
         </a:xfrm>
       </p:grpSpPr>
+      <p:sp>
+        <p:nvSpPr>
+          <p:cNvPr id="2" name="TextBox 1"/>
+          <p:cNvSpPr txBox="1"/>
+          <p:nvPr/>
+        </p:nvSpPr>
+        <p:spPr>
+          <a:xfrm>
+            <a:off x="551329" y="322729"/>
+            <a:ext cx="4074459" cy="646331"/>
+          </a:xfrm>
+          <a:prstGeom prst="rect">
+            <a:avLst/>
+          </a:prstGeom>
+          <a:noFill/>
+        </p:spPr>
+        <p:txBody>
+          <a:bodyPr wrap="square" rtlCol="0">
+            <a:spAutoFit/>
+          </a:bodyPr>
+          <a:lstStyle/>
+          <a:p>
+            <a:r>
+              <a:rPr lang="ko-KR" altLang="en-US" sz="3600" b="1" dirty="0"/>
+              <a:t>예제 코드 분석</a:t>
+            </a:r>
+          </a:p>
+        </p:txBody>
+      </p:sp>
+      <p:pic>
+        <p:nvPicPr>
+          <p:cNvPr id="4" name="그림 3"/>
+          <p:cNvPicPr>
+            <a:picLocks noChangeAspect="1"/>
+          </p:cNvPicPr>
+          <p:nvPr/>
+        </p:nvPicPr>
+        <p:blipFill>
+          <a:blip r:embed="rId2"/>
+          <a:stretch>
+            <a:fillRect/>
+          </a:stretch>
+        </p:blipFill>
+        <p:spPr>
+          <a:xfrm>
+            <a:off x="2403021" y="1111214"/>
+            <a:ext cx="5986241" cy="2795772"/>
+          </a:xfrm>
+          <a:prstGeom prst="rect">
+            <a:avLst/>
+          </a:prstGeom>
+        </p:spPr>
+      </p:pic>
+      <p:sp>
+        <p:nvSpPr>
+          <p:cNvPr id="5" name="직사각형 4"/>
+          <p:cNvSpPr/>
+          <p:nvPr/>
+        </p:nvSpPr>
+        <p:spPr>
+          <a:xfrm>
+            <a:off x="803563" y="4049140"/>
+            <a:ext cx="10549247" cy="2677656"/>
+          </a:xfrm>
+          <a:prstGeom prst="rect">
+            <a:avLst/>
+          </a:prstGeom>
+        </p:spPr>
+        <p:txBody>
+          <a:bodyPr wrap="square">
+            <a:spAutoFit/>
+          </a:bodyPr>
+          <a:lstStyle/>
+          <a:p>
+            <a:r>
+              <a:rPr lang="ko-KR" altLang="en-US" sz="2400" dirty="0" err="1"/>
+              <a:t>fdArray의</a:t>
+            </a:r>
+            <a:r>
+              <a:rPr lang="ko-KR" altLang="en-US" sz="2400" dirty="0"/>
+              <a:t> 요소 수가 1</a:t>
+            </a:r>
+            <a:r>
+              <a:rPr lang="en-US" altLang="ko-KR" sz="2400" dirty="0"/>
+              <a:t>6</a:t>
+            </a:r>
+            <a:r>
+              <a:rPr lang="ko-KR" altLang="en-US" sz="2400" dirty="0"/>
+              <a:t>이라면 이것은 1+1</a:t>
+            </a:r>
+            <a:r>
+              <a:rPr lang="en-US" altLang="ko-KR" sz="2400" dirty="0"/>
+              <a:t>5</a:t>
+            </a:r>
+            <a:r>
+              <a:rPr lang="ko-KR" altLang="en-US" sz="2400" dirty="0"/>
+              <a:t>로 </a:t>
+            </a:r>
+            <a:r>
+              <a:rPr lang="ko-KR" altLang="en-US" sz="2400" b="1" dirty="0"/>
+              <a:t>1개의 리슨 소켓과 1</a:t>
+            </a:r>
+            <a:r>
+              <a:rPr lang="en-US" altLang="ko-KR" sz="2400" b="1" dirty="0"/>
+              <a:t>5</a:t>
+            </a:r>
+            <a:r>
+              <a:rPr lang="ko-KR" altLang="en-US" sz="2400" b="1" dirty="0"/>
+              <a:t>개의 서버 소켓의 상태의 변경을 검출하는 목적이다</a:t>
+            </a:r>
+            <a:r>
+              <a:rPr lang="ko-KR" altLang="en-US" sz="2400" dirty="0"/>
+              <a:t>. 즉 접속할 수 있는 클라이언트의 최대 크기는 1</a:t>
+            </a:r>
+            <a:r>
+              <a:rPr lang="en-US" altLang="ko-KR" sz="2400" dirty="0"/>
+              <a:t>5</a:t>
+            </a:r>
+            <a:r>
+              <a:rPr lang="ko-KR" altLang="en-US" sz="2400" dirty="0"/>
+              <a:t>이다. </a:t>
+            </a:r>
+            <a:endParaRPr lang="en-US" altLang="ko-KR" sz="2400" dirty="0"/>
+          </a:p>
+          <a:p>
+            <a:r>
+              <a:rPr lang="ko-KR" altLang="en-US" sz="2400" dirty="0"/>
+              <a:t>초기 상태에서는 서버 소켓은 만들어지 않았으므로(접속한 클라이언트가 없으니) </a:t>
+            </a:r>
+            <a:r>
+              <a:rPr lang="ko-KR" altLang="en-US" sz="2400" dirty="0" err="1"/>
+              <a:t>NULL을</a:t>
+            </a:r>
+            <a:r>
+              <a:rPr lang="ko-KR" altLang="en-US" sz="2400" dirty="0"/>
+              <a:t> 지정하고 리슨 소켓은 배열의 선두에 지정한다.</a:t>
+            </a:r>
+          </a:p>
+          <a:p>
+            <a:r>
+              <a:rPr lang="ko-KR" altLang="en-US" sz="2400" dirty="0" err="1"/>
+              <a:t>events는</a:t>
+            </a:r>
+            <a:r>
+              <a:rPr lang="ko-KR" altLang="en-US" sz="2400" dirty="0"/>
+              <a:t> 검출하고 싶은 이벤트를 지정하고 </a:t>
+            </a:r>
+            <a:r>
+              <a:rPr lang="ko-KR" altLang="en-US" sz="2400" dirty="0" err="1"/>
+              <a:t>POLLRDNORM은</a:t>
+            </a:r>
+            <a:r>
+              <a:rPr lang="ko-KR" altLang="en-US" sz="2400" dirty="0"/>
+              <a:t> 접속 또는 데이터 읽기 검출을 한다.</a:t>
+            </a:r>
+            <a:endParaRPr lang="ko-KR" altLang="en-US" sz="2400" dirty="0"/>
+          </a:p>
+        </p:txBody>
+      </p:sp>
     </p:spTree>
     <p:extLst>
       <p:ext uri="{BB962C8B-B14F-4D97-AF65-F5344CB8AC3E}">
-        <p14:creationId xmlns:p14="http://schemas.microsoft.com/office/powerpoint/2010/main" val="1421070529"/>
+        <p14:creationId xmlns:p14="http://schemas.microsoft.com/office/powerpoint/2010/main" val="750272973"/>
       </p:ext>
     </p:extLst>
   </p:cSld>
@@ -7970,51 +8124,45 @@
           <a:chExt cx="0" cy="0"/>
         </a:xfrm>
       </p:grpSpPr>
-      <p:sp>
-        <p:nvSpPr>
-          <p:cNvPr id="2" name="TextBox 1"/>
-          <p:cNvSpPr txBox="1"/>
+      <p:pic>
+        <p:nvPicPr>
+          <p:cNvPr id="2" name="그림 1"/>
+          <p:cNvPicPr>
+            <a:picLocks noChangeAspect="1"/>
+          </p:cNvPicPr>
           <p:nvPr/>
-        </p:nvSpPr>
+        </p:nvPicPr>
+        <p:blipFill>
+          <a:blip r:embed="rId2"/>
+          <a:stretch>
+            <a:fillRect/>
+          </a:stretch>
+        </p:blipFill>
         <p:spPr>
           <a:xfrm>
-            <a:off x="551329" y="322729"/>
-            <a:ext cx="4074459" cy="646331"/>
-          </a:xfrm>
-          <a:prstGeom prst="rect">
-            <a:avLst/>
-          </a:prstGeom>
-          <a:noFill/>
-        </p:spPr>
-        <p:txBody>
-          <a:bodyPr wrap="square" rtlCol="0">
-            <a:spAutoFit/>
-          </a:bodyPr>
-          <a:lstStyle/>
-          <a:p>
-            <a:r>
-              <a:rPr lang="ko-KR" altLang="en-US" sz="3600" b="1" dirty="0" err="1"/>
-              <a:t>ㅌㅌㅌㅌㅌ</a:t>
-            </a:r>
-            <a:endParaRPr lang="ko-KR" altLang="en-US" sz="3600" b="1" dirty="0"/>
-          </a:p>
-        </p:txBody>
-      </p:sp>
-      <p:sp>
-        <p:nvSpPr>
-          <p:cNvPr id="3" name="직사각형 2"/>
-          <p:cNvSpPr/>
-          <p:nvPr/>
-        </p:nvSpPr>
-        <p:spPr>
-          <a:xfrm>
-            <a:off x="654424" y="1141309"/>
-            <a:ext cx="10425952" cy="461665"/>
+            <a:off x="1114487" y="1099767"/>
+            <a:ext cx="9674048" cy="1987818"/>
           </a:xfrm>
           <a:prstGeom prst="rect">
             <a:avLst/>
           </a:prstGeom>
         </p:spPr>
+      </p:pic>
+      <p:sp>
+        <p:nvSpPr>
+          <p:cNvPr id="3" name="직사각형 2"/>
+          <p:cNvSpPr/>
+          <p:nvPr/>
+        </p:nvSpPr>
+        <p:spPr>
+          <a:xfrm>
+            <a:off x="761096" y="3351769"/>
+            <a:ext cx="10888597" cy="2554545"/>
+          </a:xfrm>
+          <a:prstGeom prst="rect">
+            <a:avLst/>
+          </a:prstGeom>
+        </p:spPr>
         <p:txBody>
           <a:bodyPr wrap="square">
             <a:spAutoFit/>
@@ -8022,17 +8170,66 @@
           <a:lstStyle/>
           <a:p>
             <a:r>
-              <a:rPr lang="ko-KR" altLang="en-US" sz="2400" dirty="0" err="1"/>
-              <a:t>ㅊㅌㅊㅌㅊ</a:t>
-            </a:r>
-            <a:endParaRPr lang="ko-KR" altLang="en-US" sz="2400" dirty="0"/>
+              <a:rPr lang="ko-KR" altLang="en-US" sz="2000" dirty="0" err="1"/>
+              <a:t>WSAPoll이</a:t>
+            </a:r>
+            <a:r>
+              <a:rPr lang="ko-KR" altLang="en-US" sz="2000" dirty="0"/>
+              <a:t> 0 이하의 값을 반환한 경우에는 함수가 실패했음을 의미하므로 그 뜻을 표시한다. </a:t>
+            </a:r>
+          </a:p>
+          <a:p>
+            <a:r>
+              <a:rPr lang="ko-KR" altLang="en-US" sz="2000" b="1" dirty="0"/>
+              <a:t>0이 반환된 경우에는 타임 아웃이 발생한 것을 의미하며 이 경우 후속 처리를 실행하지 않는다</a:t>
+            </a:r>
+            <a:r>
+              <a:rPr lang="ko-KR" altLang="en-US" sz="2000" dirty="0"/>
+              <a:t>. </a:t>
+            </a:r>
+          </a:p>
+          <a:p>
+            <a:endParaRPr lang="en-US" altLang="ko-KR" sz="2000" dirty="0"/>
+          </a:p>
+          <a:p>
+            <a:r>
+              <a:rPr lang="ko-KR" altLang="en-US" sz="2000" dirty="0"/>
+              <a:t>위 </a:t>
+            </a:r>
+            <a:r>
+              <a:rPr lang="ko-KR" altLang="en-US" sz="2000" dirty="0" err="1"/>
+              <a:t>WSAPoll</a:t>
+            </a:r>
+            <a:r>
+              <a:rPr lang="ko-KR" altLang="en-US" sz="2000" dirty="0"/>
+              <a:t> 호출에서는 </a:t>
+            </a:r>
+            <a:r>
+              <a:rPr lang="ko-KR" altLang="en-US" sz="2000" b="1" dirty="0"/>
+              <a:t>500밀리 초 타임 아웃 값을 지정</a:t>
+            </a:r>
+            <a:r>
+              <a:rPr lang="ko-KR" altLang="en-US" sz="2000" dirty="0"/>
+              <a:t>하고 있지만 본래라면 -1 등의 마이너스 값을 지정하여 이벤트가 발생할 때까지 대기하는 것이 이상적이다.</a:t>
+            </a:r>
+            <a:endParaRPr lang="en-US" altLang="ko-KR" sz="2000" dirty="0"/>
+          </a:p>
+          <a:p>
+            <a:endParaRPr lang="ko-KR" altLang="en-US" sz="2000" dirty="0"/>
+          </a:p>
+          <a:p>
+            <a:r>
+              <a:rPr lang="ko-KR" altLang="en-US" sz="2000" dirty="0"/>
+              <a:t>0 보다 큰 값이 반환된 경우 배열 내의 어떤 소켓에 상태의 변경이 생겼는지 다음 처리에서 확인한다.</a:t>
+            </a:r>
+            <a:endParaRPr lang="ko-KR" altLang="en-US" sz="2000" dirty="0"/>
           </a:p>
         </p:txBody>
       </p:sp>
     </p:spTree>
     <p:extLst>
       <p:ext uri="{BB962C8B-B14F-4D97-AF65-F5344CB8AC3E}">
-        <p14:creationId xmlns:p14="http://schemas.microsoft.com/office/powerpoint/2010/main" val="750272973"/>
+        <p14:creationId xmlns:p14="http://schemas.microsoft.com/office/powerpoint/2010/main" val="1421070529"/>
       </p:ext>
     </p:extLst>
   </p:cSld>
@@ -8130,51 +8327,45 @@
           <a:chExt cx="0" cy="0"/>
         </a:xfrm>
       </p:grpSpPr>
-      <p:sp>
-        <p:nvSpPr>
-          <p:cNvPr id="2" name="TextBox 1"/>
-          <p:cNvSpPr txBox="1"/>
+      <p:pic>
+        <p:nvPicPr>
+          <p:cNvPr id="2" name="그림 1"/>
+          <p:cNvPicPr>
+            <a:picLocks noChangeAspect="1"/>
+          </p:cNvPicPr>
           <p:nvPr/>
-        </p:nvSpPr>
+        </p:nvPicPr>
+        <p:blipFill>
+          <a:blip r:embed="rId2"/>
+          <a:stretch>
+            <a:fillRect/>
+          </a:stretch>
+        </p:blipFill>
         <p:spPr>
           <a:xfrm>
-            <a:off x="551329" y="322729"/>
-            <a:ext cx="4074459" cy="646331"/>
-          </a:xfrm>
-          <a:prstGeom prst="rect">
-            <a:avLst/>
-          </a:prstGeom>
-          <a:noFill/>
-        </p:spPr>
-        <p:txBody>
-          <a:bodyPr wrap="square" rtlCol="0">
-            <a:spAutoFit/>
-          </a:bodyPr>
-          <a:lstStyle/>
-          <a:p>
-            <a:r>
-              <a:rPr lang="ko-KR" altLang="en-US" sz="3600" b="1" dirty="0" err="1"/>
-              <a:t>ㅌㅌㅌㅌㅌ</a:t>
-            </a:r>
-            <a:endParaRPr lang="ko-KR" altLang="en-US" sz="3600" b="1" dirty="0"/>
-          </a:p>
-        </p:txBody>
-      </p:sp>
-      <p:sp>
-        <p:nvSpPr>
-          <p:cNvPr id="3" name="직사각형 2"/>
-          <p:cNvSpPr/>
-          <p:nvPr/>
-        </p:nvSpPr>
-        <p:spPr>
-          <a:xfrm>
-            <a:off x="654424" y="1141309"/>
-            <a:ext cx="10425952" cy="461665"/>
+            <a:off x="2587150" y="649218"/>
+            <a:ext cx="6449972" cy="4139323"/>
           </a:xfrm>
           <a:prstGeom prst="rect">
             <a:avLst/>
           </a:prstGeom>
         </p:spPr>
+      </p:pic>
+      <p:sp>
+        <p:nvSpPr>
+          <p:cNvPr id="3" name="직사각형 2"/>
+          <p:cNvSpPr/>
+          <p:nvPr/>
+        </p:nvSpPr>
+        <p:spPr>
+          <a:xfrm>
+            <a:off x="969818" y="4764791"/>
+            <a:ext cx="10466120" cy="2031325"/>
+          </a:xfrm>
+          <a:prstGeom prst="rect">
+            <a:avLst/>
+          </a:prstGeom>
+        </p:spPr>
         <p:txBody>
           <a:bodyPr wrap="square">
             <a:spAutoFit/>
@@ -8182,17 +8373,72 @@
           <a:lstStyle/>
           <a:p>
             <a:r>
-              <a:rPr lang="ko-KR" altLang="en-US" sz="2400" dirty="0" err="1"/>
-              <a:t>ㅊㅌㅊㅌㅊ</a:t>
-            </a:r>
-            <a:endParaRPr lang="ko-KR" altLang="en-US" sz="2400" dirty="0"/>
+              <a:rPr lang="ko-KR" altLang="en-US" dirty="0"/>
+              <a:t>소켓의 현재 상태는 </a:t>
+            </a:r>
+            <a:r>
+              <a:rPr lang="ko-KR" altLang="en-US" dirty="0" err="1"/>
+              <a:t>revents</a:t>
+            </a:r>
+            <a:r>
+              <a:rPr lang="ko-KR" altLang="en-US" dirty="0"/>
+              <a:t> 멤버에 저장되어 있다. 이 값이 POLLRDNORM 라는 것은 접속 또는 읽기가 발생한 것을 의미한다. </a:t>
+            </a:r>
+            <a:endParaRPr lang="en-US" altLang="ko-KR" dirty="0"/>
+          </a:p>
+          <a:p>
+            <a:endParaRPr lang="ko-KR" altLang="en-US" dirty="0"/>
+          </a:p>
+          <a:p>
+            <a:r>
+              <a:rPr lang="ko-KR" altLang="en-US" dirty="0" err="1"/>
+              <a:t>POLLHUP은</a:t>
+            </a:r>
+            <a:r>
+              <a:rPr lang="ko-KR" altLang="en-US" dirty="0"/>
+              <a:t> 접속 종료를 의미한다.</a:t>
+            </a:r>
+          </a:p>
+          <a:p>
+            <a:endParaRPr lang="ko-KR" altLang="en-US" dirty="0"/>
+          </a:p>
+          <a:p>
+            <a:r>
+              <a:rPr lang="ko-KR" altLang="en-US" dirty="0"/>
+              <a:t>리슨 소켓에 대해서 </a:t>
+            </a:r>
+            <a:r>
+              <a:rPr lang="ko-KR" altLang="en-US" dirty="0" err="1"/>
+              <a:t>POLLRDNORM이</a:t>
+            </a:r>
+            <a:r>
+              <a:rPr lang="ko-KR" altLang="en-US" dirty="0"/>
+              <a:t> 저장되어 있다면 접속을 뜻하므로 </a:t>
+            </a:r>
+            <a:r>
+              <a:rPr lang="ko-KR" altLang="en-US" dirty="0" err="1"/>
+              <a:t>accept를</a:t>
+            </a:r>
+            <a:r>
+              <a:rPr lang="ko-KR" altLang="en-US" dirty="0"/>
+              <a:t> 호출, 그렇지 않다면 서버 소켓에 클라이언트의 데이터를 받을 수 있으므로 </a:t>
+            </a:r>
+            <a:r>
+              <a:rPr lang="ko-KR" altLang="en-US" dirty="0" err="1"/>
+              <a:t>recv를</a:t>
+            </a:r>
+            <a:r>
+              <a:rPr lang="ko-KR" altLang="en-US" dirty="0"/>
+              <a:t> 호출하여 수신한다.</a:t>
+            </a:r>
+            <a:endParaRPr lang="ko-KR" altLang="en-US" dirty="0"/>
           </a:p>
         </p:txBody>
       </p:sp>
     </p:spTree>
     <p:extLst>
       <p:ext uri="{BB962C8B-B14F-4D97-AF65-F5344CB8AC3E}">
-        <p14:creationId xmlns:p14="http://schemas.microsoft.com/office/powerpoint/2010/main" val="1663635338"/>
+        <p14:creationId xmlns:p14="http://schemas.microsoft.com/office/powerpoint/2010/main" val="3593335387"/>
       </p:ext>
     </p:extLst>
   </p:cSld>
@@ -8219,6 +8465,60 @@
           <a:chExt cx="0" cy="0"/>
         </a:xfrm>
       </p:grpSpPr>
+      <p:pic>
+        <p:nvPicPr>
+          <p:cNvPr id="4" name="그림 3"/>
+          <p:cNvPicPr>
+            <a:picLocks noChangeAspect="1"/>
+          </p:cNvPicPr>
+          <p:nvPr/>
+        </p:nvPicPr>
+        <p:blipFill>
+          <a:blip r:embed="rId2"/>
+          <a:stretch>
+            <a:fillRect/>
+          </a:stretch>
+        </p:blipFill>
+        <p:spPr>
+          <a:xfrm>
+            <a:off x="178130" y="1140077"/>
+            <a:ext cx="11764488" cy="4725827"/>
+          </a:xfrm>
+          <a:prstGeom prst="rect">
+            <a:avLst/>
+          </a:prstGeom>
+        </p:spPr>
+      </p:pic>
+    </p:spTree>
+    <p:extLst>
+      <p:ext uri="{BB962C8B-B14F-4D97-AF65-F5344CB8AC3E}">
+        <p14:creationId xmlns:p14="http://schemas.microsoft.com/office/powerpoint/2010/main" val="1663635338"/>
+      </p:ext>
+    </p:extLst>
+  </p:cSld>
+  <p:clrMapOvr>
+    <a:masterClrMapping/>
+  </p:clrMapOvr>
+</p:sld>
+</file>
+
+<file path=ppt/slides/slide22.xml><?xml version="1.0" encoding="utf-8"?>
+<p:sld xmlns:a="http://schemas.openxmlformats.org/drawingml/2006/main" xmlns:r="http://schemas.openxmlformats.org/officeDocument/2006/relationships" xmlns:p="http://schemas.openxmlformats.org/presentationml/2006/main">
+  <p:cSld>
+    <p:spTree>
+      <p:nvGrpSpPr>
+        <p:cNvPr id="1" name=""/>
+        <p:cNvGrpSpPr/>
+        <p:nvPr/>
+      </p:nvGrpSpPr>
+      <p:grpSpPr>
+        <a:xfrm>
+          <a:off x="0" y="0"/>
+          <a:ext cx="0" cy="0"/>
+          <a:chOff x="0" y="0"/>
+          <a:chExt cx="0" cy="0"/>
+        </a:xfrm>
+      </p:grpSpPr>
       <p:sp>
         <p:nvSpPr>
           <p:cNvPr id="2" name="TextBox 1"/>
@@ -8340,7 +8640,7 @@
 </p:sld>
 </file>
 
-<file path=ppt/slides/slide22.xml><?xml version="1.0" encoding="utf-8"?>
+<file path=ppt/slides/slide23.xml><?xml version="1.0" encoding="utf-8"?>
 <p:sld xmlns:a="http://schemas.openxmlformats.org/drawingml/2006/main" xmlns:r="http://schemas.openxmlformats.org/officeDocument/2006/relationships" xmlns:p="http://schemas.openxmlformats.org/presentationml/2006/main">
   <p:cSld>
     <p:spTree>
@@ -8494,7 +8794,7 @@
 </p:sld>
 </file>
 
-<file path=ppt/slides/slide23.xml><?xml version="1.0" encoding="utf-8"?>
+<file path=ppt/slides/slide24.xml><?xml version="1.0" encoding="utf-8"?>
 <p:sld xmlns:a="http://schemas.openxmlformats.org/drawingml/2006/main" xmlns:r="http://schemas.openxmlformats.org/officeDocument/2006/relationships" xmlns:p="http://schemas.openxmlformats.org/presentationml/2006/main">
   <p:cSld>
     <p:spTree>
@@ -8573,7 +8873,7 @@
         </p:blipFill>
         <p:spPr>
           <a:xfrm>
-            <a:off x="676706" y="3463550"/>
+            <a:off x="462950" y="1357364"/>
             <a:ext cx="5320332" cy="2389000"/>
           </a:xfrm>
           <a:prstGeom prst="rect">
@@ -8597,7 +8897,7 @@
         </p:blipFill>
         <p:spPr>
           <a:xfrm>
-            <a:off x="6347447" y="3419168"/>
+            <a:off x="6133691" y="1312982"/>
             <a:ext cx="5610782" cy="2144869"/>
           </a:xfrm>
           <a:prstGeom prst="rect">
@@ -8613,7 +8913,7 @@
         </p:nvSpPr>
         <p:spPr>
           <a:xfrm>
-            <a:off x="7553994" y="5564037"/>
+            <a:off x="7340238" y="3457851"/>
             <a:ext cx="3640035" cy="276999"/>
           </a:xfrm>
           <a:prstGeom prst="rect">
@@ -8647,7 +8947,7 @@
         </p:nvSpPr>
         <p:spPr>
           <a:xfrm>
-            <a:off x="926085" y="5762885"/>
+            <a:off x="712329" y="3656699"/>
             <a:ext cx="4916572" cy="276999"/>
           </a:xfrm>
           <a:prstGeom prst="rect">
@@ -8681,7 +8981,7 @@
         </p:nvSpPr>
         <p:spPr>
           <a:xfrm>
-            <a:off x="676705" y="1514151"/>
+            <a:off x="712329" y="4245476"/>
             <a:ext cx="10517323" cy="523220"/>
           </a:xfrm>
           <a:prstGeom prst="rect">
@@ -8706,6 +9006,118 @@
             <a:r>
               <a:rPr lang="en-US" altLang="ko-KR" sz="2800" b="1" dirty="0"/>
               <a:t>.</a:t>
+            </a:r>
+            <a:endParaRPr lang="ko-KR" altLang="en-US" sz="2800" b="1" dirty="0"/>
+          </a:p>
+        </p:txBody>
+      </p:sp>
+      <p:sp>
+        <p:nvSpPr>
+          <p:cNvPr id="9" name="TextBox 8"/>
+          <p:cNvSpPr txBox="1"/>
+          <p:nvPr/>
+        </p:nvSpPr>
+        <p:spPr>
+          <a:xfrm>
+            <a:off x="712328" y="4952828"/>
+            <a:ext cx="10517323" cy="954107"/>
+          </a:xfrm>
+          <a:prstGeom prst="rect">
+            <a:avLst/>
+          </a:prstGeom>
+          <a:noFill/>
+        </p:spPr>
+        <p:txBody>
+          <a:bodyPr wrap="square" rtlCol="0">
+            <a:spAutoFit/>
+          </a:bodyPr>
+          <a:lstStyle/>
+          <a:p>
+            <a:r>
+              <a:rPr lang="ko-KR" altLang="en-US" sz="2800" b="1" dirty="0" err="1"/>
+              <a:t>동접</a:t>
+            </a:r>
+            <a:r>
+              <a:rPr lang="ko-KR" altLang="en-US" sz="2800" b="1" dirty="0"/>
+              <a:t> </a:t>
+            </a:r>
+            <a:r>
+              <a:rPr lang="en-US" altLang="ko-KR" sz="2800" b="1" dirty="0"/>
+              <a:t>1000</a:t>
+            </a:r>
+            <a:r>
+              <a:rPr lang="ko-KR" altLang="en-US" sz="2800" b="1" dirty="0"/>
+              <a:t>명 가능한 서버 만들기 보다 </a:t>
+            </a:r>
+            <a:r>
+              <a:rPr lang="ko-KR" altLang="en-US" sz="2800" b="1" dirty="0" err="1"/>
+              <a:t>동접</a:t>
+            </a:r>
+            <a:r>
+              <a:rPr lang="ko-KR" altLang="en-US" sz="2800" b="1" dirty="0"/>
+              <a:t> </a:t>
+            </a:r>
+            <a:r>
+              <a:rPr lang="en-US" altLang="ko-KR" sz="2800" b="1" dirty="0"/>
+              <a:t>1000</a:t>
+            </a:r>
+            <a:r>
+              <a:rPr lang="ko-KR" altLang="en-US" sz="2800" b="1" dirty="0"/>
+              <a:t>명이 접속하는 재미있는 게임 만들기가 훨씬 더 어려운 듯</a:t>
+            </a:r>
+            <a:r>
+              <a:rPr lang="en-US" altLang="ko-KR" sz="2800" b="1" dirty="0"/>
+              <a:t>...</a:t>
+            </a:r>
+            <a:endParaRPr lang="ko-KR" altLang="en-US" sz="2800" b="1" dirty="0"/>
+          </a:p>
+        </p:txBody>
+      </p:sp>
+      <p:sp>
+        <p:nvSpPr>
+          <p:cNvPr id="10" name="TextBox 9"/>
+          <p:cNvSpPr txBox="1"/>
+          <p:nvPr/>
+        </p:nvSpPr>
+        <p:spPr>
+          <a:xfrm>
+            <a:off x="712328" y="6050955"/>
+            <a:ext cx="10517323" cy="523220"/>
+          </a:xfrm>
+          <a:prstGeom prst="rect">
+            <a:avLst/>
+          </a:prstGeom>
+          <a:noFill/>
+        </p:spPr>
+        <p:txBody>
+          <a:bodyPr wrap="square" rtlCol="0">
+            <a:spAutoFit/>
+          </a:bodyPr>
+          <a:lstStyle/>
+          <a:p>
+            <a:r>
+              <a:rPr lang="ko-KR" altLang="en-US" sz="2800" b="1" dirty="0"/>
+              <a:t>소규모 게임에도 </a:t>
+            </a:r>
+            <a:r>
+              <a:rPr lang="en-US" altLang="ko-KR" sz="2800" b="1" dirty="0"/>
+              <a:t>(</a:t>
+            </a:r>
+            <a:r>
+              <a:rPr lang="ko-KR" altLang="en-US" sz="2800" b="1" dirty="0"/>
+              <a:t>실시간</a:t>
+            </a:r>
+            <a:r>
+              <a:rPr lang="en-US" altLang="ko-KR" sz="2800" b="1" dirty="0"/>
+              <a:t>)</a:t>
+            </a:r>
+            <a:r>
+              <a:rPr lang="ko-KR" altLang="en-US" sz="2800" b="1" dirty="0"/>
+              <a:t>온라인 게임이 많았으면</a:t>
+            </a:r>
+            <a:r>
+              <a:rPr lang="en-US" altLang="ko-KR" sz="2800" b="1" dirty="0"/>
+              <a:t>…</a:t>
             </a:r>
             <a:endParaRPr lang="ko-KR" altLang="en-US" sz="2800" b="1" dirty="0"/>
           </a:p>
@@ -8724,7 +9136,7 @@
 </p:sld>
 </file>
 
-<file path=ppt/slides/slide24.xml><?xml version="1.0" encoding="utf-8"?>
+<file path=ppt/slides/slide25.xml><?xml version="1.0" encoding="utf-8"?>
 <p:sld xmlns:a="http://schemas.openxmlformats.org/drawingml/2006/main" xmlns:r="http://schemas.openxmlformats.org/officeDocument/2006/relationships" xmlns:p="http://schemas.openxmlformats.org/presentationml/2006/main">
   <p:cSld>
     <p:spTree>
@@ -8802,7 +9214,7 @@
 </p:sld>
 </file>
 
-<file path=ppt/slides/slide25.xml><?xml version="1.0" encoding="utf-8"?>
+<file path=ppt/slides/slide26.xml><?xml version="1.0" encoding="utf-8"?>
 <p:sld xmlns:a="http://schemas.openxmlformats.org/drawingml/2006/main" xmlns:r="http://schemas.openxmlformats.org/officeDocument/2006/relationships" xmlns:p="http://schemas.openxmlformats.org/presentationml/2006/main">
   <p:cSld>
     <p:spTree>
@@ -8947,7 +9359,7 @@
 </p:sld>
 </file>
 
-<file path=ppt/slides/slide26.xml><?xml version="1.0" encoding="utf-8"?>
+<file path=ppt/slides/slide27.xml><?xml version="1.0" encoding="utf-8"?>
 <p:sld xmlns:a="http://schemas.openxmlformats.org/drawingml/2006/main" xmlns:r="http://schemas.openxmlformats.org/officeDocument/2006/relationships" xmlns:p="http://schemas.openxmlformats.org/presentationml/2006/main">
   <p:cSld>
     <p:spTree>
@@ -9375,7 +9787,7 @@
 </p:sld>
 </file>
 
-<file path=ppt/slides/slide27.xml><?xml version="1.0" encoding="utf-8"?>
+<file path=ppt/slides/slide28.xml><?xml version="1.0" encoding="utf-8"?>
 <p:sld xmlns:a="http://schemas.openxmlformats.org/drawingml/2006/main" xmlns:r="http://schemas.openxmlformats.org/officeDocument/2006/relationships" xmlns:p="http://schemas.openxmlformats.org/presentationml/2006/main">
   <p:cSld>
     <p:spTree>

--- a/WSAPoll, Fast Loopback.pptx
+++ b/WSAPoll, Fast Loopback.pptx
@@ -5,10 +5,10 @@
     <p:sldMasterId id="2147483648" r:id="rId1"/>
   </p:sldMasterIdLst>
   <p:notesMasterIdLst>
-    <p:notesMasterId r:id="rId30"/>
+    <p:notesMasterId r:id="rId32"/>
   </p:notesMasterIdLst>
   <p:handoutMasterIdLst>
-    <p:handoutMasterId r:id="rId31"/>
+    <p:handoutMasterId r:id="rId33"/>
   </p:handoutMasterIdLst>
   <p:sldIdLst>
     <p:sldId id="261" r:id="rId2"/>
@@ -37,8 +37,10 @@
     <p:sldId id="308" r:id="rId25"/>
     <p:sldId id="289" r:id="rId26"/>
     <p:sldId id="290" r:id="rId27"/>
-    <p:sldId id="288" r:id="rId28"/>
-    <p:sldId id="309" r:id="rId29"/>
+    <p:sldId id="313" r:id="rId28"/>
+    <p:sldId id="314" r:id="rId29"/>
+    <p:sldId id="288" r:id="rId30"/>
+    <p:sldId id="309" r:id="rId31"/>
   </p:sldIdLst>
   <p:sldSz cx="12192000" cy="6858000"/>
   <p:notesSz cx="6858000" cy="9144000"/>
@@ -8090,7 +8092,6 @@
               <a:rPr lang="ko-KR" altLang="en-US" sz="2400" dirty="0"/>
               <a:t> 접속 또는 데이터 읽기 검출을 한다.</a:t>
             </a:r>
-            <a:endParaRPr lang="ko-KR" altLang="en-US" sz="2400" dirty="0"/>
           </a:p>
         </p:txBody>
       </p:sp>
@@ -8222,7 +8223,6 @@
               <a:rPr lang="ko-KR" altLang="en-US" sz="2000" dirty="0"/>
               <a:t>0 보다 큰 값이 반환된 경우 배열 내의 어떤 소켓에 상태의 변경이 생겼는지 다음 처리에서 확인한다.</a:t>
             </a:r>
-            <a:endParaRPr lang="ko-KR" altLang="en-US" sz="2000" dirty="0"/>
           </a:p>
         </p:txBody>
       </p:sp>
@@ -8431,7 +8431,6 @@
               <a:rPr lang="ko-KR" altLang="en-US" dirty="0"/>
               <a:t> 호출하여 수신한다.</a:t>
             </a:r>
-            <a:endParaRPr lang="ko-KR" altLang="en-US" dirty="0"/>
           </a:p>
         </p:txBody>
       </p:sp>
@@ -9255,7 +9254,7 @@
           <a:p>
             <a:r>
               <a:rPr lang="en-US" altLang="ko-KR" sz="3600" b="1" dirty="0"/>
-              <a:t>HTTP/2</a:t>
+              <a:t>UDS (Unix Domain Socket)</a:t>
             </a:r>
             <a:endParaRPr lang="ko-KR" altLang="en-US" sz="3600" b="1" dirty="0"/>
           </a:p>
@@ -9263,86 +9262,129 @@
       </p:sp>
       <p:sp>
         <p:nvSpPr>
-          <p:cNvPr id="3" name="직사각형 2"/>
+          <p:cNvPr id="4" name="직사각형 3"/>
           <p:cNvSpPr/>
           <p:nvPr/>
         </p:nvSpPr>
         <p:spPr>
           <a:xfrm>
-            <a:off x="645458" y="1186988"/>
-            <a:ext cx="10703859" cy="369332"/>
+            <a:off x="7865722" y="5912674"/>
+            <a:ext cx="3967689" cy="276999"/>
           </a:xfrm>
           <a:prstGeom prst="rect">
             <a:avLst/>
           </a:prstGeom>
         </p:spPr>
         <p:txBody>
-          <a:bodyPr wrap="square">
+          <a:bodyPr wrap="none">
             <a:spAutoFit/>
           </a:bodyPr>
           <a:lstStyle/>
           <a:p>
             <a:r>
-              <a:rPr lang="en-US" altLang="ko-KR" dirty="0"/>
-              <a:t>https://github.com/pauldotknopf/WindowsSDK7-Samples/tree/master/netds/winsock</a:t>
-            </a:r>
-            <a:endParaRPr lang="ko-KR" altLang="en-US" sz="2400" dirty="0"/>
-          </a:p>
-        </p:txBody>
-      </p:sp>
-      <p:sp>
-        <p:nvSpPr>
-          <p:cNvPr id="4" name="직사각형 3"/>
-          <p:cNvSpPr/>
+              <a:rPr lang="ko-KR" altLang="en-US" sz="1200" dirty="0"/>
+              <a:t>출처</a:t>
+            </a:r>
+            <a:r>
+              <a:rPr lang="en-US" altLang="ko-KR" sz="1200" dirty="0"/>
+              <a:t>: </a:t>
+            </a:r>
+            <a:r>
+              <a:rPr lang="ko-KR" altLang="en-US" sz="1200" dirty="0">
+                <a:hlinkClick r:id="rId2"/>
+              </a:rPr>
+              <a:t>http://www.dreamy.pe.kr/zbxe/CodeClip/119393</a:t>
+            </a:r>
+            <a:r>
+              <a:rPr lang="ko-KR" altLang="en-US" sz="1200" dirty="0"/>
+              <a:t> </a:t>
+            </a:r>
+          </a:p>
+        </p:txBody>
+      </p:sp>
+      <p:pic>
+        <p:nvPicPr>
+          <p:cNvPr id="6" name="그림 5"/>
+          <p:cNvPicPr>
+            <a:picLocks noChangeAspect="1"/>
+          </p:cNvPicPr>
           <p:nvPr/>
-        </p:nvSpPr>
+        </p:nvPicPr>
+        <p:blipFill>
+          <a:blip r:embed="rId3"/>
+          <a:stretch>
+            <a:fillRect/>
+          </a:stretch>
+        </p:blipFill>
         <p:spPr>
           <a:xfrm>
-            <a:off x="3509779" y="3244334"/>
-            <a:ext cx="5172442" cy="369332"/>
+            <a:off x="551328" y="1118198"/>
+            <a:ext cx="11414520" cy="4783838"/>
           </a:xfrm>
           <a:prstGeom prst="rect">
             <a:avLst/>
           </a:prstGeom>
         </p:spPr>
-        <p:txBody>
-          <a:bodyPr wrap="none">
-            <a:spAutoFit/>
-          </a:bodyPr>
-          <a:lstStyle/>
-          <a:p>
-            <a:r>
-              <a:rPr lang="ko-KR" altLang="en-US" dirty="0"/>
-              <a:t>http://www.dreamy.pe.kr/zbxe/CodeClip/119393</a:t>
-            </a:r>
-          </a:p>
-        </p:txBody>
-      </p:sp>
-      <p:sp>
-        <p:nvSpPr>
-          <p:cNvPr id="5" name="직사각형 4"/>
-          <p:cNvSpPr/>
+      </p:pic>
+      <p:sp>
+        <p:nvSpPr>
+          <p:cNvPr id="7" name="TextBox 6"/>
+          <p:cNvSpPr txBox="1"/>
           <p:nvPr/>
         </p:nvSpPr>
         <p:spPr>
           <a:xfrm>
-            <a:off x="2949387" y="4499252"/>
-            <a:ext cx="6096000" cy="923330"/>
+            <a:off x="688768" y="1225787"/>
+            <a:ext cx="8182100" cy="769268"/>
           </a:xfrm>
           <a:prstGeom prst="rect">
             <a:avLst/>
           </a:prstGeom>
+          <a:noFill/>
+          <a:ln w="28575">
+            <a:solidFill>
+              <a:srgbClr val="FF0000"/>
+            </a:solidFill>
+          </a:ln>
         </p:spPr>
         <p:txBody>
-          <a:bodyPr>
+          <a:bodyPr wrap="square" rtlCol="0">
             <a:spAutoFit/>
           </a:bodyPr>
           <a:lstStyle/>
           <a:p>
-            <a:r>
-              <a:rPr lang="ko-KR" altLang="en-US" dirty="0"/>
-              <a:t>http://wiki.nex32.net/%EC%9A%A9%EC%96%B4/%EC%9C%A0%EB%8B%89%EC%8A%A4_%EB%8F%84%EB%A9%94%EC%9D%B8_%EC%86%8C%EC%BC%93</a:t>
-            </a:r>
+            <a:endParaRPr lang="ko-KR" altLang="en-US" dirty="0"/>
+          </a:p>
+        </p:txBody>
+      </p:sp>
+      <p:sp>
+        <p:nvSpPr>
+          <p:cNvPr id="8" name="TextBox 7"/>
+          <p:cNvSpPr txBox="1"/>
+          <p:nvPr/>
+        </p:nvSpPr>
+        <p:spPr>
+          <a:xfrm>
+            <a:off x="688768" y="2791336"/>
+            <a:ext cx="10960926" cy="403126"/>
+          </a:xfrm>
+          <a:prstGeom prst="rect">
+            <a:avLst/>
+          </a:prstGeom>
+          <a:noFill/>
+          <a:ln w="28575">
+            <a:solidFill>
+              <a:srgbClr val="FF0000"/>
+            </a:solidFill>
+          </a:ln>
+        </p:spPr>
+        <p:txBody>
+          <a:bodyPr wrap="square" rtlCol="0">
+            <a:spAutoFit/>
+          </a:bodyPr>
+          <a:lstStyle/>
+          <a:p>
+            <a:endParaRPr lang="ko-KR" altLang="en-US" dirty="0"/>
           </a:p>
         </p:txBody>
       </p:sp>
@@ -9378,19 +9420,90 @@
       </p:grpSpPr>
       <p:sp>
         <p:nvSpPr>
-          <p:cNvPr id="2" name="TextBox 1"/>
+          <p:cNvPr id="5" name="직사각형 4"/>
+          <p:cNvSpPr/>
+          <p:nvPr/>
+        </p:nvSpPr>
+        <p:spPr>
+          <a:xfrm>
+            <a:off x="546265" y="6166001"/>
+            <a:ext cx="11364685" cy="276999"/>
+          </a:xfrm>
+          <a:prstGeom prst="rect">
+            <a:avLst/>
+          </a:prstGeom>
+        </p:spPr>
+        <p:txBody>
+          <a:bodyPr wrap="square">
+            <a:spAutoFit/>
+          </a:bodyPr>
+          <a:lstStyle/>
+          <a:p>
+            <a:r>
+              <a:rPr lang="ko-KR" altLang="en-US" sz="1200" dirty="0"/>
+              <a:t>출처</a:t>
+            </a:r>
+            <a:r>
+              <a:rPr lang="en-US" altLang="ko-KR" sz="1200" dirty="0"/>
+              <a:t>: </a:t>
+            </a:r>
+            <a:r>
+              <a:rPr lang="ko-KR" altLang="en-US" sz="1200" dirty="0">
+                <a:hlinkClick r:id="rId2"/>
+              </a:rPr>
+              <a:t>http://wiki.nex32.net/%EC%9A%A9%EC%96%B4/%EC%9C%A0%EB%8B%89%EC%8A%A4_%EB%8F%84%EB%A9%94%EC%9D%B8_%EC%86%8C%EC%BC%93</a:t>
+            </a:r>
+            <a:r>
+              <a:rPr lang="ko-KR" altLang="en-US" sz="1200" dirty="0"/>
+              <a:t> </a:t>
+            </a:r>
+          </a:p>
+        </p:txBody>
+      </p:sp>
+      <p:pic>
+        <p:nvPicPr>
+          <p:cNvPr id="3" name="그림 2"/>
+          <p:cNvPicPr>
+            <a:picLocks noChangeAspect="1"/>
+          </p:cNvPicPr>
+          <p:nvPr/>
+        </p:nvPicPr>
+        <p:blipFill>
+          <a:blip r:embed="rId3"/>
+          <a:stretch>
+            <a:fillRect/>
+          </a:stretch>
+        </p:blipFill>
+        <p:spPr>
+          <a:xfrm>
+            <a:off x="1184069" y="466167"/>
+            <a:ext cx="9503724" cy="5699834"/>
+          </a:xfrm>
+          <a:prstGeom prst="rect">
+            <a:avLst/>
+          </a:prstGeom>
+        </p:spPr>
+      </p:pic>
+      <p:sp>
+        <p:nvSpPr>
+          <p:cNvPr id="6" name="TextBox 5"/>
           <p:cNvSpPr txBox="1"/>
           <p:nvPr/>
         </p:nvSpPr>
         <p:spPr>
           <a:xfrm>
-            <a:off x="551328" y="322729"/>
-            <a:ext cx="11282083" cy="646331"/>
+            <a:off x="1231074" y="4774514"/>
+            <a:ext cx="9219212" cy="711885"/>
           </a:xfrm>
           <a:prstGeom prst="rect">
             <a:avLst/>
           </a:prstGeom>
           <a:noFill/>
+          <a:ln w="28575">
+            <a:solidFill>
+              <a:srgbClr val="FF0000"/>
+            </a:solidFill>
+          </a:ln>
         </p:spPr>
         <p:txBody>
           <a:bodyPr wrap="square" rtlCol="0">
@@ -9398,386 +9511,75 @@
           </a:bodyPr>
           <a:lstStyle/>
           <a:p>
-            <a:r>
-              <a:rPr lang="en-US" altLang="ko-KR" sz="3600" b="1" dirty="0"/>
-              <a:t>HTTP/2</a:t>
-            </a:r>
-            <a:endParaRPr lang="ko-KR" altLang="en-US" sz="3600" b="1" dirty="0"/>
-          </a:p>
-        </p:txBody>
-      </p:sp>
-      <p:sp>
-        <p:nvSpPr>
-          <p:cNvPr id="4" name="직사각형 3"/>
+            <a:endParaRPr lang="ko-KR" altLang="en-US" dirty="0"/>
+          </a:p>
+        </p:txBody>
+      </p:sp>
+      <p:sp>
+        <p:nvSpPr>
+          <p:cNvPr id="7" name="직사각형 6"/>
           <p:cNvSpPr/>
           <p:nvPr/>
         </p:nvSpPr>
         <p:spPr>
           <a:xfrm>
-            <a:off x="59374" y="973799"/>
-            <a:ext cx="12047167" cy="5837495"/>
+            <a:off x="5808706" y="4174349"/>
+            <a:ext cx="4926092" cy="646331"/>
           </a:xfrm>
           <a:prstGeom prst="rect">
             <a:avLst/>
           </a:prstGeom>
         </p:spPr>
         <p:txBody>
-          <a:bodyPr wrap="square">
+          <a:bodyPr wrap="none">
             <a:spAutoFit/>
           </a:bodyPr>
           <a:lstStyle/>
           <a:p>
-            <a:pPr>
-              <a:spcAft>
-                <a:spcPts val="1600"/>
-              </a:spcAft>
-            </a:pPr>
-            <a:r>
-              <a:rPr lang="en-US" altLang="ko-KR" b="1" dirty="0">
+            <a:r>
+              <a:rPr lang="ko-KR" altLang="en-US" sz="3600" b="1" dirty="0" err="1">
                 <a:solidFill>
-                  <a:srgbClr val="595959"/>
+                  <a:srgbClr val="FF0000"/>
                 </a:solidFill>
-                <a:latin typeface="Arial" panose="020B0604020202020204" pitchFamily="34" charset="0"/>
               </a:rPr>
-              <a:t>fast loopback</a:t>
-            </a:r>
-            <a:endParaRPr lang="en-US" altLang="ko-KR" dirty="0"/>
-          </a:p>
-          <a:p>
-            <a:r>
-              <a:rPr lang="en-US" altLang="ko-KR" u="sng" dirty="0">
+              <a:t>Fast</a:t>
+            </a:r>
+            <a:r>
+              <a:rPr lang="ko-KR" altLang="en-US" sz="3600" b="1" dirty="0">
                 <a:solidFill>
-                  <a:srgbClr val="0097A7"/>
+                  <a:srgbClr val="FF0000"/>
                 </a:solidFill>
-                <a:latin typeface="Arial" panose="020B0604020202020204" pitchFamily="34" charset="0"/>
-                <a:hlinkClick r:id="rId2"/>
               </a:rPr>
-              <a:t>http://www.drdobbs.com/windows/the-new-socket-apis-in-windows-8/240148403?pgno=3</a:t>
-            </a:r>
-            <a:br>
-              <a:rPr lang="en-US" altLang="ko-KR" dirty="0">
+              <a:t> TCP </a:t>
+            </a:r>
+            <a:r>
+              <a:rPr lang="ko-KR" altLang="en-US" sz="3600" b="1" dirty="0" err="1">
                 <a:solidFill>
-                  <a:srgbClr val="595959"/>
+                  <a:srgbClr val="FF0000"/>
                 </a:solidFill>
-                <a:latin typeface="Arial" panose="020B0604020202020204" pitchFamily="34" charset="0"/>
-                <a:hlinkClick r:id="rId2"/>
               </a:rPr>
-            </a:br>
-            <a:br>
-              <a:rPr lang="en-US" altLang="ko-KR" dirty="0">
+              <a:t>Loopback</a:t>
+            </a:r>
+            <a:r>
+              <a:rPr lang="ko-KR" altLang="en-US" sz="3600" b="1" dirty="0">
                 <a:solidFill>
-                  <a:srgbClr val="595959"/>
+                  <a:srgbClr val="FF0000"/>
                 </a:solidFill>
-                <a:latin typeface="Arial" panose="020B0604020202020204" pitchFamily="34" charset="0"/>
-                <a:hlinkClick r:id="rId2"/>
               </a:rPr>
-            </a:br>
-            <a:r>
-              <a:rPr lang="en-US" altLang="ko-KR" u="sng" dirty="0">
-                <a:solidFill>
-                  <a:srgbClr val="0097A7"/>
-                </a:solidFill>
-                <a:latin typeface="Arial" panose="020B0604020202020204" pitchFamily="34" charset="0"/>
-                <a:hlinkClick r:id="rId3"/>
-              </a:rPr>
-              <a:t>https://github.com/search?q=SIO_LOOPBACK_FAST_PATH&amp;type=Code&amp;utf8=%E2%9C%93</a:t>
-            </a:r>
-            <a:br>
-              <a:rPr lang="en-US" altLang="ko-KR" dirty="0">
-                <a:solidFill>
-                  <a:srgbClr val="595959"/>
-                </a:solidFill>
-                <a:latin typeface="Arial" panose="020B0604020202020204" pitchFamily="34" charset="0"/>
-                <a:hlinkClick r:id="rId3"/>
-              </a:rPr>
-            </a:br>
-            <a:br>
-              <a:rPr lang="en-US" altLang="ko-KR" dirty="0">
-                <a:solidFill>
-                  <a:srgbClr val="595959"/>
-                </a:solidFill>
-                <a:latin typeface="Arial" panose="020B0604020202020204" pitchFamily="34" charset="0"/>
-                <a:hlinkClick r:id="rId3"/>
-              </a:rPr>
-            </a:br>
-            <a:r>
-              <a:rPr lang="en-US" altLang="ko-KR" dirty="0">
-                <a:solidFill>
-                  <a:srgbClr val="595959"/>
-                </a:solidFill>
-                <a:latin typeface="Arial" panose="020B0604020202020204" pitchFamily="34" charset="0"/>
-              </a:rPr>
-              <a:t>Fast TCP Loopback Performance and Low Latency with Windows Server 2012 TCP Loopback Fast Path</a:t>
-            </a:r>
-            <a:br>
-              <a:rPr lang="en-US" altLang="ko-KR" dirty="0">
-                <a:solidFill>
-                  <a:srgbClr val="595959"/>
-                </a:solidFill>
-                <a:latin typeface="Arial" panose="020B0604020202020204" pitchFamily="34" charset="0"/>
-              </a:rPr>
-            </a:br>
-            <a:r>
-              <a:rPr lang="en-US" altLang="ko-KR" u="sng" dirty="0">
-                <a:solidFill>
-                  <a:srgbClr val="0097A7"/>
-                </a:solidFill>
-                <a:latin typeface="Arial" panose="020B0604020202020204" pitchFamily="34" charset="0"/>
-                <a:hlinkClick r:id="rId4"/>
-              </a:rPr>
-              <a:t>https://blogs.technet.microsoft.com/wincat/2012/12/05/fast-tcp-loopback-performance-and-low-latency-with-windows-server-2012-tcp-loopback-fast-path/</a:t>
-            </a:r>
-            <a:br>
-              <a:rPr lang="en-US" altLang="ko-KR" dirty="0">
-                <a:solidFill>
-                  <a:srgbClr val="595959"/>
-                </a:solidFill>
-                <a:latin typeface="Arial" panose="020B0604020202020204" pitchFamily="34" charset="0"/>
-                <a:hlinkClick r:id="rId4"/>
-              </a:rPr>
-            </a:br>
-            <a:br>
-              <a:rPr lang="en-US" altLang="ko-KR" dirty="0">
-                <a:solidFill>
-                  <a:srgbClr val="595959"/>
-                </a:solidFill>
-                <a:latin typeface="Arial" panose="020B0604020202020204" pitchFamily="34" charset="0"/>
-                <a:hlinkClick r:id="rId4"/>
-              </a:rPr>
-            </a:br>
-            <a:r>
-              <a:rPr lang="en-US" altLang="ko-KR" dirty="0">
-                <a:solidFill>
-                  <a:srgbClr val="595959"/>
-                </a:solidFill>
-                <a:latin typeface="Arial" panose="020B0604020202020204" pitchFamily="34" charset="0"/>
-              </a:rPr>
-              <a:t>Fast Loopback on Windows 10 with weird </a:t>
-            </a:r>
-            <a:r>
-              <a:rPr lang="en-US" altLang="ko-KR" dirty="0" err="1">
-                <a:solidFill>
-                  <a:srgbClr val="595959"/>
-                </a:solidFill>
-                <a:latin typeface="Arial" panose="020B0604020202020204" pitchFamily="34" charset="0"/>
-              </a:rPr>
-              <a:t>HyperThreading</a:t>
-            </a:r>
-            <a:r>
-              <a:rPr lang="en-US" altLang="ko-KR" dirty="0">
-                <a:solidFill>
-                  <a:srgbClr val="595959"/>
-                </a:solidFill>
-                <a:latin typeface="Arial" panose="020B0604020202020204" pitchFamily="34" charset="0"/>
-              </a:rPr>
-              <a:t> results</a:t>
-            </a:r>
-            <a:br>
-              <a:rPr lang="en-US" altLang="ko-KR" dirty="0">
-                <a:solidFill>
-                  <a:srgbClr val="595959"/>
-                </a:solidFill>
-                <a:latin typeface="Arial" panose="020B0604020202020204" pitchFamily="34" charset="0"/>
-              </a:rPr>
-            </a:br>
-            <a:r>
-              <a:rPr lang="en-US" altLang="ko-KR" u="sng" dirty="0">
-                <a:solidFill>
-                  <a:srgbClr val="0097A7"/>
-                </a:solidFill>
-                <a:latin typeface="Arial" panose="020B0604020202020204" pitchFamily="34" charset="0"/>
-                <a:hlinkClick r:id="rId5"/>
-              </a:rPr>
-              <a:t>http://stackoverflow.com/questions/31742501/fast-loopback-on-windows-10-with-weird-hyperthreading-results</a:t>
-            </a:r>
-            <a:br>
-              <a:rPr lang="en-US" altLang="ko-KR" dirty="0">
-                <a:solidFill>
-                  <a:srgbClr val="595959"/>
-                </a:solidFill>
-                <a:latin typeface="Arial" panose="020B0604020202020204" pitchFamily="34" charset="0"/>
-                <a:hlinkClick r:id="rId5"/>
-              </a:rPr>
-            </a:br>
-            <a:br>
-              <a:rPr lang="en-US" altLang="ko-KR" dirty="0">
-                <a:solidFill>
-                  <a:srgbClr val="595959"/>
-                </a:solidFill>
-                <a:latin typeface="Arial" panose="020B0604020202020204" pitchFamily="34" charset="0"/>
-                <a:hlinkClick r:id="rId5"/>
-              </a:rPr>
-            </a:br>
-            <a:r>
-              <a:rPr lang="en-US" altLang="ko-KR" dirty="0">
-                <a:solidFill>
-                  <a:srgbClr val="595959"/>
-                </a:solidFill>
-                <a:latin typeface="Arial" panose="020B0604020202020204" pitchFamily="34" charset="0"/>
-              </a:rPr>
-              <a:t>SIO_LOOPBACK_FAST_PATH control code</a:t>
-            </a:r>
-            <a:br>
-              <a:rPr lang="en-US" altLang="ko-KR" dirty="0">
-                <a:solidFill>
-                  <a:srgbClr val="595959"/>
-                </a:solidFill>
-                <a:latin typeface="Arial" panose="020B0604020202020204" pitchFamily="34" charset="0"/>
-              </a:rPr>
-            </a:br>
-            <a:r>
-              <a:rPr lang="en-US" altLang="ko-KR" u="sng" dirty="0">
-                <a:solidFill>
-                  <a:srgbClr val="0097A7"/>
-                </a:solidFill>
-                <a:latin typeface="Arial" panose="020B0604020202020204" pitchFamily="34" charset="0"/>
-                <a:hlinkClick r:id="rId6"/>
-              </a:rPr>
-              <a:t>https://msdn.microsoft.com/en-us/library/windows/desktop/jj841212(v=vs.85).aspx</a:t>
-            </a:r>
-            <a:br>
-              <a:rPr lang="en-US" altLang="ko-KR" dirty="0">
-                <a:solidFill>
-                  <a:srgbClr val="595959"/>
-                </a:solidFill>
-                <a:latin typeface="Arial" panose="020B0604020202020204" pitchFamily="34" charset="0"/>
-                <a:hlinkClick r:id="rId6"/>
-              </a:rPr>
-            </a:br>
-            <a:br>
-              <a:rPr lang="en-US" altLang="ko-KR" dirty="0">
-                <a:solidFill>
-                  <a:srgbClr val="595959"/>
-                </a:solidFill>
-                <a:latin typeface="Arial" panose="020B0604020202020204" pitchFamily="34" charset="0"/>
-                <a:hlinkClick r:id="rId6"/>
-              </a:rPr>
-            </a:br>
-            <a:r>
-              <a:rPr lang="en-US" altLang="ko-KR" dirty="0">
-                <a:solidFill>
-                  <a:srgbClr val="595959"/>
-                </a:solidFill>
-                <a:latin typeface="Arial" panose="020B0604020202020204" pitchFamily="34" charset="0"/>
-              </a:rPr>
-              <a:t>Python3.6</a:t>
-            </a:r>
-            <a:r>
-              <a:rPr lang="ko-KR" altLang="en-US" dirty="0">
-                <a:solidFill>
-                  <a:srgbClr val="595959"/>
-                </a:solidFill>
-                <a:latin typeface="Arial" panose="020B0604020202020204" pitchFamily="34" charset="0"/>
-              </a:rPr>
-              <a:t>の新機能</a:t>
-            </a:r>
-            <a:br>
-              <a:rPr lang="ko-KR" altLang="en-US" dirty="0">
-                <a:solidFill>
-                  <a:srgbClr val="595959"/>
-                </a:solidFill>
-                <a:latin typeface="Arial" panose="020B0604020202020204" pitchFamily="34" charset="0"/>
-              </a:rPr>
-            </a:br>
-            <a:r>
-              <a:rPr lang="en-US" altLang="ko-KR" u="sng" dirty="0">
-                <a:solidFill>
-                  <a:srgbClr val="0097A7"/>
-                </a:solidFill>
-                <a:latin typeface="Arial" panose="020B0604020202020204" pitchFamily="34" charset="0"/>
-                <a:hlinkClick r:id="rId7"/>
-              </a:rPr>
-              <a:t>http://qiita.com/ksato9700/items/ed839a6db6a671fd31e6#socket</a:t>
-            </a:r>
-            <a:br>
-              <a:rPr lang="en-US" altLang="ko-KR" dirty="0">
-                <a:solidFill>
-                  <a:srgbClr val="595959"/>
-                </a:solidFill>
-                <a:latin typeface="Arial" panose="020B0604020202020204" pitchFamily="34" charset="0"/>
-                <a:hlinkClick r:id="rId7"/>
-              </a:rPr>
-            </a:br>
-            <a:br>
-              <a:rPr lang="en-US" altLang="ko-KR" dirty="0">
-                <a:solidFill>
-                  <a:srgbClr val="595959"/>
-                </a:solidFill>
-                <a:latin typeface="Arial" panose="020B0604020202020204" pitchFamily="34" charset="0"/>
-                <a:hlinkClick r:id="rId7"/>
-              </a:rPr>
-            </a:br>
-            <a:r>
-              <a:rPr lang="en-US" altLang="ko-KR" dirty="0" err="1">
-                <a:solidFill>
-                  <a:srgbClr val="595959"/>
-                </a:solidFill>
-                <a:latin typeface="Arial" panose="020B0604020202020204" pitchFamily="34" charset="0"/>
-              </a:rPr>
-              <a:t>librapid</a:t>
-            </a:r>
-            <a:r>
-              <a:rPr lang="en-US" altLang="ko-KR" dirty="0">
-                <a:solidFill>
-                  <a:srgbClr val="595959"/>
-                </a:solidFill>
-                <a:latin typeface="Arial" panose="020B0604020202020204" pitchFamily="34" charset="0"/>
-              </a:rPr>
-              <a:t>. Optimization Windows </a:t>
-            </a:r>
-            <a:r>
-              <a:rPr lang="en-US" altLang="ko-KR" dirty="0" err="1">
-                <a:solidFill>
-                  <a:srgbClr val="595959"/>
-                </a:solidFill>
-                <a:latin typeface="Arial" panose="020B0604020202020204" pitchFamily="34" charset="0"/>
-              </a:rPr>
-              <a:t>Tcp</a:t>
-            </a:r>
-            <a:r>
-              <a:rPr lang="en-US" altLang="ko-KR" dirty="0">
-                <a:solidFill>
-                  <a:srgbClr val="595959"/>
-                </a:solidFill>
-                <a:latin typeface="Arial" panose="020B0604020202020204" pitchFamily="34" charset="0"/>
-              </a:rPr>
-              <a:t> Server Library</a:t>
-            </a:r>
-            <a:br>
-              <a:rPr lang="en-US" altLang="ko-KR" dirty="0">
-                <a:solidFill>
-                  <a:srgbClr val="595959"/>
-                </a:solidFill>
-                <a:latin typeface="Arial" panose="020B0604020202020204" pitchFamily="34" charset="0"/>
-              </a:rPr>
-            </a:br>
-            <a:r>
-              <a:rPr lang="en-US" altLang="ko-KR" u="sng" dirty="0">
-                <a:solidFill>
-                  <a:srgbClr val="0097A7"/>
-                </a:solidFill>
-                <a:latin typeface="Arial" panose="020B0604020202020204" pitchFamily="34" charset="0"/>
-                <a:hlinkClick r:id="rId8"/>
-              </a:rPr>
-              <a:t>https://github.com/billlin0904/librapid</a:t>
-            </a:r>
-            <a:r>
-              <a:rPr lang="en-US" altLang="ko-KR" dirty="0">
-                <a:solidFill>
-                  <a:srgbClr val="595959"/>
-                </a:solidFill>
-                <a:latin typeface="Arial" panose="020B0604020202020204" pitchFamily="34" charset="0"/>
-              </a:rPr>
-              <a:t> </a:t>
-            </a:r>
-            <a:endParaRPr lang="ko-KR" altLang="en-US" dirty="0"/>
+              <a:t> !!!</a:t>
+            </a:r>
+            <a:endParaRPr lang="ko-KR" altLang="en-US" sz="3600" b="1" dirty="0">
+              <a:solidFill>
+                <a:srgbClr val="FF0000"/>
+              </a:solidFill>
+            </a:endParaRPr>
           </a:p>
         </p:txBody>
       </p:sp>
     </p:spTree>
     <p:extLst>
       <p:ext uri="{BB962C8B-B14F-4D97-AF65-F5344CB8AC3E}">
-        <p14:creationId xmlns:p14="http://schemas.microsoft.com/office/powerpoint/2010/main" val="3075968608"/>
+        <p14:creationId xmlns:p14="http://schemas.microsoft.com/office/powerpoint/2010/main" val="1703321987"/>
       </p:ext>
     </p:extLst>
   </p:cSld>
@@ -9828,7 +9630,15 @@
           <a:p>
             <a:r>
               <a:rPr lang="en-US" altLang="ko-KR" sz="3600" b="1" dirty="0"/>
-              <a:t>HTTP/2</a:t>
+              <a:t>UDS </a:t>
+            </a:r>
+            <a:r>
+              <a:rPr lang="ko-KR" altLang="en-US" sz="3600" b="1" dirty="0" err="1"/>
+              <a:t>ㅊㅊㅊㅌㅊ</a:t>
+            </a:r>
+            <a:r>
+              <a:rPr lang="en-US" altLang="ko-KR" sz="3600" b="1" dirty="0"/>
+              <a:t>)</a:t>
             </a:r>
             <a:endParaRPr lang="ko-KR" altLang="en-US" sz="3600" b="1" dirty="0"/>
           </a:p>
@@ -9837,7 +9647,435 @@
     </p:spTree>
     <p:extLst>
       <p:ext uri="{BB962C8B-B14F-4D97-AF65-F5344CB8AC3E}">
-        <p14:creationId xmlns:p14="http://schemas.microsoft.com/office/powerpoint/2010/main" val="117595690"/>
+        <p14:creationId xmlns:p14="http://schemas.microsoft.com/office/powerpoint/2010/main" val="3367074224"/>
+      </p:ext>
+    </p:extLst>
+  </p:cSld>
+  <p:clrMapOvr>
+    <a:masterClrMapping/>
+  </p:clrMapOvr>
+</p:sld>
+</file>
+
+<file path=ppt/slides/slide29.xml><?xml version="1.0" encoding="utf-8"?>
+<p:sld xmlns:a="http://schemas.openxmlformats.org/drawingml/2006/main" xmlns:r="http://schemas.openxmlformats.org/officeDocument/2006/relationships" xmlns:p="http://schemas.openxmlformats.org/presentationml/2006/main">
+  <p:cSld>
+    <p:spTree>
+      <p:nvGrpSpPr>
+        <p:cNvPr id="1" name=""/>
+        <p:cNvGrpSpPr/>
+        <p:nvPr/>
+      </p:nvGrpSpPr>
+      <p:grpSpPr>
+        <a:xfrm>
+          <a:off x="0" y="0"/>
+          <a:ext cx="0" cy="0"/>
+          <a:chOff x="0" y="0"/>
+          <a:chExt cx="0" cy="0"/>
+        </a:xfrm>
+      </p:grpSpPr>
+      <p:sp>
+        <p:nvSpPr>
+          <p:cNvPr id="2" name="TextBox 1"/>
+          <p:cNvSpPr txBox="1"/>
+          <p:nvPr/>
+        </p:nvSpPr>
+        <p:spPr>
+          <a:xfrm>
+            <a:off x="551328" y="322729"/>
+            <a:ext cx="11282083" cy="646331"/>
+          </a:xfrm>
+          <a:prstGeom prst="rect">
+            <a:avLst/>
+          </a:prstGeom>
+          <a:noFill/>
+        </p:spPr>
+        <p:txBody>
+          <a:bodyPr wrap="square" rtlCol="0">
+            <a:spAutoFit/>
+          </a:bodyPr>
+          <a:lstStyle/>
+          <a:p>
+            <a:r>
+              <a:rPr lang="en-US" altLang="ko-KR" sz="3600" b="1" dirty="0"/>
+              <a:t>HTTP/2</a:t>
+            </a:r>
+            <a:endParaRPr lang="ko-KR" altLang="en-US" sz="3600" b="1" dirty="0"/>
+          </a:p>
+        </p:txBody>
+      </p:sp>
+      <p:sp>
+        <p:nvSpPr>
+          <p:cNvPr id="4" name="직사각형 3"/>
+          <p:cNvSpPr/>
+          <p:nvPr/>
+        </p:nvSpPr>
+        <p:spPr>
+          <a:xfrm>
+            <a:off x="59374" y="973799"/>
+            <a:ext cx="12047167" cy="5837495"/>
+          </a:xfrm>
+          <a:prstGeom prst="rect">
+            <a:avLst/>
+          </a:prstGeom>
+        </p:spPr>
+        <p:txBody>
+          <a:bodyPr wrap="square">
+            <a:spAutoFit/>
+          </a:bodyPr>
+          <a:lstStyle/>
+          <a:p>
+            <a:pPr>
+              <a:spcAft>
+                <a:spcPts val="1600"/>
+              </a:spcAft>
+            </a:pPr>
+            <a:r>
+              <a:rPr lang="en-US" altLang="ko-KR" b="1" dirty="0">
+                <a:solidFill>
+                  <a:srgbClr val="595959"/>
+                </a:solidFill>
+                <a:latin typeface="Arial" panose="020B0604020202020204" pitchFamily="34" charset="0"/>
+              </a:rPr>
+              <a:t>fast loopback</a:t>
+            </a:r>
+            <a:endParaRPr lang="en-US" altLang="ko-KR" dirty="0"/>
+          </a:p>
+          <a:p>
+            <a:r>
+              <a:rPr lang="en-US" altLang="ko-KR" u="sng" dirty="0">
+                <a:solidFill>
+                  <a:srgbClr val="0097A7"/>
+                </a:solidFill>
+                <a:latin typeface="Arial" panose="020B0604020202020204" pitchFamily="34" charset="0"/>
+                <a:hlinkClick r:id="rId2"/>
+              </a:rPr>
+              <a:t>http://www.drdobbs.com/windows/the-new-socket-apis-in-windows-8/240148403?pgno=3</a:t>
+            </a:r>
+            <a:br>
+              <a:rPr lang="en-US" altLang="ko-KR" dirty="0">
+                <a:solidFill>
+                  <a:srgbClr val="595959"/>
+                </a:solidFill>
+                <a:latin typeface="Arial" panose="020B0604020202020204" pitchFamily="34" charset="0"/>
+                <a:hlinkClick r:id="rId2"/>
+              </a:rPr>
+            </a:br>
+            <a:br>
+              <a:rPr lang="en-US" altLang="ko-KR" dirty="0">
+                <a:solidFill>
+                  <a:srgbClr val="595959"/>
+                </a:solidFill>
+                <a:latin typeface="Arial" panose="020B0604020202020204" pitchFamily="34" charset="0"/>
+                <a:hlinkClick r:id="rId2"/>
+              </a:rPr>
+            </a:br>
+            <a:r>
+              <a:rPr lang="en-US" altLang="ko-KR" u="sng" dirty="0">
+                <a:solidFill>
+                  <a:srgbClr val="0097A7"/>
+                </a:solidFill>
+                <a:latin typeface="Arial" panose="020B0604020202020204" pitchFamily="34" charset="0"/>
+                <a:hlinkClick r:id="rId3"/>
+              </a:rPr>
+              <a:t>https://github.com/search?q=SIO_LOOPBACK_FAST_PATH&amp;type=Code&amp;utf8=%E2%9C%93</a:t>
+            </a:r>
+            <a:br>
+              <a:rPr lang="en-US" altLang="ko-KR" dirty="0">
+                <a:solidFill>
+                  <a:srgbClr val="595959"/>
+                </a:solidFill>
+                <a:latin typeface="Arial" panose="020B0604020202020204" pitchFamily="34" charset="0"/>
+                <a:hlinkClick r:id="rId3"/>
+              </a:rPr>
+            </a:br>
+            <a:br>
+              <a:rPr lang="en-US" altLang="ko-KR" dirty="0">
+                <a:solidFill>
+                  <a:srgbClr val="595959"/>
+                </a:solidFill>
+                <a:latin typeface="Arial" panose="020B0604020202020204" pitchFamily="34" charset="0"/>
+                <a:hlinkClick r:id="rId3"/>
+              </a:rPr>
+            </a:br>
+            <a:r>
+              <a:rPr lang="en-US" altLang="ko-KR" dirty="0">
+                <a:solidFill>
+                  <a:srgbClr val="595959"/>
+                </a:solidFill>
+                <a:latin typeface="Arial" panose="020B0604020202020204" pitchFamily="34" charset="0"/>
+              </a:rPr>
+              <a:t>Fast TCP Loopback Performance and Low Latency with Windows Server 2012 TCP Loopback Fast Path</a:t>
+            </a:r>
+            <a:br>
+              <a:rPr lang="en-US" altLang="ko-KR" dirty="0">
+                <a:solidFill>
+                  <a:srgbClr val="595959"/>
+                </a:solidFill>
+                <a:latin typeface="Arial" panose="020B0604020202020204" pitchFamily="34" charset="0"/>
+              </a:rPr>
+            </a:br>
+            <a:r>
+              <a:rPr lang="en-US" altLang="ko-KR" u="sng" dirty="0">
+                <a:solidFill>
+                  <a:srgbClr val="0097A7"/>
+                </a:solidFill>
+                <a:latin typeface="Arial" panose="020B0604020202020204" pitchFamily="34" charset="0"/>
+                <a:hlinkClick r:id="rId4"/>
+              </a:rPr>
+              <a:t>https://blogs.technet.microsoft.com/wincat/2012/12/05/fast-tcp-loopback-performance-and-low-latency-with-windows-server-2012-tcp-loopback-fast-path/</a:t>
+            </a:r>
+            <a:br>
+              <a:rPr lang="en-US" altLang="ko-KR" dirty="0">
+                <a:solidFill>
+                  <a:srgbClr val="595959"/>
+                </a:solidFill>
+                <a:latin typeface="Arial" panose="020B0604020202020204" pitchFamily="34" charset="0"/>
+                <a:hlinkClick r:id="rId4"/>
+              </a:rPr>
+            </a:br>
+            <a:br>
+              <a:rPr lang="en-US" altLang="ko-KR" dirty="0">
+                <a:solidFill>
+                  <a:srgbClr val="595959"/>
+                </a:solidFill>
+                <a:latin typeface="Arial" panose="020B0604020202020204" pitchFamily="34" charset="0"/>
+                <a:hlinkClick r:id="rId4"/>
+              </a:rPr>
+            </a:br>
+            <a:r>
+              <a:rPr lang="en-US" altLang="ko-KR" dirty="0">
+                <a:solidFill>
+                  <a:srgbClr val="595959"/>
+                </a:solidFill>
+                <a:latin typeface="Arial" panose="020B0604020202020204" pitchFamily="34" charset="0"/>
+              </a:rPr>
+              <a:t>Fast Loopback on Windows 10 with weird </a:t>
+            </a:r>
+            <a:r>
+              <a:rPr lang="en-US" altLang="ko-KR" dirty="0" err="1">
+                <a:solidFill>
+                  <a:srgbClr val="595959"/>
+                </a:solidFill>
+                <a:latin typeface="Arial" panose="020B0604020202020204" pitchFamily="34" charset="0"/>
+              </a:rPr>
+              <a:t>HyperThreading</a:t>
+            </a:r>
+            <a:r>
+              <a:rPr lang="en-US" altLang="ko-KR" dirty="0">
+                <a:solidFill>
+                  <a:srgbClr val="595959"/>
+                </a:solidFill>
+                <a:latin typeface="Arial" panose="020B0604020202020204" pitchFamily="34" charset="0"/>
+              </a:rPr>
+              <a:t> results</a:t>
+            </a:r>
+            <a:br>
+              <a:rPr lang="en-US" altLang="ko-KR" dirty="0">
+                <a:solidFill>
+                  <a:srgbClr val="595959"/>
+                </a:solidFill>
+                <a:latin typeface="Arial" panose="020B0604020202020204" pitchFamily="34" charset="0"/>
+              </a:rPr>
+            </a:br>
+            <a:r>
+              <a:rPr lang="en-US" altLang="ko-KR" u="sng" dirty="0">
+                <a:solidFill>
+                  <a:srgbClr val="0097A7"/>
+                </a:solidFill>
+                <a:latin typeface="Arial" panose="020B0604020202020204" pitchFamily="34" charset="0"/>
+                <a:hlinkClick r:id="rId5"/>
+              </a:rPr>
+              <a:t>http://stackoverflow.com/questions/31742501/fast-loopback-on-windows-10-with-weird-hyperthreading-results</a:t>
+            </a:r>
+            <a:br>
+              <a:rPr lang="en-US" altLang="ko-KR" dirty="0">
+                <a:solidFill>
+                  <a:srgbClr val="595959"/>
+                </a:solidFill>
+                <a:latin typeface="Arial" panose="020B0604020202020204" pitchFamily="34" charset="0"/>
+                <a:hlinkClick r:id="rId5"/>
+              </a:rPr>
+            </a:br>
+            <a:br>
+              <a:rPr lang="en-US" altLang="ko-KR" dirty="0">
+                <a:solidFill>
+                  <a:srgbClr val="595959"/>
+                </a:solidFill>
+                <a:latin typeface="Arial" panose="020B0604020202020204" pitchFamily="34" charset="0"/>
+                <a:hlinkClick r:id="rId5"/>
+              </a:rPr>
+            </a:br>
+            <a:r>
+              <a:rPr lang="en-US" altLang="ko-KR" dirty="0">
+                <a:solidFill>
+                  <a:srgbClr val="595959"/>
+                </a:solidFill>
+                <a:latin typeface="Arial" panose="020B0604020202020204" pitchFamily="34" charset="0"/>
+              </a:rPr>
+              <a:t>SIO_LOOPBACK_FAST_PATH control code</a:t>
+            </a:r>
+            <a:br>
+              <a:rPr lang="en-US" altLang="ko-KR" dirty="0">
+                <a:solidFill>
+                  <a:srgbClr val="595959"/>
+                </a:solidFill>
+                <a:latin typeface="Arial" panose="020B0604020202020204" pitchFamily="34" charset="0"/>
+              </a:rPr>
+            </a:br>
+            <a:r>
+              <a:rPr lang="en-US" altLang="ko-KR" u="sng" dirty="0">
+                <a:solidFill>
+                  <a:srgbClr val="0097A7"/>
+                </a:solidFill>
+                <a:latin typeface="Arial" panose="020B0604020202020204" pitchFamily="34" charset="0"/>
+                <a:hlinkClick r:id="rId6"/>
+              </a:rPr>
+              <a:t>https://msdn.microsoft.com/en-us/library/windows/desktop/jj841212(v=vs.85).aspx</a:t>
+            </a:r>
+            <a:br>
+              <a:rPr lang="en-US" altLang="ko-KR" dirty="0">
+                <a:solidFill>
+                  <a:srgbClr val="595959"/>
+                </a:solidFill>
+                <a:latin typeface="Arial" panose="020B0604020202020204" pitchFamily="34" charset="0"/>
+                <a:hlinkClick r:id="rId6"/>
+              </a:rPr>
+            </a:br>
+            <a:br>
+              <a:rPr lang="en-US" altLang="ko-KR" dirty="0">
+                <a:solidFill>
+                  <a:srgbClr val="595959"/>
+                </a:solidFill>
+                <a:latin typeface="Arial" panose="020B0604020202020204" pitchFamily="34" charset="0"/>
+                <a:hlinkClick r:id="rId6"/>
+              </a:rPr>
+            </a:br>
+            <a:r>
+              <a:rPr lang="en-US" altLang="ko-KR" dirty="0">
+                <a:solidFill>
+                  <a:srgbClr val="595959"/>
+                </a:solidFill>
+                <a:latin typeface="Arial" panose="020B0604020202020204" pitchFamily="34" charset="0"/>
+              </a:rPr>
+              <a:t>Python3.6</a:t>
+            </a:r>
+            <a:r>
+              <a:rPr lang="ko-KR" altLang="en-US" dirty="0">
+                <a:solidFill>
+                  <a:srgbClr val="595959"/>
+                </a:solidFill>
+                <a:latin typeface="Arial" panose="020B0604020202020204" pitchFamily="34" charset="0"/>
+              </a:rPr>
+              <a:t>の新機能</a:t>
+            </a:r>
+            <a:br>
+              <a:rPr lang="ko-KR" altLang="en-US" dirty="0">
+                <a:solidFill>
+                  <a:srgbClr val="595959"/>
+                </a:solidFill>
+                <a:latin typeface="Arial" panose="020B0604020202020204" pitchFamily="34" charset="0"/>
+              </a:rPr>
+            </a:br>
+            <a:r>
+              <a:rPr lang="en-US" altLang="ko-KR" u="sng" dirty="0">
+                <a:solidFill>
+                  <a:srgbClr val="0097A7"/>
+                </a:solidFill>
+                <a:latin typeface="Arial" panose="020B0604020202020204" pitchFamily="34" charset="0"/>
+                <a:hlinkClick r:id="rId7"/>
+              </a:rPr>
+              <a:t>http://qiita.com/ksato9700/items/ed839a6db6a671fd31e6#socket</a:t>
+            </a:r>
+            <a:br>
+              <a:rPr lang="en-US" altLang="ko-KR" dirty="0">
+                <a:solidFill>
+                  <a:srgbClr val="595959"/>
+                </a:solidFill>
+                <a:latin typeface="Arial" panose="020B0604020202020204" pitchFamily="34" charset="0"/>
+                <a:hlinkClick r:id="rId7"/>
+              </a:rPr>
+            </a:br>
+            <a:br>
+              <a:rPr lang="en-US" altLang="ko-KR" dirty="0">
+                <a:solidFill>
+                  <a:srgbClr val="595959"/>
+                </a:solidFill>
+                <a:latin typeface="Arial" panose="020B0604020202020204" pitchFamily="34" charset="0"/>
+                <a:hlinkClick r:id="rId7"/>
+              </a:rPr>
+            </a:br>
+            <a:r>
+              <a:rPr lang="en-US" altLang="ko-KR" dirty="0" err="1">
+                <a:solidFill>
+                  <a:srgbClr val="595959"/>
+                </a:solidFill>
+                <a:latin typeface="Arial" panose="020B0604020202020204" pitchFamily="34" charset="0"/>
+              </a:rPr>
+              <a:t>librapid</a:t>
+            </a:r>
+            <a:r>
+              <a:rPr lang="en-US" altLang="ko-KR" dirty="0">
+                <a:solidFill>
+                  <a:srgbClr val="595959"/>
+                </a:solidFill>
+                <a:latin typeface="Arial" panose="020B0604020202020204" pitchFamily="34" charset="0"/>
+              </a:rPr>
+              <a:t>. Optimization Windows </a:t>
+            </a:r>
+            <a:r>
+              <a:rPr lang="en-US" altLang="ko-KR" dirty="0" err="1">
+                <a:solidFill>
+                  <a:srgbClr val="595959"/>
+                </a:solidFill>
+                <a:latin typeface="Arial" panose="020B0604020202020204" pitchFamily="34" charset="0"/>
+              </a:rPr>
+              <a:t>Tcp</a:t>
+            </a:r>
+            <a:r>
+              <a:rPr lang="en-US" altLang="ko-KR" dirty="0">
+                <a:solidFill>
+                  <a:srgbClr val="595959"/>
+                </a:solidFill>
+                <a:latin typeface="Arial" panose="020B0604020202020204" pitchFamily="34" charset="0"/>
+              </a:rPr>
+              <a:t> Server Library</a:t>
+            </a:r>
+            <a:br>
+              <a:rPr lang="en-US" altLang="ko-KR" dirty="0">
+                <a:solidFill>
+                  <a:srgbClr val="595959"/>
+                </a:solidFill>
+                <a:latin typeface="Arial" panose="020B0604020202020204" pitchFamily="34" charset="0"/>
+              </a:rPr>
+            </a:br>
+            <a:r>
+              <a:rPr lang="en-US" altLang="ko-KR" u="sng" dirty="0">
+                <a:solidFill>
+                  <a:srgbClr val="0097A7"/>
+                </a:solidFill>
+                <a:latin typeface="Arial" panose="020B0604020202020204" pitchFamily="34" charset="0"/>
+                <a:hlinkClick r:id="rId8"/>
+              </a:rPr>
+              <a:t>https://github.com/billlin0904/librapid</a:t>
+            </a:r>
+            <a:r>
+              <a:rPr lang="en-US" altLang="ko-KR" dirty="0">
+                <a:solidFill>
+                  <a:srgbClr val="595959"/>
+                </a:solidFill>
+                <a:latin typeface="Arial" panose="020B0604020202020204" pitchFamily="34" charset="0"/>
+              </a:rPr>
+              <a:t> </a:t>
+            </a:r>
+            <a:endParaRPr lang="ko-KR" altLang="en-US" dirty="0"/>
+          </a:p>
+        </p:txBody>
+      </p:sp>
+    </p:spTree>
+    <p:extLst>
+      <p:ext uri="{BB962C8B-B14F-4D97-AF65-F5344CB8AC3E}">
+        <p14:creationId xmlns:p14="http://schemas.microsoft.com/office/powerpoint/2010/main" val="3075968608"/>
       </p:ext>
     </p:extLst>
   </p:cSld>
@@ -9892,6 +10130,66 @@
     <p:extLst>
       <p:ext uri="{BB962C8B-B14F-4D97-AF65-F5344CB8AC3E}">
         <p14:creationId xmlns:p14="http://schemas.microsoft.com/office/powerpoint/2010/main" val="1077644727"/>
+      </p:ext>
+    </p:extLst>
+  </p:cSld>
+  <p:clrMapOvr>
+    <a:masterClrMapping/>
+  </p:clrMapOvr>
+</p:sld>
+</file>
+
+<file path=ppt/slides/slide30.xml><?xml version="1.0" encoding="utf-8"?>
+<p:sld xmlns:a="http://schemas.openxmlformats.org/drawingml/2006/main" xmlns:r="http://schemas.openxmlformats.org/officeDocument/2006/relationships" xmlns:p="http://schemas.openxmlformats.org/presentationml/2006/main">
+  <p:cSld>
+    <p:spTree>
+      <p:nvGrpSpPr>
+        <p:cNvPr id="1" name=""/>
+        <p:cNvGrpSpPr/>
+        <p:nvPr/>
+      </p:nvGrpSpPr>
+      <p:grpSpPr>
+        <a:xfrm>
+          <a:off x="0" y="0"/>
+          <a:ext cx="0" cy="0"/>
+          <a:chOff x="0" y="0"/>
+          <a:chExt cx="0" cy="0"/>
+        </a:xfrm>
+      </p:grpSpPr>
+      <p:sp>
+        <p:nvSpPr>
+          <p:cNvPr id="2" name="TextBox 1"/>
+          <p:cNvSpPr txBox="1"/>
+          <p:nvPr/>
+        </p:nvSpPr>
+        <p:spPr>
+          <a:xfrm>
+            <a:off x="551328" y="322729"/>
+            <a:ext cx="11282083" cy="646331"/>
+          </a:xfrm>
+          <a:prstGeom prst="rect">
+            <a:avLst/>
+          </a:prstGeom>
+          <a:noFill/>
+        </p:spPr>
+        <p:txBody>
+          <a:bodyPr wrap="square" rtlCol="0">
+            <a:spAutoFit/>
+          </a:bodyPr>
+          <a:lstStyle/>
+          <a:p>
+            <a:r>
+              <a:rPr lang="en-US" altLang="ko-KR" sz="3600" b="1" dirty="0"/>
+              <a:t>HTTP/2</a:t>
+            </a:r>
+            <a:endParaRPr lang="ko-KR" altLang="en-US" sz="3600" b="1" dirty="0"/>
+          </a:p>
+        </p:txBody>
+      </p:sp>
+    </p:spTree>
+    <p:extLst>
+      <p:ext uri="{BB962C8B-B14F-4D97-AF65-F5344CB8AC3E}">
+        <p14:creationId xmlns:p14="http://schemas.microsoft.com/office/powerpoint/2010/main" val="117595690"/>
       </p:ext>
     </p:extLst>
   </p:cSld>

--- a/WSAPoll, Fast Loopback.pptx
+++ b/WSAPoll, Fast Loopback.pptx
@@ -5,10 +5,10 @@
     <p:sldMasterId id="2147483648" r:id="rId1"/>
   </p:sldMasterIdLst>
   <p:notesMasterIdLst>
-    <p:notesMasterId r:id="rId32"/>
+    <p:notesMasterId r:id="rId42"/>
   </p:notesMasterIdLst>
   <p:handoutMasterIdLst>
-    <p:handoutMasterId r:id="rId33"/>
+    <p:handoutMasterId r:id="rId43"/>
   </p:handoutMasterIdLst>
   <p:sldIdLst>
     <p:sldId id="261" r:id="rId2"/>
@@ -39,8 +39,18 @@
     <p:sldId id="290" r:id="rId27"/>
     <p:sldId id="313" r:id="rId28"/>
     <p:sldId id="314" r:id="rId29"/>
-    <p:sldId id="288" r:id="rId30"/>
-    <p:sldId id="309" r:id="rId31"/>
+    <p:sldId id="316" r:id="rId30"/>
+    <p:sldId id="315" r:id="rId31"/>
+    <p:sldId id="317" r:id="rId32"/>
+    <p:sldId id="319" r:id="rId33"/>
+    <p:sldId id="320" r:id="rId34"/>
+    <p:sldId id="321" r:id="rId35"/>
+    <p:sldId id="323" r:id="rId36"/>
+    <p:sldId id="288" r:id="rId37"/>
+    <p:sldId id="324" r:id="rId38"/>
+    <p:sldId id="318" r:id="rId39"/>
+    <p:sldId id="322" r:id="rId40"/>
+    <p:sldId id="309" r:id="rId41"/>
   </p:sldIdLst>
   <p:sldSz cx="12192000" cy="6858000"/>
   <p:notesSz cx="6858000" cy="9144000"/>
@@ -9568,11 +9578,6 @@
               </a:rPr>
               <a:t> !!!</a:t>
             </a:r>
-            <a:endParaRPr lang="ko-KR" altLang="en-US" sz="3600" b="1" dirty="0">
-              <a:solidFill>
-                <a:srgbClr val="FF0000"/>
-              </a:solidFill>
-            </a:endParaRPr>
           </a:p>
         </p:txBody>
       </p:sp>
@@ -9630,17 +9635,183 @@
           <a:p>
             <a:r>
               <a:rPr lang="en-US" altLang="ko-KR" sz="3600" b="1" dirty="0"/>
-              <a:t>UDS </a:t>
-            </a:r>
-            <a:r>
-              <a:rPr lang="ko-KR" altLang="en-US" sz="3600" b="1" dirty="0" err="1"/>
-              <a:t>ㅊㅊㅊㅌㅊ</a:t>
-            </a:r>
-            <a:r>
-              <a:rPr lang="en-US" altLang="ko-KR" sz="3600" b="1" dirty="0"/>
-              <a:t>)</a:t>
+              <a:t>Fast TCP Loopback</a:t>
             </a:r>
             <a:endParaRPr lang="ko-KR" altLang="en-US" sz="3600" b="1" dirty="0"/>
+          </a:p>
+        </p:txBody>
+      </p:sp>
+      <p:sp>
+        <p:nvSpPr>
+          <p:cNvPr id="3" name="직사각형 2"/>
+          <p:cNvSpPr/>
+          <p:nvPr/>
+        </p:nvSpPr>
+        <p:spPr>
+          <a:xfrm>
+            <a:off x="696685" y="1388745"/>
+            <a:ext cx="10477995" cy="4524315"/>
+          </a:xfrm>
+          <a:prstGeom prst="rect">
+            <a:avLst/>
+          </a:prstGeom>
+        </p:spPr>
+        <p:txBody>
+          <a:bodyPr wrap="square">
+            <a:spAutoFit/>
+          </a:bodyPr>
+          <a:lstStyle/>
+          <a:p>
+            <a:pPr marL="285750" indent="-285750">
+              <a:buFont typeface="Arial" panose="020B0604020202020204" pitchFamily="34" charset="0"/>
+              <a:buChar char="•"/>
+            </a:pPr>
+            <a:r>
+              <a:rPr lang="ko-KR" altLang="en-US" sz="2400" dirty="0"/>
+              <a:t>Windows 8 / Windows Server 2012 에서 추가된 </a:t>
+            </a:r>
+            <a:r>
+              <a:rPr lang="ko-KR" altLang="en-US" sz="2400" dirty="0" err="1"/>
+              <a:t>Winsock</a:t>
+            </a:r>
+            <a:r>
+              <a:rPr lang="ko-KR" altLang="en-US" sz="2400" dirty="0"/>
+              <a:t> 기능</a:t>
+            </a:r>
+            <a:r>
+              <a:rPr lang="en-US" altLang="ko-KR" sz="2400" dirty="0"/>
+              <a:t>.</a:t>
+            </a:r>
+            <a:br>
+              <a:rPr lang="en-US" altLang="ko-KR" sz="2400" dirty="0"/>
+            </a:br>
+            <a:endParaRPr lang="en-US" altLang="ko-KR" sz="2400" dirty="0"/>
+          </a:p>
+          <a:p>
+            <a:pPr marL="285750" indent="-285750">
+              <a:buFont typeface="Arial" panose="020B0604020202020204" pitchFamily="34" charset="0"/>
+              <a:buChar char="•"/>
+            </a:pPr>
+            <a:r>
+              <a:rPr lang="ko-KR" altLang="en-US" sz="2400" dirty="0"/>
+              <a:t>SIO_LOOPBACK_FAST_PATH </a:t>
+            </a:r>
+            <a:r>
+              <a:rPr lang="ko-KR" altLang="en-US" sz="2400" dirty="0" err="1"/>
+              <a:t>IOCTL은</a:t>
+            </a:r>
+            <a:r>
+              <a:rPr lang="ko-KR" altLang="en-US" sz="2400" dirty="0"/>
+              <a:t> 지연 시간을 줄이고</a:t>
+            </a:r>
+            <a:r>
+              <a:rPr lang="en-US" altLang="ko-KR" sz="2400" dirty="0"/>
+              <a:t>,</a:t>
+            </a:r>
+            <a:r>
+              <a:rPr lang="ko-KR" altLang="en-US" sz="2400" dirty="0"/>
+              <a:t> TCP </a:t>
+            </a:r>
+            <a:r>
+              <a:rPr lang="ko-KR" altLang="en-US" sz="2400" dirty="0" err="1"/>
+              <a:t>over</a:t>
+            </a:r>
+            <a:r>
+              <a:rPr lang="ko-KR" altLang="en-US" sz="2400" dirty="0"/>
+              <a:t> 루프백의 성능을 향상시킨다</a:t>
+            </a:r>
+            <a:r>
+              <a:rPr lang="en-US" altLang="ko-KR" sz="2400" dirty="0"/>
+              <a:t>.</a:t>
+            </a:r>
+            <a:br>
+              <a:rPr lang="en-US" altLang="ko-KR" sz="2400" dirty="0"/>
+            </a:br>
+            <a:r>
+              <a:rPr lang="en-US" altLang="ko-KR" sz="2400" dirty="0"/>
+              <a:t>Device Input and Output Control (IOCTL)</a:t>
+            </a:r>
+            <a:br>
+              <a:rPr lang="en-US" altLang="ko-KR" sz="2400" dirty="0"/>
+            </a:br>
+            <a:endParaRPr lang="en-US" altLang="ko-KR" sz="2400" dirty="0"/>
+          </a:p>
+          <a:p>
+            <a:pPr marL="285750" indent="-285750">
+              <a:buFont typeface="Arial" panose="020B0604020202020204" pitchFamily="34" charset="0"/>
+              <a:buChar char="•"/>
+            </a:pPr>
+            <a:r>
+              <a:rPr lang="ko-KR" altLang="en-US" sz="2400" dirty="0"/>
+              <a:t>Windows에서 IPv4 또는 IPv6 </a:t>
+            </a:r>
+            <a:r>
+              <a:rPr lang="ko-KR" altLang="en-US" sz="2400" dirty="0" err="1"/>
+              <a:t>루프백</a:t>
+            </a:r>
+            <a:r>
+              <a:rPr lang="en-US" altLang="ko-KR" sz="2400" dirty="0"/>
+              <a:t>(localhost, 127.0.0.1)</a:t>
+            </a:r>
+            <a:r>
+              <a:rPr lang="ko-KR" altLang="en-US" sz="2400" dirty="0"/>
+              <a:t> 주소를 사용하는 패킷은 네트워크 계층을 사용한다. 이 </a:t>
+            </a:r>
+            <a:r>
+              <a:rPr lang="ko-KR" altLang="en-US" sz="2400" dirty="0" err="1"/>
+              <a:t>IOCTL은</a:t>
+            </a:r>
+            <a:r>
+              <a:rPr lang="ko-KR" altLang="en-US" sz="2400" dirty="0"/>
+              <a:t> 루프백을 통한 TCP 패킷이 </a:t>
+            </a:r>
+            <a:r>
+              <a:rPr lang="ko-KR" altLang="en-US" sz="2400" b="1" dirty="0"/>
+              <a:t>전송 계층을 대신 사용하도록 동작을 변경</a:t>
+            </a:r>
+            <a:r>
+              <a:rPr lang="ko-KR" altLang="en-US" sz="2400" dirty="0"/>
+              <a:t>한다. </a:t>
+            </a:r>
+            <a:br>
+              <a:rPr lang="en-US" altLang="ko-KR" sz="2400" dirty="0"/>
+            </a:br>
+            <a:endParaRPr lang="en-US" altLang="ko-KR" sz="2400" dirty="0"/>
+          </a:p>
+          <a:p>
+            <a:pPr marL="285750" indent="-285750">
+              <a:buFont typeface="Arial" panose="020B0604020202020204" pitchFamily="34" charset="0"/>
+              <a:buChar char="•"/>
+            </a:pPr>
+            <a:r>
+              <a:rPr lang="ko-KR" altLang="en-US" sz="2400" dirty="0"/>
+              <a:t>이렇게 하면 </a:t>
+            </a:r>
+            <a:r>
+              <a:rPr lang="ko-KR" altLang="en-US" sz="2400" dirty="0" err="1"/>
+              <a:t>루프백</a:t>
+            </a:r>
+            <a:r>
+              <a:rPr lang="ko-KR" altLang="en-US" sz="2400" dirty="0"/>
+              <a:t> 패킷이 </a:t>
+            </a:r>
+            <a:r>
+              <a:rPr lang="ko-KR" altLang="en-US" sz="2400" dirty="0" err="1"/>
+              <a:t>OS에서</a:t>
+            </a:r>
+            <a:r>
+              <a:rPr lang="ko-KR" altLang="en-US" sz="2400" dirty="0"/>
+              <a:t> 통과 해야하는 </a:t>
+            </a:r>
+            <a:r>
+              <a:rPr lang="ko-KR" altLang="en-US" sz="2400" b="1" dirty="0"/>
+              <a:t>코드 경로가 단축되므로 대기 시간이 단축되고 성능이 향상</a:t>
+            </a:r>
+            <a:r>
+              <a:rPr lang="ko-KR" altLang="en-US" sz="2400" dirty="0"/>
+              <a:t>된다.</a:t>
+            </a:r>
+            <a:endParaRPr lang="ko-KR" altLang="en-US" sz="2400" dirty="0"/>
           </a:p>
         </p:txBody>
       </p:sp>
@@ -9676,14 +9847,131 @@
       </p:grpSpPr>
       <p:sp>
         <p:nvSpPr>
-          <p:cNvPr id="2" name="TextBox 1"/>
+          <p:cNvPr id="3" name="직사각형 2"/>
+          <p:cNvSpPr/>
+          <p:nvPr/>
+        </p:nvSpPr>
+        <p:spPr>
+          <a:xfrm>
+            <a:off x="696685" y="1388745"/>
+            <a:ext cx="10477995" cy="3785652"/>
+          </a:xfrm>
+          <a:prstGeom prst="rect">
+            <a:avLst/>
+          </a:prstGeom>
+        </p:spPr>
+        <p:txBody>
+          <a:bodyPr wrap="square">
+            <a:spAutoFit/>
+          </a:bodyPr>
+          <a:lstStyle/>
+          <a:p>
+            <a:pPr marL="285750" indent="-285750">
+              <a:buFont typeface="Arial" panose="020B0604020202020204" pitchFamily="34" charset="0"/>
+              <a:buChar char="•"/>
+            </a:pPr>
+            <a:r>
+              <a:rPr lang="ko-KR" altLang="en-US" sz="2400" dirty="0"/>
+              <a:t>이 향상된 기능을 사용하려면 </a:t>
+            </a:r>
+            <a:r>
+              <a:rPr lang="ko-KR" altLang="en-US" sz="2400" b="1" dirty="0" err="1"/>
+              <a:t>루프백</a:t>
+            </a:r>
+            <a:r>
+              <a:rPr lang="ko-KR" altLang="en-US" sz="2400" b="1" dirty="0"/>
+              <a:t>(클라이언트와 서버)을 사용하는 소켓 모두가 </a:t>
+            </a:r>
+            <a:r>
+              <a:rPr lang="ko-KR" altLang="en-US" sz="2400" b="1" dirty="0" err="1"/>
+              <a:t>IOCTL을</a:t>
+            </a:r>
+            <a:r>
+              <a:rPr lang="ko-KR" altLang="en-US" sz="2400" b="1" dirty="0"/>
+              <a:t> </a:t>
+            </a:r>
+            <a:r>
+              <a:rPr lang="ko-KR" altLang="en-US" sz="2400" b="1" dirty="0" err="1"/>
+              <a:t>설정해야한다</a:t>
+            </a:r>
+            <a:r>
+              <a:rPr lang="ko-KR" altLang="en-US" sz="2400" dirty="0"/>
+              <a:t>. </a:t>
+            </a:r>
+            <a:br>
+              <a:rPr lang="en-US" altLang="ko-KR" sz="2400" dirty="0"/>
+            </a:br>
+            <a:endParaRPr lang="en-US" altLang="ko-KR" sz="2400" dirty="0"/>
+          </a:p>
+          <a:p>
+            <a:pPr marL="285750" indent="-285750">
+              <a:buFont typeface="Arial" panose="020B0604020202020204" pitchFamily="34" charset="0"/>
+              <a:buChar char="•"/>
+            </a:pPr>
+            <a:r>
+              <a:rPr lang="ko-KR" altLang="en-US" sz="2400" dirty="0"/>
+              <a:t>클라이언트측 소켓은 연결 호출을 작성하기 전에 이 </a:t>
+            </a:r>
+            <a:r>
+              <a:rPr lang="ko-KR" altLang="en-US" sz="2400" dirty="0" err="1"/>
+              <a:t>IOCTL을</a:t>
+            </a:r>
+            <a:r>
+              <a:rPr lang="ko-KR" altLang="en-US" sz="2400" dirty="0"/>
+              <a:t> 설정 </a:t>
+            </a:r>
+            <a:r>
+              <a:rPr lang="ko-KR" altLang="en-US" sz="2400" dirty="0" err="1"/>
+              <a:t>해야하나다</a:t>
+            </a:r>
+            <a:r>
+              <a:rPr lang="ko-KR" altLang="en-US" sz="2400" dirty="0"/>
+              <a:t>. 그리고 서버측 소켓은 들어오는 소켓을 수락하기 전에 이 </a:t>
+            </a:r>
+            <a:r>
+              <a:rPr lang="ko-KR" altLang="en-US" sz="2400" dirty="0" err="1"/>
+              <a:t>IOCTL을</a:t>
+            </a:r>
+            <a:r>
+              <a:rPr lang="ko-KR" altLang="en-US" sz="2400" dirty="0"/>
+              <a:t> 적용 해야한다. </a:t>
+            </a:r>
+            <a:br>
+              <a:rPr lang="en-US" altLang="ko-KR" sz="2400" dirty="0"/>
+            </a:br>
+            <a:endParaRPr lang="en-US" altLang="ko-KR" sz="2400" dirty="0"/>
+          </a:p>
+          <a:p>
+            <a:pPr marL="285750" indent="-285750">
+              <a:buFont typeface="Arial" panose="020B0604020202020204" pitchFamily="34" charset="0"/>
+              <a:buChar char="•"/>
+            </a:pPr>
+            <a:r>
+              <a:rPr lang="ko-KR" altLang="en-US" sz="2400" dirty="0"/>
+              <a:t>이 향상된 기능의 제한 사항은 Windows 필터링 플랫폼(WFP) 필터와 함께 사용할 수 없다는 것이다. 또 다른 사소한 제한은 이 </a:t>
+            </a:r>
+            <a:r>
+              <a:rPr lang="ko-KR" altLang="en-US" sz="2400" dirty="0" err="1"/>
+              <a:t>IOCTL이</a:t>
+            </a:r>
+            <a:r>
+              <a:rPr lang="ko-KR" altLang="en-US" sz="2400" dirty="0"/>
+              <a:t> 설정 될 때 소켓 옵션의 제한된 수만 사용될 수 있다는 것이다.</a:t>
+            </a:r>
+            <a:endParaRPr lang="ko-KR" altLang="en-US" sz="2400" dirty="0"/>
+          </a:p>
+        </p:txBody>
+      </p:sp>
+      <p:sp>
+        <p:nvSpPr>
+          <p:cNvPr id="4" name="TextBox 3"/>
           <p:cNvSpPr txBox="1"/>
           <p:nvPr/>
         </p:nvSpPr>
         <p:spPr>
           <a:xfrm>
-            <a:off x="551328" y="322729"/>
-            <a:ext cx="11282083" cy="646331"/>
+            <a:off x="696685" y="5934670"/>
+            <a:ext cx="11107388" cy="646331"/>
           </a:xfrm>
           <a:prstGeom prst="rect">
             <a:avLst/>
@@ -9697,376 +9985,40 @@
           <a:lstStyle/>
           <a:p>
             <a:r>
-              <a:rPr lang="en-US" altLang="ko-KR" sz="3600" b="1" dirty="0"/>
-              <a:t>HTTP/2</a:t>
-            </a:r>
-            <a:endParaRPr lang="ko-KR" altLang="en-US" sz="3600" b="1" dirty="0"/>
-          </a:p>
-        </p:txBody>
-      </p:sp>
-      <p:sp>
-        <p:nvSpPr>
-          <p:cNvPr id="4" name="직사각형 3"/>
-          <p:cNvSpPr/>
-          <p:nvPr/>
-        </p:nvSpPr>
-        <p:spPr>
-          <a:xfrm>
-            <a:off x="59374" y="973799"/>
-            <a:ext cx="12047167" cy="5837495"/>
-          </a:xfrm>
-          <a:prstGeom prst="rect">
-            <a:avLst/>
-          </a:prstGeom>
-        </p:spPr>
-        <p:txBody>
-          <a:bodyPr wrap="square">
-            <a:spAutoFit/>
-          </a:bodyPr>
-          <a:lstStyle/>
-          <a:p>
-            <a:pPr>
-              <a:spcAft>
-                <a:spcPts val="1600"/>
-              </a:spcAft>
-            </a:pPr>
-            <a:r>
-              <a:rPr lang="en-US" altLang="ko-KR" b="1" dirty="0">
-                <a:solidFill>
-                  <a:srgbClr val="595959"/>
-                </a:solidFill>
-                <a:latin typeface="Arial" panose="020B0604020202020204" pitchFamily="34" charset="0"/>
-              </a:rPr>
-              <a:t>fast loopback</a:t>
-            </a:r>
-            <a:endParaRPr lang="en-US" altLang="ko-KR" dirty="0"/>
-          </a:p>
-          <a:p>
-            <a:r>
-              <a:rPr lang="en-US" altLang="ko-KR" u="sng" dirty="0">
-                <a:solidFill>
-                  <a:srgbClr val="0097A7"/>
-                </a:solidFill>
-                <a:latin typeface="Arial" panose="020B0604020202020204" pitchFamily="34" charset="0"/>
-                <a:hlinkClick r:id="rId2"/>
-              </a:rPr>
-              <a:t>http://www.drdobbs.com/windows/the-new-socket-apis-in-windows-8/240148403?pgno=3</a:t>
-            </a:r>
-            <a:br>
-              <a:rPr lang="en-US" altLang="ko-KR" dirty="0">
-                <a:solidFill>
-                  <a:srgbClr val="595959"/>
-                </a:solidFill>
-                <a:latin typeface="Arial" panose="020B0604020202020204" pitchFamily="34" charset="0"/>
-                <a:hlinkClick r:id="rId2"/>
-              </a:rPr>
-            </a:br>
-            <a:br>
-              <a:rPr lang="en-US" altLang="ko-KR" dirty="0">
-                <a:solidFill>
-                  <a:srgbClr val="595959"/>
-                </a:solidFill>
-                <a:latin typeface="Arial" panose="020B0604020202020204" pitchFamily="34" charset="0"/>
-                <a:hlinkClick r:id="rId2"/>
-              </a:rPr>
-            </a:br>
-            <a:r>
-              <a:rPr lang="en-US" altLang="ko-KR" u="sng" dirty="0">
-                <a:solidFill>
-                  <a:srgbClr val="0097A7"/>
-                </a:solidFill>
-                <a:latin typeface="Arial" panose="020B0604020202020204" pitchFamily="34" charset="0"/>
-                <a:hlinkClick r:id="rId3"/>
-              </a:rPr>
-              <a:t>https://github.com/search?q=SIO_LOOPBACK_FAST_PATH&amp;type=Code&amp;utf8=%E2%9C%93</a:t>
-            </a:r>
-            <a:br>
-              <a:rPr lang="en-US" altLang="ko-KR" dirty="0">
-                <a:solidFill>
-                  <a:srgbClr val="595959"/>
-                </a:solidFill>
-                <a:latin typeface="Arial" panose="020B0604020202020204" pitchFamily="34" charset="0"/>
-                <a:hlinkClick r:id="rId3"/>
-              </a:rPr>
-            </a:br>
-            <a:br>
-              <a:rPr lang="en-US" altLang="ko-KR" dirty="0">
-                <a:solidFill>
-                  <a:srgbClr val="595959"/>
-                </a:solidFill>
-                <a:latin typeface="Arial" panose="020B0604020202020204" pitchFamily="34" charset="0"/>
-                <a:hlinkClick r:id="rId3"/>
-              </a:rPr>
-            </a:br>
-            <a:r>
-              <a:rPr lang="en-US" altLang="ko-KR" dirty="0">
-                <a:solidFill>
-                  <a:srgbClr val="595959"/>
-                </a:solidFill>
-                <a:latin typeface="Arial" panose="020B0604020202020204" pitchFamily="34" charset="0"/>
-              </a:rPr>
-              <a:t>Fast TCP Loopback Performance and Low Latency with Windows Server 2012 TCP Loopback Fast Path</a:t>
-            </a:r>
-            <a:br>
-              <a:rPr lang="en-US" altLang="ko-KR" dirty="0">
-                <a:solidFill>
-                  <a:srgbClr val="595959"/>
-                </a:solidFill>
-                <a:latin typeface="Arial" panose="020B0604020202020204" pitchFamily="34" charset="0"/>
-              </a:rPr>
-            </a:br>
-            <a:r>
-              <a:rPr lang="en-US" altLang="ko-KR" u="sng" dirty="0">
-                <a:solidFill>
-                  <a:srgbClr val="0097A7"/>
-                </a:solidFill>
-                <a:latin typeface="Arial" panose="020B0604020202020204" pitchFamily="34" charset="0"/>
-                <a:hlinkClick r:id="rId4"/>
-              </a:rPr>
-              <a:t>https://blogs.technet.microsoft.com/wincat/2012/12/05/fast-tcp-loopback-performance-and-low-latency-with-windows-server-2012-tcp-loopback-fast-path/</a:t>
-            </a:r>
-            <a:br>
-              <a:rPr lang="en-US" altLang="ko-KR" dirty="0">
-                <a:solidFill>
-                  <a:srgbClr val="595959"/>
-                </a:solidFill>
-                <a:latin typeface="Arial" panose="020B0604020202020204" pitchFamily="34" charset="0"/>
-                <a:hlinkClick r:id="rId4"/>
-              </a:rPr>
-            </a:br>
-            <a:br>
-              <a:rPr lang="en-US" altLang="ko-KR" dirty="0">
-                <a:solidFill>
-                  <a:srgbClr val="595959"/>
-                </a:solidFill>
-                <a:latin typeface="Arial" panose="020B0604020202020204" pitchFamily="34" charset="0"/>
-                <a:hlinkClick r:id="rId4"/>
-              </a:rPr>
-            </a:br>
-            <a:r>
-              <a:rPr lang="en-US" altLang="ko-KR" dirty="0">
-                <a:solidFill>
-                  <a:srgbClr val="595959"/>
-                </a:solidFill>
-                <a:latin typeface="Arial" panose="020B0604020202020204" pitchFamily="34" charset="0"/>
-              </a:rPr>
-              <a:t>Fast Loopback on Windows 10 with weird </a:t>
-            </a:r>
-            <a:r>
-              <a:rPr lang="en-US" altLang="ko-KR" dirty="0" err="1">
-                <a:solidFill>
-                  <a:srgbClr val="595959"/>
-                </a:solidFill>
-                <a:latin typeface="Arial" panose="020B0604020202020204" pitchFamily="34" charset="0"/>
-              </a:rPr>
-              <a:t>HyperThreading</a:t>
-            </a:r>
-            <a:r>
-              <a:rPr lang="en-US" altLang="ko-KR" dirty="0">
-                <a:solidFill>
-                  <a:srgbClr val="595959"/>
-                </a:solidFill>
-                <a:latin typeface="Arial" panose="020B0604020202020204" pitchFamily="34" charset="0"/>
-              </a:rPr>
-              <a:t> results</a:t>
-            </a:r>
-            <a:br>
-              <a:rPr lang="en-US" altLang="ko-KR" dirty="0">
-                <a:solidFill>
-                  <a:srgbClr val="595959"/>
-                </a:solidFill>
-                <a:latin typeface="Arial" panose="020B0604020202020204" pitchFamily="34" charset="0"/>
-              </a:rPr>
-            </a:br>
-            <a:r>
-              <a:rPr lang="en-US" altLang="ko-KR" u="sng" dirty="0">
-                <a:solidFill>
-                  <a:srgbClr val="0097A7"/>
-                </a:solidFill>
-                <a:latin typeface="Arial" panose="020B0604020202020204" pitchFamily="34" charset="0"/>
-                <a:hlinkClick r:id="rId5"/>
-              </a:rPr>
-              <a:t>http://stackoverflow.com/questions/31742501/fast-loopback-on-windows-10-with-weird-hyperthreading-results</a:t>
-            </a:r>
-            <a:br>
-              <a:rPr lang="en-US" altLang="ko-KR" dirty="0">
-                <a:solidFill>
-                  <a:srgbClr val="595959"/>
-                </a:solidFill>
-                <a:latin typeface="Arial" panose="020B0604020202020204" pitchFamily="34" charset="0"/>
-                <a:hlinkClick r:id="rId5"/>
-              </a:rPr>
-            </a:br>
-            <a:br>
-              <a:rPr lang="en-US" altLang="ko-KR" dirty="0">
-                <a:solidFill>
-                  <a:srgbClr val="595959"/>
-                </a:solidFill>
-                <a:latin typeface="Arial" panose="020B0604020202020204" pitchFamily="34" charset="0"/>
-                <a:hlinkClick r:id="rId5"/>
-              </a:rPr>
-            </a:br>
-            <a:r>
-              <a:rPr lang="en-US" altLang="ko-KR" dirty="0">
-                <a:solidFill>
-                  <a:srgbClr val="595959"/>
-                </a:solidFill>
-                <a:latin typeface="Arial" panose="020B0604020202020204" pitchFamily="34" charset="0"/>
-              </a:rPr>
-              <a:t>SIO_LOOPBACK_FAST_PATH control code</a:t>
-            </a:r>
-            <a:br>
-              <a:rPr lang="en-US" altLang="ko-KR" dirty="0">
-                <a:solidFill>
-                  <a:srgbClr val="595959"/>
-                </a:solidFill>
-                <a:latin typeface="Arial" panose="020B0604020202020204" pitchFamily="34" charset="0"/>
-              </a:rPr>
-            </a:br>
-            <a:r>
-              <a:rPr lang="en-US" altLang="ko-KR" u="sng" dirty="0">
-                <a:solidFill>
-                  <a:srgbClr val="0097A7"/>
-                </a:solidFill>
-                <a:latin typeface="Arial" panose="020B0604020202020204" pitchFamily="34" charset="0"/>
-                <a:hlinkClick r:id="rId6"/>
-              </a:rPr>
-              <a:t>https://msdn.microsoft.com/en-us/library/windows/desktop/jj841212(v=vs.85).aspx</a:t>
-            </a:r>
-            <a:br>
-              <a:rPr lang="en-US" altLang="ko-KR" dirty="0">
-                <a:solidFill>
-                  <a:srgbClr val="595959"/>
-                </a:solidFill>
-                <a:latin typeface="Arial" panose="020B0604020202020204" pitchFamily="34" charset="0"/>
-                <a:hlinkClick r:id="rId6"/>
-              </a:rPr>
-            </a:br>
-            <a:br>
-              <a:rPr lang="en-US" altLang="ko-KR" dirty="0">
-                <a:solidFill>
-                  <a:srgbClr val="595959"/>
-                </a:solidFill>
-                <a:latin typeface="Arial" panose="020B0604020202020204" pitchFamily="34" charset="0"/>
-                <a:hlinkClick r:id="rId6"/>
-              </a:rPr>
-            </a:br>
-            <a:r>
-              <a:rPr lang="en-US" altLang="ko-KR" dirty="0">
-                <a:solidFill>
-                  <a:srgbClr val="595959"/>
-                </a:solidFill>
-                <a:latin typeface="Arial" panose="020B0604020202020204" pitchFamily="34" charset="0"/>
-              </a:rPr>
-              <a:t>Python3.6</a:t>
-            </a:r>
-            <a:r>
-              <a:rPr lang="ko-KR" altLang="en-US" dirty="0">
-                <a:solidFill>
-                  <a:srgbClr val="595959"/>
-                </a:solidFill>
-                <a:latin typeface="Arial" panose="020B0604020202020204" pitchFamily="34" charset="0"/>
-              </a:rPr>
-              <a:t>の新機能</a:t>
-            </a:r>
-            <a:br>
-              <a:rPr lang="ko-KR" altLang="en-US" dirty="0">
-                <a:solidFill>
-                  <a:srgbClr val="595959"/>
-                </a:solidFill>
-                <a:latin typeface="Arial" panose="020B0604020202020204" pitchFamily="34" charset="0"/>
-              </a:rPr>
-            </a:br>
-            <a:r>
-              <a:rPr lang="en-US" altLang="ko-KR" u="sng" dirty="0">
-                <a:solidFill>
-                  <a:srgbClr val="0097A7"/>
-                </a:solidFill>
-                <a:latin typeface="Arial" panose="020B0604020202020204" pitchFamily="34" charset="0"/>
-                <a:hlinkClick r:id="rId7"/>
-              </a:rPr>
-              <a:t>http://qiita.com/ksato9700/items/ed839a6db6a671fd31e6#socket</a:t>
-            </a:r>
-            <a:br>
-              <a:rPr lang="en-US" altLang="ko-KR" dirty="0">
-                <a:solidFill>
-                  <a:srgbClr val="595959"/>
-                </a:solidFill>
-                <a:latin typeface="Arial" panose="020B0604020202020204" pitchFamily="34" charset="0"/>
-                <a:hlinkClick r:id="rId7"/>
-              </a:rPr>
-            </a:br>
-            <a:br>
-              <a:rPr lang="en-US" altLang="ko-KR" dirty="0">
-                <a:solidFill>
-                  <a:srgbClr val="595959"/>
-                </a:solidFill>
-                <a:latin typeface="Arial" panose="020B0604020202020204" pitchFamily="34" charset="0"/>
-                <a:hlinkClick r:id="rId7"/>
-              </a:rPr>
-            </a:br>
-            <a:r>
-              <a:rPr lang="en-US" altLang="ko-KR" dirty="0" err="1">
-                <a:solidFill>
-                  <a:srgbClr val="595959"/>
-                </a:solidFill>
-                <a:latin typeface="Arial" panose="020B0604020202020204" pitchFamily="34" charset="0"/>
-              </a:rPr>
-              <a:t>librapid</a:t>
-            </a:r>
-            <a:r>
-              <a:rPr lang="en-US" altLang="ko-KR" dirty="0">
-                <a:solidFill>
-                  <a:srgbClr val="595959"/>
-                </a:solidFill>
-                <a:latin typeface="Arial" panose="020B0604020202020204" pitchFamily="34" charset="0"/>
-              </a:rPr>
-              <a:t>. Optimization Windows </a:t>
-            </a:r>
-            <a:r>
-              <a:rPr lang="en-US" altLang="ko-KR" dirty="0" err="1">
-                <a:solidFill>
-                  <a:srgbClr val="595959"/>
-                </a:solidFill>
-                <a:latin typeface="Arial" panose="020B0604020202020204" pitchFamily="34" charset="0"/>
-              </a:rPr>
-              <a:t>Tcp</a:t>
-            </a:r>
-            <a:r>
-              <a:rPr lang="en-US" altLang="ko-KR" dirty="0">
-                <a:solidFill>
-                  <a:srgbClr val="595959"/>
-                </a:solidFill>
-                <a:latin typeface="Arial" panose="020B0604020202020204" pitchFamily="34" charset="0"/>
-              </a:rPr>
-              <a:t> Server Library</a:t>
-            </a:r>
-            <a:br>
-              <a:rPr lang="en-US" altLang="ko-KR" dirty="0">
-                <a:solidFill>
-                  <a:srgbClr val="595959"/>
-                </a:solidFill>
-                <a:latin typeface="Arial" panose="020B0604020202020204" pitchFamily="34" charset="0"/>
-              </a:rPr>
-            </a:br>
-            <a:r>
-              <a:rPr lang="en-US" altLang="ko-KR" u="sng" dirty="0">
-                <a:solidFill>
-                  <a:srgbClr val="0097A7"/>
-                </a:solidFill>
-                <a:latin typeface="Arial" panose="020B0604020202020204" pitchFamily="34" charset="0"/>
-                <a:hlinkClick r:id="rId8"/>
-              </a:rPr>
-              <a:t>https://github.com/billlin0904/librapid</a:t>
-            </a:r>
-            <a:r>
-              <a:rPr lang="en-US" altLang="ko-KR" dirty="0">
-                <a:solidFill>
-                  <a:srgbClr val="595959"/>
-                </a:solidFill>
-                <a:latin typeface="Arial" panose="020B0604020202020204" pitchFamily="34" charset="0"/>
-              </a:rPr>
-              <a:t> </a:t>
+              <a:rPr lang="en-US" altLang="ko-KR" dirty="0"/>
+              <a:t>WFP: </a:t>
+            </a:r>
+            <a:r>
+              <a:rPr lang="ko-KR" altLang="en-US" dirty="0"/>
+              <a:t>소켓이 </a:t>
+            </a:r>
+            <a:r>
+              <a:rPr lang="en-US" altLang="ko-KR" dirty="0"/>
+              <a:t>OS </a:t>
+            </a:r>
+            <a:r>
+              <a:rPr lang="ko-KR" altLang="en-US" dirty="0"/>
+              <a:t>내에서 처리되기 전에 필터 하거나 변경할 수 있다</a:t>
+            </a:r>
+            <a:r>
+              <a:rPr lang="en-US" altLang="ko-KR" dirty="0"/>
+              <a:t>. </a:t>
+            </a:r>
+            <a:r>
+              <a:rPr lang="ko-KR" altLang="en-US" dirty="0"/>
+              <a:t>즉 방화벽이나 안티 바이러스</a:t>
+            </a:r>
+            <a:r>
+              <a:rPr lang="en-US" altLang="ko-KR" dirty="0"/>
+              <a:t>, </a:t>
+            </a:r>
+            <a:r>
+              <a:rPr lang="ko-KR" altLang="en-US" dirty="0"/>
+              <a:t>안티 스파이웨어 대응 소프트웨어 등이 어떤 데이터를 시스템에서 수신할지를 보다 효율적으로 컨트롤 할 수 있다</a:t>
+            </a:r>
+            <a:r>
+              <a:rPr lang="en-US" altLang="ko-KR" dirty="0"/>
+              <a:t>.</a:t>
             </a:r>
             <a:endParaRPr lang="ko-KR" altLang="en-US" dirty="0"/>
           </a:p>
@@ -10075,7 +10027,7 @@
     </p:spTree>
     <p:extLst>
       <p:ext uri="{BB962C8B-B14F-4D97-AF65-F5344CB8AC3E}">
-        <p14:creationId xmlns:p14="http://schemas.microsoft.com/office/powerpoint/2010/main" val="3075968608"/>
+        <p14:creationId xmlns:p14="http://schemas.microsoft.com/office/powerpoint/2010/main" val="1902999244"/>
       </p:ext>
     </p:extLst>
   </p:cSld>
@@ -10179,17 +10131,1084 @@
           <a:lstStyle/>
           <a:p>
             <a:r>
-              <a:rPr lang="en-US" altLang="ko-KR" sz="3600" b="1" dirty="0"/>
-              <a:t>HTTP/2</a:t>
-            </a:r>
-            <a:endParaRPr lang="ko-KR" altLang="en-US" sz="3600" b="1" dirty="0"/>
+              <a:rPr lang="ko-KR" altLang="en-US" sz="3600" b="1" dirty="0"/>
+              <a:t>사용 예</a:t>
+            </a:r>
+          </a:p>
+        </p:txBody>
+      </p:sp>
+      <p:pic>
+        <p:nvPicPr>
+          <p:cNvPr id="3" name="그림 2"/>
+          <p:cNvPicPr>
+            <a:picLocks noChangeAspect="1"/>
+          </p:cNvPicPr>
+          <p:nvPr/>
+        </p:nvPicPr>
+        <p:blipFill>
+          <a:blip r:embed="rId2"/>
+          <a:stretch>
+            <a:fillRect/>
+          </a:stretch>
+        </p:blipFill>
+        <p:spPr>
+          <a:xfrm>
+            <a:off x="838199" y="3122343"/>
+            <a:ext cx="9951547" cy="2957821"/>
+          </a:xfrm>
+          <a:prstGeom prst="rect">
+            <a:avLst/>
+          </a:prstGeom>
+        </p:spPr>
+      </p:pic>
+      <p:pic>
+        <p:nvPicPr>
+          <p:cNvPr id="4" name="그림 3"/>
+          <p:cNvPicPr>
+            <a:picLocks noChangeAspect="1"/>
+          </p:cNvPicPr>
+          <p:nvPr/>
+        </p:nvPicPr>
+        <p:blipFill>
+          <a:blip r:embed="rId3"/>
+          <a:stretch>
+            <a:fillRect/>
+          </a:stretch>
+        </p:blipFill>
+        <p:spPr>
+          <a:xfrm>
+            <a:off x="3735779" y="1326511"/>
+            <a:ext cx="6405748" cy="1040645"/>
+          </a:xfrm>
+          <a:prstGeom prst="rect">
+            <a:avLst/>
+          </a:prstGeom>
+        </p:spPr>
+      </p:pic>
+      <p:sp>
+        <p:nvSpPr>
+          <p:cNvPr id="5" name="TextBox 4"/>
+          <p:cNvSpPr txBox="1"/>
+          <p:nvPr/>
+        </p:nvSpPr>
+        <p:spPr>
+          <a:xfrm>
+            <a:off x="3641764" y="1846833"/>
+            <a:ext cx="3566558" cy="450629"/>
+          </a:xfrm>
+          <a:prstGeom prst="rect">
+            <a:avLst/>
+          </a:prstGeom>
+          <a:noFill/>
+          <a:ln w="28575">
+            <a:solidFill>
+              <a:srgbClr val="FF0000"/>
+            </a:solidFill>
+          </a:ln>
+        </p:spPr>
+        <p:txBody>
+          <a:bodyPr wrap="square" rtlCol="0">
+            <a:spAutoFit/>
+          </a:bodyPr>
+          <a:lstStyle/>
+          <a:p>
+            <a:endParaRPr lang="ko-KR" altLang="en-US" dirty="0"/>
+          </a:p>
+        </p:txBody>
+      </p:sp>
+      <p:sp>
+        <p:nvSpPr>
+          <p:cNvPr id="6" name="직사각형 5"/>
+          <p:cNvSpPr/>
+          <p:nvPr/>
+        </p:nvSpPr>
+        <p:spPr>
+          <a:xfrm>
+            <a:off x="3075709" y="6080164"/>
+            <a:ext cx="8645236" cy="461665"/>
+          </a:xfrm>
+          <a:prstGeom prst="rect">
+            <a:avLst/>
+          </a:prstGeom>
+        </p:spPr>
+        <p:txBody>
+          <a:bodyPr wrap="square">
+            <a:spAutoFit/>
+          </a:bodyPr>
+          <a:lstStyle/>
+          <a:p>
+            <a:r>
+              <a:rPr lang="ko-KR" altLang="en-US" sz="1200" dirty="0"/>
+              <a:t>출처</a:t>
+            </a:r>
+            <a:r>
+              <a:rPr lang="en-US" altLang="ko-KR" sz="1200" dirty="0"/>
+              <a:t>: </a:t>
+            </a:r>
+            <a:r>
+              <a:rPr lang="ko-KR" altLang="en-US" sz="1200" dirty="0">
+                <a:hlinkClick r:id="rId4"/>
+              </a:rPr>
+              <a:t>https://github.com/billlin0904/librapid/blob/95864eed190bee0752502f88c57c7dcef6965050/source/details/socket.cpp</a:t>
+            </a:r>
+            <a:r>
+              <a:rPr lang="ko-KR" altLang="en-US" sz="1200" dirty="0"/>
+              <a:t> </a:t>
+            </a:r>
+            <a:endParaRPr lang="ko-KR" altLang="en-US" sz="1200" dirty="0"/>
           </a:p>
         </p:txBody>
       </p:sp>
     </p:spTree>
     <p:extLst>
       <p:ext uri="{BB962C8B-B14F-4D97-AF65-F5344CB8AC3E}">
-        <p14:creationId xmlns:p14="http://schemas.microsoft.com/office/powerpoint/2010/main" val="117595690"/>
+        <p14:creationId xmlns:p14="http://schemas.microsoft.com/office/powerpoint/2010/main" val="3359129168"/>
+      </p:ext>
+    </p:extLst>
+  </p:cSld>
+  <p:clrMapOvr>
+    <a:masterClrMapping/>
+  </p:clrMapOvr>
+</p:sld>
+</file>
+
+<file path=ppt/slides/slide31.xml><?xml version="1.0" encoding="utf-8"?>
+<p:sld xmlns:a="http://schemas.openxmlformats.org/drawingml/2006/main" xmlns:r="http://schemas.openxmlformats.org/officeDocument/2006/relationships" xmlns:p="http://schemas.openxmlformats.org/presentationml/2006/main">
+  <p:cSld>
+    <p:spTree>
+      <p:nvGrpSpPr>
+        <p:cNvPr id="1" name=""/>
+        <p:cNvGrpSpPr/>
+        <p:nvPr/>
+      </p:nvGrpSpPr>
+      <p:grpSpPr>
+        <a:xfrm>
+          <a:off x="0" y="0"/>
+          <a:ext cx="0" cy="0"/>
+          <a:chOff x="0" y="0"/>
+          <a:chExt cx="0" cy="0"/>
+        </a:xfrm>
+      </p:grpSpPr>
+      <p:pic>
+        <p:nvPicPr>
+          <p:cNvPr id="3" name="그림 2"/>
+          <p:cNvPicPr>
+            <a:picLocks noChangeAspect="1"/>
+          </p:cNvPicPr>
+          <p:nvPr/>
+        </p:nvPicPr>
+        <p:blipFill>
+          <a:blip r:embed="rId2"/>
+          <a:stretch>
+            <a:fillRect/>
+          </a:stretch>
+        </p:blipFill>
+        <p:spPr>
+          <a:xfrm>
+            <a:off x="1117579" y="275482"/>
+            <a:ext cx="4736956" cy="6168518"/>
+          </a:xfrm>
+          <a:prstGeom prst="rect">
+            <a:avLst/>
+          </a:prstGeom>
+        </p:spPr>
+      </p:pic>
+      <p:sp>
+        <p:nvSpPr>
+          <p:cNvPr id="4" name="직사각형 3"/>
+          <p:cNvSpPr/>
+          <p:nvPr/>
+        </p:nvSpPr>
+        <p:spPr>
+          <a:xfrm>
+            <a:off x="2660074" y="6581001"/>
+            <a:ext cx="9369630" cy="276999"/>
+          </a:xfrm>
+          <a:prstGeom prst="rect">
+            <a:avLst/>
+          </a:prstGeom>
+        </p:spPr>
+        <p:txBody>
+          <a:bodyPr wrap="square">
+            <a:spAutoFit/>
+          </a:bodyPr>
+          <a:lstStyle/>
+          <a:p>
+            <a:r>
+              <a:rPr lang="ko-KR" altLang="en-US" sz="1200" dirty="0"/>
+              <a:t>출처</a:t>
+            </a:r>
+            <a:r>
+              <a:rPr lang="en-US" altLang="ko-KR" sz="1200" dirty="0"/>
+              <a:t>: </a:t>
+            </a:r>
+            <a:r>
+              <a:rPr lang="ko-KR" altLang="en-US" sz="1200" dirty="0">
+                <a:hlinkClick r:id="rId3"/>
+              </a:rPr>
+              <a:t>https://github.com/GorNishanov/await/blob/c23d240a7b9a3f49df3fd6f9b44e2ae78c45899d/2015_CppCon/SuperLean/PAL.cpp</a:t>
+            </a:r>
+            <a:r>
+              <a:rPr lang="ko-KR" altLang="en-US" sz="1200" dirty="0"/>
+              <a:t> </a:t>
+            </a:r>
+            <a:endParaRPr lang="ko-KR" altLang="en-US" sz="1200" dirty="0"/>
+          </a:p>
+        </p:txBody>
+      </p:sp>
+    </p:spTree>
+    <p:extLst>
+      <p:ext uri="{BB962C8B-B14F-4D97-AF65-F5344CB8AC3E}">
+        <p14:creationId xmlns:p14="http://schemas.microsoft.com/office/powerpoint/2010/main" val="1807372915"/>
+      </p:ext>
+    </p:extLst>
+  </p:cSld>
+  <p:clrMapOvr>
+    <a:masterClrMapping/>
+  </p:clrMapOvr>
+</p:sld>
+</file>
+
+<file path=ppt/slides/slide32.xml><?xml version="1.0" encoding="utf-8"?>
+<p:sld xmlns:a="http://schemas.openxmlformats.org/drawingml/2006/main" xmlns:r="http://schemas.openxmlformats.org/officeDocument/2006/relationships" xmlns:p="http://schemas.openxmlformats.org/presentationml/2006/main">
+  <p:cSld>
+    <p:spTree>
+      <p:nvGrpSpPr>
+        <p:cNvPr id="1" name=""/>
+        <p:cNvGrpSpPr/>
+        <p:nvPr/>
+      </p:nvGrpSpPr>
+      <p:grpSpPr>
+        <a:xfrm>
+          <a:off x="0" y="0"/>
+          <a:ext cx="0" cy="0"/>
+          <a:chOff x="0" y="0"/>
+          <a:chExt cx="0" cy="0"/>
+        </a:xfrm>
+      </p:grpSpPr>
+      <p:pic>
+        <p:nvPicPr>
+          <p:cNvPr id="2" name="그림 1"/>
+          <p:cNvPicPr>
+            <a:picLocks noChangeAspect="1"/>
+          </p:cNvPicPr>
+          <p:nvPr/>
+        </p:nvPicPr>
+        <p:blipFill>
+          <a:blip r:embed="rId2"/>
+          <a:stretch>
+            <a:fillRect/>
+          </a:stretch>
+        </p:blipFill>
+        <p:spPr>
+          <a:xfrm>
+            <a:off x="370423" y="1149925"/>
+            <a:ext cx="11505340" cy="3873337"/>
+          </a:xfrm>
+          <a:prstGeom prst="rect">
+            <a:avLst/>
+          </a:prstGeom>
+        </p:spPr>
+      </p:pic>
+      <p:sp>
+        <p:nvSpPr>
+          <p:cNvPr id="3" name="직사각형 2"/>
+          <p:cNvSpPr/>
+          <p:nvPr/>
+        </p:nvSpPr>
+        <p:spPr>
+          <a:xfrm>
+            <a:off x="2268624" y="5449278"/>
+            <a:ext cx="9607139" cy="276999"/>
+          </a:xfrm>
+          <a:prstGeom prst="rect">
+            <a:avLst/>
+          </a:prstGeom>
+        </p:spPr>
+        <p:txBody>
+          <a:bodyPr wrap="square">
+            <a:spAutoFit/>
+          </a:bodyPr>
+          <a:lstStyle/>
+          <a:p>
+            <a:r>
+              <a:rPr lang="ko-KR" altLang="en-US" sz="1200" dirty="0"/>
+              <a:t>출처</a:t>
+            </a:r>
+            <a:r>
+              <a:rPr lang="en-US" altLang="ko-KR" sz="1200" dirty="0"/>
+              <a:t>: </a:t>
+            </a:r>
+            <a:r>
+              <a:rPr lang="ko-KR" altLang="en-US" sz="1200" dirty="0">
+                <a:hlinkClick r:id="rId3"/>
+              </a:rPr>
+              <a:t>https://github.com/stas-sultanov/SXN.Net/blob/d7bbba5f56900813b4f88d38b54bc12a560ded13/src/TcpServerCli/TcpWorker.h</a:t>
+            </a:r>
+            <a:r>
+              <a:rPr lang="ko-KR" altLang="en-US" sz="1200" dirty="0"/>
+              <a:t> </a:t>
+            </a:r>
+            <a:endParaRPr lang="ko-KR" altLang="en-US" sz="1200" dirty="0"/>
+          </a:p>
+        </p:txBody>
+      </p:sp>
+    </p:spTree>
+    <p:extLst>
+      <p:ext uri="{BB962C8B-B14F-4D97-AF65-F5344CB8AC3E}">
+        <p14:creationId xmlns:p14="http://schemas.microsoft.com/office/powerpoint/2010/main" val="880290254"/>
+      </p:ext>
+    </p:extLst>
+  </p:cSld>
+  <p:clrMapOvr>
+    <a:masterClrMapping/>
+  </p:clrMapOvr>
+</p:sld>
+</file>
+
+<file path=ppt/slides/slide33.xml><?xml version="1.0" encoding="utf-8"?>
+<p:sld xmlns:a="http://schemas.openxmlformats.org/drawingml/2006/main" xmlns:r="http://schemas.openxmlformats.org/officeDocument/2006/relationships" xmlns:p="http://schemas.openxmlformats.org/presentationml/2006/main">
+  <p:cSld>
+    <p:spTree>
+      <p:nvGrpSpPr>
+        <p:cNvPr id="1" name=""/>
+        <p:cNvGrpSpPr/>
+        <p:nvPr/>
+      </p:nvGrpSpPr>
+      <p:grpSpPr>
+        <a:xfrm>
+          <a:off x="0" y="0"/>
+          <a:ext cx="0" cy="0"/>
+          <a:chOff x="0" y="0"/>
+          <a:chExt cx="0" cy="0"/>
+        </a:xfrm>
+      </p:grpSpPr>
+      <p:pic>
+        <p:nvPicPr>
+          <p:cNvPr id="3" name="그림 2"/>
+          <p:cNvPicPr>
+            <a:picLocks noChangeAspect="1"/>
+          </p:cNvPicPr>
+          <p:nvPr/>
+        </p:nvPicPr>
+        <p:blipFill>
+          <a:blip r:embed="rId2"/>
+          <a:stretch>
+            <a:fillRect/>
+          </a:stretch>
+        </p:blipFill>
+        <p:spPr>
+          <a:xfrm>
+            <a:off x="2192606" y="451632"/>
+            <a:ext cx="7804188" cy="5800725"/>
+          </a:xfrm>
+          <a:prstGeom prst="rect">
+            <a:avLst/>
+          </a:prstGeom>
+        </p:spPr>
+      </p:pic>
+      <p:sp>
+        <p:nvSpPr>
+          <p:cNvPr id="4" name="직사각형 3"/>
+          <p:cNvSpPr/>
+          <p:nvPr/>
+        </p:nvSpPr>
+        <p:spPr>
+          <a:xfrm>
+            <a:off x="2762991" y="6351802"/>
+            <a:ext cx="9242961" cy="276999"/>
+          </a:xfrm>
+          <a:prstGeom prst="rect">
+            <a:avLst/>
+          </a:prstGeom>
+        </p:spPr>
+        <p:txBody>
+          <a:bodyPr wrap="square">
+            <a:spAutoFit/>
+          </a:bodyPr>
+          <a:lstStyle/>
+          <a:p>
+            <a:r>
+              <a:rPr lang="ko-KR" altLang="en-US" sz="1200" dirty="0"/>
+              <a:t>출처</a:t>
+            </a:r>
+            <a:r>
+              <a:rPr lang="en-US" altLang="ko-KR" sz="1200" dirty="0"/>
+              <a:t>: </a:t>
+            </a:r>
+            <a:r>
+              <a:rPr lang="ko-KR" altLang="en-US" sz="1200" dirty="0">
+                <a:hlinkClick r:id="rId3"/>
+              </a:rPr>
+              <a:t>https://github.com/imiuka/rtmp-sharp/blob/834f7079bc1b32676dabbd6806b9b746b15f5717/src/_Sky/Hina/Net/SocketEx.cs</a:t>
+            </a:r>
+            <a:r>
+              <a:rPr lang="ko-KR" altLang="en-US" sz="1200" dirty="0"/>
+              <a:t> </a:t>
+            </a:r>
+            <a:endParaRPr lang="ko-KR" altLang="en-US" sz="1200" dirty="0"/>
+          </a:p>
+        </p:txBody>
+      </p:sp>
+      <p:sp>
+        <p:nvSpPr>
+          <p:cNvPr id="5" name="TextBox 4"/>
+          <p:cNvSpPr txBox="1"/>
+          <p:nvPr/>
+        </p:nvSpPr>
+        <p:spPr>
+          <a:xfrm>
+            <a:off x="961901" y="273132"/>
+            <a:ext cx="914400" cy="646331"/>
+          </a:xfrm>
+          <a:prstGeom prst="rect">
+            <a:avLst/>
+          </a:prstGeom>
+          <a:noFill/>
+        </p:spPr>
+        <p:txBody>
+          <a:bodyPr wrap="square" rtlCol="0">
+            <a:spAutoFit/>
+          </a:bodyPr>
+          <a:lstStyle/>
+          <a:p>
+            <a:r>
+              <a:rPr lang="en-US" altLang="ko-KR" sz="3600" b="1" dirty="0"/>
+              <a:t>C#</a:t>
+            </a:r>
+            <a:endParaRPr lang="ko-KR" altLang="en-US" sz="3600" b="1" dirty="0"/>
+          </a:p>
+        </p:txBody>
+      </p:sp>
+    </p:spTree>
+    <p:extLst>
+      <p:ext uri="{BB962C8B-B14F-4D97-AF65-F5344CB8AC3E}">
+        <p14:creationId xmlns:p14="http://schemas.microsoft.com/office/powerpoint/2010/main" val="620822485"/>
+      </p:ext>
+    </p:extLst>
+  </p:cSld>
+  <p:clrMapOvr>
+    <a:masterClrMapping/>
+  </p:clrMapOvr>
+</p:sld>
+</file>
+
+<file path=ppt/slides/slide34.xml><?xml version="1.0" encoding="utf-8"?>
+<p:sld xmlns:a="http://schemas.openxmlformats.org/drawingml/2006/main" xmlns:r="http://schemas.openxmlformats.org/officeDocument/2006/relationships" xmlns:p="http://schemas.openxmlformats.org/presentationml/2006/main">
+  <p:cSld>
+    <p:spTree>
+      <p:nvGrpSpPr>
+        <p:cNvPr id="1" name=""/>
+        <p:cNvGrpSpPr/>
+        <p:nvPr/>
+      </p:nvGrpSpPr>
+      <p:grpSpPr>
+        <a:xfrm>
+          <a:off x="0" y="0"/>
+          <a:ext cx="0" cy="0"/>
+          <a:chOff x="0" y="0"/>
+          <a:chExt cx="0" cy="0"/>
+        </a:xfrm>
+      </p:grpSpPr>
+      <p:pic>
+        <p:nvPicPr>
+          <p:cNvPr id="2" name="그림 1"/>
+          <p:cNvPicPr>
+            <a:picLocks noChangeAspect="1"/>
+          </p:cNvPicPr>
+          <p:nvPr/>
+        </p:nvPicPr>
+        <p:blipFill>
+          <a:blip r:embed="rId2"/>
+          <a:stretch>
+            <a:fillRect/>
+          </a:stretch>
+        </p:blipFill>
+        <p:spPr>
+          <a:xfrm>
+            <a:off x="1281112" y="523875"/>
+            <a:ext cx="9629775" cy="5810250"/>
+          </a:xfrm>
+          <a:prstGeom prst="rect">
+            <a:avLst/>
+          </a:prstGeom>
+        </p:spPr>
+      </p:pic>
+      <p:sp>
+        <p:nvSpPr>
+          <p:cNvPr id="3" name="직사각형 2"/>
+          <p:cNvSpPr/>
+          <p:nvPr/>
+        </p:nvSpPr>
+        <p:spPr>
+          <a:xfrm>
+            <a:off x="3461100" y="6334125"/>
+            <a:ext cx="7449787" cy="276999"/>
+          </a:xfrm>
+          <a:prstGeom prst="rect">
+            <a:avLst/>
+          </a:prstGeom>
+        </p:spPr>
+        <p:txBody>
+          <a:bodyPr wrap="square">
+            <a:spAutoFit/>
+          </a:bodyPr>
+          <a:lstStyle/>
+          <a:p>
+            <a:r>
+              <a:rPr lang="ko-KR" altLang="en-US" sz="1200" dirty="0">
+                <a:hlinkClick r:id="rId3"/>
+              </a:rPr>
+              <a:t>https://github.com/search?l=C%2B%2B&amp;q=SIO_LOOPBACK_FAST_PATH&amp;type=Code&amp;utf8=%E2%9C%93</a:t>
+            </a:r>
+            <a:r>
+              <a:rPr lang="ko-KR" altLang="en-US" sz="1200" dirty="0"/>
+              <a:t> </a:t>
+            </a:r>
+            <a:endParaRPr lang="ko-KR" altLang="en-US" sz="1200" dirty="0"/>
+          </a:p>
+        </p:txBody>
+      </p:sp>
+    </p:spTree>
+    <p:extLst>
+      <p:ext uri="{BB962C8B-B14F-4D97-AF65-F5344CB8AC3E}">
+        <p14:creationId xmlns:p14="http://schemas.microsoft.com/office/powerpoint/2010/main" val="2760264221"/>
+      </p:ext>
+    </p:extLst>
+  </p:cSld>
+  <p:clrMapOvr>
+    <a:masterClrMapping/>
+  </p:clrMapOvr>
+</p:sld>
+</file>
+
+<file path=ppt/slides/slide35.xml><?xml version="1.0" encoding="utf-8"?>
+<p:sld xmlns:a="http://schemas.openxmlformats.org/drawingml/2006/main" xmlns:r="http://schemas.openxmlformats.org/officeDocument/2006/relationships" xmlns:p="http://schemas.openxmlformats.org/presentationml/2006/main">
+  <p:cSld>
+    <p:spTree>
+      <p:nvGrpSpPr>
+        <p:cNvPr id="1" name=""/>
+        <p:cNvGrpSpPr/>
+        <p:nvPr/>
+      </p:nvGrpSpPr>
+      <p:grpSpPr>
+        <a:xfrm>
+          <a:off x="0" y="0"/>
+          <a:ext cx="0" cy="0"/>
+          <a:chOff x="0" y="0"/>
+          <a:chExt cx="0" cy="0"/>
+        </a:xfrm>
+      </p:grpSpPr>
+      <p:sp>
+        <p:nvSpPr>
+          <p:cNvPr id="2" name="TextBox 1"/>
+          <p:cNvSpPr txBox="1"/>
+          <p:nvPr/>
+        </p:nvSpPr>
+        <p:spPr>
+          <a:xfrm>
+            <a:off x="551328" y="322729"/>
+            <a:ext cx="11282083" cy="1754326"/>
+          </a:xfrm>
+          <a:prstGeom prst="rect">
+            <a:avLst/>
+          </a:prstGeom>
+          <a:noFill/>
+        </p:spPr>
+        <p:txBody>
+          <a:bodyPr wrap="square" rtlCol="0">
+            <a:spAutoFit/>
+          </a:bodyPr>
+          <a:lstStyle/>
+          <a:p>
+            <a:r>
+              <a:rPr lang="en-US" altLang="ko-KR" sz="3600" b="1" dirty="0"/>
+              <a:t>Fast TCP Loopback Performance and Low Latency with Windows Server 2012 TCP Loopback Fast Path</a:t>
+            </a:r>
+            <a:endParaRPr lang="ko-KR" altLang="en-US" sz="3600" b="1" dirty="0"/>
+          </a:p>
+        </p:txBody>
+      </p:sp>
+      <p:pic>
+        <p:nvPicPr>
+          <p:cNvPr id="3" name="그림 2"/>
+          <p:cNvPicPr>
+            <a:picLocks noChangeAspect="1"/>
+          </p:cNvPicPr>
+          <p:nvPr/>
+        </p:nvPicPr>
+        <p:blipFill>
+          <a:blip r:embed="rId2"/>
+          <a:stretch>
+            <a:fillRect/>
+          </a:stretch>
+        </p:blipFill>
+        <p:spPr>
+          <a:xfrm>
+            <a:off x="1796581" y="2077055"/>
+            <a:ext cx="8791575" cy="4524375"/>
+          </a:xfrm>
+          <a:prstGeom prst="rect">
+            <a:avLst/>
+          </a:prstGeom>
+        </p:spPr>
+      </p:pic>
+      <p:sp>
+        <p:nvSpPr>
+          <p:cNvPr id="4" name="직사각형 3"/>
+          <p:cNvSpPr/>
+          <p:nvPr/>
+        </p:nvSpPr>
+        <p:spPr>
+          <a:xfrm>
+            <a:off x="684749" y="6462930"/>
+            <a:ext cx="11015238" cy="276999"/>
+          </a:xfrm>
+          <a:prstGeom prst="rect">
+            <a:avLst/>
+          </a:prstGeom>
+        </p:spPr>
+        <p:txBody>
+          <a:bodyPr wrap="square">
+            <a:spAutoFit/>
+          </a:bodyPr>
+          <a:lstStyle/>
+          <a:p>
+            <a:r>
+              <a:rPr lang="ko-KR" altLang="en-US" sz="1200" dirty="0">
+                <a:hlinkClick r:id="rId3"/>
+              </a:rPr>
+              <a:t>https://blogs.technet.microsoft.com/wincat/2012/12/05/fast-tcp-loopback-performance-and-low-latency-with-windows-server-2012-tcp-loopback-fast-path/</a:t>
+            </a:r>
+            <a:r>
+              <a:rPr lang="ko-KR" altLang="en-US" sz="1200" dirty="0"/>
+              <a:t> </a:t>
+            </a:r>
+            <a:endParaRPr lang="ko-KR" altLang="en-US" sz="1200" dirty="0"/>
+          </a:p>
+        </p:txBody>
+      </p:sp>
+    </p:spTree>
+    <p:extLst>
+      <p:ext uri="{BB962C8B-B14F-4D97-AF65-F5344CB8AC3E}">
+        <p14:creationId xmlns:p14="http://schemas.microsoft.com/office/powerpoint/2010/main" val="1873475471"/>
+      </p:ext>
+    </p:extLst>
+  </p:cSld>
+  <p:clrMapOvr>
+    <a:masterClrMapping/>
+  </p:clrMapOvr>
+</p:sld>
+</file>
+
+<file path=ppt/slides/slide36.xml><?xml version="1.0" encoding="utf-8"?>
+<p:sld xmlns:a="http://schemas.openxmlformats.org/drawingml/2006/main" xmlns:r="http://schemas.openxmlformats.org/officeDocument/2006/relationships" xmlns:p="http://schemas.openxmlformats.org/presentationml/2006/main">
+  <p:cSld>
+    <p:spTree>
+      <p:nvGrpSpPr>
+        <p:cNvPr id="1" name=""/>
+        <p:cNvGrpSpPr/>
+        <p:nvPr/>
+      </p:nvGrpSpPr>
+      <p:grpSpPr>
+        <a:xfrm>
+          <a:off x="0" y="0"/>
+          <a:ext cx="0" cy="0"/>
+          <a:chOff x="0" y="0"/>
+          <a:chExt cx="0" cy="0"/>
+        </a:xfrm>
+      </p:grpSpPr>
+      <p:pic>
+        <p:nvPicPr>
+          <p:cNvPr id="3" name="그림 2"/>
+          <p:cNvPicPr>
+            <a:picLocks noChangeAspect="1"/>
+          </p:cNvPicPr>
+          <p:nvPr/>
+        </p:nvPicPr>
+        <p:blipFill>
+          <a:blip r:embed="rId2"/>
+          <a:stretch>
+            <a:fillRect/>
+          </a:stretch>
+        </p:blipFill>
+        <p:spPr>
+          <a:xfrm>
+            <a:off x="1765217" y="360341"/>
+            <a:ext cx="9077423" cy="6200775"/>
+          </a:xfrm>
+          <a:prstGeom prst="rect">
+            <a:avLst/>
+          </a:prstGeom>
+        </p:spPr>
+      </p:pic>
+    </p:spTree>
+    <p:extLst>
+      <p:ext uri="{BB962C8B-B14F-4D97-AF65-F5344CB8AC3E}">
+        <p14:creationId xmlns:p14="http://schemas.microsoft.com/office/powerpoint/2010/main" val="3075968608"/>
+      </p:ext>
+    </p:extLst>
+  </p:cSld>
+  <p:clrMapOvr>
+    <a:masterClrMapping/>
+  </p:clrMapOvr>
+</p:sld>
+</file>
+
+<file path=ppt/slides/slide37.xml><?xml version="1.0" encoding="utf-8"?>
+<p:sld xmlns:a="http://schemas.openxmlformats.org/drawingml/2006/main" xmlns:r="http://schemas.openxmlformats.org/officeDocument/2006/relationships" xmlns:p="http://schemas.openxmlformats.org/presentationml/2006/main">
+  <p:cSld>
+    <p:spTree>
+      <p:nvGrpSpPr>
+        <p:cNvPr id="1" name=""/>
+        <p:cNvGrpSpPr/>
+        <p:nvPr/>
+      </p:nvGrpSpPr>
+      <p:grpSpPr>
+        <a:xfrm>
+          <a:off x="0" y="0"/>
+          <a:ext cx="0" cy="0"/>
+          <a:chOff x="0" y="0"/>
+          <a:chExt cx="0" cy="0"/>
+        </a:xfrm>
+      </p:grpSpPr>
+      <p:pic>
+        <p:nvPicPr>
+          <p:cNvPr id="2" name="그림 1"/>
+          <p:cNvPicPr>
+            <a:picLocks noChangeAspect="1"/>
+          </p:cNvPicPr>
+          <p:nvPr/>
+        </p:nvPicPr>
+        <p:blipFill>
+          <a:blip r:embed="rId2"/>
+          <a:stretch>
+            <a:fillRect/>
+          </a:stretch>
+        </p:blipFill>
+        <p:spPr>
+          <a:xfrm>
+            <a:off x="2461285" y="636938"/>
+            <a:ext cx="6978304" cy="5336350"/>
+          </a:xfrm>
+          <a:prstGeom prst="rect">
+            <a:avLst/>
+          </a:prstGeom>
+        </p:spPr>
+      </p:pic>
+    </p:spTree>
+    <p:extLst>
+      <p:ext uri="{BB962C8B-B14F-4D97-AF65-F5344CB8AC3E}">
+        <p14:creationId xmlns:p14="http://schemas.microsoft.com/office/powerpoint/2010/main" val="2367002039"/>
+      </p:ext>
+    </p:extLst>
+  </p:cSld>
+  <p:clrMapOvr>
+    <a:masterClrMapping/>
+  </p:clrMapOvr>
+</p:sld>
+</file>
+
+<file path=ppt/slides/slide38.xml><?xml version="1.0" encoding="utf-8"?>
+<p:sld xmlns:a="http://schemas.openxmlformats.org/drawingml/2006/main" xmlns:r="http://schemas.openxmlformats.org/officeDocument/2006/relationships" xmlns:p="http://schemas.openxmlformats.org/presentationml/2006/main">
+  <p:cSld>
+    <p:spTree>
+      <p:nvGrpSpPr>
+        <p:cNvPr id="1" name=""/>
+        <p:cNvGrpSpPr/>
+        <p:nvPr/>
+      </p:nvGrpSpPr>
+      <p:grpSpPr>
+        <a:xfrm>
+          <a:off x="0" y="0"/>
+          <a:ext cx="0" cy="0"/>
+          <a:chOff x="0" y="0"/>
+          <a:chExt cx="0" cy="0"/>
+        </a:xfrm>
+      </p:grpSpPr>
+      <p:sp>
+        <p:nvSpPr>
+          <p:cNvPr id="2" name="TextBox 1"/>
+          <p:cNvSpPr txBox="1"/>
+          <p:nvPr/>
+        </p:nvSpPr>
+        <p:spPr>
+          <a:xfrm>
+            <a:off x="551328" y="322729"/>
+            <a:ext cx="11282083" cy="646331"/>
+          </a:xfrm>
+          <a:prstGeom prst="rect">
+            <a:avLst/>
+          </a:prstGeom>
+          <a:noFill/>
+        </p:spPr>
+        <p:txBody>
+          <a:bodyPr wrap="square" rtlCol="0">
+            <a:spAutoFit/>
+          </a:bodyPr>
+          <a:lstStyle/>
+          <a:p>
+            <a:r>
+              <a:rPr lang="en-US" altLang="ko-KR" sz="3600" b="1" dirty="0"/>
+              <a:t>MSDN</a:t>
+            </a:r>
+            <a:endParaRPr lang="ko-KR" altLang="en-US" sz="3600" b="1" dirty="0"/>
+          </a:p>
+        </p:txBody>
+      </p:sp>
+      <p:pic>
+        <p:nvPicPr>
+          <p:cNvPr id="3" name="그림 2"/>
+          <p:cNvPicPr>
+            <a:picLocks noChangeAspect="1"/>
+          </p:cNvPicPr>
+          <p:nvPr/>
+        </p:nvPicPr>
+        <p:blipFill>
+          <a:blip r:embed="rId2"/>
+          <a:stretch>
+            <a:fillRect/>
+          </a:stretch>
+        </p:blipFill>
+        <p:spPr>
+          <a:xfrm>
+            <a:off x="1986829" y="1058462"/>
+            <a:ext cx="8411079" cy="5280368"/>
+          </a:xfrm>
+          <a:prstGeom prst="rect">
+            <a:avLst/>
+          </a:prstGeom>
+        </p:spPr>
+      </p:pic>
+      <p:sp>
+        <p:nvSpPr>
+          <p:cNvPr id="4" name="직사각형 3"/>
+          <p:cNvSpPr/>
+          <p:nvPr/>
+        </p:nvSpPr>
+        <p:spPr>
+          <a:xfrm>
+            <a:off x="4301908" y="6428232"/>
+            <a:ext cx="6096000" cy="276999"/>
+          </a:xfrm>
+          <a:prstGeom prst="rect">
+            <a:avLst/>
+          </a:prstGeom>
+        </p:spPr>
+        <p:txBody>
+          <a:bodyPr>
+            <a:spAutoFit/>
+          </a:bodyPr>
+          <a:lstStyle/>
+          <a:p>
+            <a:r>
+              <a:rPr lang="ko-KR" altLang="en-US" sz="1200" dirty="0">
+                <a:hlinkClick r:id="rId3"/>
+              </a:rPr>
+              <a:t>https://msdn.microsoft.com/en-us/library/windows/desktop/jj841212(v=vs.85).aspx</a:t>
+            </a:r>
+            <a:r>
+              <a:rPr lang="ko-KR" altLang="en-US" sz="1200" dirty="0"/>
+              <a:t> </a:t>
+            </a:r>
+            <a:endParaRPr lang="ko-KR" altLang="en-US" sz="1200" dirty="0"/>
+          </a:p>
+        </p:txBody>
+      </p:sp>
+    </p:spTree>
+    <p:extLst>
+      <p:ext uri="{BB962C8B-B14F-4D97-AF65-F5344CB8AC3E}">
+        <p14:creationId xmlns:p14="http://schemas.microsoft.com/office/powerpoint/2010/main" val="29494011"/>
+      </p:ext>
+    </p:extLst>
+  </p:cSld>
+  <p:clrMapOvr>
+    <a:masterClrMapping/>
+  </p:clrMapOvr>
+</p:sld>
+</file>
+
+<file path=ppt/slides/slide39.xml><?xml version="1.0" encoding="utf-8"?>
+<p:sld xmlns:a="http://schemas.openxmlformats.org/drawingml/2006/main" xmlns:r="http://schemas.openxmlformats.org/officeDocument/2006/relationships" xmlns:p="http://schemas.openxmlformats.org/presentationml/2006/main">
+  <p:cSld>
+    <p:spTree>
+      <p:nvGrpSpPr>
+        <p:cNvPr id="1" name=""/>
+        <p:cNvGrpSpPr/>
+        <p:nvPr/>
+      </p:nvGrpSpPr>
+      <p:grpSpPr>
+        <a:xfrm>
+          <a:off x="0" y="0"/>
+          <a:ext cx="0" cy="0"/>
+          <a:chOff x="0" y="0"/>
+          <a:chExt cx="0" cy="0"/>
+        </a:xfrm>
+      </p:grpSpPr>
+      <p:sp>
+        <p:nvSpPr>
+          <p:cNvPr id="2" name="TextBox 1"/>
+          <p:cNvSpPr txBox="1"/>
+          <p:nvPr/>
+        </p:nvSpPr>
+        <p:spPr>
+          <a:xfrm>
+            <a:off x="551328" y="322729"/>
+            <a:ext cx="11282083" cy="646331"/>
+          </a:xfrm>
+          <a:prstGeom prst="rect">
+            <a:avLst/>
+          </a:prstGeom>
+          <a:noFill/>
+        </p:spPr>
+        <p:txBody>
+          <a:bodyPr wrap="square" rtlCol="0">
+            <a:spAutoFit/>
+          </a:bodyPr>
+          <a:lstStyle/>
+          <a:p>
+            <a:r>
+              <a:rPr lang="en-US" altLang="ko-KR" sz="3600" b="1" dirty="0"/>
+              <a:t>Python</a:t>
+            </a:r>
+            <a:r>
+              <a:rPr lang="ko-KR" altLang="en-US" sz="3600" b="1" dirty="0"/>
+              <a:t> </a:t>
+            </a:r>
+            <a:r>
+              <a:rPr lang="en-US" altLang="ko-KR" sz="3600" b="1" dirty="0"/>
+              <a:t>3.6</a:t>
+            </a:r>
+            <a:endParaRPr lang="ko-KR" altLang="en-US" sz="3600" b="1" dirty="0"/>
+          </a:p>
+        </p:txBody>
+      </p:sp>
+      <p:sp>
+        <p:nvSpPr>
+          <p:cNvPr id="3" name="직사각형 2"/>
+          <p:cNvSpPr/>
+          <p:nvPr/>
+        </p:nvSpPr>
+        <p:spPr>
+          <a:xfrm>
+            <a:off x="530175" y="4154303"/>
+            <a:ext cx="11151198" cy="830997"/>
+          </a:xfrm>
+          <a:prstGeom prst="rect">
+            <a:avLst/>
+          </a:prstGeom>
+        </p:spPr>
+        <p:txBody>
+          <a:bodyPr wrap="square">
+            <a:spAutoFit/>
+          </a:bodyPr>
+          <a:lstStyle/>
+          <a:p>
+            <a:r>
+              <a:rPr lang="ko-KR" altLang="en-US" sz="2400" dirty="0" err="1"/>
+              <a:t>ioctl</a:t>
+            </a:r>
+            <a:r>
+              <a:rPr lang="ko-KR" altLang="en-US" sz="2400" dirty="0"/>
+              <a:t>() 함수에서 </a:t>
+            </a:r>
+            <a:r>
+              <a:rPr lang="ko-KR" altLang="en-US" sz="2400" dirty="0" err="1"/>
+              <a:t>SIO_LOOPBACK_FAST_PATH를</a:t>
+            </a:r>
+            <a:r>
+              <a:rPr lang="ko-KR" altLang="en-US" sz="2400" dirty="0"/>
+              <a:t> 사용할 수 있게 되었다</a:t>
+            </a:r>
+            <a:r>
+              <a:rPr lang="en-US" altLang="ko-KR" sz="2400" dirty="0"/>
+              <a:t>.</a:t>
+            </a:r>
+          </a:p>
+          <a:p>
+            <a:r>
+              <a:rPr lang="ko-KR" altLang="en-US" sz="2400" dirty="0"/>
+              <a:t>Windows 환경(Win8 이상)에서 TCP </a:t>
+            </a:r>
+            <a:r>
+              <a:rPr lang="ko-KR" altLang="en-US" sz="2400" dirty="0" err="1"/>
+              <a:t>loopback</a:t>
+            </a:r>
+            <a:r>
+              <a:rPr lang="ko-KR" altLang="en-US" sz="2400" dirty="0"/>
+              <a:t> 성능을 향상 시킬 수 있게 되었다</a:t>
+            </a:r>
+            <a:r>
+              <a:rPr lang="en-US" altLang="ko-KR" sz="2400" dirty="0"/>
+              <a:t>.</a:t>
+            </a:r>
+            <a:endParaRPr lang="ko-KR" altLang="en-US" sz="2400" dirty="0"/>
+          </a:p>
+        </p:txBody>
+      </p:sp>
+      <p:sp>
+        <p:nvSpPr>
+          <p:cNvPr id="4" name="직사각형 3"/>
+          <p:cNvSpPr/>
+          <p:nvPr/>
+        </p:nvSpPr>
+        <p:spPr>
+          <a:xfrm>
+            <a:off x="7316426" y="3382833"/>
+            <a:ext cx="3376245" cy="276999"/>
+          </a:xfrm>
+          <a:prstGeom prst="rect">
+            <a:avLst/>
+          </a:prstGeom>
+        </p:spPr>
+        <p:txBody>
+          <a:bodyPr wrap="none">
+            <a:spAutoFit/>
+          </a:bodyPr>
+          <a:lstStyle/>
+          <a:p>
+            <a:r>
+              <a:rPr lang="ko-KR" altLang="en-US" sz="1200" dirty="0">
+                <a:hlinkClick r:id="rId2"/>
+              </a:rPr>
+              <a:t>https://docs.python.org/3/library/socket.html</a:t>
+            </a:r>
+            <a:r>
+              <a:rPr lang="ko-KR" altLang="en-US" sz="1200" dirty="0"/>
+              <a:t> </a:t>
+            </a:r>
+            <a:endParaRPr lang="ko-KR" altLang="en-US" sz="1200" dirty="0"/>
+          </a:p>
+        </p:txBody>
+      </p:sp>
+      <p:pic>
+        <p:nvPicPr>
+          <p:cNvPr id="5" name="그림 4"/>
+          <p:cNvPicPr>
+            <a:picLocks noChangeAspect="1"/>
+          </p:cNvPicPr>
+          <p:nvPr/>
+        </p:nvPicPr>
+        <p:blipFill>
+          <a:blip r:embed="rId3"/>
+          <a:stretch>
+            <a:fillRect/>
+          </a:stretch>
+        </p:blipFill>
+        <p:spPr>
+          <a:xfrm>
+            <a:off x="682213" y="1363533"/>
+            <a:ext cx="9925050" cy="2019300"/>
+          </a:xfrm>
+          <a:prstGeom prst="rect">
+            <a:avLst/>
+          </a:prstGeom>
+        </p:spPr>
+      </p:pic>
+    </p:spTree>
+    <p:extLst>
+      <p:ext uri="{BB962C8B-B14F-4D97-AF65-F5344CB8AC3E}">
+        <p14:creationId xmlns:p14="http://schemas.microsoft.com/office/powerpoint/2010/main" val="142513471"/>
       </p:ext>
     </p:extLst>
   </p:cSld>
@@ -10397,6 +11416,66 @@
     <p:extLst>
       <p:ext uri="{BB962C8B-B14F-4D97-AF65-F5344CB8AC3E}">
         <p14:creationId xmlns:p14="http://schemas.microsoft.com/office/powerpoint/2010/main" val="2313247636"/>
+      </p:ext>
+    </p:extLst>
+  </p:cSld>
+  <p:clrMapOvr>
+    <a:masterClrMapping/>
+  </p:clrMapOvr>
+</p:sld>
+</file>
+
+<file path=ppt/slides/slide40.xml><?xml version="1.0" encoding="utf-8"?>
+<p:sld xmlns:a="http://schemas.openxmlformats.org/drawingml/2006/main" xmlns:r="http://schemas.openxmlformats.org/officeDocument/2006/relationships" xmlns:p="http://schemas.openxmlformats.org/presentationml/2006/main">
+  <p:cSld>
+    <p:spTree>
+      <p:nvGrpSpPr>
+        <p:cNvPr id="1" name=""/>
+        <p:cNvGrpSpPr/>
+        <p:nvPr/>
+      </p:nvGrpSpPr>
+      <p:grpSpPr>
+        <a:xfrm>
+          <a:off x="0" y="0"/>
+          <a:ext cx="0" cy="0"/>
+          <a:chOff x="0" y="0"/>
+          <a:chExt cx="0" cy="0"/>
+        </a:xfrm>
+      </p:grpSpPr>
+      <p:sp>
+        <p:nvSpPr>
+          <p:cNvPr id="2" name="TextBox 1"/>
+          <p:cNvSpPr txBox="1"/>
+          <p:nvPr/>
+        </p:nvSpPr>
+        <p:spPr>
+          <a:xfrm>
+            <a:off x="551328" y="322729"/>
+            <a:ext cx="11282083" cy="646331"/>
+          </a:xfrm>
+          <a:prstGeom prst="rect">
+            <a:avLst/>
+          </a:prstGeom>
+          <a:noFill/>
+        </p:spPr>
+        <p:txBody>
+          <a:bodyPr wrap="square" rtlCol="0">
+            <a:spAutoFit/>
+          </a:bodyPr>
+          <a:lstStyle/>
+          <a:p>
+            <a:r>
+              <a:rPr lang="en-US" altLang="ko-KR" sz="3600" b="1" dirty="0"/>
+              <a:t>HTTP/2</a:t>
+            </a:r>
+            <a:endParaRPr lang="ko-KR" altLang="en-US" sz="3600" b="1" dirty="0"/>
+          </a:p>
+        </p:txBody>
+      </p:sp>
+    </p:spTree>
+    <p:extLst>
+      <p:ext uri="{BB962C8B-B14F-4D97-AF65-F5344CB8AC3E}">
+        <p14:creationId xmlns:p14="http://schemas.microsoft.com/office/powerpoint/2010/main" val="117595690"/>
       </p:ext>
     </p:extLst>
   </p:cSld>

--- a/WSAPoll, Fast Loopback.pptx
+++ b/WSAPoll, Fast Loopback.pptx
@@ -5,52 +5,55 @@
     <p:sldMasterId id="2147483648" r:id="rId1"/>
   </p:sldMasterIdLst>
   <p:notesMasterIdLst>
-    <p:notesMasterId r:id="rId42"/>
+    <p:notesMasterId r:id="rId45"/>
   </p:notesMasterIdLst>
   <p:handoutMasterIdLst>
-    <p:handoutMasterId r:id="rId43"/>
+    <p:handoutMasterId r:id="rId46"/>
   </p:handoutMasterIdLst>
   <p:sldIdLst>
     <p:sldId id="261" r:id="rId2"/>
     <p:sldId id="256" r:id="rId3"/>
-    <p:sldId id="296" r:id="rId4"/>
-    <p:sldId id="295" r:id="rId5"/>
-    <p:sldId id="297" r:id="rId6"/>
-    <p:sldId id="294" r:id="rId7"/>
-    <p:sldId id="302" r:id="rId8"/>
-    <p:sldId id="303" r:id="rId9"/>
-    <p:sldId id="304" r:id="rId10"/>
-    <p:sldId id="305" r:id="rId11"/>
-    <p:sldId id="301" r:id="rId12"/>
-    <p:sldId id="287" r:id="rId13"/>
-    <p:sldId id="293" r:id="rId14"/>
-    <p:sldId id="298" r:id="rId15"/>
-    <p:sldId id="300" r:id="rId16"/>
-    <p:sldId id="299" r:id="rId17"/>
-    <p:sldId id="310" r:id="rId18"/>
-    <p:sldId id="306" r:id="rId19"/>
-    <p:sldId id="311" r:id="rId20"/>
-    <p:sldId id="312" r:id="rId21"/>
-    <p:sldId id="307" r:id="rId22"/>
-    <p:sldId id="292" r:id="rId23"/>
-    <p:sldId id="291" r:id="rId24"/>
-    <p:sldId id="308" r:id="rId25"/>
-    <p:sldId id="289" r:id="rId26"/>
-    <p:sldId id="290" r:id="rId27"/>
-    <p:sldId id="313" r:id="rId28"/>
-    <p:sldId id="314" r:id="rId29"/>
-    <p:sldId id="316" r:id="rId30"/>
-    <p:sldId id="315" r:id="rId31"/>
-    <p:sldId id="317" r:id="rId32"/>
-    <p:sldId id="319" r:id="rId33"/>
-    <p:sldId id="320" r:id="rId34"/>
-    <p:sldId id="321" r:id="rId35"/>
-    <p:sldId id="323" r:id="rId36"/>
-    <p:sldId id="288" r:id="rId37"/>
-    <p:sldId id="324" r:id="rId38"/>
-    <p:sldId id="318" r:id="rId39"/>
-    <p:sldId id="322" r:id="rId40"/>
-    <p:sldId id="309" r:id="rId41"/>
+    <p:sldId id="326" r:id="rId4"/>
+    <p:sldId id="327" r:id="rId5"/>
+    <p:sldId id="325" r:id="rId6"/>
+    <p:sldId id="296" r:id="rId7"/>
+    <p:sldId id="295" r:id="rId8"/>
+    <p:sldId id="297" r:id="rId9"/>
+    <p:sldId id="294" r:id="rId10"/>
+    <p:sldId id="302" r:id="rId11"/>
+    <p:sldId id="303" r:id="rId12"/>
+    <p:sldId id="304" r:id="rId13"/>
+    <p:sldId id="305" r:id="rId14"/>
+    <p:sldId id="301" r:id="rId15"/>
+    <p:sldId id="287" r:id="rId16"/>
+    <p:sldId id="293" r:id="rId17"/>
+    <p:sldId id="298" r:id="rId18"/>
+    <p:sldId id="300" r:id="rId19"/>
+    <p:sldId id="299" r:id="rId20"/>
+    <p:sldId id="310" r:id="rId21"/>
+    <p:sldId id="306" r:id="rId22"/>
+    <p:sldId id="311" r:id="rId23"/>
+    <p:sldId id="312" r:id="rId24"/>
+    <p:sldId id="307" r:id="rId25"/>
+    <p:sldId id="292" r:id="rId26"/>
+    <p:sldId id="291" r:id="rId27"/>
+    <p:sldId id="308" r:id="rId28"/>
+    <p:sldId id="289" r:id="rId29"/>
+    <p:sldId id="290" r:id="rId30"/>
+    <p:sldId id="313" r:id="rId31"/>
+    <p:sldId id="314" r:id="rId32"/>
+    <p:sldId id="316" r:id="rId33"/>
+    <p:sldId id="315" r:id="rId34"/>
+    <p:sldId id="317" r:id="rId35"/>
+    <p:sldId id="319" r:id="rId36"/>
+    <p:sldId id="320" r:id="rId37"/>
+    <p:sldId id="321" r:id="rId38"/>
+    <p:sldId id="323" r:id="rId39"/>
+    <p:sldId id="288" r:id="rId40"/>
+    <p:sldId id="324" r:id="rId41"/>
+    <p:sldId id="318" r:id="rId42"/>
+    <p:sldId id="322" r:id="rId43"/>
+    <p:sldId id="309" r:id="rId44"/>
   </p:sldIdLst>
   <p:sldSz cx="12192000" cy="6858000"/>
   <p:notesSz cx="6858000" cy="9144000"/>
@@ -242,7 +245,7 @@
           <a:p>
             <a:fld id="{9EF82A2F-441E-472B-91FB-0859EF4D88A2}" type="datetimeFigureOut">
               <a:rPr lang="ko-KR" altLang="en-US" smtClean="0"/>
-              <a:t>2017-02-05</a:t>
+              <a:t>2017-02-16</a:t>
             </a:fld>
             <a:endParaRPr lang="ko-KR" altLang="en-US"/>
           </a:p>
@@ -407,7 +410,7 @@
           <a:p>
             <a:fld id="{54A3E567-B29B-4C0F-B6EF-DB7C1BF73903}" type="datetimeFigureOut">
               <a:rPr lang="ko-KR" altLang="en-US" smtClean="0"/>
-              <a:t>2017-02-05</a:t>
+              <a:t>2017-02-16</a:t>
             </a:fld>
             <a:endParaRPr lang="ko-KR" altLang="en-US"/>
           </a:p>
@@ -743,7 +746,7 @@
           <a:p>
             <a:fld id="{9D72A88F-1F4A-4A98-8F7A-BDD41242B633}" type="slidenum">
               <a:rPr lang="ko-KR" altLang="en-US" smtClean="0"/>
-              <a:t>3</a:t>
+              <a:t>6</a:t>
             </a:fld>
             <a:endParaRPr lang="ko-KR" altLang="en-US"/>
           </a:p>
@@ -891,7 +894,7 @@
           <a:p>
             <a:fld id="{0627BC7C-EAB6-4A08-B129-4C556FE3167E}" type="datetimeFigureOut">
               <a:rPr lang="ko-KR" altLang="en-US" smtClean="0"/>
-              <a:t>2017-02-05</a:t>
+              <a:t>2017-02-16</a:t>
             </a:fld>
             <a:endParaRPr lang="ko-KR" altLang="en-US"/>
           </a:p>
@@ -1059,7 +1062,7 @@
           <a:p>
             <a:fld id="{0627BC7C-EAB6-4A08-B129-4C556FE3167E}" type="datetimeFigureOut">
               <a:rPr lang="ko-KR" altLang="en-US" smtClean="0"/>
-              <a:t>2017-02-05</a:t>
+              <a:t>2017-02-16</a:t>
             </a:fld>
             <a:endParaRPr lang="ko-KR" altLang="en-US"/>
           </a:p>
@@ -1237,7 +1240,7 @@
           <a:p>
             <a:fld id="{0627BC7C-EAB6-4A08-B129-4C556FE3167E}" type="datetimeFigureOut">
               <a:rPr lang="ko-KR" altLang="en-US" smtClean="0"/>
-              <a:t>2017-02-05</a:t>
+              <a:t>2017-02-16</a:t>
             </a:fld>
             <a:endParaRPr lang="ko-KR" altLang="en-US"/>
           </a:p>
@@ -1405,7 +1408,7 @@
           <a:p>
             <a:fld id="{0627BC7C-EAB6-4A08-B129-4C556FE3167E}" type="datetimeFigureOut">
               <a:rPr lang="ko-KR" altLang="en-US" smtClean="0"/>
-              <a:t>2017-02-05</a:t>
+              <a:t>2017-02-16</a:t>
             </a:fld>
             <a:endParaRPr lang="ko-KR" altLang="en-US"/>
           </a:p>
@@ -1650,7 +1653,7 @@
           <a:p>
             <a:fld id="{0627BC7C-EAB6-4A08-B129-4C556FE3167E}" type="datetimeFigureOut">
               <a:rPr lang="ko-KR" altLang="en-US" smtClean="0"/>
-              <a:t>2017-02-05</a:t>
+              <a:t>2017-02-16</a:t>
             </a:fld>
             <a:endParaRPr lang="ko-KR" altLang="en-US"/>
           </a:p>
@@ -1879,7 +1882,7 @@
           <a:p>
             <a:fld id="{0627BC7C-EAB6-4A08-B129-4C556FE3167E}" type="datetimeFigureOut">
               <a:rPr lang="ko-KR" altLang="en-US" smtClean="0"/>
-              <a:t>2017-02-05</a:t>
+              <a:t>2017-02-16</a:t>
             </a:fld>
             <a:endParaRPr lang="ko-KR" altLang="en-US"/>
           </a:p>
@@ -2243,7 +2246,7 @@
           <a:p>
             <a:fld id="{0627BC7C-EAB6-4A08-B129-4C556FE3167E}" type="datetimeFigureOut">
               <a:rPr lang="ko-KR" altLang="en-US" smtClean="0"/>
-              <a:t>2017-02-05</a:t>
+              <a:t>2017-02-16</a:t>
             </a:fld>
             <a:endParaRPr lang="ko-KR" altLang="en-US"/>
           </a:p>
@@ -2360,7 +2363,7 @@
           <a:p>
             <a:fld id="{0627BC7C-EAB6-4A08-B129-4C556FE3167E}" type="datetimeFigureOut">
               <a:rPr lang="ko-KR" altLang="en-US" smtClean="0"/>
-              <a:t>2017-02-05</a:t>
+              <a:t>2017-02-16</a:t>
             </a:fld>
             <a:endParaRPr lang="ko-KR" altLang="en-US"/>
           </a:p>
@@ -2455,7 +2458,7 @@
           <a:p>
             <a:fld id="{0627BC7C-EAB6-4A08-B129-4C556FE3167E}" type="datetimeFigureOut">
               <a:rPr lang="ko-KR" altLang="en-US" smtClean="0"/>
-              <a:t>2017-02-05</a:t>
+              <a:t>2017-02-16</a:t>
             </a:fld>
             <a:endParaRPr lang="ko-KR" altLang="en-US"/>
           </a:p>
@@ -2730,7 +2733,7 @@
           <a:p>
             <a:fld id="{0627BC7C-EAB6-4A08-B129-4C556FE3167E}" type="datetimeFigureOut">
               <a:rPr lang="ko-KR" altLang="en-US" smtClean="0"/>
-              <a:t>2017-02-05</a:t>
+              <a:t>2017-02-16</a:t>
             </a:fld>
             <a:endParaRPr lang="ko-KR" altLang="en-US"/>
           </a:p>
@@ -2982,7 +2985,7 @@
           <a:p>
             <a:fld id="{0627BC7C-EAB6-4A08-B129-4C556FE3167E}" type="datetimeFigureOut">
               <a:rPr lang="ko-KR" altLang="en-US" smtClean="0"/>
-              <a:t>2017-02-05</a:t>
+              <a:t>2017-02-16</a:t>
             </a:fld>
             <a:endParaRPr lang="ko-KR" altLang="en-US"/>
           </a:p>
@@ -3193,7 +3196,7 @@
           <a:p>
             <a:fld id="{0627BC7C-EAB6-4A08-B129-4C556FE3167E}" type="datetimeFigureOut">
               <a:rPr lang="ko-KR" altLang="en-US" smtClean="0"/>
-              <a:t>2017-02-05</a:t>
+              <a:t>2017-02-16</a:t>
             </a:fld>
             <a:endParaRPr lang="ko-KR" altLang="en-US"/>
           </a:p>
@@ -4016,6 +4019,997 @@
       </p:grpSpPr>
       <p:sp>
         <p:nvSpPr>
+          <p:cNvPr id="2" name="TextBox 1"/>
+          <p:cNvSpPr txBox="1"/>
+          <p:nvPr/>
+        </p:nvSpPr>
+        <p:spPr>
+          <a:xfrm>
+            <a:off x="551329" y="322729"/>
+            <a:ext cx="6217606" cy="646331"/>
+          </a:xfrm>
+          <a:prstGeom prst="rect">
+            <a:avLst/>
+          </a:prstGeom>
+          <a:noFill/>
+        </p:spPr>
+        <p:txBody>
+          <a:bodyPr wrap="square" rtlCol="0">
+            <a:spAutoFit/>
+          </a:bodyPr>
+          <a:lstStyle/>
+          <a:p>
+            <a:r>
+              <a:rPr lang="ko-KR" altLang="en-US" sz="3600" b="1" dirty="0"/>
+              <a:t>잠시 </a:t>
+            </a:r>
+            <a:r>
+              <a:rPr lang="en-US" altLang="ko-KR" sz="3600" b="1" dirty="0"/>
+              <a:t>Linux</a:t>
+            </a:r>
+            <a:r>
+              <a:rPr lang="ko-KR" altLang="en-US" sz="3600" b="1" dirty="0"/>
+              <a:t>의 </a:t>
+            </a:r>
+            <a:r>
+              <a:rPr lang="en-US" altLang="ko-KR" sz="3600" b="1" dirty="0"/>
+              <a:t>poll</a:t>
+            </a:r>
+            <a:r>
+              <a:rPr lang="ko-KR" altLang="en-US" sz="3600" b="1" dirty="0"/>
+              <a:t>에 대해</a:t>
+            </a:r>
+            <a:r>
+              <a:rPr lang="en-US" altLang="ko-KR" sz="3600" b="1" dirty="0"/>
+              <a:t>…</a:t>
+            </a:r>
+            <a:endParaRPr lang="ko-KR" altLang="en-US" sz="3600" b="1" dirty="0"/>
+          </a:p>
+        </p:txBody>
+      </p:sp>
+      <p:sp>
+        <p:nvSpPr>
+          <p:cNvPr id="3" name="직사각형 2"/>
+          <p:cNvSpPr/>
+          <p:nvPr/>
+        </p:nvSpPr>
+        <p:spPr>
+          <a:xfrm>
+            <a:off x="654424" y="1141309"/>
+            <a:ext cx="10425952" cy="2308324"/>
+          </a:xfrm>
+          <a:prstGeom prst="rect">
+            <a:avLst/>
+          </a:prstGeom>
+        </p:spPr>
+        <p:txBody>
+          <a:bodyPr wrap="square">
+            <a:spAutoFit/>
+          </a:bodyPr>
+          <a:lstStyle/>
+          <a:p>
+            <a:r>
+              <a:rPr lang="en-US" altLang="ko-KR" sz="2400" dirty="0"/>
+              <a:t>poll</a:t>
+            </a:r>
+            <a:r>
+              <a:rPr lang="ko-KR" altLang="en-US" sz="2400" dirty="0"/>
+              <a:t>은 거의 </a:t>
+            </a:r>
+            <a:r>
+              <a:rPr lang="en-US" altLang="ko-KR" sz="2400" dirty="0"/>
+              <a:t>select</a:t>
+            </a:r>
+            <a:r>
+              <a:rPr lang="ko-KR" altLang="en-US" sz="2400" dirty="0"/>
+              <a:t>와 비슷하지만 아래와 같은 차이가 있다</a:t>
+            </a:r>
+            <a:r>
+              <a:rPr lang="en-US" altLang="ko-KR" sz="2400" dirty="0"/>
+              <a:t>.</a:t>
+            </a:r>
+            <a:br>
+              <a:rPr lang="en-US" altLang="ko-KR" sz="2400" dirty="0"/>
+            </a:br>
+            <a:endParaRPr lang="en-US" altLang="ko-KR" sz="2400" dirty="0"/>
+          </a:p>
+          <a:p>
+            <a:r>
+              <a:rPr lang="en-US" altLang="ko-KR" sz="2400" dirty="0"/>
+              <a:t>- </a:t>
+            </a:r>
+            <a:r>
+              <a:rPr lang="ko-KR" altLang="en-US" sz="2400" dirty="0"/>
+              <a:t>관리할 수 있는 </a:t>
+            </a:r>
+            <a:r>
+              <a:rPr lang="ko-KR" altLang="en-US" sz="2400" b="1" dirty="0" err="1"/>
+              <a:t>디스크립터</a:t>
+            </a:r>
+            <a:r>
+              <a:rPr lang="en-US" altLang="ko-KR" sz="2400" b="1" dirty="0"/>
+              <a:t>(</a:t>
+            </a:r>
+            <a:r>
+              <a:rPr lang="ko-KR" altLang="en-US" sz="2400" b="1" dirty="0"/>
+              <a:t>네트워크에서는 소켓</a:t>
+            </a:r>
+            <a:r>
+              <a:rPr lang="en-US" altLang="ko-KR" sz="2400" b="1" dirty="0"/>
+              <a:t>)</a:t>
+            </a:r>
+            <a:r>
+              <a:rPr lang="ko-KR" altLang="en-US" sz="2400" b="1" dirty="0"/>
+              <a:t> 수가 무제한</a:t>
+            </a:r>
+            <a:r>
+              <a:rPr lang="ko-KR" altLang="en-US" sz="2400" dirty="0"/>
+              <a:t>이 된다</a:t>
+            </a:r>
+            <a:r>
+              <a:rPr lang="en-US" altLang="ko-KR" sz="2400" dirty="0"/>
+              <a:t>.</a:t>
+            </a:r>
+            <a:br>
+              <a:rPr lang="en-US" altLang="ko-KR" sz="2400" dirty="0"/>
+            </a:br>
+            <a:br>
+              <a:rPr lang="en-US" altLang="ko-KR" sz="2400" dirty="0"/>
+            </a:br>
+            <a:r>
+              <a:rPr lang="en-US" altLang="ko-KR" sz="2400" dirty="0"/>
+              <a:t>- poll </a:t>
+            </a:r>
+            <a:r>
+              <a:rPr lang="ko-KR" altLang="en-US" sz="2400" dirty="0"/>
+              <a:t>시스템 콜 자체를 구현하고 있는 시스템이 </a:t>
+            </a:r>
+            <a:r>
+              <a:rPr lang="en-US" altLang="ko-KR" sz="2400" dirty="0"/>
+              <a:t>select </a:t>
+            </a:r>
+            <a:r>
+              <a:rPr lang="ko-KR" altLang="en-US" sz="2400" dirty="0"/>
+              <a:t>보다 적기 때문에 </a:t>
+            </a:r>
+            <a:r>
+              <a:rPr lang="ko-KR" altLang="en-US" sz="2400" dirty="0" err="1"/>
+              <a:t>이식성</a:t>
+            </a:r>
+            <a:r>
+              <a:rPr lang="ko-KR" altLang="en-US" sz="2400" dirty="0"/>
+              <a:t> 등에 좋지 않다</a:t>
+            </a:r>
+            <a:r>
+              <a:rPr lang="en-US" altLang="ko-KR" sz="2400" dirty="0"/>
+              <a:t>(</a:t>
+            </a:r>
+            <a:r>
+              <a:rPr lang="ko-KR" altLang="en-US" sz="2400" dirty="0"/>
+              <a:t>조금 오래된 이야기</a:t>
+            </a:r>
+            <a:r>
+              <a:rPr lang="en-US" altLang="ko-KR" sz="2400" dirty="0"/>
+              <a:t>..)</a:t>
+            </a:r>
+            <a:endParaRPr lang="ko-KR" altLang="en-US" sz="2400" dirty="0"/>
+          </a:p>
+        </p:txBody>
+      </p:sp>
+    </p:spTree>
+    <p:extLst>
+      <p:ext uri="{BB962C8B-B14F-4D97-AF65-F5344CB8AC3E}">
+        <p14:creationId xmlns:p14="http://schemas.microsoft.com/office/powerpoint/2010/main" val="2165421971"/>
+      </p:ext>
+    </p:extLst>
+  </p:cSld>
+  <p:clrMapOvr>
+    <a:masterClrMapping/>
+  </p:clrMapOvr>
+</p:sld>
+</file>
+
+<file path=ppt/slides/slide11.xml><?xml version="1.0" encoding="utf-8"?>
+<p:sld xmlns:a="http://schemas.openxmlformats.org/drawingml/2006/main" xmlns:r="http://schemas.openxmlformats.org/officeDocument/2006/relationships" xmlns:p="http://schemas.openxmlformats.org/presentationml/2006/main">
+  <p:cSld>
+    <p:spTree>
+      <p:nvGrpSpPr>
+        <p:cNvPr id="1" name=""/>
+        <p:cNvGrpSpPr/>
+        <p:nvPr/>
+      </p:nvGrpSpPr>
+      <p:grpSpPr>
+        <a:xfrm>
+          <a:off x="0" y="0"/>
+          <a:ext cx="0" cy="0"/>
+          <a:chOff x="0" y="0"/>
+          <a:chExt cx="0" cy="0"/>
+        </a:xfrm>
+      </p:grpSpPr>
+      <p:sp>
+        <p:nvSpPr>
+          <p:cNvPr id="2" name="TextBox 1"/>
+          <p:cNvSpPr txBox="1"/>
+          <p:nvPr/>
+        </p:nvSpPr>
+        <p:spPr>
+          <a:xfrm>
+            <a:off x="551329" y="322729"/>
+            <a:ext cx="5683216" cy="646331"/>
+          </a:xfrm>
+          <a:prstGeom prst="rect">
+            <a:avLst/>
+          </a:prstGeom>
+          <a:noFill/>
+        </p:spPr>
+        <p:txBody>
+          <a:bodyPr wrap="square" rtlCol="0">
+            <a:spAutoFit/>
+          </a:bodyPr>
+          <a:lstStyle/>
+          <a:p>
+            <a:r>
+              <a:rPr lang="ko-KR" altLang="en-US" sz="3600" b="1" dirty="0"/>
+              <a:t>잠시 </a:t>
+            </a:r>
+            <a:r>
+              <a:rPr lang="en-US" altLang="ko-KR" sz="3600" b="1" dirty="0"/>
+              <a:t>select </a:t>
+            </a:r>
+            <a:r>
+              <a:rPr lang="ko-KR" altLang="en-US" sz="3600" b="1" dirty="0"/>
+              <a:t>에 대해서</a:t>
+            </a:r>
+            <a:r>
+              <a:rPr lang="en-US" altLang="ko-KR" sz="3600" b="1" dirty="0"/>
+              <a:t>…</a:t>
+            </a:r>
+            <a:endParaRPr lang="ko-KR" altLang="en-US" sz="3600" b="1" dirty="0"/>
+          </a:p>
+        </p:txBody>
+      </p:sp>
+      <p:sp>
+        <p:nvSpPr>
+          <p:cNvPr id="4" name="직사각형 3"/>
+          <p:cNvSpPr/>
+          <p:nvPr/>
+        </p:nvSpPr>
+        <p:spPr>
+          <a:xfrm>
+            <a:off x="551329" y="4938777"/>
+            <a:ext cx="11228993" cy="1754326"/>
+          </a:xfrm>
+          <a:prstGeom prst="rect">
+            <a:avLst/>
+          </a:prstGeom>
+        </p:spPr>
+        <p:txBody>
+          <a:bodyPr wrap="square">
+            <a:spAutoFit/>
+          </a:bodyPr>
+          <a:lstStyle/>
+          <a:p>
+            <a:r>
+              <a:rPr lang="ko-KR" altLang="en-US" sz="1200" dirty="0"/>
+              <a:t>소켓 </a:t>
+            </a:r>
+            <a:r>
+              <a:rPr lang="ko-KR" altLang="en-US" sz="1200" dirty="0" err="1"/>
+              <a:t>멀티플렉싱</a:t>
+            </a:r>
+            <a:r>
+              <a:rPr lang="ko-KR" altLang="en-US" sz="1200" dirty="0"/>
+              <a:t> 함수 </a:t>
+            </a:r>
+            <a:r>
+              <a:rPr lang="en-US" altLang="ko-KR" sz="1200" dirty="0"/>
+              <a:t>select()</a:t>
+            </a:r>
+          </a:p>
+          <a:p>
+            <a:r>
+              <a:rPr lang="en-US" altLang="ko-KR" sz="1200" dirty="0">
+                <a:hlinkClick r:id="rId2"/>
+              </a:rPr>
+              <a:t>http://eastroot1590.tistory.com/entry/%EC%86%8C%EC%BC%93-%EB%A9%80%ED%8B%B0%ED%94%8C%EB%A0%89%EC%8B%B1-%ED%95%A8%EC%88%98-select</a:t>
+            </a:r>
+            <a:endParaRPr lang="en-US" altLang="ko-KR" sz="1200" dirty="0"/>
+          </a:p>
+          <a:p>
+            <a:endParaRPr lang="en-US" altLang="ko-KR" sz="1200" dirty="0"/>
+          </a:p>
+          <a:p>
+            <a:r>
+              <a:rPr lang="ko-KR" altLang="en-US" sz="1200" dirty="0" err="1"/>
+              <a:t>Non</a:t>
+            </a:r>
+            <a:r>
+              <a:rPr lang="ko-KR" altLang="en-US" sz="1200" dirty="0"/>
+              <a:t>-Block 네트워크 프로그램 - 2 (</a:t>
+            </a:r>
+            <a:r>
+              <a:rPr lang="ko-KR" altLang="en-US" sz="1200" dirty="0" err="1"/>
+              <a:t>select</a:t>
+            </a:r>
+            <a:r>
+              <a:rPr lang="ko-KR" altLang="en-US" sz="1200" dirty="0"/>
+              <a:t> 사용하기)</a:t>
+            </a:r>
+          </a:p>
+          <a:p>
+            <a:r>
+              <a:rPr lang="ko-KR" altLang="en-US" sz="1200" dirty="0">
+                <a:hlinkClick r:id="rId3"/>
+              </a:rPr>
+              <a:t>http://blog.naver.com/cestlavie_01/220908793329</a:t>
+            </a:r>
+            <a:r>
+              <a:rPr lang="ko-KR" altLang="en-US" sz="1200" dirty="0"/>
+              <a:t> </a:t>
+            </a:r>
+          </a:p>
+          <a:p>
+            <a:endParaRPr lang="ko-KR" altLang="en-US" sz="1200" dirty="0"/>
+          </a:p>
+          <a:p>
+            <a:r>
+              <a:rPr lang="ko-KR" altLang="en-US" sz="1200" dirty="0" err="1"/>
+              <a:t>Non</a:t>
+            </a:r>
+            <a:r>
+              <a:rPr lang="ko-KR" altLang="en-US" sz="1200" dirty="0"/>
+              <a:t>-Block 네트워크 프로그램 - 3 (</a:t>
+            </a:r>
+            <a:r>
+              <a:rPr lang="ko-KR" altLang="en-US" sz="1200" dirty="0" err="1"/>
+              <a:t>select를</a:t>
+            </a:r>
+            <a:r>
+              <a:rPr lang="ko-KR" altLang="en-US" sz="1200" dirty="0"/>
+              <a:t> 이용한 </a:t>
+            </a:r>
+            <a:r>
+              <a:rPr lang="ko-KR" altLang="en-US" sz="1200" dirty="0" err="1"/>
+              <a:t>echo</a:t>
+            </a:r>
+            <a:r>
+              <a:rPr lang="ko-KR" altLang="en-US" sz="1200" dirty="0"/>
+              <a:t> </a:t>
+            </a:r>
+            <a:r>
+              <a:rPr lang="ko-KR" altLang="en-US" sz="1200" dirty="0" err="1"/>
+              <a:t>server</a:t>
+            </a:r>
+            <a:r>
+              <a:rPr lang="ko-KR" altLang="en-US" sz="1200" dirty="0"/>
+              <a:t>)</a:t>
+            </a:r>
+          </a:p>
+          <a:p>
+            <a:r>
+              <a:rPr lang="ko-KR" altLang="en-US" sz="1200" dirty="0">
+                <a:hlinkClick r:id="rId4"/>
+              </a:rPr>
+              <a:t>http://blog.naver.com/cestlavie_01/220909732913</a:t>
+            </a:r>
+            <a:r>
+              <a:rPr lang="ko-KR" altLang="en-US" sz="1200" dirty="0"/>
+              <a:t> </a:t>
+            </a:r>
+          </a:p>
+        </p:txBody>
+      </p:sp>
+      <p:pic>
+        <p:nvPicPr>
+          <p:cNvPr id="5" name="그림 4"/>
+          <p:cNvPicPr>
+            <a:picLocks noChangeAspect="1"/>
+          </p:cNvPicPr>
+          <p:nvPr/>
+        </p:nvPicPr>
+        <p:blipFill>
+          <a:blip r:embed="rId5"/>
+          <a:stretch>
+            <a:fillRect/>
+          </a:stretch>
+        </p:blipFill>
+        <p:spPr>
+          <a:xfrm>
+            <a:off x="665142" y="1260638"/>
+            <a:ext cx="10229866" cy="2147579"/>
+          </a:xfrm>
+          <a:prstGeom prst="rect">
+            <a:avLst/>
+          </a:prstGeom>
+        </p:spPr>
+      </p:pic>
+      <p:sp>
+        <p:nvSpPr>
+          <p:cNvPr id="6" name="직사각형 5"/>
+          <p:cNvSpPr/>
+          <p:nvPr/>
+        </p:nvSpPr>
+        <p:spPr>
+          <a:xfrm>
+            <a:off x="8525449" y="3453574"/>
+            <a:ext cx="2369559" cy="246221"/>
+          </a:xfrm>
+          <a:prstGeom prst="rect">
+            <a:avLst/>
+          </a:prstGeom>
+        </p:spPr>
+        <p:txBody>
+          <a:bodyPr wrap="none">
+            <a:spAutoFit/>
+          </a:bodyPr>
+          <a:lstStyle/>
+          <a:p>
+            <a:r>
+              <a:rPr lang="ko-KR" altLang="en-US" sz="1000" dirty="0"/>
+              <a:t>출처</a:t>
+            </a:r>
+            <a:r>
+              <a:rPr lang="en-US" altLang="ko-KR" sz="1000" dirty="0"/>
+              <a:t>: </a:t>
+            </a:r>
+            <a:r>
+              <a:rPr lang="ko-KR" altLang="en-US" sz="1000" dirty="0">
+                <a:hlinkClick r:id="rId6"/>
+              </a:rPr>
+              <a:t>http://downman.tistory.com/79</a:t>
+            </a:r>
+            <a:r>
+              <a:rPr lang="ko-KR" altLang="en-US" sz="1000" dirty="0"/>
+              <a:t> </a:t>
+            </a:r>
+          </a:p>
+        </p:txBody>
+      </p:sp>
+    </p:spTree>
+    <p:extLst>
+      <p:ext uri="{BB962C8B-B14F-4D97-AF65-F5344CB8AC3E}">
+        <p14:creationId xmlns:p14="http://schemas.microsoft.com/office/powerpoint/2010/main" val="572213710"/>
+      </p:ext>
+    </p:extLst>
+  </p:cSld>
+  <p:clrMapOvr>
+    <a:masterClrMapping/>
+  </p:clrMapOvr>
+</p:sld>
+</file>
+
+<file path=ppt/slides/slide12.xml><?xml version="1.0" encoding="utf-8"?>
+<p:sld xmlns:a="http://schemas.openxmlformats.org/drawingml/2006/main" xmlns:r="http://schemas.openxmlformats.org/officeDocument/2006/relationships" xmlns:p="http://schemas.openxmlformats.org/presentationml/2006/main">
+  <p:cSld>
+    <p:spTree>
+      <p:nvGrpSpPr>
+        <p:cNvPr id="1" name=""/>
+        <p:cNvGrpSpPr/>
+        <p:nvPr/>
+      </p:nvGrpSpPr>
+      <p:grpSpPr>
+        <a:xfrm>
+          <a:off x="0" y="0"/>
+          <a:ext cx="0" cy="0"/>
+          <a:chOff x="0" y="0"/>
+          <a:chExt cx="0" cy="0"/>
+        </a:xfrm>
+      </p:grpSpPr>
+      <p:sp>
+        <p:nvSpPr>
+          <p:cNvPr id="2" name="TextBox 1"/>
+          <p:cNvSpPr txBox="1"/>
+          <p:nvPr/>
+        </p:nvSpPr>
+        <p:spPr>
+          <a:xfrm>
+            <a:off x="551329" y="322729"/>
+            <a:ext cx="5208203" cy="646331"/>
+          </a:xfrm>
+          <a:prstGeom prst="rect">
+            <a:avLst/>
+          </a:prstGeom>
+          <a:noFill/>
+        </p:spPr>
+        <p:txBody>
+          <a:bodyPr wrap="square" rtlCol="0">
+            <a:spAutoFit/>
+          </a:bodyPr>
+          <a:lstStyle/>
+          <a:p>
+            <a:r>
+              <a:rPr lang="en-US" altLang="ko-KR" sz="3600" b="1" dirty="0"/>
+              <a:t>select</a:t>
+            </a:r>
+            <a:r>
+              <a:rPr lang="ko-KR" altLang="en-US" sz="3600" b="1" dirty="0"/>
+              <a:t>와 </a:t>
+            </a:r>
+            <a:r>
+              <a:rPr lang="en-US" altLang="ko-KR" sz="3600" b="1" dirty="0"/>
+              <a:t>poll</a:t>
+            </a:r>
+            <a:r>
+              <a:rPr lang="ko-KR" altLang="en-US" sz="3600" b="1" dirty="0"/>
+              <a:t>의 차이는</a:t>
+            </a:r>
+            <a:r>
+              <a:rPr lang="en-US" altLang="ko-KR" sz="3600" b="1" dirty="0"/>
+              <a:t>?</a:t>
+            </a:r>
+            <a:endParaRPr lang="ko-KR" altLang="en-US" sz="3600" b="1" dirty="0"/>
+          </a:p>
+        </p:txBody>
+      </p:sp>
+      <p:sp>
+        <p:nvSpPr>
+          <p:cNvPr id="3" name="직사각형 2"/>
+          <p:cNvSpPr/>
+          <p:nvPr/>
+        </p:nvSpPr>
+        <p:spPr>
+          <a:xfrm>
+            <a:off x="551329" y="2033054"/>
+            <a:ext cx="10425952" cy="4893647"/>
+          </a:xfrm>
+          <a:prstGeom prst="rect">
+            <a:avLst/>
+          </a:prstGeom>
+        </p:spPr>
+        <p:txBody>
+          <a:bodyPr wrap="square">
+            <a:spAutoFit/>
+          </a:bodyPr>
+          <a:lstStyle/>
+          <a:p>
+            <a:r>
+              <a:rPr lang="en-US" altLang="ko-KR" sz="2400" dirty="0"/>
+              <a:t>Richard Stevens(rstevens@noao.edu):</a:t>
+            </a:r>
+          </a:p>
+          <a:p>
+            <a:endParaRPr lang="en-US" altLang="ko-KR" sz="2400" dirty="0"/>
+          </a:p>
+          <a:p>
+            <a:r>
+              <a:rPr lang="ko-KR" altLang="en-US" sz="2400" dirty="0"/>
+              <a:t>기본적 차이는 </a:t>
+            </a:r>
+            <a:r>
+              <a:rPr lang="en-US" altLang="ko-KR" sz="2400" dirty="0"/>
+              <a:t>select()</a:t>
+            </a:r>
+            <a:r>
+              <a:rPr lang="ko-KR" altLang="en-US" sz="2400" dirty="0"/>
+              <a:t>의 </a:t>
+            </a:r>
+            <a:r>
+              <a:rPr lang="en-US" altLang="ko-KR" sz="2400" dirty="0" err="1"/>
+              <a:t>fd_set</a:t>
+            </a:r>
+            <a:r>
+              <a:rPr lang="ko-KR" altLang="en-US" sz="2400" dirty="0"/>
+              <a:t>은 비트 마스크로 되어 있어서 고정 크기라는 것이다</a:t>
+            </a:r>
+            <a:r>
+              <a:rPr lang="en-US" altLang="ko-KR" sz="2400" dirty="0"/>
+              <a:t>. </a:t>
+            </a:r>
+            <a:r>
+              <a:rPr lang="ko-KR" altLang="en-US" sz="2400" b="1" dirty="0"/>
+              <a:t>커널 컴파일 때 이 사이즈 제한을 제외하여 애플리케이션에 필요한 만큼 </a:t>
+            </a:r>
+            <a:r>
+              <a:rPr lang="en-US" altLang="ko-KR" sz="2400" b="1" dirty="0"/>
+              <a:t>FD_SETSIZE</a:t>
+            </a:r>
+            <a:r>
+              <a:rPr lang="ko-KR" altLang="en-US" sz="2400" b="1" dirty="0"/>
+              <a:t>로 정의할 수 있지만</a:t>
+            </a:r>
+            <a:r>
+              <a:rPr lang="en-US" altLang="ko-KR" sz="2400" b="1" dirty="0"/>
+              <a:t>, </a:t>
+            </a:r>
+            <a:r>
+              <a:rPr lang="ko-KR" altLang="en-US" sz="2400" b="1" dirty="0"/>
+              <a:t>많이 작업이 필요</a:t>
+            </a:r>
+            <a:r>
+              <a:rPr lang="ko-KR" altLang="en-US" sz="2400" dirty="0"/>
+              <a:t>하다</a:t>
+            </a:r>
+            <a:r>
+              <a:rPr lang="en-US" altLang="ko-KR" sz="2400" dirty="0"/>
+              <a:t>. </a:t>
+            </a:r>
+          </a:p>
+          <a:p>
+            <a:endParaRPr lang="en-US" altLang="ko-KR" sz="2400" dirty="0"/>
+          </a:p>
+          <a:p>
+            <a:r>
+              <a:rPr lang="en-US" altLang="ko-KR" sz="2400" dirty="0"/>
+              <a:t>4.4 BSD</a:t>
+            </a:r>
+            <a:r>
+              <a:rPr lang="ko-KR" altLang="en-US" sz="2400" dirty="0"/>
+              <a:t>의 커널과 </a:t>
+            </a:r>
+            <a:r>
+              <a:rPr lang="en-US" altLang="ko-KR" sz="2400" dirty="0"/>
+              <a:t>Solaris</a:t>
+            </a:r>
+            <a:r>
+              <a:rPr lang="ko-KR" altLang="en-US" sz="2400" dirty="0"/>
+              <a:t> 라이브러리 함수 양쪽에는 이 제한이 있다</a:t>
+            </a:r>
+            <a:r>
+              <a:rPr lang="en-US" altLang="ko-KR" sz="2400" dirty="0"/>
+              <a:t>. </a:t>
+            </a:r>
+            <a:r>
+              <a:rPr lang="ko-KR" altLang="en-US" sz="2400" dirty="0"/>
+              <a:t>그러나</a:t>
+            </a:r>
+            <a:r>
+              <a:rPr lang="en-US" altLang="ko-KR" sz="2400" dirty="0"/>
+              <a:t> BSD/OS 2.1</a:t>
+            </a:r>
+            <a:r>
+              <a:rPr lang="ko-KR" altLang="en-US" sz="2400" dirty="0"/>
+              <a:t>에는 이 제한을 피하도록 코딩 되어 있는 것을 찾았다</a:t>
+            </a:r>
+            <a:r>
+              <a:rPr lang="en-US" altLang="ko-KR" sz="2400" dirty="0"/>
+              <a:t>. </a:t>
+            </a:r>
+            <a:r>
+              <a:rPr lang="ko-KR" altLang="en-US" sz="2400" dirty="0"/>
+              <a:t>그래서 이것은 가능하다</a:t>
+            </a:r>
+            <a:r>
+              <a:rPr lang="en-US" altLang="ko-KR" sz="2400" dirty="0"/>
+              <a:t>. </a:t>
+            </a:r>
+          </a:p>
+          <a:p>
+            <a:endParaRPr lang="en-US" altLang="ko-KR" sz="2400" dirty="0"/>
+          </a:p>
+          <a:p>
+            <a:r>
+              <a:rPr lang="ko-KR" altLang="en-US" sz="2400" dirty="0"/>
+              <a:t>그러나 </a:t>
+            </a:r>
+            <a:r>
+              <a:rPr lang="en-US" altLang="ko-KR" sz="2400" dirty="0"/>
+              <a:t>poll()</a:t>
+            </a:r>
+            <a:r>
+              <a:rPr lang="ko-KR" altLang="en-US" sz="2400" dirty="0"/>
+              <a:t>에서는 유저는 </a:t>
+            </a:r>
+            <a:r>
+              <a:rPr lang="en-US" altLang="ko-KR" sz="2400" dirty="0" err="1"/>
+              <a:t>pollfd</a:t>
+            </a:r>
+            <a:r>
+              <a:rPr lang="en-US" altLang="ko-KR" sz="2400" dirty="0"/>
+              <a:t> </a:t>
+            </a:r>
+            <a:r>
+              <a:rPr lang="ko-KR" altLang="en-US" sz="2400" dirty="0"/>
+              <a:t>구조체 배열을 나누 맞추어야 한다</a:t>
+            </a:r>
+            <a:r>
+              <a:rPr lang="en-US" altLang="ko-KR" sz="2400" dirty="0"/>
+              <a:t>. </a:t>
+            </a:r>
+            <a:r>
+              <a:rPr lang="ko-KR" altLang="en-US" sz="2400" dirty="0"/>
+              <a:t>그리고 </a:t>
+            </a:r>
+            <a:r>
+              <a:rPr lang="ko-KR" altLang="en-US" sz="2400" b="1" dirty="0"/>
+              <a:t>이 배열의 엔트리 수를 주기 때문에 근본적으로는 상한은 없다</a:t>
+            </a:r>
+            <a:r>
+              <a:rPr lang="en-US" altLang="ko-KR" sz="2400" dirty="0"/>
+              <a:t>. </a:t>
+            </a:r>
+          </a:p>
+          <a:p>
+            <a:endParaRPr lang="en-US" altLang="ko-KR" sz="2400" dirty="0"/>
+          </a:p>
+        </p:txBody>
+      </p:sp>
+      <p:sp>
+        <p:nvSpPr>
+          <p:cNvPr id="4" name="TextBox 3"/>
+          <p:cNvSpPr txBox="1"/>
+          <p:nvPr/>
+        </p:nvSpPr>
+        <p:spPr>
+          <a:xfrm>
+            <a:off x="1805049" y="1582390"/>
+            <a:ext cx="3705102" cy="369332"/>
+          </a:xfrm>
+          <a:prstGeom prst="rect">
+            <a:avLst/>
+          </a:prstGeom>
+          <a:noFill/>
+        </p:spPr>
+        <p:txBody>
+          <a:bodyPr wrap="square" rtlCol="0">
+            <a:spAutoFit/>
+          </a:bodyPr>
+          <a:lstStyle/>
+          <a:p>
+            <a:r>
+              <a:rPr lang="ko-KR" altLang="en-US" b="1" dirty="0">
+                <a:solidFill>
+                  <a:srgbClr val="FF0000"/>
+                </a:solidFill>
+              </a:rPr>
+              <a:t>주의</a:t>
+            </a:r>
+            <a:r>
+              <a:rPr lang="en-US" altLang="ko-KR" b="1" dirty="0">
+                <a:solidFill>
+                  <a:srgbClr val="FF0000"/>
+                </a:solidFill>
+              </a:rPr>
+              <a:t>: </a:t>
+            </a:r>
+            <a:r>
+              <a:rPr lang="ko-KR" altLang="en-US" b="1" dirty="0">
+                <a:solidFill>
+                  <a:srgbClr val="FF0000"/>
+                </a:solidFill>
+              </a:rPr>
+              <a:t>좀 오래된 이야기 입니다</a:t>
+            </a:r>
+            <a:r>
+              <a:rPr lang="en-US" altLang="ko-KR" b="1" dirty="0">
+                <a:solidFill>
+                  <a:srgbClr val="FF0000"/>
+                </a:solidFill>
+              </a:rPr>
+              <a:t>.</a:t>
+            </a:r>
+            <a:endParaRPr lang="ko-KR" altLang="en-US" b="1" dirty="0">
+              <a:solidFill>
+                <a:srgbClr val="FF0000"/>
+              </a:solidFill>
+            </a:endParaRPr>
+          </a:p>
+        </p:txBody>
+      </p:sp>
+      <p:sp>
+        <p:nvSpPr>
+          <p:cNvPr id="5" name="직사각형 4"/>
+          <p:cNvSpPr/>
+          <p:nvPr/>
+        </p:nvSpPr>
+        <p:spPr>
+          <a:xfrm>
+            <a:off x="551329" y="1131725"/>
+            <a:ext cx="8882743" cy="738664"/>
+          </a:xfrm>
+          <a:prstGeom prst="rect">
+            <a:avLst/>
+          </a:prstGeom>
+        </p:spPr>
+        <p:txBody>
+          <a:bodyPr wrap="square">
+            <a:spAutoFit/>
+          </a:bodyPr>
+          <a:lstStyle/>
+          <a:p>
+            <a:r>
+              <a:rPr lang="ko-KR" altLang="en-US" sz="1400" dirty="0" err="1"/>
+              <a:t>Programming</a:t>
+            </a:r>
+            <a:r>
+              <a:rPr lang="ko-KR" altLang="en-US" sz="1400" dirty="0"/>
+              <a:t> UNIX </a:t>
+            </a:r>
+            <a:r>
+              <a:rPr lang="ko-KR" altLang="en-US" sz="1400" dirty="0" err="1"/>
+              <a:t>Sockets</a:t>
+            </a:r>
+            <a:r>
+              <a:rPr lang="ko-KR" altLang="en-US" sz="1400" dirty="0"/>
+              <a:t> </a:t>
+            </a:r>
+            <a:r>
+              <a:rPr lang="ko-KR" altLang="en-US" sz="1400" dirty="0" err="1"/>
+              <a:t>in</a:t>
+            </a:r>
+            <a:r>
+              <a:rPr lang="ko-KR" altLang="en-US" sz="1400" dirty="0"/>
+              <a:t> C - </a:t>
+            </a:r>
+            <a:r>
+              <a:rPr lang="ko-KR" altLang="en-US" sz="1400" dirty="0" err="1"/>
+              <a:t>Frequently</a:t>
+            </a:r>
+            <a:r>
+              <a:rPr lang="ko-KR" altLang="en-US" sz="1400" dirty="0"/>
+              <a:t> </a:t>
+            </a:r>
+            <a:r>
+              <a:rPr lang="ko-KR" altLang="en-US" sz="1400" dirty="0" err="1"/>
+              <a:t>Asked</a:t>
+            </a:r>
+            <a:r>
+              <a:rPr lang="ko-KR" altLang="en-US" sz="1400" dirty="0"/>
+              <a:t> </a:t>
+            </a:r>
+            <a:r>
+              <a:rPr lang="ko-KR" altLang="en-US" sz="1400" dirty="0" err="1"/>
+              <a:t>Questions</a:t>
+            </a:r>
+            <a:endParaRPr lang="ko-KR" altLang="en-US" sz="1400" dirty="0"/>
+          </a:p>
+          <a:p>
+            <a:r>
+              <a:rPr lang="ko-KR" altLang="en-US" sz="1400" dirty="0" err="1"/>
+              <a:t>Created</a:t>
+            </a:r>
+            <a:r>
+              <a:rPr lang="ko-KR" altLang="en-US" sz="1400" dirty="0"/>
+              <a:t> </a:t>
+            </a:r>
+            <a:r>
+              <a:rPr lang="ko-KR" altLang="en-US" sz="1400" dirty="0" err="1"/>
+              <a:t>by</a:t>
+            </a:r>
+            <a:r>
+              <a:rPr lang="ko-KR" altLang="en-US" sz="1400" dirty="0"/>
+              <a:t> </a:t>
+            </a:r>
+            <a:r>
+              <a:rPr lang="ko-KR" altLang="en-US" sz="1400" dirty="0" err="1"/>
+              <a:t>Vic</a:t>
+            </a:r>
+            <a:r>
+              <a:rPr lang="ko-KR" altLang="en-US" sz="1400" dirty="0"/>
+              <a:t> </a:t>
+            </a:r>
+            <a:r>
+              <a:rPr lang="ko-KR" altLang="en-US" sz="1400" dirty="0" err="1"/>
+              <a:t>Metcalfe</a:t>
+            </a:r>
+            <a:r>
+              <a:rPr lang="ko-KR" altLang="en-US" sz="1400" dirty="0"/>
+              <a:t>, </a:t>
+            </a:r>
+            <a:r>
+              <a:rPr lang="ko-KR" altLang="en-US" sz="1400" dirty="0" err="1"/>
+              <a:t>Andrew</a:t>
+            </a:r>
+            <a:r>
+              <a:rPr lang="ko-KR" altLang="en-US" sz="1400" dirty="0"/>
+              <a:t> </a:t>
+            </a:r>
+            <a:r>
+              <a:rPr lang="ko-KR" altLang="en-US" sz="1400" dirty="0" err="1"/>
+              <a:t>Gierth</a:t>
+            </a:r>
+            <a:r>
+              <a:rPr lang="ko-KR" altLang="en-US" sz="1400" dirty="0"/>
+              <a:t> and </a:t>
+            </a:r>
+            <a:r>
+              <a:rPr lang="ko-KR" altLang="en-US" sz="1400" dirty="0" err="1"/>
+              <a:t>other</a:t>
+            </a:r>
+            <a:r>
+              <a:rPr lang="ko-KR" altLang="en-US" sz="1400" dirty="0"/>
+              <a:t> </a:t>
+            </a:r>
+            <a:r>
+              <a:rPr lang="ko-KR" altLang="en-US" sz="1400" dirty="0" err="1"/>
+              <a:t>contributers</a:t>
+            </a:r>
+            <a:r>
+              <a:rPr lang="ko-KR" altLang="en-US" sz="1400" dirty="0"/>
+              <a:t> (</a:t>
+            </a:r>
+            <a:r>
+              <a:rPr lang="ko-KR" altLang="en-US" sz="1400" dirty="0" err="1"/>
+              <a:t>Transrated</a:t>
+            </a:r>
+            <a:r>
+              <a:rPr lang="ko-KR" altLang="en-US" sz="1400" dirty="0"/>
+              <a:t> </a:t>
+            </a:r>
+            <a:r>
+              <a:rPr lang="ko-KR" altLang="en-US" sz="1400" dirty="0" err="1"/>
+              <a:t>into</a:t>
+            </a:r>
+            <a:r>
+              <a:rPr lang="ko-KR" altLang="en-US" sz="1400" dirty="0"/>
+              <a:t> </a:t>
+            </a:r>
+            <a:r>
+              <a:rPr lang="ko-KR" altLang="en-US" sz="1400" dirty="0" err="1"/>
+              <a:t>Japanese</a:t>
+            </a:r>
+            <a:r>
+              <a:rPr lang="ko-KR" altLang="en-US" sz="1400" dirty="0"/>
+              <a:t> </a:t>
+            </a:r>
+            <a:r>
+              <a:rPr lang="ko-KR" altLang="en-US" sz="1400" dirty="0" err="1"/>
+              <a:t>by</a:t>
+            </a:r>
+            <a:r>
+              <a:rPr lang="ko-KR" altLang="en-US" sz="1400" dirty="0"/>
+              <a:t>: </a:t>
+            </a:r>
+            <a:r>
+              <a:rPr lang="ko-KR" altLang="en-US" sz="1400" dirty="0" err="1"/>
+              <a:t>Keisuke</a:t>
+            </a:r>
+            <a:r>
+              <a:rPr lang="ko-KR" altLang="en-US" sz="1400" dirty="0"/>
+              <a:t> </a:t>
+            </a:r>
+            <a:r>
+              <a:rPr lang="ko-KR" altLang="en-US" sz="1400" dirty="0" err="1"/>
+              <a:t>Mori</a:t>
+            </a:r>
+            <a:r>
+              <a:rPr lang="ko-KR" altLang="en-US" sz="1400" dirty="0"/>
+              <a:t>)</a:t>
+            </a:r>
+          </a:p>
+          <a:p>
+            <a:r>
+              <a:rPr lang="ko-KR" altLang="en-US" sz="1400" dirty="0" err="1"/>
+              <a:t>May</a:t>
+            </a:r>
+            <a:r>
+              <a:rPr lang="ko-KR" altLang="en-US" sz="1400" dirty="0"/>
+              <a:t> 21, 1998</a:t>
+            </a:r>
+          </a:p>
+        </p:txBody>
+      </p:sp>
+    </p:spTree>
+    <p:extLst>
+      <p:ext uri="{BB962C8B-B14F-4D97-AF65-F5344CB8AC3E}">
+        <p14:creationId xmlns:p14="http://schemas.microsoft.com/office/powerpoint/2010/main" val="1870480454"/>
+      </p:ext>
+    </p:extLst>
+  </p:cSld>
+  <p:clrMapOvr>
+    <a:masterClrMapping/>
+  </p:clrMapOvr>
+</p:sld>
+</file>
+
+<file path=ppt/slides/slide13.xml><?xml version="1.0" encoding="utf-8"?>
+<p:sld xmlns:a="http://schemas.openxmlformats.org/drawingml/2006/main" xmlns:r="http://schemas.openxmlformats.org/officeDocument/2006/relationships" xmlns:p="http://schemas.openxmlformats.org/presentationml/2006/main">
+  <p:cSld>
+    <p:spTree>
+      <p:nvGrpSpPr>
+        <p:cNvPr id="1" name=""/>
+        <p:cNvGrpSpPr/>
+        <p:nvPr/>
+      </p:nvGrpSpPr>
+      <p:grpSpPr>
+        <a:xfrm>
+          <a:off x="0" y="0"/>
+          <a:ext cx="0" cy="0"/>
+          <a:chOff x="0" y="0"/>
+          <a:chExt cx="0" cy="0"/>
+        </a:xfrm>
+      </p:grpSpPr>
+      <p:sp>
+        <p:nvSpPr>
           <p:cNvPr id="3" name="직사각형 2"/>
           <p:cNvSpPr/>
           <p:nvPr/>
@@ -4366,7 +5360,7 @@
 </p:sld>
 </file>
 
-<file path=ppt/slides/slide11.xml><?xml version="1.0" encoding="utf-8"?>
+<file path=ppt/slides/slide14.xml><?xml version="1.0" encoding="utf-8"?>
 <p:sld xmlns:a="http://schemas.openxmlformats.org/drawingml/2006/main" xmlns:r="http://schemas.openxmlformats.org/officeDocument/2006/relationships" xmlns:p="http://schemas.openxmlformats.org/presentationml/2006/main">
   <p:cSld>
     <p:spTree>
@@ -4462,709 +5456,6 @@
 </p:sld>
 </file>
 
-<file path=ppt/slides/slide12.xml><?xml version="1.0" encoding="utf-8"?>
-<p:sld xmlns:a="http://schemas.openxmlformats.org/drawingml/2006/main" xmlns:r="http://schemas.openxmlformats.org/officeDocument/2006/relationships" xmlns:p="http://schemas.openxmlformats.org/presentationml/2006/main">
-  <p:cSld>
-    <p:spTree>
-      <p:nvGrpSpPr>
-        <p:cNvPr id="1" name=""/>
-        <p:cNvGrpSpPr/>
-        <p:nvPr/>
-      </p:nvGrpSpPr>
-      <p:grpSpPr>
-        <a:xfrm>
-          <a:off x="0" y="0"/>
-          <a:ext cx="0" cy="0"/>
-          <a:chOff x="0" y="0"/>
-          <a:chExt cx="0" cy="0"/>
-        </a:xfrm>
-      </p:grpSpPr>
-      <p:sp>
-        <p:nvSpPr>
-          <p:cNvPr id="2" name="TextBox 1"/>
-          <p:cNvSpPr txBox="1"/>
-          <p:nvPr/>
-        </p:nvSpPr>
-        <p:spPr>
-          <a:xfrm>
-            <a:off x="551328" y="322729"/>
-            <a:ext cx="11282083" cy="646331"/>
-          </a:xfrm>
-          <a:prstGeom prst="rect">
-            <a:avLst/>
-          </a:prstGeom>
-          <a:noFill/>
-        </p:spPr>
-        <p:txBody>
-          <a:bodyPr wrap="square" rtlCol="0">
-            <a:spAutoFit/>
-          </a:bodyPr>
-          <a:lstStyle/>
-          <a:p>
-            <a:r>
-              <a:rPr lang="en-US" altLang="ko-KR" sz="3600" dirty="0"/>
-              <a:t>select </a:t>
-            </a:r>
-            <a:r>
-              <a:rPr lang="ko-KR" altLang="en-US" sz="3600" dirty="0"/>
-              <a:t>와 </a:t>
-            </a:r>
-            <a:r>
-              <a:rPr lang="en-US" altLang="ko-KR" sz="3600" dirty="0"/>
-              <a:t>poll </a:t>
-            </a:r>
-            <a:r>
-              <a:rPr lang="ko-KR" altLang="en-US" sz="3600" dirty="0"/>
-              <a:t>비교</a:t>
-            </a:r>
-            <a:endParaRPr lang="ko-KR" altLang="en-US" sz="3600" b="1" dirty="0"/>
-          </a:p>
-        </p:txBody>
-      </p:sp>
-      <p:sp>
-        <p:nvSpPr>
-          <p:cNvPr id="3" name="직사각형 2"/>
-          <p:cNvSpPr/>
-          <p:nvPr/>
-        </p:nvSpPr>
-        <p:spPr>
-          <a:xfrm>
-            <a:off x="645458" y="1186988"/>
-            <a:ext cx="10703859" cy="3970318"/>
-          </a:xfrm>
-          <a:prstGeom prst="rect">
-            <a:avLst/>
-          </a:prstGeom>
-        </p:spPr>
-        <p:txBody>
-          <a:bodyPr wrap="square">
-            <a:spAutoFit/>
-          </a:bodyPr>
-          <a:lstStyle/>
-          <a:p>
-            <a:r>
-              <a:rPr lang="en-US" altLang="ko-KR" dirty="0"/>
-              <a:t>poll </a:t>
-            </a:r>
-            <a:r>
-              <a:rPr lang="ko-KR" altLang="en-US" dirty="0"/>
-              <a:t>은 가장 높은 </a:t>
-            </a:r>
-            <a:r>
-              <a:rPr lang="en-US" altLang="ko-KR" dirty="0" err="1"/>
-              <a:t>fd</a:t>
-            </a:r>
-            <a:r>
-              <a:rPr lang="ko-KR" altLang="en-US" dirty="0"/>
-              <a:t>에 </a:t>
-            </a:r>
-            <a:r>
-              <a:rPr lang="en-US" altLang="ko-KR" dirty="0"/>
-              <a:t>+1</a:t>
-            </a:r>
-            <a:r>
-              <a:rPr lang="ko-KR" altLang="en-US" dirty="0"/>
-              <a:t>을 할 필요가 없다</a:t>
-            </a:r>
-            <a:r>
-              <a:rPr lang="en-US" altLang="ko-KR" dirty="0"/>
-              <a:t>.</a:t>
-            </a:r>
-            <a:br>
-              <a:rPr lang="en-US" altLang="ko-KR" dirty="0"/>
-            </a:br>
-            <a:endParaRPr lang="en-US" altLang="ko-KR" dirty="0"/>
-          </a:p>
-          <a:p>
-            <a:r>
-              <a:rPr lang="en-US" altLang="ko-KR" dirty="0"/>
-              <a:t>poll</a:t>
-            </a:r>
-            <a:r>
-              <a:rPr lang="ko-KR" altLang="en-US" dirty="0"/>
-              <a:t>은 </a:t>
-            </a:r>
-            <a:r>
-              <a:rPr lang="en-US" altLang="ko-KR" dirty="0" err="1"/>
-              <a:t>fd</a:t>
-            </a:r>
-            <a:r>
-              <a:rPr lang="ko-KR" altLang="en-US" dirty="0"/>
-              <a:t>가 클 경우 좋다</a:t>
-            </a:r>
-            <a:r>
-              <a:rPr lang="en-US" altLang="ko-KR" dirty="0"/>
-              <a:t>. select</a:t>
-            </a:r>
-            <a:r>
-              <a:rPr lang="ko-KR" altLang="en-US" dirty="0"/>
-              <a:t>는 모든 </a:t>
-            </a:r>
-            <a:r>
-              <a:rPr lang="en-US" altLang="ko-KR" dirty="0" err="1"/>
-              <a:t>fd</a:t>
-            </a:r>
-            <a:r>
-              <a:rPr lang="ko-KR" altLang="en-US" dirty="0"/>
-              <a:t>의 비트를 검사한다</a:t>
-            </a:r>
-            <a:r>
-              <a:rPr lang="en-US" altLang="ko-KR" dirty="0"/>
-              <a:t>. (select</a:t>
-            </a:r>
-            <a:r>
-              <a:rPr lang="ko-KR" altLang="en-US" dirty="0"/>
-              <a:t>는 </a:t>
-            </a:r>
-            <a:r>
-              <a:rPr lang="en-US" altLang="ko-KR" dirty="0"/>
-              <a:t>for loop</a:t>
-            </a:r>
-            <a:r>
-              <a:rPr lang="ko-KR" altLang="en-US" dirty="0"/>
-              <a:t>에서 </a:t>
-            </a:r>
-            <a:r>
-              <a:rPr lang="en-US" altLang="ko-KR" dirty="0"/>
-              <a:t>set </a:t>
-            </a:r>
-            <a:r>
-              <a:rPr lang="ko-KR" altLang="en-US" dirty="0"/>
-              <a:t>된 정보를 찾음</a:t>
-            </a:r>
-            <a:r>
-              <a:rPr lang="en-US" altLang="ko-KR" dirty="0"/>
-              <a:t>)</a:t>
-            </a:r>
-          </a:p>
-          <a:p>
-            <a:r>
-              <a:rPr lang="en-US" altLang="ko-KR" dirty="0"/>
-              <a:t>-&gt; </a:t>
-            </a:r>
-            <a:r>
-              <a:rPr lang="ko-KR" altLang="en-US" dirty="0"/>
-              <a:t>그렇다고 </a:t>
-            </a:r>
-            <a:r>
-              <a:rPr lang="en-US" altLang="ko-KR" dirty="0"/>
-              <a:t>select</a:t>
-            </a:r>
-            <a:r>
-              <a:rPr lang="ko-KR" altLang="en-US" dirty="0"/>
-              <a:t>가 안좋다고 말할 수 없다</a:t>
-            </a:r>
-            <a:r>
-              <a:rPr lang="en-US" altLang="ko-KR" dirty="0"/>
-              <a:t>. </a:t>
-            </a:r>
-            <a:r>
-              <a:rPr lang="ko-KR" altLang="en-US" dirty="0"/>
-              <a:t>이벤트가 자주 발생하고 연속적인 시스템에서는 </a:t>
-            </a:r>
-            <a:r>
-              <a:rPr lang="en-US" altLang="ko-KR" dirty="0"/>
-              <a:t>select</a:t>
-            </a:r>
-            <a:r>
-              <a:rPr lang="ko-KR" altLang="en-US" dirty="0"/>
-              <a:t>를 사용 </a:t>
-            </a:r>
-            <a:r>
-              <a:rPr lang="en-US" altLang="ko-KR" dirty="0"/>
-              <a:t>(apache http)</a:t>
-            </a:r>
-          </a:p>
-          <a:p>
-            <a:endParaRPr lang="en-US" altLang="ko-KR" dirty="0"/>
-          </a:p>
-          <a:p>
-            <a:r>
-              <a:rPr lang="en-US" altLang="ko-KR" dirty="0"/>
-              <a:t>poll</a:t>
-            </a:r>
-            <a:r>
-              <a:rPr lang="ko-KR" altLang="en-US" dirty="0"/>
-              <a:t>은 어느 정도 분산되어 있거나 크기 제한이 없는 </a:t>
-            </a:r>
-            <a:r>
-              <a:rPr lang="ko-KR" altLang="en-US" dirty="0" err="1"/>
-              <a:t>여러개의</a:t>
-            </a:r>
-            <a:r>
-              <a:rPr lang="ko-KR" altLang="en-US" dirty="0"/>
-              <a:t> </a:t>
-            </a:r>
-            <a:r>
-              <a:rPr lang="en-US" altLang="ko-KR" dirty="0"/>
-              <a:t>array </a:t>
-            </a:r>
-            <a:r>
-              <a:rPr lang="ko-KR" altLang="en-US" dirty="0"/>
-              <a:t>형태로 넘겨서 사용할 때 유용하다</a:t>
-            </a:r>
-            <a:r>
-              <a:rPr lang="en-US" altLang="ko-KR" dirty="0"/>
-              <a:t>. </a:t>
-            </a:r>
-          </a:p>
-          <a:p>
-            <a:r>
-              <a:rPr lang="ko-KR" altLang="en-US" dirty="0"/>
-              <a:t>그리고</a:t>
-            </a:r>
-            <a:r>
-              <a:rPr lang="en-US" altLang="ko-KR" dirty="0"/>
-              <a:t>, </a:t>
-            </a:r>
-            <a:r>
-              <a:rPr lang="ko-KR" altLang="en-US" dirty="0"/>
-              <a:t>필요한 것만 비교할 경우가 효과적이다</a:t>
-            </a:r>
-            <a:r>
-              <a:rPr lang="en-US" altLang="ko-KR" dirty="0"/>
-              <a:t>. </a:t>
-            </a:r>
-          </a:p>
-          <a:p>
-            <a:endParaRPr lang="en-US" altLang="ko-KR" dirty="0"/>
-          </a:p>
-          <a:p>
-            <a:r>
-              <a:rPr lang="en-US" altLang="ko-KR" dirty="0"/>
-              <a:t>- select</a:t>
-            </a:r>
-            <a:r>
-              <a:rPr lang="ko-KR" altLang="en-US" dirty="0"/>
-              <a:t>는 </a:t>
-            </a:r>
-            <a:r>
-              <a:rPr lang="en-US" altLang="ko-KR" dirty="0" err="1"/>
-              <a:t>fd</a:t>
-            </a:r>
-            <a:r>
-              <a:rPr lang="en-US" altLang="ko-KR" dirty="0"/>
-              <a:t> set</a:t>
-            </a:r>
-            <a:r>
-              <a:rPr lang="ko-KR" altLang="en-US" dirty="0"/>
-              <a:t>을 초기화를 해야 하지만</a:t>
-            </a:r>
-            <a:r>
-              <a:rPr lang="en-US" altLang="ko-KR" dirty="0"/>
-              <a:t>, poll</a:t>
-            </a:r>
-            <a:r>
-              <a:rPr lang="ko-KR" altLang="en-US" dirty="0"/>
-              <a:t>은 입력과 결과를 분리할 수 있다</a:t>
-            </a:r>
-            <a:r>
-              <a:rPr lang="en-US" altLang="ko-KR" dirty="0"/>
-              <a:t>.</a:t>
-            </a:r>
-          </a:p>
-          <a:p>
-            <a:r>
-              <a:rPr lang="en-US" altLang="ko-KR" dirty="0"/>
-              <a:t>- select</a:t>
-            </a:r>
-            <a:r>
-              <a:rPr lang="ko-KR" altLang="en-US" dirty="0"/>
-              <a:t>는 사이즈 제한이 있다</a:t>
-            </a:r>
-            <a:r>
-              <a:rPr lang="en-US" altLang="ko-KR" dirty="0"/>
-              <a:t>. </a:t>
-            </a:r>
-          </a:p>
-          <a:p>
-            <a:r>
-              <a:rPr lang="en-US" altLang="ko-KR" dirty="0"/>
-              <a:t>- select</a:t>
-            </a:r>
-            <a:r>
-              <a:rPr lang="ko-KR" altLang="en-US" dirty="0"/>
-              <a:t>가 이식성이 좋음</a:t>
-            </a:r>
-            <a:r>
-              <a:rPr lang="en-US" altLang="ko-KR" dirty="0"/>
-              <a:t>. </a:t>
-            </a:r>
-            <a:r>
-              <a:rPr lang="ko-KR" altLang="en-US" dirty="0"/>
-              <a:t>어떤 시스템은 </a:t>
-            </a:r>
-            <a:r>
-              <a:rPr lang="en-US" altLang="ko-KR" dirty="0"/>
-              <a:t>poll</a:t>
-            </a:r>
-            <a:r>
-              <a:rPr lang="ko-KR" altLang="en-US" dirty="0"/>
-              <a:t>을 쓰지 않기도 함 </a:t>
-            </a:r>
-          </a:p>
-          <a:p>
-            <a:r>
-              <a:rPr lang="en-US" altLang="ko-KR" dirty="0"/>
-              <a:t>- select</a:t>
-            </a:r>
-            <a:r>
-              <a:rPr lang="ko-KR" altLang="en-US" dirty="0"/>
-              <a:t>의 </a:t>
-            </a:r>
-            <a:r>
-              <a:rPr lang="en-US" altLang="ko-KR" dirty="0"/>
-              <a:t>timeout</a:t>
-            </a:r>
-            <a:r>
-              <a:rPr lang="ko-KR" altLang="en-US" dirty="0"/>
-              <a:t>이 </a:t>
-            </a:r>
-            <a:r>
-              <a:rPr lang="en-US" altLang="ko-KR" dirty="0"/>
-              <a:t>poll</a:t>
-            </a:r>
-            <a:r>
-              <a:rPr lang="ko-KR" altLang="en-US" dirty="0"/>
-              <a:t>의 </a:t>
-            </a:r>
-            <a:r>
-              <a:rPr lang="en-US" altLang="ko-KR" dirty="0"/>
-              <a:t>timeout</a:t>
-            </a:r>
-            <a:r>
-              <a:rPr lang="ko-KR" altLang="en-US" dirty="0"/>
-              <a:t>보다 안정적임</a:t>
-            </a:r>
-          </a:p>
-        </p:txBody>
-      </p:sp>
-      <p:sp>
-        <p:nvSpPr>
-          <p:cNvPr id="4" name="직사각형 3"/>
-          <p:cNvSpPr/>
-          <p:nvPr/>
-        </p:nvSpPr>
-        <p:spPr>
-          <a:xfrm>
-            <a:off x="918587" y="6527142"/>
-            <a:ext cx="11187953" cy="276999"/>
-          </a:xfrm>
-          <a:prstGeom prst="rect">
-            <a:avLst/>
-          </a:prstGeom>
-        </p:spPr>
-        <p:txBody>
-          <a:bodyPr wrap="square">
-            <a:spAutoFit/>
-          </a:bodyPr>
-          <a:lstStyle/>
-          <a:p>
-            <a:r>
-              <a:rPr lang="ko-KR" altLang="en-US" sz="1200" dirty="0"/>
-              <a:t>출처: </a:t>
-            </a:r>
-            <a:r>
-              <a:rPr lang="ko-KR" altLang="en-US" sz="1200" dirty="0">
-                <a:hlinkClick r:id="rId2"/>
-              </a:rPr>
-              <a:t>http://knight76.tistory.com/entry/select-poll-%EC%8B%9C%EC%8A%A4%ED%85%9C-%EC%BD%9C-%EC%9D%B4%ED%95%B4%ED%95%98%EA%B8%B0</a:t>
-            </a:r>
-            <a:r>
-              <a:rPr lang="ko-KR" altLang="en-US" sz="1200" dirty="0"/>
-              <a:t> </a:t>
-            </a:r>
-          </a:p>
-        </p:txBody>
-      </p:sp>
-    </p:spTree>
-    <p:extLst>
-      <p:ext uri="{BB962C8B-B14F-4D97-AF65-F5344CB8AC3E}">
-        <p14:creationId xmlns:p14="http://schemas.microsoft.com/office/powerpoint/2010/main" val="2751484186"/>
-      </p:ext>
-    </p:extLst>
-  </p:cSld>
-  <p:clrMapOvr>
-    <a:masterClrMapping/>
-  </p:clrMapOvr>
-</p:sld>
-</file>
-
-<file path=ppt/slides/slide13.xml><?xml version="1.0" encoding="utf-8"?>
-<p:sld xmlns:a="http://schemas.openxmlformats.org/drawingml/2006/main" xmlns:r="http://schemas.openxmlformats.org/officeDocument/2006/relationships" xmlns:p="http://schemas.openxmlformats.org/presentationml/2006/main">
-  <p:cSld>
-    <p:spTree>
-      <p:nvGrpSpPr>
-        <p:cNvPr id="1" name=""/>
-        <p:cNvGrpSpPr/>
-        <p:nvPr/>
-      </p:nvGrpSpPr>
-      <p:grpSpPr>
-        <a:xfrm>
-          <a:off x="0" y="0"/>
-          <a:ext cx="0" cy="0"/>
-          <a:chOff x="0" y="0"/>
-          <a:chExt cx="0" cy="0"/>
-        </a:xfrm>
-      </p:grpSpPr>
-      <p:sp>
-        <p:nvSpPr>
-          <p:cNvPr id="2" name="TextBox 1"/>
-          <p:cNvSpPr txBox="1"/>
-          <p:nvPr/>
-        </p:nvSpPr>
-        <p:spPr>
-          <a:xfrm>
-            <a:off x="551329" y="322729"/>
-            <a:ext cx="6894500" cy="646331"/>
-          </a:xfrm>
-          <a:prstGeom prst="rect">
-            <a:avLst/>
-          </a:prstGeom>
-          <a:noFill/>
-        </p:spPr>
-        <p:txBody>
-          <a:bodyPr wrap="square" rtlCol="0">
-            <a:spAutoFit/>
-          </a:bodyPr>
-          <a:lstStyle/>
-          <a:p>
-            <a:r>
-              <a:rPr lang="ko-KR" altLang="en-US" sz="3600" b="1" dirty="0"/>
-              <a:t>이제 </a:t>
-            </a:r>
-            <a:r>
-              <a:rPr lang="en-US" altLang="ko-KR" sz="3600" b="1" dirty="0"/>
-              <a:t>Windows</a:t>
-            </a:r>
-            <a:r>
-              <a:rPr lang="ko-KR" altLang="en-US" sz="3600" b="1" dirty="0"/>
-              <a:t>의 </a:t>
-            </a:r>
-            <a:r>
-              <a:rPr lang="en-US" altLang="ko-KR" sz="3600" b="1" dirty="0" err="1"/>
-              <a:t>WSAPoll</a:t>
-            </a:r>
-            <a:r>
-              <a:rPr lang="en-US" altLang="ko-KR" sz="3600" b="1" dirty="0"/>
-              <a:t> </a:t>
-            </a:r>
-            <a:r>
-              <a:rPr lang="ko-KR" altLang="en-US" sz="3600" b="1" dirty="0"/>
-              <a:t>로</a:t>
-            </a:r>
-          </a:p>
-        </p:txBody>
-      </p:sp>
-      <p:sp>
-        <p:nvSpPr>
-          <p:cNvPr id="4" name="직사각형 3"/>
-          <p:cNvSpPr/>
-          <p:nvPr/>
-        </p:nvSpPr>
-        <p:spPr>
-          <a:xfrm>
-            <a:off x="2822369" y="6569126"/>
-            <a:ext cx="9349839" cy="276999"/>
-          </a:xfrm>
-          <a:prstGeom prst="rect">
-            <a:avLst/>
-          </a:prstGeom>
-        </p:spPr>
-        <p:txBody>
-          <a:bodyPr wrap="square">
-            <a:spAutoFit/>
-          </a:bodyPr>
-          <a:lstStyle/>
-          <a:p>
-            <a:r>
-              <a:rPr lang="ko-KR" altLang="en-US" sz="1200" dirty="0">
-                <a:hlinkClick r:id="rId2"/>
-              </a:rPr>
-              <a:t>https://blogs.msdn.microsoft.com/wndp/2006/10/26/wsapoll-a-new-winsock-api-to-simplify-porting-poll-applications-to-winsock/</a:t>
-            </a:r>
-            <a:r>
-              <a:rPr lang="ko-KR" altLang="en-US" sz="1200" dirty="0"/>
-              <a:t> </a:t>
-            </a:r>
-          </a:p>
-        </p:txBody>
-      </p:sp>
-      <p:pic>
-        <p:nvPicPr>
-          <p:cNvPr id="6" name="그림 5"/>
-          <p:cNvPicPr>
-            <a:picLocks noChangeAspect="1"/>
-          </p:cNvPicPr>
-          <p:nvPr/>
-        </p:nvPicPr>
-        <p:blipFill>
-          <a:blip r:embed="rId3"/>
-          <a:stretch>
-            <a:fillRect/>
-          </a:stretch>
-        </p:blipFill>
-        <p:spPr>
-          <a:xfrm>
-            <a:off x="1750434" y="969060"/>
-            <a:ext cx="8524875" cy="5419725"/>
-          </a:xfrm>
-          <a:prstGeom prst="rect">
-            <a:avLst/>
-          </a:prstGeom>
-        </p:spPr>
-      </p:pic>
-    </p:spTree>
-    <p:extLst>
-      <p:ext uri="{BB962C8B-B14F-4D97-AF65-F5344CB8AC3E}">
-        <p14:creationId xmlns:p14="http://schemas.microsoft.com/office/powerpoint/2010/main" val="384142984"/>
-      </p:ext>
-    </p:extLst>
-  </p:cSld>
-  <p:clrMapOvr>
-    <a:masterClrMapping/>
-  </p:clrMapOvr>
-</p:sld>
-</file>
-
-<file path=ppt/slides/slide14.xml><?xml version="1.0" encoding="utf-8"?>
-<p:sld xmlns:a="http://schemas.openxmlformats.org/drawingml/2006/main" xmlns:r="http://schemas.openxmlformats.org/officeDocument/2006/relationships" xmlns:p="http://schemas.openxmlformats.org/presentationml/2006/main">
-  <p:cSld>
-    <p:spTree>
-      <p:nvGrpSpPr>
-        <p:cNvPr id="1" name=""/>
-        <p:cNvGrpSpPr/>
-        <p:nvPr/>
-      </p:nvGrpSpPr>
-      <p:grpSpPr>
-        <a:xfrm>
-          <a:off x="0" y="0"/>
-          <a:ext cx="0" cy="0"/>
-          <a:chOff x="0" y="0"/>
-          <a:chExt cx="0" cy="0"/>
-        </a:xfrm>
-      </p:grpSpPr>
-      <p:sp>
-        <p:nvSpPr>
-          <p:cNvPr id="2" name="직사각형 1"/>
-          <p:cNvSpPr/>
-          <p:nvPr/>
-        </p:nvSpPr>
-        <p:spPr>
-          <a:xfrm>
-            <a:off x="472135" y="2853139"/>
-            <a:ext cx="10770919" cy="923330"/>
-          </a:xfrm>
-          <a:prstGeom prst="rect">
-            <a:avLst/>
-          </a:prstGeom>
-        </p:spPr>
-        <p:txBody>
-          <a:bodyPr wrap="square">
-            <a:spAutoFit/>
-          </a:bodyPr>
-          <a:lstStyle/>
-          <a:p>
-            <a:r>
-              <a:rPr lang="ko-KR" altLang="en-US" dirty="0" err="1"/>
-              <a:t>poll</a:t>
-            </a:r>
-            <a:r>
-              <a:rPr lang="ko-KR" altLang="en-US" dirty="0"/>
-              <a:t>()을 사용하여 응용 프로그램을 개발 한 경험이 있다면 </a:t>
-            </a:r>
-            <a:r>
-              <a:rPr lang="ko-KR" altLang="en-US" dirty="0" err="1"/>
-              <a:t>WSAPoll은</a:t>
-            </a:r>
-            <a:r>
-              <a:rPr lang="ko-KR" altLang="en-US" dirty="0"/>
-              <a:t> 매우 친숙하다. </a:t>
-            </a:r>
-            <a:r>
-              <a:rPr lang="ko-KR" altLang="en-US" b="1" dirty="0" err="1"/>
-              <a:t>poll</a:t>
-            </a:r>
-            <a:r>
-              <a:rPr lang="ko-KR" altLang="en-US" b="1" dirty="0"/>
-              <a:t>()과 똑같이 동작하도록 설계되었다</a:t>
-            </a:r>
-            <a:r>
-              <a:rPr lang="ko-KR" altLang="en-US" dirty="0"/>
-              <a:t>. 실제로 BSD </a:t>
-            </a:r>
-            <a:r>
-              <a:rPr lang="ko-KR" altLang="en-US" dirty="0" err="1"/>
-              <a:t>Unix에서</a:t>
-            </a:r>
-            <a:r>
-              <a:rPr lang="ko-KR" altLang="en-US" dirty="0"/>
-              <a:t> 실행되도록 </a:t>
-            </a:r>
-            <a:r>
-              <a:rPr lang="ko-KR" altLang="en-US" dirty="0" err="1"/>
-              <a:t>Winsock</a:t>
-            </a:r>
-            <a:r>
-              <a:rPr lang="ko-KR" altLang="en-US" dirty="0"/>
-              <a:t> </a:t>
-            </a:r>
-            <a:r>
-              <a:rPr lang="ko-KR" altLang="en-US" dirty="0" err="1"/>
-              <a:t>WSAPoll</a:t>
-            </a:r>
-            <a:r>
-              <a:rPr lang="ko-KR" altLang="en-US" dirty="0"/>
-              <a:t> SDK 샘플을 이식했다. </a:t>
-            </a:r>
-            <a:endParaRPr lang="en-US" altLang="ko-KR" dirty="0"/>
-          </a:p>
-          <a:p>
-            <a:r>
-              <a:rPr lang="en-US" altLang="ko-KR" dirty="0"/>
-              <a:t>…..</a:t>
-            </a:r>
-            <a:endParaRPr lang="ko-KR" altLang="en-US" dirty="0"/>
-          </a:p>
-        </p:txBody>
-      </p:sp>
-      <p:pic>
-        <p:nvPicPr>
-          <p:cNvPr id="3" name="그림 2"/>
-          <p:cNvPicPr>
-            <a:picLocks noChangeAspect="1"/>
-          </p:cNvPicPr>
-          <p:nvPr/>
-        </p:nvPicPr>
-        <p:blipFill>
-          <a:blip r:embed="rId2"/>
-          <a:stretch>
-            <a:fillRect/>
-          </a:stretch>
-        </p:blipFill>
-        <p:spPr>
-          <a:xfrm>
-            <a:off x="472135" y="947799"/>
-            <a:ext cx="11037932" cy="1676648"/>
-          </a:xfrm>
-          <a:prstGeom prst="rect">
-            <a:avLst/>
-          </a:prstGeom>
-        </p:spPr>
-      </p:pic>
-    </p:spTree>
-    <p:extLst>
-      <p:ext uri="{BB962C8B-B14F-4D97-AF65-F5344CB8AC3E}">
-        <p14:creationId xmlns:p14="http://schemas.microsoft.com/office/powerpoint/2010/main" val="1778192700"/>
-      </p:ext>
-    </p:extLst>
-  </p:cSld>
-  <p:clrMapOvr>
-    <a:masterClrMapping/>
-  </p:clrMapOvr>
-</p:sld>
-</file>
-
 <file path=ppt/slides/slide15.xml><?xml version="1.0" encoding="utf-8"?>
 <p:sld xmlns:a="http://schemas.openxmlformats.org/drawingml/2006/main" xmlns:r="http://schemas.openxmlformats.org/officeDocument/2006/relationships" xmlns:p="http://schemas.openxmlformats.org/presentationml/2006/main">
   <p:cSld>
@@ -5184,6 +5475,701 @@
       </p:grpSpPr>
       <p:sp>
         <p:nvSpPr>
+          <p:cNvPr id="2" name="TextBox 1"/>
+          <p:cNvSpPr txBox="1"/>
+          <p:nvPr/>
+        </p:nvSpPr>
+        <p:spPr>
+          <a:xfrm>
+            <a:off x="551328" y="322729"/>
+            <a:ext cx="11282083" cy="646331"/>
+          </a:xfrm>
+          <a:prstGeom prst="rect">
+            <a:avLst/>
+          </a:prstGeom>
+          <a:noFill/>
+        </p:spPr>
+        <p:txBody>
+          <a:bodyPr wrap="square" rtlCol="0">
+            <a:spAutoFit/>
+          </a:bodyPr>
+          <a:lstStyle/>
+          <a:p>
+            <a:r>
+              <a:rPr lang="en-US" altLang="ko-KR" sz="3600" dirty="0"/>
+              <a:t>select </a:t>
+            </a:r>
+            <a:r>
+              <a:rPr lang="ko-KR" altLang="en-US" sz="3600" dirty="0"/>
+              <a:t>와 </a:t>
+            </a:r>
+            <a:r>
+              <a:rPr lang="en-US" altLang="ko-KR" sz="3600" dirty="0"/>
+              <a:t>poll </a:t>
+            </a:r>
+            <a:r>
+              <a:rPr lang="ko-KR" altLang="en-US" sz="3600" dirty="0"/>
+              <a:t>비교</a:t>
+            </a:r>
+            <a:endParaRPr lang="ko-KR" altLang="en-US" sz="3600" b="1" dirty="0"/>
+          </a:p>
+        </p:txBody>
+      </p:sp>
+      <p:sp>
+        <p:nvSpPr>
+          <p:cNvPr id="3" name="직사각형 2"/>
+          <p:cNvSpPr/>
+          <p:nvPr/>
+        </p:nvSpPr>
+        <p:spPr>
+          <a:xfrm>
+            <a:off x="645458" y="1186988"/>
+            <a:ext cx="10703859" cy="4247317"/>
+          </a:xfrm>
+          <a:prstGeom prst="rect">
+            <a:avLst/>
+          </a:prstGeom>
+        </p:spPr>
+        <p:txBody>
+          <a:bodyPr wrap="square">
+            <a:spAutoFit/>
+          </a:bodyPr>
+          <a:lstStyle/>
+          <a:p>
+            <a:r>
+              <a:rPr lang="en-US" altLang="ko-KR" dirty="0"/>
+              <a:t>poll </a:t>
+            </a:r>
+            <a:r>
+              <a:rPr lang="ko-KR" altLang="en-US" dirty="0"/>
+              <a:t>은 가장 높은 </a:t>
+            </a:r>
+            <a:r>
+              <a:rPr lang="en-US" altLang="ko-KR" dirty="0" err="1"/>
+              <a:t>fd</a:t>
+            </a:r>
+            <a:r>
+              <a:rPr lang="ko-KR" altLang="en-US" dirty="0"/>
+              <a:t>에 </a:t>
+            </a:r>
+            <a:r>
+              <a:rPr lang="en-US" altLang="ko-KR" dirty="0"/>
+              <a:t>+1</a:t>
+            </a:r>
+            <a:r>
+              <a:rPr lang="ko-KR" altLang="en-US" dirty="0"/>
+              <a:t>을 할 필요가 없다</a:t>
+            </a:r>
+            <a:r>
+              <a:rPr lang="en-US" altLang="ko-KR" dirty="0"/>
+              <a:t>.</a:t>
+            </a:r>
+            <a:br>
+              <a:rPr lang="en-US" altLang="ko-KR" dirty="0"/>
+            </a:br>
+            <a:endParaRPr lang="en-US" altLang="ko-KR" dirty="0"/>
+          </a:p>
+          <a:p>
+            <a:r>
+              <a:rPr lang="en-US" altLang="ko-KR" dirty="0"/>
+              <a:t>poll</a:t>
+            </a:r>
+            <a:r>
+              <a:rPr lang="ko-KR" altLang="en-US" dirty="0"/>
+              <a:t>은 </a:t>
+            </a:r>
+            <a:r>
+              <a:rPr lang="en-US" altLang="ko-KR" dirty="0" err="1"/>
+              <a:t>fd</a:t>
+            </a:r>
+            <a:r>
+              <a:rPr lang="ko-KR" altLang="en-US" dirty="0"/>
+              <a:t>가 클 경우 좋다</a:t>
+            </a:r>
+            <a:r>
+              <a:rPr lang="en-US" altLang="ko-KR" dirty="0"/>
+              <a:t>. select</a:t>
+            </a:r>
+            <a:r>
+              <a:rPr lang="ko-KR" altLang="en-US" dirty="0"/>
+              <a:t>는 모든 </a:t>
+            </a:r>
+            <a:r>
+              <a:rPr lang="en-US" altLang="ko-KR" dirty="0" err="1"/>
+              <a:t>fd</a:t>
+            </a:r>
+            <a:r>
+              <a:rPr lang="ko-KR" altLang="en-US" dirty="0"/>
+              <a:t>의 비트를 검사한다</a:t>
+            </a:r>
+            <a:r>
+              <a:rPr lang="en-US" altLang="ko-KR" dirty="0"/>
+              <a:t>. (select</a:t>
+            </a:r>
+            <a:r>
+              <a:rPr lang="ko-KR" altLang="en-US" dirty="0"/>
+              <a:t>는 </a:t>
+            </a:r>
+            <a:r>
+              <a:rPr lang="en-US" altLang="ko-KR" dirty="0"/>
+              <a:t>for loop</a:t>
+            </a:r>
+            <a:r>
+              <a:rPr lang="ko-KR" altLang="en-US" dirty="0"/>
+              <a:t>에서 </a:t>
+            </a:r>
+            <a:r>
+              <a:rPr lang="en-US" altLang="ko-KR" dirty="0"/>
+              <a:t>set </a:t>
+            </a:r>
+            <a:r>
+              <a:rPr lang="ko-KR" altLang="en-US" dirty="0"/>
+              <a:t>된 정보를 찾음</a:t>
+            </a:r>
+            <a:r>
+              <a:rPr lang="en-US" altLang="ko-KR" dirty="0"/>
+              <a:t>)</a:t>
+            </a:r>
+          </a:p>
+          <a:p>
+            <a:r>
+              <a:rPr lang="en-US" altLang="ko-KR" dirty="0"/>
+              <a:t>-&gt; </a:t>
+            </a:r>
+            <a:r>
+              <a:rPr lang="ko-KR" altLang="en-US" dirty="0"/>
+              <a:t>그렇다고 </a:t>
+            </a:r>
+            <a:r>
+              <a:rPr lang="en-US" altLang="ko-KR" dirty="0"/>
+              <a:t>select</a:t>
+            </a:r>
+            <a:r>
+              <a:rPr lang="ko-KR" altLang="en-US" dirty="0"/>
+              <a:t>가 안좋다고 말할 수 없다</a:t>
+            </a:r>
+            <a:r>
+              <a:rPr lang="en-US" altLang="ko-KR" dirty="0"/>
+              <a:t>. </a:t>
+            </a:r>
+            <a:r>
+              <a:rPr lang="ko-KR" altLang="en-US" dirty="0"/>
+              <a:t>이벤트가 자주 발생하고 연속적인 시스템에서는 </a:t>
+            </a:r>
+            <a:r>
+              <a:rPr lang="en-US" altLang="ko-KR" dirty="0"/>
+              <a:t>select</a:t>
+            </a:r>
+            <a:r>
+              <a:rPr lang="ko-KR" altLang="en-US" dirty="0"/>
+              <a:t>를 사용 </a:t>
+            </a:r>
+            <a:r>
+              <a:rPr lang="en-US" altLang="ko-KR" dirty="0"/>
+              <a:t>(apache http)</a:t>
+            </a:r>
+          </a:p>
+          <a:p>
+            <a:endParaRPr lang="en-US" altLang="ko-KR" dirty="0"/>
+          </a:p>
+          <a:p>
+            <a:r>
+              <a:rPr lang="en-US" altLang="ko-KR" dirty="0"/>
+              <a:t>poll</a:t>
+            </a:r>
+            <a:r>
+              <a:rPr lang="ko-KR" altLang="en-US" dirty="0"/>
+              <a:t>은 어느 정도 분산되어 있거나 크기 제한이 없는 여러 개의 </a:t>
+            </a:r>
+            <a:r>
+              <a:rPr lang="en-US" altLang="ko-KR" dirty="0"/>
+              <a:t>array </a:t>
+            </a:r>
+            <a:r>
+              <a:rPr lang="ko-KR" altLang="en-US" dirty="0"/>
+              <a:t>형태로 넘겨서 사용할 때 유용하다</a:t>
+            </a:r>
+            <a:r>
+              <a:rPr lang="en-US" altLang="ko-KR" dirty="0"/>
+              <a:t>. </a:t>
+            </a:r>
+          </a:p>
+          <a:p>
+            <a:r>
+              <a:rPr lang="ko-KR" altLang="en-US" dirty="0"/>
+              <a:t>그리고</a:t>
+            </a:r>
+            <a:r>
+              <a:rPr lang="en-US" altLang="ko-KR" dirty="0"/>
+              <a:t>, </a:t>
+            </a:r>
+            <a:r>
+              <a:rPr lang="ko-KR" altLang="en-US" dirty="0"/>
+              <a:t>필요한 것만 비교할 경우가 효과적이다</a:t>
+            </a:r>
+            <a:r>
+              <a:rPr lang="en-US" altLang="ko-KR" dirty="0"/>
+              <a:t>. </a:t>
+            </a:r>
+          </a:p>
+          <a:p>
+            <a:endParaRPr lang="en-US" altLang="ko-KR" dirty="0"/>
+          </a:p>
+          <a:p>
+            <a:r>
+              <a:rPr lang="en-US" altLang="ko-KR" dirty="0"/>
+              <a:t>- select</a:t>
+            </a:r>
+            <a:r>
+              <a:rPr lang="ko-KR" altLang="en-US" dirty="0"/>
+              <a:t>는 </a:t>
+            </a:r>
+            <a:r>
+              <a:rPr lang="en-US" altLang="ko-KR" dirty="0" err="1"/>
+              <a:t>fd</a:t>
+            </a:r>
+            <a:r>
+              <a:rPr lang="en-US" altLang="ko-KR" dirty="0"/>
+              <a:t> set</a:t>
+            </a:r>
+            <a:r>
+              <a:rPr lang="ko-KR" altLang="en-US" dirty="0"/>
+              <a:t>을 초기화를 해야 하지만</a:t>
+            </a:r>
+            <a:r>
+              <a:rPr lang="en-US" altLang="ko-KR" dirty="0"/>
+              <a:t>, poll</a:t>
+            </a:r>
+            <a:r>
+              <a:rPr lang="ko-KR" altLang="en-US" dirty="0"/>
+              <a:t>은 입력과 결과를 분리할 수 있다</a:t>
+            </a:r>
+            <a:r>
+              <a:rPr lang="en-US" altLang="ko-KR" dirty="0"/>
+              <a:t>.</a:t>
+            </a:r>
+          </a:p>
+          <a:p>
+            <a:r>
+              <a:rPr lang="en-US" altLang="ko-KR" dirty="0"/>
+              <a:t>- select</a:t>
+            </a:r>
+            <a:r>
+              <a:rPr lang="ko-KR" altLang="en-US" dirty="0"/>
+              <a:t>는 사이즈 제한이 있다</a:t>
+            </a:r>
+            <a:r>
+              <a:rPr lang="en-US" altLang="ko-KR" dirty="0"/>
+              <a:t>. </a:t>
+            </a:r>
+          </a:p>
+          <a:p>
+            <a:r>
+              <a:rPr lang="en-US" altLang="ko-KR" dirty="0"/>
+              <a:t>- select</a:t>
+            </a:r>
+            <a:r>
+              <a:rPr lang="ko-KR" altLang="en-US" dirty="0"/>
+              <a:t>가 이식성이 좋음</a:t>
+            </a:r>
+            <a:r>
+              <a:rPr lang="en-US" altLang="ko-KR" dirty="0"/>
+              <a:t>. </a:t>
+            </a:r>
+            <a:r>
+              <a:rPr lang="ko-KR" altLang="en-US" dirty="0"/>
+              <a:t>어떤 시스템은 </a:t>
+            </a:r>
+            <a:r>
+              <a:rPr lang="en-US" altLang="ko-KR" dirty="0"/>
+              <a:t>poll</a:t>
+            </a:r>
+            <a:r>
+              <a:rPr lang="ko-KR" altLang="en-US" dirty="0"/>
+              <a:t>을 쓰지 않기도 함 </a:t>
+            </a:r>
+          </a:p>
+          <a:p>
+            <a:r>
+              <a:rPr lang="en-US" altLang="ko-KR" dirty="0"/>
+              <a:t>- select</a:t>
+            </a:r>
+            <a:r>
+              <a:rPr lang="ko-KR" altLang="en-US" dirty="0"/>
+              <a:t>의 </a:t>
+            </a:r>
+            <a:r>
+              <a:rPr lang="en-US" altLang="ko-KR" dirty="0"/>
+              <a:t>timeout</a:t>
+            </a:r>
+            <a:r>
+              <a:rPr lang="ko-KR" altLang="en-US" dirty="0"/>
+              <a:t>이 </a:t>
+            </a:r>
+            <a:r>
+              <a:rPr lang="en-US" altLang="ko-KR" dirty="0"/>
+              <a:t>poll</a:t>
+            </a:r>
+            <a:r>
+              <a:rPr lang="ko-KR" altLang="en-US" dirty="0"/>
+              <a:t>의 </a:t>
+            </a:r>
+            <a:r>
+              <a:rPr lang="en-US" altLang="ko-KR" dirty="0"/>
+              <a:t>timeout</a:t>
+            </a:r>
+            <a:r>
+              <a:rPr lang="ko-KR" altLang="en-US" dirty="0"/>
+              <a:t>보다 안정적임</a:t>
+            </a:r>
+          </a:p>
+        </p:txBody>
+      </p:sp>
+      <p:sp>
+        <p:nvSpPr>
+          <p:cNvPr id="4" name="직사각형 3"/>
+          <p:cNvSpPr/>
+          <p:nvPr/>
+        </p:nvSpPr>
+        <p:spPr>
+          <a:xfrm>
+            <a:off x="918587" y="6527142"/>
+            <a:ext cx="11187953" cy="276999"/>
+          </a:xfrm>
+          <a:prstGeom prst="rect">
+            <a:avLst/>
+          </a:prstGeom>
+        </p:spPr>
+        <p:txBody>
+          <a:bodyPr wrap="square">
+            <a:spAutoFit/>
+          </a:bodyPr>
+          <a:lstStyle/>
+          <a:p>
+            <a:r>
+              <a:rPr lang="ko-KR" altLang="en-US" sz="1200" dirty="0"/>
+              <a:t>출처: </a:t>
+            </a:r>
+            <a:r>
+              <a:rPr lang="ko-KR" altLang="en-US" sz="1200" dirty="0">
+                <a:hlinkClick r:id="rId2"/>
+              </a:rPr>
+              <a:t>http://knight76.tistory.com/entry/select-poll-%EC%8B%9C%EC%8A%A4%ED%85%9C-%EC%BD%9C-%EC%9D%B4%ED%95%B4%ED%95%98%EA%B8%B0</a:t>
+            </a:r>
+            <a:r>
+              <a:rPr lang="ko-KR" altLang="en-US" sz="1200" dirty="0"/>
+              <a:t> </a:t>
+            </a:r>
+          </a:p>
+        </p:txBody>
+      </p:sp>
+    </p:spTree>
+    <p:extLst>
+      <p:ext uri="{BB962C8B-B14F-4D97-AF65-F5344CB8AC3E}">
+        <p14:creationId xmlns:p14="http://schemas.microsoft.com/office/powerpoint/2010/main" val="2751484186"/>
+      </p:ext>
+    </p:extLst>
+  </p:cSld>
+  <p:clrMapOvr>
+    <a:masterClrMapping/>
+  </p:clrMapOvr>
+</p:sld>
+</file>
+
+<file path=ppt/slides/slide16.xml><?xml version="1.0" encoding="utf-8"?>
+<p:sld xmlns:a="http://schemas.openxmlformats.org/drawingml/2006/main" xmlns:r="http://schemas.openxmlformats.org/officeDocument/2006/relationships" xmlns:p="http://schemas.openxmlformats.org/presentationml/2006/main">
+  <p:cSld>
+    <p:spTree>
+      <p:nvGrpSpPr>
+        <p:cNvPr id="1" name=""/>
+        <p:cNvGrpSpPr/>
+        <p:nvPr/>
+      </p:nvGrpSpPr>
+      <p:grpSpPr>
+        <a:xfrm>
+          <a:off x="0" y="0"/>
+          <a:ext cx="0" cy="0"/>
+          <a:chOff x="0" y="0"/>
+          <a:chExt cx="0" cy="0"/>
+        </a:xfrm>
+      </p:grpSpPr>
+      <p:sp>
+        <p:nvSpPr>
+          <p:cNvPr id="2" name="TextBox 1"/>
+          <p:cNvSpPr txBox="1"/>
+          <p:nvPr/>
+        </p:nvSpPr>
+        <p:spPr>
+          <a:xfrm>
+            <a:off x="551329" y="322729"/>
+            <a:ext cx="6894500" cy="646331"/>
+          </a:xfrm>
+          <a:prstGeom prst="rect">
+            <a:avLst/>
+          </a:prstGeom>
+          <a:noFill/>
+        </p:spPr>
+        <p:txBody>
+          <a:bodyPr wrap="square" rtlCol="0">
+            <a:spAutoFit/>
+          </a:bodyPr>
+          <a:lstStyle/>
+          <a:p>
+            <a:r>
+              <a:rPr lang="ko-KR" altLang="en-US" sz="3600" b="1" dirty="0"/>
+              <a:t>이제 </a:t>
+            </a:r>
+            <a:r>
+              <a:rPr lang="en-US" altLang="ko-KR" sz="3600" b="1" dirty="0"/>
+              <a:t>Windows</a:t>
+            </a:r>
+            <a:r>
+              <a:rPr lang="ko-KR" altLang="en-US" sz="3600" b="1" dirty="0"/>
+              <a:t>의 </a:t>
+            </a:r>
+            <a:r>
+              <a:rPr lang="en-US" altLang="ko-KR" sz="3600" b="1" dirty="0" err="1"/>
+              <a:t>WSAPoll</a:t>
+            </a:r>
+            <a:r>
+              <a:rPr lang="en-US" altLang="ko-KR" sz="3600" b="1" dirty="0"/>
+              <a:t> </a:t>
+            </a:r>
+            <a:r>
+              <a:rPr lang="ko-KR" altLang="en-US" sz="3600" b="1" dirty="0"/>
+              <a:t>로</a:t>
+            </a:r>
+          </a:p>
+        </p:txBody>
+      </p:sp>
+      <p:sp>
+        <p:nvSpPr>
+          <p:cNvPr id="4" name="직사각형 3"/>
+          <p:cNvSpPr/>
+          <p:nvPr/>
+        </p:nvSpPr>
+        <p:spPr>
+          <a:xfrm>
+            <a:off x="2822369" y="6569126"/>
+            <a:ext cx="9349839" cy="276999"/>
+          </a:xfrm>
+          <a:prstGeom prst="rect">
+            <a:avLst/>
+          </a:prstGeom>
+        </p:spPr>
+        <p:txBody>
+          <a:bodyPr wrap="square">
+            <a:spAutoFit/>
+          </a:bodyPr>
+          <a:lstStyle/>
+          <a:p>
+            <a:r>
+              <a:rPr lang="ko-KR" altLang="en-US" sz="1200" dirty="0">
+                <a:hlinkClick r:id="rId2"/>
+              </a:rPr>
+              <a:t>https://blogs.msdn.microsoft.com/wndp/2006/10/26/wsapoll-a-new-winsock-api-to-simplify-porting-poll-applications-to-winsock/</a:t>
+            </a:r>
+            <a:r>
+              <a:rPr lang="ko-KR" altLang="en-US" sz="1200" dirty="0"/>
+              <a:t> </a:t>
+            </a:r>
+          </a:p>
+        </p:txBody>
+      </p:sp>
+      <p:pic>
+        <p:nvPicPr>
+          <p:cNvPr id="6" name="그림 5"/>
+          <p:cNvPicPr>
+            <a:picLocks noChangeAspect="1"/>
+          </p:cNvPicPr>
+          <p:nvPr/>
+        </p:nvPicPr>
+        <p:blipFill>
+          <a:blip r:embed="rId3"/>
+          <a:stretch>
+            <a:fillRect/>
+          </a:stretch>
+        </p:blipFill>
+        <p:spPr>
+          <a:xfrm>
+            <a:off x="1750434" y="969060"/>
+            <a:ext cx="8524875" cy="5419725"/>
+          </a:xfrm>
+          <a:prstGeom prst="rect">
+            <a:avLst/>
+          </a:prstGeom>
+        </p:spPr>
+      </p:pic>
+    </p:spTree>
+    <p:extLst>
+      <p:ext uri="{BB962C8B-B14F-4D97-AF65-F5344CB8AC3E}">
+        <p14:creationId xmlns:p14="http://schemas.microsoft.com/office/powerpoint/2010/main" val="384142984"/>
+      </p:ext>
+    </p:extLst>
+  </p:cSld>
+  <p:clrMapOvr>
+    <a:masterClrMapping/>
+  </p:clrMapOvr>
+</p:sld>
+</file>
+
+<file path=ppt/slides/slide17.xml><?xml version="1.0" encoding="utf-8"?>
+<p:sld xmlns:a="http://schemas.openxmlformats.org/drawingml/2006/main" xmlns:r="http://schemas.openxmlformats.org/officeDocument/2006/relationships" xmlns:p="http://schemas.openxmlformats.org/presentationml/2006/main">
+  <p:cSld>
+    <p:spTree>
+      <p:nvGrpSpPr>
+        <p:cNvPr id="1" name=""/>
+        <p:cNvGrpSpPr/>
+        <p:nvPr/>
+      </p:nvGrpSpPr>
+      <p:grpSpPr>
+        <a:xfrm>
+          <a:off x="0" y="0"/>
+          <a:ext cx="0" cy="0"/>
+          <a:chOff x="0" y="0"/>
+          <a:chExt cx="0" cy="0"/>
+        </a:xfrm>
+      </p:grpSpPr>
+      <p:sp>
+        <p:nvSpPr>
+          <p:cNvPr id="2" name="직사각형 1"/>
+          <p:cNvSpPr/>
+          <p:nvPr/>
+        </p:nvSpPr>
+        <p:spPr>
+          <a:xfrm>
+            <a:off x="472135" y="2853139"/>
+            <a:ext cx="10770919" cy="923330"/>
+          </a:xfrm>
+          <a:prstGeom prst="rect">
+            <a:avLst/>
+          </a:prstGeom>
+        </p:spPr>
+        <p:txBody>
+          <a:bodyPr wrap="square">
+            <a:spAutoFit/>
+          </a:bodyPr>
+          <a:lstStyle/>
+          <a:p>
+            <a:r>
+              <a:rPr lang="ko-KR" altLang="en-US" dirty="0" err="1"/>
+              <a:t>poll</a:t>
+            </a:r>
+            <a:r>
+              <a:rPr lang="ko-KR" altLang="en-US" dirty="0"/>
+              <a:t>()을 사용하여 응용 프로그램을 개발 한 경험이 있다면 </a:t>
+            </a:r>
+            <a:r>
+              <a:rPr lang="ko-KR" altLang="en-US" dirty="0" err="1"/>
+              <a:t>WSAPoll은</a:t>
+            </a:r>
+            <a:r>
+              <a:rPr lang="ko-KR" altLang="en-US" dirty="0"/>
+              <a:t> 매우 친숙하다. </a:t>
+            </a:r>
+            <a:r>
+              <a:rPr lang="ko-KR" altLang="en-US" b="1" dirty="0" err="1"/>
+              <a:t>poll</a:t>
+            </a:r>
+            <a:r>
+              <a:rPr lang="ko-KR" altLang="en-US" b="1" dirty="0"/>
+              <a:t>()과 똑같이 동작하도록 설계되었다</a:t>
+            </a:r>
+            <a:r>
+              <a:rPr lang="ko-KR" altLang="en-US" dirty="0"/>
+              <a:t>. 실제로 BSD </a:t>
+            </a:r>
+            <a:r>
+              <a:rPr lang="ko-KR" altLang="en-US" dirty="0" err="1"/>
+              <a:t>Unix에서</a:t>
+            </a:r>
+            <a:r>
+              <a:rPr lang="ko-KR" altLang="en-US" dirty="0"/>
+              <a:t> 실행되도록 </a:t>
+            </a:r>
+            <a:r>
+              <a:rPr lang="ko-KR" altLang="en-US" dirty="0" err="1"/>
+              <a:t>Winsock</a:t>
+            </a:r>
+            <a:r>
+              <a:rPr lang="ko-KR" altLang="en-US" dirty="0"/>
+              <a:t> </a:t>
+            </a:r>
+            <a:r>
+              <a:rPr lang="ko-KR" altLang="en-US" dirty="0" err="1"/>
+              <a:t>WSAPoll</a:t>
+            </a:r>
+            <a:r>
+              <a:rPr lang="ko-KR" altLang="en-US" dirty="0"/>
+              <a:t> SDK 샘플을 이식했다. </a:t>
+            </a:r>
+            <a:endParaRPr lang="en-US" altLang="ko-KR" dirty="0"/>
+          </a:p>
+          <a:p>
+            <a:r>
+              <a:rPr lang="en-US" altLang="ko-KR" dirty="0"/>
+              <a:t>…..</a:t>
+            </a:r>
+            <a:endParaRPr lang="ko-KR" altLang="en-US" dirty="0"/>
+          </a:p>
+        </p:txBody>
+      </p:sp>
+      <p:pic>
+        <p:nvPicPr>
+          <p:cNvPr id="3" name="그림 2"/>
+          <p:cNvPicPr>
+            <a:picLocks noChangeAspect="1"/>
+          </p:cNvPicPr>
+          <p:nvPr/>
+        </p:nvPicPr>
+        <p:blipFill>
+          <a:blip r:embed="rId2"/>
+          <a:stretch>
+            <a:fillRect/>
+          </a:stretch>
+        </p:blipFill>
+        <p:spPr>
+          <a:xfrm>
+            <a:off x="472135" y="947799"/>
+            <a:ext cx="11037932" cy="1676648"/>
+          </a:xfrm>
+          <a:prstGeom prst="rect">
+            <a:avLst/>
+          </a:prstGeom>
+        </p:spPr>
+      </p:pic>
+    </p:spTree>
+    <p:extLst>
+      <p:ext uri="{BB962C8B-B14F-4D97-AF65-F5344CB8AC3E}">
+        <p14:creationId xmlns:p14="http://schemas.microsoft.com/office/powerpoint/2010/main" val="1778192700"/>
+      </p:ext>
+    </p:extLst>
+  </p:cSld>
+  <p:clrMapOvr>
+    <a:masterClrMapping/>
+  </p:clrMapOvr>
+</p:sld>
+</file>
+
+<file path=ppt/slides/slide18.xml><?xml version="1.0" encoding="utf-8"?>
+<p:sld xmlns:a="http://schemas.openxmlformats.org/drawingml/2006/main" xmlns:r="http://schemas.openxmlformats.org/officeDocument/2006/relationships" xmlns:p="http://schemas.openxmlformats.org/presentationml/2006/main">
+  <p:cSld>
+    <p:spTree>
+      <p:nvGrpSpPr>
+        <p:cNvPr id="1" name=""/>
+        <p:cNvGrpSpPr/>
+        <p:nvPr/>
+      </p:nvGrpSpPr>
+      <p:grpSpPr>
+        <a:xfrm>
+          <a:off x="0" y="0"/>
+          <a:ext cx="0" cy="0"/>
+          <a:chOff x="0" y="0"/>
+          <a:chExt cx="0" cy="0"/>
+        </a:xfrm>
+      </p:grpSpPr>
+      <p:sp>
+        <p:nvSpPr>
           <p:cNvPr id="2" name="직사각형 1"/>
           <p:cNvSpPr/>
           <p:nvPr/>
@@ -5570,7 +6556,7 @@
 </p:sld>
 </file>
 
-<file path=ppt/slides/slide16.xml><?xml version="1.0" encoding="utf-8"?>
+<file path=ppt/slides/slide19.xml><?xml version="1.0" encoding="utf-8"?>
 <p:sld xmlns:a="http://schemas.openxmlformats.org/drawingml/2006/main" xmlns:r="http://schemas.openxmlformats.org/officeDocument/2006/relationships" xmlns:p="http://schemas.openxmlformats.org/presentationml/2006/main">
   <p:cSld>
     <p:spTree>
@@ -6594,7 +7580,119 @@
 </p:sld>
 </file>
 
-<file path=ppt/slides/slide17.xml><?xml version="1.0" encoding="utf-8"?>
+<file path=ppt/slides/slide2.xml><?xml version="1.0" encoding="utf-8"?>
+<p:sld xmlns:a="http://schemas.openxmlformats.org/drawingml/2006/main" xmlns:r="http://schemas.openxmlformats.org/officeDocument/2006/relationships" xmlns:p="http://schemas.openxmlformats.org/presentationml/2006/main">
+  <p:cSld>
+    <p:spTree>
+      <p:nvGrpSpPr>
+        <p:cNvPr id="1" name=""/>
+        <p:cNvGrpSpPr/>
+        <p:nvPr/>
+      </p:nvGrpSpPr>
+      <p:grpSpPr>
+        <a:xfrm>
+          <a:off x="0" y="0"/>
+          <a:ext cx="0" cy="0"/>
+          <a:chOff x="0" y="0"/>
+          <a:chExt cx="0" cy="0"/>
+        </a:xfrm>
+      </p:grpSpPr>
+      <p:pic>
+        <p:nvPicPr>
+          <p:cNvPr id="1028" name="Picture 4" descr="C#에 대한 이미지 검색결과"/>
+          <p:cNvPicPr>
+            <a:picLocks noChangeAspect="1" noChangeArrowheads="1"/>
+          </p:cNvPicPr>
+          <p:nvPr/>
+        </p:nvPicPr>
+        <p:blipFill>
+          <a:blip r:embed="rId2">
+            <a:extLst>
+              <a:ext uri="{28A0092B-C50C-407E-A947-70E740481C1C}">
+                <a14:useLocalDpi xmlns:a14="http://schemas.microsoft.com/office/drawing/2010/main" val="0"/>
+              </a:ext>
+            </a:extLst>
+          </a:blip>
+          <a:srcRect/>
+          <a:stretch>
+            <a:fillRect/>
+          </a:stretch>
+        </p:blipFill>
+        <p:spPr bwMode="auto">
+          <a:xfrm>
+            <a:off x="6633114" y="1229154"/>
+            <a:ext cx="4387189" cy="4387189"/>
+          </a:xfrm>
+          <a:prstGeom prst="rect">
+            <a:avLst/>
+          </a:prstGeom>
+          <a:noFill/>
+          <a:extLst>
+            <a:ext uri="{909E8E84-426E-40DD-AFC4-6F175D3DCCD1}">
+              <a14:hiddenFill xmlns:a14="http://schemas.microsoft.com/office/drawing/2010/main">
+                <a:solidFill>
+                  <a:srgbClr val="FFFFFF"/>
+                </a:solidFill>
+              </a14:hiddenFill>
+            </a:ext>
+          </a:extLst>
+        </p:spPr>
+      </p:pic>
+      <p:pic>
+        <p:nvPicPr>
+          <p:cNvPr id="1032" name="Picture 8" descr="관련 이미지"/>
+          <p:cNvPicPr>
+            <a:picLocks noChangeAspect="1" noChangeArrowheads="1"/>
+          </p:cNvPicPr>
+          <p:nvPr/>
+        </p:nvPicPr>
+        <p:blipFill>
+          <a:blip r:embed="rId3">
+            <a:extLst>
+              <a:ext uri="{28A0092B-C50C-407E-A947-70E740481C1C}">
+                <a14:useLocalDpi xmlns:a14="http://schemas.microsoft.com/office/drawing/2010/main" val="0"/>
+              </a:ext>
+            </a:extLst>
+          </a:blip>
+          <a:srcRect/>
+          <a:stretch>
+            <a:fillRect/>
+          </a:stretch>
+        </p:blipFill>
+        <p:spPr bwMode="auto">
+          <a:xfrm>
+            <a:off x="1210789" y="1418479"/>
+            <a:ext cx="4976120" cy="4008541"/>
+          </a:xfrm>
+          <a:prstGeom prst="rect">
+            <a:avLst/>
+          </a:prstGeom>
+          <a:noFill/>
+          <a:extLst>
+            <a:ext uri="{909E8E84-426E-40DD-AFC4-6F175D3DCCD1}">
+              <a14:hiddenFill xmlns:a14="http://schemas.microsoft.com/office/drawing/2010/main">
+                <a:solidFill>
+                  <a:srgbClr val="FFFFFF"/>
+                </a:solidFill>
+              </a14:hiddenFill>
+            </a:ext>
+          </a:extLst>
+        </p:spPr>
+      </p:pic>
+    </p:spTree>
+    <p:extLst>
+      <p:ext uri="{BB962C8B-B14F-4D97-AF65-F5344CB8AC3E}">
+        <p14:creationId xmlns:p14="http://schemas.microsoft.com/office/powerpoint/2010/main" val="722124744"/>
+      </p:ext>
+    </p:extLst>
+  </p:cSld>
+  <p:clrMapOvr>
+    <a:masterClrMapping/>
+  </p:clrMapOvr>
+</p:sld>
+</file>
+
+<file path=ppt/slides/slide20.xml><?xml version="1.0" encoding="utf-8"?>
 <p:sld xmlns:a="http://schemas.openxmlformats.org/drawingml/2006/main" xmlns:r="http://schemas.openxmlformats.org/officeDocument/2006/relationships" xmlns:p="http://schemas.openxmlformats.org/presentationml/2006/main">
   <p:cSld>
     <p:spTree>
@@ -7930,7 +9028,7 @@
 </p:sld>
 </file>
 
-<file path=ppt/slides/slide18.xml><?xml version="1.0" encoding="utf-8"?>
+<file path=ppt/slides/slide21.xml><?xml version="1.0" encoding="utf-8"?>
 <p:sld xmlns:a="http://schemas.openxmlformats.org/drawingml/2006/main" xmlns:r="http://schemas.openxmlformats.org/officeDocument/2006/relationships" xmlns:p="http://schemas.openxmlformats.org/presentationml/2006/main">
   <p:cSld>
     <p:spTree>
@@ -8087,20 +9185,24 @@
           </a:p>
           <a:p>
             <a:r>
-              <a:rPr lang="ko-KR" altLang="en-US" sz="2400" dirty="0" err="1"/>
+              <a:rPr lang="ko-KR" altLang="en-US" sz="2400" b="1" dirty="0" err="1"/>
               <a:t>events는</a:t>
             </a:r>
             <a:r>
+              <a:rPr lang="ko-KR" altLang="en-US" sz="2400" b="1" dirty="0"/>
+              <a:t> 검출하고 싶은 이벤트를 지정하고 </a:t>
+            </a:r>
+            <a:r>
+              <a:rPr lang="ko-KR" altLang="en-US" sz="2400" b="1" dirty="0" err="1"/>
+              <a:t>POLLRDNORM은</a:t>
+            </a:r>
+            <a:r>
+              <a:rPr lang="ko-KR" altLang="en-US" sz="2400" b="1" dirty="0"/>
+              <a:t> 접속 또는 데이터 읽기 검출을 한다</a:t>
+            </a:r>
+            <a:r>
               <a:rPr lang="ko-KR" altLang="en-US" sz="2400" dirty="0"/>
-              <a:t> 검출하고 싶은 이벤트를 지정하고 </a:t>
-            </a:r>
-            <a:r>
-              <a:rPr lang="ko-KR" altLang="en-US" sz="2400" dirty="0" err="1"/>
-              <a:t>POLLRDNORM은</a:t>
-            </a:r>
-            <a:r>
-              <a:rPr lang="ko-KR" altLang="en-US" sz="2400" dirty="0"/>
-              <a:t> 접속 또는 데이터 읽기 검출을 한다.</a:t>
+              <a:t>.</a:t>
             </a:r>
           </a:p>
         </p:txBody>
@@ -8118,7 +9220,7 @@
 </p:sld>
 </file>
 
-<file path=ppt/slides/slide19.xml><?xml version="1.0" encoding="utf-8"?>
+<file path=ppt/slides/slide22.xml><?xml version="1.0" encoding="utf-8"?>
 <p:sld xmlns:a="http://schemas.openxmlformats.org/drawingml/2006/main" xmlns:r="http://schemas.openxmlformats.org/officeDocument/2006/relationships" xmlns:p="http://schemas.openxmlformats.org/presentationml/2006/main">
   <p:cSld>
     <p:spTree>
@@ -8249,78 +9351,7 @@
 </p:sld>
 </file>
 
-<file path=ppt/slides/slide2.xml><?xml version="1.0" encoding="utf-8"?>
-<p:sld xmlns:a="http://schemas.openxmlformats.org/drawingml/2006/main" xmlns:r="http://schemas.openxmlformats.org/officeDocument/2006/relationships" xmlns:p="http://schemas.openxmlformats.org/presentationml/2006/main">
-  <p:cSld>
-    <p:spTree>
-      <p:nvGrpSpPr>
-        <p:cNvPr id="1" name=""/>
-        <p:cNvGrpSpPr/>
-        <p:nvPr/>
-      </p:nvGrpSpPr>
-      <p:grpSpPr>
-        <a:xfrm>
-          <a:off x="0" y="0"/>
-          <a:ext cx="0" cy="0"/>
-          <a:chOff x="0" y="0"/>
-          <a:chExt cx="0" cy="0"/>
-        </a:xfrm>
-      </p:grpSpPr>
-      <p:pic>
-        <p:nvPicPr>
-          <p:cNvPr id="1026" name="Picture 2" descr="linux ms에 대한 이미지 검색결과"/>
-          <p:cNvPicPr>
-            <a:picLocks noChangeAspect="1" noChangeArrowheads="1"/>
-          </p:cNvPicPr>
-          <p:nvPr/>
-        </p:nvPicPr>
-        <p:blipFill>
-          <a:blip r:embed="rId2">
-            <a:extLst>
-              <a:ext uri="{28A0092B-C50C-407E-A947-70E740481C1C}">
-                <a14:useLocalDpi xmlns:a14="http://schemas.microsoft.com/office/drawing/2010/main" val="0"/>
-              </a:ext>
-            </a:extLst>
-          </a:blip>
-          <a:srcRect/>
-          <a:stretch>
-            <a:fillRect/>
-          </a:stretch>
-        </p:blipFill>
-        <p:spPr bwMode="auto">
-          <a:xfrm>
-            <a:off x="-1" y="0"/>
-            <a:ext cx="12191999" cy="6858000"/>
-          </a:xfrm>
-          <a:prstGeom prst="rect">
-            <a:avLst/>
-          </a:prstGeom>
-          <a:noFill/>
-          <a:extLst>
-            <a:ext uri="{909E8E84-426E-40DD-AFC4-6F175D3DCCD1}">
-              <a14:hiddenFill xmlns:a14="http://schemas.microsoft.com/office/drawing/2010/main">
-                <a:solidFill>
-                  <a:srgbClr val="FFFFFF"/>
-                </a:solidFill>
-              </a14:hiddenFill>
-            </a:ext>
-          </a:extLst>
-        </p:spPr>
-      </p:pic>
-    </p:spTree>
-    <p:extLst>
-      <p:ext uri="{BB962C8B-B14F-4D97-AF65-F5344CB8AC3E}">
-        <p14:creationId xmlns:p14="http://schemas.microsoft.com/office/powerpoint/2010/main" val="722124744"/>
-      </p:ext>
-    </p:extLst>
-  </p:cSld>
-  <p:clrMapOvr>
-    <a:masterClrMapping/>
-  </p:clrMapOvr>
-</p:sld>
-</file>
-
-<file path=ppt/slides/slide20.xml><?xml version="1.0" encoding="utf-8"?>
+<file path=ppt/slides/slide23.xml><?xml version="1.0" encoding="utf-8"?>
 <p:sld xmlns:a="http://schemas.openxmlformats.org/drawingml/2006/main" xmlns:r="http://schemas.openxmlformats.org/officeDocument/2006/relationships" xmlns:p="http://schemas.openxmlformats.org/presentationml/2006/main">
   <p:cSld>
     <p:spTree>
@@ -8392,7 +9423,15 @@
             </a:r>
             <a:r>
               <a:rPr lang="ko-KR" altLang="en-US" dirty="0"/>
-              <a:t> 멤버에 저장되어 있다. 이 값이 POLLRDNORM 라는 것은 접속 또는 읽기가 발생한 것을 의미한다. </a:t>
+              <a:t> 멤버에 저장되어 있다. 이 값이 </a:t>
+            </a:r>
+            <a:r>
+              <a:rPr lang="ko-KR" altLang="en-US" b="1" dirty="0"/>
+              <a:t>POLLRDNORM 라는 것은 접속 또는 읽기가 발생한 것</a:t>
+            </a:r>
+            <a:r>
+              <a:rPr lang="ko-KR" altLang="en-US" dirty="0"/>
+              <a:t>을 의미한다. </a:t>
             </a:r>
             <a:endParaRPr lang="en-US" altLang="ko-KR" dirty="0"/>
           </a:p>
@@ -8401,12 +9440,16 @@
           </a:p>
           <a:p>
             <a:r>
-              <a:rPr lang="ko-KR" altLang="en-US" dirty="0" err="1"/>
+              <a:rPr lang="ko-KR" altLang="en-US" b="1" dirty="0" err="1"/>
               <a:t>POLLHUP은</a:t>
             </a:r>
             <a:r>
+              <a:rPr lang="ko-KR" altLang="en-US" b="1" dirty="0"/>
+              <a:t> 접속 종료</a:t>
+            </a:r>
+            <a:r>
               <a:rPr lang="ko-KR" altLang="en-US" dirty="0"/>
-              <a:t> 접속 종료를 의미한다.</a:t>
+              <a:t>를 의미한다.</a:t>
             </a:r>
           </a:p>
           <a:p>
@@ -8457,7 +9500,7 @@
 </p:sld>
 </file>
 
-<file path=ppt/slides/slide21.xml><?xml version="1.0" encoding="utf-8"?>
+<file path=ppt/slides/slide24.xml><?xml version="1.0" encoding="utf-8"?>
 <p:sld xmlns:a="http://schemas.openxmlformats.org/drawingml/2006/main" xmlns:r="http://schemas.openxmlformats.org/officeDocument/2006/relationships" xmlns:p="http://schemas.openxmlformats.org/presentationml/2006/main">
   <p:cSld>
     <p:spTree>
@@ -8511,7 +9554,7 @@
 </p:sld>
 </file>
 
-<file path=ppt/slides/slide22.xml><?xml version="1.0" encoding="utf-8"?>
+<file path=ppt/slides/slide25.xml><?xml version="1.0" encoding="utf-8"?>
 <p:sld xmlns:a="http://schemas.openxmlformats.org/drawingml/2006/main" xmlns:r="http://schemas.openxmlformats.org/officeDocument/2006/relationships" xmlns:p="http://schemas.openxmlformats.org/presentationml/2006/main">
   <p:cSld>
     <p:spTree>
@@ -8649,7 +9692,7 @@
 </p:sld>
 </file>
 
-<file path=ppt/slides/slide23.xml><?xml version="1.0" encoding="utf-8"?>
+<file path=ppt/slides/slide26.xml><?xml version="1.0" encoding="utf-8"?>
 <p:sld xmlns:a="http://schemas.openxmlformats.org/drawingml/2006/main" xmlns:r="http://schemas.openxmlformats.org/officeDocument/2006/relationships" xmlns:p="http://schemas.openxmlformats.org/presentationml/2006/main">
   <p:cSld>
     <p:spTree>
@@ -8803,7 +9846,7 @@
 </p:sld>
 </file>
 
-<file path=ppt/slides/slide24.xml><?xml version="1.0" encoding="utf-8"?>
+<file path=ppt/slides/slide27.xml><?xml version="1.0" encoding="utf-8"?>
 <p:sld xmlns:a="http://schemas.openxmlformats.org/drawingml/2006/main" xmlns:r="http://schemas.openxmlformats.org/officeDocument/2006/relationships" xmlns:p="http://schemas.openxmlformats.org/presentationml/2006/main">
   <p:cSld>
     <p:spTree>
@@ -9145,7 +10188,7 @@
 </p:sld>
 </file>
 
-<file path=ppt/slides/slide25.xml><?xml version="1.0" encoding="utf-8"?>
+<file path=ppt/slides/slide28.xml><?xml version="1.0" encoding="utf-8"?>
 <p:sld xmlns:a="http://schemas.openxmlformats.org/drawingml/2006/main" xmlns:r="http://schemas.openxmlformats.org/officeDocument/2006/relationships" xmlns:p="http://schemas.openxmlformats.org/presentationml/2006/main">
   <p:cSld>
     <p:spTree>
@@ -9223,611 +10266,6 @@
 </p:sld>
 </file>
 
-<file path=ppt/slides/slide26.xml><?xml version="1.0" encoding="utf-8"?>
-<p:sld xmlns:a="http://schemas.openxmlformats.org/drawingml/2006/main" xmlns:r="http://schemas.openxmlformats.org/officeDocument/2006/relationships" xmlns:p="http://schemas.openxmlformats.org/presentationml/2006/main">
-  <p:cSld>
-    <p:spTree>
-      <p:nvGrpSpPr>
-        <p:cNvPr id="1" name=""/>
-        <p:cNvGrpSpPr/>
-        <p:nvPr/>
-      </p:nvGrpSpPr>
-      <p:grpSpPr>
-        <a:xfrm>
-          <a:off x="0" y="0"/>
-          <a:ext cx="0" cy="0"/>
-          <a:chOff x="0" y="0"/>
-          <a:chExt cx="0" cy="0"/>
-        </a:xfrm>
-      </p:grpSpPr>
-      <p:sp>
-        <p:nvSpPr>
-          <p:cNvPr id="2" name="TextBox 1"/>
-          <p:cNvSpPr txBox="1"/>
-          <p:nvPr/>
-        </p:nvSpPr>
-        <p:spPr>
-          <a:xfrm>
-            <a:off x="551328" y="322729"/>
-            <a:ext cx="11282083" cy="646331"/>
-          </a:xfrm>
-          <a:prstGeom prst="rect">
-            <a:avLst/>
-          </a:prstGeom>
-          <a:noFill/>
-        </p:spPr>
-        <p:txBody>
-          <a:bodyPr wrap="square" rtlCol="0">
-            <a:spAutoFit/>
-          </a:bodyPr>
-          <a:lstStyle/>
-          <a:p>
-            <a:r>
-              <a:rPr lang="en-US" altLang="ko-KR" sz="3600" b="1" dirty="0"/>
-              <a:t>UDS (Unix Domain Socket)</a:t>
-            </a:r>
-            <a:endParaRPr lang="ko-KR" altLang="en-US" sz="3600" b="1" dirty="0"/>
-          </a:p>
-        </p:txBody>
-      </p:sp>
-      <p:sp>
-        <p:nvSpPr>
-          <p:cNvPr id="4" name="직사각형 3"/>
-          <p:cNvSpPr/>
-          <p:nvPr/>
-        </p:nvSpPr>
-        <p:spPr>
-          <a:xfrm>
-            <a:off x="7865722" y="5912674"/>
-            <a:ext cx="3967689" cy="276999"/>
-          </a:xfrm>
-          <a:prstGeom prst="rect">
-            <a:avLst/>
-          </a:prstGeom>
-        </p:spPr>
-        <p:txBody>
-          <a:bodyPr wrap="none">
-            <a:spAutoFit/>
-          </a:bodyPr>
-          <a:lstStyle/>
-          <a:p>
-            <a:r>
-              <a:rPr lang="ko-KR" altLang="en-US" sz="1200" dirty="0"/>
-              <a:t>출처</a:t>
-            </a:r>
-            <a:r>
-              <a:rPr lang="en-US" altLang="ko-KR" sz="1200" dirty="0"/>
-              <a:t>: </a:t>
-            </a:r>
-            <a:r>
-              <a:rPr lang="ko-KR" altLang="en-US" sz="1200" dirty="0">
-                <a:hlinkClick r:id="rId2"/>
-              </a:rPr>
-              <a:t>http://www.dreamy.pe.kr/zbxe/CodeClip/119393</a:t>
-            </a:r>
-            <a:r>
-              <a:rPr lang="ko-KR" altLang="en-US" sz="1200" dirty="0"/>
-              <a:t> </a:t>
-            </a:r>
-          </a:p>
-        </p:txBody>
-      </p:sp>
-      <p:pic>
-        <p:nvPicPr>
-          <p:cNvPr id="6" name="그림 5"/>
-          <p:cNvPicPr>
-            <a:picLocks noChangeAspect="1"/>
-          </p:cNvPicPr>
-          <p:nvPr/>
-        </p:nvPicPr>
-        <p:blipFill>
-          <a:blip r:embed="rId3"/>
-          <a:stretch>
-            <a:fillRect/>
-          </a:stretch>
-        </p:blipFill>
-        <p:spPr>
-          <a:xfrm>
-            <a:off x="551328" y="1118198"/>
-            <a:ext cx="11414520" cy="4783838"/>
-          </a:xfrm>
-          <a:prstGeom prst="rect">
-            <a:avLst/>
-          </a:prstGeom>
-        </p:spPr>
-      </p:pic>
-      <p:sp>
-        <p:nvSpPr>
-          <p:cNvPr id="7" name="TextBox 6"/>
-          <p:cNvSpPr txBox="1"/>
-          <p:nvPr/>
-        </p:nvSpPr>
-        <p:spPr>
-          <a:xfrm>
-            <a:off x="688768" y="1225787"/>
-            <a:ext cx="8182100" cy="769268"/>
-          </a:xfrm>
-          <a:prstGeom prst="rect">
-            <a:avLst/>
-          </a:prstGeom>
-          <a:noFill/>
-          <a:ln w="28575">
-            <a:solidFill>
-              <a:srgbClr val="FF0000"/>
-            </a:solidFill>
-          </a:ln>
-        </p:spPr>
-        <p:txBody>
-          <a:bodyPr wrap="square" rtlCol="0">
-            <a:spAutoFit/>
-          </a:bodyPr>
-          <a:lstStyle/>
-          <a:p>
-            <a:endParaRPr lang="ko-KR" altLang="en-US" dirty="0"/>
-          </a:p>
-        </p:txBody>
-      </p:sp>
-      <p:sp>
-        <p:nvSpPr>
-          <p:cNvPr id="8" name="TextBox 7"/>
-          <p:cNvSpPr txBox="1"/>
-          <p:nvPr/>
-        </p:nvSpPr>
-        <p:spPr>
-          <a:xfrm>
-            <a:off x="688768" y="2791336"/>
-            <a:ext cx="10960926" cy="403126"/>
-          </a:xfrm>
-          <a:prstGeom prst="rect">
-            <a:avLst/>
-          </a:prstGeom>
-          <a:noFill/>
-          <a:ln w="28575">
-            <a:solidFill>
-              <a:srgbClr val="FF0000"/>
-            </a:solidFill>
-          </a:ln>
-        </p:spPr>
-        <p:txBody>
-          <a:bodyPr wrap="square" rtlCol="0">
-            <a:spAutoFit/>
-          </a:bodyPr>
-          <a:lstStyle/>
-          <a:p>
-            <a:endParaRPr lang="ko-KR" altLang="en-US" dirty="0"/>
-          </a:p>
-        </p:txBody>
-      </p:sp>
-    </p:spTree>
-    <p:extLst>
-      <p:ext uri="{BB962C8B-B14F-4D97-AF65-F5344CB8AC3E}">
-        <p14:creationId xmlns:p14="http://schemas.microsoft.com/office/powerpoint/2010/main" val="1816069401"/>
-      </p:ext>
-    </p:extLst>
-  </p:cSld>
-  <p:clrMapOvr>
-    <a:masterClrMapping/>
-  </p:clrMapOvr>
-</p:sld>
-</file>
-
-<file path=ppt/slides/slide27.xml><?xml version="1.0" encoding="utf-8"?>
-<p:sld xmlns:a="http://schemas.openxmlformats.org/drawingml/2006/main" xmlns:r="http://schemas.openxmlformats.org/officeDocument/2006/relationships" xmlns:p="http://schemas.openxmlformats.org/presentationml/2006/main">
-  <p:cSld>
-    <p:spTree>
-      <p:nvGrpSpPr>
-        <p:cNvPr id="1" name=""/>
-        <p:cNvGrpSpPr/>
-        <p:nvPr/>
-      </p:nvGrpSpPr>
-      <p:grpSpPr>
-        <a:xfrm>
-          <a:off x="0" y="0"/>
-          <a:ext cx="0" cy="0"/>
-          <a:chOff x="0" y="0"/>
-          <a:chExt cx="0" cy="0"/>
-        </a:xfrm>
-      </p:grpSpPr>
-      <p:sp>
-        <p:nvSpPr>
-          <p:cNvPr id="5" name="직사각형 4"/>
-          <p:cNvSpPr/>
-          <p:nvPr/>
-        </p:nvSpPr>
-        <p:spPr>
-          <a:xfrm>
-            <a:off x="546265" y="6166001"/>
-            <a:ext cx="11364685" cy="276999"/>
-          </a:xfrm>
-          <a:prstGeom prst="rect">
-            <a:avLst/>
-          </a:prstGeom>
-        </p:spPr>
-        <p:txBody>
-          <a:bodyPr wrap="square">
-            <a:spAutoFit/>
-          </a:bodyPr>
-          <a:lstStyle/>
-          <a:p>
-            <a:r>
-              <a:rPr lang="ko-KR" altLang="en-US" sz="1200" dirty="0"/>
-              <a:t>출처</a:t>
-            </a:r>
-            <a:r>
-              <a:rPr lang="en-US" altLang="ko-KR" sz="1200" dirty="0"/>
-              <a:t>: </a:t>
-            </a:r>
-            <a:r>
-              <a:rPr lang="ko-KR" altLang="en-US" sz="1200" dirty="0">
-                <a:hlinkClick r:id="rId2"/>
-              </a:rPr>
-              <a:t>http://wiki.nex32.net/%EC%9A%A9%EC%96%B4/%EC%9C%A0%EB%8B%89%EC%8A%A4_%EB%8F%84%EB%A9%94%EC%9D%B8_%EC%86%8C%EC%BC%93</a:t>
-            </a:r>
-            <a:r>
-              <a:rPr lang="ko-KR" altLang="en-US" sz="1200" dirty="0"/>
-              <a:t> </a:t>
-            </a:r>
-          </a:p>
-        </p:txBody>
-      </p:sp>
-      <p:pic>
-        <p:nvPicPr>
-          <p:cNvPr id="3" name="그림 2"/>
-          <p:cNvPicPr>
-            <a:picLocks noChangeAspect="1"/>
-          </p:cNvPicPr>
-          <p:nvPr/>
-        </p:nvPicPr>
-        <p:blipFill>
-          <a:blip r:embed="rId3"/>
-          <a:stretch>
-            <a:fillRect/>
-          </a:stretch>
-        </p:blipFill>
-        <p:spPr>
-          <a:xfrm>
-            <a:off x="1184069" y="466167"/>
-            <a:ext cx="9503724" cy="5699834"/>
-          </a:xfrm>
-          <a:prstGeom prst="rect">
-            <a:avLst/>
-          </a:prstGeom>
-        </p:spPr>
-      </p:pic>
-      <p:sp>
-        <p:nvSpPr>
-          <p:cNvPr id="6" name="TextBox 5"/>
-          <p:cNvSpPr txBox="1"/>
-          <p:nvPr/>
-        </p:nvSpPr>
-        <p:spPr>
-          <a:xfrm>
-            <a:off x="1231074" y="4774514"/>
-            <a:ext cx="9219212" cy="711885"/>
-          </a:xfrm>
-          <a:prstGeom prst="rect">
-            <a:avLst/>
-          </a:prstGeom>
-          <a:noFill/>
-          <a:ln w="28575">
-            <a:solidFill>
-              <a:srgbClr val="FF0000"/>
-            </a:solidFill>
-          </a:ln>
-        </p:spPr>
-        <p:txBody>
-          <a:bodyPr wrap="square" rtlCol="0">
-            <a:spAutoFit/>
-          </a:bodyPr>
-          <a:lstStyle/>
-          <a:p>
-            <a:endParaRPr lang="ko-KR" altLang="en-US" dirty="0"/>
-          </a:p>
-        </p:txBody>
-      </p:sp>
-      <p:sp>
-        <p:nvSpPr>
-          <p:cNvPr id="7" name="직사각형 6"/>
-          <p:cNvSpPr/>
-          <p:nvPr/>
-        </p:nvSpPr>
-        <p:spPr>
-          <a:xfrm>
-            <a:off x="5808706" y="4174349"/>
-            <a:ext cx="4926092" cy="646331"/>
-          </a:xfrm>
-          <a:prstGeom prst="rect">
-            <a:avLst/>
-          </a:prstGeom>
-        </p:spPr>
-        <p:txBody>
-          <a:bodyPr wrap="none">
-            <a:spAutoFit/>
-          </a:bodyPr>
-          <a:lstStyle/>
-          <a:p>
-            <a:r>
-              <a:rPr lang="ko-KR" altLang="en-US" sz="3600" b="1" dirty="0" err="1">
-                <a:solidFill>
-                  <a:srgbClr val="FF0000"/>
-                </a:solidFill>
-              </a:rPr>
-              <a:t>Fast</a:t>
-            </a:r>
-            <a:r>
-              <a:rPr lang="ko-KR" altLang="en-US" sz="3600" b="1" dirty="0">
-                <a:solidFill>
-                  <a:srgbClr val="FF0000"/>
-                </a:solidFill>
-              </a:rPr>
-              <a:t> TCP </a:t>
-            </a:r>
-            <a:r>
-              <a:rPr lang="ko-KR" altLang="en-US" sz="3600" b="1" dirty="0" err="1">
-                <a:solidFill>
-                  <a:srgbClr val="FF0000"/>
-                </a:solidFill>
-              </a:rPr>
-              <a:t>Loopback</a:t>
-            </a:r>
-            <a:r>
-              <a:rPr lang="ko-KR" altLang="en-US" sz="3600" b="1" dirty="0">
-                <a:solidFill>
-                  <a:srgbClr val="FF0000"/>
-                </a:solidFill>
-              </a:rPr>
-              <a:t> !!!</a:t>
-            </a:r>
-          </a:p>
-        </p:txBody>
-      </p:sp>
-    </p:spTree>
-    <p:extLst>
-      <p:ext uri="{BB962C8B-B14F-4D97-AF65-F5344CB8AC3E}">
-        <p14:creationId xmlns:p14="http://schemas.microsoft.com/office/powerpoint/2010/main" val="1703321987"/>
-      </p:ext>
-    </p:extLst>
-  </p:cSld>
-  <p:clrMapOvr>
-    <a:masterClrMapping/>
-  </p:clrMapOvr>
-</p:sld>
-</file>
-
-<file path=ppt/slides/slide28.xml><?xml version="1.0" encoding="utf-8"?>
-<p:sld xmlns:a="http://schemas.openxmlformats.org/drawingml/2006/main" xmlns:r="http://schemas.openxmlformats.org/officeDocument/2006/relationships" xmlns:p="http://schemas.openxmlformats.org/presentationml/2006/main">
-  <p:cSld>
-    <p:spTree>
-      <p:nvGrpSpPr>
-        <p:cNvPr id="1" name=""/>
-        <p:cNvGrpSpPr/>
-        <p:nvPr/>
-      </p:nvGrpSpPr>
-      <p:grpSpPr>
-        <a:xfrm>
-          <a:off x="0" y="0"/>
-          <a:ext cx="0" cy="0"/>
-          <a:chOff x="0" y="0"/>
-          <a:chExt cx="0" cy="0"/>
-        </a:xfrm>
-      </p:grpSpPr>
-      <p:sp>
-        <p:nvSpPr>
-          <p:cNvPr id="2" name="TextBox 1"/>
-          <p:cNvSpPr txBox="1"/>
-          <p:nvPr/>
-        </p:nvSpPr>
-        <p:spPr>
-          <a:xfrm>
-            <a:off x="551328" y="322729"/>
-            <a:ext cx="11282083" cy="646331"/>
-          </a:xfrm>
-          <a:prstGeom prst="rect">
-            <a:avLst/>
-          </a:prstGeom>
-          <a:noFill/>
-        </p:spPr>
-        <p:txBody>
-          <a:bodyPr wrap="square" rtlCol="0">
-            <a:spAutoFit/>
-          </a:bodyPr>
-          <a:lstStyle/>
-          <a:p>
-            <a:r>
-              <a:rPr lang="en-US" altLang="ko-KR" sz="3600" b="1" dirty="0"/>
-              <a:t>Fast TCP Loopback</a:t>
-            </a:r>
-            <a:endParaRPr lang="ko-KR" altLang="en-US" sz="3600" b="1" dirty="0"/>
-          </a:p>
-        </p:txBody>
-      </p:sp>
-      <p:sp>
-        <p:nvSpPr>
-          <p:cNvPr id="3" name="직사각형 2"/>
-          <p:cNvSpPr/>
-          <p:nvPr/>
-        </p:nvSpPr>
-        <p:spPr>
-          <a:xfrm>
-            <a:off x="696685" y="1388745"/>
-            <a:ext cx="10477995" cy="4524315"/>
-          </a:xfrm>
-          <a:prstGeom prst="rect">
-            <a:avLst/>
-          </a:prstGeom>
-        </p:spPr>
-        <p:txBody>
-          <a:bodyPr wrap="square">
-            <a:spAutoFit/>
-          </a:bodyPr>
-          <a:lstStyle/>
-          <a:p>
-            <a:pPr marL="285750" indent="-285750">
-              <a:buFont typeface="Arial" panose="020B0604020202020204" pitchFamily="34" charset="0"/>
-              <a:buChar char="•"/>
-            </a:pPr>
-            <a:r>
-              <a:rPr lang="ko-KR" altLang="en-US" sz="2400" dirty="0"/>
-              <a:t>Windows 8 / Windows Server 2012 에서 추가된 </a:t>
-            </a:r>
-            <a:r>
-              <a:rPr lang="ko-KR" altLang="en-US" sz="2400" dirty="0" err="1"/>
-              <a:t>Winsock</a:t>
-            </a:r>
-            <a:r>
-              <a:rPr lang="ko-KR" altLang="en-US" sz="2400" dirty="0"/>
-              <a:t> 기능</a:t>
-            </a:r>
-            <a:r>
-              <a:rPr lang="en-US" altLang="ko-KR" sz="2400" dirty="0"/>
-              <a:t>.</a:t>
-            </a:r>
-            <a:br>
-              <a:rPr lang="en-US" altLang="ko-KR" sz="2400" dirty="0"/>
-            </a:br>
-            <a:endParaRPr lang="en-US" altLang="ko-KR" sz="2400" dirty="0"/>
-          </a:p>
-          <a:p>
-            <a:pPr marL="285750" indent="-285750">
-              <a:buFont typeface="Arial" panose="020B0604020202020204" pitchFamily="34" charset="0"/>
-              <a:buChar char="•"/>
-            </a:pPr>
-            <a:r>
-              <a:rPr lang="ko-KR" altLang="en-US" sz="2400" dirty="0"/>
-              <a:t>SIO_LOOPBACK_FAST_PATH </a:t>
-            </a:r>
-            <a:r>
-              <a:rPr lang="ko-KR" altLang="en-US" sz="2400" dirty="0" err="1"/>
-              <a:t>IOCTL은</a:t>
-            </a:r>
-            <a:r>
-              <a:rPr lang="ko-KR" altLang="en-US" sz="2400" dirty="0"/>
-              <a:t> 지연 시간을 줄이고</a:t>
-            </a:r>
-            <a:r>
-              <a:rPr lang="en-US" altLang="ko-KR" sz="2400" dirty="0"/>
-              <a:t>,</a:t>
-            </a:r>
-            <a:r>
-              <a:rPr lang="ko-KR" altLang="en-US" sz="2400" dirty="0"/>
-              <a:t> TCP </a:t>
-            </a:r>
-            <a:r>
-              <a:rPr lang="ko-KR" altLang="en-US" sz="2400" dirty="0" err="1"/>
-              <a:t>over</a:t>
-            </a:r>
-            <a:r>
-              <a:rPr lang="ko-KR" altLang="en-US" sz="2400" dirty="0"/>
-              <a:t> 루프백의 성능을 향상시킨다</a:t>
-            </a:r>
-            <a:r>
-              <a:rPr lang="en-US" altLang="ko-KR" sz="2400" dirty="0"/>
-              <a:t>.</a:t>
-            </a:r>
-            <a:br>
-              <a:rPr lang="en-US" altLang="ko-KR" sz="2400" dirty="0"/>
-            </a:br>
-            <a:r>
-              <a:rPr lang="en-US" altLang="ko-KR" sz="2400" dirty="0"/>
-              <a:t>Device Input and Output Control (IOCTL)</a:t>
-            </a:r>
-            <a:br>
-              <a:rPr lang="en-US" altLang="ko-KR" sz="2400" dirty="0"/>
-            </a:br>
-            <a:endParaRPr lang="en-US" altLang="ko-KR" sz="2400" dirty="0"/>
-          </a:p>
-          <a:p>
-            <a:pPr marL="285750" indent="-285750">
-              <a:buFont typeface="Arial" panose="020B0604020202020204" pitchFamily="34" charset="0"/>
-              <a:buChar char="•"/>
-            </a:pPr>
-            <a:r>
-              <a:rPr lang="ko-KR" altLang="en-US" sz="2400" dirty="0"/>
-              <a:t>Windows에서 IPv4 또는 IPv6 </a:t>
-            </a:r>
-            <a:r>
-              <a:rPr lang="ko-KR" altLang="en-US" sz="2400" dirty="0" err="1"/>
-              <a:t>루프백</a:t>
-            </a:r>
-            <a:r>
-              <a:rPr lang="en-US" altLang="ko-KR" sz="2400" dirty="0"/>
-              <a:t>(localhost, 127.0.0.1)</a:t>
-            </a:r>
-            <a:r>
-              <a:rPr lang="ko-KR" altLang="en-US" sz="2400" dirty="0"/>
-              <a:t> 주소를 사용하는 패킷은 네트워크 계층을 사용한다. 이 </a:t>
-            </a:r>
-            <a:r>
-              <a:rPr lang="ko-KR" altLang="en-US" sz="2400" dirty="0" err="1"/>
-              <a:t>IOCTL은</a:t>
-            </a:r>
-            <a:r>
-              <a:rPr lang="ko-KR" altLang="en-US" sz="2400" dirty="0"/>
-              <a:t> 루프백을 통한 TCP 패킷이 </a:t>
-            </a:r>
-            <a:r>
-              <a:rPr lang="ko-KR" altLang="en-US" sz="2400" b="1" dirty="0"/>
-              <a:t>전송 계층을 대신 사용하도록 동작을 변경</a:t>
-            </a:r>
-            <a:r>
-              <a:rPr lang="ko-KR" altLang="en-US" sz="2400" dirty="0"/>
-              <a:t>한다. </a:t>
-            </a:r>
-            <a:br>
-              <a:rPr lang="en-US" altLang="ko-KR" sz="2400" dirty="0"/>
-            </a:br>
-            <a:endParaRPr lang="en-US" altLang="ko-KR" sz="2400" dirty="0"/>
-          </a:p>
-          <a:p>
-            <a:pPr marL="285750" indent="-285750">
-              <a:buFont typeface="Arial" panose="020B0604020202020204" pitchFamily="34" charset="0"/>
-              <a:buChar char="•"/>
-            </a:pPr>
-            <a:r>
-              <a:rPr lang="ko-KR" altLang="en-US" sz="2400" dirty="0"/>
-              <a:t>이렇게 하면 </a:t>
-            </a:r>
-            <a:r>
-              <a:rPr lang="ko-KR" altLang="en-US" sz="2400" dirty="0" err="1"/>
-              <a:t>루프백</a:t>
-            </a:r>
-            <a:r>
-              <a:rPr lang="ko-KR" altLang="en-US" sz="2400" dirty="0"/>
-              <a:t> 패킷이 </a:t>
-            </a:r>
-            <a:r>
-              <a:rPr lang="ko-KR" altLang="en-US" sz="2400" dirty="0" err="1"/>
-              <a:t>OS에서</a:t>
-            </a:r>
-            <a:r>
-              <a:rPr lang="ko-KR" altLang="en-US" sz="2400" dirty="0"/>
-              <a:t> 통과 해야하는 </a:t>
-            </a:r>
-            <a:r>
-              <a:rPr lang="ko-KR" altLang="en-US" sz="2400" b="1" dirty="0"/>
-              <a:t>코드 경로가 단축되므로 대기 시간이 단축되고 성능이 향상</a:t>
-            </a:r>
-            <a:r>
-              <a:rPr lang="ko-KR" altLang="en-US" sz="2400" dirty="0"/>
-              <a:t>된다.</a:t>
-            </a:r>
-            <a:endParaRPr lang="ko-KR" altLang="en-US" sz="2400" dirty="0"/>
-          </a:p>
-        </p:txBody>
-      </p:sp>
-    </p:spTree>
-    <p:extLst>
-      <p:ext uri="{BB962C8B-B14F-4D97-AF65-F5344CB8AC3E}">
-        <p14:creationId xmlns:p14="http://schemas.microsoft.com/office/powerpoint/2010/main" val="3367074224"/>
-      </p:ext>
-    </p:extLst>
-  </p:cSld>
-  <p:clrMapOvr>
-    <a:masterClrMapping/>
-  </p:clrMapOvr>
-</p:sld>
-</file>
-
 <file path=ppt/slides/slide29.xml><?xml version="1.0" encoding="utf-8"?>
 <p:sld xmlns:a="http://schemas.openxmlformats.org/drawingml/2006/main" xmlns:r="http://schemas.openxmlformats.org/officeDocument/2006/relationships" xmlns:p="http://schemas.openxmlformats.org/presentationml/2006/main">
   <p:cSld>
@@ -9847,131 +10285,14 @@
       </p:grpSpPr>
       <p:sp>
         <p:nvSpPr>
-          <p:cNvPr id="3" name="직사각형 2"/>
-          <p:cNvSpPr/>
-          <p:nvPr/>
-        </p:nvSpPr>
-        <p:spPr>
-          <a:xfrm>
-            <a:off x="696685" y="1388745"/>
-            <a:ext cx="10477995" cy="3785652"/>
-          </a:xfrm>
-          <a:prstGeom prst="rect">
-            <a:avLst/>
-          </a:prstGeom>
-        </p:spPr>
-        <p:txBody>
-          <a:bodyPr wrap="square">
-            <a:spAutoFit/>
-          </a:bodyPr>
-          <a:lstStyle/>
-          <a:p>
-            <a:pPr marL="285750" indent="-285750">
-              <a:buFont typeface="Arial" panose="020B0604020202020204" pitchFamily="34" charset="0"/>
-              <a:buChar char="•"/>
-            </a:pPr>
-            <a:r>
-              <a:rPr lang="ko-KR" altLang="en-US" sz="2400" dirty="0"/>
-              <a:t>이 향상된 기능을 사용하려면 </a:t>
-            </a:r>
-            <a:r>
-              <a:rPr lang="ko-KR" altLang="en-US" sz="2400" b="1" dirty="0" err="1"/>
-              <a:t>루프백</a:t>
-            </a:r>
-            <a:r>
-              <a:rPr lang="ko-KR" altLang="en-US" sz="2400" b="1" dirty="0"/>
-              <a:t>(클라이언트와 서버)을 사용하는 소켓 모두가 </a:t>
-            </a:r>
-            <a:r>
-              <a:rPr lang="ko-KR" altLang="en-US" sz="2400" b="1" dirty="0" err="1"/>
-              <a:t>IOCTL을</a:t>
-            </a:r>
-            <a:r>
-              <a:rPr lang="ko-KR" altLang="en-US" sz="2400" b="1" dirty="0"/>
-              <a:t> </a:t>
-            </a:r>
-            <a:r>
-              <a:rPr lang="ko-KR" altLang="en-US" sz="2400" b="1" dirty="0" err="1"/>
-              <a:t>설정해야한다</a:t>
-            </a:r>
-            <a:r>
-              <a:rPr lang="ko-KR" altLang="en-US" sz="2400" dirty="0"/>
-              <a:t>. </a:t>
-            </a:r>
-            <a:br>
-              <a:rPr lang="en-US" altLang="ko-KR" sz="2400" dirty="0"/>
-            </a:br>
-            <a:endParaRPr lang="en-US" altLang="ko-KR" sz="2400" dirty="0"/>
-          </a:p>
-          <a:p>
-            <a:pPr marL="285750" indent="-285750">
-              <a:buFont typeface="Arial" panose="020B0604020202020204" pitchFamily="34" charset="0"/>
-              <a:buChar char="•"/>
-            </a:pPr>
-            <a:r>
-              <a:rPr lang="ko-KR" altLang="en-US" sz="2400" dirty="0"/>
-              <a:t>클라이언트측 소켓은 연결 호출을 작성하기 전에 이 </a:t>
-            </a:r>
-            <a:r>
-              <a:rPr lang="ko-KR" altLang="en-US" sz="2400" dirty="0" err="1"/>
-              <a:t>IOCTL을</a:t>
-            </a:r>
-            <a:r>
-              <a:rPr lang="ko-KR" altLang="en-US" sz="2400" dirty="0"/>
-              <a:t> 설정 </a:t>
-            </a:r>
-            <a:r>
-              <a:rPr lang="ko-KR" altLang="en-US" sz="2400" dirty="0" err="1"/>
-              <a:t>해야하나다</a:t>
-            </a:r>
-            <a:r>
-              <a:rPr lang="ko-KR" altLang="en-US" sz="2400" dirty="0"/>
-              <a:t>. 그리고 서버측 소켓은 들어오는 소켓을 수락하기 전에 이 </a:t>
-            </a:r>
-            <a:r>
-              <a:rPr lang="ko-KR" altLang="en-US" sz="2400" dirty="0" err="1"/>
-              <a:t>IOCTL을</a:t>
-            </a:r>
-            <a:r>
-              <a:rPr lang="ko-KR" altLang="en-US" sz="2400" dirty="0"/>
-              <a:t> 적용 해야한다. </a:t>
-            </a:r>
-            <a:br>
-              <a:rPr lang="en-US" altLang="ko-KR" sz="2400" dirty="0"/>
-            </a:br>
-            <a:endParaRPr lang="en-US" altLang="ko-KR" sz="2400" dirty="0"/>
-          </a:p>
-          <a:p>
-            <a:pPr marL="285750" indent="-285750">
-              <a:buFont typeface="Arial" panose="020B0604020202020204" pitchFamily="34" charset="0"/>
-              <a:buChar char="•"/>
-            </a:pPr>
-            <a:r>
-              <a:rPr lang="ko-KR" altLang="en-US" sz="2400" dirty="0"/>
-              <a:t>이 향상된 기능의 제한 사항은 Windows 필터링 플랫폼(WFP) 필터와 함께 사용할 수 없다는 것이다. 또 다른 사소한 제한은 이 </a:t>
-            </a:r>
-            <a:r>
-              <a:rPr lang="ko-KR" altLang="en-US" sz="2400" dirty="0" err="1"/>
-              <a:t>IOCTL이</a:t>
-            </a:r>
-            <a:r>
-              <a:rPr lang="ko-KR" altLang="en-US" sz="2400" dirty="0"/>
-              <a:t> 설정 될 때 소켓 옵션의 제한된 수만 사용될 수 있다는 것이다.</a:t>
-            </a:r>
-            <a:endParaRPr lang="ko-KR" altLang="en-US" sz="2400" dirty="0"/>
-          </a:p>
-        </p:txBody>
-      </p:sp>
-      <p:sp>
-        <p:nvSpPr>
-          <p:cNvPr id="4" name="TextBox 3"/>
+          <p:cNvPr id="2" name="TextBox 1"/>
           <p:cNvSpPr txBox="1"/>
           <p:nvPr/>
         </p:nvSpPr>
         <p:spPr>
           <a:xfrm>
-            <a:off x="696685" y="5934670"/>
-            <a:ext cx="11107388" cy="646331"/>
+            <a:off x="551328" y="322729"/>
+            <a:ext cx="11282083" cy="646331"/>
           </a:xfrm>
           <a:prstGeom prst="rect">
             <a:avLst/>
@@ -9985,41 +10306,137 @@
           <a:lstStyle/>
           <a:p>
             <a:r>
-              <a:rPr lang="en-US" altLang="ko-KR" dirty="0"/>
-              <a:t>WFP: </a:t>
-            </a:r>
-            <a:r>
-              <a:rPr lang="ko-KR" altLang="en-US" dirty="0"/>
-              <a:t>소켓이 </a:t>
-            </a:r>
-            <a:r>
-              <a:rPr lang="en-US" altLang="ko-KR" dirty="0"/>
-              <a:t>OS </a:t>
-            </a:r>
-            <a:r>
-              <a:rPr lang="ko-KR" altLang="en-US" dirty="0"/>
-              <a:t>내에서 처리되기 전에 필터 하거나 변경할 수 있다</a:t>
-            </a:r>
-            <a:r>
-              <a:rPr lang="en-US" altLang="ko-KR" dirty="0"/>
-              <a:t>. </a:t>
-            </a:r>
-            <a:r>
-              <a:rPr lang="ko-KR" altLang="en-US" dirty="0"/>
-              <a:t>즉 방화벽이나 안티 바이러스</a:t>
-            </a:r>
-            <a:r>
-              <a:rPr lang="en-US" altLang="ko-KR" dirty="0"/>
-              <a:t>, </a:t>
-            </a:r>
-            <a:r>
-              <a:rPr lang="ko-KR" altLang="en-US" dirty="0"/>
-              <a:t>안티 스파이웨어 대응 소프트웨어 등이 어떤 데이터를 시스템에서 수신할지를 보다 효율적으로 컨트롤 할 수 있다</a:t>
-            </a:r>
-            <a:r>
-              <a:rPr lang="en-US" altLang="ko-KR" dirty="0"/>
-              <a:t>.</a:t>
-            </a:r>
+              <a:rPr lang="en-US" altLang="ko-KR" sz="3600" b="1" dirty="0"/>
+              <a:t>UDS (Unix Domain Socket)</a:t>
+            </a:r>
+            <a:endParaRPr lang="ko-KR" altLang="en-US" sz="3600" b="1" dirty="0"/>
+          </a:p>
+        </p:txBody>
+      </p:sp>
+      <p:sp>
+        <p:nvSpPr>
+          <p:cNvPr id="4" name="직사각형 3"/>
+          <p:cNvSpPr/>
+          <p:nvPr/>
+        </p:nvSpPr>
+        <p:spPr>
+          <a:xfrm>
+            <a:off x="7865722" y="5912674"/>
+            <a:ext cx="3967689" cy="276999"/>
+          </a:xfrm>
+          <a:prstGeom prst="rect">
+            <a:avLst/>
+          </a:prstGeom>
+        </p:spPr>
+        <p:txBody>
+          <a:bodyPr wrap="none">
+            <a:spAutoFit/>
+          </a:bodyPr>
+          <a:lstStyle/>
+          <a:p>
+            <a:r>
+              <a:rPr lang="ko-KR" altLang="en-US" sz="1200" dirty="0"/>
+              <a:t>출처</a:t>
+            </a:r>
+            <a:r>
+              <a:rPr lang="en-US" altLang="ko-KR" sz="1200" dirty="0"/>
+              <a:t>: </a:t>
+            </a:r>
+            <a:r>
+              <a:rPr lang="ko-KR" altLang="en-US" sz="1200" dirty="0">
+                <a:hlinkClick r:id="rId2"/>
+              </a:rPr>
+              <a:t>http://www.dreamy.pe.kr/zbxe/CodeClip/119393</a:t>
+            </a:r>
+            <a:r>
+              <a:rPr lang="ko-KR" altLang="en-US" sz="1200" dirty="0"/>
+              <a:t> </a:t>
+            </a:r>
+          </a:p>
+        </p:txBody>
+      </p:sp>
+      <p:pic>
+        <p:nvPicPr>
+          <p:cNvPr id="6" name="그림 5"/>
+          <p:cNvPicPr>
+            <a:picLocks noChangeAspect="1"/>
+          </p:cNvPicPr>
+          <p:nvPr/>
+        </p:nvPicPr>
+        <p:blipFill>
+          <a:blip r:embed="rId3"/>
+          <a:stretch>
+            <a:fillRect/>
+          </a:stretch>
+        </p:blipFill>
+        <p:spPr>
+          <a:xfrm>
+            <a:off x="551328" y="1118198"/>
+            <a:ext cx="11414520" cy="4783838"/>
+          </a:xfrm>
+          <a:prstGeom prst="rect">
+            <a:avLst/>
+          </a:prstGeom>
+        </p:spPr>
+      </p:pic>
+      <p:sp>
+        <p:nvSpPr>
+          <p:cNvPr id="7" name="TextBox 6"/>
+          <p:cNvSpPr txBox="1"/>
+          <p:nvPr/>
+        </p:nvSpPr>
+        <p:spPr>
+          <a:xfrm>
+            <a:off x="688768" y="1225787"/>
+            <a:ext cx="8182100" cy="769268"/>
+          </a:xfrm>
+          <a:prstGeom prst="rect">
+            <a:avLst/>
+          </a:prstGeom>
+          <a:noFill/>
+          <a:ln w="28575">
+            <a:solidFill>
+              <a:srgbClr val="FF0000"/>
+            </a:solidFill>
+          </a:ln>
+        </p:spPr>
+        <p:txBody>
+          <a:bodyPr wrap="square" rtlCol="0">
+            <a:spAutoFit/>
+          </a:bodyPr>
+          <a:lstStyle/>
+          <a:p>
+            <a:endParaRPr lang="ko-KR" altLang="en-US" dirty="0"/>
+          </a:p>
+        </p:txBody>
+      </p:sp>
+      <p:sp>
+        <p:nvSpPr>
+          <p:cNvPr id="8" name="TextBox 7"/>
+          <p:cNvSpPr txBox="1"/>
+          <p:nvPr/>
+        </p:nvSpPr>
+        <p:spPr>
+          <a:xfrm>
+            <a:off x="688768" y="2791336"/>
+            <a:ext cx="10960926" cy="403126"/>
+          </a:xfrm>
+          <a:prstGeom prst="rect">
+            <a:avLst/>
+          </a:prstGeom>
+          <a:noFill/>
+          <a:ln w="28575">
+            <a:solidFill>
+              <a:srgbClr val="FF0000"/>
+            </a:solidFill>
+          </a:ln>
+        </p:spPr>
+        <p:txBody>
+          <a:bodyPr wrap="square" rtlCol="0">
+            <a:spAutoFit/>
+          </a:bodyPr>
+          <a:lstStyle/>
+          <a:p>
             <a:endParaRPr lang="ko-KR" altLang="en-US" dirty="0"/>
           </a:p>
         </p:txBody>
@@ -10027,7 +10444,7 @@
     </p:spTree>
     <p:extLst>
       <p:ext uri="{BB962C8B-B14F-4D97-AF65-F5344CB8AC3E}">
-        <p14:creationId xmlns:p14="http://schemas.microsoft.com/office/powerpoint/2010/main" val="1902999244"/>
+        <p14:creationId xmlns:p14="http://schemas.microsoft.com/office/powerpoint/2010/main" val="1816069401"/>
       </p:ext>
     </p:extLst>
   </p:cSld>
@@ -10056,32 +10473,90 @@
       </p:grpSpPr>
       <p:pic>
         <p:nvPicPr>
-          <p:cNvPr id="2" name="그림 1"/>
+          <p:cNvPr id="2" name="Picture 2" descr="http://www.hanbit.co.kr/data/books/B5569582339_l.jpg"/>
           <p:cNvPicPr>
-            <a:picLocks noChangeAspect="1"/>
+            <a:picLocks noChangeAspect="1" noChangeArrowheads="1"/>
           </p:cNvPicPr>
           <p:nvPr/>
         </p:nvPicPr>
         <p:blipFill>
-          <a:blip r:embed="rId3"/>
+          <a:blip r:embed="rId2">
+            <a:extLst>
+              <a:ext uri="{28A0092B-C50C-407E-A947-70E740481C1C}">
+                <a14:useLocalDpi xmlns:a14="http://schemas.microsoft.com/office/drawing/2010/main" val="0"/>
+              </a:ext>
+            </a:extLst>
+          </a:blip>
+          <a:srcRect/>
           <a:stretch>
             <a:fillRect/>
           </a:stretch>
         </p:blipFill>
-        <p:spPr>
-          <a:xfrm>
-            <a:off x="59378" y="586552"/>
-            <a:ext cx="12061372" cy="5747138"/>
+        <p:spPr bwMode="auto">
+          <a:xfrm>
+            <a:off x="1352797" y="1032907"/>
+            <a:ext cx="3810000" cy="5219700"/>
           </a:xfrm>
           <a:prstGeom prst="rect">
             <a:avLst/>
           </a:prstGeom>
+          <a:noFill/>
+          <a:extLst>
+            <a:ext uri="{909E8E84-426E-40DD-AFC4-6F175D3DCCD1}">
+              <a14:hiddenFill xmlns:a14="http://schemas.microsoft.com/office/drawing/2010/main">
+                <a:solidFill>
+                  <a:srgbClr val="FFFFFF"/>
+                </a:solidFill>
+              </a14:hiddenFill>
+            </a:ext>
+          </a:extLst>
+        </p:spPr>
+      </p:pic>
+      <p:pic>
+        <p:nvPicPr>
+          <p:cNvPr id="1030" name="Picture 6" descr="windows xp에 대한 이미지 검색결과"/>
+          <p:cNvPicPr>
+            <a:picLocks noChangeAspect="1" noChangeArrowheads="1"/>
+          </p:cNvPicPr>
+          <p:nvPr/>
+        </p:nvPicPr>
+        <p:blipFill>
+          <a:blip r:embed="rId3">
+            <a:extLst>
+              <a:ext uri="{28A0092B-C50C-407E-A947-70E740481C1C}">
+                <a14:useLocalDpi xmlns:a14="http://schemas.microsoft.com/office/drawing/2010/main" val="0"/>
+              </a:ext>
+            </a:extLst>
+          </a:blip>
+          <a:srcRect/>
+          <a:stretch>
+            <a:fillRect/>
+          </a:stretch>
+        </p:blipFill>
+        <p:spPr bwMode="auto">
+          <a:xfrm>
+            <a:off x="6214197" y="1643806"/>
+            <a:ext cx="4770477" cy="3577858"/>
+          </a:xfrm>
+          <a:prstGeom prst="rect">
+            <a:avLst/>
+          </a:prstGeom>
+          <a:noFill/>
+          <a:extLst>
+            <a:ext uri="{909E8E84-426E-40DD-AFC4-6F175D3DCCD1}">
+              <a14:hiddenFill xmlns:a14="http://schemas.microsoft.com/office/drawing/2010/main">
+                <a:solidFill>
+                  <a:srgbClr val="FFFFFF"/>
+                </a:solidFill>
+              </a14:hiddenFill>
+            </a:ext>
+          </a:extLst>
         </p:spPr>
       </p:pic>
     </p:spTree>
     <p:extLst>
       <p:ext uri="{BB962C8B-B14F-4D97-AF65-F5344CB8AC3E}">
-        <p14:creationId xmlns:p14="http://schemas.microsoft.com/office/powerpoint/2010/main" val="1077644727"/>
+        <p14:creationId xmlns:p14="http://schemas.microsoft.com/office/powerpoint/2010/main" val="3717429832"/>
       </p:ext>
     </p:extLst>
   </p:cSld>
@@ -10110,6 +10585,630 @@
       </p:grpSpPr>
       <p:sp>
         <p:nvSpPr>
+          <p:cNvPr id="5" name="직사각형 4"/>
+          <p:cNvSpPr/>
+          <p:nvPr/>
+        </p:nvSpPr>
+        <p:spPr>
+          <a:xfrm>
+            <a:off x="546265" y="6166001"/>
+            <a:ext cx="11364685" cy="276999"/>
+          </a:xfrm>
+          <a:prstGeom prst="rect">
+            <a:avLst/>
+          </a:prstGeom>
+        </p:spPr>
+        <p:txBody>
+          <a:bodyPr wrap="square">
+            <a:spAutoFit/>
+          </a:bodyPr>
+          <a:lstStyle/>
+          <a:p>
+            <a:r>
+              <a:rPr lang="ko-KR" altLang="en-US" sz="1200" dirty="0"/>
+              <a:t>출처</a:t>
+            </a:r>
+            <a:r>
+              <a:rPr lang="en-US" altLang="ko-KR" sz="1200" dirty="0"/>
+              <a:t>: </a:t>
+            </a:r>
+            <a:r>
+              <a:rPr lang="ko-KR" altLang="en-US" sz="1200" dirty="0">
+                <a:hlinkClick r:id="rId2"/>
+              </a:rPr>
+              <a:t>http://wiki.nex32.net/%EC%9A%A9%EC%96%B4/%EC%9C%A0%EB%8B%89%EC%8A%A4_%EB%8F%84%EB%A9%94%EC%9D%B8_%EC%86%8C%EC%BC%93</a:t>
+            </a:r>
+            <a:r>
+              <a:rPr lang="ko-KR" altLang="en-US" sz="1200" dirty="0"/>
+              <a:t> </a:t>
+            </a:r>
+          </a:p>
+        </p:txBody>
+      </p:sp>
+      <p:pic>
+        <p:nvPicPr>
+          <p:cNvPr id="3" name="그림 2"/>
+          <p:cNvPicPr>
+            <a:picLocks noChangeAspect="1"/>
+          </p:cNvPicPr>
+          <p:nvPr/>
+        </p:nvPicPr>
+        <p:blipFill>
+          <a:blip r:embed="rId3"/>
+          <a:stretch>
+            <a:fillRect/>
+          </a:stretch>
+        </p:blipFill>
+        <p:spPr>
+          <a:xfrm>
+            <a:off x="1184069" y="466167"/>
+            <a:ext cx="9503724" cy="5699834"/>
+          </a:xfrm>
+          <a:prstGeom prst="rect">
+            <a:avLst/>
+          </a:prstGeom>
+        </p:spPr>
+      </p:pic>
+      <p:sp>
+        <p:nvSpPr>
+          <p:cNvPr id="6" name="TextBox 5"/>
+          <p:cNvSpPr txBox="1"/>
+          <p:nvPr/>
+        </p:nvSpPr>
+        <p:spPr>
+          <a:xfrm>
+            <a:off x="1231074" y="4774514"/>
+            <a:ext cx="9219212" cy="711885"/>
+          </a:xfrm>
+          <a:prstGeom prst="rect">
+            <a:avLst/>
+          </a:prstGeom>
+          <a:noFill/>
+          <a:ln w="28575">
+            <a:solidFill>
+              <a:srgbClr val="FF0000"/>
+            </a:solidFill>
+          </a:ln>
+        </p:spPr>
+        <p:txBody>
+          <a:bodyPr wrap="square" rtlCol="0">
+            <a:spAutoFit/>
+          </a:bodyPr>
+          <a:lstStyle/>
+          <a:p>
+            <a:endParaRPr lang="ko-KR" altLang="en-US" dirty="0"/>
+          </a:p>
+        </p:txBody>
+      </p:sp>
+      <p:sp>
+        <p:nvSpPr>
+          <p:cNvPr id="7" name="직사각형 6"/>
+          <p:cNvSpPr/>
+          <p:nvPr/>
+        </p:nvSpPr>
+        <p:spPr>
+          <a:xfrm>
+            <a:off x="5808706" y="4174349"/>
+            <a:ext cx="4926092" cy="646331"/>
+          </a:xfrm>
+          <a:prstGeom prst="rect">
+            <a:avLst/>
+          </a:prstGeom>
+        </p:spPr>
+        <p:txBody>
+          <a:bodyPr wrap="none">
+            <a:spAutoFit/>
+          </a:bodyPr>
+          <a:lstStyle/>
+          <a:p>
+            <a:r>
+              <a:rPr lang="ko-KR" altLang="en-US" sz="3600" b="1" dirty="0" err="1">
+                <a:solidFill>
+                  <a:srgbClr val="FF0000"/>
+                </a:solidFill>
+              </a:rPr>
+              <a:t>Fast</a:t>
+            </a:r>
+            <a:r>
+              <a:rPr lang="ko-KR" altLang="en-US" sz="3600" b="1" dirty="0">
+                <a:solidFill>
+                  <a:srgbClr val="FF0000"/>
+                </a:solidFill>
+              </a:rPr>
+              <a:t> TCP </a:t>
+            </a:r>
+            <a:r>
+              <a:rPr lang="ko-KR" altLang="en-US" sz="3600" b="1" dirty="0" err="1">
+                <a:solidFill>
+                  <a:srgbClr val="FF0000"/>
+                </a:solidFill>
+              </a:rPr>
+              <a:t>Loopback</a:t>
+            </a:r>
+            <a:r>
+              <a:rPr lang="ko-KR" altLang="en-US" sz="3600" b="1" dirty="0">
+                <a:solidFill>
+                  <a:srgbClr val="FF0000"/>
+                </a:solidFill>
+              </a:rPr>
+              <a:t> !!!</a:t>
+            </a:r>
+          </a:p>
+        </p:txBody>
+      </p:sp>
+    </p:spTree>
+    <p:extLst>
+      <p:ext uri="{BB962C8B-B14F-4D97-AF65-F5344CB8AC3E}">
+        <p14:creationId xmlns:p14="http://schemas.microsoft.com/office/powerpoint/2010/main" val="1703321987"/>
+      </p:ext>
+    </p:extLst>
+  </p:cSld>
+  <p:clrMapOvr>
+    <a:masterClrMapping/>
+  </p:clrMapOvr>
+</p:sld>
+</file>
+
+<file path=ppt/slides/slide31.xml><?xml version="1.0" encoding="utf-8"?>
+<p:sld xmlns:a="http://schemas.openxmlformats.org/drawingml/2006/main" xmlns:r="http://schemas.openxmlformats.org/officeDocument/2006/relationships" xmlns:p="http://schemas.openxmlformats.org/presentationml/2006/main">
+  <p:cSld>
+    <p:spTree>
+      <p:nvGrpSpPr>
+        <p:cNvPr id="1" name=""/>
+        <p:cNvGrpSpPr/>
+        <p:nvPr/>
+      </p:nvGrpSpPr>
+      <p:grpSpPr>
+        <a:xfrm>
+          <a:off x="0" y="0"/>
+          <a:ext cx="0" cy="0"/>
+          <a:chOff x="0" y="0"/>
+          <a:chExt cx="0" cy="0"/>
+        </a:xfrm>
+      </p:grpSpPr>
+      <p:sp>
+        <p:nvSpPr>
+          <p:cNvPr id="2" name="TextBox 1"/>
+          <p:cNvSpPr txBox="1"/>
+          <p:nvPr/>
+        </p:nvSpPr>
+        <p:spPr>
+          <a:xfrm>
+            <a:off x="551328" y="322729"/>
+            <a:ext cx="11282083" cy="646331"/>
+          </a:xfrm>
+          <a:prstGeom prst="rect">
+            <a:avLst/>
+          </a:prstGeom>
+          <a:noFill/>
+        </p:spPr>
+        <p:txBody>
+          <a:bodyPr wrap="square" rtlCol="0">
+            <a:spAutoFit/>
+          </a:bodyPr>
+          <a:lstStyle/>
+          <a:p>
+            <a:r>
+              <a:rPr lang="en-US" altLang="ko-KR" sz="3600" b="1" dirty="0"/>
+              <a:t>Fast TCP Loopback</a:t>
+            </a:r>
+            <a:endParaRPr lang="ko-KR" altLang="en-US" sz="3600" b="1" dirty="0"/>
+          </a:p>
+        </p:txBody>
+      </p:sp>
+      <p:sp>
+        <p:nvSpPr>
+          <p:cNvPr id="3" name="직사각형 2"/>
+          <p:cNvSpPr/>
+          <p:nvPr/>
+        </p:nvSpPr>
+        <p:spPr>
+          <a:xfrm>
+            <a:off x="696685" y="1388745"/>
+            <a:ext cx="10477995" cy="4524315"/>
+          </a:xfrm>
+          <a:prstGeom prst="rect">
+            <a:avLst/>
+          </a:prstGeom>
+        </p:spPr>
+        <p:txBody>
+          <a:bodyPr wrap="square">
+            <a:spAutoFit/>
+          </a:bodyPr>
+          <a:lstStyle/>
+          <a:p>
+            <a:pPr marL="285750" indent="-285750">
+              <a:buFont typeface="Arial" panose="020B0604020202020204" pitchFamily="34" charset="0"/>
+              <a:buChar char="•"/>
+            </a:pPr>
+            <a:r>
+              <a:rPr lang="ko-KR" altLang="en-US" sz="2400" dirty="0"/>
+              <a:t>Windows 8 / Windows Server 2012 에서 추가된 </a:t>
+            </a:r>
+            <a:r>
+              <a:rPr lang="ko-KR" altLang="en-US" sz="2400" dirty="0" err="1"/>
+              <a:t>Winsock</a:t>
+            </a:r>
+            <a:r>
+              <a:rPr lang="ko-KR" altLang="en-US" sz="2400" dirty="0"/>
+              <a:t> 기능</a:t>
+            </a:r>
+            <a:r>
+              <a:rPr lang="en-US" altLang="ko-KR" sz="2400" dirty="0"/>
+              <a:t>.</a:t>
+            </a:r>
+            <a:br>
+              <a:rPr lang="en-US" altLang="ko-KR" sz="2400" dirty="0"/>
+            </a:br>
+            <a:endParaRPr lang="en-US" altLang="ko-KR" sz="2400" dirty="0"/>
+          </a:p>
+          <a:p>
+            <a:pPr marL="285750" indent="-285750">
+              <a:buFont typeface="Arial" panose="020B0604020202020204" pitchFamily="34" charset="0"/>
+              <a:buChar char="•"/>
+            </a:pPr>
+            <a:r>
+              <a:rPr lang="ko-KR" altLang="en-US" sz="2400" b="1" dirty="0"/>
+              <a:t>SIO_LOOPBACK_FAST_PATH </a:t>
+            </a:r>
+            <a:r>
+              <a:rPr lang="ko-KR" altLang="en-US" sz="2400" b="1" dirty="0" err="1"/>
+              <a:t>IOCTL은</a:t>
+            </a:r>
+            <a:r>
+              <a:rPr lang="ko-KR" altLang="en-US" sz="2400" b="1" dirty="0"/>
+              <a:t> 지연 시간을 줄이고</a:t>
+            </a:r>
+            <a:r>
+              <a:rPr lang="en-US" altLang="ko-KR" sz="2400" b="1" dirty="0"/>
+              <a:t>,</a:t>
+            </a:r>
+            <a:r>
+              <a:rPr lang="ko-KR" altLang="en-US" sz="2400" b="1" dirty="0"/>
+              <a:t> TCP </a:t>
+            </a:r>
+            <a:r>
+              <a:rPr lang="ko-KR" altLang="en-US" sz="2400" b="1" dirty="0" err="1"/>
+              <a:t>over</a:t>
+            </a:r>
+            <a:r>
+              <a:rPr lang="ko-KR" altLang="en-US" sz="2400" b="1" dirty="0"/>
+              <a:t> 루프백의 성능을 향상시킨다</a:t>
+            </a:r>
+            <a:r>
+              <a:rPr lang="en-US" altLang="ko-KR" sz="2400" dirty="0"/>
+              <a:t>.</a:t>
+            </a:r>
+            <a:br>
+              <a:rPr lang="en-US" altLang="ko-KR" sz="2400" dirty="0"/>
+            </a:br>
+            <a:r>
+              <a:rPr lang="en-US" altLang="ko-KR" sz="2400" dirty="0"/>
+              <a:t>Device Input and Output Control (IOCTL)</a:t>
+            </a:r>
+            <a:br>
+              <a:rPr lang="en-US" altLang="ko-KR" sz="2400" dirty="0"/>
+            </a:br>
+            <a:endParaRPr lang="en-US" altLang="ko-KR" sz="2400" dirty="0"/>
+          </a:p>
+          <a:p>
+            <a:pPr marL="285750" indent="-285750">
+              <a:buFont typeface="Arial" panose="020B0604020202020204" pitchFamily="34" charset="0"/>
+              <a:buChar char="•"/>
+            </a:pPr>
+            <a:r>
+              <a:rPr lang="ko-KR" altLang="en-US" sz="2400" dirty="0"/>
+              <a:t>Windows에서 IPv4 또는 IPv6 </a:t>
+            </a:r>
+            <a:r>
+              <a:rPr lang="ko-KR" altLang="en-US" sz="2400" dirty="0" err="1"/>
+              <a:t>루프백</a:t>
+            </a:r>
+            <a:r>
+              <a:rPr lang="en-US" altLang="ko-KR" sz="2400" dirty="0"/>
+              <a:t>(localhost, 127.0.0.1)</a:t>
+            </a:r>
+            <a:r>
+              <a:rPr lang="ko-KR" altLang="en-US" sz="2400" dirty="0"/>
+              <a:t> 주소를 사용하는 패킷은 네트워크 계층을 사용한다. 이 </a:t>
+            </a:r>
+            <a:r>
+              <a:rPr lang="ko-KR" altLang="en-US" sz="2400" dirty="0" err="1"/>
+              <a:t>IOCTL은</a:t>
+            </a:r>
+            <a:r>
+              <a:rPr lang="ko-KR" altLang="en-US" sz="2400" dirty="0"/>
+              <a:t> 루프백을 통한 TCP 패킷이 </a:t>
+            </a:r>
+            <a:r>
+              <a:rPr lang="ko-KR" altLang="en-US" sz="2400" b="1" dirty="0"/>
+              <a:t>전송 계층을 대신 사용하도록 동작을 변경</a:t>
+            </a:r>
+            <a:r>
+              <a:rPr lang="ko-KR" altLang="en-US" sz="2400" dirty="0"/>
+              <a:t>한다. </a:t>
+            </a:r>
+            <a:br>
+              <a:rPr lang="en-US" altLang="ko-KR" sz="2400" dirty="0"/>
+            </a:br>
+            <a:endParaRPr lang="en-US" altLang="ko-KR" sz="2400" dirty="0"/>
+          </a:p>
+          <a:p>
+            <a:pPr marL="285750" indent="-285750">
+              <a:buFont typeface="Arial" panose="020B0604020202020204" pitchFamily="34" charset="0"/>
+              <a:buChar char="•"/>
+            </a:pPr>
+            <a:r>
+              <a:rPr lang="ko-KR" altLang="en-US" sz="2400" dirty="0"/>
+              <a:t>이렇게 하면 </a:t>
+            </a:r>
+            <a:r>
+              <a:rPr lang="ko-KR" altLang="en-US" sz="2400" dirty="0" err="1"/>
+              <a:t>루프백</a:t>
+            </a:r>
+            <a:r>
+              <a:rPr lang="ko-KR" altLang="en-US" sz="2400" dirty="0"/>
+              <a:t> 패킷이 </a:t>
+            </a:r>
+            <a:r>
+              <a:rPr lang="ko-KR" altLang="en-US" sz="2400" dirty="0" err="1"/>
+              <a:t>OS에서</a:t>
+            </a:r>
+            <a:r>
+              <a:rPr lang="ko-KR" altLang="en-US" sz="2400" dirty="0"/>
+              <a:t> 통과 해야하는 </a:t>
+            </a:r>
+            <a:r>
+              <a:rPr lang="ko-KR" altLang="en-US" sz="2400" b="1" dirty="0"/>
+              <a:t>코드 경로가 단축되므로 대기 시간이 단축되고 성능이 향상</a:t>
+            </a:r>
+            <a:r>
+              <a:rPr lang="ko-KR" altLang="en-US" sz="2400" dirty="0"/>
+              <a:t>된다.</a:t>
+            </a:r>
+          </a:p>
+        </p:txBody>
+      </p:sp>
+    </p:spTree>
+    <p:extLst>
+      <p:ext uri="{BB962C8B-B14F-4D97-AF65-F5344CB8AC3E}">
+        <p14:creationId xmlns:p14="http://schemas.microsoft.com/office/powerpoint/2010/main" val="3367074224"/>
+      </p:ext>
+    </p:extLst>
+  </p:cSld>
+  <p:clrMapOvr>
+    <a:masterClrMapping/>
+  </p:clrMapOvr>
+</p:sld>
+</file>
+
+<file path=ppt/slides/slide32.xml><?xml version="1.0" encoding="utf-8"?>
+<p:sld xmlns:a="http://schemas.openxmlformats.org/drawingml/2006/main" xmlns:r="http://schemas.openxmlformats.org/officeDocument/2006/relationships" xmlns:p="http://schemas.openxmlformats.org/presentationml/2006/main">
+  <p:cSld>
+    <p:spTree>
+      <p:nvGrpSpPr>
+        <p:cNvPr id="1" name=""/>
+        <p:cNvGrpSpPr/>
+        <p:nvPr/>
+      </p:nvGrpSpPr>
+      <p:grpSpPr>
+        <a:xfrm>
+          <a:off x="0" y="0"/>
+          <a:ext cx="0" cy="0"/>
+          <a:chOff x="0" y="0"/>
+          <a:chExt cx="0" cy="0"/>
+        </a:xfrm>
+      </p:grpSpPr>
+      <p:sp>
+        <p:nvSpPr>
+          <p:cNvPr id="3" name="직사각형 2"/>
+          <p:cNvSpPr/>
+          <p:nvPr/>
+        </p:nvSpPr>
+        <p:spPr>
+          <a:xfrm>
+            <a:off x="696685" y="1388745"/>
+            <a:ext cx="10477995" cy="3785652"/>
+          </a:xfrm>
+          <a:prstGeom prst="rect">
+            <a:avLst/>
+          </a:prstGeom>
+        </p:spPr>
+        <p:txBody>
+          <a:bodyPr wrap="square">
+            <a:spAutoFit/>
+          </a:bodyPr>
+          <a:lstStyle/>
+          <a:p>
+            <a:pPr marL="285750" indent="-285750">
+              <a:buFont typeface="Arial" panose="020B0604020202020204" pitchFamily="34" charset="0"/>
+              <a:buChar char="•"/>
+            </a:pPr>
+            <a:r>
+              <a:rPr lang="ko-KR" altLang="en-US" sz="2400" dirty="0"/>
+              <a:t>이 향상된 기능을 사용하려면 </a:t>
+            </a:r>
+            <a:r>
+              <a:rPr lang="ko-KR" altLang="en-US" sz="2400" b="1" dirty="0" err="1"/>
+              <a:t>루프백</a:t>
+            </a:r>
+            <a:r>
+              <a:rPr lang="ko-KR" altLang="en-US" sz="2400" b="1" dirty="0"/>
+              <a:t>(클라이언트와 서버)을 사용하는 소켓 모두가 </a:t>
+            </a:r>
+            <a:r>
+              <a:rPr lang="ko-KR" altLang="en-US" sz="2400" b="1" dirty="0" err="1"/>
+              <a:t>IOCTL을</a:t>
+            </a:r>
+            <a:r>
+              <a:rPr lang="ko-KR" altLang="en-US" sz="2400" b="1" dirty="0"/>
+              <a:t> </a:t>
+            </a:r>
+            <a:r>
+              <a:rPr lang="ko-KR" altLang="en-US" sz="2400" b="1" dirty="0" err="1"/>
+              <a:t>설정해야한다</a:t>
+            </a:r>
+            <a:r>
+              <a:rPr lang="ko-KR" altLang="en-US" sz="2400" dirty="0"/>
+              <a:t>. </a:t>
+            </a:r>
+            <a:br>
+              <a:rPr lang="en-US" altLang="ko-KR" sz="2400" dirty="0"/>
+            </a:br>
+            <a:endParaRPr lang="en-US" altLang="ko-KR" sz="2400" dirty="0"/>
+          </a:p>
+          <a:p>
+            <a:pPr marL="285750" indent="-285750">
+              <a:buFont typeface="Arial" panose="020B0604020202020204" pitchFamily="34" charset="0"/>
+              <a:buChar char="•"/>
+            </a:pPr>
+            <a:r>
+              <a:rPr lang="ko-KR" altLang="en-US" sz="2400" dirty="0"/>
+              <a:t>클라이언트측 소켓은 연결 호출을 작성하기 전에 이 </a:t>
+            </a:r>
+            <a:r>
+              <a:rPr lang="ko-KR" altLang="en-US" sz="2400" dirty="0" err="1"/>
+              <a:t>IOCTL을</a:t>
+            </a:r>
+            <a:r>
+              <a:rPr lang="ko-KR" altLang="en-US" sz="2400" dirty="0"/>
+              <a:t> 설정 </a:t>
+            </a:r>
+            <a:r>
+              <a:rPr lang="ko-KR" altLang="en-US" sz="2400" dirty="0" err="1"/>
+              <a:t>해야하나다</a:t>
+            </a:r>
+            <a:r>
+              <a:rPr lang="ko-KR" altLang="en-US" sz="2400" dirty="0"/>
+              <a:t>. 그리고 서버측 소켓은 들어오는 소켓을 수락하기 전에 이 </a:t>
+            </a:r>
+            <a:r>
+              <a:rPr lang="ko-KR" altLang="en-US" sz="2400" dirty="0" err="1"/>
+              <a:t>IOCTL을</a:t>
+            </a:r>
+            <a:r>
+              <a:rPr lang="ko-KR" altLang="en-US" sz="2400" dirty="0"/>
+              <a:t> 적용 해야한다. </a:t>
+            </a:r>
+            <a:br>
+              <a:rPr lang="en-US" altLang="ko-KR" sz="2400" dirty="0"/>
+            </a:br>
+            <a:endParaRPr lang="en-US" altLang="ko-KR" sz="2400" dirty="0"/>
+          </a:p>
+          <a:p>
+            <a:pPr marL="285750" indent="-285750">
+              <a:buFont typeface="Arial" panose="020B0604020202020204" pitchFamily="34" charset="0"/>
+              <a:buChar char="•"/>
+            </a:pPr>
+            <a:r>
+              <a:rPr lang="ko-KR" altLang="en-US" sz="2400" dirty="0"/>
+              <a:t>이 향상된 기능의 제한 사항은 Windows 필터링 플랫폼(WFP) 필터와 함께 사용할 수 없다는 것이다. 또 다른 사소한 제한은 이 </a:t>
+            </a:r>
+            <a:r>
+              <a:rPr lang="ko-KR" altLang="en-US" sz="2400" dirty="0" err="1"/>
+              <a:t>IOCTL이</a:t>
+            </a:r>
+            <a:r>
+              <a:rPr lang="ko-KR" altLang="en-US" sz="2400" dirty="0"/>
+              <a:t> 설정 될 때 소켓 옵션의 제한된 수만 사용될 수 있다는 것이다.</a:t>
+            </a:r>
+          </a:p>
+        </p:txBody>
+      </p:sp>
+      <p:sp>
+        <p:nvSpPr>
+          <p:cNvPr id="4" name="TextBox 3"/>
+          <p:cNvSpPr txBox="1"/>
+          <p:nvPr/>
+        </p:nvSpPr>
+        <p:spPr>
+          <a:xfrm>
+            <a:off x="696685" y="5934670"/>
+            <a:ext cx="11107388" cy="646331"/>
+          </a:xfrm>
+          <a:prstGeom prst="rect">
+            <a:avLst/>
+          </a:prstGeom>
+          <a:noFill/>
+        </p:spPr>
+        <p:txBody>
+          <a:bodyPr wrap="square" rtlCol="0">
+            <a:spAutoFit/>
+          </a:bodyPr>
+          <a:lstStyle/>
+          <a:p>
+            <a:r>
+              <a:rPr lang="en-US" altLang="ko-KR" dirty="0"/>
+              <a:t>WFP: </a:t>
+            </a:r>
+            <a:r>
+              <a:rPr lang="ko-KR" altLang="en-US" dirty="0"/>
+              <a:t>소켓이 </a:t>
+            </a:r>
+            <a:r>
+              <a:rPr lang="en-US" altLang="ko-KR" dirty="0"/>
+              <a:t>OS </a:t>
+            </a:r>
+            <a:r>
+              <a:rPr lang="ko-KR" altLang="en-US" dirty="0"/>
+              <a:t>내에서 처리되기 전에 필터 하거나 변경할 수 있다</a:t>
+            </a:r>
+            <a:r>
+              <a:rPr lang="en-US" altLang="ko-KR" dirty="0"/>
+              <a:t>. </a:t>
+            </a:r>
+            <a:r>
+              <a:rPr lang="ko-KR" altLang="en-US" dirty="0"/>
+              <a:t>즉 방화벽이나 안티 바이러스</a:t>
+            </a:r>
+            <a:r>
+              <a:rPr lang="en-US" altLang="ko-KR" dirty="0"/>
+              <a:t>, </a:t>
+            </a:r>
+            <a:r>
+              <a:rPr lang="ko-KR" altLang="en-US" dirty="0"/>
+              <a:t>안티 스파이웨어 대응 소프트웨어 등이 어떤 데이터를 시스템에서 수신할지를 보다 효율적으로 컨트롤 할 수 있다</a:t>
+            </a:r>
+            <a:r>
+              <a:rPr lang="en-US" altLang="ko-KR" dirty="0"/>
+              <a:t>.</a:t>
+            </a:r>
+            <a:endParaRPr lang="ko-KR" altLang="en-US" dirty="0"/>
+          </a:p>
+        </p:txBody>
+      </p:sp>
+    </p:spTree>
+    <p:extLst>
+      <p:ext uri="{BB962C8B-B14F-4D97-AF65-F5344CB8AC3E}">
+        <p14:creationId xmlns:p14="http://schemas.microsoft.com/office/powerpoint/2010/main" val="1902999244"/>
+      </p:ext>
+    </p:extLst>
+  </p:cSld>
+  <p:clrMapOvr>
+    <a:masterClrMapping/>
+  </p:clrMapOvr>
+</p:sld>
+</file>
+
+<file path=ppt/slides/slide33.xml><?xml version="1.0" encoding="utf-8"?>
+<p:sld xmlns:a="http://schemas.openxmlformats.org/drawingml/2006/main" xmlns:r="http://schemas.openxmlformats.org/officeDocument/2006/relationships" xmlns:p="http://schemas.openxmlformats.org/presentationml/2006/main">
+  <p:cSld>
+    <p:spTree>
+      <p:nvGrpSpPr>
+        <p:cNvPr id="1" name=""/>
+        <p:cNvGrpSpPr/>
+        <p:nvPr/>
+      </p:nvGrpSpPr>
+      <p:grpSpPr>
+        <a:xfrm>
+          <a:off x="0" y="0"/>
+          <a:ext cx="0" cy="0"/>
+          <a:chOff x="0" y="0"/>
+          <a:chExt cx="0" cy="0"/>
+        </a:xfrm>
+      </p:grpSpPr>
+      <p:sp>
+        <p:nvSpPr>
           <p:cNvPr id="2" name="TextBox 1"/>
           <p:cNvSpPr txBox="1"/>
           <p:nvPr/>
@@ -10255,7 +11354,6 @@
               <a:rPr lang="ko-KR" altLang="en-US" sz="1200" dirty="0"/>
               <a:t> </a:t>
             </a:r>
-            <a:endParaRPr lang="ko-KR" altLang="en-US" sz="1200" dirty="0"/>
           </a:p>
         </p:txBody>
       </p:sp>
@@ -10272,7 +11370,7 @@
 </p:sld>
 </file>
 
-<file path=ppt/slides/slide31.xml><?xml version="1.0" encoding="utf-8"?>
+<file path=ppt/slides/slide34.xml><?xml version="1.0" encoding="utf-8"?>
 <p:sld xmlns:a="http://schemas.openxmlformats.org/drawingml/2006/main" xmlns:r="http://schemas.openxmlformats.org/officeDocument/2006/relationships" xmlns:p="http://schemas.openxmlformats.org/presentationml/2006/main">
   <p:cSld>
     <p:spTree>
@@ -10352,7 +11450,6 @@
               <a:rPr lang="ko-KR" altLang="en-US" sz="1200" dirty="0"/>
               <a:t> </a:t>
             </a:r>
-            <a:endParaRPr lang="ko-KR" altLang="en-US" sz="1200" dirty="0"/>
           </a:p>
         </p:txBody>
       </p:sp>
@@ -10369,7 +11466,7 @@
 </p:sld>
 </file>
 
-<file path=ppt/slides/slide32.xml><?xml version="1.0" encoding="utf-8"?>
+<file path=ppt/slides/slide35.xml><?xml version="1.0" encoding="utf-8"?>
 <p:sld xmlns:a="http://schemas.openxmlformats.org/drawingml/2006/main" xmlns:r="http://schemas.openxmlformats.org/officeDocument/2006/relationships" xmlns:p="http://schemas.openxmlformats.org/presentationml/2006/main">
   <p:cSld>
     <p:spTree>
@@ -10449,7 +11546,6 @@
               <a:rPr lang="ko-KR" altLang="en-US" sz="1200" dirty="0"/>
               <a:t> </a:t>
             </a:r>
-            <a:endParaRPr lang="ko-KR" altLang="en-US" sz="1200" dirty="0"/>
           </a:p>
         </p:txBody>
       </p:sp>
@@ -10457,341 +11553,6 @@
     <p:extLst>
       <p:ext uri="{BB962C8B-B14F-4D97-AF65-F5344CB8AC3E}">
         <p14:creationId xmlns:p14="http://schemas.microsoft.com/office/powerpoint/2010/main" val="880290254"/>
-      </p:ext>
-    </p:extLst>
-  </p:cSld>
-  <p:clrMapOvr>
-    <a:masterClrMapping/>
-  </p:clrMapOvr>
-</p:sld>
-</file>
-
-<file path=ppt/slides/slide33.xml><?xml version="1.0" encoding="utf-8"?>
-<p:sld xmlns:a="http://schemas.openxmlformats.org/drawingml/2006/main" xmlns:r="http://schemas.openxmlformats.org/officeDocument/2006/relationships" xmlns:p="http://schemas.openxmlformats.org/presentationml/2006/main">
-  <p:cSld>
-    <p:spTree>
-      <p:nvGrpSpPr>
-        <p:cNvPr id="1" name=""/>
-        <p:cNvGrpSpPr/>
-        <p:nvPr/>
-      </p:nvGrpSpPr>
-      <p:grpSpPr>
-        <a:xfrm>
-          <a:off x="0" y="0"/>
-          <a:ext cx="0" cy="0"/>
-          <a:chOff x="0" y="0"/>
-          <a:chExt cx="0" cy="0"/>
-        </a:xfrm>
-      </p:grpSpPr>
-      <p:pic>
-        <p:nvPicPr>
-          <p:cNvPr id="3" name="그림 2"/>
-          <p:cNvPicPr>
-            <a:picLocks noChangeAspect="1"/>
-          </p:cNvPicPr>
-          <p:nvPr/>
-        </p:nvPicPr>
-        <p:blipFill>
-          <a:blip r:embed="rId2"/>
-          <a:stretch>
-            <a:fillRect/>
-          </a:stretch>
-        </p:blipFill>
-        <p:spPr>
-          <a:xfrm>
-            <a:off x="2192606" y="451632"/>
-            <a:ext cx="7804188" cy="5800725"/>
-          </a:xfrm>
-          <a:prstGeom prst="rect">
-            <a:avLst/>
-          </a:prstGeom>
-        </p:spPr>
-      </p:pic>
-      <p:sp>
-        <p:nvSpPr>
-          <p:cNvPr id="4" name="직사각형 3"/>
-          <p:cNvSpPr/>
-          <p:nvPr/>
-        </p:nvSpPr>
-        <p:spPr>
-          <a:xfrm>
-            <a:off x="2762991" y="6351802"/>
-            <a:ext cx="9242961" cy="276999"/>
-          </a:xfrm>
-          <a:prstGeom prst="rect">
-            <a:avLst/>
-          </a:prstGeom>
-        </p:spPr>
-        <p:txBody>
-          <a:bodyPr wrap="square">
-            <a:spAutoFit/>
-          </a:bodyPr>
-          <a:lstStyle/>
-          <a:p>
-            <a:r>
-              <a:rPr lang="ko-KR" altLang="en-US" sz="1200" dirty="0"/>
-              <a:t>출처</a:t>
-            </a:r>
-            <a:r>
-              <a:rPr lang="en-US" altLang="ko-KR" sz="1200" dirty="0"/>
-              <a:t>: </a:t>
-            </a:r>
-            <a:r>
-              <a:rPr lang="ko-KR" altLang="en-US" sz="1200" dirty="0">
-                <a:hlinkClick r:id="rId3"/>
-              </a:rPr>
-              <a:t>https://github.com/imiuka/rtmp-sharp/blob/834f7079bc1b32676dabbd6806b9b746b15f5717/src/_Sky/Hina/Net/SocketEx.cs</a:t>
-            </a:r>
-            <a:r>
-              <a:rPr lang="ko-KR" altLang="en-US" sz="1200" dirty="0"/>
-              <a:t> </a:t>
-            </a:r>
-            <a:endParaRPr lang="ko-KR" altLang="en-US" sz="1200" dirty="0"/>
-          </a:p>
-        </p:txBody>
-      </p:sp>
-      <p:sp>
-        <p:nvSpPr>
-          <p:cNvPr id="5" name="TextBox 4"/>
-          <p:cNvSpPr txBox="1"/>
-          <p:nvPr/>
-        </p:nvSpPr>
-        <p:spPr>
-          <a:xfrm>
-            <a:off x="961901" y="273132"/>
-            <a:ext cx="914400" cy="646331"/>
-          </a:xfrm>
-          <a:prstGeom prst="rect">
-            <a:avLst/>
-          </a:prstGeom>
-          <a:noFill/>
-        </p:spPr>
-        <p:txBody>
-          <a:bodyPr wrap="square" rtlCol="0">
-            <a:spAutoFit/>
-          </a:bodyPr>
-          <a:lstStyle/>
-          <a:p>
-            <a:r>
-              <a:rPr lang="en-US" altLang="ko-KR" sz="3600" b="1" dirty="0"/>
-              <a:t>C#</a:t>
-            </a:r>
-            <a:endParaRPr lang="ko-KR" altLang="en-US" sz="3600" b="1" dirty="0"/>
-          </a:p>
-        </p:txBody>
-      </p:sp>
-    </p:spTree>
-    <p:extLst>
-      <p:ext uri="{BB962C8B-B14F-4D97-AF65-F5344CB8AC3E}">
-        <p14:creationId xmlns:p14="http://schemas.microsoft.com/office/powerpoint/2010/main" val="620822485"/>
-      </p:ext>
-    </p:extLst>
-  </p:cSld>
-  <p:clrMapOvr>
-    <a:masterClrMapping/>
-  </p:clrMapOvr>
-</p:sld>
-</file>
-
-<file path=ppt/slides/slide34.xml><?xml version="1.0" encoding="utf-8"?>
-<p:sld xmlns:a="http://schemas.openxmlformats.org/drawingml/2006/main" xmlns:r="http://schemas.openxmlformats.org/officeDocument/2006/relationships" xmlns:p="http://schemas.openxmlformats.org/presentationml/2006/main">
-  <p:cSld>
-    <p:spTree>
-      <p:nvGrpSpPr>
-        <p:cNvPr id="1" name=""/>
-        <p:cNvGrpSpPr/>
-        <p:nvPr/>
-      </p:nvGrpSpPr>
-      <p:grpSpPr>
-        <a:xfrm>
-          <a:off x="0" y="0"/>
-          <a:ext cx="0" cy="0"/>
-          <a:chOff x="0" y="0"/>
-          <a:chExt cx="0" cy="0"/>
-        </a:xfrm>
-      </p:grpSpPr>
-      <p:pic>
-        <p:nvPicPr>
-          <p:cNvPr id="2" name="그림 1"/>
-          <p:cNvPicPr>
-            <a:picLocks noChangeAspect="1"/>
-          </p:cNvPicPr>
-          <p:nvPr/>
-        </p:nvPicPr>
-        <p:blipFill>
-          <a:blip r:embed="rId2"/>
-          <a:stretch>
-            <a:fillRect/>
-          </a:stretch>
-        </p:blipFill>
-        <p:spPr>
-          <a:xfrm>
-            <a:off x="1281112" y="523875"/>
-            <a:ext cx="9629775" cy="5810250"/>
-          </a:xfrm>
-          <a:prstGeom prst="rect">
-            <a:avLst/>
-          </a:prstGeom>
-        </p:spPr>
-      </p:pic>
-      <p:sp>
-        <p:nvSpPr>
-          <p:cNvPr id="3" name="직사각형 2"/>
-          <p:cNvSpPr/>
-          <p:nvPr/>
-        </p:nvSpPr>
-        <p:spPr>
-          <a:xfrm>
-            <a:off x="3461100" y="6334125"/>
-            <a:ext cx="7449787" cy="276999"/>
-          </a:xfrm>
-          <a:prstGeom prst="rect">
-            <a:avLst/>
-          </a:prstGeom>
-        </p:spPr>
-        <p:txBody>
-          <a:bodyPr wrap="square">
-            <a:spAutoFit/>
-          </a:bodyPr>
-          <a:lstStyle/>
-          <a:p>
-            <a:r>
-              <a:rPr lang="ko-KR" altLang="en-US" sz="1200" dirty="0">
-                <a:hlinkClick r:id="rId3"/>
-              </a:rPr>
-              <a:t>https://github.com/search?l=C%2B%2B&amp;q=SIO_LOOPBACK_FAST_PATH&amp;type=Code&amp;utf8=%E2%9C%93</a:t>
-            </a:r>
-            <a:r>
-              <a:rPr lang="ko-KR" altLang="en-US" sz="1200" dirty="0"/>
-              <a:t> </a:t>
-            </a:r>
-            <a:endParaRPr lang="ko-KR" altLang="en-US" sz="1200" dirty="0"/>
-          </a:p>
-        </p:txBody>
-      </p:sp>
-    </p:spTree>
-    <p:extLst>
-      <p:ext uri="{BB962C8B-B14F-4D97-AF65-F5344CB8AC3E}">
-        <p14:creationId xmlns:p14="http://schemas.microsoft.com/office/powerpoint/2010/main" val="2760264221"/>
-      </p:ext>
-    </p:extLst>
-  </p:cSld>
-  <p:clrMapOvr>
-    <a:masterClrMapping/>
-  </p:clrMapOvr>
-</p:sld>
-</file>
-
-<file path=ppt/slides/slide35.xml><?xml version="1.0" encoding="utf-8"?>
-<p:sld xmlns:a="http://schemas.openxmlformats.org/drawingml/2006/main" xmlns:r="http://schemas.openxmlformats.org/officeDocument/2006/relationships" xmlns:p="http://schemas.openxmlformats.org/presentationml/2006/main">
-  <p:cSld>
-    <p:spTree>
-      <p:nvGrpSpPr>
-        <p:cNvPr id="1" name=""/>
-        <p:cNvGrpSpPr/>
-        <p:nvPr/>
-      </p:nvGrpSpPr>
-      <p:grpSpPr>
-        <a:xfrm>
-          <a:off x="0" y="0"/>
-          <a:ext cx="0" cy="0"/>
-          <a:chOff x="0" y="0"/>
-          <a:chExt cx="0" cy="0"/>
-        </a:xfrm>
-      </p:grpSpPr>
-      <p:sp>
-        <p:nvSpPr>
-          <p:cNvPr id="2" name="TextBox 1"/>
-          <p:cNvSpPr txBox="1"/>
-          <p:nvPr/>
-        </p:nvSpPr>
-        <p:spPr>
-          <a:xfrm>
-            <a:off x="551328" y="322729"/>
-            <a:ext cx="11282083" cy="1754326"/>
-          </a:xfrm>
-          <a:prstGeom prst="rect">
-            <a:avLst/>
-          </a:prstGeom>
-          <a:noFill/>
-        </p:spPr>
-        <p:txBody>
-          <a:bodyPr wrap="square" rtlCol="0">
-            <a:spAutoFit/>
-          </a:bodyPr>
-          <a:lstStyle/>
-          <a:p>
-            <a:r>
-              <a:rPr lang="en-US" altLang="ko-KR" sz="3600" b="1" dirty="0"/>
-              <a:t>Fast TCP Loopback Performance and Low Latency with Windows Server 2012 TCP Loopback Fast Path</a:t>
-            </a:r>
-            <a:endParaRPr lang="ko-KR" altLang="en-US" sz="3600" b="1" dirty="0"/>
-          </a:p>
-        </p:txBody>
-      </p:sp>
-      <p:pic>
-        <p:nvPicPr>
-          <p:cNvPr id="3" name="그림 2"/>
-          <p:cNvPicPr>
-            <a:picLocks noChangeAspect="1"/>
-          </p:cNvPicPr>
-          <p:nvPr/>
-        </p:nvPicPr>
-        <p:blipFill>
-          <a:blip r:embed="rId2"/>
-          <a:stretch>
-            <a:fillRect/>
-          </a:stretch>
-        </p:blipFill>
-        <p:spPr>
-          <a:xfrm>
-            <a:off x="1796581" y="2077055"/>
-            <a:ext cx="8791575" cy="4524375"/>
-          </a:xfrm>
-          <a:prstGeom prst="rect">
-            <a:avLst/>
-          </a:prstGeom>
-        </p:spPr>
-      </p:pic>
-      <p:sp>
-        <p:nvSpPr>
-          <p:cNvPr id="4" name="직사각형 3"/>
-          <p:cNvSpPr/>
-          <p:nvPr/>
-        </p:nvSpPr>
-        <p:spPr>
-          <a:xfrm>
-            <a:off x="684749" y="6462930"/>
-            <a:ext cx="11015238" cy="276999"/>
-          </a:xfrm>
-          <a:prstGeom prst="rect">
-            <a:avLst/>
-          </a:prstGeom>
-        </p:spPr>
-        <p:txBody>
-          <a:bodyPr wrap="square">
-            <a:spAutoFit/>
-          </a:bodyPr>
-          <a:lstStyle/>
-          <a:p>
-            <a:r>
-              <a:rPr lang="ko-KR" altLang="en-US" sz="1200" dirty="0">
-                <a:hlinkClick r:id="rId3"/>
-              </a:rPr>
-              <a:t>https://blogs.technet.microsoft.com/wincat/2012/12/05/fast-tcp-loopback-performance-and-low-latency-with-windows-server-2012-tcp-loopback-fast-path/</a:t>
-            </a:r>
-            <a:r>
-              <a:rPr lang="ko-KR" altLang="en-US" sz="1200" dirty="0"/>
-              <a:t> </a:t>
-            </a:r>
-            <a:endParaRPr lang="ko-KR" altLang="en-US" sz="1200" dirty="0"/>
-          </a:p>
-        </p:txBody>
-      </p:sp>
-    </p:spTree>
-    <p:extLst>
-      <p:ext uri="{BB962C8B-B14F-4D97-AF65-F5344CB8AC3E}">
-        <p14:creationId xmlns:p14="http://schemas.microsoft.com/office/powerpoint/2010/main" val="1873475471"/>
       </p:ext>
     </p:extLst>
   </p:cSld>
@@ -10834,18 +11595,90 @@
         </p:blipFill>
         <p:spPr>
           <a:xfrm>
-            <a:off x="1765217" y="360341"/>
-            <a:ext cx="9077423" cy="6200775"/>
+            <a:off x="2192606" y="451632"/>
+            <a:ext cx="7804188" cy="5800725"/>
           </a:xfrm>
           <a:prstGeom prst="rect">
             <a:avLst/>
           </a:prstGeom>
         </p:spPr>
       </p:pic>
+      <p:sp>
+        <p:nvSpPr>
+          <p:cNvPr id="4" name="직사각형 3"/>
+          <p:cNvSpPr/>
+          <p:nvPr/>
+        </p:nvSpPr>
+        <p:spPr>
+          <a:xfrm>
+            <a:off x="2762991" y="6351802"/>
+            <a:ext cx="9242961" cy="276999"/>
+          </a:xfrm>
+          <a:prstGeom prst="rect">
+            <a:avLst/>
+          </a:prstGeom>
+        </p:spPr>
+        <p:txBody>
+          <a:bodyPr wrap="square">
+            <a:spAutoFit/>
+          </a:bodyPr>
+          <a:lstStyle/>
+          <a:p>
+            <a:r>
+              <a:rPr lang="ko-KR" altLang="en-US" sz="1200" dirty="0"/>
+              <a:t>출처</a:t>
+            </a:r>
+            <a:r>
+              <a:rPr lang="en-US" altLang="ko-KR" sz="1200" dirty="0"/>
+              <a:t>: </a:t>
+            </a:r>
+            <a:r>
+              <a:rPr lang="ko-KR" altLang="en-US" sz="1200" dirty="0">
+                <a:hlinkClick r:id="rId3"/>
+              </a:rPr>
+              <a:t>https://github.com/imiuka/rtmp-sharp/blob/834f7079bc1b32676dabbd6806b9b746b15f5717/src/_Sky/Hina/Net/SocketEx.cs</a:t>
+            </a:r>
+            <a:r>
+              <a:rPr lang="ko-KR" altLang="en-US" sz="1200" dirty="0"/>
+              <a:t> </a:t>
+            </a:r>
+          </a:p>
+        </p:txBody>
+      </p:sp>
+      <p:sp>
+        <p:nvSpPr>
+          <p:cNvPr id="5" name="TextBox 4"/>
+          <p:cNvSpPr txBox="1"/>
+          <p:nvPr/>
+        </p:nvSpPr>
+        <p:spPr>
+          <a:xfrm>
+            <a:off x="961901" y="273132"/>
+            <a:ext cx="914400" cy="646331"/>
+          </a:xfrm>
+          <a:prstGeom prst="rect">
+            <a:avLst/>
+          </a:prstGeom>
+          <a:noFill/>
+        </p:spPr>
+        <p:txBody>
+          <a:bodyPr wrap="square" rtlCol="0">
+            <a:spAutoFit/>
+          </a:bodyPr>
+          <a:lstStyle/>
+          <a:p>
+            <a:r>
+              <a:rPr lang="en-US" altLang="ko-KR" sz="3600" b="1" dirty="0"/>
+              <a:t>C#</a:t>
+            </a:r>
+            <a:endParaRPr lang="ko-KR" altLang="en-US" sz="3600" b="1" dirty="0"/>
+          </a:p>
+        </p:txBody>
+      </p:sp>
     </p:spTree>
     <p:extLst>
       <p:ext uri="{BB962C8B-B14F-4D97-AF65-F5344CB8AC3E}">
-        <p14:creationId xmlns:p14="http://schemas.microsoft.com/office/powerpoint/2010/main" val="3075968608"/>
+        <p14:creationId xmlns:p14="http://schemas.microsoft.com/office/powerpoint/2010/main" val="620822485"/>
       </p:ext>
     </p:extLst>
   </p:cSld>
@@ -10888,18 +11721,52 @@
         </p:blipFill>
         <p:spPr>
           <a:xfrm>
-            <a:off x="2461285" y="636938"/>
-            <a:ext cx="6978304" cy="5336350"/>
+            <a:off x="1281112" y="523875"/>
+            <a:ext cx="9629775" cy="5810250"/>
           </a:xfrm>
           <a:prstGeom prst="rect">
             <a:avLst/>
           </a:prstGeom>
         </p:spPr>
       </p:pic>
+      <p:sp>
+        <p:nvSpPr>
+          <p:cNvPr id="3" name="직사각형 2"/>
+          <p:cNvSpPr/>
+          <p:nvPr/>
+        </p:nvSpPr>
+        <p:spPr>
+          <a:xfrm>
+            <a:off x="3461100" y="6334125"/>
+            <a:ext cx="7449787" cy="276999"/>
+          </a:xfrm>
+          <a:prstGeom prst="rect">
+            <a:avLst/>
+          </a:prstGeom>
+        </p:spPr>
+        <p:txBody>
+          <a:bodyPr wrap="square">
+            <a:spAutoFit/>
+          </a:bodyPr>
+          <a:lstStyle/>
+          <a:p>
+            <a:r>
+              <a:rPr lang="ko-KR" altLang="en-US" sz="1200" dirty="0">
+                <a:hlinkClick r:id="rId3"/>
+              </a:rPr>
+              <a:t>https://github.com/search?l=C%2B%2B&amp;q=SIO_LOOPBACK_FAST_PATH&amp;type=Code&amp;utf8=%E2%9C%93</a:t>
+            </a:r>
+            <a:r>
+              <a:rPr lang="ko-KR" altLang="en-US" sz="1200" dirty="0"/>
+              <a:t> </a:t>
+            </a:r>
+          </a:p>
+        </p:txBody>
+      </p:sp>
     </p:spTree>
     <p:extLst>
       <p:ext uri="{BB962C8B-B14F-4D97-AF65-F5344CB8AC3E}">
-        <p14:creationId xmlns:p14="http://schemas.microsoft.com/office/powerpoint/2010/main" val="2367002039"/>
+        <p14:creationId xmlns:p14="http://schemas.microsoft.com/office/powerpoint/2010/main" val="2760264221"/>
       </p:ext>
     </p:extLst>
   </p:cSld>
@@ -10935,7 +11802,7 @@
         <p:spPr>
           <a:xfrm>
             <a:off x="551328" y="322729"/>
-            <a:ext cx="11282083" cy="646331"/>
+            <a:ext cx="11282083" cy="1754326"/>
           </a:xfrm>
           <a:prstGeom prst="rect">
             <a:avLst/>
@@ -10950,7 +11817,7 @@
           <a:p>
             <a:r>
               <a:rPr lang="en-US" altLang="ko-KR" sz="3600" b="1" dirty="0"/>
-              <a:t>MSDN</a:t>
+              <a:t>Fast TCP Loopback Performance and Low Latency with Windows Server 2012 TCP Loopback Fast Path</a:t>
             </a:r>
             <a:endParaRPr lang="ko-KR" altLang="en-US" sz="3600" b="1" dirty="0"/>
           </a:p>
@@ -10972,8 +11839,8 @@
         </p:blipFill>
         <p:spPr>
           <a:xfrm>
-            <a:off x="1986829" y="1058462"/>
-            <a:ext cx="8411079" cy="5280368"/>
+            <a:off x="1796581" y="2077055"/>
+            <a:ext cx="8791575" cy="4524375"/>
           </a:xfrm>
           <a:prstGeom prst="rect">
             <a:avLst/>
@@ -10988,15 +11855,15 @@
         </p:nvSpPr>
         <p:spPr>
           <a:xfrm>
-            <a:off x="4301908" y="6428232"/>
-            <a:ext cx="6096000" cy="276999"/>
+            <a:off x="684749" y="6462930"/>
+            <a:ext cx="11015238" cy="276999"/>
           </a:xfrm>
           <a:prstGeom prst="rect">
             <a:avLst/>
           </a:prstGeom>
         </p:spPr>
         <p:txBody>
-          <a:bodyPr>
+          <a:bodyPr wrap="square">
             <a:spAutoFit/>
           </a:bodyPr>
           <a:lstStyle/>
@@ -11005,20 +11872,19 @@
               <a:rPr lang="ko-KR" altLang="en-US" sz="1200" dirty="0">
                 <a:hlinkClick r:id="rId3"/>
               </a:rPr>
-              <a:t>https://msdn.microsoft.com/en-us/library/windows/desktop/jj841212(v=vs.85).aspx</a:t>
+              <a:t>https://blogs.technet.microsoft.com/wincat/2012/12/05/fast-tcp-loopback-performance-and-low-latency-with-windows-server-2012-tcp-loopback-fast-path/</a:t>
             </a:r>
             <a:r>
               <a:rPr lang="ko-KR" altLang="en-US" sz="1200" dirty="0"/>
               <a:t> </a:t>
             </a:r>
-            <a:endParaRPr lang="ko-KR" altLang="en-US" sz="1200" dirty="0"/>
           </a:p>
         </p:txBody>
       </p:sp>
     </p:spTree>
     <p:extLst>
       <p:ext uri="{BB962C8B-B14F-4D97-AF65-F5344CB8AC3E}">
-        <p14:creationId xmlns:p14="http://schemas.microsoft.com/office/powerpoint/2010/main" val="29494011"/>
+        <p14:creationId xmlns:p14="http://schemas.microsoft.com/office/powerpoint/2010/main" val="1873475471"/>
       </p:ext>
     </p:extLst>
   </p:cSld>
@@ -11045,21 +11911,323 @@
           <a:chExt cx="0" cy="0"/>
         </a:xfrm>
       </p:grpSpPr>
-      <p:sp>
-        <p:nvSpPr>
-          <p:cNvPr id="2" name="TextBox 1"/>
-          <p:cNvSpPr txBox="1"/>
+      <p:pic>
+        <p:nvPicPr>
+          <p:cNvPr id="3" name="그림 2"/>
+          <p:cNvPicPr>
+            <a:picLocks noChangeAspect="1"/>
+          </p:cNvPicPr>
           <p:nvPr/>
-        </p:nvSpPr>
+        </p:nvPicPr>
+        <p:blipFill>
+          <a:blip r:embed="rId2"/>
+          <a:stretch>
+            <a:fillRect/>
+          </a:stretch>
+        </p:blipFill>
         <p:spPr>
           <a:xfrm>
-            <a:off x="551328" y="322729"/>
-            <a:ext cx="11282083" cy="646331"/>
+            <a:off x="1765217" y="360341"/>
+            <a:ext cx="9077423" cy="6200775"/>
+          </a:xfrm>
+          <a:prstGeom prst="rect">
+            <a:avLst/>
+          </a:prstGeom>
+        </p:spPr>
+      </p:pic>
+    </p:spTree>
+    <p:extLst>
+      <p:ext uri="{BB962C8B-B14F-4D97-AF65-F5344CB8AC3E}">
+        <p14:creationId xmlns:p14="http://schemas.microsoft.com/office/powerpoint/2010/main" val="3075968608"/>
+      </p:ext>
+    </p:extLst>
+  </p:cSld>
+  <p:clrMapOvr>
+    <a:masterClrMapping/>
+  </p:clrMapOvr>
+</p:sld>
+</file>
+
+<file path=ppt/slides/slide4.xml><?xml version="1.0" encoding="utf-8"?>
+<p:sld xmlns:a="http://schemas.openxmlformats.org/drawingml/2006/main" xmlns:r="http://schemas.openxmlformats.org/officeDocument/2006/relationships" xmlns:p="http://schemas.openxmlformats.org/presentationml/2006/main">
+  <p:cSld>
+    <p:spTree>
+      <p:nvGrpSpPr>
+        <p:cNvPr id="1" name=""/>
+        <p:cNvGrpSpPr/>
+        <p:nvPr/>
+      </p:nvGrpSpPr>
+      <p:grpSpPr>
+        <a:xfrm>
+          <a:off x="0" y="0"/>
+          <a:ext cx="0" cy="0"/>
+          <a:chOff x="0" y="0"/>
+          <a:chExt cx="0" cy="0"/>
+        </a:xfrm>
+      </p:grpSpPr>
+      <p:pic>
+        <p:nvPicPr>
+          <p:cNvPr id="2050" name="Picture 2" descr="windows vista에 대한 이미지 검색결과"/>
+          <p:cNvPicPr>
+            <a:picLocks noChangeAspect="1" noChangeArrowheads="1"/>
+          </p:cNvPicPr>
+          <p:nvPr/>
+        </p:nvPicPr>
+        <p:blipFill>
+          <a:blip r:embed="rId2">
+            <a:extLst>
+              <a:ext uri="{28A0092B-C50C-407E-A947-70E740481C1C}">
+                <a14:useLocalDpi xmlns:a14="http://schemas.microsoft.com/office/drawing/2010/main" val="0"/>
+              </a:ext>
+            </a:extLst>
+          </a:blip>
+          <a:srcRect/>
+          <a:stretch>
+            <a:fillRect/>
+          </a:stretch>
+        </p:blipFill>
+        <p:spPr bwMode="auto">
+          <a:xfrm>
+            <a:off x="756620" y="646031"/>
+            <a:ext cx="4919048" cy="2769548"/>
           </a:xfrm>
           <a:prstGeom prst="rect">
             <a:avLst/>
           </a:prstGeom>
           <a:noFill/>
+          <a:extLst>
+            <a:ext uri="{909E8E84-426E-40DD-AFC4-6F175D3DCCD1}">
+              <a14:hiddenFill xmlns:a14="http://schemas.microsoft.com/office/drawing/2010/main">
+                <a:solidFill>
+                  <a:srgbClr val="FFFFFF"/>
+                </a:solidFill>
+              </a14:hiddenFill>
+            </a:ext>
+          </a:extLst>
+        </p:spPr>
+      </p:pic>
+      <p:pic>
+        <p:nvPicPr>
+          <p:cNvPr id="2054" name="Picture 6" descr="windows 7에 대한 이미지 검색결과"/>
+          <p:cNvPicPr>
+            <a:picLocks noChangeAspect="1" noChangeArrowheads="1"/>
+          </p:cNvPicPr>
+          <p:nvPr/>
+        </p:nvPicPr>
+        <p:blipFill>
+          <a:blip r:embed="rId3">
+            <a:extLst>
+              <a:ext uri="{28A0092B-C50C-407E-A947-70E740481C1C}">
+                <a14:useLocalDpi xmlns:a14="http://schemas.microsoft.com/office/drawing/2010/main" val="0"/>
+              </a:ext>
+            </a:extLst>
+          </a:blip>
+          <a:srcRect/>
+          <a:stretch>
+            <a:fillRect/>
+          </a:stretch>
+        </p:blipFill>
+        <p:spPr bwMode="auto">
+          <a:xfrm>
+            <a:off x="6066312" y="646031"/>
+            <a:ext cx="5539096" cy="2769548"/>
+          </a:xfrm>
+          <a:prstGeom prst="rect">
+            <a:avLst/>
+          </a:prstGeom>
+          <a:noFill/>
+          <a:extLst>
+            <a:ext uri="{909E8E84-426E-40DD-AFC4-6F175D3DCCD1}">
+              <a14:hiddenFill xmlns:a14="http://schemas.microsoft.com/office/drawing/2010/main">
+                <a:solidFill>
+                  <a:srgbClr val="FFFFFF"/>
+                </a:solidFill>
+              </a14:hiddenFill>
+            </a:ext>
+          </a:extLst>
+        </p:spPr>
+      </p:pic>
+      <p:pic>
+        <p:nvPicPr>
+          <p:cNvPr id="2056" name="Picture 8" descr="windows 8에 대한 이미지 검색결과"/>
+          <p:cNvPicPr>
+            <a:picLocks noChangeAspect="1" noChangeArrowheads="1"/>
+          </p:cNvPicPr>
+          <p:nvPr/>
+        </p:nvPicPr>
+        <p:blipFill>
+          <a:blip r:embed="rId4">
+            <a:extLst>
+              <a:ext uri="{28A0092B-C50C-407E-A947-70E740481C1C}">
+                <a14:useLocalDpi xmlns:a14="http://schemas.microsoft.com/office/drawing/2010/main" val="0"/>
+              </a:ext>
+            </a:extLst>
+          </a:blip>
+          <a:srcRect/>
+          <a:stretch>
+            <a:fillRect/>
+          </a:stretch>
+        </p:blipFill>
+        <p:spPr bwMode="auto">
+          <a:xfrm>
+            <a:off x="756620" y="3649066"/>
+            <a:ext cx="4919048" cy="2766965"/>
+          </a:xfrm>
+          <a:prstGeom prst="rect">
+            <a:avLst/>
+          </a:prstGeom>
+          <a:noFill/>
+          <a:extLst>
+            <a:ext uri="{909E8E84-426E-40DD-AFC4-6F175D3DCCD1}">
+              <a14:hiddenFill xmlns:a14="http://schemas.microsoft.com/office/drawing/2010/main">
+                <a:solidFill>
+                  <a:srgbClr val="FFFFFF"/>
+                </a:solidFill>
+              </a14:hiddenFill>
+            </a:ext>
+          </a:extLst>
+        </p:spPr>
+      </p:pic>
+      <p:pic>
+        <p:nvPicPr>
+          <p:cNvPr id="2060" name="Picture 12" descr="windows 10에 대한 이미지 검색결과"/>
+          <p:cNvPicPr>
+            <a:picLocks noChangeAspect="1" noChangeArrowheads="1"/>
+          </p:cNvPicPr>
+          <p:nvPr/>
+        </p:nvPicPr>
+        <p:blipFill>
+          <a:blip r:embed="rId5">
+            <a:extLst>
+              <a:ext uri="{28A0092B-C50C-407E-A947-70E740481C1C}">
+                <a14:useLocalDpi xmlns:a14="http://schemas.microsoft.com/office/drawing/2010/main" val="0"/>
+              </a:ext>
+            </a:extLst>
+          </a:blip>
+          <a:srcRect/>
+          <a:stretch>
+            <a:fillRect/>
+          </a:stretch>
+        </p:blipFill>
+        <p:spPr bwMode="auto">
+          <a:xfrm>
+            <a:off x="6066312" y="3649067"/>
+            <a:ext cx="5539096" cy="2748508"/>
+          </a:xfrm>
+          <a:prstGeom prst="rect">
+            <a:avLst/>
+          </a:prstGeom>
+          <a:noFill/>
+          <a:extLst>
+            <a:ext uri="{909E8E84-426E-40DD-AFC4-6F175D3DCCD1}">
+              <a14:hiddenFill xmlns:a14="http://schemas.microsoft.com/office/drawing/2010/main">
+                <a:solidFill>
+                  <a:srgbClr val="FFFFFF"/>
+                </a:solidFill>
+              </a14:hiddenFill>
+            </a:ext>
+          </a:extLst>
+        </p:spPr>
+      </p:pic>
+    </p:spTree>
+    <p:extLst>
+      <p:ext uri="{BB962C8B-B14F-4D97-AF65-F5344CB8AC3E}">
+        <p14:creationId xmlns:p14="http://schemas.microsoft.com/office/powerpoint/2010/main" val="1395254303"/>
+      </p:ext>
+    </p:extLst>
+  </p:cSld>
+  <p:clrMapOvr>
+    <a:masterClrMapping/>
+  </p:clrMapOvr>
+</p:sld>
+</file>
+
+<file path=ppt/slides/slide40.xml><?xml version="1.0" encoding="utf-8"?>
+<p:sld xmlns:a="http://schemas.openxmlformats.org/drawingml/2006/main" xmlns:r="http://schemas.openxmlformats.org/officeDocument/2006/relationships" xmlns:p="http://schemas.openxmlformats.org/presentationml/2006/main">
+  <p:cSld>
+    <p:spTree>
+      <p:nvGrpSpPr>
+        <p:cNvPr id="1" name=""/>
+        <p:cNvGrpSpPr/>
+        <p:nvPr/>
+      </p:nvGrpSpPr>
+      <p:grpSpPr>
+        <a:xfrm>
+          <a:off x="0" y="0"/>
+          <a:ext cx="0" cy="0"/>
+          <a:chOff x="0" y="0"/>
+          <a:chExt cx="0" cy="0"/>
+        </a:xfrm>
+      </p:grpSpPr>
+      <p:pic>
+        <p:nvPicPr>
+          <p:cNvPr id="2" name="그림 1"/>
+          <p:cNvPicPr>
+            <a:picLocks noChangeAspect="1"/>
+          </p:cNvPicPr>
+          <p:nvPr/>
+        </p:nvPicPr>
+        <p:blipFill>
+          <a:blip r:embed="rId2"/>
+          <a:stretch>
+            <a:fillRect/>
+          </a:stretch>
+        </p:blipFill>
+        <p:spPr>
+          <a:xfrm>
+            <a:off x="2461285" y="636938"/>
+            <a:ext cx="6978304" cy="5336350"/>
+          </a:xfrm>
+          <a:prstGeom prst="rect">
+            <a:avLst/>
+          </a:prstGeom>
+        </p:spPr>
+      </p:pic>
+    </p:spTree>
+    <p:extLst>
+      <p:ext uri="{BB962C8B-B14F-4D97-AF65-F5344CB8AC3E}">
+        <p14:creationId xmlns:p14="http://schemas.microsoft.com/office/powerpoint/2010/main" val="2367002039"/>
+      </p:ext>
+    </p:extLst>
+  </p:cSld>
+  <p:clrMapOvr>
+    <a:masterClrMapping/>
+  </p:clrMapOvr>
+</p:sld>
+</file>
+
+<file path=ppt/slides/slide41.xml><?xml version="1.0" encoding="utf-8"?>
+<p:sld xmlns:a="http://schemas.openxmlformats.org/drawingml/2006/main" xmlns:r="http://schemas.openxmlformats.org/officeDocument/2006/relationships" xmlns:p="http://schemas.openxmlformats.org/presentationml/2006/main">
+  <p:cSld>
+    <p:spTree>
+      <p:nvGrpSpPr>
+        <p:cNvPr id="1" name=""/>
+        <p:cNvGrpSpPr/>
+        <p:nvPr/>
+      </p:nvGrpSpPr>
+      <p:grpSpPr>
+        <a:xfrm>
+          <a:off x="0" y="0"/>
+          <a:ext cx="0" cy="0"/>
+          <a:chOff x="0" y="0"/>
+          <a:chExt cx="0" cy="0"/>
+        </a:xfrm>
+      </p:grpSpPr>
+      <p:sp>
+        <p:nvSpPr>
+          <p:cNvPr id="2" name="TextBox 1"/>
+          <p:cNvSpPr txBox="1"/>
+          <p:nvPr/>
+        </p:nvSpPr>
+        <p:spPr>
+          <a:xfrm>
+            <a:off x="551328" y="322729"/>
+            <a:ext cx="11282083" cy="646331"/>
+          </a:xfrm>
+          <a:prstGeom prst="rect">
+            <a:avLst/>
+          </a:prstGeom>
+          <a:noFill/>
         </p:spPr>
         <p:txBody>
           <a:bodyPr wrap="square" rtlCol="0">
@@ -11069,6 +12237,124 @@
           <a:p>
             <a:r>
               <a:rPr lang="en-US" altLang="ko-KR" sz="3600" b="1" dirty="0"/>
+              <a:t>MSDN</a:t>
+            </a:r>
+            <a:endParaRPr lang="ko-KR" altLang="en-US" sz="3600" b="1" dirty="0"/>
+          </a:p>
+        </p:txBody>
+      </p:sp>
+      <p:pic>
+        <p:nvPicPr>
+          <p:cNvPr id="3" name="그림 2"/>
+          <p:cNvPicPr>
+            <a:picLocks noChangeAspect="1"/>
+          </p:cNvPicPr>
+          <p:nvPr/>
+        </p:nvPicPr>
+        <p:blipFill>
+          <a:blip r:embed="rId2"/>
+          <a:stretch>
+            <a:fillRect/>
+          </a:stretch>
+        </p:blipFill>
+        <p:spPr>
+          <a:xfrm>
+            <a:off x="1986829" y="1058462"/>
+            <a:ext cx="8411079" cy="5280368"/>
+          </a:xfrm>
+          <a:prstGeom prst="rect">
+            <a:avLst/>
+          </a:prstGeom>
+        </p:spPr>
+      </p:pic>
+      <p:sp>
+        <p:nvSpPr>
+          <p:cNvPr id="4" name="직사각형 3"/>
+          <p:cNvSpPr/>
+          <p:nvPr/>
+        </p:nvSpPr>
+        <p:spPr>
+          <a:xfrm>
+            <a:off x="4301908" y="6428232"/>
+            <a:ext cx="6096000" cy="276999"/>
+          </a:xfrm>
+          <a:prstGeom prst="rect">
+            <a:avLst/>
+          </a:prstGeom>
+        </p:spPr>
+        <p:txBody>
+          <a:bodyPr>
+            <a:spAutoFit/>
+          </a:bodyPr>
+          <a:lstStyle/>
+          <a:p>
+            <a:r>
+              <a:rPr lang="ko-KR" altLang="en-US" sz="1200" dirty="0">
+                <a:hlinkClick r:id="rId3"/>
+              </a:rPr>
+              <a:t>https://msdn.microsoft.com/en-us/library/windows/desktop/jj841212(v=vs.85).aspx</a:t>
+            </a:r>
+            <a:r>
+              <a:rPr lang="ko-KR" altLang="en-US" sz="1200" dirty="0"/>
+              <a:t> </a:t>
+            </a:r>
+          </a:p>
+        </p:txBody>
+      </p:sp>
+    </p:spTree>
+    <p:extLst>
+      <p:ext uri="{BB962C8B-B14F-4D97-AF65-F5344CB8AC3E}">
+        <p14:creationId xmlns:p14="http://schemas.microsoft.com/office/powerpoint/2010/main" val="29494011"/>
+      </p:ext>
+    </p:extLst>
+  </p:cSld>
+  <p:clrMapOvr>
+    <a:masterClrMapping/>
+  </p:clrMapOvr>
+</p:sld>
+</file>
+
+<file path=ppt/slides/slide42.xml><?xml version="1.0" encoding="utf-8"?>
+<p:sld xmlns:a="http://schemas.openxmlformats.org/drawingml/2006/main" xmlns:r="http://schemas.openxmlformats.org/officeDocument/2006/relationships" xmlns:p="http://schemas.openxmlformats.org/presentationml/2006/main">
+  <p:cSld>
+    <p:spTree>
+      <p:nvGrpSpPr>
+        <p:cNvPr id="1" name=""/>
+        <p:cNvGrpSpPr/>
+        <p:nvPr/>
+      </p:nvGrpSpPr>
+      <p:grpSpPr>
+        <a:xfrm>
+          <a:off x="0" y="0"/>
+          <a:ext cx="0" cy="0"/>
+          <a:chOff x="0" y="0"/>
+          <a:chExt cx="0" cy="0"/>
+        </a:xfrm>
+      </p:grpSpPr>
+      <p:sp>
+        <p:nvSpPr>
+          <p:cNvPr id="2" name="TextBox 1"/>
+          <p:cNvSpPr txBox="1"/>
+          <p:nvPr/>
+        </p:nvSpPr>
+        <p:spPr>
+          <a:xfrm>
+            <a:off x="551328" y="322729"/>
+            <a:ext cx="11282083" cy="646331"/>
+          </a:xfrm>
+          <a:prstGeom prst="rect">
+            <a:avLst/>
+          </a:prstGeom>
+          <a:noFill/>
+        </p:spPr>
+        <p:txBody>
+          <a:bodyPr wrap="square" rtlCol="0">
+            <a:spAutoFit/>
+          </a:bodyPr>
+          <a:lstStyle/>
+          <a:p>
+            <a:r>
+              <a:rPr lang="en-US" altLang="ko-KR" sz="3600" b="1" dirty="0"/>
               <a:t>Python</a:t>
             </a:r>
             <a:r>
@@ -11177,7 +12463,6 @@
               <a:rPr lang="ko-KR" altLang="en-US" sz="1200" dirty="0"/>
               <a:t> </a:t>
             </a:r>
-            <a:endParaRPr lang="ko-KR" altLang="en-US" sz="1200" dirty="0"/>
           </a:p>
         </p:txBody>
       </p:sp>
@@ -11218,7 +12503,203 @@
 </p:sld>
 </file>
 
-<file path=ppt/slides/slide4.xml><?xml version="1.0" encoding="utf-8"?>
+<file path=ppt/slides/slide43.xml><?xml version="1.0" encoding="utf-8"?>
+<p:sld xmlns:a="http://schemas.openxmlformats.org/drawingml/2006/main" xmlns:r="http://schemas.openxmlformats.org/officeDocument/2006/relationships" xmlns:p="http://schemas.openxmlformats.org/presentationml/2006/main">
+  <p:cSld>
+    <p:spTree>
+      <p:nvGrpSpPr>
+        <p:cNvPr id="1" name=""/>
+        <p:cNvGrpSpPr/>
+        <p:nvPr/>
+      </p:nvGrpSpPr>
+      <p:grpSpPr>
+        <a:xfrm>
+          <a:off x="0" y="0"/>
+          <a:ext cx="0" cy="0"/>
+          <a:chOff x="0" y="0"/>
+          <a:chExt cx="0" cy="0"/>
+        </a:xfrm>
+      </p:grpSpPr>
+      <p:pic>
+        <p:nvPicPr>
+          <p:cNvPr id="4098" name="Picture 2" descr="질문에 대한 이미지 검색결과"/>
+          <p:cNvPicPr>
+            <a:picLocks noChangeAspect="1" noChangeArrowheads="1"/>
+          </p:cNvPicPr>
+          <p:nvPr/>
+        </p:nvPicPr>
+        <p:blipFill>
+          <a:blip r:embed="rId2">
+            <a:extLst>
+              <a:ext uri="{28A0092B-C50C-407E-A947-70E740481C1C}">
+                <a14:useLocalDpi xmlns:a14="http://schemas.microsoft.com/office/drawing/2010/main" val="0"/>
+              </a:ext>
+            </a:extLst>
+          </a:blip>
+          <a:srcRect/>
+          <a:stretch>
+            <a:fillRect/>
+          </a:stretch>
+        </p:blipFill>
+        <p:spPr bwMode="auto">
+          <a:xfrm>
+            <a:off x="0" y="510639"/>
+            <a:ext cx="12215091" cy="5735782"/>
+          </a:xfrm>
+          <a:prstGeom prst="rect">
+            <a:avLst/>
+          </a:prstGeom>
+          <a:noFill/>
+          <a:extLst>
+            <a:ext uri="{909E8E84-426E-40DD-AFC4-6F175D3DCCD1}">
+              <a14:hiddenFill xmlns:a14="http://schemas.microsoft.com/office/drawing/2010/main">
+                <a:solidFill>
+                  <a:srgbClr val="FFFFFF"/>
+                </a:solidFill>
+              </a14:hiddenFill>
+            </a:ext>
+          </a:extLst>
+        </p:spPr>
+      </p:pic>
+    </p:spTree>
+    <p:extLst>
+      <p:ext uri="{BB962C8B-B14F-4D97-AF65-F5344CB8AC3E}">
+        <p14:creationId xmlns:p14="http://schemas.microsoft.com/office/powerpoint/2010/main" val="117595690"/>
+      </p:ext>
+    </p:extLst>
+  </p:cSld>
+  <p:clrMapOvr>
+    <a:masterClrMapping/>
+  </p:clrMapOvr>
+</p:sld>
+</file>
+
+<file path=ppt/slides/slide5.xml><?xml version="1.0" encoding="utf-8"?>
+<p:sld xmlns:a="http://schemas.openxmlformats.org/drawingml/2006/main" xmlns:r="http://schemas.openxmlformats.org/officeDocument/2006/relationships" xmlns:p="http://schemas.openxmlformats.org/presentationml/2006/main">
+  <p:cSld>
+    <p:spTree>
+      <p:nvGrpSpPr>
+        <p:cNvPr id="1" name=""/>
+        <p:cNvGrpSpPr/>
+        <p:nvPr/>
+      </p:nvGrpSpPr>
+      <p:grpSpPr>
+        <a:xfrm>
+          <a:off x="0" y="0"/>
+          <a:ext cx="0" cy="0"/>
+          <a:chOff x="0" y="0"/>
+          <a:chExt cx="0" cy="0"/>
+        </a:xfrm>
+      </p:grpSpPr>
+      <p:pic>
+        <p:nvPicPr>
+          <p:cNvPr id="1026" name="Picture 2" descr="linux ms에 대한 이미지 검색결과"/>
+          <p:cNvPicPr>
+            <a:picLocks noChangeAspect="1" noChangeArrowheads="1"/>
+          </p:cNvPicPr>
+          <p:nvPr/>
+        </p:nvPicPr>
+        <p:blipFill>
+          <a:blip r:embed="rId2">
+            <a:extLst>
+              <a:ext uri="{28A0092B-C50C-407E-A947-70E740481C1C}">
+                <a14:useLocalDpi xmlns:a14="http://schemas.microsoft.com/office/drawing/2010/main" val="0"/>
+              </a:ext>
+            </a:extLst>
+          </a:blip>
+          <a:srcRect/>
+          <a:stretch>
+            <a:fillRect/>
+          </a:stretch>
+        </p:blipFill>
+        <p:spPr bwMode="auto">
+          <a:xfrm>
+            <a:off x="-1" y="0"/>
+            <a:ext cx="12191999" cy="6858000"/>
+          </a:xfrm>
+          <a:prstGeom prst="rect">
+            <a:avLst/>
+          </a:prstGeom>
+          <a:noFill/>
+          <a:extLst>
+            <a:ext uri="{909E8E84-426E-40DD-AFC4-6F175D3DCCD1}">
+              <a14:hiddenFill xmlns:a14="http://schemas.microsoft.com/office/drawing/2010/main">
+                <a:solidFill>
+                  <a:srgbClr val="FFFFFF"/>
+                </a:solidFill>
+              </a14:hiddenFill>
+            </a:ext>
+          </a:extLst>
+        </p:spPr>
+      </p:pic>
+    </p:spTree>
+    <p:extLst>
+      <p:ext uri="{BB962C8B-B14F-4D97-AF65-F5344CB8AC3E}">
+        <p14:creationId xmlns:p14="http://schemas.microsoft.com/office/powerpoint/2010/main" val="2713476959"/>
+      </p:ext>
+    </p:extLst>
+  </p:cSld>
+  <p:clrMapOvr>
+    <a:masterClrMapping/>
+  </p:clrMapOvr>
+</p:sld>
+</file>
+
+<file path=ppt/slides/slide6.xml><?xml version="1.0" encoding="utf-8"?>
+<p:sld xmlns:a="http://schemas.openxmlformats.org/drawingml/2006/main" xmlns:r="http://schemas.openxmlformats.org/officeDocument/2006/relationships" xmlns:p="http://schemas.openxmlformats.org/presentationml/2006/main">
+  <p:cSld>
+    <p:spTree>
+      <p:nvGrpSpPr>
+        <p:cNvPr id="1" name=""/>
+        <p:cNvGrpSpPr/>
+        <p:nvPr/>
+      </p:nvGrpSpPr>
+      <p:grpSpPr>
+        <a:xfrm>
+          <a:off x="0" y="0"/>
+          <a:ext cx="0" cy="0"/>
+          <a:chOff x="0" y="0"/>
+          <a:chExt cx="0" cy="0"/>
+        </a:xfrm>
+      </p:grpSpPr>
+      <p:pic>
+        <p:nvPicPr>
+          <p:cNvPr id="2" name="그림 1"/>
+          <p:cNvPicPr>
+            <a:picLocks noChangeAspect="1"/>
+          </p:cNvPicPr>
+          <p:nvPr/>
+        </p:nvPicPr>
+        <p:blipFill>
+          <a:blip r:embed="rId3"/>
+          <a:stretch>
+            <a:fillRect/>
+          </a:stretch>
+        </p:blipFill>
+        <p:spPr>
+          <a:xfrm>
+            <a:off x="59378" y="586552"/>
+            <a:ext cx="12061372" cy="5747138"/>
+          </a:xfrm>
+          <a:prstGeom prst="rect">
+            <a:avLst/>
+          </a:prstGeom>
+        </p:spPr>
+      </p:pic>
+    </p:spTree>
+    <p:extLst>
+      <p:ext uri="{BB962C8B-B14F-4D97-AF65-F5344CB8AC3E}">
+        <p14:creationId xmlns:p14="http://schemas.microsoft.com/office/powerpoint/2010/main" val="1077644727"/>
+      </p:ext>
+    </p:extLst>
+  </p:cSld>
+  <p:clrMapOvr>
+    <a:masterClrMapping/>
+  </p:clrMapOvr>
+</p:sld>
+</file>
+
+<file path=ppt/slides/slide7.xml><?xml version="1.0" encoding="utf-8"?>
 <p:sld xmlns:a="http://schemas.openxmlformats.org/drawingml/2006/main" xmlns:r="http://schemas.openxmlformats.org/officeDocument/2006/relationships" xmlns:p="http://schemas.openxmlformats.org/presentationml/2006/main">
   <p:cSld>
     <p:spTree>
@@ -11425,67 +12906,7 @@
 </p:sld>
 </file>
 
-<file path=ppt/slides/slide40.xml><?xml version="1.0" encoding="utf-8"?>
-<p:sld xmlns:a="http://schemas.openxmlformats.org/drawingml/2006/main" xmlns:r="http://schemas.openxmlformats.org/officeDocument/2006/relationships" xmlns:p="http://schemas.openxmlformats.org/presentationml/2006/main">
-  <p:cSld>
-    <p:spTree>
-      <p:nvGrpSpPr>
-        <p:cNvPr id="1" name=""/>
-        <p:cNvGrpSpPr/>
-        <p:nvPr/>
-      </p:nvGrpSpPr>
-      <p:grpSpPr>
-        <a:xfrm>
-          <a:off x="0" y="0"/>
-          <a:ext cx="0" cy="0"/>
-          <a:chOff x="0" y="0"/>
-          <a:chExt cx="0" cy="0"/>
-        </a:xfrm>
-      </p:grpSpPr>
-      <p:sp>
-        <p:nvSpPr>
-          <p:cNvPr id="2" name="TextBox 1"/>
-          <p:cNvSpPr txBox="1"/>
-          <p:nvPr/>
-        </p:nvSpPr>
-        <p:spPr>
-          <a:xfrm>
-            <a:off x="551328" y="322729"/>
-            <a:ext cx="11282083" cy="646331"/>
-          </a:xfrm>
-          <a:prstGeom prst="rect">
-            <a:avLst/>
-          </a:prstGeom>
-          <a:noFill/>
-        </p:spPr>
-        <p:txBody>
-          <a:bodyPr wrap="square" rtlCol="0">
-            <a:spAutoFit/>
-          </a:bodyPr>
-          <a:lstStyle/>
-          <a:p>
-            <a:r>
-              <a:rPr lang="en-US" altLang="ko-KR" sz="3600" b="1" dirty="0"/>
-              <a:t>HTTP/2</a:t>
-            </a:r>
-            <a:endParaRPr lang="ko-KR" altLang="en-US" sz="3600" b="1" dirty="0"/>
-          </a:p>
-        </p:txBody>
-      </p:sp>
-    </p:spTree>
-    <p:extLst>
-      <p:ext uri="{BB962C8B-B14F-4D97-AF65-F5344CB8AC3E}">
-        <p14:creationId xmlns:p14="http://schemas.microsoft.com/office/powerpoint/2010/main" val="117595690"/>
-      </p:ext>
-    </p:extLst>
-  </p:cSld>
-  <p:clrMapOvr>
-    <a:masterClrMapping/>
-  </p:clrMapOvr>
-</p:sld>
-</file>
-
-<file path=ppt/slides/slide5.xml><?xml version="1.0" encoding="utf-8"?>
+<file path=ppt/slides/slide8.xml><?xml version="1.0" encoding="utf-8"?>
 <p:sld xmlns:a="http://schemas.openxmlformats.org/drawingml/2006/main" xmlns:r="http://schemas.openxmlformats.org/officeDocument/2006/relationships" xmlns:p="http://schemas.openxmlformats.org/presentationml/2006/main">
   <p:cSld>
     <p:spTree>
@@ -11539,675 +12960,6 @@
 </p:sld>
 </file>
 
-<file path=ppt/slides/slide6.xml><?xml version="1.0" encoding="utf-8"?>
-<p:sld xmlns:a="http://schemas.openxmlformats.org/drawingml/2006/main" xmlns:r="http://schemas.openxmlformats.org/officeDocument/2006/relationships" xmlns:p="http://schemas.openxmlformats.org/presentationml/2006/main">
-  <p:cSld>
-    <p:spTree>
-      <p:nvGrpSpPr>
-        <p:cNvPr id="1" name=""/>
-        <p:cNvGrpSpPr/>
-        <p:nvPr/>
-      </p:nvGrpSpPr>
-      <p:grpSpPr>
-        <a:xfrm>
-          <a:off x="0" y="0"/>
-          <a:ext cx="0" cy="0"/>
-          <a:chOff x="0" y="0"/>
-          <a:chExt cx="0" cy="0"/>
-        </a:xfrm>
-      </p:grpSpPr>
-      <p:sp>
-        <p:nvSpPr>
-          <p:cNvPr id="2" name="TextBox 1"/>
-          <p:cNvSpPr txBox="1"/>
-          <p:nvPr/>
-        </p:nvSpPr>
-        <p:spPr>
-          <a:xfrm>
-            <a:off x="551329" y="322729"/>
-            <a:ext cx="4074459" cy="646331"/>
-          </a:xfrm>
-          <a:prstGeom prst="rect">
-            <a:avLst/>
-          </a:prstGeom>
-          <a:noFill/>
-        </p:spPr>
-        <p:txBody>
-          <a:bodyPr wrap="square" rtlCol="0">
-            <a:spAutoFit/>
-          </a:bodyPr>
-          <a:lstStyle/>
-          <a:p>
-            <a:r>
-              <a:rPr lang="en-US" altLang="ko-KR" sz="3600" b="1" dirty="0" err="1"/>
-              <a:t>WSAPoll</a:t>
-            </a:r>
-            <a:endParaRPr lang="ko-KR" altLang="en-US" sz="3600" b="1" dirty="0"/>
-          </a:p>
-        </p:txBody>
-      </p:sp>
-      <p:sp>
-        <p:nvSpPr>
-          <p:cNvPr id="3" name="직사각형 2"/>
-          <p:cNvSpPr/>
-          <p:nvPr/>
-        </p:nvSpPr>
-        <p:spPr>
-          <a:xfrm>
-            <a:off x="654424" y="1141309"/>
-            <a:ext cx="10425952" cy="3539430"/>
-          </a:xfrm>
-          <a:prstGeom prst="rect">
-            <a:avLst/>
-          </a:prstGeom>
-        </p:spPr>
-        <p:txBody>
-          <a:bodyPr wrap="square">
-            <a:spAutoFit/>
-          </a:bodyPr>
-          <a:lstStyle/>
-          <a:p>
-            <a:pPr marL="514350" indent="-514350">
-              <a:buFont typeface="Arial" panose="020B0604020202020204" pitchFamily="34" charset="0"/>
-              <a:buChar char="•"/>
-            </a:pPr>
-            <a:r>
-              <a:rPr lang="en-US" altLang="ko-KR" sz="2800" b="1" dirty="0"/>
-              <a:t>Windows Vista</a:t>
-            </a:r>
-            <a:r>
-              <a:rPr lang="ko-KR" altLang="en-US" sz="2800" dirty="0"/>
-              <a:t>부터 새로 생긴 네트워크 </a:t>
-            </a:r>
-            <a:r>
-              <a:rPr lang="en-US" altLang="ko-KR" sz="2800" dirty="0"/>
-              <a:t>API.</a:t>
-            </a:r>
-            <a:br>
-              <a:rPr lang="en-US" altLang="ko-KR" sz="2800" dirty="0"/>
-            </a:br>
-            <a:endParaRPr lang="en-US" altLang="ko-KR" sz="2800" dirty="0"/>
-          </a:p>
-          <a:p>
-            <a:pPr marL="514350" indent="-514350">
-              <a:buFont typeface="Arial" panose="020B0604020202020204" pitchFamily="34" charset="0"/>
-              <a:buChar char="•"/>
-            </a:pPr>
-            <a:r>
-              <a:rPr lang="en-US" altLang="ko-KR" sz="2800" dirty="0"/>
-              <a:t>Linux(Unix) OS</a:t>
-            </a:r>
-            <a:r>
-              <a:rPr lang="ko-KR" altLang="en-US" sz="2800" dirty="0"/>
-              <a:t>의 </a:t>
-            </a:r>
-            <a:r>
-              <a:rPr lang="en-US" altLang="ko-KR" sz="2800" b="1" dirty="0"/>
-              <a:t>poll</a:t>
-            </a:r>
-            <a:r>
-              <a:rPr lang="ko-KR" altLang="en-US" sz="2800" dirty="0"/>
-              <a:t>과 비슷한 것이다</a:t>
-            </a:r>
-            <a:r>
-              <a:rPr lang="en-US" altLang="ko-KR" sz="2800" dirty="0"/>
-              <a:t>.</a:t>
-            </a:r>
-            <a:br>
-              <a:rPr lang="en-US" altLang="ko-KR" sz="2800" dirty="0"/>
-            </a:br>
-            <a:endParaRPr lang="ko-KR" altLang="en-US" sz="2800" dirty="0"/>
-          </a:p>
-          <a:p>
-            <a:pPr marL="514350" indent="-514350">
-              <a:buFont typeface="Arial" panose="020B0604020202020204" pitchFamily="34" charset="0"/>
-              <a:buChar char="•"/>
-            </a:pPr>
-            <a:r>
-              <a:rPr lang="ko-KR" altLang="en-US" sz="2800" dirty="0"/>
-              <a:t>복수의 파일 </a:t>
-            </a:r>
-            <a:r>
-              <a:rPr lang="ko-KR" altLang="en-US" sz="2800" dirty="0" err="1"/>
-              <a:t>디스크립터를</a:t>
-            </a:r>
-            <a:r>
-              <a:rPr lang="ko-KR" altLang="en-US" sz="2800" dirty="0"/>
-              <a:t> 감시하는 </a:t>
-            </a:r>
-            <a:r>
-              <a:rPr lang="en-US" altLang="ko-KR" sz="2800" dirty="0"/>
-              <a:t>API.</a:t>
-            </a:r>
-            <a:br>
-              <a:rPr lang="en-US" altLang="ko-KR" sz="2800" dirty="0"/>
-            </a:br>
-            <a:endParaRPr lang="en-US" altLang="ko-KR" sz="2800" dirty="0"/>
-          </a:p>
-          <a:p>
-            <a:pPr marL="514350" indent="-514350">
-              <a:buFont typeface="Arial" panose="020B0604020202020204" pitchFamily="34" charset="0"/>
-              <a:buChar char="•"/>
-            </a:pPr>
-            <a:r>
-              <a:rPr lang="ko-KR" altLang="en-US" sz="2800" dirty="0"/>
-              <a:t>지정한 소켓의 상태가 변화했는지 확인하는 기능을 제공한다</a:t>
-            </a:r>
-            <a:r>
-              <a:rPr lang="en-US" altLang="ko-KR" sz="2800" dirty="0"/>
-              <a:t>. </a:t>
-            </a:r>
-            <a:r>
-              <a:rPr lang="ko-KR" altLang="en-US" sz="2800" dirty="0"/>
-              <a:t>기능적으로는 </a:t>
-            </a:r>
-            <a:r>
-              <a:rPr lang="en-US" altLang="ko-KR" sz="2800" dirty="0"/>
-              <a:t>select</a:t>
-            </a:r>
-            <a:r>
-              <a:rPr lang="ko-KR" altLang="en-US" sz="2800" dirty="0"/>
-              <a:t>와 유사하다</a:t>
-            </a:r>
-            <a:r>
-              <a:rPr lang="en-US" altLang="ko-KR" sz="2800" dirty="0"/>
-              <a:t>.</a:t>
-            </a:r>
-            <a:endParaRPr lang="ko-KR" altLang="en-US" sz="2800" dirty="0"/>
-          </a:p>
-        </p:txBody>
-      </p:sp>
-    </p:spTree>
-    <p:extLst>
-      <p:ext uri="{BB962C8B-B14F-4D97-AF65-F5344CB8AC3E}">
-        <p14:creationId xmlns:p14="http://schemas.microsoft.com/office/powerpoint/2010/main" val="3421330507"/>
-      </p:ext>
-    </p:extLst>
-  </p:cSld>
-  <p:clrMapOvr>
-    <a:masterClrMapping/>
-  </p:clrMapOvr>
-</p:sld>
-</file>
-
-<file path=ppt/slides/slide7.xml><?xml version="1.0" encoding="utf-8"?>
-<p:sld xmlns:a="http://schemas.openxmlformats.org/drawingml/2006/main" xmlns:r="http://schemas.openxmlformats.org/officeDocument/2006/relationships" xmlns:p="http://schemas.openxmlformats.org/presentationml/2006/main">
-  <p:cSld>
-    <p:spTree>
-      <p:nvGrpSpPr>
-        <p:cNvPr id="1" name=""/>
-        <p:cNvGrpSpPr/>
-        <p:nvPr/>
-      </p:nvGrpSpPr>
-      <p:grpSpPr>
-        <a:xfrm>
-          <a:off x="0" y="0"/>
-          <a:ext cx="0" cy="0"/>
-          <a:chOff x="0" y="0"/>
-          <a:chExt cx="0" cy="0"/>
-        </a:xfrm>
-      </p:grpSpPr>
-      <p:sp>
-        <p:nvSpPr>
-          <p:cNvPr id="2" name="TextBox 1"/>
-          <p:cNvSpPr txBox="1"/>
-          <p:nvPr/>
-        </p:nvSpPr>
-        <p:spPr>
-          <a:xfrm>
-            <a:off x="551329" y="322729"/>
-            <a:ext cx="6217606" cy="646331"/>
-          </a:xfrm>
-          <a:prstGeom prst="rect">
-            <a:avLst/>
-          </a:prstGeom>
-          <a:noFill/>
-        </p:spPr>
-        <p:txBody>
-          <a:bodyPr wrap="square" rtlCol="0">
-            <a:spAutoFit/>
-          </a:bodyPr>
-          <a:lstStyle/>
-          <a:p>
-            <a:r>
-              <a:rPr lang="ko-KR" altLang="en-US" sz="3600" b="1" dirty="0"/>
-              <a:t>잠시 </a:t>
-            </a:r>
-            <a:r>
-              <a:rPr lang="en-US" altLang="ko-KR" sz="3600" b="1" dirty="0"/>
-              <a:t>Linux</a:t>
-            </a:r>
-            <a:r>
-              <a:rPr lang="ko-KR" altLang="en-US" sz="3600" b="1" dirty="0"/>
-              <a:t>의 </a:t>
-            </a:r>
-            <a:r>
-              <a:rPr lang="en-US" altLang="ko-KR" sz="3600" b="1" dirty="0"/>
-              <a:t>poll</a:t>
-            </a:r>
-            <a:r>
-              <a:rPr lang="ko-KR" altLang="en-US" sz="3600" b="1" dirty="0"/>
-              <a:t>에 대해</a:t>
-            </a:r>
-            <a:r>
-              <a:rPr lang="en-US" altLang="ko-KR" sz="3600" b="1" dirty="0"/>
-              <a:t>…</a:t>
-            </a:r>
-            <a:endParaRPr lang="ko-KR" altLang="en-US" sz="3600" b="1" dirty="0"/>
-          </a:p>
-        </p:txBody>
-      </p:sp>
-      <p:sp>
-        <p:nvSpPr>
-          <p:cNvPr id="3" name="직사각형 2"/>
-          <p:cNvSpPr/>
-          <p:nvPr/>
-        </p:nvSpPr>
-        <p:spPr>
-          <a:xfrm>
-            <a:off x="654424" y="1141309"/>
-            <a:ext cx="10425952" cy="2308324"/>
-          </a:xfrm>
-          <a:prstGeom prst="rect">
-            <a:avLst/>
-          </a:prstGeom>
-        </p:spPr>
-        <p:txBody>
-          <a:bodyPr wrap="square">
-            <a:spAutoFit/>
-          </a:bodyPr>
-          <a:lstStyle/>
-          <a:p>
-            <a:r>
-              <a:rPr lang="en-US" altLang="ko-KR" sz="2400" dirty="0"/>
-              <a:t>poll</a:t>
-            </a:r>
-            <a:r>
-              <a:rPr lang="ko-KR" altLang="en-US" sz="2400" dirty="0"/>
-              <a:t>은 거의 </a:t>
-            </a:r>
-            <a:r>
-              <a:rPr lang="en-US" altLang="ko-KR" sz="2400" dirty="0"/>
-              <a:t>select</a:t>
-            </a:r>
-            <a:r>
-              <a:rPr lang="ko-KR" altLang="en-US" sz="2400" dirty="0"/>
-              <a:t>와 비슷하지만 아래와 같은 차이가 있다</a:t>
-            </a:r>
-            <a:r>
-              <a:rPr lang="en-US" altLang="ko-KR" sz="2400" dirty="0"/>
-              <a:t>.</a:t>
-            </a:r>
-            <a:br>
-              <a:rPr lang="en-US" altLang="ko-KR" sz="2400" dirty="0"/>
-            </a:br>
-            <a:endParaRPr lang="en-US" altLang="ko-KR" sz="2400" dirty="0"/>
-          </a:p>
-          <a:p>
-            <a:r>
-              <a:rPr lang="en-US" altLang="ko-KR" sz="2400" dirty="0"/>
-              <a:t>- </a:t>
-            </a:r>
-            <a:r>
-              <a:rPr lang="ko-KR" altLang="en-US" sz="2400" dirty="0"/>
-              <a:t>관리할 수 있는 </a:t>
-            </a:r>
-            <a:r>
-              <a:rPr lang="ko-KR" altLang="en-US" sz="2400" b="1" dirty="0" err="1"/>
-              <a:t>디스크립터</a:t>
-            </a:r>
-            <a:r>
-              <a:rPr lang="en-US" altLang="ko-KR" sz="2400" b="1" dirty="0"/>
-              <a:t>(</a:t>
-            </a:r>
-            <a:r>
-              <a:rPr lang="ko-KR" altLang="en-US" sz="2400" b="1" dirty="0"/>
-              <a:t>네트워크에서는 소켓</a:t>
-            </a:r>
-            <a:r>
-              <a:rPr lang="en-US" altLang="ko-KR" sz="2400" b="1" dirty="0"/>
-              <a:t>)</a:t>
-            </a:r>
-            <a:r>
-              <a:rPr lang="ko-KR" altLang="en-US" sz="2400" b="1" dirty="0"/>
-              <a:t> 수가 무제한</a:t>
-            </a:r>
-            <a:r>
-              <a:rPr lang="ko-KR" altLang="en-US" sz="2400" dirty="0"/>
-              <a:t>이 된다</a:t>
-            </a:r>
-            <a:r>
-              <a:rPr lang="en-US" altLang="ko-KR" sz="2400" dirty="0"/>
-              <a:t>.</a:t>
-            </a:r>
-            <a:br>
-              <a:rPr lang="en-US" altLang="ko-KR" sz="2400" dirty="0"/>
-            </a:br>
-            <a:br>
-              <a:rPr lang="en-US" altLang="ko-KR" sz="2400" dirty="0"/>
-            </a:br>
-            <a:r>
-              <a:rPr lang="en-US" altLang="ko-KR" sz="2400" dirty="0"/>
-              <a:t>- poll </a:t>
-            </a:r>
-            <a:r>
-              <a:rPr lang="ko-KR" altLang="en-US" sz="2400" dirty="0"/>
-              <a:t>시스템 콜 자체를 구현하고 있는 시스템이 </a:t>
-            </a:r>
-            <a:r>
-              <a:rPr lang="en-US" altLang="ko-KR" sz="2400" dirty="0"/>
-              <a:t>select </a:t>
-            </a:r>
-            <a:r>
-              <a:rPr lang="ko-KR" altLang="en-US" sz="2400" dirty="0"/>
-              <a:t>보다 적기 때문에 </a:t>
-            </a:r>
-            <a:r>
-              <a:rPr lang="ko-KR" altLang="en-US" sz="2400" dirty="0" err="1"/>
-              <a:t>이식성</a:t>
-            </a:r>
-            <a:r>
-              <a:rPr lang="ko-KR" altLang="en-US" sz="2400" dirty="0"/>
-              <a:t> 등에 좋지 않다</a:t>
-            </a:r>
-            <a:r>
-              <a:rPr lang="en-US" altLang="ko-KR" sz="2400" dirty="0"/>
-              <a:t>(</a:t>
-            </a:r>
-            <a:r>
-              <a:rPr lang="ko-KR" altLang="en-US" sz="2400" dirty="0"/>
-              <a:t>조금 오래된 이야기</a:t>
-            </a:r>
-            <a:r>
-              <a:rPr lang="en-US" altLang="ko-KR" sz="2400" dirty="0"/>
-              <a:t>..)</a:t>
-            </a:r>
-            <a:endParaRPr lang="ko-KR" altLang="en-US" sz="2400" dirty="0"/>
-          </a:p>
-        </p:txBody>
-      </p:sp>
-    </p:spTree>
-    <p:extLst>
-      <p:ext uri="{BB962C8B-B14F-4D97-AF65-F5344CB8AC3E}">
-        <p14:creationId xmlns:p14="http://schemas.microsoft.com/office/powerpoint/2010/main" val="2165421971"/>
-      </p:ext>
-    </p:extLst>
-  </p:cSld>
-  <p:clrMapOvr>
-    <a:masterClrMapping/>
-  </p:clrMapOvr>
-</p:sld>
-</file>
-
-<file path=ppt/slides/slide8.xml><?xml version="1.0" encoding="utf-8"?>
-<p:sld xmlns:a="http://schemas.openxmlformats.org/drawingml/2006/main" xmlns:r="http://schemas.openxmlformats.org/officeDocument/2006/relationships" xmlns:p="http://schemas.openxmlformats.org/presentationml/2006/main">
-  <p:cSld>
-    <p:spTree>
-      <p:nvGrpSpPr>
-        <p:cNvPr id="1" name=""/>
-        <p:cNvGrpSpPr/>
-        <p:nvPr/>
-      </p:nvGrpSpPr>
-      <p:grpSpPr>
-        <a:xfrm>
-          <a:off x="0" y="0"/>
-          <a:ext cx="0" cy="0"/>
-          <a:chOff x="0" y="0"/>
-          <a:chExt cx="0" cy="0"/>
-        </a:xfrm>
-      </p:grpSpPr>
-      <p:sp>
-        <p:nvSpPr>
-          <p:cNvPr id="2" name="TextBox 1"/>
-          <p:cNvSpPr txBox="1"/>
-          <p:nvPr/>
-        </p:nvSpPr>
-        <p:spPr>
-          <a:xfrm>
-            <a:off x="551329" y="322729"/>
-            <a:ext cx="5683216" cy="646331"/>
-          </a:xfrm>
-          <a:prstGeom prst="rect">
-            <a:avLst/>
-          </a:prstGeom>
-          <a:noFill/>
-        </p:spPr>
-        <p:txBody>
-          <a:bodyPr wrap="square" rtlCol="0">
-            <a:spAutoFit/>
-          </a:bodyPr>
-          <a:lstStyle/>
-          <a:p>
-            <a:r>
-              <a:rPr lang="ko-KR" altLang="en-US" sz="3600" b="1" dirty="0"/>
-              <a:t>잠시 </a:t>
-            </a:r>
-            <a:r>
-              <a:rPr lang="en-US" altLang="ko-KR" sz="3600" b="1" dirty="0"/>
-              <a:t>select </a:t>
-            </a:r>
-            <a:r>
-              <a:rPr lang="ko-KR" altLang="en-US" sz="3600" b="1" dirty="0"/>
-              <a:t>에 대해서</a:t>
-            </a:r>
-            <a:r>
-              <a:rPr lang="en-US" altLang="ko-KR" sz="3600" b="1" dirty="0"/>
-              <a:t>…</a:t>
-            </a:r>
-            <a:endParaRPr lang="ko-KR" altLang="en-US" sz="3600" b="1" dirty="0"/>
-          </a:p>
-        </p:txBody>
-      </p:sp>
-      <p:sp>
-        <p:nvSpPr>
-          <p:cNvPr id="4" name="직사각형 3"/>
-          <p:cNvSpPr/>
-          <p:nvPr/>
-        </p:nvSpPr>
-        <p:spPr>
-          <a:xfrm>
-            <a:off x="551329" y="4938777"/>
-            <a:ext cx="11228993" cy="1754326"/>
-          </a:xfrm>
-          <a:prstGeom prst="rect">
-            <a:avLst/>
-          </a:prstGeom>
-        </p:spPr>
-        <p:txBody>
-          <a:bodyPr wrap="square">
-            <a:spAutoFit/>
-          </a:bodyPr>
-          <a:lstStyle/>
-          <a:p>
-            <a:r>
-              <a:rPr lang="ko-KR" altLang="en-US" sz="1200" dirty="0"/>
-              <a:t>소켓 </a:t>
-            </a:r>
-            <a:r>
-              <a:rPr lang="ko-KR" altLang="en-US" sz="1200" dirty="0" err="1"/>
-              <a:t>멀티플렉싱</a:t>
-            </a:r>
-            <a:r>
-              <a:rPr lang="ko-KR" altLang="en-US" sz="1200" dirty="0"/>
-              <a:t> 함수 </a:t>
-            </a:r>
-            <a:r>
-              <a:rPr lang="en-US" altLang="ko-KR" sz="1200" dirty="0"/>
-              <a:t>select()</a:t>
-            </a:r>
-          </a:p>
-          <a:p>
-            <a:r>
-              <a:rPr lang="en-US" altLang="ko-KR" sz="1200" dirty="0">
-                <a:hlinkClick r:id="rId2"/>
-              </a:rPr>
-              <a:t>http://eastroot1590.tistory.com/entry/%EC%86%8C%EC%BC%93-%EB%A9%80%ED%8B%B0%ED%94%8C%EB%A0%89%EC%8B%B1-%ED%95%A8%EC%88%98-select</a:t>
-            </a:r>
-            <a:endParaRPr lang="en-US" altLang="ko-KR" sz="1200" dirty="0"/>
-          </a:p>
-          <a:p>
-            <a:endParaRPr lang="en-US" altLang="ko-KR" sz="1200" dirty="0"/>
-          </a:p>
-          <a:p>
-            <a:r>
-              <a:rPr lang="ko-KR" altLang="en-US" sz="1200" dirty="0" err="1"/>
-              <a:t>Non</a:t>
-            </a:r>
-            <a:r>
-              <a:rPr lang="ko-KR" altLang="en-US" sz="1200" dirty="0"/>
-              <a:t>-Block 네트워크 프로그램 - 2 (</a:t>
-            </a:r>
-            <a:r>
-              <a:rPr lang="ko-KR" altLang="en-US" sz="1200" dirty="0" err="1"/>
-              <a:t>select</a:t>
-            </a:r>
-            <a:r>
-              <a:rPr lang="ko-KR" altLang="en-US" sz="1200" dirty="0"/>
-              <a:t> 사용하기)</a:t>
-            </a:r>
-          </a:p>
-          <a:p>
-            <a:r>
-              <a:rPr lang="ko-KR" altLang="en-US" sz="1200" dirty="0">
-                <a:hlinkClick r:id="rId3"/>
-              </a:rPr>
-              <a:t>http://blog.naver.com/cestlavie_01/220908793329</a:t>
-            </a:r>
-            <a:r>
-              <a:rPr lang="ko-KR" altLang="en-US" sz="1200" dirty="0"/>
-              <a:t> </a:t>
-            </a:r>
-          </a:p>
-          <a:p>
-            <a:endParaRPr lang="ko-KR" altLang="en-US" sz="1200" dirty="0"/>
-          </a:p>
-          <a:p>
-            <a:r>
-              <a:rPr lang="ko-KR" altLang="en-US" sz="1200" dirty="0" err="1"/>
-              <a:t>Non</a:t>
-            </a:r>
-            <a:r>
-              <a:rPr lang="ko-KR" altLang="en-US" sz="1200" dirty="0"/>
-              <a:t>-Block 네트워크 프로그램 - 3 (</a:t>
-            </a:r>
-            <a:r>
-              <a:rPr lang="ko-KR" altLang="en-US" sz="1200" dirty="0" err="1"/>
-              <a:t>select를</a:t>
-            </a:r>
-            <a:r>
-              <a:rPr lang="ko-KR" altLang="en-US" sz="1200" dirty="0"/>
-              <a:t> 이용한 </a:t>
-            </a:r>
-            <a:r>
-              <a:rPr lang="ko-KR" altLang="en-US" sz="1200" dirty="0" err="1"/>
-              <a:t>echo</a:t>
-            </a:r>
-            <a:r>
-              <a:rPr lang="ko-KR" altLang="en-US" sz="1200" dirty="0"/>
-              <a:t> </a:t>
-            </a:r>
-            <a:r>
-              <a:rPr lang="ko-KR" altLang="en-US" sz="1200" dirty="0" err="1"/>
-              <a:t>server</a:t>
-            </a:r>
-            <a:r>
-              <a:rPr lang="ko-KR" altLang="en-US" sz="1200" dirty="0"/>
-              <a:t>)</a:t>
-            </a:r>
-          </a:p>
-          <a:p>
-            <a:r>
-              <a:rPr lang="ko-KR" altLang="en-US" sz="1200" dirty="0">
-                <a:hlinkClick r:id="rId4"/>
-              </a:rPr>
-              <a:t>http://blog.naver.com/cestlavie_01/220909732913</a:t>
-            </a:r>
-            <a:r>
-              <a:rPr lang="ko-KR" altLang="en-US" sz="1200" dirty="0"/>
-              <a:t> </a:t>
-            </a:r>
-          </a:p>
-        </p:txBody>
-      </p:sp>
-      <p:pic>
-        <p:nvPicPr>
-          <p:cNvPr id="5" name="그림 4"/>
-          <p:cNvPicPr>
-            <a:picLocks noChangeAspect="1"/>
-          </p:cNvPicPr>
-          <p:nvPr/>
-        </p:nvPicPr>
-        <p:blipFill>
-          <a:blip r:embed="rId5"/>
-          <a:stretch>
-            <a:fillRect/>
-          </a:stretch>
-        </p:blipFill>
-        <p:spPr>
-          <a:xfrm>
-            <a:off x="665142" y="1260638"/>
-            <a:ext cx="10229866" cy="2147579"/>
-          </a:xfrm>
-          <a:prstGeom prst="rect">
-            <a:avLst/>
-          </a:prstGeom>
-        </p:spPr>
-      </p:pic>
-      <p:sp>
-        <p:nvSpPr>
-          <p:cNvPr id="6" name="직사각형 5"/>
-          <p:cNvSpPr/>
-          <p:nvPr/>
-        </p:nvSpPr>
-        <p:spPr>
-          <a:xfrm>
-            <a:off x="8525449" y="3453574"/>
-            <a:ext cx="2369559" cy="246221"/>
-          </a:xfrm>
-          <a:prstGeom prst="rect">
-            <a:avLst/>
-          </a:prstGeom>
-        </p:spPr>
-        <p:txBody>
-          <a:bodyPr wrap="none">
-            <a:spAutoFit/>
-          </a:bodyPr>
-          <a:lstStyle/>
-          <a:p>
-            <a:r>
-              <a:rPr lang="ko-KR" altLang="en-US" sz="1000" dirty="0"/>
-              <a:t>출처</a:t>
-            </a:r>
-            <a:r>
-              <a:rPr lang="en-US" altLang="ko-KR" sz="1000" dirty="0"/>
-              <a:t>: </a:t>
-            </a:r>
-            <a:r>
-              <a:rPr lang="ko-KR" altLang="en-US" sz="1000" dirty="0">
-                <a:hlinkClick r:id="rId6"/>
-              </a:rPr>
-              <a:t>http://downman.tistory.com/79</a:t>
-            </a:r>
-            <a:r>
-              <a:rPr lang="ko-KR" altLang="en-US" sz="1000" dirty="0"/>
-              <a:t> </a:t>
-            </a:r>
-          </a:p>
-        </p:txBody>
-      </p:sp>
-    </p:spTree>
-    <p:extLst>
-      <p:ext uri="{BB962C8B-B14F-4D97-AF65-F5344CB8AC3E}">
-        <p14:creationId xmlns:p14="http://schemas.microsoft.com/office/powerpoint/2010/main" val="572213710"/>
-      </p:ext>
-    </p:extLst>
-  </p:cSld>
-  <p:clrMapOvr>
-    <a:masterClrMapping/>
-  </p:clrMapOvr>
-</p:sld>
-</file>
-
 <file path=ppt/slides/slide9.xml><?xml version="1.0" encoding="utf-8"?>
 <p:sld xmlns:a="http://schemas.openxmlformats.org/drawingml/2006/main" xmlns:r="http://schemas.openxmlformats.org/officeDocument/2006/relationships" xmlns:p="http://schemas.openxmlformats.org/presentationml/2006/main">
   <p:cSld>
@@ -12234,7 +12986,7 @@
         <p:spPr>
           <a:xfrm>
             <a:off x="551329" y="322729"/>
-            <a:ext cx="5208203" cy="646331"/>
+            <a:ext cx="4074459" cy="646331"/>
           </a:xfrm>
           <a:prstGeom prst="rect">
             <a:avLst/>
@@ -12248,24 +13000,8 @@
           <a:lstStyle/>
           <a:p>
             <a:r>
-              <a:rPr lang="en-US" altLang="ko-KR" sz="3600" b="1" dirty="0"/>
-              <a:t>select</a:t>
-            </a:r>
-            <a:r>
-              <a:rPr lang="ko-KR" altLang="en-US" sz="3600" b="1" dirty="0"/>
-              <a:t>와 </a:t>
-            </a:r>
-            <a:r>
-              <a:rPr lang="en-US" altLang="ko-KR" sz="3600" b="1" dirty="0"/>
-              <a:t>poll</a:t>
-            </a:r>
-            <a:r>
-              <a:rPr lang="ko-KR" altLang="en-US" sz="3600" b="1" dirty="0"/>
-              <a:t>의 차이는</a:t>
-            </a:r>
-            <a:r>
-              <a:rPr lang="en-US" altLang="ko-KR" sz="3600" b="1" dirty="0"/>
-              <a:t>?</a:t>
+              <a:rPr lang="en-US" altLang="ko-KR" sz="3600" b="1" dirty="0" err="1"/>
+              <a:t>WSAPoll</a:t>
             </a:r>
             <a:endParaRPr lang="ko-KR" altLang="en-US" sz="3600" b="1" dirty="0"/>
           </a:p>
@@ -12279,8 +13015,8 @@
         </p:nvSpPr>
         <p:spPr>
           <a:xfrm>
-            <a:off x="551329" y="2033054"/>
-            <a:ext cx="10425952" cy="4893647"/>
+            <a:off x="654424" y="1141309"/>
+            <a:ext cx="10425952" cy="3539430"/>
           </a:xfrm>
           <a:prstGeom prst="rect">
             <a:avLst/>
@@ -12292,426 +13028,120 @@
           </a:bodyPr>
           <a:lstStyle/>
           <a:p>
-            <a:r>
-              <a:rPr lang="en-US" altLang="ko-KR" sz="2400" dirty="0"/>
-              <a:t>Richard Stevens(rstevens@noao.edu):</a:t>
-            </a:r>
-          </a:p>
-          <a:p>
-            <a:endParaRPr lang="en-US" altLang="ko-KR" sz="2400" dirty="0"/>
-          </a:p>
-          <a:p>
-            <a:r>
-              <a:rPr lang="ko-KR" altLang="en-US" sz="2400" dirty="0"/>
-              <a:t>기본적 차이는 </a:t>
-            </a:r>
-            <a:r>
-              <a:rPr lang="en-US" altLang="ko-KR" sz="2400" dirty="0"/>
-              <a:t>select()</a:t>
-            </a:r>
-            <a:r>
-              <a:rPr lang="ko-KR" altLang="en-US" sz="2400" dirty="0"/>
+            <a:pPr marL="514350" indent="-514350">
+              <a:buFont typeface="Arial" panose="020B0604020202020204" pitchFamily="34" charset="0"/>
+              <a:buChar char="•"/>
+            </a:pPr>
+            <a:r>
+              <a:rPr lang="en-US" altLang="ko-KR" sz="2800" b="1" dirty="0"/>
+              <a:t>Windows Vista</a:t>
+            </a:r>
+            <a:r>
+              <a:rPr lang="ko-KR" altLang="en-US" sz="2800" dirty="0"/>
+              <a:t>부터 새로 생긴 네트워크 </a:t>
+            </a:r>
+            <a:r>
+              <a:rPr lang="en-US" altLang="ko-KR" sz="2800" dirty="0"/>
+              <a:t>API.</a:t>
+            </a:r>
+            <a:br>
+              <a:rPr lang="en-US" altLang="ko-KR" sz="2800" dirty="0"/>
+            </a:br>
+            <a:endParaRPr lang="en-US" altLang="ko-KR" sz="2800" dirty="0"/>
+          </a:p>
+          <a:p>
+            <a:pPr marL="514350" indent="-514350">
+              <a:buFont typeface="Arial" panose="020B0604020202020204" pitchFamily="34" charset="0"/>
+              <a:buChar char="•"/>
+            </a:pPr>
+            <a:r>
+              <a:rPr lang="en-US" altLang="ko-KR" sz="2800" dirty="0"/>
+              <a:t>Linux(Unix) OS</a:t>
+            </a:r>
+            <a:r>
+              <a:rPr lang="ko-KR" altLang="en-US" sz="2800" dirty="0"/>
               <a:t>의 </a:t>
             </a:r>
             <a:r>
-              <a:rPr lang="en-US" altLang="ko-KR" sz="2400" dirty="0" err="1"/>
-              <a:t>fd_set</a:t>
-            </a:r>
-            <a:r>
-              <a:rPr lang="ko-KR" altLang="en-US" sz="2400" dirty="0"/>
-              <a:t>은 비트 마스크로 되어 있어서 고정 크기라는 것이다</a:t>
-            </a:r>
-            <a:r>
-              <a:rPr lang="en-US" altLang="ko-KR" sz="2400" dirty="0"/>
+              <a:rPr lang="en-US" altLang="ko-KR" sz="2800" b="1" dirty="0"/>
+              <a:t>poll</a:t>
+            </a:r>
+            <a:r>
+              <a:rPr lang="ko-KR" altLang="en-US" sz="2800" dirty="0"/>
+              <a:t>과 비슷한 것이다</a:t>
+            </a:r>
+            <a:r>
+              <a:rPr lang="en-US" altLang="ko-KR" sz="2800" dirty="0"/>
+              <a:t>.</a:t>
+            </a:r>
+            <a:br>
+              <a:rPr lang="en-US" altLang="ko-KR" sz="2800" dirty="0"/>
+            </a:br>
+            <a:endParaRPr lang="ko-KR" altLang="en-US" sz="2800" dirty="0"/>
+          </a:p>
+          <a:p>
+            <a:pPr marL="514350" indent="-514350">
+              <a:buFont typeface="Arial" panose="020B0604020202020204" pitchFamily="34" charset="0"/>
+              <a:buChar char="•"/>
+            </a:pPr>
+            <a:r>
+              <a:rPr lang="ko-KR" altLang="en-US" sz="2800" dirty="0"/>
+              <a:t>복수의 파일 </a:t>
+            </a:r>
+            <a:r>
+              <a:rPr lang="ko-KR" altLang="en-US" sz="2800" dirty="0" err="1"/>
+              <a:t>디스크립터를</a:t>
+            </a:r>
+            <a:r>
+              <a:rPr lang="ko-KR" altLang="en-US" sz="2800" dirty="0"/>
+              <a:t> 감시하는 </a:t>
+            </a:r>
+            <a:r>
+              <a:rPr lang="en-US" altLang="ko-KR" sz="2800" dirty="0"/>
+              <a:t>API.</a:t>
+            </a:r>
+            <a:br>
+              <a:rPr lang="en-US" altLang="ko-KR" sz="2800" dirty="0"/>
+            </a:br>
+            <a:endParaRPr lang="en-US" altLang="ko-KR" sz="2800" dirty="0"/>
+          </a:p>
+          <a:p>
+            <a:pPr marL="514350" indent="-514350">
+              <a:buFont typeface="Arial" panose="020B0604020202020204" pitchFamily="34" charset="0"/>
+              <a:buChar char="•"/>
+            </a:pPr>
+            <a:r>
+              <a:rPr lang="ko-KR" altLang="en-US" sz="2800" dirty="0"/>
+              <a:t>지정한 소켓의 상태가 변화했는지 확인하는 기능을 제공한다</a:t>
+            </a:r>
+            <a:r>
+              <a:rPr lang="en-US" altLang="ko-KR" sz="2800" dirty="0"/>
               <a:t>. </a:t>
             </a:r>
             <a:r>
-              <a:rPr lang="ko-KR" altLang="en-US" sz="2400" b="1" dirty="0"/>
-              <a:t>커널 컴파일 때 이 사이즈 제한을 제외하여 애플리케이션에 필요한 만큼 </a:t>
-            </a:r>
-            <a:r>
-              <a:rPr lang="en-US" altLang="ko-KR" sz="2400" b="1" dirty="0"/>
-              <a:t>FD_SETSIZE</a:t>
-            </a:r>
-            <a:r>
-              <a:rPr lang="ko-KR" altLang="en-US" sz="2400" b="1" dirty="0"/>
-              <a:t>로 정의할 수 있지만</a:t>
-            </a:r>
-            <a:r>
-              <a:rPr lang="en-US" altLang="ko-KR" sz="2400" b="1" dirty="0"/>
-              <a:t>, </a:t>
-            </a:r>
-            <a:r>
-              <a:rPr lang="ko-KR" altLang="en-US" sz="2400" b="1" dirty="0"/>
-              <a:t>많이 작업이 필요</a:t>
-            </a:r>
-            <a:r>
-              <a:rPr lang="ko-KR" altLang="en-US" sz="2400" dirty="0"/>
-              <a:t>하다</a:t>
-            </a:r>
-            <a:r>
-              <a:rPr lang="en-US" altLang="ko-KR" sz="2400" dirty="0"/>
-              <a:t>. </a:t>
-            </a:r>
-          </a:p>
-          <a:p>
-            <a:endParaRPr lang="en-US" altLang="ko-KR" sz="2400" dirty="0"/>
-          </a:p>
-          <a:p>
-            <a:r>
-              <a:rPr lang="en-US" altLang="ko-KR" sz="2400" dirty="0"/>
-              <a:t>4.4 BSD</a:t>
-            </a:r>
-            <a:r>
-              <a:rPr lang="ko-KR" altLang="en-US" sz="2400" dirty="0"/>
-              <a:t>의 커널과 </a:t>
-            </a:r>
-            <a:r>
-              <a:rPr lang="en-US" altLang="ko-KR" sz="2400" dirty="0"/>
-              <a:t>Solaris</a:t>
-            </a:r>
-            <a:r>
-              <a:rPr lang="ko-KR" altLang="en-US" sz="2400" dirty="0"/>
-              <a:t> 라이브러리 함수 양쪽에는 이 제한이 있다</a:t>
-            </a:r>
-            <a:r>
-              <a:rPr lang="en-US" altLang="ko-KR" sz="2400" dirty="0"/>
-              <a:t>. </a:t>
-            </a:r>
-            <a:r>
-              <a:rPr lang="ko-KR" altLang="en-US" sz="2400" dirty="0"/>
-              <a:t>그러나</a:t>
-            </a:r>
-            <a:r>
-              <a:rPr lang="en-US" altLang="ko-KR" sz="2400" dirty="0"/>
-              <a:t> BSD/OS 2.1</a:t>
-            </a:r>
-            <a:r>
-              <a:rPr lang="ko-KR" altLang="en-US" sz="2400" dirty="0"/>
-              <a:t>에는 이 제한을 피하도록 코딩 되어 있는 것을 찾았다</a:t>
-            </a:r>
-            <a:r>
-              <a:rPr lang="en-US" altLang="ko-KR" sz="2400" dirty="0"/>
-              <a:t>. </a:t>
-            </a:r>
-            <a:r>
-              <a:rPr lang="ko-KR" altLang="en-US" sz="2400" dirty="0"/>
-              <a:t>그래서 이것은 가능하다</a:t>
-            </a:r>
-            <a:r>
-              <a:rPr lang="en-US" altLang="ko-KR" sz="2400" dirty="0"/>
-              <a:t>. </a:t>
-            </a:r>
-          </a:p>
-          <a:p>
-            <a:endParaRPr lang="en-US" altLang="ko-KR" sz="2400" dirty="0"/>
-          </a:p>
-          <a:p>
-            <a:r>
-              <a:rPr lang="ko-KR" altLang="en-US" sz="2400" dirty="0"/>
-              <a:t>그러나 </a:t>
-            </a:r>
-            <a:r>
-              <a:rPr lang="en-US" altLang="ko-KR" sz="2400" dirty="0"/>
-              <a:t>poll()</a:t>
-            </a:r>
-            <a:r>
-              <a:rPr lang="ko-KR" altLang="en-US" sz="2400" dirty="0"/>
-              <a:t>에서는 유저는 </a:t>
-            </a:r>
-            <a:r>
-              <a:rPr lang="en-US" altLang="ko-KR" sz="2400" dirty="0" err="1"/>
-              <a:t>pollfd</a:t>
-            </a:r>
-            <a:r>
-              <a:rPr lang="en-US" altLang="ko-KR" sz="2400" dirty="0"/>
-              <a:t> </a:t>
-            </a:r>
-            <a:r>
-              <a:rPr lang="ko-KR" altLang="en-US" sz="2400" dirty="0"/>
-              <a:t>구조체 배열을 나누 맞추어야 한다</a:t>
-            </a:r>
-            <a:r>
-              <a:rPr lang="en-US" altLang="ko-KR" sz="2400" dirty="0"/>
-              <a:t>. </a:t>
-            </a:r>
-            <a:r>
-              <a:rPr lang="ko-KR" altLang="en-US" sz="2400" dirty="0"/>
-              <a:t>그리고 </a:t>
-            </a:r>
-            <a:r>
-              <a:rPr lang="ko-KR" altLang="en-US" sz="2400" b="1" dirty="0"/>
-              <a:t>이 배열의 엔트리 수를 주기 때문에 근본적으로는 상한은 없다</a:t>
-            </a:r>
-            <a:r>
-              <a:rPr lang="en-US" altLang="ko-KR" sz="2400" dirty="0"/>
-              <a:t>. </a:t>
-            </a:r>
-          </a:p>
-          <a:p>
-            <a:endParaRPr lang="en-US" altLang="ko-KR" sz="2400" dirty="0"/>
-          </a:p>
-        </p:txBody>
-      </p:sp>
-      <p:sp>
-        <p:nvSpPr>
-          <p:cNvPr id="4" name="TextBox 3"/>
-          <p:cNvSpPr txBox="1"/>
-          <p:nvPr/>
-        </p:nvSpPr>
-        <p:spPr>
-          <a:xfrm>
-            <a:off x="1805049" y="1582390"/>
-            <a:ext cx="3705102" cy="369332"/>
-          </a:xfrm>
-          <a:prstGeom prst="rect">
-            <a:avLst/>
-          </a:prstGeom>
-          <a:noFill/>
-        </p:spPr>
-        <p:txBody>
-          <a:bodyPr wrap="square" rtlCol="0">
-            <a:spAutoFit/>
-          </a:bodyPr>
-          <a:lstStyle/>
-          <a:p>
-            <a:r>
-              <a:rPr lang="ko-KR" altLang="en-US" b="1" dirty="0">
-                <a:solidFill>
-                  <a:srgbClr val="FF0000"/>
-                </a:solidFill>
-              </a:rPr>
-              <a:t>주의</a:t>
-            </a:r>
-            <a:r>
-              <a:rPr lang="en-US" altLang="ko-KR" b="1" dirty="0">
-                <a:solidFill>
-                  <a:srgbClr val="FF0000"/>
-                </a:solidFill>
-              </a:rPr>
-              <a:t>: </a:t>
-            </a:r>
-            <a:r>
-              <a:rPr lang="ko-KR" altLang="en-US" b="1" dirty="0">
-                <a:solidFill>
-                  <a:srgbClr val="FF0000"/>
-                </a:solidFill>
-              </a:rPr>
-              <a:t>좀 오래된 이야기 입니다</a:t>
-            </a:r>
-            <a:r>
-              <a:rPr lang="en-US" altLang="ko-KR" b="1" dirty="0">
-                <a:solidFill>
-                  <a:srgbClr val="FF0000"/>
-                </a:solidFill>
-              </a:rPr>
+              <a:rPr lang="ko-KR" altLang="en-US" sz="2800" dirty="0"/>
+              <a:t>기능적으로는 </a:t>
+            </a:r>
+            <a:r>
+              <a:rPr lang="en-US" altLang="ko-KR" sz="2800" dirty="0"/>
+              <a:t>select</a:t>
+            </a:r>
+            <a:r>
+              <a:rPr lang="ko-KR" altLang="en-US" sz="2800" dirty="0"/>
+              <a:t>와 유사하다</a:t>
+            </a:r>
+            <a:r>
+              <a:rPr lang="en-US" altLang="ko-KR" sz="2800" dirty="0"/>
               <a:t>.</a:t>
             </a:r>
-            <a:endParaRPr lang="ko-KR" altLang="en-US" b="1" dirty="0">
-              <a:solidFill>
-                <a:srgbClr val="FF0000"/>
-              </a:solidFill>
-            </a:endParaRPr>
-          </a:p>
-        </p:txBody>
-      </p:sp>
-      <p:sp>
-        <p:nvSpPr>
-          <p:cNvPr id="5" name="직사각형 4"/>
-          <p:cNvSpPr/>
-          <p:nvPr/>
-        </p:nvSpPr>
-        <p:spPr>
-          <a:xfrm>
-            <a:off x="551329" y="1131725"/>
-            <a:ext cx="8882743" cy="738664"/>
-          </a:xfrm>
-          <a:prstGeom prst="rect">
-            <a:avLst/>
-          </a:prstGeom>
-        </p:spPr>
-        <p:txBody>
-          <a:bodyPr wrap="square">
-            <a:spAutoFit/>
-          </a:bodyPr>
-          <a:lstStyle/>
-          <a:p>
-            <a:r>
-              <a:rPr lang="ko-KR" altLang="en-US" sz="1400" dirty="0" err="1"/>
-              <a:t>Programming</a:t>
-            </a:r>
-            <a:r>
-              <a:rPr lang="ko-KR" altLang="en-US" sz="1400" dirty="0"/>
-              <a:t> UNIX </a:t>
-            </a:r>
-            <a:r>
-              <a:rPr lang="ko-KR" altLang="en-US" sz="1400" dirty="0" err="1"/>
-              <a:t>Sockets</a:t>
-            </a:r>
-            <a:r>
-              <a:rPr lang="ko-KR" altLang="en-US" sz="1400" dirty="0"/>
-              <a:t> </a:t>
-            </a:r>
-            <a:r>
-              <a:rPr lang="ko-KR" altLang="en-US" sz="1400" dirty="0" err="1"/>
-              <a:t>in</a:t>
-            </a:r>
-            <a:r>
-              <a:rPr lang="ko-KR" altLang="en-US" sz="1400" dirty="0"/>
-              <a:t> C - </a:t>
-            </a:r>
-            <a:r>
-              <a:rPr lang="ko-KR" altLang="en-US" sz="1400" dirty="0" err="1"/>
-              <a:t>Frequently</a:t>
-            </a:r>
-            <a:r>
-              <a:rPr lang="ko-KR" altLang="en-US" sz="1400" dirty="0"/>
-              <a:t> </a:t>
-            </a:r>
-            <a:r>
-              <a:rPr lang="ko-KR" altLang="en-US" sz="1400" dirty="0" err="1"/>
-              <a:t>Asked</a:t>
-            </a:r>
-            <a:r>
-              <a:rPr lang="ko-KR" altLang="en-US" sz="1400" dirty="0"/>
-              <a:t> </a:t>
-            </a:r>
-            <a:r>
-              <a:rPr lang="ko-KR" altLang="en-US" sz="1400" dirty="0" err="1"/>
-              <a:t>Questions</a:t>
-            </a:r>
-            <a:endParaRPr lang="ko-KR" altLang="en-US" sz="1400" dirty="0"/>
-          </a:p>
-          <a:p>
-            <a:r>
-              <a:rPr lang="ko-KR" altLang="en-US" sz="1400" dirty="0" err="1"/>
-              <a:t>Created</a:t>
-            </a:r>
-            <a:r>
-              <a:rPr lang="ko-KR" altLang="en-US" sz="1400" dirty="0"/>
-              <a:t> </a:t>
-            </a:r>
-            <a:r>
-              <a:rPr lang="ko-KR" altLang="en-US" sz="1400" dirty="0" err="1"/>
-              <a:t>by</a:t>
-            </a:r>
-            <a:r>
-              <a:rPr lang="ko-KR" altLang="en-US" sz="1400" dirty="0"/>
-              <a:t> </a:t>
-            </a:r>
-            <a:r>
-              <a:rPr lang="ko-KR" altLang="en-US" sz="1400" dirty="0" err="1"/>
-              <a:t>Vic</a:t>
-            </a:r>
-            <a:r>
-              <a:rPr lang="ko-KR" altLang="en-US" sz="1400" dirty="0"/>
-              <a:t> </a:t>
-            </a:r>
-            <a:r>
-              <a:rPr lang="ko-KR" altLang="en-US" sz="1400" dirty="0" err="1"/>
-              <a:t>Metcalfe</a:t>
-            </a:r>
-            <a:r>
-              <a:rPr lang="ko-KR" altLang="en-US" sz="1400" dirty="0"/>
-              <a:t>, </a:t>
-            </a:r>
-            <a:r>
-              <a:rPr lang="ko-KR" altLang="en-US" sz="1400" dirty="0" err="1"/>
-              <a:t>Andrew</a:t>
-            </a:r>
-            <a:r>
-              <a:rPr lang="ko-KR" altLang="en-US" sz="1400" dirty="0"/>
-              <a:t> </a:t>
-            </a:r>
-            <a:r>
-              <a:rPr lang="ko-KR" altLang="en-US" sz="1400" dirty="0" err="1"/>
-              <a:t>Gierth</a:t>
-            </a:r>
-            <a:r>
-              <a:rPr lang="ko-KR" altLang="en-US" sz="1400" dirty="0"/>
-              <a:t> and </a:t>
-            </a:r>
-            <a:r>
-              <a:rPr lang="ko-KR" altLang="en-US" sz="1400" dirty="0" err="1"/>
-              <a:t>other</a:t>
-            </a:r>
-            <a:r>
-              <a:rPr lang="ko-KR" altLang="en-US" sz="1400" dirty="0"/>
-              <a:t> </a:t>
-            </a:r>
-            <a:r>
-              <a:rPr lang="ko-KR" altLang="en-US" sz="1400" dirty="0" err="1"/>
-              <a:t>contributers</a:t>
-            </a:r>
-            <a:r>
-              <a:rPr lang="ko-KR" altLang="en-US" sz="1400" dirty="0"/>
-              <a:t> (</a:t>
-            </a:r>
-            <a:r>
-              <a:rPr lang="ko-KR" altLang="en-US" sz="1400" dirty="0" err="1"/>
-              <a:t>Transrated</a:t>
-            </a:r>
-            <a:r>
-              <a:rPr lang="ko-KR" altLang="en-US" sz="1400" dirty="0"/>
-              <a:t> </a:t>
-            </a:r>
-            <a:r>
-              <a:rPr lang="ko-KR" altLang="en-US" sz="1400" dirty="0" err="1"/>
-              <a:t>into</a:t>
-            </a:r>
-            <a:r>
-              <a:rPr lang="ko-KR" altLang="en-US" sz="1400" dirty="0"/>
-              <a:t> </a:t>
-            </a:r>
-            <a:r>
-              <a:rPr lang="ko-KR" altLang="en-US" sz="1400" dirty="0" err="1"/>
-              <a:t>Japanese</a:t>
-            </a:r>
-            <a:r>
-              <a:rPr lang="ko-KR" altLang="en-US" sz="1400" dirty="0"/>
-              <a:t> </a:t>
-            </a:r>
-            <a:r>
-              <a:rPr lang="ko-KR" altLang="en-US" sz="1400" dirty="0" err="1"/>
-              <a:t>by</a:t>
-            </a:r>
-            <a:r>
-              <a:rPr lang="ko-KR" altLang="en-US" sz="1400" dirty="0"/>
-              <a:t>: </a:t>
-            </a:r>
-            <a:r>
-              <a:rPr lang="ko-KR" altLang="en-US" sz="1400" dirty="0" err="1"/>
-              <a:t>Keisuke</a:t>
-            </a:r>
-            <a:r>
-              <a:rPr lang="ko-KR" altLang="en-US" sz="1400" dirty="0"/>
-              <a:t> </a:t>
-            </a:r>
-            <a:r>
-              <a:rPr lang="ko-KR" altLang="en-US" sz="1400" dirty="0" err="1"/>
-              <a:t>Mori</a:t>
-            </a:r>
-            <a:r>
-              <a:rPr lang="ko-KR" altLang="en-US" sz="1400" dirty="0"/>
-              <a:t>)</a:t>
-            </a:r>
-          </a:p>
-          <a:p>
-            <a:r>
-              <a:rPr lang="ko-KR" altLang="en-US" sz="1400" dirty="0" err="1"/>
-              <a:t>May</a:t>
-            </a:r>
-            <a:r>
-              <a:rPr lang="ko-KR" altLang="en-US" sz="1400" dirty="0"/>
-              <a:t> 21, 1998</a:t>
-            </a:r>
+            <a:endParaRPr lang="ko-KR" altLang="en-US" sz="2800" dirty="0"/>
           </a:p>
         </p:txBody>
       </p:sp>
     </p:spTree>
     <p:extLst>
       <p:ext uri="{BB962C8B-B14F-4D97-AF65-F5344CB8AC3E}">
-        <p14:creationId xmlns:p14="http://schemas.microsoft.com/office/powerpoint/2010/main" val="1870480454"/>
+        <p14:creationId xmlns:p14="http://schemas.microsoft.com/office/powerpoint/2010/main" val="3421330507"/>
       </p:ext>
     </p:extLst>
   </p:cSld>

--- a/WSAPoll, Fast Loopback.pptx
+++ b/WSAPoll, Fast Loopback.pptx
@@ -5,55 +5,54 @@
     <p:sldMasterId id="2147483648" r:id="rId1"/>
   </p:sldMasterIdLst>
   <p:notesMasterIdLst>
-    <p:notesMasterId r:id="rId45"/>
+    <p:notesMasterId r:id="rId44"/>
   </p:notesMasterIdLst>
   <p:handoutMasterIdLst>
-    <p:handoutMasterId r:id="rId46"/>
+    <p:handoutMasterId r:id="rId45"/>
   </p:handoutMasterIdLst>
   <p:sldIdLst>
     <p:sldId id="261" r:id="rId2"/>
-    <p:sldId id="256" r:id="rId3"/>
-    <p:sldId id="326" r:id="rId4"/>
-    <p:sldId id="327" r:id="rId5"/>
-    <p:sldId id="325" r:id="rId6"/>
-    <p:sldId id="296" r:id="rId7"/>
-    <p:sldId id="295" r:id="rId8"/>
-    <p:sldId id="297" r:id="rId9"/>
-    <p:sldId id="294" r:id="rId10"/>
-    <p:sldId id="302" r:id="rId11"/>
-    <p:sldId id="303" r:id="rId12"/>
-    <p:sldId id="304" r:id="rId13"/>
-    <p:sldId id="305" r:id="rId14"/>
-    <p:sldId id="301" r:id="rId15"/>
-    <p:sldId id="287" r:id="rId16"/>
-    <p:sldId id="293" r:id="rId17"/>
-    <p:sldId id="298" r:id="rId18"/>
-    <p:sldId id="300" r:id="rId19"/>
-    <p:sldId id="299" r:id="rId20"/>
-    <p:sldId id="310" r:id="rId21"/>
-    <p:sldId id="306" r:id="rId22"/>
-    <p:sldId id="311" r:id="rId23"/>
-    <p:sldId id="312" r:id="rId24"/>
-    <p:sldId id="307" r:id="rId25"/>
-    <p:sldId id="292" r:id="rId26"/>
-    <p:sldId id="291" r:id="rId27"/>
-    <p:sldId id="308" r:id="rId28"/>
-    <p:sldId id="289" r:id="rId29"/>
-    <p:sldId id="290" r:id="rId30"/>
-    <p:sldId id="313" r:id="rId31"/>
-    <p:sldId id="314" r:id="rId32"/>
-    <p:sldId id="316" r:id="rId33"/>
-    <p:sldId id="315" r:id="rId34"/>
-    <p:sldId id="317" r:id="rId35"/>
-    <p:sldId id="319" r:id="rId36"/>
-    <p:sldId id="320" r:id="rId37"/>
-    <p:sldId id="321" r:id="rId38"/>
-    <p:sldId id="323" r:id="rId39"/>
-    <p:sldId id="288" r:id="rId40"/>
-    <p:sldId id="324" r:id="rId41"/>
-    <p:sldId id="318" r:id="rId42"/>
-    <p:sldId id="322" r:id="rId43"/>
-    <p:sldId id="309" r:id="rId44"/>
+    <p:sldId id="326" r:id="rId3"/>
+    <p:sldId id="327" r:id="rId4"/>
+    <p:sldId id="325" r:id="rId5"/>
+    <p:sldId id="296" r:id="rId6"/>
+    <p:sldId id="295" r:id="rId7"/>
+    <p:sldId id="297" r:id="rId8"/>
+    <p:sldId id="294" r:id="rId9"/>
+    <p:sldId id="302" r:id="rId10"/>
+    <p:sldId id="303" r:id="rId11"/>
+    <p:sldId id="304" r:id="rId12"/>
+    <p:sldId id="305" r:id="rId13"/>
+    <p:sldId id="301" r:id="rId14"/>
+    <p:sldId id="287" r:id="rId15"/>
+    <p:sldId id="293" r:id="rId16"/>
+    <p:sldId id="298" r:id="rId17"/>
+    <p:sldId id="300" r:id="rId18"/>
+    <p:sldId id="299" r:id="rId19"/>
+    <p:sldId id="310" r:id="rId20"/>
+    <p:sldId id="306" r:id="rId21"/>
+    <p:sldId id="311" r:id="rId22"/>
+    <p:sldId id="312" r:id="rId23"/>
+    <p:sldId id="307" r:id="rId24"/>
+    <p:sldId id="292" r:id="rId25"/>
+    <p:sldId id="291" r:id="rId26"/>
+    <p:sldId id="308" r:id="rId27"/>
+    <p:sldId id="289" r:id="rId28"/>
+    <p:sldId id="290" r:id="rId29"/>
+    <p:sldId id="313" r:id="rId30"/>
+    <p:sldId id="314" r:id="rId31"/>
+    <p:sldId id="316" r:id="rId32"/>
+    <p:sldId id="315" r:id="rId33"/>
+    <p:sldId id="317" r:id="rId34"/>
+    <p:sldId id="319" r:id="rId35"/>
+    <p:sldId id="320" r:id="rId36"/>
+    <p:sldId id="321" r:id="rId37"/>
+    <p:sldId id="323" r:id="rId38"/>
+    <p:sldId id="288" r:id="rId39"/>
+    <p:sldId id="324" r:id="rId40"/>
+    <p:sldId id="318" r:id="rId41"/>
+    <p:sldId id="322" r:id="rId42"/>
+    <p:sldId id="309" r:id="rId43"/>
   </p:sldIdLst>
   <p:sldSz cx="12192000" cy="6858000"/>
   <p:notesSz cx="6858000" cy="9144000"/>
@@ -245,7 +244,7 @@
           <a:p>
             <a:fld id="{9EF82A2F-441E-472B-91FB-0859EF4D88A2}" type="datetimeFigureOut">
               <a:rPr lang="ko-KR" altLang="en-US" smtClean="0"/>
-              <a:t>2017-02-16</a:t>
+              <a:t>2017-02-17</a:t>
             </a:fld>
             <a:endParaRPr lang="ko-KR" altLang="en-US"/>
           </a:p>
@@ -410,7 +409,7 @@
           <a:p>
             <a:fld id="{54A3E567-B29B-4C0F-B6EF-DB7C1BF73903}" type="datetimeFigureOut">
               <a:rPr lang="ko-KR" altLang="en-US" smtClean="0"/>
-              <a:t>2017-02-16</a:t>
+              <a:t>2017-02-17</a:t>
             </a:fld>
             <a:endParaRPr lang="ko-KR" altLang="en-US"/>
           </a:p>
@@ -746,7 +745,7 @@
           <a:p>
             <a:fld id="{9D72A88F-1F4A-4A98-8F7A-BDD41242B633}" type="slidenum">
               <a:rPr lang="ko-KR" altLang="en-US" smtClean="0"/>
-              <a:t>6</a:t>
+              <a:t>5</a:t>
             </a:fld>
             <a:endParaRPr lang="ko-KR" altLang="en-US"/>
           </a:p>
@@ -894,7 +893,7 @@
           <a:p>
             <a:fld id="{0627BC7C-EAB6-4A08-B129-4C556FE3167E}" type="datetimeFigureOut">
               <a:rPr lang="ko-KR" altLang="en-US" smtClean="0"/>
-              <a:t>2017-02-16</a:t>
+              <a:t>2017-02-17</a:t>
             </a:fld>
             <a:endParaRPr lang="ko-KR" altLang="en-US"/>
           </a:p>
@@ -1062,7 +1061,7 @@
           <a:p>
             <a:fld id="{0627BC7C-EAB6-4A08-B129-4C556FE3167E}" type="datetimeFigureOut">
               <a:rPr lang="ko-KR" altLang="en-US" smtClean="0"/>
-              <a:t>2017-02-16</a:t>
+              <a:t>2017-02-17</a:t>
             </a:fld>
             <a:endParaRPr lang="ko-KR" altLang="en-US"/>
           </a:p>
@@ -1240,7 +1239,7 @@
           <a:p>
             <a:fld id="{0627BC7C-EAB6-4A08-B129-4C556FE3167E}" type="datetimeFigureOut">
               <a:rPr lang="ko-KR" altLang="en-US" smtClean="0"/>
-              <a:t>2017-02-16</a:t>
+              <a:t>2017-02-17</a:t>
             </a:fld>
             <a:endParaRPr lang="ko-KR" altLang="en-US"/>
           </a:p>
@@ -1408,7 +1407,7 @@
           <a:p>
             <a:fld id="{0627BC7C-EAB6-4A08-B129-4C556FE3167E}" type="datetimeFigureOut">
               <a:rPr lang="ko-KR" altLang="en-US" smtClean="0"/>
-              <a:t>2017-02-16</a:t>
+              <a:t>2017-02-17</a:t>
             </a:fld>
             <a:endParaRPr lang="ko-KR" altLang="en-US"/>
           </a:p>
@@ -1653,7 +1652,7 @@
           <a:p>
             <a:fld id="{0627BC7C-EAB6-4A08-B129-4C556FE3167E}" type="datetimeFigureOut">
               <a:rPr lang="ko-KR" altLang="en-US" smtClean="0"/>
-              <a:t>2017-02-16</a:t>
+              <a:t>2017-02-17</a:t>
             </a:fld>
             <a:endParaRPr lang="ko-KR" altLang="en-US"/>
           </a:p>
@@ -1882,7 +1881,7 @@
           <a:p>
             <a:fld id="{0627BC7C-EAB6-4A08-B129-4C556FE3167E}" type="datetimeFigureOut">
               <a:rPr lang="ko-KR" altLang="en-US" smtClean="0"/>
-              <a:t>2017-02-16</a:t>
+              <a:t>2017-02-17</a:t>
             </a:fld>
             <a:endParaRPr lang="ko-KR" altLang="en-US"/>
           </a:p>
@@ -2246,7 +2245,7 @@
           <a:p>
             <a:fld id="{0627BC7C-EAB6-4A08-B129-4C556FE3167E}" type="datetimeFigureOut">
               <a:rPr lang="ko-KR" altLang="en-US" smtClean="0"/>
-              <a:t>2017-02-16</a:t>
+              <a:t>2017-02-17</a:t>
             </a:fld>
             <a:endParaRPr lang="ko-KR" altLang="en-US"/>
           </a:p>
@@ -2363,7 +2362,7 @@
           <a:p>
             <a:fld id="{0627BC7C-EAB6-4A08-B129-4C556FE3167E}" type="datetimeFigureOut">
               <a:rPr lang="ko-KR" altLang="en-US" smtClean="0"/>
-              <a:t>2017-02-16</a:t>
+              <a:t>2017-02-17</a:t>
             </a:fld>
             <a:endParaRPr lang="ko-KR" altLang="en-US"/>
           </a:p>
@@ -2458,7 +2457,7 @@
           <a:p>
             <a:fld id="{0627BC7C-EAB6-4A08-B129-4C556FE3167E}" type="datetimeFigureOut">
               <a:rPr lang="ko-KR" altLang="en-US" smtClean="0"/>
-              <a:t>2017-02-16</a:t>
+              <a:t>2017-02-17</a:t>
             </a:fld>
             <a:endParaRPr lang="ko-KR" altLang="en-US"/>
           </a:p>
@@ -2733,7 +2732,7 @@
           <a:p>
             <a:fld id="{0627BC7C-EAB6-4A08-B129-4C556FE3167E}" type="datetimeFigureOut">
               <a:rPr lang="ko-KR" altLang="en-US" smtClean="0"/>
-              <a:t>2017-02-16</a:t>
+              <a:t>2017-02-17</a:t>
             </a:fld>
             <a:endParaRPr lang="ko-KR" altLang="en-US"/>
           </a:p>
@@ -2985,7 +2984,7 @@
           <a:p>
             <a:fld id="{0627BC7C-EAB6-4A08-B129-4C556FE3167E}" type="datetimeFigureOut">
               <a:rPr lang="ko-KR" altLang="en-US" smtClean="0"/>
-              <a:t>2017-02-16</a:t>
+              <a:t>2017-02-17</a:t>
             </a:fld>
             <a:endParaRPr lang="ko-KR" altLang="en-US"/>
           </a:p>
@@ -3196,7 +3195,7 @@
           <a:p>
             <a:fld id="{0627BC7C-EAB6-4A08-B129-4C556FE3167E}" type="datetimeFigureOut">
               <a:rPr lang="ko-KR" altLang="en-US" smtClean="0"/>
-              <a:t>2017-02-16</a:t>
+              <a:t>2017-02-17</a:t>
             </a:fld>
             <a:endParaRPr lang="ko-KR" altLang="en-US"/>
           </a:p>
@@ -4026,7 +4025,7 @@
         <p:spPr>
           <a:xfrm>
             <a:off x="551329" y="322729"/>
-            <a:ext cx="6217606" cy="646331"/>
+            <a:ext cx="5683216" cy="646331"/>
           </a:xfrm>
           <a:prstGeom prst="rect">
             <a:avLst/>
@@ -4045,19 +4044,11 @@
             </a:r>
             <a:r>
               <a:rPr lang="en-US" altLang="ko-KR" sz="3600" b="1" dirty="0"/>
-              <a:t>Linux</a:t>
+              <a:t>select </a:t>
             </a:r>
             <a:r>
               <a:rPr lang="ko-KR" altLang="en-US" sz="3600" b="1" dirty="0"/>
-              <a:t>의 </a:t>
-            </a:r>
-            <a:r>
-              <a:rPr lang="en-US" altLang="ko-KR" sz="3600" b="1" dirty="0"/>
-              <a:t>poll</a:t>
-            </a:r>
-            <a:r>
-              <a:rPr lang="ko-KR" altLang="en-US" sz="3600" b="1" dirty="0"/>
-              <a:t>에 대해</a:t>
+              <a:t>에 대해서</a:t>
             </a:r>
             <a:r>
               <a:rPr lang="en-US" altLang="ko-KR" sz="3600" b="1" dirty="0"/>
@@ -4069,14 +4060,14 @@
       </p:sp>
       <p:sp>
         <p:nvSpPr>
-          <p:cNvPr id="3" name="직사각형 2"/>
+          <p:cNvPr id="4" name="직사각형 3"/>
           <p:cNvSpPr/>
           <p:nvPr/>
         </p:nvSpPr>
         <p:spPr>
           <a:xfrm>
-            <a:off x="654424" y="1141309"/>
-            <a:ext cx="10425952" cy="2308324"/>
+            <a:off x="551329" y="4938777"/>
+            <a:ext cx="11228993" cy="1754326"/>
           </a:xfrm>
           <a:prstGeom prst="rect">
             <a:avLst/>
@@ -4089,117 +4080,185 @@
           <a:lstStyle/>
           <a:p>
             <a:r>
-              <a:rPr lang="en-US" altLang="ko-KR" sz="2400" dirty="0"/>
-              <a:t>poll</a:t>
-            </a:r>
-            <a:r>
-              <a:rPr lang="ko-KR" altLang="en-US" sz="2400" dirty="0"/>
-              <a:t>은 거의 </a:t>
-            </a:r>
-            <a:r>
-              <a:rPr lang="en-US" altLang="ko-KR" sz="2400" dirty="0"/>
+              <a:rPr lang="ko-KR" altLang="en-US" sz="1200" dirty="0"/>
+              <a:t>소켓 </a:t>
+            </a:r>
+            <a:r>
+              <a:rPr lang="ko-KR" altLang="en-US" sz="1200" dirty="0" err="1"/>
+              <a:t>멀티플렉싱</a:t>
+            </a:r>
+            <a:r>
+              <a:rPr lang="ko-KR" altLang="en-US" sz="1200" dirty="0"/>
+              <a:t> 함수 </a:t>
+            </a:r>
+            <a:r>
+              <a:rPr lang="en-US" altLang="ko-KR" sz="1200" dirty="0"/>
+              <a:t>select()</a:t>
+            </a:r>
+          </a:p>
+          <a:p>
+            <a:r>
+              <a:rPr lang="en-US" altLang="ko-KR" sz="1200" dirty="0">
+                <a:hlinkClick r:id="rId2"/>
+              </a:rPr>
+              <a:t>http://eastroot1590.tistory.com/entry/%EC%86%8C%EC%BC%93-%EB%A9%80%ED%8B%B0%ED%94%8C%EB%A0%89%EC%8B%B1-%ED%95%A8%EC%88%98-select</a:t>
+            </a:r>
+            <a:endParaRPr lang="en-US" altLang="ko-KR" sz="1200" dirty="0"/>
+          </a:p>
+          <a:p>
+            <a:endParaRPr lang="en-US" altLang="ko-KR" sz="1200" dirty="0"/>
+          </a:p>
+          <a:p>
+            <a:r>
+              <a:rPr lang="ko-KR" altLang="en-US" sz="1200" dirty="0" err="1"/>
+              <a:t>Non</a:t>
+            </a:r>
+            <a:r>
+              <a:rPr lang="ko-KR" altLang="en-US" sz="1200" dirty="0"/>
+              <a:t>-Block 네트워크 프로그램 - 2 (</a:t>
+            </a:r>
+            <a:r>
+              <a:rPr lang="ko-KR" altLang="en-US" sz="1200" dirty="0" err="1"/>
               <a:t>select</a:t>
             </a:r>
             <a:r>
-              <a:rPr lang="ko-KR" altLang="en-US" sz="2400" dirty="0"/>
-              <a:t>와 비슷하지만 아래와 같은 차이가 있다</a:t>
-            </a:r>
-            <a:r>
-              <a:rPr lang="en-US" altLang="ko-KR" sz="2400" dirty="0"/>
-              <a:t>.</a:t>
-            </a:r>
-            <a:br>
-              <a:rPr lang="en-US" altLang="ko-KR" sz="2400" dirty="0"/>
-            </a:br>
-            <a:endParaRPr lang="en-US" altLang="ko-KR" sz="2400" dirty="0"/>
-          </a:p>
-          <a:p>
-            <a:r>
-              <a:rPr lang="en-US" altLang="ko-KR" sz="2400" dirty="0"/>
-              <a:t>- </a:t>
-            </a:r>
-            <a:r>
-              <a:rPr lang="ko-KR" altLang="en-US" sz="2400" dirty="0"/>
-              <a:t>관리할 수 있는 </a:t>
-            </a:r>
-            <a:r>
-              <a:rPr lang="ko-KR" altLang="en-US" sz="2400" b="1" dirty="0" err="1"/>
-              <a:t>디스크립터</a:t>
-            </a:r>
-            <a:r>
-              <a:rPr lang="en-US" altLang="ko-KR" sz="2400" b="1" dirty="0"/>
-              <a:t>(</a:t>
-            </a:r>
-            <a:r>
-              <a:rPr lang="ko-KR" altLang="en-US" sz="2400" b="1" dirty="0"/>
-              <a:t>네트워크에서는 소켓</a:t>
-            </a:r>
-            <a:r>
-              <a:rPr lang="en-US" altLang="ko-KR" sz="2400" b="1" dirty="0"/>
+              <a:rPr lang="ko-KR" altLang="en-US" sz="1200" dirty="0"/>
+              <a:t> 사용하기)</a:t>
+            </a:r>
+          </a:p>
+          <a:p>
+            <a:r>
+              <a:rPr lang="ko-KR" altLang="en-US" sz="1200" dirty="0">
+                <a:hlinkClick r:id="rId3"/>
+              </a:rPr>
+              <a:t>http://blog.naver.com/cestlavie_01/220908793329</a:t>
+            </a:r>
+            <a:r>
+              <a:rPr lang="ko-KR" altLang="en-US" sz="1200" dirty="0"/>
+              <a:t> </a:t>
+            </a:r>
+          </a:p>
+          <a:p>
+            <a:endParaRPr lang="ko-KR" altLang="en-US" sz="1200" dirty="0"/>
+          </a:p>
+          <a:p>
+            <a:r>
+              <a:rPr lang="ko-KR" altLang="en-US" sz="1200" dirty="0" err="1"/>
+              <a:t>Non</a:t>
+            </a:r>
+            <a:r>
+              <a:rPr lang="ko-KR" altLang="en-US" sz="1200" dirty="0"/>
+              <a:t>-Block 네트워크 프로그램 - 3 (</a:t>
+            </a:r>
+            <a:r>
+              <a:rPr lang="ko-KR" altLang="en-US" sz="1200" dirty="0" err="1"/>
+              <a:t>select를</a:t>
+            </a:r>
+            <a:r>
+              <a:rPr lang="ko-KR" altLang="en-US" sz="1200" dirty="0"/>
+              <a:t> 이용한 </a:t>
+            </a:r>
+            <a:r>
+              <a:rPr lang="ko-KR" altLang="en-US" sz="1200" dirty="0" err="1"/>
+              <a:t>echo</a:t>
+            </a:r>
+            <a:r>
+              <a:rPr lang="ko-KR" altLang="en-US" sz="1200" dirty="0"/>
+              <a:t> </a:t>
+            </a:r>
+            <a:r>
+              <a:rPr lang="ko-KR" altLang="en-US" sz="1200" dirty="0" err="1"/>
+              <a:t>server</a:t>
+            </a:r>
+            <a:r>
+              <a:rPr lang="ko-KR" altLang="en-US" sz="1200" dirty="0"/>
               <a:t>)</a:t>
             </a:r>
-            <a:r>
-              <a:rPr lang="ko-KR" altLang="en-US" sz="2400" b="1" dirty="0"/>
-              <a:t> 수가 무제한</a:t>
-            </a:r>
-            <a:r>
-              <a:rPr lang="ko-KR" altLang="en-US" sz="2400" dirty="0"/>
-              <a:t>이 된다</a:t>
-            </a:r>
-            <a:r>
-              <a:rPr lang="en-US" altLang="ko-KR" sz="2400" dirty="0"/>
-              <a:t>.</a:t>
-            </a:r>
-            <a:br>
-              <a:rPr lang="en-US" altLang="ko-KR" sz="2400" dirty="0"/>
-            </a:br>
-            <a:br>
-              <a:rPr lang="en-US" altLang="ko-KR" sz="2400" dirty="0"/>
-            </a:br>
-            <a:r>
-              <a:rPr lang="en-US" altLang="ko-KR" sz="2400" dirty="0"/>
-              <a:t>- poll </a:t>
-            </a:r>
-            <a:r>
-              <a:rPr lang="ko-KR" altLang="en-US" sz="2400" dirty="0"/>
-              <a:t>시스템 콜 자체를 구현하고 있는 시스템이 </a:t>
-            </a:r>
-            <a:r>
-              <a:rPr lang="en-US" altLang="ko-KR" sz="2400" dirty="0"/>
-              <a:t>select </a:t>
-            </a:r>
-            <a:r>
-              <a:rPr lang="ko-KR" altLang="en-US" sz="2400" dirty="0"/>
-              <a:t>보다 적기 때문에 </a:t>
-            </a:r>
-            <a:r>
-              <a:rPr lang="ko-KR" altLang="en-US" sz="2400" dirty="0" err="1"/>
-              <a:t>이식성</a:t>
-            </a:r>
-            <a:r>
-              <a:rPr lang="ko-KR" altLang="en-US" sz="2400" dirty="0"/>
-              <a:t> 등에 좋지 않다</a:t>
-            </a:r>
-            <a:r>
-              <a:rPr lang="en-US" altLang="ko-KR" sz="2400" dirty="0"/>
-              <a:t>(</a:t>
-            </a:r>
-            <a:r>
-              <a:rPr lang="ko-KR" altLang="en-US" sz="2400" dirty="0"/>
-              <a:t>조금 오래된 이야기</a:t>
-            </a:r>
-            <a:r>
-              <a:rPr lang="en-US" altLang="ko-KR" sz="2400" dirty="0"/>
-              <a:t>..)</a:t>
-            </a:r>
-            <a:endParaRPr lang="ko-KR" altLang="en-US" sz="2400" dirty="0"/>
+          </a:p>
+          <a:p>
+            <a:r>
+              <a:rPr lang="ko-KR" altLang="en-US" sz="1200" dirty="0">
+                <a:hlinkClick r:id="rId4"/>
+              </a:rPr>
+              <a:t>http://blog.naver.com/cestlavie_01/220909732913</a:t>
+            </a:r>
+            <a:r>
+              <a:rPr lang="ko-KR" altLang="en-US" sz="1200" dirty="0"/>
+              <a:t> </a:t>
+            </a:r>
+          </a:p>
+        </p:txBody>
+      </p:sp>
+      <p:pic>
+        <p:nvPicPr>
+          <p:cNvPr id="5" name="그림 4"/>
+          <p:cNvPicPr>
+            <a:picLocks noChangeAspect="1"/>
+          </p:cNvPicPr>
+          <p:nvPr/>
+        </p:nvPicPr>
+        <p:blipFill>
+          <a:blip r:embed="rId5"/>
+          <a:stretch>
+            <a:fillRect/>
+          </a:stretch>
+        </p:blipFill>
+        <p:spPr>
+          <a:xfrm>
+            <a:off x="665142" y="1260638"/>
+            <a:ext cx="10229866" cy="2147579"/>
+          </a:xfrm>
+          <a:prstGeom prst="rect">
+            <a:avLst/>
+          </a:prstGeom>
+        </p:spPr>
+      </p:pic>
+      <p:sp>
+        <p:nvSpPr>
+          <p:cNvPr id="6" name="직사각형 5"/>
+          <p:cNvSpPr/>
+          <p:nvPr/>
+        </p:nvSpPr>
+        <p:spPr>
+          <a:xfrm>
+            <a:off x="8525449" y="3453574"/>
+            <a:ext cx="2369559" cy="246221"/>
+          </a:xfrm>
+          <a:prstGeom prst="rect">
+            <a:avLst/>
+          </a:prstGeom>
+        </p:spPr>
+        <p:txBody>
+          <a:bodyPr wrap="none">
+            <a:spAutoFit/>
+          </a:bodyPr>
+          <a:lstStyle/>
+          <a:p>
+            <a:r>
+              <a:rPr lang="ko-KR" altLang="en-US" sz="1000" dirty="0"/>
+              <a:t>출처</a:t>
+            </a:r>
+            <a:r>
+              <a:rPr lang="en-US" altLang="ko-KR" sz="1000" dirty="0"/>
+              <a:t>: </a:t>
+            </a:r>
+            <a:r>
+              <a:rPr lang="ko-KR" altLang="en-US" sz="1000" dirty="0">
+                <a:hlinkClick r:id="rId6"/>
+              </a:rPr>
+              <a:t>http://downman.tistory.com/79</a:t>
+            </a:r>
+            <a:r>
+              <a:rPr lang="ko-KR" altLang="en-US" sz="1000" dirty="0"/>
+              <a:t> </a:t>
+            </a:r>
           </a:p>
         </p:txBody>
       </p:sp>
     </p:spTree>
     <p:extLst>
       <p:ext uri="{BB962C8B-B14F-4D97-AF65-F5344CB8AC3E}">
-        <p14:creationId xmlns:p14="http://schemas.microsoft.com/office/powerpoint/2010/main" val="2165421971"/>
+        <p14:creationId xmlns:p14="http://schemas.microsoft.com/office/powerpoint/2010/main" val="572213710"/>
       </p:ext>
     </p:extLst>
   </p:cSld>
@@ -4228,6 +4287,199 @@
       </p:grpSpPr>
       <p:sp>
         <p:nvSpPr>
+          <p:cNvPr id="5" name="직사각형 4"/>
+          <p:cNvSpPr/>
+          <p:nvPr/>
+        </p:nvSpPr>
+        <p:spPr>
+          <a:xfrm>
+            <a:off x="551329" y="1131725"/>
+            <a:ext cx="8882743" cy="738664"/>
+          </a:xfrm>
+          <a:prstGeom prst="rect">
+            <a:avLst/>
+          </a:prstGeom>
+        </p:spPr>
+        <p:txBody>
+          <a:bodyPr wrap="square">
+            <a:spAutoFit/>
+          </a:bodyPr>
+          <a:lstStyle/>
+          <a:p>
+            <a:r>
+              <a:rPr lang="ko-KR" altLang="en-US" sz="1400" dirty="0" err="1"/>
+              <a:t>Programming</a:t>
+            </a:r>
+            <a:r>
+              <a:rPr lang="ko-KR" altLang="en-US" sz="1400" dirty="0"/>
+              <a:t> UNIX </a:t>
+            </a:r>
+            <a:r>
+              <a:rPr lang="ko-KR" altLang="en-US" sz="1400" dirty="0" err="1"/>
+              <a:t>Sockets</a:t>
+            </a:r>
+            <a:r>
+              <a:rPr lang="ko-KR" altLang="en-US" sz="1400" dirty="0"/>
+              <a:t> </a:t>
+            </a:r>
+            <a:r>
+              <a:rPr lang="ko-KR" altLang="en-US" sz="1400" dirty="0" err="1"/>
+              <a:t>in</a:t>
+            </a:r>
+            <a:r>
+              <a:rPr lang="ko-KR" altLang="en-US" sz="1400" dirty="0"/>
+              <a:t> C - </a:t>
+            </a:r>
+            <a:r>
+              <a:rPr lang="ko-KR" altLang="en-US" sz="1400" dirty="0" err="1"/>
+              <a:t>Frequently</a:t>
+            </a:r>
+            <a:r>
+              <a:rPr lang="ko-KR" altLang="en-US" sz="1400" dirty="0"/>
+              <a:t> </a:t>
+            </a:r>
+            <a:r>
+              <a:rPr lang="ko-KR" altLang="en-US" sz="1400" dirty="0" err="1"/>
+              <a:t>Asked</a:t>
+            </a:r>
+            <a:r>
+              <a:rPr lang="ko-KR" altLang="en-US" sz="1400" dirty="0"/>
+              <a:t> </a:t>
+            </a:r>
+            <a:r>
+              <a:rPr lang="ko-KR" altLang="en-US" sz="1400" dirty="0" err="1"/>
+              <a:t>Questions</a:t>
+            </a:r>
+            <a:endParaRPr lang="ko-KR" altLang="en-US" sz="1400" dirty="0"/>
+          </a:p>
+          <a:p>
+            <a:r>
+              <a:rPr lang="ko-KR" altLang="en-US" sz="1400" dirty="0" err="1"/>
+              <a:t>Created</a:t>
+            </a:r>
+            <a:r>
+              <a:rPr lang="ko-KR" altLang="en-US" sz="1400" dirty="0"/>
+              <a:t> </a:t>
+            </a:r>
+            <a:r>
+              <a:rPr lang="ko-KR" altLang="en-US" sz="1400" dirty="0" err="1"/>
+              <a:t>by</a:t>
+            </a:r>
+            <a:r>
+              <a:rPr lang="ko-KR" altLang="en-US" sz="1400" dirty="0"/>
+              <a:t> </a:t>
+            </a:r>
+            <a:r>
+              <a:rPr lang="ko-KR" altLang="en-US" sz="1400" dirty="0" err="1"/>
+              <a:t>Vic</a:t>
+            </a:r>
+            <a:r>
+              <a:rPr lang="ko-KR" altLang="en-US" sz="1400" dirty="0"/>
+              <a:t> </a:t>
+            </a:r>
+            <a:r>
+              <a:rPr lang="ko-KR" altLang="en-US" sz="1400" dirty="0" err="1"/>
+              <a:t>Metcalfe</a:t>
+            </a:r>
+            <a:r>
+              <a:rPr lang="ko-KR" altLang="en-US" sz="1400" dirty="0"/>
+              <a:t>, </a:t>
+            </a:r>
+            <a:r>
+              <a:rPr lang="ko-KR" altLang="en-US" sz="1400" dirty="0" err="1"/>
+              <a:t>Andrew</a:t>
+            </a:r>
+            <a:r>
+              <a:rPr lang="ko-KR" altLang="en-US" sz="1400" dirty="0"/>
+              <a:t> </a:t>
+            </a:r>
+            <a:r>
+              <a:rPr lang="ko-KR" altLang="en-US" sz="1400" dirty="0" err="1"/>
+              <a:t>Gierth</a:t>
+            </a:r>
+            <a:r>
+              <a:rPr lang="ko-KR" altLang="en-US" sz="1400" dirty="0"/>
+              <a:t> and </a:t>
+            </a:r>
+            <a:r>
+              <a:rPr lang="ko-KR" altLang="en-US" sz="1400" dirty="0" err="1"/>
+              <a:t>other</a:t>
+            </a:r>
+            <a:r>
+              <a:rPr lang="ko-KR" altLang="en-US" sz="1400" dirty="0"/>
+              <a:t> </a:t>
+            </a:r>
+            <a:r>
+              <a:rPr lang="ko-KR" altLang="en-US" sz="1400" dirty="0" err="1"/>
+              <a:t>contributers</a:t>
+            </a:r>
+            <a:r>
+              <a:rPr lang="ko-KR" altLang="en-US" sz="1400" dirty="0"/>
+              <a:t> (</a:t>
+            </a:r>
+            <a:r>
+              <a:rPr lang="ko-KR" altLang="en-US" sz="1400" dirty="0" err="1"/>
+              <a:t>Transrated</a:t>
+            </a:r>
+            <a:r>
+              <a:rPr lang="ko-KR" altLang="en-US" sz="1400" dirty="0"/>
+              <a:t> </a:t>
+            </a:r>
+            <a:r>
+              <a:rPr lang="ko-KR" altLang="en-US" sz="1400" dirty="0" err="1"/>
+              <a:t>into</a:t>
+            </a:r>
+            <a:r>
+              <a:rPr lang="ko-KR" altLang="en-US" sz="1400" dirty="0"/>
+              <a:t> </a:t>
+            </a:r>
+            <a:r>
+              <a:rPr lang="ko-KR" altLang="en-US" sz="1400" dirty="0" err="1"/>
+              <a:t>Japanese</a:t>
+            </a:r>
+            <a:r>
+              <a:rPr lang="ko-KR" altLang="en-US" sz="1400" dirty="0"/>
+              <a:t> </a:t>
+            </a:r>
+            <a:r>
+              <a:rPr lang="ko-KR" altLang="en-US" sz="1400" dirty="0" err="1"/>
+              <a:t>by</a:t>
+            </a:r>
+            <a:r>
+              <a:rPr lang="ko-KR" altLang="en-US" sz="1400" dirty="0"/>
+              <a:t>: </a:t>
+            </a:r>
+            <a:r>
+              <a:rPr lang="ko-KR" altLang="en-US" sz="1400" dirty="0" err="1"/>
+              <a:t>Keisuke</a:t>
+            </a:r>
+            <a:r>
+              <a:rPr lang="ko-KR" altLang="en-US" sz="1400" dirty="0"/>
+              <a:t> </a:t>
+            </a:r>
+            <a:r>
+              <a:rPr lang="ko-KR" altLang="en-US" sz="1400" dirty="0" err="1"/>
+              <a:t>Mori</a:t>
+            </a:r>
+            <a:r>
+              <a:rPr lang="ko-KR" altLang="en-US" sz="1400" dirty="0"/>
+              <a:t>)</a:t>
+            </a:r>
+          </a:p>
+          <a:p>
+            <a:r>
+              <a:rPr lang="ko-KR" altLang="en-US" sz="1400" dirty="0" err="1"/>
+              <a:t>May</a:t>
+            </a:r>
+            <a:r>
+              <a:rPr lang="ko-KR" altLang="en-US" sz="1400" dirty="0"/>
+              <a:t> 21, 1998</a:t>
+            </a:r>
+          </a:p>
+        </p:txBody>
+      </p:sp>
+      <p:sp>
+        <p:nvSpPr>
           <p:cNvPr id="2" name="TextBox 1"/>
           <p:cNvSpPr txBox="1"/>
           <p:nvPr/>
@@ -4235,7 +4487,7 @@
         <p:spPr>
           <a:xfrm>
             <a:off x="551329" y="322729"/>
-            <a:ext cx="5683216" cy="646331"/>
+            <a:ext cx="5208203" cy="646331"/>
           </a:xfrm>
           <a:prstGeom prst="rect">
             <a:avLst/>
@@ -4249,20 +4501,24 @@
           <a:lstStyle/>
           <a:p>
             <a:r>
+              <a:rPr lang="en-US" altLang="ko-KR" sz="3600" b="1" dirty="0"/>
+              <a:t>select</a:t>
+            </a:r>
+            <a:r>
               <a:rPr lang="ko-KR" altLang="en-US" sz="3600" b="1" dirty="0"/>
-              <a:t>잠시 </a:t>
+              <a:t>와 </a:t>
             </a:r>
             <a:r>
               <a:rPr lang="en-US" altLang="ko-KR" sz="3600" b="1" dirty="0"/>
-              <a:t>select </a:t>
+              <a:t>poll</a:t>
             </a:r>
             <a:r>
               <a:rPr lang="ko-KR" altLang="en-US" sz="3600" b="1" dirty="0"/>
-              <a:t>에 대해서</a:t>
+              <a:t>의 차이는</a:t>
             </a:r>
             <a:r>
               <a:rPr lang="en-US" altLang="ko-KR" sz="3600" b="1" dirty="0"/>
-              <a:t>…</a:t>
+              <a:t>?</a:t>
             </a:r>
             <a:endParaRPr lang="ko-KR" altLang="en-US" sz="3600" b="1" dirty="0"/>
           </a:p>
@@ -4270,14 +4526,14 @@
       </p:sp>
       <p:sp>
         <p:nvSpPr>
-          <p:cNvPr id="4" name="직사각형 3"/>
+          <p:cNvPr id="3" name="직사각형 2"/>
           <p:cNvSpPr/>
           <p:nvPr/>
         </p:nvSpPr>
         <p:spPr>
           <a:xfrm>
-            <a:off x="551329" y="4938777"/>
-            <a:ext cx="11228993" cy="1754326"/>
+            <a:off x="551329" y="2033054"/>
+            <a:ext cx="10425952" cy="4893647"/>
           </a:xfrm>
           <a:prstGeom prst="rect">
             <a:avLst/>
@@ -4290,185 +4546,232 @@
           <a:lstStyle/>
           <a:p>
             <a:r>
-              <a:rPr lang="ko-KR" altLang="en-US" sz="1200" dirty="0"/>
-              <a:t>소켓 </a:t>
-            </a:r>
-            <a:r>
-              <a:rPr lang="ko-KR" altLang="en-US" sz="1200" dirty="0" err="1"/>
-              <a:t>멀티플렉싱</a:t>
-            </a:r>
-            <a:r>
-              <a:rPr lang="ko-KR" altLang="en-US" sz="1200" dirty="0"/>
-              <a:t> 함수 </a:t>
-            </a:r>
-            <a:r>
-              <a:rPr lang="en-US" altLang="ko-KR" sz="1200" dirty="0"/>
+              <a:rPr lang="en-US" altLang="ko-KR" sz="2400" dirty="0"/>
+              <a:t>Richard Stevens(rstevens@noao.edu):</a:t>
+            </a:r>
+          </a:p>
+          <a:p>
+            <a:endParaRPr lang="en-US" altLang="ko-KR" sz="2400" dirty="0"/>
+          </a:p>
+          <a:p>
+            <a:r>
+              <a:rPr lang="ko-KR" altLang="en-US" sz="2400" dirty="0"/>
+              <a:t>기본적 차이는 </a:t>
+            </a:r>
+            <a:r>
+              <a:rPr lang="en-US" altLang="ko-KR" sz="2400" dirty="0"/>
               <a:t>select()</a:t>
             </a:r>
-          </a:p>
-          <a:p>
-            <a:r>
-              <a:rPr lang="en-US" altLang="ko-KR" sz="1200" dirty="0">
-                <a:hlinkClick r:id="rId2"/>
-              </a:rPr>
-              <a:t>http://eastroot1590.tistory.com/entry/%EC%86%8C%EC%BC%93-%EB%A9%80%ED%8B%B0%ED%94%8C%EB%A0%89%EC%8B%B1-%ED%95%A8%EC%88%98-select</a:t>
-            </a:r>
-            <a:endParaRPr lang="en-US" altLang="ko-KR" sz="1200" dirty="0"/>
-          </a:p>
-          <a:p>
-            <a:endParaRPr lang="en-US" altLang="ko-KR" sz="1200" dirty="0"/>
-          </a:p>
-          <a:p>
-            <a:r>
-              <a:rPr lang="ko-KR" altLang="en-US" sz="1200" dirty="0" err="1"/>
-              <a:t>Non</a:t>
-            </a:r>
-            <a:r>
-              <a:rPr lang="ko-KR" altLang="en-US" sz="1200" dirty="0"/>
-              <a:t>-Block 네트워크 프로그램 - 2 (</a:t>
-            </a:r>
-            <a:r>
-              <a:rPr lang="ko-KR" altLang="en-US" sz="1200" dirty="0" err="1"/>
-              <a:t>select</a:t>
-            </a:r>
-            <a:r>
-              <a:rPr lang="ko-KR" altLang="en-US" sz="1200" dirty="0"/>
-              <a:t> 사용하기)</a:t>
-            </a:r>
-          </a:p>
-          <a:p>
-            <a:r>
-              <a:rPr lang="ko-KR" altLang="en-US" sz="1200" dirty="0">
-                <a:hlinkClick r:id="rId3"/>
-              </a:rPr>
-              <a:t>http://blog.naver.com/cestlavie_01/220908793329</a:t>
-            </a:r>
-            <a:r>
-              <a:rPr lang="ko-KR" altLang="en-US" sz="1200" dirty="0"/>
+            <a:r>
+              <a:rPr lang="ko-KR" altLang="en-US" sz="2400" dirty="0"/>
+              <a:t>의 </a:t>
+            </a:r>
+            <a:r>
+              <a:rPr lang="en-US" altLang="ko-KR" sz="2400" dirty="0" err="1"/>
+              <a:t>fd_set</a:t>
+            </a:r>
+            <a:r>
+              <a:rPr lang="ko-KR" altLang="en-US" sz="2400" dirty="0"/>
+              <a:t>은 비트 마스크로 되어 있어서 고정 크기라는 것이다</a:t>
+            </a:r>
+            <a:r>
+              <a:rPr lang="en-US" altLang="ko-KR" sz="2400" dirty="0"/>
+              <a:t>. </a:t>
+            </a:r>
+            <a:r>
+              <a:rPr lang="ko-KR" altLang="en-US" sz="2400" b="1" dirty="0"/>
+              <a:t>커널 컴파일 때 이 사이즈 제한을 제외하여 애플리케이션에 필요한 만큼 </a:t>
+            </a:r>
+            <a:r>
+              <a:rPr lang="en-US" altLang="ko-KR" sz="2400" b="1" dirty="0"/>
+              <a:t>FD_SETSIZE</a:t>
+            </a:r>
+            <a:r>
+              <a:rPr lang="ko-KR" altLang="en-US" sz="2400" b="1" dirty="0"/>
+              <a:t>로 정의할 수 있지만</a:t>
+            </a:r>
+            <a:r>
+              <a:rPr lang="en-US" altLang="ko-KR" sz="2400" b="1" dirty="0"/>
+              <a:t>, </a:t>
+            </a:r>
+            <a:r>
+              <a:rPr lang="ko-KR" altLang="en-US" sz="2400" b="1" dirty="0"/>
+              <a:t>많이 작업이 필요</a:t>
+            </a:r>
+            <a:r>
+              <a:rPr lang="ko-KR" altLang="en-US" sz="2400" dirty="0"/>
+              <a:t>하다</a:t>
+            </a:r>
+            <a:r>
+              <a:rPr lang="en-US" altLang="ko-KR" sz="2400" dirty="0"/>
+              <a:t>. </a:t>
+            </a:r>
+          </a:p>
+          <a:p>
+            <a:endParaRPr lang="en-US" altLang="ko-KR" sz="2400" dirty="0"/>
+          </a:p>
+          <a:p>
+            <a:r>
+              <a:rPr lang="en-US" altLang="ko-KR" sz="2400" dirty="0"/>
+              <a:t>4.4 BSD</a:t>
+            </a:r>
+            <a:r>
+              <a:rPr lang="ko-KR" altLang="en-US" sz="2400" dirty="0"/>
+              <a:t>의 커널과 </a:t>
+            </a:r>
+            <a:r>
+              <a:rPr lang="en-US" altLang="ko-KR" sz="2400" dirty="0"/>
+              <a:t>Solaris</a:t>
+            </a:r>
+            <a:r>
+              <a:rPr lang="ko-KR" altLang="en-US" sz="2400" dirty="0"/>
+              <a:t> 라이브러리 함수 양쪽에는 이 제한이 있다</a:t>
+            </a:r>
+            <a:r>
+              <a:rPr lang="en-US" altLang="ko-KR" sz="2400" dirty="0"/>
+              <a:t>. </a:t>
+            </a:r>
+            <a:r>
+              <a:rPr lang="ko-KR" altLang="en-US" sz="2400" dirty="0"/>
+              <a:t>그러나</a:t>
+            </a:r>
+            <a:r>
+              <a:rPr lang="en-US" altLang="ko-KR" sz="2400" dirty="0"/>
+              <a:t> BSD/OS 2.1</a:t>
+            </a:r>
+            <a:r>
+              <a:rPr lang="ko-KR" altLang="en-US" sz="2400" dirty="0"/>
+              <a:t>에는 이 제한을 피하도록 코딩 되어 있는 것을 찾았다</a:t>
+            </a:r>
+            <a:r>
+              <a:rPr lang="en-US" altLang="ko-KR" sz="2400" dirty="0"/>
+              <a:t>. </a:t>
+            </a:r>
+            <a:r>
+              <a:rPr lang="ko-KR" altLang="en-US" sz="2400" dirty="0"/>
+              <a:t>그래서 이것은 가능하다</a:t>
+            </a:r>
+            <a:r>
+              <a:rPr lang="en-US" altLang="ko-KR" sz="2400" dirty="0"/>
+              <a:t>. </a:t>
+            </a:r>
+          </a:p>
+          <a:p>
+            <a:endParaRPr lang="en-US" altLang="ko-KR" sz="2400" dirty="0"/>
+          </a:p>
+          <a:p>
+            <a:r>
+              <a:rPr lang="ko-KR" altLang="en-US" sz="2400" dirty="0"/>
+              <a:t>그러나 </a:t>
+            </a:r>
+            <a:r>
+              <a:rPr lang="en-US" altLang="ko-KR" sz="2400" dirty="0"/>
+              <a:t>poll()</a:t>
+            </a:r>
+            <a:r>
+              <a:rPr lang="ko-KR" altLang="en-US" sz="2400" dirty="0"/>
+              <a:t>에서는 유저는 </a:t>
+            </a:r>
+            <a:r>
+              <a:rPr lang="en-US" altLang="ko-KR" sz="2400" dirty="0" err="1"/>
+              <a:t>pollfd</a:t>
+            </a:r>
+            <a:r>
+              <a:rPr lang="en-US" altLang="ko-KR" sz="2400" dirty="0"/>
               <a:t> </a:t>
             </a:r>
-          </a:p>
-          <a:p>
-            <a:endParaRPr lang="ko-KR" altLang="en-US" sz="1200" dirty="0"/>
-          </a:p>
-          <a:p>
-            <a:r>
-              <a:rPr lang="ko-KR" altLang="en-US" sz="1200" dirty="0" err="1"/>
-              <a:t>Non</a:t>
-            </a:r>
-            <a:r>
-              <a:rPr lang="ko-KR" altLang="en-US" sz="1200" dirty="0"/>
-              <a:t>-Block 네트워크 프로그램 - 3 (</a:t>
-            </a:r>
-            <a:r>
-              <a:rPr lang="ko-KR" altLang="en-US" sz="1200" dirty="0" err="1"/>
-              <a:t>select를</a:t>
-            </a:r>
-            <a:r>
-              <a:rPr lang="ko-KR" altLang="en-US" sz="1200" dirty="0"/>
-              <a:t> 이용한 </a:t>
-            </a:r>
-            <a:r>
-              <a:rPr lang="ko-KR" altLang="en-US" sz="1200" dirty="0" err="1"/>
-              <a:t>echo</a:t>
-            </a:r>
-            <a:r>
-              <a:rPr lang="ko-KR" altLang="en-US" sz="1200" dirty="0"/>
-              <a:t> </a:t>
-            </a:r>
-            <a:r>
-              <a:rPr lang="ko-KR" altLang="en-US" sz="1200" dirty="0" err="1"/>
-              <a:t>server</a:t>
-            </a:r>
-            <a:r>
-              <a:rPr lang="ko-KR" altLang="en-US" sz="1200" dirty="0"/>
-              <a:t>)</a:t>
-            </a:r>
-          </a:p>
-          <a:p>
-            <a:r>
-              <a:rPr lang="ko-KR" altLang="en-US" sz="1200" dirty="0">
-                <a:hlinkClick r:id="rId4"/>
-              </a:rPr>
-              <a:t>http://blog.naver.com/cestlavie_01/220909732913</a:t>
-            </a:r>
-            <a:r>
-              <a:rPr lang="ko-KR" altLang="en-US" sz="1200" dirty="0"/>
-              <a:t> </a:t>
-            </a:r>
-          </a:p>
-        </p:txBody>
-      </p:sp>
-      <p:pic>
-        <p:nvPicPr>
-          <p:cNvPr id="5" name="그림 4"/>
-          <p:cNvPicPr>
-            <a:picLocks noChangeAspect="1"/>
-          </p:cNvPicPr>
+            <a:r>
+              <a:rPr lang="ko-KR" altLang="en-US" sz="2400" dirty="0"/>
+              <a:t>구조체 배열을 나누 맞추어야 한다</a:t>
+            </a:r>
+            <a:r>
+              <a:rPr lang="en-US" altLang="ko-KR" sz="2400" dirty="0"/>
+              <a:t>. </a:t>
+            </a:r>
+            <a:r>
+              <a:rPr lang="ko-KR" altLang="en-US" sz="2400" dirty="0"/>
+              <a:t>그리고 </a:t>
+            </a:r>
+            <a:r>
+              <a:rPr lang="ko-KR" altLang="en-US" sz="2400" b="1" dirty="0"/>
+              <a:t>이 배열의 엔트리 수를 주기 때문에 근본적으로는 상한은 없다</a:t>
+            </a:r>
+            <a:r>
+              <a:rPr lang="en-US" altLang="ko-KR" sz="2400" dirty="0"/>
+              <a:t>. </a:t>
+            </a:r>
+          </a:p>
+          <a:p>
+            <a:endParaRPr lang="en-US" altLang="ko-KR" sz="2400" dirty="0"/>
+          </a:p>
+        </p:txBody>
+      </p:sp>
+      <p:sp>
+        <p:nvSpPr>
+          <p:cNvPr id="4" name="TextBox 3"/>
+          <p:cNvSpPr txBox="1"/>
           <p:nvPr/>
-        </p:nvPicPr>
-        <p:blipFill>
-          <a:blip r:embed="rId5"/>
-          <a:stretch>
-            <a:fillRect/>
-          </a:stretch>
-        </p:blipFill>
+        </p:nvSpPr>
         <p:spPr>
           <a:xfrm>
-            <a:off x="665142" y="1260638"/>
-            <a:ext cx="10229866" cy="2147579"/>
+            <a:off x="1805049" y="1582390"/>
+            <a:ext cx="3705102" cy="369332"/>
           </a:xfrm>
           <a:prstGeom prst="rect">
             <a:avLst/>
           </a:prstGeom>
-        </p:spPr>
-      </p:pic>
-      <p:sp>
-        <p:nvSpPr>
-          <p:cNvPr id="6" name="직사각형 5"/>
-          <p:cNvSpPr/>
-          <p:nvPr/>
-        </p:nvSpPr>
-        <p:spPr>
-          <a:xfrm>
-            <a:off x="8525449" y="3453574"/>
-            <a:ext cx="2369559" cy="246221"/>
-          </a:xfrm>
-          <a:prstGeom prst="rect">
-            <a:avLst/>
-          </a:prstGeom>
-        </p:spPr>
-        <p:txBody>
-          <a:bodyPr wrap="none">
+          <a:noFill/>
+        </p:spPr>
+        <p:txBody>
+          <a:bodyPr wrap="square" rtlCol="0">
             <a:spAutoFit/>
           </a:bodyPr>
           <a:lstStyle/>
           <a:p>
             <a:r>
-              <a:rPr lang="ko-KR" altLang="en-US" sz="1000" dirty="0"/>
-              <a:t>출처</a:t>
-            </a:r>
-            <a:r>
-              <a:rPr lang="en-US" altLang="ko-KR" sz="1000" dirty="0"/>
+              <a:rPr lang="ko-KR" altLang="en-US" b="1" dirty="0">
+                <a:solidFill>
+                  <a:srgbClr val="FF0000"/>
+                </a:solidFill>
+              </a:rPr>
+              <a:t>주의</a:t>
+            </a:r>
+            <a:r>
+              <a:rPr lang="en-US" altLang="ko-KR" b="1" dirty="0">
+                <a:solidFill>
+                  <a:srgbClr val="FF0000"/>
+                </a:solidFill>
+              </a:rPr>
               <a:t>: </a:t>
             </a:r>
             <a:r>
-              <a:rPr lang="ko-KR" altLang="en-US" sz="1000" dirty="0">
-                <a:hlinkClick r:id="rId6"/>
+              <a:rPr lang="ko-KR" altLang="en-US" b="1" dirty="0">
+                <a:solidFill>
+                  <a:srgbClr val="FF0000"/>
+                </a:solidFill>
               </a:rPr>
-              <a:t>http://downman.tistory.com/79</a:t>
-            </a:r>
-            <a:r>
-              <a:rPr lang="ko-KR" altLang="en-US" sz="1000" dirty="0"/>
-              <a:t> </a:t>
-            </a:r>
+              <a:t>오래된 이야기 입니다</a:t>
+            </a:r>
+            <a:r>
+              <a:rPr lang="en-US" altLang="ko-KR" b="1" dirty="0">
+                <a:solidFill>
+                  <a:srgbClr val="FF0000"/>
+                </a:solidFill>
+              </a:rPr>
+              <a:t>.</a:t>
+            </a:r>
+            <a:endParaRPr lang="ko-KR" altLang="en-US" b="1" dirty="0">
+              <a:solidFill>
+                <a:srgbClr val="FF0000"/>
+              </a:solidFill>
+            </a:endParaRPr>
           </a:p>
         </p:txBody>
       </p:sp>
     </p:spTree>
     <p:extLst>
       <p:ext uri="{BB962C8B-B14F-4D97-AF65-F5344CB8AC3E}">
-        <p14:creationId xmlns:p14="http://schemas.microsoft.com/office/powerpoint/2010/main" val="572213710"/>
+        <p14:creationId xmlns:p14="http://schemas.microsoft.com/office/powerpoint/2010/main" val="1870480454"/>
       </p:ext>
     </p:extLst>
   </p:cSld>
@@ -4497,519 +4800,6 @@
       </p:grpSpPr>
       <p:sp>
         <p:nvSpPr>
-          <p:cNvPr id="2" name="TextBox 1"/>
-          <p:cNvSpPr txBox="1"/>
-          <p:nvPr/>
-        </p:nvSpPr>
-        <p:spPr>
-          <a:xfrm>
-            <a:off x="551329" y="322729"/>
-            <a:ext cx="5208203" cy="646331"/>
-          </a:xfrm>
-          <a:prstGeom prst="rect">
-            <a:avLst/>
-          </a:prstGeom>
-          <a:noFill/>
-        </p:spPr>
-        <p:txBody>
-          <a:bodyPr wrap="square" rtlCol="0">
-            <a:spAutoFit/>
-          </a:bodyPr>
-          <a:lstStyle/>
-          <a:p>
-            <a:r>
-              <a:rPr lang="en-US" altLang="ko-KR" sz="3600" b="1" dirty="0"/>
-              <a:t>select</a:t>
-            </a:r>
-            <a:r>
-              <a:rPr lang="ko-KR" altLang="en-US" sz="3600" b="1" dirty="0"/>
-              <a:t>와 </a:t>
-            </a:r>
-            <a:r>
-              <a:rPr lang="en-US" altLang="ko-KR" sz="3600" b="1" dirty="0"/>
-              <a:t>poll</a:t>
-            </a:r>
-            <a:r>
-              <a:rPr lang="ko-KR" altLang="en-US" sz="3600" b="1" dirty="0"/>
-              <a:t>의 차이는</a:t>
-            </a:r>
-            <a:r>
-              <a:rPr lang="en-US" altLang="ko-KR" sz="3600" b="1" dirty="0"/>
-              <a:t>?</a:t>
-            </a:r>
-            <a:endParaRPr lang="ko-KR" altLang="en-US" sz="3600" b="1" dirty="0"/>
-          </a:p>
-        </p:txBody>
-      </p:sp>
-      <p:sp>
-        <p:nvSpPr>
-          <p:cNvPr id="3" name="직사각형 2"/>
-          <p:cNvSpPr/>
-          <p:nvPr/>
-        </p:nvSpPr>
-        <p:spPr>
-          <a:xfrm>
-            <a:off x="551329" y="2033054"/>
-            <a:ext cx="10425952" cy="4893647"/>
-          </a:xfrm>
-          <a:prstGeom prst="rect">
-            <a:avLst/>
-          </a:prstGeom>
-        </p:spPr>
-        <p:txBody>
-          <a:bodyPr wrap="square">
-            <a:spAutoFit/>
-          </a:bodyPr>
-          <a:lstStyle/>
-          <a:p>
-            <a:r>
-              <a:rPr lang="en-US" altLang="ko-KR" sz="2400" dirty="0"/>
-              <a:t>Richard Stevens(rstevens@noao.edu):</a:t>
-            </a:r>
-          </a:p>
-          <a:p>
-            <a:endParaRPr lang="en-US" altLang="ko-KR" sz="2400" dirty="0"/>
-          </a:p>
-          <a:p>
-            <a:r>
-              <a:rPr lang="ko-KR" altLang="en-US" sz="2400" dirty="0"/>
-              <a:t>기본적 차이는 </a:t>
-            </a:r>
-            <a:r>
-              <a:rPr lang="en-US" altLang="ko-KR" sz="2400" dirty="0"/>
-              <a:t>select()</a:t>
-            </a:r>
-            <a:r>
-              <a:rPr lang="ko-KR" altLang="en-US" sz="2400" dirty="0"/>
-              <a:t>의 </a:t>
-            </a:r>
-            <a:r>
-              <a:rPr lang="en-US" altLang="ko-KR" sz="2400" dirty="0" err="1"/>
-              <a:t>fd_set</a:t>
-            </a:r>
-            <a:r>
-              <a:rPr lang="ko-KR" altLang="en-US" sz="2400" dirty="0"/>
-              <a:t>은 비트 마스크로 되어 있어서 고정 크기라는 것이다</a:t>
-            </a:r>
-            <a:r>
-              <a:rPr lang="en-US" altLang="ko-KR" sz="2400" dirty="0"/>
-              <a:t>. </a:t>
-            </a:r>
-            <a:r>
-              <a:rPr lang="ko-KR" altLang="en-US" sz="2400" b="1" dirty="0"/>
-              <a:t>커널 컴파일 때 이 사이즈 제한을 제외하여 애플리케이션에 필요한 만큼 </a:t>
-            </a:r>
-            <a:r>
-              <a:rPr lang="en-US" altLang="ko-KR" sz="2400" b="1" dirty="0"/>
-              <a:t>FD_SETSIZE</a:t>
-            </a:r>
-            <a:r>
-              <a:rPr lang="ko-KR" altLang="en-US" sz="2400" b="1" dirty="0"/>
-              <a:t>로 정의할 수 있지만</a:t>
-            </a:r>
-            <a:r>
-              <a:rPr lang="en-US" altLang="ko-KR" sz="2400" b="1" dirty="0"/>
-              <a:t>, </a:t>
-            </a:r>
-            <a:r>
-              <a:rPr lang="ko-KR" altLang="en-US" sz="2400" b="1" dirty="0"/>
-              <a:t>많이 작업이 필요</a:t>
-            </a:r>
-            <a:r>
-              <a:rPr lang="ko-KR" altLang="en-US" sz="2400" dirty="0"/>
-              <a:t>하다</a:t>
-            </a:r>
-            <a:r>
-              <a:rPr lang="en-US" altLang="ko-KR" sz="2400" dirty="0"/>
-              <a:t>. </a:t>
-            </a:r>
-          </a:p>
-          <a:p>
-            <a:endParaRPr lang="en-US" altLang="ko-KR" sz="2400" dirty="0"/>
-          </a:p>
-          <a:p>
-            <a:r>
-              <a:rPr lang="en-US" altLang="ko-KR" sz="2400" dirty="0"/>
-              <a:t>4.4 BSD</a:t>
-            </a:r>
-            <a:r>
-              <a:rPr lang="ko-KR" altLang="en-US" sz="2400" dirty="0"/>
-              <a:t>의 커널과 </a:t>
-            </a:r>
-            <a:r>
-              <a:rPr lang="en-US" altLang="ko-KR" sz="2400" dirty="0"/>
-              <a:t>Solaris</a:t>
-            </a:r>
-            <a:r>
-              <a:rPr lang="ko-KR" altLang="en-US" sz="2400" dirty="0"/>
-              <a:t> 라이브러리 함수 양쪽에는 이 제한이 있다</a:t>
-            </a:r>
-            <a:r>
-              <a:rPr lang="en-US" altLang="ko-KR" sz="2400" dirty="0"/>
-              <a:t>. </a:t>
-            </a:r>
-            <a:r>
-              <a:rPr lang="ko-KR" altLang="en-US" sz="2400" dirty="0"/>
-              <a:t>그러나</a:t>
-            </a:r>
-            <a:r>
-              <a:rPr lang="en-US" altLang="ko-KR" sz="2400" dirty="0"/>
-              <a:t> BSD/OS 2.1</a:t>
-            </a:r>
-            <a:r>
-              <a:rPr lang="ko-KR" altLang="en-US" sz="2400" dirty="0"/>
-              <a:t>에는 이 제한을 피하도록 코딩 되어 있는 것을 찾았다</a:t>
-            </a:r>
-            <a:r>
-              <a:rPr lang="en-US" altLang="ko-KR" sz="2400" dirty="0"/>
-              <a:t>. </a:t>
-            </a:r>
-            <a:r>
-              <a:rPr lang="ko-KR" altLang="en-US" sz="2400" dirty="0"/>
-              <a:t>그래서 이것은 가능하다</a:t>
-            </a:r>
-            <a:r>
-              <a:rPr lang="en-US" altLang="ko-KR" sz="2400" dirty="0"/>
-              <a:t>. </a:t>
-            </a:r>
-          </a:p>
-          <a:p>
-            <a:endParaRPr lang="en-US" altLang="ko-KR" sz="2400" dirty="0"/>
-          </a:p>
-          <a:p>
-            <a:r>
-              <a:rPr lang="ko-KR" altLang="en-US" sz="2400" dirty="0"/>
-              <a:t>그러나 </a:t>
-            </a:r>
-            <a:r>
-              <a:rPr lang="en-US" altLang="ko-KR" sz="2400" dirty="0"/>
-              <a:t>poll()</a:t>
-            </a:r>
-            <a:r>
-              <a:rPr lang="ko-KR" altLang="en-US" sz="2400" dirty="0"/>
-              <a:t>에서는 유저는 </a:t>
-            </a:r>
-            <a:r>
-              <a:rPr lang="en-US" altLang="ko-KR" sz="2400" dirty="0" err="1"/>
-              <a:t>pollfd</a:t>
-            </a:r>
-            <a:r>
-              <a:rPr lang="en-US" altLang="ko-KR" sz="2400" dirty="0"/>
-              <a:t> </a:t>
-            </a:r>
-            <a:r>
-              <a:rPr lang="ko-KR" altLang="en-US" sz="2400" dirty="0"/>
-              <a:t>구조체 배열을 나누 맞추어야 한다</a:t>
-            </a:r>
-            <a:r>
-              <a:rPr lang="en-US" altLang="ko-KR" sz="2400" dirty="0"/>
-              <a:t>. </a:t>
-            </a:r>
-            <a:r>
-              <a:rPr lang="ko-KR" altLang="en-US" sz="2400" dirty="0"/>
-              <a:t>그리고 </a:t>
-            </a:r>
-            <a:r>
-              <a:rPr lang="ko-KR" altLang="en-US" sz="2400" b="1" dirty="0"/>
-              <a:t>이 배열의 엔트리 수를 주기 때문에 근본적으로는 상한은 없다</a:t>
-            </a:r>
-            <a:r>
-              <a:rPr lang="en-US" altLang="ko-KR" sz="2400" dirty="0"/>
-              <a:t>. </a:t>
-            </a:r>
-          </a:p>
-          <a:p>
-            <a:endParaRPr lang="en-US" altLang="ko-KR" sz="2400" dirty="0"/>
-          </a:p>
-        </p:txBody>
-      </p:sp>
-      <p:sp>
-        <p:nvSpPr>
-          <p:cNvPr id="4" name="TextBox 3"/>
-          <p:cNvSpPr txBox="1"/>
-          <p:nvPr/>
-        </p:nvSpPr>
-        <p:spPr>
-          <a:xfrm>
-            <a:off x="1805049" y="1582390"/>
-            <a:ext cx="3705102" cy="369332"/>
-          </a:xfrm>
-          <a:prstGeom prst="rect">
-            <a:avLst/>
-          </a:prstGeom>
-          <a:noFill/>
-        </p:spPr>
-        <p:txBody>
-          <a:bodyPr wrap="square" rtlCol="0">
-            <a:spAutoFit/>
-          </a:bodyPr>
-          <a:lstStyle/>
-          <a:p>
-            <a:r>
-              <a:rPr lang="ko-KR" altLang="en-US" b="1" dirty="0">
-                <a:solidFill>
-                  <a:srgbClr val="FF0000"/>
-                </a:solidFill>
-              </a:rPr>
-              <a:t>주의</a:t>
-            </a:r>
-            <a:r>
-              <a:rPr lang="en-US" altLang="ko-KR" b="1" dirty="0">
-                <a:solidFill>
-                  <a:srgbClr val="FF0000"/>
-                </a:solidFill>
-              </a:rPr>
-              <a:t>: </a:t>
-            </a:r>
-            <a:r>
-              <a:rPr lang="ko-KR" altLang="en-US" b="1" dirty="0">
-                <a:solidFill>
-                  <a:srgbClr val="FF0000"/>
-                </a:solidFill>
-              </a:rPr>
-              <a:t>좀 오래된 이야기 입니다</a:t>
-            </a:r>
-            <a:r>
-              <a:rPr lang="en-US" altLang="ko-KR" b="1" dirty="0">
-                <a:solidFill>
-                  <a:srgbClr val="FF0000"/>
-                </a:solidFill>
-              </a:rPr>
-              <a:t>.</a:t>
-            </a:r>
-            <a:endParaRPr lang="ko-KR" altLang="en-US" b="1" dirty="0">
-              <a:solidFill>
-                <a:srgbClr val="FF0000"/>
-              </a:solidFill>
-            </a:endParaRPr>
-          </a:p>
-        </p:txBody>
-      </p:sp>
-      <p:sp>
-        <p:nvSpPr>
-          <p:cNvPr id="5" name="직사각형 4"/>
-          <p:cNvSpPr/>
-          <p:nvPr/>
-        </p:nvSpPr>
-        <p:spPr>
-          <a:xfrm>
-            <a:off x="551329" y="1131725"/>
-            <a:ext cx="8882743" cy="738664"/>
-          </a:xfrm>
-          <a:prstGeom prst="rect">
-            <a:avLst/>
-          </a:prstGeom>
-        </p:spPr>
-        <p:txBody>
-          <a:bodyPr wrap="square">
-            <a:spAutoFit/>
-          </a:bodyPr>
-          <a:lstStyle/>
-          <a:p>
-            <a:r>
-              <a:rPr lang="ko-KR" altLang="en-US" sz="1400" dirty="0" err="1"/>
-              <a:t>Programming</a:t>
-            </a:r>
-            <a:r>
-              <a:rPr lang="ko-KR" altLang="en-US" sz="1400" dirty="0"/>
-              <a:t> UNIX </a:t>
-            </a:r>
-            <a:r>
-              <a:rPr lang="ko-KR" altLang="en-US" sz="1400" dirty="0" err="1"/>
-              <a:t>Sockets</a:t>
-            </a:r>
-            <a:r>
-              <a:rPr lang="ko-KR" altLang="en-US" sz="1400" dirty="0"/>
-              <a:t> </a:t>
-            </a:r>
-            <a:r>
-              <a:rPr lang="ko-KR" altLang="en-US" sz="1400" dirty="0" err="1"/>
-              <a:t>in</a:t>
-            </a:r>
-            <a:r>
-              <a:rPr lang="ko-KR" altLang="en-US" sz="1400" dirty="0"/>
-              <a:t> C - </a:t>
-            </a:r>
-            <a:r>
-              <a:rPr lang="ko-KR" altLang="en-US" sz="1400" dirty="0" err="1"/>
-              <a:t>Frequently</a:t>
-            </a:r>
-            <a:r>
-              <a:rPr lang="ko-KR" altLang="en-US" sz="1400" dirty="0"/>
-              <a:t> </a:t>
-            </a:r>
-            <a:r>
-              <a:rPr lang="ko-KR" altLang="en-US" sz="1400" dirty="0" err="1"/>
-              <a:t>Asked</a:t>
-            </a:r>
-            <a:r>
-              <a:rPr lang="ko-KR" altLang="en-US" sz="1400" dirty="0"/>
-              <a:t> </a:t>
-            </a:r>
-            <a:r>
-              <a:rPr lang="ko-KR" altLang="en-US" sz="1400" dirty="0" err="1"/>
-              <a:t>Questions</a:t>
-            </a:r>
-            <a:endParaRPr lang="ko-KR" altLang="en-US" sz="1400" dirty="0"/>
-          </a:p>
-          <a:p>
-            <a:r>
-              <a:rPr lang="ko-KR" altLang="en-US" sz="1400" dirty="0" err="1"/>
-              <a:t>Created</a:t>
-            </a:r>
-            <a:r>
-              <a:rPr lang="ko-KR" altLang="en-US" sz="1400" dirty="0"/>
-              <a:t> </a:t>
-            </a:r>
-            <a:r>
-              <a:rPr lang="ko-KR" altLang="en-US" sz="1400" dirty="0" err="1"/>
-              <a:t>by</a:t>
-            </a:r>
-            <a:r>
-              <a:rPr lang="ko-KR" altLang="en-US" sz="1400" dirty="0"/>
-              <a:t> </a:t>
-            </a:r>
-            <a:r>
-              <a:rPr lang="ko-KR" altLang="en-US" sz="1400" dirty="0" err="1"/>
-              <a:t>Vic</a:t>
-            </a:r>
-            <a:r>
-              <a:rPr lang="ko-KR" altLang="en-US" sz="1400" dirty="0"/>
-              <a:t> </a:t>
-            </a:r>
-            <a:r>
-              <a:rPr lang="ko-KR" altLang="en-US" sz="1400" dirty="0" err="1"/>
-              <a:t>Metcalfe</a:t>
-            </a:r>
-            <a:r>
-              <a:rPr lang="ko-KR" altLang="en-US" sz="1400" dirty="0"/>
-              <a:t>, </a:t>
-            </a:r>
-            <a:r>
-              <a:rPr lang="ko-KR" altLang="en-US" sz="1400" dirty="0" err="1"/>
-              <a:t>Andrew</a:t>
-            </a:r>
-            <a:r>
-              <a:rPr lang="ko-KR" altLang="en-US" sz="1400" dirty="0"/>
-              <a:t> </a:t>
-            </a:r>
-            <a:r>
-              <a:rPr lang="ko-KR" altLang="en-US" sz="1400" dirty="0" err="1"/>
-              <a:t>Gierth</a:t>
-            </a:r>
-            <a:r>
-              <a:rPr lang="ko-KR" altLang="en-US" sz="1400" dirty="0"/>
-              <a:t> and </a:t>
-            </a:r>
-            <a:r>
-              <a:rPr lang="ko-KR" altLang="en-US" sz="1400" dirty="0" err="1"/>
-              <a:t>other</a:t>
-            </a:r>
-            <a:r>
-              <a:rPr lang="ko-KR" altLang="en-US" sz="1400" dirty="0"/>
-              <a:t> </a:t>
-            </a:r>
-            <a:r>
-              <a:rPr lang="ko-KR" altLang="en-US" sz="1400" dirty="0" err="1"/>
-              <a:t>contributers</a:t>
-            </a:r>
-            <a:r>
-              <a:rPr lang="ko-KR" altLang="en-US" sz="1400" dirty="0"/>
-              <a:t> (</a:t>
-            </a:r>
-            <a:r>
-              <a:rPr lang="ko-KR" altLang="en-US" sz="1400" dirty="0" err="1"/>
-              <a:t>Transrated</a:t>
-            </a:r>
-            <a:r>
-              <a:rPr lang="ko-KR" altLang="en-US" sz="1400" dirty="0"/>
-              <a:t> </a:t>
-            </a:r>
-            <a:r>
-              <a:rPr lang="ko-KR" altLang="en-US" sz="1400" dirty="0" err="1"/>
-              <a:t>into</a:t>
-            </a:r>
-            <a:r>
-              <a:rPr lang="ko-KR" altLang="en-US" sz="1400" dirty="0"/>
-              <a:t> </a:t>
-            </a:r>
-            <a:r>
-              <a:rPr lang="ko-KR" altLang="en-US" sz="1400" dirty="0" err="1"/>
-              <a:t>Japanese</a:t>
-            </a:r>
-            <a:r>
-              <a:rPr lang="ko-KR" altLang="en-US" sz="1400" dirty="0"/>
-              <a:t> </a:t>
-            </a:r>
-            <a:r>
-              <a:rPr lang="ko-KR" altLang="en-US" sz="1400" dirty="0" err="1"/>
-              <a:t>by</a:t>
-            </a:r>
-            <a:r>
-              <a:rPr lang="ko-KR" altLang="en-US" sz="1400" dirty="0"/>
-              <a:t>: </a:t>
-            </a:r>
-            <a:r>
-              <a:rPr lang="ko-KR" altLang="en-US" sz="1400" dirty="0" err="1"/>
-              <a:t>Keisuke</a:t>
-            </a:r>
-            <a:r>
-              <a:rPr lang="ko-KR" altLang="en-US" sz="1400" dirty="0"/>
-              <a:t> </a:t>
-            </a:r>
-            <a:r>
-              <a:rPr lang="ko-KR" altLang="en-US" sz="1400" dirty="0" err="1"/>
-              <a:t>Mori</a:t>
-            </a:r>
-            <a:r>
-              <a:rPr lang="ko-KR" altLang="en-US" sz="1400" dirty="0"/>
-              <a:t>)</a:t>
-            </a:r>
-          </a:p>
-          <a:p>
-            <a:r>
-              <a:rPr lang="ko-KR" altLang="en-US" sz="1400" dirty="0" err="1"/>
-              <a:t>May</a:t>
-            </a:r>
-            <a:r>
-              <a:rPr lang="ko-KR" altLang="en-US" sz="1400" dirty="0"/>
-              <a:t> 21, 1998</a:t>
-            </a:r>
-          </a:p>
-        </p:txBody>
-      </p:sp>
-    </p:spTree>
-    <p:extLst>
-      <p:ext uri="{BB962C8B-B14F-4D97-AF65-F5344CB8AC3E}">
-        <p14:creationId xmlns:p14="http://schemas.microsoft.com/office/powerpoint/2010/main" val="1870480454"/>
-      </p:ext>
-    </p:extLst>
-  </p:cSld>
-  <p:clrMapOvr>
-    <a:masterClrMapping/>
-  </p:clrMapOvr>
-</p:sld>
-</file>
-
-<file path=ppt/slides/slide13.xml><?xml version="1.0" encoding="utf-8"?>
-<p:sld xmlns:a="http://schemas.openxmlformats.org/drawingml/2006/main" xmlns:r="http://schemas.openxmlformats.org/officeDocument/2006/relationships" xmlns:p="http://schemas.openxmlformats.org/presentationml/2006/main">
-  <p:cSld>
-    <p:spTree>
-      <p:nvGrpSpPr>
-        <p:cNvPr id="1" name=""/>
-        <p:cNvGrpSpPr/>
-        <p:nvPr/>
-      </p:nvGrpSpPr>
-      <p:grpSpPr>
-        <a:xfrm>
-          <a:off x="0" y="0"/>
-          <a:ext cx="0" cy="0"/>
-          <a:chOff x="0" y="0"/>
-          <a:chExt cx="0" cy="0"/>
-        </a:xfrm>
-      </p:grpSpPr>
-      <p:sp>
-        <p:nvSpPr>
           <p:cNvPr id="3" name="직사각형 2"/>
           <p:cNvSpPr/>
           <p:nvPr/>
@@ -5360,7 +5150,7 @@
 </p:sld>
 </file>
 
-<file path=ppt/slides/slide14.xml><?xml version="1.0" encoding="utf-8"?>
+<file path=ppt/slides/slide13.xml><?xml version="1.0" encoding="utf-8"?>
 <p:sld xmlns:a="http://schemas.openxmlformats.org/drawingml/2006/main" xmlns:r="http://schemas.openxmlformats.org/officeDocument/2006/relationships" xmlns:p="http://schemas.openxmlformats.org/presentationml/2006/main">
   <p:cSld>
     <p:spTree>
@@ -5443,10 +5233,522 @@
           </a:p>
         </p:txBody>
       </p:sp>
+      <p:sp>
+        <p:nvSpPr>
+          <p:cNvPr id="4" name="직사각형 3"/>
+          <p:cNvSpPr/>
+          <p:nvPr/>
+        </p:nvSpPr>
+        <p:spPr>
+          <a:xfrm>
+            <a:off x="1757547" y="2137557"/>
+            <a:ext cx="7825839" cy="593767"/>
+          </a:xfrm>
+          <a:prstGeom prst="rect">
+            <a:avLst/>
+          </a:prstGeom>
+          <a:noFill/>
+          <a:ln w="28575">
+            <a:solidFill>
+              <a:srgbClr val="FF0000"/>
+            </a:solidFill>
+          </a:ln>
+        </p:spPr>
+        <p:style>
+          <a:lnRef idx="2">
+            <a:schemeClr val="accent1">
+              <a:shade val="50000"/>
+            </a:schemeClr>
+          </a:lnRef>
+          <a:fillRef idx="1">
+            <a:schemeClr val="accent1"/>
+          </a:fillRef>
+          <a:effectRef idx="0">
+            <a:schemeClr val="accent1"/>
+          </a:effectRef>
+          <a:fontRef idx="minor">
+            <a:schemeClr val="lt1"/>
+          </a:fontRef>
+        </p:style>
+        <p:txBody>
+          <a:bodyPr rtlCol="0" anchor="ctr"/>
+          <a:lstStyle/>
+          <a:p>
+            <a:pPr algn="ctr"/>
+            <a:endParaRPr lang="ko-KR" altLang="en-US"/>
+          </a:p>
+        </p:txBody>
+      </p:sp>
     </p:spTree>
     <p:extLst>
       <p:ext uri="{BB962C8B-B14F-4D97-AF65-F5344CB8AC3E}">
         <p14:creationId xmlns:p14="http://schemas.microsoft.com/office/powerpoint/2010/main" val="2182333078"/>
+      </p:ext>
+    </p:extLst>
+  </p:cSld>
+  <p:clrMapOvr>
+    <a:masterClrMapping/>
+  </p:clrMapOvr>
+</p:sld>
+</file>
+
+<file path=ppt/slides/slide14.xml><?xml version="1.0" encoding="utf-8"?>
+<p:sld xmlns:a="http://schemas.openxmlformats.org/drawingml/2006/main" xmlns:r="http://schemas.openxmlformats.org/officeDocument/2006/relationships" xmlns:p="http://schemas.openxmlformats.org/presentationml/2006/main">
+  <p:cSld>
+    <p:spTree>
+      <p:nvGrpSpPr>
+        <p:cNvPr id="1" name=""/>
+        <p:cNvGrpSpPr/>
+        <p:nvPr/>
+      </p:nvGrpSpPr>
+      <p:grpSpPr>
+        <a:xfrm>
+          <a:off x="0" y="0"/>
+          <a:ext cx="0" cy="0"/>
+          <a:chOff x="0" y="0"/>
+          <a:chExt cx="0" cy="0"/>
+        </a:xfrm>
+      </p:grpSpPr>
+      <p:sp>
+        <p:nvSpPr>
+          <p:cNvPr id="2" name="TextBox 1"/>
+          <p:cNvSpPr txBox="1"/>
+          <p:nvPr/>
+        </p:nvSpPr>
+        <p:spPr>
+          <a:xfrm>
+            <a:off x="551328" y="322729"/>
+            <a:ext cx="11282083" cy="646331"/>
+          </a:xfrm>
+          <a:prstGeom prst="rect">
+            <a:avLst/>
+          </a:prstGeom>
+          <a:noFill/>
+        </p:spPr>
+        <p:txBody>
+          <a:bodyPr wrap="square" rtlCol="0">
+            <a:spAutoFit/>
+          </a:bodyPr>
+          <a:lstStyle/>
+          <a:p>
+            <a:r>
+              <a:rPr lang="en-US" altLang="ko-KR" sz="3600" dirty="0"/>
+              <a:t>select </a:t>
+            </a:r>
+            <a:r>
+              <a:rPr lang="ko-KR" altLang="en-US" sz="3600" dirty="0"/>
+              <a:t>와 </a:t>
+            </a:r>
+            <a:r>
+              <a:rPr lang="en-US" altLang="ko-KR" sz="3600" dirty="0"/>
+              <a:t>poll </a:t>
+            </a:r>
+            <a:r>
+              <a:rPr lang="ko-KR" altLang="en-US" sz="3600" dirty="0"/>
+              <a:t>비교</a:t>
+            </a:r>
+            <a:endParaRPr lang="ko-KR" altLang="en-US" sz="3600" b="1" dirty="0"/>
+          </a:p>
+        </p:txBody>
+      </p:sp>
+      <p:sp>
+        <p:nvSpPr>
+          <p:cNvPr id="3" name="직사각형 2"/>
+          <p:cNvSpPr/>
+          <p:nvPr/>
+        </p:nvSpPr>
+        <p:spPr>
+          <a:xfrm>
+            <a:off x="645458" y="1186988"/>
+            <a:ext cx="11187953" cy="3693319"/>
+          </a:xfrm>
+          <a:prstGeom prst="rect">
+            <a:avLst/>
+          </a:prstGeom>
+        </p:spPr>
+        <p:txBody>
+          <a:bodyPr wrap="square">
+            <a:spAutoFit/>
+          </a:bodyPr>
+          <a:lstStyle/>
+          <a:p>
+            <a:r>
+              <a:rPr lang="en-US" altLang="ko-KR" dirty="0"/>
+              <a:t>poll </a:t>
+            </a:r>
+            <a:r>
+              <a:rPr lang="ko-KR" altLang="en-US" dirty="0"/>
+              <a:t>은 가장 높은 </a:t>
+            </a:r>
+            <a:r>
+              <a:rPr lang="en-US" altLang="ko-KR" dirty="0" err="1"/>
+              <a:t>fd</a:t>
+            </a:r>
+            <a:r>
+              <a:rPr lang="ko-KR" altLang="en-US" dirty="0"/>
+              <a:t>에 </a:t>
+            </a:r>
+            <a:r>
+              <a:rPr lang="en-US" altLang="ko-KR" dirty="0"/>
+              <a:t>+1</a:t>
+            </a:r>
+            <a:r>
+              <a:rPr lang="ko-KR" altLang="en-US" dirty="0"/>
+              <a:t>을 할 필요가 없다</a:t>
+            </a:r>
+            <a:r>
+              <a:rPr lang="en-US" altLang="ko-KR" dirty="0"/>
+              <a:t>.</a:t>
+            </a:r>
+            <a:br>
+              <a:rPr lang="en-US" altLang="ko-KR" dirty="0"/>
+            </a:br>
+            <a:endParaRPr lang="en-US" altLang="ko-KR" dirty="0"/>
+          </a:p>
+          <a:p>
+            <a:r>
+              <a:rPr lang="en-US" altLang="ko-KR" dirty="0"/>
+              <a:t>poll</a:t>
+            </a:r>
+            <a:r>
+              <a:rPr lang="ko-KR" altLang="en-US" dirty="0"/>
+              <a:t>은 </a:t>
+            </a:r>
+            <a:r>
+              <a:rPr lang="en-US" altLang="ko-KR" dirty="0" err="1"/>
+              <a:t>fd</a:t>
+            </a:r>
+            <a:r>
+              <a:rPr lang="ko-KR" altLang="en-US" dirty="0"/>
+              <a:t>가 클 경우 좋다</a:t>
+            </a:r>
+            <a:r>
+              <a:rPr lang="en-US" altLang="ko-KR" dirty="0"/>
+              <a:t>. select</a:t>
+            </a:r>
+            <a:r>
+              <a:rPr lang="ko-KR" altLang="en-US" dirty="0"/>
+              <a:t>는 모든 </a:t>
+            </a:r>
+            <a:r>
+              <a:rPr lang="en-US" altLang="ko-KR" dirty="0" err="1"/>
+              <a:t>fd</a:t>
+            </a:r>
+            <a:r>
+              <a:rPr lang="ko-KR" altLang="en-US" dirty="0"/>
+              <a:t>의 비트를 검사한다</a:t>
+            </a:r>
+            <a:r>
+              <a:rPr lang="en-US" altLang="ko-KR" dirty="0"/>
+              <a:t>. (select</a:t>
+            </a:r>
+            <a:r>
+              <a:rPr lang="ko-KR" altLang="en-US" dirty="0"/>
+              <a:t>는 </a:t>
+            </a:r>
+            <a:r>
+              <a:rPr lang="en-US" altLang="ko-KR" dirty="0"/>
+              <a:t>for loop</a:t>
+            </a:r>
+            <a:r>
+              <a:rPr lang="ko-KR" altLang="en-US" dirty="0"/>
+              <a:t>에서 </a:t>
+            </a:r>
+            <a:r>
+              <a:rPr lang="en-US" altLang="ko-KR" dirty="0"/>
+              <a:t>set </a:t>
+            </a:r>
+            <a:r>
+              <a:rPr lang="ko-KR" altLang="en-US" dirty="0"/>
+              <a:t>된 정보를 찾음</a:t>
+            </a:r>
+            <a:r>
+              <a:rPr lang="en-US" altLang="ko-KR" dirty="0"/>
+              <a:t>)</a:t>
+            </a:r>
+          </a:p>
+          <a:p>
+            <a:r>
+              <a:rPr lang="en-US" altLang="ko-KR" dirty="0"/>
+              <a:t>-&gt; </a:t>
+            </a:r>
+            <a:r>
+              <a:rPr lang="ko-KR" altLang="en-US" dirty="0"/>
+              <a:t>그렇다고 </a:t>
+            </a:r>
+            <a:r>
+              <a:rPr lang="en-US" altLang="ko-KR" dirty="0"/>
+              <a:t>select</a:t>
+            </a:r>
+            <a:r>
+              <a:rPr lang="ko-KR" altLang="en-US" dirty="0"/>
+              <a:t>가 안좋다고 말할 수 없다</a:t>
+            </a:r>
+            <a:r>
+              <a:rPr lang="en-US" altLang="ko-KR" dirty="0"/>
+              <a:t>. </a:t>
+            </a:r>
+            <a:r>
+              <a:rPr lang="ko-KR" altLang="en-US" dirty="0"/>
+              <a:t>이벤트가 자주 발생하고 연속적인 시스템에서는 </a:t>
+            </a:r>
+            <a:r>
+              <a:rPr lang="en-US" altLang="ko-KR" dirty="0"/>
+              <a:t>select</a:t>
+            </a:r>
+            <a:r>
+              <a:rPr lang="ko-KR" altLang="en-US" dirty="0"/>
+              <a:t>를 사용 </a:t>
+            </a:r>
+            <a:r>
+              <a:rPr lang="en-US" altLang="ko-KR" dirty="0"/>
+              <a:t>(apache http)</a:t>
+            </a:r>
+          </a:p>
+          <a:p>
+            <a:endParaRPr lang="en-US" altLang="ko-KR" dirty="0"/>
+          </a:p>
+          <a:p>
+            <a:r>
+              <a:rPr lang="en-US" altLang="ko-KR" dirty="0"/>
+              <a:t>poll</a:t>
+            </a:r>
+            <a:r>
+              <a:rPr lang="ko-KR" altLang="en-US" dirty="0"/>
+              <a:t>은 어느 정도 분산되어 있거나 크기 제한이 없는 여러 개의 </a:t>
+            </a:r>
+            <a:r>
+              <a:rPr lang="en-US" altLang="ko-KR" dirty="0"/>
+              <a:t>array </a:t>
+            </a:r>
+            <a:r>
+              <a:rPr lang="ko-KR" altLang="en-US" dirty="0"/>
+              <a:t>형태로 넘겨서 사용할 때 유용하다</a:t>
+            </a:r>
+            <a:r>
+              <a:rPr lang="en-US" altLang="ko-KR" dirty="0"/>
+              <a:t>. </a:t>
+            </a:r>
+          </a:p>
+          <a:p>
+            <a:r>
+              <a:rPr lang="ko-KR" altLang="en-US" dirty="0"/>
+              <a:t>그리고</a:t>
+            </a:r>
+            <a:r>
+              <a:rPr lang="en-US" altLang="ko-KR" dirty="0"/>
+              <a:t>, </a:t>
+            </a:r>
+            <a:r>
+              <a:rPr lang="ko-KR" altLang="en-US" dirty="0"/>
+              <a:t>필요한 것만 비교할 경우가 효과적이다</a:t>
+            </a:r>
+            <a:r>
+              <a:rPr lang="en-US" altLang="ko-KR" dirty="0"/>
+              <a:t>. </a:t>
+            </a:r>
+          </a:p>
+          <a:p>
+            <a:endParaRPr lang="en-US" altLang="ko-KR" dirty="0"/>
+          </a:p>
+          <a:p>
+            <a:r>
+              <a:rPr lang="en-US" altLang="ko-KR" dirty="0"/>
+              <a:t>- select</a:t>
+            </a:r>
+            <a:r>
+              <a:rPr lang="ko-KR" altLang="en-US" dirty="0"/>
+              <a:t>는 </a:t>
+            </a:r>
+            <a:r>
+              <a:rPr lang="en-US" altLang="ko-KR" dirty="0" err="1"/>
+              <a:t>fd</a:t>
+            </a:r>
+            <a:r>
+              <a:rPr lang="en-US" altLang="ko-KR" dirty="0"/>
+              <a:t> set</a:t>
+            </a:r>
+            <a:r>
+              <a:rPr lang="ko-KR" altLang="en-US" dirty="0"/>
+              <a:t>을 초기화를 해야 하지만</a:t>
+            </a:r>
+            <a:r>
+              <a:rPr lang="en-US" altLang="ko-KR" dirty="0"/>
+              <a:t>, poll</a:t>
+            </a:r>
+            <a:r>
+              <a:rPr lang="ko-KR" altLang="en-US" dirty="0"/>
+              <a:t>은 입력과 결과를 분리할 수 있다</a:t>
+            </a:r>
+            <a:r>
+              <a:rPr lang="en-US" altLang="ko-KR" dirty="0"/>
+              <a:t>.</a:t>
+            </a:r>
+          </a:p>
+          <a:p>
+            <a:r>
+              <a:rPr lang="en-US" altLang="ko-KR" dirty="0"/>
+              <a:t>- select</a:t>
+            </a:r>
+            <a:r>
+              <a:rPr lang="ko-KR" altLang="en-US" dirty="0"/>
+              <a:t>는 사이즈 제한이 있다</a:t>
+            </a:r>
+            <a:r>
+              <a:rPr lang="en-US" altLang="ko-KR" dirty="0"/>
+              <a:t>. </a:t>
+            </a:r>
+          </a:p>
+          <a:p>
+            <a:r>
+              <a:rPr lang="en-US" altLang="ko-KR" dirty="0"/>
+              <a:t>- select</a:t>
+            </a:r>
+            <a:r>
+              <a:rPr lang="ko-KR" altLang="en-US" dirty="0"/>
+              <a:t>가 이식성이 좋음</a:t>
+            </a:r>
+            <a:r>
+              <a:rPr lang="en-US" altLang="ko-KR" dirty="0"/>
+              <a:t>. </a:t>
+            </a:r>
+            <a:r>
+              <a:rPr lang="ko-KR" altLang="en-US" dirty="0"/>
+              <a:t>어떤 시스템은 </a:t>
+            </a:r>
+            <a:r>
+              <a:rPr lang="en-US" altLang="ko-KR" dirty="0"/>
+              <a:t>poll</a:t>
+            </a:r>
+            <a:r>
+              <a:rPr lang="ko-KR" altLang="en-US" dirty="0"/>
+              <a:t>을 쓰지 않기도 함 </a:t>
+            </a:r>
+          </a:p>
+          <a:p>
+            <a:r>
+              <a:rPr lang="en-US" altLang="ko-KR" dirty="0"/>
+              <a:t>- select</a:t>
+            </a:r>
+            <a:r>
+              <a:rPr lang="ko-KR" altLang="en-US" dirty="0"/>
+              <a:t>의 </a:t>
+            </a:r>
+            <a:r>
+              <a:rPr lang="en-US" altLang="ko-KR" dirty="0"/>
+              <a:t>timeout</a:t>
+            </a:r>
+            <a:r>
+              <a:rPr lang="ko-KR" altLang="en-US" dirty="0"/>
+              <a:t>이 </a:t>
+            </a:r>
+            <a:r>
+              <a:rPr lang="en-US" altLang="ko-KR" dirty="0"/>
+              <a:t>poll</a:t>
+            </a:r>
+            <a:r>
+              <a:rPr lang="ko-KR" altLang="en-US" dirty="0"/>
+              <a:t>의 </a:t>
+            </a:r>
+            <a:r>
+              <a:rPr lang="en-US" altLang="ko-KR" dirty="0"/>
+              <a:t>timeout</a:t>
+            </a:r>
+            <a:r>
+              <a:rPr lang="ko-KR" altLang="en-US" dirty="0"/>
+              <a:t>보다 안정적임</a:t>
+            </a:r>
+          </a:p>
+        </p:txBody>
+      </p:sp>
+      <p:sp>
+        <p:nvSpPr>
+          <p:cNvPr id="4" name="직사각형 3"/>
+          <p:cNvSpPr/>
+          <p:nvPr/>
+        </p:nvSpPr>
+        <p:spPr>
+          <a:xfrm>
+            <a:off x="918587" y="6527142"/>
+            <a:ext cx="11187953" cy="276999"/>
+          </a:xfrm>
+          <a:prstGeom prst="rect">
+            <a:avLst/>
+          </a:prstGeom>
+        </p:spPr>
+        <p:txBody>
+          <a:bodyPr wrap="square">
+            <a:spAutoFit/>
+          </a:bodyPr>
+          <a:lstStyle/>
+          <a:p>
+            <a:r>
+              <a:rPr lang="ko-KR" altLang="en-US" sz="1200" dirty="0"/>
+              <a:t>출처: </a:t>
+            </a:r>
+            <a:r>
+              <a:rPr lang="ko-KR" altLang="en-US" sz="1200" dirty="0">
+                <a:hlinkClick r:id="rId2"/>
+              </a:rPr>
+              <a:t>http://knight76.tistory.com/entry/select-poll-%EC%8B%9C%EC%8A%A4%ED%85%9C-%EC%BD%9C-%EC%9D%B4%ED%95%B4%ED%95%98%EA%B8%B0</a:t>
+            </a:r>
+            <a:r>
+              <a:rPr lang="ko-KR" altLang="en-US" sz="1200" dirty="0"/>
+              <a:t> </a:t>
+            </a:r>
+          </a:p>
+        </p:txBody>
+      </p:sp>
+      <p:sp>
+        <p:nvSpPr>
+          <p:cNvPr id="5" name="직사각형 4"/>
+          <p:cNvSpPr/>
+          <p:nvPr/>
+        </p:nvSpPr>
+        <p:spPr>
+          <a:xfrm>
+            <a:off x="645458" y="2857451"/>
+            <a:ext cx="10814230" cy="657645"/>
+          </a:xfrm>
+          <a:prstGeom prst="rect">
+            <a:avLst/>
+          </a:prstGeom>
+          <a:noFill/>
+          <a:ln w="28575">
+            <a:solidFill>
+              <a:srgbClr val="FF0000"/>
+            </a:solidFill>
+          </a:ln>
+        </p:spPr>
+        <p:style>
+          <a:lnRef idx="2">
+            <a:schemeClr val="accent1">
+              <a:shade val="50000"/>
+            </a:schemeClr>
+          </a:lnRef>
+          <a:fillRef idx="1">
+            <a:schemeClr val="accent1"/>
+          </a:fillRef>
+          <a:effectRef idx="0">
+            <a:schemeClr val="accent1"/>
+          </a:effectRef>
+          <a:fontRef idx="minor">
+            <a:schemeClr val="lt1"/>
+          </a:fontRef>
+        </p:style>
+        <p:txBody>
+          <a:bodyPr rtlCol="0" anchor="ctr"/>
+          <a:lstStyle/>
+          <a:p>
+            <a:pPr algn="ctr"/>
+            <a:endParaRPr lang="ko-KR" altLang="en-US"/>
+          </a:p>
+        </p:txBody>
+      </p:sp>
+    </p:spTree>
+    <p:extLst>
+      <p:ext uri="{BB962C8B-B14F-4D97-AF65-F5344CB8AC3E}">
+        <p14:creationId xmlns:p14="http://schemas.microsoft.com/office/powerpoint/2010/main" val="2751484186"/>
       </p:ext>
     </p:extLst>
   </p:cSld>
@@ -5481,8 +5783,8 @@
         </p:nvSpPr>
         <p:spPr>
           <a:xfrm>
-            <a:off x="551328" y="322729"/>
-            <a:ext cx="11282083" cy="646331"/>
+            <a:off x="551329" y="322729"/>
+            <a:ext cx="6894500" cy="646331"/>
           </a:xfrm>
           <a:prstGeom prst="rect">
             <a:avLst/>
@@ -5496,35 +5798,42 @@
           <a:lstStyle/>
           <a:p>
             <a:r>
-              <a:rPr lang="en-US" altLang="ko-KR" sz="3600" dirty="0"/>
-              <a:t>select </a:t>
-            </a:r>
-            <a:r>
-              <a:rPr lang="ko-KR" altLang="en-US" sz="3600" dirty="0"/>
-              <a:t>와 </a:t>
-            </a:r>
-            <a:r>
-              <a:rPr lang="en-US" altLang="ko-KR" sz="3600" dirty="0"/>
-              <a:t>poll </a:t>
-            </a:r>
-            <a:r>
-              <a:rPr lang="ko-KR" altLang="en-US" sz="3600" dirty="0"/>
-              <a:t>비교</a:t>
-            </a:r>
-            <a:endParaRPr lang="ko-KR" altLang="en-US" sz="3600" b="1" dirty="0"/>
-          </a:p>
-        </p:txBody>
-      </p:sp>
-      <p:sp>
-        <p:nvSpPr>
-          <p:cNvPr id="3" name="직사각형 2"/>
+              <a:rPr lang="ko-KR" altLang="en-US" sz="3600" b="1" dirty="0"/>
+              <a:t>이제 </a:t>
+            </a:r>
+            <a:r>
+              <a:rPr lang="en-US" altLang="ko-KR" sz="3600" b="1" dirty="0"/>
+              <a:t>Windows</a:t>
+            </a:r>
+            <a:r>
+              <a:rPr lang="ko-KR" altLang="en-US" sz="3600" b="1" dirty="0"/>
+              <a:t>의 </a:t>
+            </a:r>
+            <a:r>
+              <a:rPr lang="en-US" altLang="ko-KR" sz="3600" b="1" dirty="0" err="1"/>
+              <a:t>WSAPoll</a:t>
+            </a:r>
+            <a:r>
+              <a:rPr lang="en-US" altLang="ko-KR" sz="3600" b="1" dirty="0"/>
+              <a:t> </a:t>
+            </a:r>
+            <a:r>
+              <a:rPr lang="ko-KR" altLang="en-US" sz="3600" b="1" dirty="0"/>
+              <a:t>로</a:t>
+            </a:r>
+          </a:p>
+        </p:txBody>
+      </p:sp>
+      <p:sp>
+        <p:nvSpPr>
+          <p:cNvPr id="4" name="직사각형 3"/>
           <p:cNvSpPr/>
           <p:nvPr/>
         </p:nvSpPr>
         <p:spPr>
           <a:xfrm>
-            <a:off x="645458" y="1186988"/>
-            <a:ext cx="10703859" cy="4247317"/>
+            <a:off x="2822369" y="6569126"/>
+            <a:ext cx="9349839" cy="276999"/>
           </a:xfrm>
           <a:prstGeom prst="rect">
             <a:avLst/>
@@ -5537,336 +5846,46 @@
           <a:lstStyle/>
           <a:p>
             <a:r>
-              <a:rPr lang="en-US" altLang="ko-KR" dirty="0"/>
-              <a:t>poll </a:t>
-            </a:r>
-            <a:r>
-              <a:rPr lang="ko-KR" altLang="en-US" dirty="0"/>
-              <a:t>은 가장 높은 </a:t>
-            </a:r>
-            <a:r>
-              <a:rPr lang="en-US" altLang="ko-KR" dirty="0" err="1"/>
-              <a:t>fd</a:t>
-            </a:r>
-            <a:r>
-              <a:rPr lang="ko-KR" altLang="en-US" dirty="0"/>
-              <a:t>에 </a:t>
-            </a:r>
-            <a:r>
-              <a:rPr lang="en-US" altLang="ko-KR" dirty="0"/>
-              <a:t>+1</a:t>
-            </a:r>
-            <a:r>
-              <a:rPr lang="ko-KR" altLang="en-US" dirty="0"/>
-              <a:t>을 할 필요가 없다</a:t>
-            </a:r>
-            <a:r>
-              <a:rPr lang="en-US" altLang="ko-KR" dirty="0"/>
-              <a:t>.</a:t>
-            </a:r>
-            <a:br>
-              <a:rPr lang="en-US" altLang="ko-KR" dirty="0"/>
-            </a:br>
-            <a:endParaRPr lang="en-US" altLang="ko-KR" dirty="0"/>
-          </a:p>
-          <a:p>
-            <a:r>
-              <a:rPr lang="en-US" altLang="ko-KR" dirty="0"/>
-              <a:t>poll</a:t>
-            </a:r>
-            <a:r>
-              <a:rPr lang="ko-KR" altLang="en-US" dirty="0"/>
-              <a:t>은 </a:t>
-            </a:r>
-            <a:r>
-              <a:rPr lang="en-US" altLang="ko-KR" dirty="0" err="1"/>
-              <a:t>fd</a:t>
-            </a:r>
-            <a:r>
-              <a:rPr lang="ko-KR" altLang="en-US" dirty="0"/>
-              <a:t>가 클 경우 좋다</a:t>
-            </a:r>
-            <a:r>
-              <a:rPr lang="en-US" altLang="ko-KR" dirty="0"/>
-              <a:t>. select</a:t>
-            </a:r>
-            <a:r>
-              <a:rPr lang="ko-KR" altLang="en-US" dirty="0"/>
-              <a:t>는 모든 </a:t>
-            </a:r>
-            <a:r>
-              <a:rPr lang="en-US" altLang="ko-KR" dirty="0" err="1"/>
-              <a:t>fd</a:t>
-            </a:r>
-            <a:r>
-              <a:rPr lang="ko-KR" altLang="en-US" dirty="0"/>
-              <a:t>의 비트를 검사한다</a:t>
-            </a:r>
-            <a:r>
-              <a:rPr lang="en-US" altLang="ko-KR" dirty="0"/>
-              <a:t>. (select</a:t>
-            </a:r>
-            <a:r>
-              <a:rPr lang="ko-KR" altLang="en-US" dirty="0"/>
-              <a:t>는 </a:t>
-            </a:r>
-            <a:r>
-              <a:rPr lang="en-US" altLang="ko-KR" dirty="0"/>
-              <a:t>for loop</a:t>
-            </a:r>
-            <a:r>
-              <a:rPr lang="ko-KR" altLang="en-US" dirty="0"/>
-              <a:t>에서 </a:t>
-            </a:r>
-            <a:r>
-              <a:rPr lang="en-US" altLang="ko-KR" dirty="0"/>
-              <a:t>set </a:t>
-            </a:r>
-            <a:r>
-              <a:rPr lang="ko-KR" altLang="en-US" dirty="0"/>
-              <a:t>된 정보를 찾음</a:t>
-            </a:r>
-            <a:r>
-              <a:rPr lang="en-US" altLang="ko-KR" dirty="0"/>
-              <a:t>)</a:t>
-            </a:r>
-          </a:p>
-          <a:p>
-            <a:r>
-              <a:rPr lang="en-US" altLang="ko-KR" dirty="0"/>
-              <a:t>-&gt; </a:t>
-            </a:r>
-            <a:r>
-              <a:rPr lang="ko-KR" altLang="en-US" dirty="0"/>
-              <a:t>그렇다고 </a:t>
-            </a:r>
-            <a:r>
-              <a:rPr lang="en-US" altLang="ko-KR" dirty="0"/>
-              <a:t>select</a:t>
-            </a:r>
-            <a:r>
-              <a:rPr lang="ko-KR" altLang="en-US" dirty="0"/>
-              <a:t>가 안좋다고 말할 수 없다</a:t>
-            </a:r>
-            <a:r>
-              <a:rPr lang="en-US" altLang="ko-KR" dirty="0"/>
-              <a:t>. </a:t>
-            </a:r>
-            <a:r>
-              <a:rPr lang="ko-KR" altLang="en-US" dirty="0"/>
-              <a:t>이벤트가 자주 발생하고 연속적인 시스템에서는 </a:t>
-            </a:r>
-            <a:r>
-              <a:rPr lang="en-US" altLang="ko-KR" dirty="0"/>
-              <a:t>select</a:t>
-            </a:r>
-            <a:r>
-              <a:rPr lang="ko-KR" altLang="en-US" dirty="0"/>
-              <a:t>를 사용 </a:t>
-            </a:r>
-            <a:r>
-              <a:rPr lang="en-US" altLang="ko-KR" dirty="0"/>
-              <a:t>(apache http)</a:t>
-            </a:r>
-          </a:p>
-          <a:p>
-            <a:endParaRPr lang="en-US" altLang="ko-KR" dirty="0"/>
-          </a:p>
-          <a:p>
-            <a:r>
-              <a:rPr lang="en-US" altLang="ko-KR" dirty="0"/>
-              <a:t>poll</a:t>
-            </a:r>
-            <a:r>
-              <a:rPr lang="ko-KR" altLang="en-US" dirty="0"/>
-              <a:t>은 어느 정도 분산되어 있거나 크기 제한이 없는 여러 개의 </a:t>
-            </a:r>
-            <a:r>
-              <a:rPr lang="en-US" altLang="ko-KR" dirty="0"/>
-              <a:t>array </a:t>
-            </a:r>
-            <a:r>
-              <a:rPr lang="ko-KR" altLang="en-US" dirty="0"/>
-              <a:t>형태로 넘겨서 사용할 때 유용하다</a:t>
-            </a:r>
-            <a:r>
-              <a:rPr lang="en-US" altLang="ko-KR" dirty="0"/>
-              <a:t>. </a:t>
-            </a:r>
-          </a:p>
-          <a:p>
-            <a:r>
-              <a:rPr lang="ko-KR" altLang="en-US" dirty="0"/>
-              <a:t>그리고</a:t>
-            </a:r>
-            <a:r>
-              <a:rPr lang="en-US" altLang="ko-KR" dirty="0"/>
-              <a:t>, </a:t>
-            </a:r>
-            <a:r>
-              <a:rPr lang="ko-KR" altLang="en-US" dirty="0"/>
-              <a:t>필요한 것만 비교할 경우가 효과적이다</a:t>
-            </a:r>
-            <a:r>
-              <a:rPr lang="en-US" altLang="ko-KR" dirty="0"/>
-              <a:t>. </a:t>
-            </a:r>
-          </a:p>
-          <a:p>
-            <a:endParaRPr lang="en-US" altLang="ko-KR" dirty="0"/>
-          </a:p>
-          <a:p>
-            <a:r>
-              <a:rPr lang="en-US" altLang="ko-KR" dirty="0"/>
-              <a:t>- select</a:t>
-            </a:r>
-            <a:r>
-              <a:rPr lang="ko-KR" altLang="en-US" dirty="0"/>
-              <a:t>는 </a:t>
-            </a:r>
-            <a:r>
-              <a:rPr lang="en-US" altLang="ko-KR" dirty="0" err="1"/>
-              <a:t>fd</a:t>
-            </a:r>
-            <a:r>
-              <a:rPr lang="en-US" altLang="ko-KR" dirty="0"/>
-              <a:t> set</a:t>
-            </a:r>
-            <a:r>
-              <a:rPr lang="ko-KR" altLang="en-US" dirty="0"/>
-              <a:t>을 초기화를 해야 하지만</a:t>
-            </a:r>
-            <a:r>
-              <a:rPr lang="en-US" altLang="ko-KR" dirty="0"/>
-              <a:t>, poll</a:t>
-            </a:r>
-            <a:r>
-              <a:rPr lang="ko-KR" altLang="en-US" dirty="0"/>
-              <a:t>은 입력과 결과를 분리할 수 있다</a:t>
-            </a:r>
-            <a:r>
-              <a:rPr lang="en-US" altLang="ko-KR" dirty="0"/>
-              <a:t>.</a:t>
-            </a:r>
-          </a:p>
-          <a:p>
-            <a:r>
-              <a:rPr lang="en-US" altLang="ko-KR" dirty="0"/>
-              <a:t>- select</a:t>
-            </a:r>
-            <a:r>
-              <a:rPr lang="ko-KR" altLang="en-US" dirty="0"/>
-              <a:t>는 사이즈 제한이 있다</a:t>
-            </a:r>
-            <a:r>
-              <a:rPr lang="en-US" altLang="ko-KR" dirty="0"/>
-              <a:t>. </a:t>
-            </a:r>
-          </a:p>
-          <a:p>
-            <a:r>
-              <a:rPr lang="en-US" altLang="ko-KR" dirty="0"/>
-              <a:t>- select</a:t>
-            </a:r>
-            <a:r>
-              <a:rPr lang="ko-KR" altLang="en-US" dirty="0"/>
-              <a:t>가 이식성이 좋음</a:t>
-            </a:r>
-            <a:r>
-              <a:rPr lang="en-US" altLang="ko-KR" dirty="0"/>
-              <a:t>. </a:t>
-            </a:r>
-            <a:r>
-              <a:rPr lang="ko-KR" altLang="en-US" dirty="0"/>
-              <a:t>어떤 시스템은 </a:t>
-            </a:r>
-            <a:r>
-              <a:rPr lang="en-US" altLang="ko-KR" dirty="0"/>
-              <a:t>poll</a:t>
-            </a:r>
-            <a:r>
-              <a:rPr lang="ko-KR" altLang="en-US" dirty="0"/>
-              <a:t>을 쓰지 않기도 함 </a:t>
-            </a:r>
-          </a:p>
-          <a:p>
-            <a:r>
-              <a:rPr lang="en-US" altLang="ko-KR" dirty="0"/>
-              <a:t>- select</a:t>
-            </a:r>
-            <a:r>
-              <a:rPr lang="ko-KR" altLang="en-US" dirty="0"/>
-              <a:t>의 </a:t>
-            </a:r>
-            <a:r>
-              <a:rPr lang="en-US" altLang="ko-KR" dirty="0"/>
-              <a:t>timeout</a:t>
-            </a:r>
-            <a:r>
-              <a:rPr lang="ko-KR" altLang="en-US" dirty="0"/>
-              <a:t>이 </a:t>
-            </a:r>
-            <a:r>
-              <a:rPr lang="en-US" altLang="ko-KR" dirty="0"/>
-              <a:t>poll</a:t>
-            </a:r>
-            <a:r>
-              <a:rPr lang="ko-KR" altLang="en-US" dirty="0"/>
-              <a:t>의 </a:t>
-            </a:r>
-            <a:r>
-              <a:rPr lang="en-US" altLang="ko-KR" dirty="0"/>
-              <a:t>timeout</a:t>
-            </a:r>
-            <a:r>
-              <a:rPr lang="ko-KR" altLang="en-US" dirty="0"/>
-              <a:t>보다 안정적임</a:t>
-            </a:r>
-          </a:p>
-        </p:txBody>
-      </p:sp>
-      <p:sp>
-        <p:nvSpPr>
-          <p:cNvPr id="4" name="직사각형 3"/>
-          <p:cNvSpPr/>
+              <a:rPr lang="ko-KR" altLang="en-US" sz="1200" dirty="0">
+                <a:hlinkClick r:id="rId2"/>
+              </a:rPr>
+              <a:t>https://blogs.msdn.microsoft.com/wndp/2006/10/26/wsapoll-a-new-winsock-api-to-simplify-porting-poll-applications-to-winsock/</a:t>
+            </a:r>
+            <a:r>
+              <a:rPr lang="ko-KR" altLang="en-US" sz="1200" dirty="0"/>
+              <a:t> </a:t>
+            </a:r>
+          </a:p>
+        </p:txBody>
+      </p:sp>
+      <p:pic>
+        <p:nvPicPr>
+          <p:cNvPr id="6" name="그림 5"/>
+          <p:cNvPicPr>
+            <a:picLocks noChangeAspect="1"/>
+          </p:cNvPicPr>
           <p:nvPr/>
-        </p:nvSpPr>
+        </p:nvPicPr>
+        <p:blipFill>
+          <a:blip r:embed="rId3"/>
+          <a:stretch>
+            <a:fillRect/>
+          </a:stretch>
+        </p:blipFill>
         <p:spPr>
           <a:xfrm>
-            <a:off x="918587" y="6527142"/>
-            <a:ext cx="11187953" cy="276999"/>
+            <a:off x="1750434" y="969060"/>
+            <a:ext cx="8524875" cy="5419725"/>
           </a:xfrm>
           <a:prstGeom prst="rect">
             <a:avLst/>
           </a:prstGeom>
         </p:spPr>
-        <p:txBody>
-          <a:bodyPr wrap="square">
-            <a:spAutoFit/>
-          </a:bodyPr>
-          <a:lstStyle/>
-          <a:p>
-            <a:r>
-              <a:rPr lang="ko-KR" altLang="en-US" sz="1200" dirty="0"/>
-              <a:t>출처: </a:t>
-            </a:r>
-            <a:r>
-              <a:rPr lang="ko-KR" altLang="en-US" sz="1200" dirty="0">
-                <a:hlinkClick r:id="rId2"/>
-              </a:rPr>
-              <a:t>http://knight76.tistory.com/entry/select-poll-%EC%8B%9C%EC%8A%A4%ED%85%9C-%EC%BD%9C-%EC%9D%B4%ED%95%B4%ED%95%98%EA%B8%B0</a:t>
-            </a:r>
-            <a:r>
-              <a:rPr lang="ko-KR" altLang="en-US" sz="1200" dirty="0"/>
-              <a:t> </a:t>
-            </a:r>
-          </a:p>
-        </p:txBody>
-      </p:sp>
+      </p:pic>
     </p:spTree>
     <p:extLst>
       <p:ext uri="{BB962C8B-B14F-4D97-AF65-F5344CB8AC3E}">
-        <p14:creationId xmlns:p14="http://schemas.microsoft.com/office/powerpoint/2010/main" val="2751484186"/>
+        <p14:creationId xmlns:p14="http://schemas.microsoft.com/office/powerpoint/2010/main" val="384142984"/>
       </p:ext>
     </p:extLst>
   </p:cSld>
@@ -5895,63 +5914,14 @@
       </p:grpSpPr>
       <p:sp>
         <p:nvSpPr>
-          <p:cNvPr id="2" name="TextBox 1"/>
-          <p:cNvSpPr txBox="1"/>
-          <p:nvPr/>
-        </p:nvSpPr>
-        <p:spPr>
-          <a:xfrm>
-            <a:off x="551329" y="322729"/>
-            <a:ext cx="6894500" cy="646331"/>
-          </a:xfrm>
-          <a:prstGeom prst="rect">
-            <a:avLst/>
-          </a:prstGeom>
-          <a:noFill/>
-        </p:spPr>
-        <p:txBody>
-          <a:bodyPr wrap="square" rtlCol="0">
-            <a:spAutoFit/>
-          </a:bodyPr>
-          <a:lstStyle/>
-          <a:p>
-            <a:r>
-              <a:rPr lang="ko-KR" altLang="en-US" sz="3600" b="1" dirty="0"/>
-              <a:t>이제 </a:t>
-            </a:r>
-            <a:r>
-              <a:rPr lang="en-US" altLang="ko-KR" sz="3600" b="1" dirty="0"/>
-              <a:t>Windows</a:t>
-            </a:r>
-            <a:r>
-              <a:rPr lang="ko-KR" altLang="en-US" sz="3600" b="1" dirty="0"/>
-              <a:t>의 </a:t>
-            </a:r>
-            <a:r>
-              <a:rPr lang="en-US" altLang="ko-KR" sz="3600" b="1" dirty="0" err="1"/>
-              <a:t>WSAPoll</a:t>
-            </a:r>
-            <a:r>
-              <a:rPr lang="en-US" altLang="ko-KR" sz="3600" b="1" dirty="0"/>
-              <a:t> </a:t>
-            </a:r>
-            <a:r>
-              <a:rPr lang="ko-KR" altLang="en-US" sz="3600" b="1" dirty="0"/>
-              <a:t>로</a:t>
-            </a:r>
-          </a:p>
-        </p:txBody>
-      </p:sp>
-      <p:sp>
-        <p:nvSpPr>
-          <p:cNvPr id="4" name="직사각형 3"/>
+          <p:cNvPr id="2" name="직사각형 1"/>
           <p:cNvSpPr/>
           <p:nvPr/>
         </p:nvSpPr>
         <p:spPr>
           <a:xfrm>
-            <a:off x="2822369" y="6569126"/>
-            <a:ext cx="9349839" cy="276999"/>
+            <a:off x="472135" y="2853139"/>
+            <a:ext cx="10770919" cy="923330"/>
           </a:xfrm>
           <a:prstGeom prst="rect">
             <a:avLst/>
@@ -5964,36 +5934,86 @@
           <a:lstStyle/>
           <a:p>
             <a:r>
-              <a:rPr lang="ko-KR" altLang="en-US" sz="1200" dirty="0">
-                <a:hlinkClick r:id="rId2"/>
-              </a:rPr>
-              <a:t>https://blogs.msdn.microsoft.com/wndp/2006/10/26/wsapoll-a-new-winsock-api-to-simplify-porting-poll-applications-to-winsock/</a:t>
-            </a:r>
-            <a:r>
-              <a:rPr lang="ko-KR" altLang="en-US" sz="1200" dirty="0"/>
+              <a:rPr lang="ko-KR" altLang="en-US" dirty="0" err="1"/>
+              <a:t>poll</a:t>
+            </a:r>
+            <a:r>
+              <a:rPr lang="ko-KR" altLang="en-US" dirty="0"/>
+              <a:t>()을 사용하여 응용 프로그램을 개발 한 경험이 있다면 </a:t>
+            </a:r>
+            <a:r>
+              <a:rPr lang="ko-KR" altLang="en-US" dirty="0" err="1"/>
+              <a:t>WSAPoll은</a:t>
+            </a:r>
+            <a:r>
+              <a:rPr lang="ko-KR" altLang="en-US" dirty="0"/>
+              <a:t> 매우 친숙하다. </a:t>
+            </a:r>
+            <a:r>
+              <a:rPr lang="ko-KR" altLang="en-US" b="1" dirty="0" err="1"/>
+              <a:t>poll</a:t>
+            </a:r>
+            <a:r>
+              <a:rPr lang="ko-KR" altLang="en-US" b="1" dirty="0"/>
+              <a:t>()과 똑같이 동작하도록 설계되었다</a:t>
+            </a:r>
+            <a:r>
+              <a:rPr lang="ko-KR" altLang="en-US" dirty="0"/>
+              <a:t>. 실제로 BSD </a:t>
+            </a:r>
+            <a:r>
+              <a:rPr lang="ko-KR" altLang="en-US" dirty="0" err="1"/>
+              <a:t>Unix에서</a:t>
+            </a:r>
+            <a:r>
+              <a:rPr lang="ko-KR" altLang="en-US" dirty="0"/>
+              <a:t> 실행되도록 </a:t>
+            </a:r>
+            <a:r>
+              <a:rPr lang="ko-KR" altLang="en-US" dirty="0" err="1"/>
+              <a:t>Winsock</a:t>
+            </a:r>
+            <a:r>
+              <a:rPr lang="ko-KR" altLang="en-US" dirty="0"/>
               <a:t> </a:t>
             </a:r>
+            <a:r>
+              <a:rPr lang="ko-KR" altLang="en-US" dirty="0" err="1"/>
+              <a:t>WSAPoll</a:t>
+            </a:r>
+            <a:r>
+              <a:rPr lang="ko-KR" altLang="en-US" dirty="0"/>
+              <a:t> SDK 샘플을 이식했다. </a:t>
+            </a:r>
+            <a:endParaRPr lang="en-US" altLang="ko-KR" dirty="0"/>
+          </a:p>
+          <a:p>
+            <a:r>
+              <a:rPr lang="en-US" altLang="ko-KR" dirty="0"/>
+              <a:t>…..</a:t>
+            </a:r>
+            <a:endParaRPr lang="ko-KR" altLang="en-US" dirty="0"/>
           </a:p>
         </p:txBody>
       </p:sp>
       <p:pic>
         <p:nvPicPr>
-          <p:cNvPr id="6" name="그림 5"/>
+          <p:cNvPr id="3" name="그림 2"/>
           <p:cNvPicPr>
             <a:picLocks noChangeAspect="1"/>
           </p:cNvPicPr>
           <p:nvPr/>
         </p:nvPicPr>
         <p:blipFill>
-          <a:blip r:embed="rId3"/>
+          <a:blip r:embed="rId2"/>
           <a:stretch>
             <a:fillRect/>
           </a:stretch>
         </p:blipFill>
         <p:spPr>
           <a:xfrm>
-            <a:off x="1750434" y="969060"/>
-            <a:ext cx="8524875" cy="5419725"/>
+            <a:off x="472135" y="947799"/>
+            <a:ext cx="11037932" cy="1676648"/>
           </a:xfrm>
           <a:prstGeom prst="rect">
             <a:avLst/>
@@ -6003,7 +6023,7 @@
     </p:spTree>
     <p:extLst>
       <p:ext uri="{BB962C8B-B14F-4D97-AF65-F5344CB8AC3E}">
-        <p14:creationId xmlns:p14="http://schemas.microsoft.com/office/powerpoint/2010/main" val="384142984"/>
+        <p14:creationId xmlns:p14="http://schemas.microsoft.com/office/powerpoint/2010/main" val="1778192700"/>
       </p:ext>
     </p:extLst>
   </p:cSld>
@@ -6038,144 +6058,6 @@
         </p:nvSpPr>
         <p:spPr>
           <a:xfrm>
-            <a:off x="472135" y="2853139"/>
-            <a:ext cx="10770919" cy="923330"/>
-          </a:xfrm>
-          <a:prstGeom prst="rect">
-            <a:avLst/>
-          </a:prstGeom>
-        </p:spPr>
-        <p:txBody>
-          <a:bodyPr wrap="square">
-            <a:spAutoFit/>
-          </a:bodyPr>
-          <a:lstStyle/>
-          <a:p>
-            <a:r>
-              <a:rPr lang="ko-KR" altLang="en-US" dirty="0" err="1"/>
-              <a:t>poll</a:t>
-            </a:r>
-            <a:r>
-              <a:rPr lang="ko-KR" altLang="en-US" dirty="0"/>
-              <a:t>()을 사용하여 응용 프로그램을 개발 한 경험이 있다면 </a:t>
-            </a:r>
-            <a:r>
-              <a:rPr lang="ko-KR" altLang="en-US" dirty="0" err="1"/>
-              <a:t>WSAPoll은</a:t>
-            </a:r>
-            <a:r>
-              <a:rPr lang="ko-KR" altLang="en-US" dirty="0"/>
-              <a:t> 매우 친숙하다. </a:t>
-            </a:r>
-            <a:r>
-              <a:rPr lang="ko-KR" altLang="en-US" b="1" dirty="0" err="1"/>
-              <a:t>poll</a:t>
-            </a:r>
-            <a:r>
-              <a:rPr lang="ko-KR" altLang="en-US" b="1" dirty="0"/>
-              <a:t>()과 똑같이 동작하도록 설계되었다</a:t>
-            </a:r>
-            <a:r>
-              <a:rPr lang="ko-KR" altLang="en-US" dirty="0"/>
-              <a:t>. 실제로 BSD </a:t>
-            </a:r>
-            <a:r>
-              <a:rPr lang="ko-KR" altLang="en-US" dirty="0" err="1"/>
-              <a:t>Unix에서</a:t>
-            </a:r>
-            <a:r>
-              <a:rPr lang="ko-KR" altLang="en-US" dirty="0"/>
-              <a:t> 실행되도록 </a:t>
-            </a:r>
-            <a:r>
-              <a:rPr lang="ko-KR" altLang="en-US" dirty="0" err="1"/>
-              <a:t>Winsock</a:t>
-            </a:r>
-            <a:r>
-              <a:rPr lang="ko-KR" altLang="en-US" dirty="0"/>
-              <a:t> </a:t>
-            </a:r>
-            <a:r>
-              <a:rPr lang="ko-KR" altLang="en-US" dirty="0" err="1"/>
-              <a:t>WSAPoll</a:t>
-            </a:r>
-            <a:r>
-              <a:rPr lang="ko-KR" altLang="en-US" dirty="0"/>
-              <a:t> SDK 샘플을 이식했다. </a:t>
-            </a:r>
-            <a:endParaRPr lang="en-US" altLang="ko-KR" dirty="0"/>
-          </a:p>
-          <a:p>
-            <a:r>
-              <a:rPr lang="en-US" altLang="ko-KR" dirty="0"/>
-              <a:t>…..</a:t>
-            </a:r>
-            <a:endParaRPr lang="ko-KR" altLang="en-US" dirty="0"/>
-          </a:p>
-        </p:txBody>
-      </p:sp>
-      <p:pic>
-        <p:nvPicPr>
-          <p:cNvPr id="3" name="그림 2"/>
-          <p:cNvPicPr>
-            <a:picLocks noChangeAspect="1"/>
-          </p:cNvPicPr>
-          <p:nvPr/>
-        </p:nvPicPr>
-        <p:blipFill>
-          <a:blip r:embed="rId2"/>
-          <a:stretch>
-            <a:fillRect/>
-          </a:stretch>
-        </p:blipFill>
-        <p:spPr>
-          <a:xfrm>
-            <a:off x="472135" y="947799"/>
-            <a:ext cx="11037932" cy="1676648"/>
-          </a:xfrm>
-          <a:prstGeom prst="rect">
-            <a:avLst/>
-          </a:prstGeom>
-        </p:spPr>
-      </p:pic>
-    </p:spTree>
-    <p:extLst>
-      <p:ext uri="{BB962C8B-B14F-4D97-AF65-F5344CB8AC3E}">
-        <p14:creationId xmlns:p14="http://schemas.microsoft.com/office/powerpoint/2010/main" val="1778192700"/>
-      </p:ext>
-    </p:extLst>
-  </p:cSld>
-  <p:clrMapOvr>
-    <a:masterClrMapping/>
-  </p:clrMapOvr>
-</p:sld>
-</file>
-
-<file path=ppt/slides/slide18.xml><?xml version="1.0" encoding="utf-8"?>
-<p:sld xmlns:a="http://schemas.openxmlformats.org/drawingml/2006/main" xmlns:r="http://schemas.openxmlformats.org/officeDocument/2006/relationships" xmlns:p="http://schemas.openxmlformats.org/presentationml/2006/main">
-  <p:cSld>
-    <p:spTree>
-      <p:nvGrpSpPr>
-        <p:cNvPr id="1" name=""/>
-        <p:cNvGrpSpPr/>
-        <p:nvPr/>
-      </p:nvGrpSpPr>
-      <p:grpSpPr>
-        <a:xfrm>
-          <a:off x="0" y="0"/>
-          <a:ext cx="0" cy="0"/>
-          <a:chOff x="0" y="0"/>
-          <a:chExt cx="0" cy="0"/>
-        </a:xfrm>
-      </p:grpSpPr>
-      <p:sp>
-        <p:nvSpPr>
-          <p:cNvPr id="2" name="직사각형 1"/>
-          <p:cNvSpPr/>
-          <p:nvPr/>
-        </p:nvSpPr>
-        <p:spPr>
-          <a:xfrm>
             <a:off x="6915398" y="445839"/>
             <a:ext cx="5078680" cy="400110"/>
           </a:xfrm>
@@ -6556,7 +6438,7 @@
 </p:sld>
 </file>
 
-<file path=ppt/slides/slide19.xml><?xml version="1.0" encoding="utf-8"?>
+<file path=ppt/slides/slide18.xml><?xml version="1.0" encoding="utf-8"?>
 <p:sld xmlns:a="http://schemas.openxmlformats.org/drawingml/2006/main" xmlns:r="http://schemas.openxmlformats.org/officeDocument/2006/relationships" xmlns:p="http://schemas.openxmlformats.org/presentationml/2006/main">
   <p:cSld>
     <p:spTree>
@@ -7580,119 +7462,7 @@
 </p:sld>
 </file>
 
-<file path=ppt/slides/slide2.xml><?xml version="1.0" encoding="utf-8"?>
-<p:sld xmlns:a="http://schemas.openxmlformats.org/drawingml/2006/main" xmlns:r="http://schemas.openxmlformats.org/officeDocument/2006/relationships" xmlns:p="http://schemas.openxmlformats.org/presentationml/2006/main">
-  <p:cSld>
-    <p:spTree>
-      <p:nvGrpSpPr>
-        <p:cNvPr id="1" name=""/>
-        <p:cNvGrpSpPr/>
-        <p:nvPr/>
-      </p:nvGrpSpPr>
-      <p:grpSpPr>
-        <a:xfrm>
-          <a:off x="0" y="0"/>
-          <a:ext cx="0" cy="0"/>
-          <a:chOff x="0" y="0"/>
-          <a:chExt cx="0" cy="0"/>
-        </a:xfrm>
-      </p:grpSpPr>
-      <p:pic>
-        <p:nvPicPr>
-          <p:cNvPr id="1028" name="Picture 4" descr="C#에 대한 이미지 검색결과"/>
-          <p:cNvPicPr>
-            <a:picLocks noChangeAspect="1" noChangeArrowheads="1"/>
-          </p:cNvPicPr>
-          <p:nvPr/>
-        </p:nvPicPr>
-        <p:blipFill>
-          <a:blip r:embed="rId2">
-            <a:extLst>
-              <a:ext uri="{28A0092B-C50C-407E-A947-70E740481C1C}">
-                <a14:useLocalDpi xmlns:a14="http://schemas.microsoft.com/office/drawing/2010/main" val="0"/>
-              </a:ext>
-            </a:extLst>
-          </a:blip>
-          <a:srcRect/>
-          <a:stretch>
-            <a:fillRect/>
-          </a:stretch>
-        </p:blipFill>
-        <p:spPr bwMode="auto">
-          <a:xfrm>
-            <a:off x="6633114" y="1229154"/>
-            <a:ext cx="4387189" cy="4387189"/>
-          </a:xfrm>
-          <a:prstGeom prst="rect">
-            <a:avLst/>
-          </a:prstGeom>
-          <a:noFill/>
-          <a:extLst>
-            <a:ext uri="{909E8E84-426E-40DD-AFC4-6F175D3DCCD1}">
-              <a14:hiddenFill xmlns:a14="http://schemas.microsoft.com/office/drawing/2010/main">
-                <a:solidFill>
-                  <a:srgbClr val="FFFFFF"/>
-                </a:solidFill>
-              </a14:hiddenFill>
-            </a:ext>
-          </a:extLst>
-        </p:spPr>
-      </p:pic>
-      <p:pic>
-        <p:nvPicPr>
-          <p:cNvPr id="1032" name="Picture 8" descr="관련 이미지"/>
-          <p:cNvPicPr>
-            <a:picLocks noChangeAspect="1" noChangeArrowheads="1"/>
-          </p:cNvPicPr>
-          <p:nvPr/>
-        </p:nvPicPr>
-        <p:blipFill>
-          <a:blip r:embed="rId3">
-            <a:extLst>
-              <a:ext uri="{28A0092B-C50C-407E-A947-70E740481C1C}">
-                <a14:useLocalDpi xmlns:a14="http://schemas.microsoft.com/office/drawing/2010/main" val="0"/>
-              </a:ext>
-            </a:extLst>
-          </a:blip>
-          <a:srcRect/>
-          <a:stretch>
-            <a:fillRect/>
-          </a:stretch>
-        </p:blipFill>
-        <p:spPr bwMode="auto">
-          <a:xfrm>
-            <a:off x="1210789" y="1418479"/>
-            <a:ext cx="4976120" cy="4008541"/>
-          </a:xfrm>
-          <a:prstGeom prst="rect">
-            <a:avLst/>
-          </a:prstGeom>
-          <a:noFill/>
-          <a:extLst>
-            <a:ext uri="{909E8E84-426E-40DD-AFC4-6F175D3DCCD1}">
-              <a14:hiddenFill xmlns:a14="http://schemas.microsoft.com/office/drawing/2010/main">
-                <a:solidFill>
-                  <a:srgbClr val="FFFFFF"/>
-                </a:solidFill>
-              </a14:hiddenFill>
-            </a:ext>
-          </a:extLst>
-        </p:spPr>
-      </p:pic>
-    </p:spTree>
-    <p:extLst>
-      <p:ext uri="{BB962C8B-B14F-4D97-AF65-F5344CB8AC3E}">
-        <p14:creationId xmlns:p14="http://schemas.microsoft.com/office/powerpoint/2010/main" val="722124744"/>
-      </p:ext>
-    </p:extLst>
-  </p:cSld>
-  <p:clrMapOvr>
-    <a:masterClrMapping/>
-  </p:clrMapOvr>
-</p:sld>
-</file>
-
-<file path=ppt/slides/slide20.xml><?xml version="1.0" encoding="utf-8"?>
+<file path=ppt/slides/slide19.xml><?xml version="1.0" encoding="utf-8"?>
 <p:sld xmlns:a="http://schemas.openxmlformats.org/drawingml/2006/main" xmlns:r="http://schemas.openxmlformats.org/officeDocument/2006/relationships" xmlns:p="http://schemas.openxmlformats.org/presentationml/2006/main">
   <p:cSld>
     <p:spTree>
@@ -9028,6 +8798,310 @@
 </p:sld>
 </file>
 
+<file path=ppt/slides/slide2.xml><?xml version="1.0" encoding="utf-8"?>
+<p:sld xmlns:a="http://schemas.openxmlformats.org/drawingml/2006/main" xmlns:r="http://schemas.openxmlformats.org/officeDocument/2006/relationships" xmlns:p="http://schemas.openxmlformats.org/presentationml/2006/main">
+  <p:cSld>
+    <p:spTree>
+      <p:nvGrpSpPr>
+        <p:cNvPr id="1" name=""/>
+        <p:cNvGrpSpPr/>
+        <p:nvPr/>
+      </p:nvGrpSpPr>
+      <p:grpSpPr>
+        <a:xfrm>
+          <a:off x="0" y="0"/>
+          <a:ext cx="0" cy="0"/>
+          <a:chOff x="0" y="0"/>
+          <a:chExt cx="0" cy="0"/>
+        </a:xfrm>
+      </p:grpSpPr>
+      <p:pic>
+        <p:nvPicPr>
+          <p:cNvPr id="2" name="Picture 2" descr="http://www.hanbit.co.kr/data/books/B5569582339_l.jpg"/>
+          <p:cNvPicPr>
+            <a:picLocks noChangeAspect="1" noChangeArrowheads="1"/>
+          </p:cNvPicPr>
+          <p:nvPr/>
+        </p:nvPicPr>
+        <p:blipFill>
+          <a:blip r:embed="rId2">
+            <a:extLst>
+              <a:ext uri="{28A0092B-C50C-407E-A947-70E740481C1C}">
+                <a14:useLocalDpi xmlns:a14="http://schemas.microsoft.com/office/drawing/2010/main" val="0"/>
+              </a:ext>
+            </a:extLst>
+          </a:blip>
+          <a:srcRect/>
+          <a:stretch>
+            <a:fillRect/>
+          </a:stretch>
+        </p:blipFill>
+        <p:spPr bwMode="auto">
+          <a:xfrm>
+            <a:off x="1352797" y="1032907"/>
+            <a:ext cx="3810000" cy="5219700"/>
+          </a:xfrm>
+          <a:prstGeom prst="rect">
+            <a:avLst/>
+          </a:prstGeom>
+          <a:noFill/>
+          <a:extLst>
+            <a:ext uri="{909E8E84-426E-40DD-AFC4-6F175D3DCCD1}">
+              <a14:hiddenFill xmlns:a14="http://schemas.microsoft.com/office/drawing/2010/main">
+                <a:solidFill>
+                  <a:srgbClr val="FFFFFF"/>
+                </a:solidFill>
+              </a14:hiddenFill>
+            </a:ext>
+          </a:extLst>
+        </p:spPr>
+      </p:pic>
+      <p:pic>
+        <p:nvPicPr>
+          <p:cNvPr id="1030" name="Picture 6" descr="windows xp에 대한 이미지 검색결과"/>
+          <p:cNvPicPr>
+            <a:picLocks noChangeAspect="1" noChangeArrowheads="1"/>
+          </p:cNvPicPr>
+          <p:nvPr/>
+        </p:nvPicPr>
+        <p:blipFill>
+          <a:blip r:embed="rId3">
+            <a:extLst>
+              <a:ext uri="{28A0092B-C50C-407E-A947-70E740481C1C}">
+                <a14:useLocalDpi xmlns:a14="http://schemas.microsoft.com/office/drawing/2010/main" val="0"/>
+              </a:ext>
+            </a:extLst>
+          </a:blip>
+          <a:srcRect/>
+          <a:stretch>
+            <a:fillRect/>
+          </a:stretch>
+        </p:blipFill>
+        <p:spPr bwMode="auto">
+          <a:xfrm>
+            <a:off x="6214197" y="1643806"/>
+            <a:ext cx="4770477" cy="3577858"/>
+          </a:xfrm>
+          <a:prstGeom prst="rect">
+            <a:avLst/>
+          </a:prstGeom>
+          <a:noFill/>
+          <a:extLst>
+            <a:ext uri="{909E8E84-426E-40DD-AFC4-6F175D3DCCD1}">
+              <a14:hiddenFill xmlns:a14="http://schemas.microsoft.com/office/drawing/2010/main">
+                <a:solidFill>
+                  <a:srgbClr val="FFFFFF"/>
+                </a:solidFill>
+              </a14:hiddenFill>
+            </a:ext>
+          </a:extLst>
+        </p:spPr>
+      </p:pic>
+    </p:spTree>
+    <p:extLst>
+      <p:ext uri="{BB962C8B-B14F-4D97-AF65-F5344CB8AC3E}">
+        <p14:creationId xmlns:p14="http://schemas.microsoft.com/office/powerpoint/2010/main" val="3717429832"/>
+      </p:ext>
+    </p:extLst>
+  </p:cSld>
+  <p:clrMapOvr>
+    <a:masterClrMapping/>
+  </p:clrMapOvr>
+</p:sld>
+</file>
+
+<file path=ppt/slides/slide20.xml><?xml version="1.0" encoding="utf-8"?>
+<p:sld xmlns:a="http://schemas.openxmlformats.org/drawingml/2006/main" xmlns:r="http://schemas.openxmlformats.org/officeDocument/2006/relationships" xmlns:p="http://schemas.openxmlformats.org/presentationml/2006/main">
+  <p:cSld>
+    <p:spTree>
+      <p:nvGrpSpPr>
+        <p:cNvPr id="1" name=""/>
+        <p:cNvGrpSpPr/>
+        <p:nvPr/>
+      </p:nvGrpSpPr>
+      <p:grpSpPr>
+        <a:xfrm>
+          <a:off x="0" y="0"/>
+          <a:ext cx="0" cy="0"/>
+          <a:chOff x="0" y="0"/>
+          <a:chExt cx="0" cy="0"/>
+        </a:xfrm>
+      </p:grpSpPr>
+      <p:sp>
+        <p:nvSpPr>
+          <p:cNvPr id="2" name="TextBox 1"/>
+          <p:cNvSpPr txBox="1"/>
+          <p:nvPr/>
+        </p:nvSpPr>
+        <p:spPr>
+          <a:xfrm>
+            <a:off x="551329" y="322729"/>
+            <a:ext cx="4074459" cy="646331"/>
+          </a:xfrm>
+          <a:prstGeom prst="rect">
+            <a:avLst/>
+          </a:prstGeom>
+          <a:noFill/>
+        </p:spPr>
+        <p:txBody>
+          <a:bodyPr wrap="square" rtlCol="0">
+            <a:spAutoFit/>
+          </a:bodyPr>
+          <a:lstStyle/>
+          <a:p>
+            <a:r>
+              <a:rPr lang="ko-KR" altLang="en-US" sz="3600" b="1" dirty="0"/>
+              <a:t>예제 코드 분석</a:t>
+            </a:r>
+          </a:p>
+        </p:txBody>
+      </p:sp>
+      <p:pic>
+        <p:nvPicPr>
+          <p:cNvPr id="4" name="그림 3"/>
+          <p:cNvPicPr>
+            <a:picLocks noChangeAspect="1"/>
+          </p:cNvPicPr>
+          <p:nvPr/>
+        </p:nvPicPr>
+        <p:blipFill>
+          <a:blip r:embed="rId2"/>
+          <a:stretch>
+            <a:fillRect/>
+          </a:stretch>
+        </p:blipFill>
+        <p:spPr>
+          <a:xfrm>
+            <a:off x="2403021" y="1111214"/>
+            <a:ext cx="5986241" cy="2795772"/>
+          </a:xfrm>
+          <a:prstGeom prst="rect">
+            <a:avLst/>
+          </a:prstGeom>
+        </p:spPr>
+      </p:pic>
+      <p:sp>
+        <p:nvSpPr>
+          <p:cNvPr id="5" name="직사각형 4"/>
+          <p:cNvSpPr/>
+          <p:nvPr/>
+        </p:nvSpPr>
+        <p:spPr>
+          <a:xfrm>
+            <a:off x="803563" y="4049140"/>
+            <a:ext cx="10549247" cy="2677656"/>
+          </a:xfrm>
+          <a:prstGeom prst="rect">
+            <a:avLst/>
+          </a:prstGeom>
+        </p:spPr>
+        <p:txBody>
+          <a:bodyPr wrap="square">
+            <a:spAutoFit/>
+          </a:bodyPr>
+          <a:lstStyle/>
+          <a:p>
+            <a:r>
+              <a:rPr lang="ko-KR" altLang="en-US" sz="2400" dirty="0" err="1"/>
+              <a:t>fdArray의</a:t>
+            </a:r>
+            <a:r>
+              <a:rPr lang="ko-KR" altLang="en-US" sz="2400" dirty="0"/>
+              <a:t> 요소 수가 1</a:t>
+            </a:r>
+            <a:r>
+              <a:rPr lang="en-US" altLang="ko-KR" sz="2400" dirty="0"/>
+              <a:t>6</a:t>
+            </a:r>
+            <a:r>
+              <a:rPr lang="ko-KR" altLang="en-US" sz="2400" dirty="0"/>
+              <a:t>이라면 이것은 1+1</a:t>
+            </a:r>
+            <a:r>
+              <a:rPr lang="en-US" altLang="ko-KR" sz="2400" dirty="0"/>
+              <a:t>5</a:t>
+            </a:r>
+            <a:r>
+              <a:rPr lang="ko-KR" altLang="en-US" sz="2400" dirty="0"/>
+              <a:t>로 </a:t>
+            </a:r>
+            <a:r>
+              <a:rPr lang="ko-KR" altLang="en-US" sz="2400" b="1" dirty="0"/>
+              <a:t>1개의 리슨 소켓과 1</a:t>
+            </a:r>
+            <a:r>
+              <a:rPr lang="en-US" altLang="ko-KR" sz="2400" b="1" dirty="0"/>
+              <a:t>5</a:t>
+            </a:r>
+            <a:r>
+              <a:rPr lang="ko-KR" altLang="en-US" sz="2400" b="1" dirty="0"/>
+              <a:t>개의 서버 소켓의 상태의 변경을 검출하는 목적이다</a:t>
+            </a:r>
+            <a:r>
+              <a:rPr lang="ko-KR" altLang="en-US" sz="2400" dirty="0"/>
+              <a:t>. 즉 접속할 수 있는 클라이언트의 최대 크기는 1</a:t>
+            </a:r>
+            <a:r>
+              <a:rPr lang="en-US" altLang="ko-KR" sz="2400" dirty="0"/>
+              <a:t>5</a:t>
+            </a:r>
+            <a:r>
+              <a:rPr lang="ko-KR" altLang="en-US" sz="2400" dirty="0"/>
+              <a:t>이다. </a:t>
+            </a:r>
+            <a:endParaRPr lang="en-US" altLang="ko-KR" sz="2400" dirty="0"/>
+          </a:p>
+          <a:p>
+            <a:r>
+              <a:rPr lang="ko-KR" altLang="en-US" sz="2400" dirty="0"/>
+              <a:t>초기 상태에서는 서버 소켓은 만들어지 않았으므로(접속한 클라이언트가 없으니) </a:t>
+            </a:r>
+            <a:r>
+              <a:rPr lang="ko-KR" altLang="en-US" sz="2400" dirty="0" err="1"/>
+              <a:t>NULL을</a:t>
+            </a:r>
+            <a:r>
+              <a:rPr lang="ko-KR" altLang="en-US" sz="2400" dirty="0"/>
+              <a:t> 지정하고 리슨 소켓은 배열의 선두에 지정한다.</a:t>
+            </a:r>
+          </a:p>
+          <a:p>
+            <a:r>
+              <a:rPr lang="ko-KR" altLang="en-US" sz="2400" b="1" dirty="0" err="1"/>
+              <a:t>events는</a:t>
+            </a:r>
+            <a:r>
+              <a:rPr lang="ko-KR" altLang="en-US" sz="2400" b="1" dirty="0"/>
+              <a:t> 검출하고 싶은 이벤트를 지정하고 </a:t>
+            </a:r>
+            <a:r>
+              <a:rPr lang="ko-KR" altLang="en-US" sz="2400" b="1" dirty="0" err="1"/>
+              <a:t>POLLRDNORM은</a:t>
+            </a:r>
+            <a:r>
+              <a:rPr lang="ko-KR" altLang="en-US" sz="2400" b="1" dirty="0"/>
+              <a:t> 접속 또는 데이터 읽기 검출을 한다</a:t>
+            </a:r>
+            <a:r>
+              <a:rPr lang="ko-KR" altLang="en-US" sz="2400" dirty="0"/>
+              <a:t>.</a:t>
+            </a:r>
+          </a:p>
+        </p:txBody>
+      </p:sp>
+    </p:spTree>
+    <p:extLst>
+      <p:ext uri="{BB962C8B-B14F-4D97-AF65-F5344CB8AC3E}">
+        <p14:creationId xmlns:p14="http://schemas.microsoft.com/office/powerpoint/2010/main" val="750272973"/>
+      </p:ext>
+    </p:extLst>
+  </p:cSld>
+  <p:clrMapOvr>
+    <a:masterClrMapping/>
+  </p:clrMapOvr>
+</p:sld>
+</file>
+
 <file path=ppt/slides/slide21.xml><?xml version="1.0" encoding="utf-8"?>
 <p:sld xmlns:a="http://schemas.openxmlformats.org/drawingml/2006/main" xmlns:r="http://schemas.openxmlformats.org/officeDocument/2006/relationships" xmlns:p="http://schemas.openxmlformats.org/presentationml/2006/main">
   <p:cSld>
@@ -9045,38 +9119,9 @@
           <a:chExt cx="0" cy="0"/>
         </a:xfrm>
       </p:grpSpPr>
-      <p:sp>
-        <p:nvSpPr>
-          <p:cNvPr id="2" name="TextBox 1"/>
-          <p:cNvSpPr txBox="1"/>
-          <p:nvPr/>
-        </p:nvSpPr>
-        <p:spPr>
-          <a:xfrm>
-            <a:off x="551329" y="322729"/>
-            <a:ext cx="4074459" cy="646331"/>
-          </a:xfrm>
-          <a:prstGeom prst="rect">
-            <a:avLst/>
-          </a:prstGeom>
-          <a:noFill/>
-        </p:spPr>
-        <p:txBody>
-          <a:bodyPr wrap="square" rtlCol="0">
-            <a:spAutoFit/>
-          </a:bodyPr>
-          <a:lstStyle/>
-          <a:p>
-            <a:r>
-              <a:rPr lang="ko-KR" altLang="en-US" sz="3600" b="1" dirty="0"/>
-              <a:t>예제 코드 분석</a:t>
-            </a:r>
-          </a:p>
-        </p:txBody>
-      </p:sp>
       <p:pic>
         <p:nvPicPr>
-          <p:cNvPr id="4" name="그림 3"/>
+          <p:cNvPr id="2" name="그림 1"/>
           <p:cNvPicPr>
             <a:picLocks noChangeAspect="1"/>
           </p:cNvPicPr>
@@ -9090,8 +9135,8 @@
         </p:blipFill>
         <p:spPr>
           <a:xfrm>
-            <a:off x="2403021" y="1111214"/>
-            <a:ext cx="5986241" cy="2795772"/>
+            <a:off x="1114487" y="1099767"/>
+            <a:ext cx="9674048" cy="1987818"/>
           </a:xfrm>
           <a:prstGeom prst="rect">
             <a:avLst/>
@@ -9100,14 +9145,14 @@
       </p:pic>
       <p:sp>
         <p:nvSpPr>
-          <p:cNvPr id="5" name="직사각형 4"/>
+          <p:cNvPr id="3" name="직사각형 2"/>
           <p:cNvSpPr/>
           <p:nvPr/>
         </p:nvSpPr>
         <p:spPr>
           <a:xfrm>
-            <a:off x="803563" y="4049140"/>
-            <a:ext cx="10549247" cy="2677656"/>
+            <a:off x="761096" y="3351769"/>
+            <a:ext cx="10888597" cy="2554545"/>
           </a:xfrm>
           <a:prstGeom prst="rect">
             <a:avLst/>
@@ -9120,89 +9165,57 @@
           <a:lstStyle/>
           <a:p>
             <a:r>
-              <a:rPr lang="ko-KR" altLang="en-US" sz="2400" dirty="0" err="1"/>
-              <a:t>fdArray의</a:t>
-            </a:r>
-            <a:r>
-              <a:rPr lang="ko-KR" altLang="en-US" sz="2400" dirty="0"/>
-              <a:t> 요소 수가 1</a:t>
-            </a:r>
-            <a:r>
-              <a:rPr lang="en-US" altLang="ko-KR" sz="2400" dirty="0"/>
-              <a:t>6</a:t>
-            </a:r>
-            <a:r>
-              <a:rPr lang="ko-KR" altLang="en-US" sz="2400" dirty="0"/>
-              <a:t>이라면 이것은 1+1</a:t>
-            </a:r>
-            <a:r>
-              <a:rPr lang="en-US" altLang="ko-KR" sz="2400" dirty="0"/>
-              <a:t>5</a:t>
-            </a:r>
-            <a:r>
-              <a:rPr lang="ko-KR" altLang="en-US" sz="2400" dirty="0"/>
-              <a:t>로 </a:t>
-            </a:r>
-            <a:r>
-              <a:rPr lang="ko-KR" altLang="en-US" sz="2400" b="1" dirty="0"/>
-              <a:t>1개의 리슨 소켓과 1</a:t>
-            </a:r>
-            <a:r>
-              <a:rPr lang="en-US" altLang="ko-KR" sz="2400" b="1" dirty="0"/>
-              <a:t>5</a:t>
-            </a:r>
-            <a:r>
-              <a:rPr lang="ko-KR" altLang="en-US" sz="2400" b="1" dirty="0"/>
-              <a:t>개의 서버 소켓의 상태의 변경을 검출하는 목적이다</a:t>
-            </a:r>
-            <a:r>
-              <a:rPr lang="ko-KR" altLang="en-US" sz="2400" dirty="0"/>
-              <a:t>. 즉 접속할 수 있는 클라이언트의 최대 크기는 1</a:t>
-            </a:r>
-            <a:r>
-              <a:rPr lang="en-US" altLang="ko-KR" sz="2400" dirty="0"/>
-              <a:t>5</a:t>
-            </a:r>
-            <a:r>
-              <a:rPr lang="ko-KR" altLang="en-US" sz="2400" dirty="0"/>
-              <a:t>이다. </a:t>
-            </a:r>
-            <a:endParaRPr lang="en-US" altLang="ko-KR" sz="2400" dirty="0"/>
-          </a:p>
-          <a:p>
-            <a:r>
-              <a:rPr lang="ko-KR" altLang="en-US" sz="2400" dirty="0"/>
-              <a:t>초기 상태에서는 서버 소켓은 만들어지 않았으므로(접속한 클라이언트가 없으니) </a:t>
-            </a:r>
-            <a:r>
-              <a:rPr lang="ko-KR" altLang="en-US" sz="2400" dirty="0" err="1"/>
-              <a:t>NULL을</a:t>
-            </a:r>
-            <a:r>
-              <a:rPr lang="ko-KR" altLang="en-US" sz="2400" dirty="0"/>
-              <a:t> 지정하고 리슨 소켓은 배열의 선두에 지정한다.</a:t>
-            </a:r>
-          </a:p>
-          <a:p>
-            <a:r>
-              <a:rPr lang="ko-KR" altLang="en-US" sz="2400" b="1" dirty="0" err="1"/>
-              <a:t>events는</a:t>
-            </a:r>
-            <a:r>
-              <a:rPr lang="ko-KR" altLang="en-US" sz="2400" b="1" dirty="0"/>
-              <a:t> 검출하고 싶은 이벤트를 지정하고 </a:t>
-            </a:r>
-            <a:r>
-              <a:rPr lang="ko-KR" altLang="en-US" sz="2400" b="1" dirty="0" err="1"/>
-              <a:t>POLLRDNORM은</a:t>
-            </a:r>
-            <a:r>
-              <a:rPr lang="ko-KR" altLang="en-US" sz="2400" b="1" dirty="0"/>
-              <a:t> 접속 또는 데이터 읽기 검출을 한다</a:t>
-            </a:r>
-            <a:r>
-              <a:rPr lang="ko-KR" altLang="en-US" sz="2400" dirty="0"/>
-              <a:t>.</a:t>
+              <a:rPr lang="ko-KR" altLang="en-US" sz="2000" dirty="0" err="1"/>
+              <a:t>WSAPoll이</a:t>
+            </a:r>
+            <a:r>
+              <a:rPr lang="ko-KR" altLang="en-US" sz="2000" dirty="0"/>
+              <a:t> 0 이하의 값을 반환한 경우에는 함수가 실패했음을 의미하므로 그 뜻을 표시한다. </a:t>
+            </a:r>
+          </a:p>
+          <a:p>
+            <a:r>
+              <a:rPr lang="ko-KR" altLang="en-US" sz="2000" b="1" dirty="0"/>
+              <a:t>0이 반환된 경우에는 타임 아웃이 발생한 것을 의미하며 이 경우 후속 처리를 실행하지 않는다</a:t>
+            </a:r>
+            <a:r>
+              <a:rPr lang="ko-KR" altLang="en-US" sz="2000" dirty="0"/>
+              <a:t>. </a:t>
+            </a:r>
+          </a:p>
+          <a:p>
+            <a:endParaRPr lang="en-US" altLang="ko-KR" sz="2000" dirty="0"/>
+          </a:p>
+          <a:p>
+            <a:r>
+              <a:rPr lang="ko-KR" altLang="en-US" sz="2000" dirty="0"/>
+              <a:t>위 </a:t>
+            </a:r>
+            <a:r>
+              <a:rPr lang="ko-KR" altLang="en-US" sz="2000" dirty="0" err="1"/>
+              <a:t>WSAPoll</a:t>
+            </a:r>
+            <a:r>
+              <a:rPr lang="ko-KR" altLang="en-US" sz="2000" dirty="0"/>
+              <a:t> 호출에서는 </a:t>
+            </a:r>
+            <a:r>
+              <a:rPr lang="ko-KR" altLang="en-US" sz="2000" b="1" dirty="0"/>
+              <a:t>500밀리 초 타임 아웃 값을 지정</a:t>
+            </a:r>
+            <a:r>
+              <a:rPr lang="ko-KR" altLang="en-US" sz="2000" dirty="0"/>
+              <a:t>하고 있지만 본래라면 -1 등의 마이너스 값을 지정하여 이벤트가 발생할 때까지 대기하는 것이 이상적이다.</a:t>
+            </a:r>
+            <a:endParaRPr lang="en-US" altLang="ko-KR" sz="2000" dirty="0"/>
+          </a:p>
+          <a:p>
+            <a:endParaRPr lang="ko-KR" altLang="en-US" sz="2000" dirty="0"/>
+          </a:p>
+          <a:p>
+            <a:r>
+              <a:rPr lang="ko-KR" altLang="en-US" sz="2000" dirty="0"/>
+              <a:t>0 보다 큰 값이 반환된 경우 배열 내의 어떤 소켓에 상태의 변경이 생겼는지 다음 처리에서 확인한다.</a:t>
             </a:r>
           </a:p>
         </p:txBody>
@@ -9210,7 +9223,7 @@
     </p:spTree>
     <p:extLst>
       <p:ext uri="{BB962C8B-B14F-4D97-AF65-F5344CB8AC3E}">
-        <p14:creationId xmlns:p14="http://schemas.microsoft.com/office/powerpoint/2010/main" val="750272973"/>
+        <p14:creationId xmlns:p14="http://schemas.microsoft.com/office/powerpoint/2010/main" val="1421070529"/>
       </p:ext>
     </p:extLst>
   </p:cSld>
@@ -9253,137 +9266,6 @@
         </p:blipFill>
         <p:spPr>
           <a:xfrm>
-            <a:off x="1114487" y="1099767"/>
-            <a:ext cx="9674048" cy="1987818"/>
-          </a:xfrm>
-          <a:prstGeom prst="rect">
-            <a:avLst/>
-          </a:prstGeom>
-        </p:spPr>
-      </p:pic>
-      <p:sp>
-        <p:nvSpPr>
-          <p:cNvPr id="3" name="직사각형 2"/>
-          <p:cNvSpPr/>
-          <p:nvPr/>
-        </p:nvSpPr>
-        <p:spPr>
-          <a:xfrm>
-            <a:off x="761096" y="3351769"/>
-            <a:ext cx="10888597" cy="2554545"/>
-          </a:xfrm>
-          <a:prstGeom prst="rect">
-            <a:avLst/>
-          </a:prstGeom>
-        </p:spPr>
-        <p:txBody>
-          <a:bodyPr wrap="square">
-            <a:spAutoFit/>
-          </a:bodyPr>
-          <a:lstStyle/>
-          <a:p>
-            <a:r>
-              <a:rPr lang="ko-KR" altLang="en-US" sz="2000" dirty="0" err="1"/>
-              <a:t>WSAPoll이</a:t>
-            </a:r>
-            <a:r>
-              <a:rPr lang="ko-KR" altLang="en-US" sz="2000" dirty="0"/>
-              <a:t> 0 이하의 값을 반환한 경우에는 함수가 실패했음을 의미하므로 그 뜻을 표시한다. </a:t>
-            </a:r>
-          </a:p>
-          <a:p>
-            <a:r>
-              <a:rPr lang="ko-KR" altLang="en-US" sz="2000" b="1" dirty="0"/>
-              <a:t>0이 반환된 경우에는 타임 아웃이 발생한 것을 의미하며 이 경우 후속 처리를 실행하지 않는다</a:t>
-            </a:r>
-            <a:r>
-              <a:rPr lang="ko-KR" altLang="en-US" sz="2000" dirty="0"/>
-              <a:t>. </a:t>
-            </a:r>
-          </a:p>
-          <a:p>
-            <a:endParaRPr lang="en-US" altLang="ko-KR" sz="2000" dirty="0"/>
-          </a:p>
-          <a:p>
-            <a:r>
-              <a:rPr lang="ko-KR" altLang="en-US" sz="2000" dirty="0"/>
-              <a:t>위 </a:t>
-            </a:r>
-            <a:r>
-              <a:rPr lang="ko-KR" altLang="en-US" sz="2000" dirty="0" err="1"/>
-              <a:t>WSAPoll</a:t>
-            </a:r>
-            <a:r>
-              <a:rPr lang="ko-KR" altLang="en-US" sz="2000" dirty="0"/>
-              <a:t> 호출에서는 </a:t>
-            </a:r>
-            <a:r>
-              <a:rPr lang="ko-KR" altLang="en-US" sz="2000" b="1" dirty="0"/>
-              <a:t>500밀리 초 타임 아웃 값을 지정</a:t>
-            </a:r>
-            <a:r>
-              <a:rPr lang="ko-KR" altLang="en-US" sz="2000" dirty="0"/>
-              <a:t>하고 있지만 본래라면 -1 등의 마이너스 값을 지정하여 이벤트가 발생할 때까지 대기하는 것이 이상적이다.</a:t>
-            </a:r>
-            <a:endParaRPr lang="en-US" altLang="ko-KR" sz="2000" dirty="0"/>
-          </a:p>
-          <a:p>
-            <a:endParaRPr lang="ko-KR" altLang="en-US" sz="2000" dirty="0"/>
-          </a:p>
-          <a:p>
-            <a:r>
-              <a:rPr lang="ko-KR" altLang="en-US" sz="2000" dirty="0"/>
-              <a:t>0 보다 큰 값이 반환된 경우 배열 내의 어떤 소켓에 상태의 변경이 생겼는지 다음 처리에서 확인한다.</a:t>
-            </a:r>
-          </a:p>
-        </p:txBody>
-      </p:sp>
-    </p:spTree>
-    <p:extLst>
-      <p:ext uri="{BB962C8B-B14F-4D97-AF65-F5344CB8AC3E}">
-        <p14:creationId xmlns:p14="http://schemas.microsoft.com/office/powerpoint/2010/main" val="1421070529"/>
-      </p:ext>
-    </p:extLst>
-  </p:cSld>
-  <p:clrMapOvr>
-    <a:masterClrMapping/>
-  </p:clrMapOvr>
-</p:sld>
-</file>
-
-<file path=ppt/slides/slide23.xml><?xml version="1.0" encoding="utf-8"?>
-<p:sld xmlns:a="http://schemas.openxmlformats.org/drawingml/2006/main" xmlns:r="http://schemas.openxmlformats.org/officeDocument/2006/relationships" xmlns:p="http://schemas.openxmlformats.org/presentationml/2006/main">
-  <p:cSld>
-    <p:spTree>
-      <p:nvGrpSpPr>
-        <p:cNvPr id="1" name=""/>
-        <p:cNvGrpSpPr/>
-        <p:nvPr/>
-      </p:nvGrpSpPr>
-      <p:grpSpPr>
-        <a:xfrm>
-          <a:off x="0" y="0"/>
-          <a:ext cx="0" cy="0"/>
-          <a:chOff x="0" y="0"/>
-          <a:chExt cx="0" cy="0"/>
-        </a:xfrm>
-      </p:grpSpPr>
-      <p:pic>
-        <p:nvPicPr>
-          <p:cNvPr id="2" name="그림 1"/>
-          <p:cNvPicPr>
-            <a:picLocks noChangeAspect="1"/>
-          </p:cNvPicPr>
-          <p:nvPr/>
-        </p:nvPicPr>
-        <p:blipFill>
-          <a:blip r:embed="rId2"/>
-          <a:stretch>
-            <a:fillRect/>
-          </a:stretch>
-        </p:blipFill>
-        <p:spPr>
-          <a:xfrm>
             <a:off x="2587150" y="649218"/>
             <a:ext cx="6449972" cy="4139323"/>
           </a:xfrm>
@@ -9500,7 +9382,7 @@
 </p:sld>
 </file>
 
-<file path=ppt/slides/slide24.xml><?xml version="1.0" encoding="utf-8"?>
+<file path=ppt/slides/slide23.xml><?xml version="1.0" encoding="utf-8"?>
 <p:sld xmlns:a="http://schemas.openxmlformats.org/drawingml/2006/main" xmlns:r="http://schemas.openxmlformats.org/officeDocument/2006/relationships" xmlns:p="http://schemas.openxmlformats.org/presentationml/2006/main">
   <p:cSld>
     <p:spTree>
@@ -9554,6 +9436,144 @@
 </p:sld>
 </file>
 
+<file path=ppt/slides/slide24.xml><?xml version="1.0" encoding="utf-8"?>
+<p:sld xmlns:a="http://schemas.openxmlformats.org/drawingml/2006/main" xmlns:r="http://schemas.openxmlformats.org/officeDocument/2006/relationships" xmlns:p="http://schemas.openxmlformats.org/presentationml/2006/main">
+  <p:cSld>
+    <p:spTree>
+      <p:nvGrpSpPr>
+        <p:cNvPr id="1" name=""/>
+        <p:cNvGrpSpPr/>
+        <p:nvPr/>
+      </p:nvGrpSpPr>
+      <p:grpSpPr>
+        <a:xfrm>
+          <a:off x="0" y="0"/>
+          <a:ext cx="0" cy="0"/>
+          <a:chOff x="0" y="0"/>
+          <a:chExt cx="0" cy="0"/>
+        </a:xfrm>
+      </p:grpSpPr>
+      <p:sp>
+        <p:nvSpPr>
+          <p:cNvPr id="2" name="TextBox 1"/>
+          <p:cNvSpPr txBox="1"/>
+          <p:nvPr/>
+        </p:nvSpPr>
+        <p:spPr>
+          <a:xfrm>
+            <a:off x="551329" y="322729"/>
+            <a:ext cx="4074459" cy="646331"/>
+          </a:xfrm>
+          <a:prstGeom prst="rect">
+            <a:avLst/>
+          </a:prstGeom>
+          <a:noFill/>
+        </p:spPr>
+        <p:txBody>
+          <a:bodyPr wrap="square" rtlCol="0">
+            <a:spAutoFit/>
+          </a:bodyPr>
+          <a:lstStyle/>
+          <a:p>
+            <a:r>
+              <a:rPr lang="en-US" altLang="ko-KR" sz="3600" b="1" dirty="0" err="1"/>
+              <a:t>linux</a:t>
+            </a:r>
+            <a:r>
+              <a:rPr lang="ko-KR" altLang="en-US" sz="3600" b="1" dirty="0"/>
+              <a:t>의 </a:t>
+            </a:r>
+            <a:r>
+              <a:rPr lang="en-US" altLang="ko-KR" sz="3600" b="1" dirty="0"/>
+              <a:t>poll</a:t>
+            </a:r>
+            <a:endParaRPr lang="ko-KR" altLang="en-US" sz="3600" b="1" dirty="0"/>
+          </a:p>
+        </p:txBody>
+      </p:sp>
+      <p:sp>
+        <p:nvSpPr>
+          <p:cNvPr id="3" name="직사각형 2"/>
+          <p:cNvSpPr/>
+          <p:nvPr/>
+        </p:nvSpPr>
+        <p:spPr>
+          <a:xfrm>
+            <a:off x="551329" y="1153184"/>
+            <a:ext cx="10425952" cy="3416320"/>
+          </a:xfrm>
+          <a:prstGeom prst="rect">
+            <a:avLst/>
+          </a:prstGeom>
+        </p:spPr>
+        <p:txBody>
+          <a:bodyPr wrap="square">
+            <a:spAutoFit/>
+          </a:bodyPr>
+          <a:lstStyle/>
+          <a:p>
+            <a:r>
+              <a:rPr lang="en-US" altLang="ko-KR" sz="2400" dirty="0"/>
+              <a:t>poll </a:t>
+            </a:r>
+            <a:r>
+              <a:rPr lang="ko-KR" altLang="en-US" sz="2400" dirty="0"/>
+              <a:t>함수 예제</a:t>
+            </a:r>
+          </a:p>
+          <a:p>
+            <a:r>
+              <a:rPr lang="en-US" altLang="ko-KR" sz="2400" dirty="0">
+                <a:hlinkClick r:id="rId2"/>
+              </a:rPr>
+              <a:t>http://sfixer.tistory.com/entry/%EA%B1%B0%EA%BE%B8%EB%A1%9C-%EC%8B%9C%EC%9E%91%ED%95%98%EB%8A%94-%EC%8B%9C%EC%8A%A4%ED%85%9C-%ED%94%84%EB%A1%9C%EA%B7%B8%EB%9E%98%EB%B0%8D-poll-%ED%95%A8%EC%88%98-%EC%98%88%EC%A0%9C</a:t>
+            </a:r>
+            <a:r>
+              <a:rPr lang="en-US" altLang="ko-KR" sz="2400" dirty="0"/>
+              <a:t> </a:t>
+            </a:r>
+          </a:p>
+          <a:p>
+            <a:endParaRPr lang="en-US" altLang="ko-KR" sz="2400" dirty="0"/>
+          </a:p>
+          <a:p>
+            <a:r>
+              <a:rPr lang="en-US" altLang="ko-KR" sz="2400" dirty="0"/>
+              <a:t>Poll</a:t>
+            </a:r>
+            <a:r>
+              <a:rPr lang="ko-KR" altLang="en-US" sz="2400" dirty="0"/>
+              <a:t>을 이용한 다중서버 예제</a:t>
+            </a:r>
+          </a:p>
+          <a:p>
+            <a:r>
+              <a:rPr lang="en-US" altLang="ko-KR" sz="2400" dirty="0">
+                <a:hlinkClick r:id="rId3"/>
+              </a:rPr>
+              <a:t>http://robelias.tistory.com/2</a:t>
+            </a:r>
+            <a:r>
+              <a:rPr lang="en-US" altLang="ko-KR" sz="2400" dirty="0"/>
+              <a:t> </a:t>
+            </a:r>
+            <a:endParaRPr lang="ko-KR" altLang="en-US" sz="2400" dirty="0"/>
+          </a:p>
+        </p:txBody>
+      </p:sp>
+    </p:spTree>
+    <p:extLst>
+      <p:ext uri="{BB962C8B-B14F-4D97-AF65-F5344CB8AC3E}">
+        <p14:creationId xmlns:p14="http://schemas.microsoft.com/office/powerpoint/2010/main" val="1973882705"/>
+      </p:ext>
+    </p:extLst>
+  </p:cSld>
+  <p:clrMapOvr>
+    <a:masterClrMapping/>
+  </p:clrMapOvr>
+</p:sld>
+</file>
+
 <file path=ppt/slides/slide25.xml><?xml version="1.0" encoding="utf-8"?>
 <p:sld xmlns:a="http://schemas.openxmlformats.org/drawingml/2006/main" xmlns:r="http://schemas.openxmlformats.org/officeDocument/2006/relationships" xmlns:p="http://schemas.openxmlformats.org/presentationml/2006/main">
   <p:cSld>
@@ -9580,7 +9600,7 @@
         <p:spPr>
           <a:xfrm>
             <a:off x="551329" y="322729"/>
-            <a:ext cx="4074459" cy="646331"/>
+            <a:ext cx="7381388" cy="646331"/>
           </a:xfrm>
           <a:prstGeom prst="rect">
             <a:avLst/>
@@ -9594,16 +9614,28 @@
           <a:lstStyle/>
           <a:p>
             <a:r>
-              <a:rPr lang="en-US" altLang="ko-KR" sz="3600" b="1" dirty="0" err="1"/>
-              <a:t>linux</a:t>
+              <a:rPr lang="en-US" altLang="ko-KR" sz="3600" b="1" dirty="0"/>
+              <a:t>.NET</a:t>
             </a:r>
             <a:r>
               <a:rPr lang="ko-KR" altLang="en-US" sz="3600" b="1" dirty="0"/>
               <a:t>의 </a:t>
             </a:r>
             <a:r>
+              <a:rPr lang="en-US" altLang="ko-KR" sz="3600" b="1" dirty="0" err="1"/>
+              <a:t>Sokcet.Poll</a:t>
+            </a:r>
+            <a:r>
               <a:rPr lang="en-US" altLang="ko-KR" sz="3600" b="1" dirty="0"/>
-              <a:t>poll</a:t>
+              <a:t> </a:t>
+            </a:r>
+            <a:r>
+              <a:rPr lang="ko-KR" altLang="en-US" sz="3600" b="1" dirty="0"/>
+              <a:t>이 있지만</a:t>
+            </a:r>
+            <a:r>
+              <a:rPr lang="en-US" altLang="ko-KR" sz="3600" b="1" dirty="0"/>
+              <a:t>…</a:t>
             </a:r>
             <a:endParaRPr lang="ko-KR" altLang="en-US" sz="3600" b="1" dirty="0"/>
           </a:p>
@@ -9617,8 +9649,8 @@
         </p:nvSpPr>
         <p:spPr>
           <a:xfrm>
-            <a:off x="551329" y="1153184"/>
-            <a:ext cx="10425952" cy="3416320"/>
+            <a:off x="551329" y="1153185"/>
+            <a:ext cx="10817140" cy="738664"/>
           </a:xfrm>
           <a:prstGeom prst="rect">
             <a:avLst/>
@@ -9631,58 +9663,62 @@
           <a:lstStyle/>
           <a:p>
             <a:r>
+              <a:rPr lang="ko-KR" altLang="en-US" sz="2400" dirty="0"/>
+              <a:t>당연하게 닷넷에서도 </a:t>
+            </a:r>
+            <a:r>
               <a:rPr lang="en-US" altLang="ko-KR" sz="2400" dirty="0"/>
               <a:t>poll </a:t>
             </a:r>
             <a:r>
               <a:rPr lang="ko-KR" altLang="en-US" sz="2400" dirty="0"/>
-              <a:t>함수 예제</a:t>
-            </a:r>
-          </a:p>
-          <a:p>
-            <a:r>
-              <a:rPr lang="en-US" altLang="ko-KR" sz="2400" dirty="0">
+              <a:t>함수를 지원한다</a:t>
+            </a:r>
+            <a:r>
+              <a:rPr lang="en-US" altLang="ko-KR" sz="2400" dirty="0"/>
+              <a:t>. </a:t>
+            </a:r>
+            <a:br>
+              <a:rPr lang="en-US" altLang="ko-KR" sz="2400" dirty="0"/>
+            </a:br>
+            <a:r>
+              <a:rPr lang="en-US" altLang="ko-KR" dirty="0">
                 <a:hlinkClick r:id="rId2"/>
               </a:rPr>
-              <a:t>http://sfixer.tistory.com/entry/%EA%B1%B0%EA%BE%B8%EB%A1%9C-%EC%8B%9C%EC%9E%91%ED%95%98%EB%8A%94-%EC%8B%9C%EC%8A%A4%ED%85%9C-%ED%94%84%EB%A1%9C%EA%B7%B8%EB%9E%98%EB%B0%8D-poll-%ED%95%A8%EC%88%98-%EC%98%88%EC%A0%9C</a:t>
-            </a:r>
-            <a:r>
-              <a:rPr lang="en-US" altLang="ko-KR" sz="2400" dirty="0"/>
-              <a:t> </a:t>
-            </a:r>
-          </a:p>
-          <a:p>
-            <a:endParaRPr lang="en-US" altLang="ko-KR" sz="2400" dirty="0"/>
-          </a:p>
-          <a:p>
-            <a:r>
-              <a:rPr lang="en-US" altLang="ko-KR" sz="2400" dirty="0"/>
-              <a:t>Poll</a:t>
-            </a:r>
-            <a:r>
-              <a:rPr lang="ko-KR" altLang="en-US" sz="2400" dirty="0"/>
-              <a:t>을 이용한 다중서버 예제</a:t>
-            </a:r>
-          </a:p>
-          <a:p>
-            <a:r>
-              <a:rPr lang="en-US" altLang="ko-KR" sz="2400" dirty="0">
-                <a:hlinkClick r:id="rId3"/>
-              </a:rPr>
-              <a:t>http://robelias.tistory.com/2</a:t>
-            </a:r>
-            <a:r>
-              <a:rPr lang="en-US" altLang="ko-KR" sz="2400" dirty="0"/>
-              <a:t> </a:t>
+              <a:t>https://msdn.microsoft.com/ko-kr/library/system.net.sockets.socket.poll(v=vs.110).aspx</a:t>
             </a:r>
             <a:endParaRPr lang="ko-KR" altLang="en-US" sz="2400" dirty="0"/>
           </a:p>
         </p:txBody>
       </p:sp>
+      <p:pic>
+        <p:nvPicPr>
+          <p:cNvPr id="4" name="그림 3"/>
+          <p:cNvPicPr>
+            <a:picLocks noChangeAspect="1"/>
+          </p:cNvPicPr>
+          <p:nvPr/>
+        </p:nvPicPr>
+        <p:blipFill>
+          <a:blip r:embed="rId3"/>
+          <a:stretch>
+            <a:fillRect/>
+          </a:stretch>
+        </p:blipFill>
+        <p:spPr>
+          <a:xfrm>
+            <a:off x="2878273" y="1939349"/>
+            <a:ext cx="6163252" cy="4681086"/>
+          </a:xfrm>
+          <a:prstGeom prst="rect">
+            <a:avLst/>
+          </a:prstGeom>
+        </p:spPr>
+      </p:pic>
     </p:spTree>
     <p:extLst>
       <p:ext uri="{BB962C8B-B14F-4D97-AF65-F5344CB8AC3E}">
-        <p14:creationId xmlns:p14="http://schemas.microsoft.com/office/powerpoint/2010/main" val="1973882705"/>
+        <p14:creationId xmlns:p14="http://schemas.microsoft.com/office/powerpoint/2010/main" val="1989872692"/>
       </p:ext>
     </p:extLst>
   </p:cSld>
@@ -9718,160 +9754,6 @@
         <p:spPr>
           <a:xfrm>
             <a:off x="551329" y="322729"/>
-            <a:ext cx="7381388" cy="646331"/>
-          </a:xfrm>
-          <a:prstGeom prst="rect">
-            <a:avLst/>
-          </a:prstGeom>
-          <a:noFill/>
-        </p:spPr>
-        <p:txBody>
-          <a:bodyPr wrap="square" rtlCol="0">
-            <a:spAutoFit/>
-          </a:bodyPr>
-          <a:lstStyle/>
-          <a:p>
-            <a:r>
-              <a:rPr lang="en-US" altLang="ko-KR" sz="3600" b="1" dirty="0"/>
-              <a:t>.NET</a:t>
-            </a:r>
-            <a:r>
-              <a:rPr lang="ko-KR" altLang="en-US" sz="3600" b="1" dirty="0"/>
-              <a:t>의 </a:t>
-            </a:r>
-            <a:r>
-              <a:rPr lang="en-US" altLang="ko-KR" sz="3600" b="1" dirty="0" err="1"/>
-              <a:t>Sokcet.Poll</a:t>
-            </a:r>
-            <a:r>
-              <a:rPr lang="en-US" altLang="ko-KR" sz="3600" b="1" dirty="0"/>
-              <a:t> </a:t>
-            </a:r>
-            <a:r>
-              <a:rPr lang="ko-KR" altLang="en-US" sz="3600" b="1" dirty="0"/>
-              <a:t>이 있지만</a:t>
-            </a:r>
-            <a:r>
-              <a:rPr lang="en-US" altLang="ko-KR" sz="3600" b="1" dirty="0"/>
-              <a:t>…</a:t>
-            </a:r>
-            <a:endParaRPr lang="ko-KR" altLang="en-US" sz="3600" b="1" dirty="0"/>
-          </a:p>
-        </p:txBody>
-      </p:sp>
-      <p:sp>
-        <p:nvSpPr>
-          <p:cNvPr id="3" name="직사각형 2"/>
-          <p:cNvSpPr/>
-          <p:nvPr/>
-        </p:nvSpPr>
-        <p:spPr>
-          <a:xfrm>
-            <a:off x="551329" y="1153185"/>
-            <a:ext cx="10817140" cy="738664"/>
-          </a:xfrm>
-          <a:prstGeom prst="rect">
-            <a:avLst/>
-          </a:prstGeom>
-        </p:spPr>
-        <p:txBody>
-          <a:bodyPr wrap="square">
-            <a:spAutoFit/>
-          </a:bodyPr>
-          <a:lstStyle/>
-          <a:p>
-            <a:r>
-              <a:rPr lang="ko-KR" altLang="en-US" sz="2400" dirty="0"/>
-              <a:t>당연하게 닷넷에서도 </a:t>
-            </a:r>
-            <a:r>
-              <a:rPr lang="en-US" altLang="ko-KR" sz="2400" dirty="0"/>
-              <a:t>poll </a:t>
-            </a:r>
-            <a:r>
-              <a:rPr lang="ko-KR" altLang="en-US" sz="2400" dirty="0"/>
-              <a:t>함수를 지원한다</a:t>
-            </a:r>
-            <a:r>
-              <a:rPr lang="en-US" altLang="ko-KR" sz="2400" dirty="0"/>
-              <a:t>. </a:t>
-            </a:r>
-            <a:br>
-              <a:rPr lang="en-US" altLang="ko-KR" sz="2400" dirty="0"/>
-            </a:br>
-            <a:r>
-              <a:rPr lang="en-US" altLang="ko-KR" dirty="0">
-                <a:hlinkClick r:id="rId2"/>
-              </a:rPr>
-              <a:t>https://msdn.microsoft.com/ko-kr/library/system.net.sockets.socket.poll(v=vs.110).aspx</a:t>
-            </a:r>
-            <a:endParaRPr lang="ko-KR" altLang="en-US" sz="2400" dirty="0"/>
-          </a:p>
-        </p:txBody>
-      </p:sp>
-      <p:pic>
-        <p:nvPicPr>
-          <p:cNvPr id="4" name="그림 3"/>
-          <p:cNvPicPr>
-            <a:picLocks noChangeAspect="1"/>
-          </p:cNvPicPr>
-          <p:nvPr/>
-        </p:nvPicPr>
-        <p:blipFill>
-          <a:blip r:embed="rId3"/>
-          <a:stretch>
-            <a:fillRect/>
-          </a:stretch>
-        </p:blipFill>
-        <p:spPr>
-          <a:xfrm>
-            <a:off x="2878273" y="1939349"/>
-            <a:ext cx="6163252" cy="4681086"/>
-          </a:xfrm>
-          <a:prstGeom prst="rect">
-            <a:avLst/>
-          </a:prstGeom>
-        </p:spPr>
-      </p:pic>
-    </p:spTree>
-    <p:extLst>
-      <p:ext uri="{BB962C8B-B14F-4D97-AF65-F5344CB8AC3E}">
-        <p14:creationId xmlns:p14="http://schemas.microsoft.com/office/powerpoint/2010/main" val="1989872692"/>
-      </p:ext>
-    </p:extLst>
-  </p:cSld>
-  <p:clrMapOvr>
-    <a:masterClrMapping/>
-  </p:clrMapOvr>
-</p:sld>
-</file>
-
-<file path=ppt/slides/slide27.xml><?xml version="1.0" encoding="utf-8"?>
-<p:sld xmlns:a="http://schemas.openxmlformats.org/drawingml/2006/main" xmlns:r="http://schemas.openxmlformats.org/officeDocument/2006/relationships" xmlns:p="http://schemas.openxmlformats.org/presentationml/2006/main">
-  <p:cSld>
-    <p:spTree>
-      <p:nvGrpSpPr>
-        <p:cNvPr id="1" name=""/>
-        <p:cNvGrpSpPr/>
-        <p:nvPr/>
-      </p:nvGrpSpPr>
-      <p:grpSpPr>
-        <a:xfrm>
-          <a:off x="0" y="0"/>
-          <a:ext cx="0" cy="0"/>
-          <a:chOff x="0" y="0"/>
-          <a:chExt cx="0" cy="0"/>
-        </a:xfrm>
-      </p:grpSpPr>
-      <p:sp>
-        <p:nvSpPr>
-          <p:cNvPr id="2" name="TextBox 1"/>
-          <p:cNvSpPr txBox="1"/>
-          <p:nvPr/>
-        </p:nvSpPr>
-        <p:spPr>
-          <a:xfrm>
-            <a:off x="551329" y="322729"/>
             <a:ext cx="4074459" cy="646331"/>
           </a:xfrm>
           <a:prstGeom prst="rect">
@@ -10188,7 +10070,7 @@
 </p:sld>
 </file>
 
-<file path=ppt/slides/slide28.xml><?xml version="1.0" encoding="utf-8"?>
+<file path=ppt/slides/slide27.xml><?xml version="1.0" encoding="utf-8"?>
 <p:sld xmlns:a="http://schemas.openxmlformats.org/drawingml/2006/main" xmlns:r="http://schemas.openxmlformats.org/officeDocument/2006/relationships" xmlns:p="http://schemas.openxmlformats.org/presentationml/2006/main">
   <p:cSld>
     <p:spTree>
@@ -10266,6 +10148,194 @@
 </p:sld>
 </file>
 
+<file path=ppt/slides/slide28.xml><?xml version="1.0" encoding="utf-8"?>
+<p:sld xmlns:a="http://schemas.openxmlformats.org/drawingml/2006/main" xmlns:r="http://schemas.openxmlformats.org/officeDocument/2006/relationships" xmlns:p="http://schemas.openxmlformats.org/presentationml/2006/main">
+  <p:cSld>
+    <p:spTree>
+      <p:nvGrpSpPr>
+        <p:cNvPr id="1" name=""/>
+        <p:cNvGrpSpPr/>
+        <p:nvPr/>
+      </p:nvGrpSpPr>
+      <p:grpSpPr>
+        <a:xfrm>
+          <a:off x="0" y="0"/>
+          <a:ext cx="0" cy="0"/>
+          <a:chOff x="0" y="0"/>
+          <a:chExt cx="0" cy="0"/>
+        </a:xfrm>
+      </p:grpSpPr>
+      <p:sp>
+        <p:nvSpPr>
+          <p:cNvPr id="2" name="TextBox 1"/>
+          <p:cNvSpPr txBox="1"/>
+          <p:nvPr/>
+        </p:nvSpPr>
+        <p:spPr>
+          <a:xfrm>
+            <a:off x="551328" y="322729"/>
+            <a:ext cx="11282083" cy="646331"/>
+          </a:xfrm>
+          <a:prstGeom prst="rect">
+            <a:avLst/>
+          </a:prstGeom>
+          <a:noFill/>
+        </p:spPr>
+        <p:txBody>
+          <a:bodyPr wrap="square" rtlCol="0">
+            <a:spAutoFit/>
+          </a:bodyPr>
+          <a:lstStyle/>
+          <a:p>
+            <a:r>
+              <a:rPr lang="en-US" altLang="ko-KR" sz="3600" b="1" dirty="0"/>
+              <a:t>UDS (Unix Domain Socket)</a:t>
+            </a:r>
+            <a:endParaRPr lang="ko-KR" altLang="en-US" sz="3600" b="1" dirty="0"/>
+          </a:p>
+        </p:txBody>
+      </p:sp>
+      <p:sp>
+        <p:nvSpPr>
+          <p:cNvPr id="4" name="직사각형 3"/>
+          <p:cNvSpPr/>
+          <p:nvPr/>
+        </p:nvSpPr>
+        <p:spPr>
+          <a:xfrm>
+            <a:off x="7865722" y="5912674"/>
+            <a:ext cx="3967689" cy="276999"/>
+          </a:xfrm>
+          <a:prstGeom prst="rect">
+            <a:avLst/>
+          </a:prstGeom>
+        </p:spPr>
+        <p:txBody>
+          <a:bodyPr wrap="none">
+            <a:spAutoFit/>
+          </a:bodyPr>
+          <a:lstStyle/>
+          <a:p>
+            <a:r>
+              <a:rPr lang="ko-KR" altLang="en-US" sz="1200" dirty="0"/>
+              <a:t>출처</a:t>
+            </a:r>
+            <a:r>
+              <a:rPr lang="en-US" altLang="ko-KR" sz="1200" dirty="0"/>
+              <a:t>: </a:t>
+            </a:r>
+            <a:r>
+              <a:rPr lang="ko-KR" altLang="en-US" sz="1200" dirty="0">
+                <a:hlinkClick r:id="rId2"/>
+              </a:rPr>
+              <a:t>http://www.dreamy.pe.kr/zbxe/CodeClip/119393</a:t>
+            </a:r>
+            <a:r>
+              <a:rPr lang="ko-KR" altLang="en-US" sz="1200" dirty="0"/>
+              <a:t> </a:t>
+            </a:r>
+          </a:p>
+        </p:txBody>
+      </p:sp>
+      <p:pic>
+        <p:nvPicPr>
+          <p:cNvPr id="6" name="그림 5"/>
+          <p:cNvPicPr>
+            <a:picLocks noChangeAspect="1"/>
+          </p:cNvPicPr>
+          <p:nvPr/>
+        </p:nvPicPr>
+        <p:blipFill>
+          <a:blip r:embed="rId3"/>
+          <a:stretch>
+            <a:fillRect/>
+          </a:stretch>
+        </p:blipFill>
+        <p:spPr>
+          <a:xfrm>
+            <a:off x="551328" y="1118198"/>
+            <a:ext cx="11414520" cy="4783838"/>
+          </a:xfrm>
+          <a:prstGeom prst="rect">
+            <a:avLst/>
+          </a:prstGeom>
+        </p:spPr>
+      </p:pic>
+      <p:sp>
+        <p:nvSpPr>
+          <p:cNvPr id="7" name="TextBox 6"/>
+          <p:cNvSpPr txBox="1"/>
+          <p:nvPr/>
+        </p:nvSpPr>
+        <p:spPr>
+          <a:xfrm>
+            <a:off x="688768" y="1225787"/>
+            <a:ext cx="8182100" cy="769268"/>
+          </a:xfrm>
+          <a:prstGeom prst="rect">
+            <a:avLst/>
+          </a:prstGeom>
+          <a:noFill/>
+          <a:ln w="28575">
+            <a:solidFill>
+              <a:srgbClr val="FF0000"/>
+            </a:solidFill>
+          </a:ln>
+        </p:spPr>
+        <p:txBody>
+          <a:bodyPr wrap="square" rtlCol="0">
+            <a:spAutoFit/>
+          </a:bodyPr>
+          <a:lstStyle/>
+          <a:p>
+            <a:endParaRPr lang="ko-KR" altLang="en-US" dirty="0"/>
+          </a:p>
+        </p:txBody>
+      </p:sp>
+      <p:sp>
+        <p:nvSpPr>
+          <p:cNvPr id="8" name="TextBox 7"/>
+          <p:cNvSpPr txBox="1"/>
+          <p:nvPr/>
+        </p:nvSpPr>
+        <p:spPr>
+          <a:xfrm>
+            <a:off x="688768" y="2791336"/>
+            <a:ext cx="10960926" cy="403126"/>
+          </a:xfrm>
+          <a:prstGeom prst="rect">
+            <a:avLst/>
+          </a:prstGeom>
+          <a:noFill/>
+          <a:ln w="28575">
+            <a:solidFill>
+              <a:srgbClr val="FF0000"/>
+            </a:solidFill>
+          </a:ln>
+        </p:spPr>
+        <p:txBody>
+          <a:bodyPr wrap="square" rtlCol="0">
+            <a:spAutoFit/>
+          </a:bodyPr>
+          <a:lstStyle/>
+          <a:p>
+            <a:endParaRPr lang="ko-KR" altLang="en-US" dirty="0"/>
+          </a:p>
+        </p:txBody>
+      </p:sp>
+    </p:spTree>
+    <p:extLst>
+      <p:ext uri="{BB962C8B-B14F-4D97-AF65-F5344CB8AC3E}">
+        <p14:creationId xmlns:p14="http://schemas.microsoft.com/office/powerpoint/2010/main" val="1816069401"/>
+      </p:ext>
+    </p:extLst>
+  </p:cSld>
+  <p:clrMapOvr>
+    <a:masterClrMapping/>
+  </p:clrMapOvr>
+</p:sld>
+</file>
+
 <file path=ppt/slides/slide29.xml><?xml version="1.0" encoding="utf-8"?>
 <p:sld xmlns:a="http://schemas.openxmlformats.org/drawingml/2006/main" xmlns:r="http://schemas.openxmlformats.org/officeDocument/2006/relationships" xmlns:p="http://schemas.openxmlformats.org/presentationml/2006/main">
   <p:cSld>
@@ -10285,306 +10355,6 @@
       </p:grpSpPr>
       <p:sp>
         <p:nvSpPr>
-          <p:cNvPr id="2" name="TextBox 1"/>
-          <p:cNvSpPr txBox="1"/>
-          <p:nvPr/>
-        </p:nvSpPr>
-        <p:spPr>
-          <a:xfrm>
-            <a:off x="551328" y="322729"/>
-            <a:ext cx="11282083" cy="646331"/>
-          </a:xfrm>
-          <a:prstGeom prst="rect">
-            <a:avLst/>
-          </a:prstGeom>
-          <a:noFill/>
-        </p:spPr>
-        <p:txBody>
-          <a:bodyPr wrap="square" rtlCol="0">
-            <a:spAutoFit/>
-          </a:bodyPr>
-          <a:lstStyle/>
-          <a:p>
-            <a:r>
-              <a:rPr lang="en-US" altLang="ko-KR" sz="3600" b="1" dirty="0"/>
-              <a:t>UDS (Unix Domain Socket)</a:t>
-            </a:r>
-            <a:endParaRPr lang="ko-KR" altLang="en-US" sz="3600" b="1" dirty="0"/>
-          </a:p>
-        </p:txBody>
-      </p:sp>
-      <p:sp>
-        <p:nvSpPr>
-          <p:cNvPr id="4" name="직사각형 3"/>
-          <p:cNvSpPr/>
-          <p:nvPr/>
-        </p:nvSpPr>
-        <p:spPr>
-          <a:xfrm>
-            <a:off x="7865722" y="5912674"/>
-            <a:ext cx="3967689" cy="276999"/>
-          </a:xfrm>
-          <a:prstGeom prst="rect">
-            <a:avLst/>
-          </a:prstGeom>
-        </p:spPr>
-        <p:txBody>
-          <a:bodyPr wrap="none">
-            <a:spAutoFit/>
-          </a:bodyPr>
-          <a:lstStyle/>
-          <a:p>
-            <a:r>
-              <a:rPr lang="ko-KR" altLang="en-US" sz="1200" dirty="0"/>
-              <a:t>출처</a:t>
-            </a:r>
-            <a:r>
-              <a:rPr lang="en-US" altLang="ko-KR" sz="1200" dirty="0"/>
-              <a:t>: </a:t>
-            </a:r>
-            <a:r>
-              <a:rPr lang="ko-KR" altLang="en-US" sz="1200" dirty="0">
-                <a:hlinkClick r:id="rId2"/>
-              </a:rPr>
-              <a:t>http://www.dreamy.pe.kr/zbxe/CodeClip/119393</a:t>
-            </a:r>
-            <a:r>
-              <a:rPr lang="ko-KR" altLang="en-US" sz="1200" dirty="0"/>
-              <a:t> </a:t>
-            </a:r>
-          </a:p>
-        </p:txBody>
-      </p:sp>
-      <p:pic>
-        <p:nvPicPr>
-          <p:cNvPr id="6" name="그림 5"/>
-          <p:cNvPicPr>
-            <a:picLocks noChangeAspect="1"/>
-          </p:cNvPicPr>
-          <p:nvPr/>
-        </p:nvPicPr>
-        <p:blipFill>
-          <a:blip r:embed="rId3"/>
-          <a:stretch>
-            <a:fillRect/>
-          </a:stretch>
-        </p:blipFill>
-        <p:spPr>
-          <a:xfrm>
-            <a:off x="551328" y="1118198"/>
-            <a:ext cx="11414520" cy="4783838"/>
-          </a:xfrm>
-          <a:prstGeom prst="rect">
-            <a:avLst/>
-          </a:prstGeom>
-        </p:spPr>
-      </p:pic>
-      <p:sp>
-        <p:nvSpPr>
-          <p:cNvPr id="7" name="TextBox 6"/>
-          <p:cNvSpPr txBox="1"/>
-          <p:nvPr/>
-        </p:nvSpPr>
-        <p:spPr>
-          <a:xfrm>
-            <a:off x="688768" y="1225787"/>
-            <a:ext cx="8182100" cy="769268"/>
-          </a:xfrm>
-          <a:prstGeom prst="rect">
-            <a:avLst/>
-          </a:prstGeom>
-          <a:noFill/>
-          <a:ln w="28575">
-            <a:solidFill>
-              <a:srgbClr val="FF0000"/>
-            </a:solidFill>
-          </a:ln>
-        </p:spPr>
-        <p:txBody>
-          <a:bodyPr wrap="square" rtlCol="0">
-            <a:spAutoFit/>
-          </a:bodyPr>
-          <a:lstStyle/>
-          <a:p>
-            <a:endParaRPr lang="ko-KR" altLang="en-US" dirty="0"/>
-          </a:p>
-        </p:txBody>
-      </p:sp>
-      <p:sp>
-        <p:nvSpPr>
-          <p:cNvPr id="8" name="TextBox 7"/>
-          <p:cNvSpPr txBox="1"/>
-          <p:nvPr/>
-        </p:nvSpPr>
-        <p:spPr>
-          <a:xfrm>
-            <a:off x="688768" y="2791336"/>
-            <a:ext cx="10960926" cy="403126"/>
-          </a:xfrm>
-          <a:prstGeom prst="rect">
-            <a:avLst/>
-          </a:prstGeom>
-          <a:noFill/>
-          <a:ln w="28575">
-            <a:solidFill>
-              <a:srgbClr val="FF0000"/>
-            </a:solidFill>
-          </a:ln>
-        </p:spPr>
-        <p:txBody>
-          <a:bodyPr wrap="square" rtlCol="0">
-            <a:spAutoFit/>
-          </a:bodyPr>
-          <a:lstStyle/>
-          <a:p>
-            <a:endParaRPr lang="ko-KR" altLang="en-US" dirty="0"/>
-          </a:p>
-        </p:txBody>
-      </p:sp>
-    </p:spTree>
-    <p:extLst>
-      <p:ext uri="{BB962C8B-B14F-4D97-AF65-F5344CB8AC3E}">
-        <p14:creationId xmlns:p14="http://schemas.microsoft.com/office/powerpoint/2010/main" val="1816069401"/>
-      </p:ext>
-    </p:extLst>
-  </p:cSld>
-  <p:clrMapOvr>
-    <a:masterClrMapping/>
-  </p:clrMapOvr>
-</p:sld>
-</file>
-
-<file path=ppt/slides/slide3.xml><?xml version="1.0" encoding="utf-8"?>
-<p:sld xmlns:a="http://schemas.openxmlformats.org/drawingml/2006/main" xmlns:r="http://schemas.openxmlformats.org/officeDocument/2006/relationships" xmlns:p="http://schemas.openxmlformats.org/presentationml/2006/main">
-  <p:cSld>
-    <p:spTree>
-      <p:nvGrpSpPr>
-        <p:cNvPr id="1" name=""/>
-        <p:cNvGrpSpPr/>
-        <p:nvPr/>
-      </p:nvGrpSpPr>
-      <p:grpSpPr>
-        <a:xfrm>
-          <a:off x="0" y="0"/>
-          <a:ext cx="0" cy="0"/>
-          <a:chOff x="0" y="0"/>
-          <a:chExt cx="0" cy="0"/>
-        </a:xfrm>
-      </p:grpSpPr>
-      <p:pic>
-        <p:nvPicPr>
-          <p:cNvPr id="2" name="Picture 2" descr="http://www.hanbit.co.kr/data/books/B5569582339_l.jpg"/>
-          <p:cNvPicPr>
-            <a:picLocks noChangeAspect="1" noChangeArrowheads="1"/>
-          </p:cNvPicPr>
-          <p:nvPr/>
-        </p:nvPicPr>
-        <p:blipFill>
-          <a:blip r:embed="rId2">
-            <a:extLst>
-              <a:ext uri="{28A0092B-C50C-407E-A947-70E740481C1C}">
-                <a14:useLocalDpi xmlns:a14="http://schemas.microsoft.com/office/drawing/2010/main" val="0"/>
-              </a:ext>
-            </a:extLst>
-          </a:blip>
-          <a:srcRect/>
-          <a:stretch>
-            <a:fillRect/>
-          </a:stretch>
-        </p:blipFill>
-        <p:spPr bwMode="auto">
-          <a:xfrm>
-            <a:off x="1352797" y="1032907"/>
-            <a:ext cx="3810000" cy="5219700"/>
-          </a:xfrm>
-          <a:prstGeom prst="rect">
-            <a:avLst/>
-          </a:prstGeom>
-          <a:noFill/>
-          <a:extLst>
-            <a:ext uri="{909E8E84-426E-40DD-AFC4-6F175D3DCCD1}">
-              <a14:hiddenFill xmlns:a14="http://schemas.microsoft.com/office/drawing/2010/main">
-                <a:solidFill>
-                  <a:srgbClr val="FFFFFF"/>
-                </a:solidFill>
-              </a14:hiddenFill>
-            </a:ext>
-          </a:extLst>
-        </p:spPr>
-      </p:pic>
-      <p:pic>
-        <p:nvPicPr>
-          <p:cNvPr id="1030" name="Picture 6" descr="windows xp에 대한 이미지 검색결과"/>
-          <p:cNvPicPr>
-            <a:picLocks noChangeAspect="1" noChangeArrowheads="1"/>
-          </p:cNvPicPr>
-          <p:nvPr/>
-        </p:nvPicPr>
-        <p:blipFill>
-          <a:blip r:embed="rId3">
-            <a:extLst>
-              <a:ext uri="{28A0092B-C50C-407E-A947-70E740481C1C}">
-                <a14:useLocalDpi xmlns:a14="http://schemas.microsoft.com/office/drawing/2010/main" val="0"/>
-              </a:ext>
-            </a:extLst>
-          </a:blip>
-          <a:srcRect/>
-          <a:stretch>
-            <a:fillRect/>
-          </a:stretch>
-        </p:blipFill>
-        <p:spPr bwMode="auto">
-          <a:xfrm>
-            <a:off x="6214197" y="1643806"/>
-            <a:ext cx="4770477" cy="3577858"/>
-          </a:xfrm>
-          <a:prstGeom prst="rect">
-            <a:avLst/>
-          </a:prstGeom>
-          <a:noFill/>
-          <a:extLst>
-            <a:ext uri="{909E8E84-426E-40DD-AFC4-6F175D3DCCD1}">
-              <a14:hiddenFill xmlns:a14="http://schemas.microsoft.com/office/drawing/2010/main">
-                <a:solidFill>
-                  <a:srgbClr val="FFFFFF"/>
-                </a:solidFill>
-              </a14:hiddenFill>
-            </a:ext>
-          </a:extLst>
-        </p:spPr>
-      </p:pic>
-    </p:spTree>
-    <p:extLst>
-      <p:ext uri="{BB962C8B-B14F-4D97-AF65-F5344CB8AC3E}">
-        <p14:creationId xmlns:p14="http://schemas.microsoft.com/office/powerpoint/2010/main" val="3717429832"/>
-      </p:ext>
-    </p:extLst>
-  </p:cSld>
-  <p:clrMapOvr>
-    <a:masterClrMapping/>
-  </p:clrMapOvr>
-</p:sld>
-</file>
-
-<file path=ppt/slides/slide30.xml><?xml version="1.0" encoding="utf-8"?>
-<p:sld xmlns:a="http://schemas.openxmlformats.org/drawingml/2006/main" xmlns:r="http://schemas.openxmlformats.org/officeDocument/2006/relationships" xmlns:p="http://schemas.openxmlformats.org/presentationml/2006/main">
-  <p:cSld>
-    <p:spTree>
-      <p:nvGrpSpPr>
-        <p:cNvPr id="1" name=""/>
-        <p:cNvGrpSpPr/>
-        <p:nvPr/>
-      </p:nvGrpSpPr>
-      <p:grpSpPr>
-        <a:xfrm>
-          <a:off x="0" y="0"/>
-          <a:ext cx="0" cy="0"/>
-          <a:chOff x="0" y="0"/>
-          <a:chExt cx="0" cy="0"/>
-        </a:xfrm>
-      </p:grpSpPr>
-      <p:sp>
-        <p:nvSpPr>
           <p:cNvPr id="5" name="직사각형 4"/>
           <p:cNvSpPr/>
           <p:nvPr/>
@@ -10749,1206 +10519,7 @@
 </p:sld>
 </file>
 
-<file path=ppt/slides/slide31.xml><?xml version="1.0" encoding="utf-8"?>
-<p:sld xmlns:a="http://schemas.openxmlformats.org/drawingml/2006/main" xmlns:r="http://schemas.openxmlformats.org/officeDocument/2006/relationships" xmlns:p="http://schemas.openxmlformats.org/presentationml/2006/main">
-  <p:cSld>
-    <p:spTree>
-      <p:nvGrpSpPr>
-        <p:cNvPr id="1" name=""/>
-        <p:cNvGrpSpPr/>
-        <p:nvPr/>
-      </p:nvGrpSpPr>
-      <p:grpSpPr>
-        <a:xfrm>
-          <a:off x="0" y="0"/>
-          <a:ext cx="0" cy="0"/>
-          <a:chOff x="0" y="0"/>
-          <a:chExt cx="0" cy="0"/>
-        </a:xfrm>
-      </p:grpSpPr>
-      <p:sp>
-        <p:nvSpPr>
-          <p:cNvPr id="2" name="TextBox 1"/>
-          <p:cNvSpPr txBox="1"/>
-          <p:nvPr/>
-        </p:nvSpPr>
-        <p:spPr>
-          <a:xfrm>
-            <a:off x="551328" y="322729"/>
-            <a:ext cx="11282083" cy="646331"/>
-          </a:xfrm>
-          <a:prstGeom prst="rect">
-            <a:avLst/>
-          </a:prstGeom>
-          <a:noFill/>
-        </p:spPr>
-        <p:txBody>
-          <a:bodyPr wrap="square" rtlCol="0">
-            <a:spAutoFit/>
-          </a:bodyPr>
-          <a:lstStyle/>
-          <a:p>
-            <a:r>
-              <a:rPr lang="en-US" altLang="ko-KR" sz="3600" b="1" dirty="0"/>
-              <a:t>Fast TCP Loopback</a:t>
-            </a:r>
-            <a:endParaRPr lang="ko-KR" altLang="en-US" sz="3600" b="1" dirty="0"/>
-          </a:p>
-        </p:txBody>
-      </p:sp>
-      <p:sp>
-        <p:nvSpPr>
-          <p:cNvPr id="3" name="직사각형 2"/>
-          <p:cNvSpPr/>
-          <p:nvPr/>
-        </p:nvSpPr>
-        <p:spPr>
-          <a:xfrm>
-            <a:off x="696685" y="1388745"/>
-            <a:ext cx="10477995" cy="4524315"/>
-          </a:xfrm>
-          <a:prstGeom prst="rect">
-            <a:avLst/>
-          </a:prstGeom>
-        </p:spPr>
-        <p:txBody>
-          <a:bodyPr wrap="square">
-            <a:spAutoFit/>
-          </a:bodyPr>
-          <a:lstStyle/>
-          <a:p>
-            <a:pPr marL="285750" indent="-285750">
-              <a:buFont typeface="Arial" panose="020B0604020202020204" pitchFamily="34" charset="0"/>
-              <a:buChar char="•"/>
-            </a:pPr>
-            <a:r>
-              <a:rPr lang="ko-KR" altLang="en-US" sz="2400" dirty="0"/>
-              <a:t>Windows 8 / Windows Server 2012 에서 추가된 </a:t>
-            </a:r>
-            <a:r>
-              <a:rPr lang="ko-KR" altLang="en-US" sz="2400" dirty="0" err="1"/>
-              <a:t>Winsock</a:t>
-            </a:r>
-            <a:r>
-              <a:rPr lang="ko-KR" altLang="en-US" sz="2400" dirty="0"/>
-              <a:t> 기능</a:t>
-            </a:r>
-            <a:r>
-              <a:rPr lang="en-US" altLang="ko-KR" sz="2400" dirty="0"/>
-              <a:t>.</a:t>
-            </a:r>
-            <a:br>
-              <a:rPr lang="en-US" altLang="ko-KR" sz="2400" dirty="0"/>
-            </a:br>
-            <a:endParaRPr lang="en-US" altLang="ko-KR" sz="2400" dirty="0"/>
-          </a:p>
-          <a:p>
-            <a:pPr marL="285750" indent="-285750">
-              <a:buFont typeface="Arial" panose="020B0604020202020204" pitchFamily="34" charset="0"/>
-              <a:buChar char="•"/>
-            </a:pPr>
-            <a:r>
-              <a:rPr lang="ko-KR" altLang="en-US" sz="2400" b="1" dirty="0"/>
-              <a:t>SIO_LOOPBACK_FAST_PATH </a:t>
-            </a:r>
-            <a:r>
-              <a:rPr lang="ko-KR" altLang="en-US" sz="2400" b="1" dirty="0" err="1"/>
-              <a:t>IOCTL은</a:t>
-            </a:r>
-            <a:r>
-              <a:rPr lang="ko-KR" altLang="en-US" sz="2400" b="1" dirty="0"/>
-              <a:t> 지연 시간을 줄이고</a:t>
-            </a:r>
-            <a:r>
-              <a:rPr lang="en-US" altLang="ko-KR" sz="2400" b="1" dirty="0"/>
-              <a:t>,</a:t>
-            </a:r>
-            <a:r>
-              <a:rPr lang="ko-KR" altLang="en-US" sz="2400" b="1" dirty="0"/>
-              <a:t> TCP </a:t>
-            </a:r>
-            <a:r>
-              <a:rPr lang="ko-KR" altLang="en-US" sz="2400" b="1" dirty="0" err="1"/>
-              <a:t>over</a:t>
-            </a:r>
-            <a:r>
-              <a:rPr lang="ko-KR" altLang="en-US" sz="2400" b="1" dirty="0"/>
-              <a:t> 루프백의 성능을 향상시킨다</a:t>
-            </a:r>
-            <a:r>
-              <a:rPr lang="en-US" altLang="ko-KR" sz="2400" dirty="0"/>
-              <a:t>.</a:t>
-            </a:r>
-            <a:br>
-              <a:rPr lang="en-US" altLang="ko-KR" sz="2400" dirty="0"/>
-            </a:br>
-            <a:r>
-              <a:rPr lang="en-US" altLang="ko-KR" sz="2400" dirty="0"/>
-              <a:t>Device Input and Output Control (IOCTL)</a:t>
-            </a:r>
-            <a:br>
-              <a:rPr lang="en-US" altLang="ko-KR" sz="2400" dirty="0"/>
-            </a:br>
-            <a:endParaRPr lang="en-US" altLang="ko-KR" sz="2400" dirty="0"/>
-          </a:p>
-          <a:p>
-            <a:pPr marL="285750" indent="-285750">
-              <a:buFont typeface="Arial" panose="020B0604020202020204" pitchFamily="34" charset="0"/>
-              <a:buChar char="•"/>
-            </a:pPr>
-            <a:r>
-              <a:rPr lang="ko-KR" altLang="en-US" sz="2400" dirty="0"/>
-              <a:t>Windows에서 IPv4 또는 IPv6 </a:t>
-            </a:r>
-            <a:r>
-              <a:rPr lang="ko-KR" altLang="en-US" sz="2400" dirty="0" err="1"/>
-              <a:t>루프백</a:t>
-            </a:r>
-            <a:r>
-              <a:rPr lang="en-US" altLang="ko-KR" sz="2400" dirty="0"/>
-              <a:t>(localhost, 127.0.0.1)</a:t>
-            </a:r>
-            <a:r>
-              <a:rPr lang="ko-KR" altLang="en-US" sz="2400" dirty="0"/>
-              <a:t> 주소를 사용하는 패킷은 네트워크 계층을 사용한다. 이 </a:t>
-            </a:r>
-            <a:r>
-              <a:rPr lang="ko-KR" altLang="en-US" sz="2400" dirty="0" err="1"/>
-              <a:t>IOCTL은</a:t>
-            </a:r>
-            <a:r>
-              <a:rPr lang="ko-KR" altLang="en-US" sz="2400" dirty="0"/>
-              <a:t> 루프백을 통한 TCP 패킷이 </a:t>
-            </a:r>
-            <a:r>
-              <a:rPr lang="ko-KR" altLang="en-US" sz="2400" b="1" dirty="0"/>
-              <a:t>전송 계층을 대신 사용하도록 동작을 변경</a:t>
-            </a:r>
-            <a:r>
-              <a:rPr lang="ko-KR" altLang="en-US" sz="2400" dirty="0"/>
-              <a:t>한다. </a:t>
-            </a:r>
-            <a:br>
-              <a:rPr lang="en-US" altLang="ko-KR" sz="2400" dirty="0"/>
-            </a:br>
-            <a:endParaRPr lang="en-US" altLang="ko-KR" sz="2400" dirty="0"/>
-          </a:p>
-          <a:p>
-            <a:pPr marL="285750" indent="-285750">
-              <a:buFont typeface="Arial" panose="020B0604020202020204" pitchFamily="34" charset="0"/>
-              <a:buChar char="•"/>
-            </a:pPr>
-            <a:r>
-              <a:rPr lang="ko-KR" altLang="en-US" sz="2400" dirty="0"/>
-              <a:t>이렇게 하면 </a:t>
-            </a:r>
-            <a:r>
-              <a:rPr lang="ko-KR" altLang="en-US" sz="2400" dirty="0" err="1"/>
-              <a:t>루프백</a:t>
-            </a:r>
-            <a:r>
-              <a:rPr lang="ko-KR" altLang="en-US" sz="2400" dirty="0"/>
-              <a:t> 패킷이 </a:t>
-            </a:r>
-            <a:r>
-              <a:rPr lang="ko-KR" altLang="en-US" sz="2400" dirty="0" err="1"/>
-              <a:t>OS에서</a:t>
-            </a:r>
-            <a:r>
-              <a:rPr lang="ko-KR" altLang="en-US" sz="2400" dirty="0"/>
-              <a:t> 통과 해야하는 </a:t>
-            </a:r>
-            <a:r>
-              <a:rPr lang="ko-KR" altLang="en-US" sz="2400" b="1" dirty="0"/>
-              <a:t>코드 경로가 단축되므로 대기 시간이 단축되고 성능이 향상</a:t>
-            </a:r>
-            <a:r>
-              <a:rPr lang="ko-KR" altLang="en-US" sz="2400" dirty="0"/>
-              <a:t>된다.</a:t>
-            </a:r>
-          </a:p>
-        </p:txBody>
-      </p:sp>
-    </p:spTree>
-    <p:extLst>
-      <p:ext uri="{BB962C8B-B14F-4D97-AF65-F5344CB8AC3E}">
-        <p14:creationId xmlns:p14="http://schemas.microsoft.com/office/powerpoint/2010/main" val="3367074224"/>
-      </p:ext>
-    </p:extLst>
-  </p:cSld>
-  <p:clrMapOvr>
-    <a:masterClrMapping/>
-  </p:clrMapOvr>
-</p:sld>
-</file>
-
-<file path=ppt/slides/slide32.xml><?xml version="1.0" encoding="utf-8"?>
-<p:sld xmlns:a="http://schemas.openxmlformats.org/drawingml/2006/main" xmlns:r="http://schemas.openxmlformats.org/officeDocument/2006/relationships" xmlns:p="http://schemas.openxmlformats.org/presentationml/2006/main">
-  <p:cSld>
-    <p:spTree>
-      <p:nvGrpSpPr>
-        <p:cNvPr id="1" name=""/>
-        <p:cNvGrpSpPr/>
-        <p:nvPr/>
-      </p:nvGrpSpPr>
-      <p:grpSpPr>
-        <a:xfrm>
-          <a:off x="0" y="0"/>
-          <a:ext cx="0" cy="0"/>
-          <a:chOff x="0" y="0"/>
-          <a:chExt cx="0" cy="0"/>
-        </a:xfrm>
-      </p:grpSpPr>
-      <p:sp>
-        <p:nvSpPr>
-          <p:cNvPr id="3" name="직사각형 2"/>
-          <p:cNvSpPr/>
-          <p:nvPr/>
-        </p:nvSpPr>
-        <p:spPr>
-          <a:xfrm>
-            <a:off x="696685" y="1388745"/>
-            <a:ext cx="10477995" cy="3785652"/>
-          </a:xfrm>
-          <a:prstGeom prst="rect">
-            <a:avLst/>
-          </a:prstGeom>
-        </p:spPr>
-        <p:txBody>
-          <a:bodyPr wrap="square">
-            <a:spAutoFit/>
-          </a:bodyPr>
-          <a:lstStyle/>
-          <a:p>
-            <a:pPr marL="285750" indent="-285750">
-              <a:buFont typeface="Arial" panose="020B0604020202020204" pitchFamily="34" charset="0"/>
-              <a:buChar char="•"/>
-            </a:pPr>
-            <a:r>
-              <a:rPr lang="ko-KR" altLang="en-US" sz="2400" dirty="0"/>
-              <a:t>이 향상된 기능을 사용하려면 </a:t>
-            </a:r>
-            <a:r>
-              <a:rPr lang="ko-KR" altLang="en-US" sz="2400" b="1" dirty="0" err="1"/>
-              <a:t>루프백</a:t>
-            </a:r>
-            <a:r>
-              <a:rPr lang="ko-KR" altLang="en-US" sz="2400" b="1" dirty="0"/>
-              <a:t>(클라이언트와 서버)을 사용하는 소켓 모두가 </a:t>
-            </a:r>
-            <a:r>
-              <a:rPr lang="ko-KR" altLang="en-US" sz="2400" b="1" dirty="0" err="1"/>
-              <a:t>IOCTL을</a:t>
-            </a:r>
-            <a:r>
-              <a:rPr lang="ko-KR" altLang="en-US" sz="2400" b="1" dirty="0"/>
-              <a:t> </a:t>
-            </a:r>
-            <a:r>
-              <a:rPr lang="ko-KR" altLang="en-US" sz="2400" b="1" dirty="0" err="1"/>
-              <a:t>설정해야한다</a:t>
-            </a:r>
-            <a:r>
-              <a:rPr lang="ko-KR" altLang="en-US" sz="2400" dirty="0"/>
-              <a:t>. </a:t>
-            </a:r>
-            <a:br>
-              <a:rPr lang="en-US" altLang="ko-KR" sz="2400" dirty="0"/>
-            </a:br>
-            <a:endParaRPr lang="en-US" altLang="ko-KR" sz="2400" dirty="0"/>
-          </a:p>
-          <a:p>
-            <a:pPr marL="285750" indent="-285750">
-              <a:buFont typeface="Arial" panose="020B0604020202020204" pitchFamily="34" charset="0"/>
-              <a:buChar char="•"/>
-            </a:pPr>
-            <a:r>
-              <a:rPr lang="ko-KR" altLang="en-US" sz="2400" dirty="0"/>
-              <a:t>클라이언트측 소켓은 연결 호출을 작성하기 전에 이 </a:t>
-            </a:r>
-            <a:r>
-              <a:rPr lang="ko-KR" altLang="en-US" sz="2400" dirty="0" err="1"/>
-              <a:t>IOCTL을</a:t>
-            </a:r>
-            <a:r>
-              <a:rPr lang="ko-KR" altLang="en-US" sz="2400" dirty="0"/>
-              <a:t> 설정 </a:t>
-            </a:r>
-            <a:r>
-              <a:rPr lang="ko-KR" altLang="en-US" sz="2400" dirty="0" err="1"/>
-              <a:t>해야하나다</a:t>
-            </a:r>
-            <a:r>
-              <a:rPr lang="ko-KR" altLang="en-US" sz="2400" dirty="0"/>
-              <a:t>. 그리고 서버측 소켓은 들어오는 소켓을 수락하기 전에 이 </a:t>
-            </a:r>
-            <a:r>
-              <a:rPr lang="ko-KR" altLang="en-US" sz="2400" dirty="0" err="1"/>
-              <a:t>IOCTL을</a:t>
-            </a:r>
-            <a:r>
-              <a:rPr lang="ko-KR" altLang="en-US" sz="2400" dirty="0"/>
-              <a:t> 적용 해야한다. </a:t>
-            </a:r>
-            <a:br>
-              <a:rPr lang="en-US" altLang="ko-KR" sz="2400" dirty="0"/>
-            </a:br>
-            <a:endParaRPr lang="en-US" altLang="ko-KR" sz="2400" dirty="0"/>
-          </a:p>
-          <a:p>
-            <a:pPr marL="285750" indent="-285750">
-              <a:buFont typeface="Arial" panose="020B0604020202020204" pitchFamily="34" charset="0"/>
-              <a:buChar char="•"/>
-            </a:pPr>
-            <a:r>
-              <a:rPr lang="ko-KR" altLang="en-US" sz="2400" dirty="0"/>
-              <a:t>이 향상된 기능의 제한 사항은 Windows 필터링 플랫폼(WFP) 필터와 함께 사용할 수 없다는 것이다. 또 다른 사소한 제한은 이 </a:t>
-            </a:r>
-            <a:r>
-              <a:rPr lang="ko-KR" altLang="en-US" sz="2400" dirty="0" err="1"/>
-              <a:t>IOCTL이</a:t>
-            </a:r>
-            <a:r>
-              <a:rPr lang="ko-KR" altLang="en-US" sz="2400" dirty="0"/>
-              <a:t> 설정 될 때 소켓 옵션의 제한된 수만 사용될 수 있다는 것이다.</a:t>
-            </a:r>
-          </a:p>
-        </p:txBody>
-      </p:sp>
-      <p:sp>
-        <p:nvSpPr>
-          <p:cNvPr id="4" name="TextBox 3"/>
-          <p:cNvSpPr txBox="1"/>
-          <p:nvPr/>
-        </p:nvSpPr>
-        <p:spPr>
-          <a:xfrm>
-            <a:off x="696685" y="5934670"/>
-            <a:ext cx="11107388" cy="646331"/>
-          </a:xfrm>
-          <a:prstGeom prst="rect">
-            <a:avLst/>
-          </a:prstGeom>
-          <a:noFill/>
-        </p:spPr>
-        <p:txBody>
-          <a:bodyPr wrap="square" rtlCol="0">
-            <a:spAutoFit/>
-          </a:bodyPr>
-          <a:lstStyle/>
-          <a:p>
-            <a:r>
-              <a:rPr lang="en-US" altLang="ko-KR" dirty="0"/>
-              <a:t>WFP: </a:t>
-            </a:r>
-            <a:r>
-              <a:rPr lang="ko-KR" altLang="en-US" dirty="0"/>
-              <a:t>소켓이 </a:t>
-            </a:r>
-            <a:r>
-              <a:rPr lang="en-US" altLang="ko-KR" dirty="0"/>
-              <a:t>OS </a:t>
-            </a:r>
-            <a:r>
-              <a:rPr lang="ko-KR" altLang="en-US" dirty="0"/>
-              <a:t>내에서 처리되기 전에 필터 하거나 변경할 수 있다</a:t>
-            </a:r>
-            <a:r>
-              <a:rPr lang="en-US" altLang="ko-KR" dirty="0"/>
-              <a:t>. </a:t>
-            </a:r>
-            <a:r>
-              <a:rPr lang="ko-KR" altLang="en-US" dirty="0"/>
-              <a:t>즉 방화벽이나 안티 바이러스</a:t>
-            </a:r>
-            <a:r>
-              <a:rPr lang="en-US" altLang="ko-KR" dirty="0"/>
-              <a:t>, </a:t>
-            </a:r>
-            <a:r>
-              <a:rPr lang="ko-KR" altLang="en-US" dirty="0"/>
-              <a:t>안티 스파이웨어 대응 소프트웨어 등이 어떤 데이터를 시스템에서 수신할지를 보다 효율적으로 컨트롤 할 수 있다</a:t>
-            </a:r>
-            <a:r>
-              <a:rPr lang="en-US" altLang="ko-KR" dirty="0"/>
-              <a:t>.</a:t>
-            </a:r>
-            <a:endParaRPr lang="ko-KR" altLang="en-US" dirty="0"/>
-          </a:p>
-        </p:txBody>
-      </p:sp>
-    </p:spTree>
-    <p:extLst>
-      <p:ext uri="{BB962C8B-B14F-4D97-AF65-F5344CB8AC3E}">
-        <p14:creationId xmlns:p14="http://schemas.microsoft.com/office/powerpoint/2010/main" val="1902999244"/>
-      </p:ext>
-    </p:extLst>
-  </p:cSld>
-  <p:clrMapOvr>
-    <a:masterClrMapping/>
-  </p:clrMapOvr>
-</p:sld>
-</file>
-
-<file path=ppt/slides/slide33.xml><?xml version="1.0" encoding="utf-8"?>
-<p:sld xmlns:a="http://schemas.openxmlformats.org/drawingml/2006/main" xmlns:r="http://schemas.openxmlformats.org/officeDocument/2006/relationships" xmlns:p="http://schemas.openxmlformats.org/presentationml/2006/main">
-  <p:cSld>
-    <p:spTree>
-      <p:nvGrpSpPr>
-        <p:cNvPr id="1" name=""/>
-        <p:cNvGrpSpPr/>
-        <p:nvPr/>
-      </p:nvGrpSpPr>
-      <p:grpSpPr>
-        <a:xfrm>
-          <a:off x="0" y="0"/>
-          <a:ext cx="0" cy="0"/>
-          <a:chOff x="0" y="0"/>
-          <a:chExt cx="0" cy="0"/>
-        </a:xfrm>
-      </p:grpSpPr>
-      <p:sp>
-        <p:nvSpPr>
-          <p:cNvPr id="2" name="TextBox 1"/>
-          <p:cNvSpPr txBox="1"/>
-          <p:nvPr/>
-        </p:nvSpPr>
-        <p:spPr>
-          <a:xfrm>
-            <a:off x="551328" y="322729"/>
-            <a:ext cx="11282083" cy="646331"/>
-          </a:xfrm>
-          <a:prstGeom prst="rect">
-            <a:avLst/>
-          </a:prstGeom>
-          <a:noFill/>
-        </p:spPr>
-        <p:txBody>
-          <a:bodyPr wrap="square" rtlCol="0">
-            <a:spAutoFit/>
-          </a:bodyPr>
-          <a:lstStyle/>
-          <a:p>
-            <a:r>
-              <a:rPr lang="ko-KR" altLang="en-US" sz="3600" b="1" dirty="0"/>
-              <a:t>사용 예</a:t>
-            </a:r>
-          </a:p>
-        </p:txBody>
-      </p:sp>
-      <p:pic>
-        <p:nvPicPr>
-          <p:cNvPr id="3" name="그림 2"/>
-          <p:cNvPicPr>
-            <a:picLocks noChangeAspect="1"/>
-          </p:cNvPicPr>
-          <p:nvPr/>
-        </p:nvPicPr>
-        <p:blipFill>
-          <a:blip r:embed="rId2"/>
-          <a:stretch>
-            <a:fillRect/>
-          </a:stretch>
-        </p:blipFill>
-        <p:spPr>
-          <a:xfrm>
-            <a:off x="838199" y="3122343"/>
-            <a:ext cx="9951547" cy="2957821"/>
-          </a:xfrm>
-          <a:prstGeom prst="rect">
-            <a:avLst/>
-          </a:prstGeom>
-        </p:spPr>
-      </p:pic>
-      <p:pic>
-        <p:nvPicPr>
-          <p:cNvPr id="4" name="그림 3"/>
-          <p:cNvPicPr>
-            <a:picLocks noChangeAspect="1"/>
-          </p:cNvPicPr>
-          <p:nvPr/>
-        </p:nvPicPr>
-        <p:blipFill>
-          <a:blip r:embed="rId3"/>
-          <a:stretch>
-            <a:fillRect/>
-          </a:stretch>
-        </p:blipFill>
-        <p:spPr>
-          <a:xfrm>
-            <a:off x="3735779" y="1326511"/>
-            <a:ext cx="6405748" cy="1040645"/>
-          </a:xfrm>
-          <a:prstGeom prst="rect">
-            <a:avLst/>
-          </a:prstGeom>
-        </p:spPr>
-      </p:pic>
-      <p:sp>
-        <p:nvSpPr>
-          <p:cNvPr id="5" name="TextBox 4"/>
-          <p:cNvSpPr txBox="1"/>
-          <p:nvPr/>
-        </p:nvSpPr>
-        <p:spPr>
-          <a:xfrm>
-            <a:off x="3641764" y="1846833"/>
-            <a:ext cx="3566558" cy="450629"/>
-          </a:xfrm>
-          <a:prstGeom prst="rect">
-            <a:avLst/>
-          </a:prstGeom>
-          <a:noFill/>
-          <a:ln w="28575">
-            <a:solidFill>
-              <a:srgbClr val="FF0000"/>
-            </a:solidFill>
-          </a:ln>
-        </p:spPr>
-        <p:txBody>
-          <a:bodyPr wrap="square" rtlCol="0">
-            <a:spAutoFit/>
-          </a:bodyPr>
-          <a:lstStyle/>
-          <a:p>
-            <a:endParaRPr lang="ko-KR" altLang="en-US" dirty="0"/>
-          </a:p>
-        </p:txBody>
-      </p:sp>
-      <p:sp>
-        <p:nvSpPr>
-          <p:cNvPr id="6" name="직사각형 5"/>
-          <p:cNvSpPr/>
-          <p:nvPr/>
-        </p:nvSpPr>
-        <p:spPr>
-          <a:xfrm>
-            <a:off x="3075709" y="6080164"/>
-            <a:ext cx="8645236" cy="461665"/>
-          </a:xfrm>
-          <a:prstGeom prst="rect">
-            <a:avLst/>
-          </a:prstGeom>
-        </p:spPr>
-        <p:txBody>
-          <a:bodyPr wrap="square">
-            <a:spAutoFit/>
-          </a:bodyPr>
-          <a:lstStyle/>
-          <a:p>
-            <a:r>
-              <a:rPr lang="ko-KR" altLang="en-US" sz="1200" dirty="0"/>
-              <a:t>출처</a:t>
-            </a:r>
-            <a:r>
-              <a:rPr lang="en-US" altLang="ko-KR" sz="1200" dirty="0"/>
-              <a:t>: </a:t>
-            </a:r>
-            <a:r>
-              <a:rPr lang="ko-KR" altLang="en-US" sz="1200" dirty="0">
-                <a:hlinkClick r:id="rId4"/>
-              </a:rPr>
-              <a:t>https://github.com/billlin0904/librapid/blob/95864eed190bee0752502f88c57c7dcef6965050/source/details/socket.cpp</a:t>
-            </a:r>
-            <a:r>
-              <a:rPr lang="ko-KR" altLang="en-US" sz="1200" dirty="0"/>
-              <a:t> </a:t>
-            </a:r>
-          </a:p>
-        </p:txBody>
-      </p:sp>
-    </p:spTree>
-    <p:extLst>
-      <p:ext uri="{BB962C8B-B14F-4D97-AF65-F5344CB8AC3E}">
-        <p14:creationId xmlns:p14="http://schemas.microsoft.com/office/powerpoint/2010/main" val="3359129168"/>
-      </p:ext>
-    </p:extLst>
-  </p:cSld>
-  <p:clrMapOvr>
-    <a:masterClrMapping/>
-  </p:clrMapOvr>
-</p:sld>
-</file>
-
-<file path=ppt/slides/slide34.xml><?xml version="1.0" encoding="utf-8"?>
-<p:sld xmlns:a="http://schemas.openxmlformats.org/drawingml/2006/main" xmlns:r="http://schemas.openxmlformats.org/officeDocument/2006/relationships" xmlns:p="http://schemas.openxmlformats.org/presentationml/2006/main">
-  <p:cSld>
-    <p:spTree>
-      <p:nvGrpSpPr>
-        <p:cNvPr id="1" name=""/>
-        <p:cNvGrpSpPr/>
-        <p:nvPr/>
-      </p:nvGrpSpPr>
-      <p:grpSpPr>
-        <a:xfrm>
-          <a:off x="0" y="0"/>
-          <a:ext cx="0" cy="0"/>
-          <a:chOff x="0" y="0"/>
-          <a:chExt cx="0" cy="0"/>
-        </a:xfrm>
-      </p:grpSpPr>
-      <p:pic>
-        <p:nvPicPr>
-          <p:cNvPr id="3" name="그림 2"/>
-          <p:cNvPicPr>
-            <a:picLocks noChangeAspect="1"/>
-          </p:cNvPicPr>
-          <p:nvPr/>
-        </p:nvPicPr>
-        <p:blipFill>
-          <a:blip r:embed="rId2"/>
-          <a:stretch>
-            <a:fillRect/>
-          </a:stretch>
-        </p:blipFill>
-        <p:spPr>
-          <a:xfrm>
-            <a:off x="1117579" y="275482"/>
-            <a:ext cx="4736956" cy="6168518"/>
-          </a:xfrm>
-          <a:prstGeom prst="rect">
-            <a:avLst/>
-          </a:prstGeom>
-        </p:spPr>
-      </p:pic>
-      <p:sp>
-        <p:nvSpPr>
-          <p:cNvPr id="4" name="직사각형 3"/>
-          <p:cNvSpPr/>
-          <p:nvPr/>
-        </p:nvSpPr>
-        <p:spPr>
-          <a:xfrm>
-            <a:off x="2660074" y="6581001"/>
-            <a:ext cx="9369630" cy="276999"/>
-          </a:xfrm>
-          <a:prstGeom prst="rect">
-            <a:avLst/>
-          </a:prstGeom>
-        </p:spPr>
-        <p:txBody>
-          <a:bodyPr wrap="square">
-            <a:spAutoFit/>
-          </a:bodyPr>
-          <a:lstStyle/>
-          <a:p>
-            <a:r>
-              <a:rPr lang="ko-KR" altLang="en-US" sz="1200" dirty="0"/>
-              <a:t>출처</a:t>
-            </a:r>
-            <a:r>
-              <a:rPr lang="en-US" altLang="ko-KR" sz="1200" dirty="0"/>
-              <a:t>: </a:t>
-            </a:r>
-            <a:r>
-              <a:rPr lang="ko-KR" altLang="en-US" sz="1200" dirty="0">
-                <a:hlinkClick r:id="rId3"/>
-              </a:rPr>
-              <a:t>https://github.com/GorNishanov/await/blob/c23d240a7b9a3f49df3fd6f9b44e2ae78c45899d/2015_CppCon/SuperLean/PAL.cpp</a:t>
-            </a:r>
-            <a:r>
-              <a:rPr lang="ko-KR" altLang="en-US" sz="1200" dirty="0"/>
-              <a:t> </a:t>
-            </a:r>
-          </a:p>
-        </p:txBody>
-      </p:sp>
-    </p:spTree>
-    <p:extLst>
-      <p:ext uri="{BB962C8B-B14F-4D97-AF65-F5344CB8AC3E}">
-        <p14:creationId xmlns:p14="http://schemas.microsoft.com/office/powerpoint/2010/main" val="1807372915"/>
-      </p:ext>
-    </p:extLst>
-  </p:cSld>
-  <p:clrMapOvr>
-    <a:masterClrMapping/>
-  </p:clrMapOvr>
-</p:sld>
-</file>
-
-<file path=ppt/slides/slide35.xml><?xml version="1.0" encoding="utf-8"?>
-<p:sld xmlns:a="http://schemas.openxmlformats.org/drawingml/2006/main" xmlns:r="http://schemas.openxmlformats.org/officeDocument/2006/relationships" xmlns:p="http://schemas.openxmlformats.org/presentationml/2006/main">
-  <p:cSld>
-    <p:spTree>
-      <p:nvGrpSpPr>
-        <p:cNvPr id="1" name=""/>
-        <p:cNvGrpSpPr/>
-        <p:nvPr/>
-      </p:nvGrpSpPr>
-      <p:grpSpPr>
-        <a:xfrm>
-          <a:off x="0" y="0"/>
-          <a:ext cx="0" cy="0"/>
-          <a:chOff x="0" y="0"/>
-          <a:chExt cx="0" cy="0"/>
-        </a:xfrm>
-      </p:grpSpPr>
-      <p:pic>
-        <p:nvPicPr>
-          <p:cNvPr id="2" name="그림 1"/>
-          <p:cNvPicPr>
-            <a:picLocks noChangeAspect="1"/>
-          </p:cNvPicPr>
-          <p:nvPr/>
-        </p:nvPicPr>
-        <p:blipFill>
-          <a:blip r:embed="rId2"/>
-          <a:stretch>
-            <a:fillRect/>
-          </a:stretch>
-        </p:blipFill>
-        <p:spPr>
-          <a:xfrm>
-            <a:off x="370423" y="1149925"/>
-            <a:ext cx="11505340" cy="3873337"/>
-          </a:xfrm>
-          <a:prstGeom prst="rect">
-            <a:avLst/>
-          </a:prstGeom>
-        </p:spPr>
-      </p:pic>
-      <p:sp>
-        <p:nvSpPr>
-          <p:cNvPr id="3" name="직사각형 2"/>
-          <p:cNvSpPr/>
-          <p:nvPr/>
-        </p:nvSpPr>
-        <p:spPr>
-          <a:xfrm>
-            <a:off x="2268624" y="5449278"/>
-            <a:ext cx="9607139" cy="276999"/>
-          </a:xfrm>
-          <a:prstGeom prst="rect">
-            <a:avLst/>
-          </a:prstGeom>
-        </p:spPr>
-        <p:txBody>
-          <a:bodyPr wrap="square">
-            <a:spAutoFit/>
-          </a:bodyPr>
-          <a:lstStyle/>
-          <a:p>
-            <a:r>
-              <a:rPr lang="ko-KR" altLang="en-US" sz="1200" dirty="0"/>
-              <a:t>출처</a:t>
-            </a:r>
-            <a:r>
-              <a:rPr lang="en-US" altLang="ko-KR" sz="1200" dirty="0"/>
-              <a:t>: </a:t>
-            </a:r>
-            <a:r>
-              <a:rPr lang="ko-KR" altLang="en-US" sz="1200" dirty="0">
-                <a:hlinkClick r:id="rId3"/>
-              </a:rPr>
-              <a:t>https://github.com/stas-sultanov/SXN.Net/blob/d7bbba5f56900813b4f88d38b54bc12a560ded13/src/TcpServerCli/TcpWorker.h</a:t>
-            </a:r>
-            <a:r>
-              <a:rPr lang="ko-KR" altLang="en-US" sz="1200" dirty="0"/>
-              <a:t> </a:t>
-            </a:r>
-          </a:p>
-        </p:txBody>
-      </p:sp>
-    </p:spTree>
-    <p:extLst>
-      <p:ext uri="{BB962C8B-B14F-4D97-AF65-F5344CB8AC3E}">
-        <p14:creationId xmlns:p14="http://schemas.microsoft.com/office/powerpoint/2010/main" val="880290254"/>
-      </p:ext>
-    </p:extLst>
-  </p:cSld>
-  <p:clrMapOvr>
-    <a:masterClrMapping/>
-  </p:clrMapOvr>
-</p:sld>
-</file>
-
-<file path=ppt/slides/slide36.xml><?xml version="1.0" encoding="utf-8"?>
-<p:sld xmlns:a="http://schemas.openxmlformats.org/drawingml/2006/main" xmlns:r="http://schemas.openxmlformats.org/officeDocument/2006/relationships" xmlns:p="http://schemas.openxmlformats.org/presentationml/2006/main">
-  <p:cSld>
-    <p:spTree>
-      <p:nvGrpSpPr>
-        <p:cNvPr id="1" name=""/>
-        <p:cNvGrpSpPr/>
-        <p:nvPr/>
-      </p:nvGrpSpPr>
-      <p:grpSpPr>
-        <a:xfrm>
-          <a:off x="0" y="0"/>
-          <a:ext cx="0" cy="0"/>
-          <a:chOff x="0" y="0"/>
-          <a:chExt cx="0" cy="0"/>
-        </a:xfrm>
-      </p:grpSpPr>
-      <p:pic>
-        <p:nvPicPr>
-          <p:cNvPr id="3" name="그림 2"/>
-          <p:cNvPicPr>
-            <a:picLocks noChangeAspect="1"/>
-          </p:cNvPicPr>
-          <p:nvPr/>
-        </p:nvPicPr>
-        <p:blipFill>
-          <a:blip r:embed="rId2"/>
-          <a:stretch>
-            <a:fillRect/>
-          </a:stretch>
-        </p:blipFill>
-        <p:spPr>
-          <a:xfrm>
-            <a:off x="2192606" y="451632"/>
-            <a:ext cx="7804188" cy="5800725"/>
-          </a:xfrm>
-          <a:prstGeom prst="rect">
-            <a:avLst/>
-          </a:prstGeom>
-        </p:spPr>
-      </p:pic>
-      <p:sp>
-        <p:nvSpPr>
-          <p:cNvPr id="4" name="직사각형 3"/>
-          <p:cNvSpPr/>
-          <p:nvPr/>
-        </p:nvSpPr>
-        <p:spPr>
-          <a:xfrm>
-            <a:off x="2762991" y="6351802"/>
-            <a:ext cx="9242961" cy="276999"/>
-          </a:xfrm>
-          <a:prstGeom prst="rect">
-            <a:avLst/>
-          </a:prstGeom>
-        </p:spPr>
-        <p:txBody>
-          <a:bodyPr wrap="square">
-            <a:spAutoFit/>
-          </a:bodyPr>
-          <a:lstStyle/>
-          <a:p>
-            <a:r>
-              <a:rPr lang="ko-KR" altLang="en-US" sz="1200" dirty="0"/>
-              <a:t>출처</a:t>
-            </a:r>
-            <a:r>
-              <a:rPr lang="en-US" altLang="ko-KR" sz="1200" dirty="0"/>
-              <a:t>: </a:t>
-            </a:r>
-            <a:r>
-              <a:rPr lang="ko-KR" altLang="en-US" sz="1200" dirty="0">
-                <a:hlinkClick r:id="rId3"/>
-              </a:rPr>
-              <a:t>https://github.com/imiuka/rtmp-sharp/blob/834f7079bc1b32676dabbd6806b9b746b15f5717/src/_Sky/Hina/Net/SocketEx.cs</a:t>
-            </a:r>
-            <a:r>
-              <a:rPr lang="ko-KR" altLang="en-US" sz="1200" dirty="0"/>
-              <a:t> </a:t>
-            </a:r>
-          </a:p>
-        </p:txBody>
-      </p:sp>
-      <p:sp>
-        <p:nvSpPr>
-          <p:cNvPr id="5" name="TextBox 4"/>
-          <p:cNvSpPr txBox="1"/>
-          <p:nvPr/>
-        </p:nvSpPr>
-        <p:spPr>
-          <a:xfrm>
-            <a:off x="961901" y="273132"/>
-            <a:ext cx="914400" cy="646331"/>
-          </a:xfrm>
-          <a:prstGeom prst="rect">
-            <a:avLst/>
-          </a:prstGeom>
-          <a:noFill/>
-        </p:spPr>
-        <p:txBody>
-          <a:bodyPr wrap="square" rtlCol="0">
-            <a:spAutoFit/>
-          </a:bodyPr>
-          <a:lstStyle/>
-          <a:p>
-            <a:r>
-              <a:rPr lang="en-US" altLang="ko-KR" sz="3600" b="1" dirty="0"/>
-              <a:t>C#</a:t>
-            </a:r>
-            <a:endParaRPr lang="ko-KR" altLang="en-US" sz="3600" b="1" dirty="0"/>
-          </a:p>
-        </p:txBody>
-      </p:sp>
-    </p:spTree>
-    <p:extLst>
-      <p:ext uri="{BB962C8B-B14F-4D97-AF65-F5344CB8AC3E}">
-        <p14:creationId xmlns:p14="http://schemas.microsoft.com/office/powerpoint/2010/main" val="620822485"/>
-      </p:ext>
-    </p:extLst>
-  </p:cSld>
-  <p:clrMapOvr>
-    <a:masterClrMapping/>
-  </p:clrMapOvr>
-</p:sld>
-</file>
-
-<file path=ppt/slides/slide37.xml><?xml version="1.0" encoding="utf-8"?>
-<p:sld xmlns:a="http://schemas.openxmlformats.org/drawingml/2006/main" xmlns:r="http://schemas.openxmlformats.org/officeDocument/2006/relationships" xmlns:p="http://schemas.openxmlformats.org/presentationml/2006/main">
-  <p:cSld>
-    <p:spTree>
-      <p:nvGrpSpPr>
-        <p:cNvPr id="1" name=""/>
-        <p:cNvGrpSpPr/>
-        <p:nvPr/>
-      </p:nvGrpSpPr>
-      <p:grpSpPr>
-        <a:xfrm>
-          <a:off x="0" y="0"/>
-          <a:ext cx="0" cy="0"/>
-          <a:chOff x="0" y="0"/>
-          <a:chExt cx="0" cy="0"/>
-        </a:xfrm>
-      </p:grpSpPr>
-      <p:pic>
-        <p:nvPicPr>
-          <p:cNvPr id="2" name="그림 1"/>
-          <p:cNvPicPr>
-            <a:picLocks noChangeAspect="1"/>
-          </p:cNvPicPr>
-          <p:nvPr/>
-        </p:nvPicPr>
-        <p:blipFill>
-          <a:blip r:embed="rId2"/>
-          <a:stretch>
-            <a:fillRect/>
-          </a:stretch>
-        </p:blipFill>
-        <p:spPr>
-          <a:xfrm>
-            <a:off x="1281112" y="523875"/>
-            <a:ext cx="9629775" cy="5810250"/>
-          </a:xfrm>
-          <a:prstGeom prst="rect">
-            <a:avLst/>
-          </a:prstGeom>
-        </p:spPr>
-      </p:pic>
-      <p:sp>
-        <p:nvSpPr>
-          <p:cNvPr id="3" name="직사각형 2"/>
-          <p:cNvSpPr/>
-          <p:nvPr/>
-        </p:nvSpPr>
-        <p:spPr>
-          <a:xfrm>
-            <a:off x="3461100" y="6334125"/>
-            <a:ext cx="7449787" cy="276999"/>
-          </a:xfrm>
-          <a:prstGeom prst="rect">
-            <a:avLst/>
-          </a:prstGeom>
-        </p:spPr>
-        <p:txBody>
-          <a:bodyPr wrap="square">
-            <a:spAutoFit/>
-          </a:bodyPr>
-          <a:lstStyle/>
-          <a:p>
-            <a:r>
-              <a:rPr lang="ko-KR" altLang="en-US" sz="1200" dirty="0">
-                <a:hlinkClick r:id="rId3"/>
-              </a:rPr>
-              <a:t>https://github.com/search?l=C%2B%2B&amp;q=SIO_LOOPBACK_FAST_PATH&amp;type=Code&amp;utf8=%E2%9C%93</a:t>
-            </a:r>
-            <a:r>
-              <a:rPr lang="ko-KR" altLang="en-US" sz="1200" dirty="0"/>
-              <a:t> </a:t>
-            </a:r>
-          </a:p>
-        </p:txBody>
-      </p:sp>
-    </p:spTree>
-    <p:extLst>
-      <p:ext uri="{BB962C8B-B14F-4D97-AF65-F5344CB8AC3E}">
-        <p14:creationId xmlns:p14="http://schemas.microsoft.com/office/powerpoint/2010/main" val="2760264221"/>
-      </p:ext>
-    </p:extLst>
-  </p:cSld>
-  <p:clrMapOvr>
-    <a:masterClrMapping/>
-  </p:clrMapOvr>
-</p:sld>
-</file>
-
-<file path=ppt/slides/slide38.xml><?xml version="1.0" encoding="utf-8"?>
-<p:sld xmlns:a="http://schemas.openxmlformats.org/drawingml/2006/main" xmlns:r="http://schemas.openxmlformats.org/officeDocument/2006/relationships" xmlns:p="http://schemas.openxmlformats.org/presentationml/2006/main">
-  <p:cSld>
-    <p:spTree>
-      <p:nvGrpSpPr>
-        <p:cNvPr id="1" name=""/>
-        <p:cNvGrpSpPr/>
-        <p:nvPr/>
-      </p:nvGrpSpPr>
-      <p:grpSpPr>
-        <a:xfrm>
-          <a:off x="0" y="0"/>
-          <a:ext cx="0" cy="0"/>
-          <a:chOff x="0" y="0"/>
-          <a:chExt cx="0" cy="0"/>
-        </a:xfrm>
-      </p:grpSpPr>
-      <p:sp>
-        <p:nvSpPr>
-          <p:cNvPr id="2" name="TextBox 1"/>
-          <p:cNvSpPr txBox="1"/>
-          <p:nvPr/>
-        </p:nvSpPr>
-        <p:spPr>
-          <a:xfrm>
-            <a:off x="551328" y="322729"/>
-            <a:ext cx="11282083" cy="1754326"/>
-          </a:xfrm>
-          <a:prstGeom prst="rect">
-            <a:avLst/>
-          </a:prstGeom>
-          <a:noFill/>
-        </p:spPr>
-        <p:txBody>
-          <a:bodyPr wrap="square" rtlCol="0">
-            <a:spAutoFit/>
-          </a:bodyPr>
-          <a:lstStyle/>
-          <a:p>
-            <a:r>
-              <a:rPr lang="en-US" altLang="ko-KR" sz="3600" b="1" dirty="0"/>
-              <a:t>Fast TCP Loopback Performance and Low Latency with Windows Server 2012 TCP Loopback Fast Path</a:t>
-            </a:r>
-            <a:endParaRPr lang="ko-KR" altLang="en-US" sz="3600" b="1" dirty="0"/>
-          </a:p>
-        </p:txBody>
-      </p:sp>
-      <p:pic>
-        <p:nvPicPr>
-          <p:cNvPr id="3" name="그림 2"/>
-          <p:cNvPicPr>
-            <a:picLocks noChangeAspect="1"/>
-          </p:cNvPicPr>
-          <p:nvPr/>
-        </p:nvPicPr>
-        <p:blipFill>
-          <a:blip r:embed="rId2"/>
-          <a:stretch>
-            <a:fillRect/>
-          </a:stretch>
-        </p:blipFill>
-        <p:spPr>
-          <a:xfrm>
-            <a:off x="1796581" y="2077055"/>
-            <a:ext cx="8791575" cy="4524375"/>
-          </a:xfrm>
-          <a:prstGeom prst="rect">
-            <a:avLst/>
-          </a:prstGeom>
-        </p:spPr>
-      </p:pic>
-      <p:sp>
-        <p:nvSpPr>
-          <p:cNvPr id="4" name="직사각형 3"/>
-          <p:cNvSpPr/>
-          <p:nvPr/>
-        </p:nvSpPr>
-        <p:spPr>
-          <a:xfrm>
-            <a:off x="684749" y="6462930"/>
-            <a:ext cx="11015238" cy="276999"/>
-          </a:xfrm>
-          <a:prstGeom prst="rect">
-            <a:avLst/>
-          </a:prstGeom>
-        </p:spPr>
-        <p:txBody>
-          <a:bodyPr wrap="square">
-            <a:spAutoFit/>
-          </a:bodyPr>
-          <a:lstStyle/>
-          <a:p>
-            <a:r>
-              <a:rPr lang="ko-KR" altLang="en-US" sz="1200" dirty="0">
-                <a:hlinkClick r:id="rId3"/>
-              </a:rPr>
-              <a:t>https://blogs.technet.microsoft.com/wincat/2012/12/05/fast-tcp-loopback-performance-and-low-latency-with-windows-server-2012-tcp-loopback-fast-path/</a:t>
-            </a:r>
-            <a:r>
-              <a:rPr lang="ko-KR" altLang="en-US" sz="1200" dirty="0"/>
-              <a:t> </a:t>
-            </a:r>
-          </a:p>
-        </p:txBody>
-      </p:sp>
-    </p:spTree>
-    <p:extLst>
-      <p:ext uri="{BB962C8B-B14F-4D97-AF65-F5344CB8AC3E}">
-        <p14:creationId xmlns:p14="http://schemas.microsoft.com/office/powerpoint/2010/main" val="1873475471"/>
-      </p:ext>
-    </p:extLst>
-  </p:cSld>
-  <p:clrMapOvr>
-    <a:masterClrMapping/>
-  </p:clrMapOvr>
-</p:sld>
-</file>
-
-<file path=ppt/slides/slide39.xml><?xml version="1.0" encoding="utf-8"?>
-<p:sld xmlns:a="http://schemas.openxmlformats.org/drawingml/2006/main" xmlns:r="http://schemas.openxmlformats.org/officeDocument/2006/relationships" xmlns:p="http://schemas.openxmlformats.org/presentationml/2006/main">
-  <p:cSld>
-    <p:spTree>
-      <p:nvGrpSpPr>
-        <p:cNvPr id="1" name=""/>
-        <p:cNvGrpSpPr/>
-        <p:nvPr/>
-      </p:nvGrpSpPr>
-      <p:grpSpPr>
-        <a:xfrm>
-          <a:off x="0" y="0"/>
-          <a:ext cx="0" cy="0"/>
-          <a:chOff x="0" y="0"/>
-          <a:chExt cx="0" cy="0"/>
-        </a:xfrm>
-      </p:grpSpPr>
-      <p:pic>
-        <p:nvPicPr>
-          <p:cNvPr id="3" name="그림 2"/>
-          <p:cNvPicPr>
-            <a:picLocks noChangeAspect="1"/>
-          </p:cNvPicPr>
-          <p:nvPr/>
-        </p:nvPicPr>
-        <p:blipFill>
-          <a:blip r:embed="rId2"/>
-          <a:stretch>
-            <a:fillRect/>
-          </a:stretch>
-        </p:blipFill>
-        <p:spPr>
-          <a:xfrm>
-            <a:off x="1765217" y="360341"/>
-            <a:ext cx="9077423" cy="6200775"/>
-          </a:xfrm>
-          <a:prstGeom prst="rect">
-            <a:avLst/>
-          </a:prstGeom>
-        </p:spPr>
-      </p:pic>
-    </p:spTree>
-    <p:extLst>
-      <p:ext uri="{BB962C8B-B14F-4D97-AF65-F5344CB8AC3E}">
-        <p14:creationId xmlns:p14="http://schemas.microsoft.com/office/powerpoint/2010/main" val="3075968608"/>
-      </p:ext>
-    </p:extLst>
-  </p:cSld>
-  <p:clrMapOvr>
-    <a:masterClrMapping/>
-  </p:clrMapOvr>
-</p:sld>
-</file>
-
-<file path=ppt/slides/slide4.xml><?xml version="1.0" encoding="utf-8"?>
+<file path=ppt/slides/slide3.xml><?xml version="1.0" encoding="utf-8"?>
 <p:sld xmlns:a="http://schemas.openxmlformats.org/drawingml/2006/main" xmlns:r="http://schemas.openxmlformats.org/officeDocument/2006/relationships" xmlns:p="http://schemas.openxmlformats.org/presentationml/2006/main">
   <p:cSld>
     <p:spTree>
@@ -12142,7 +10713,724 @@
 </p:sld>
 </file>
 
-<file path=ppt/slides/slide40.xml><?xml version="1.0" encoding="utf-8"?>
+<file path=ppt/slides/slide30.xml><?xml version="1.0" encoding="utf-8"?>
+<p:sld xmlns:a="http://schemas.openxmlformats.org/drawingml/2006/main" xmlns:r="http://schemas.openxmlformats.org/officeDocument/2006/relationships" xmlns:p="http://schemas.openxmlformats.org/presentationml/2006/main">
+  <p:cSld>
+    <p:spTree>
+      <p:nvGrpSpPr>
+        <p:cNvPr id="1" name=""/>
+        <p:cNvGrpSpPr/>
+        <p:nvPr/>
+      </p:nvGrpSpPr>
+      <p:grpSpPr>
+        <a:xfrm>
+          <a:off x="0" y="0"/>
+          <a:ext cx="0" cy="0"/>
+          <a:chOff x="0" y="0"/>
+          <a:chExt cx="0" cy="0"/>
+        </a:xfrm>
+      </p:grpSpPr>
+      <p:sp>
+        <p:nvSpPr>
+          <p:cNvPr id="2" name="TextBox 1"/>
+          <p:cNvSpPr txBox="1"/>
+          <p:nvPr/>
+        </p:nvSpPr>
+        <p:spPr>
+          <a:xfrm>
+            <a:off x="551328" y="322729"/>
+            <a:ext cx="11282083" cy="646331"/>
+          </a:xfrm>
+          <a:prstGeom prst="rect">
+            <a:avLst/>
+          </a:prstGeom>
+          <a:noFill/>
+        </p:spPr>
+        <p:txBody>
+          <a:bodyPr wrap="square" rtlCol="0">
+            <a:spAutoFit/>
+          </a:bodyPr>
+          <a:lstStyle/>
+          <a:p>
+            <a:r>
+              <a:rPr lang="en-US" altLang="ko-KR" sz="3600" b="1" dirty="0"/>
+              <a:t>Fast TCP Loopback</a:t>
+            </a:r>
+            <a:endParaRPr lang="ko-KR" altLang="en-US" sz="3600" b="1" dirty="0"/>
+          </a:p>
+        </p:txBody>
+      </p:sp>
+      <p:sp>
+        <p:nvSpPr>
+          <p:cNvPr id="3" name="직사각형 2"/>
+          <p:cNvSpPr/>
+          <p:nvPr/>
+        </p:nvSpPr>
+        <p:spPr>
+          <a:xfrm>
+            <a:off x="696685" y="1388745"/>
+            <a:ext cx="10477995" cy="4524315"/>
+          </a:xfrm>
+          <a:prstGeom prst="rect">
+            <a:avLst/>
+          </a:prstGeom>
+        </p:spPr>
+        <p:txBody>
+          <a:bodyPr wrap="square">
+            <a:spAutoFit/>
+          </a:bodyPr>
+          <a:lstStyle/>
+          <a:p>
+            <a:pPr marL="285750" indent="-285750">
+              <a:buFont typeface="Arial" panose="020B0604020202020204" pitchFamily="34" charset="0"/>
+              <a:buChar char="•"/>
+            </a:pPr>
+            <a:r>
+              <a:rPr lang="ko-KR" altLang="en-US" sz="2400" dirty="0"/>
+              <a:t>Windows 8 / Windows Server 2012 에서 추가된 </a:t>
+            </a:r>
+            <a:r>
+              <a:rPr lang="ko-KR" altLang="en-US" sz="2400" dirty="0" err="1"/>
+              <a:t>Winsock</a:t>
+            </a:r>
+            <a:r>
+              <a:rPr lang="ko-KR" altLang="en-US" sz="2400" dirty="0"/>
+              <a:t> 기능</a:t>
+            </a:r>
+            <a:r>
+              <a:rPr lang="en-US" altLang="ko-KR" sz="2400" dirty="0"/>
+              <a:t>.</a:t>
+            </a:r>
+            <a:br>
+              <a:rPr lang="en-US" altLang="ko-KR" sz="2400" dirty="0"/>
+            </a:br>
+            <a:endParaRPr lang="en-US" altLang="ko-KR" sz="2400" dirty="0"/>
+          </a:p>
+          <a:p>
+            <a:pPr marL="285750" indent="-285750">
+              <a:buFont typeface="Arial" panose="020B0604020202020204" pitchFamily="34" charset="0"/>
+              <a:buChar char="•"/>
+            </a:pPr>
+            <a:r>
+              <a:rPr lang="ko-KR" altLang="en-US" sz="2400" b="1" dirty="0"/>
+              <a:t>SIO_LOOPBACK_FAST_PATH </a:t>
+            </a:r>
+            <a:r>
+              <a:rPr lang="ko-KR" altLang="en-US" sz="2400" b="1" dirty="0" err="1"/>
+              <a:t>IOCTL은</a:t>
+            </a:r>
+            <a:r>
+              <a:rPr lang="ko-KR" altLang="en-US" sz="2400" b="1" dirty="0"/>
+              <a:t> 지연 시간을 줄이고</a:t>
+            </a:r>
+            <a:r>
+              <a:rPr lang="en-US" altLang="ko-KR" sz="2400" b="1" dirty="0"/>
+              <a:t>,</a:t>
+            </a:r>
+            <a:r>
+              <a:rPr lang="ko-KR" altLang="en-US" sz="2400" b="1" dirty="0"/>
+              <a:t> TCP </a:t>
+            </a:r>
+            <a:r>
+              <a:rPr lang="ko-KR" altLang="en-US" sz="2400" b="1" dirty="0" err="1"/>
+              <a:t>over</a:t>
+            </a:r>
+            <a:r>
+              <a:rPr lang="ko-KR" altLang="en-US" sz="2400" b="1" dirty="0"/>
+              <a:t> 루프백의 성능을 향상시킨다</a:t>
+            </a:r>
+            <a:r>
+              <a:rPr lang="en-US" altLang="ko-KR" sz="2400" dirty="0"/>
+              <a:t>.</a:t>
+            </a:r>
+            <a:br>
+              <a:rPr lang="en-US" altLang="ko-KR" sz="2400" dirty="0"/>
+            </a:br>
+            <a:r>
+              <a:rPr lang="en-US" altLang="ko-KR" sz="2400" dirty="0"/>
+              <a:t>Device Input and Output Control (IOCTL)</a:t>
+            </a:r>
+            <a:br>
+              <a:rPr lang="en-US" altLang="ko-KR" sz="2400" dirty="0"/>
+            </a:br>
+            <a:endParaRPr lang="en-US" altLang="ko-KR" sz="2400" dirty="0"/>
+          </a:p>
+          <a:p>
+            <a:pPr marL="285750" indent="-285750">
+              <a:buFont typeface="Arial" panose="020B0604020202020204" pitchFamily="34" charset="0"/>
+              <a:buChar char="•"/>
+            </a:pPr>
+            <a:r>
+              <a:rPr lang="ko-KR" altLang="en-US" sz="2400" dirty="0"/>
+              <a:t>Windows에서 IPv4 또는 IPv6 </a:t>
+            </a:r>
+            <a:r>
+              <a:rPr lang="ko-KR" altLang="en-US" sz="2400" dirty="0" err="1"/>
+              <a:t>루프백</a:t>
+            </a:r>
+            <a:r>
+              <a:rPr lang="en-US" altLang="ko-KR" sz="2400" dirty="0"/>
+              <a:t>(localhost, 127.0.0.1)</a:t>
+            </a:r>
+            <a:r>
+              <a:rPr lang="ko-KR" altLang="en-US" sz="2400" dirty="0"/>
+              <a:t> 주소를 사용하는 패킷은 네트워크 계층을 사용한다. 이 </a:t>
+            </a:r>
+            <a:r>
+              <a:rPr lang="ko-KR" altLang="en-US" sz="2400" dirty="0" err="1"/>
+              <a:t>IOCTL은</a:t>
+            </a:r>
+            <a:r>
+              <a:rPr lang="ko-KR" altLang="en-US" sz="2400" dirty="0"/>
+              <a:t> 루프백을 통한 TCP 패킷이 </a:t>
+            </a:r>
+            <a:r>
+              <a:rPr lang="ko-KR" altLang="en-US" sz="2400" b="1" dirty="0"/>
+              <a:t>전송 계층을 대신 사용하도록 동작을 변경</a:t>
+            </a:r>
+            <a:r>
+              <a:rPr lang="ko-KR" altLang="en-US" sz="2400" dirty="0"/>
+              <a:t>한다. </a:t>
+            </a:r>
+            <a:br>
+              <a:rPr lang="en-US" altLang="ko-KR" sz="2400" dirty="0"/>
+            </a:br>
+            <a:endParaRPr lang="en-US" altLang="ko-KR" sz="2400" dirty="0"/>
+          </a:p>
+          <a:p>
+            <a:pPr marL="285750" indent="-285750">
+              <a:buFont typeface="Arial" panose="020B0604020202020204" pitchFamily="34" charset="0"/>
+              <a:buChar char="•"/>
+            </a:pPr>
+            <a:r>
+              <a:rPr lang="ko-KR" altLang="en-US" sz="2400" dirty="0"/>
+              <a:t>이렇게 하면 </a:t>
+            </a:r>
+            <a:r>
+              <a:rPr lang="ko-KR" altLang="en-US" sz="2400" dirty="0" err="1"/>
+              <a:t>루프백</a:t>
+            </a:r>
+            <a:r>
+              <a:rPr lang="ko-KR" altLang="en-US" sz="2400" dirty="0"/>
+              <a:t> 패킷이 </a:t>
+            </a:r>
+            <a:r>
+              <a:rPr lang="ko-KR" altLang="en-US" sz="2400" dirty="0" err="1"/>
+              <a:t>OS에서</a:t>
+            </a:r>
+            <a:r>
+              <a:rPr lang="ko-KR" altLang="en-US" sz="2400" dirty="0"/>
+              <a:t> 통과 해야하는 </a:t>
+            </a:r>
+            <a:r>
+              <a:rPr lang="ko-KR" altLang="en-US" sz="2400" b="1" dirty="0"/>
+              <a:t>코드 경로가 단축되므로 대기 시간이 단축되고 성능이 향상</a:t>
+            </a:r>
+            <a:r>
+              <a:rPr lang="ko-KR" altLang="en-US" sz="2400" dirty="0"/>
+              <a:t>된다.</a:t>
+            </a:r>
+          </a:p>
+        </p:txBody>
+      </p:sp>
+    </p:spTree>
+    <p:extLst>
+      <p:ext uri="{BB962C8B-B14F-4D97-AF65-F5344CB8AC3E}">
+        <p14:creationId xmlns:p14="http://schemas.microsoft.com/office/powerpoint/2010/main" val="3367074224"/>
+      </p:ext>
+    </p:extLst>
+  </p:cSld>
+  <p:clrMapOvr>
+    <a:masterClrMapping/>
+  </p:clrMapOvr>
+</p:sld>
+</file>
+
+<file path=ppt/slides/slide31.xml><?xml version="1.0" encoding="utf-8"?>
+<p:sld xmlns:a="http://schemas.openxmlformats.org/drawingml/2006/main" xmlns:r="http://schemas.openxmlformats.org/officeDocument/2006/relationships" xmlns:p="http://schemas.openxmlformats.org/presentationml/2006/main">
+  <p:cSld>
+    <p:spTree>
+      <p:nvGrpSpPr>
+        <p:cNvPr id="1" name=""/>
+        <p:cNvGrpSpPr/>
+        <p:nvPr/>
+      </p:nvGrpSpPr>
+      <p:grpSpPr>
+        <a:xfrm>
+          <a:off x="0" y="0"/>
+          <a:ext cx="0" cy="0"/>
+          <a:chOff x="0" y="0"/>
+          <a:chExt cx="0" cy="0"/>
+        </a:xfrm>
+      </p:grpSpPr>
+      <p:sp>
+        <p:nvSpPr>
+          <p:cNvPr id="3" name="직사각형 2"/>
+          <p:cNvSpPr/>
+          <p:nvPr/>
+        </p:nvSpPr>
+        <p:spPr>
+          <a:xfrm>
+            <a:off x="696685" y="1388745"/>
+            <a:ext cx="10477995" cy="3785652"/>
+          </a:xfrm>
+          <a:prstGeom prst="rect">
+            <a:avLst/>
+          </a:prstGeom>
+        </p:spPr>
+        <p:txBody>
+          <a:bodyPr wrap="square">
+            <a:spAutoFit/>
+          </a:bodyPr>
+          <a:lstStyle/>
+          <a:p>
+            <a:pPr marL="285750" indent="-285750">
+              <a:buFont typeface="Arial" panose="020B0604020202020204" pitchFamily="34" charset="0"/>
+              <a:buChar char="•"/>
+            </a:pPr>
+            <a:r>
+              <a:rPr lang="ko-KR" altLang="en-US" sz="2400" dirty="0"/>
+              <a:t>이 향상된 기능을 사용하려면 </a:t>
+            </a:r>
+            <a:r>
+              <a:rPr lang="ko-KR" altLang="en-US" sz="2400" b="1" dirty="0" err="1"/>
+              <a:t>루프백</a:t>
+            </a:r>
+            <a:r>
+              <a:rPr lang="ko-KR" altLang="en-US" sz="2400" b="1" dirty="0"/>
+              <a:t>(클라이언트와 서버)을 사용하는 소켓 모두가 </a:t>
+            </a:r>
+            <a:r>
+              <a:rPr lang="ko-KR" altLang="en-US" sz="2400" b="1" dirty="0" err="1"/>
+              <a:t>IOCTL을</a:t>
+            </a:r>
+            <a:r>
+              <a:rPr lang="ko-KR" altLang="en-US" sz="2400" b="1" dirty="0"/>
+              <a:t> </a:t>
+            </a:r>
+            <a:r>
+              <a:rPr lang="ko-KR" altLang="en-US" sz="2400" b="1" dirty="0" err="1"/>
+              <a:t>설정해야한다</a:t>
+            </a:r>
+            <a:r>
+              <a:rPr lang="ko-KR" altLang="en-US" sz="2400" dirty="0"/>
+              <a:t>. </a:t>
+            </a:r>
+            <a:br>
+              <a:rPr lang="en-US" altLang="ko-KR" sz="2400" dirty="0"/>
+            </a:br>
+            <a:endParaRPr lang="en-US" altLang="ko-KR" sz="2400" dirty="0"/>
+          </a:p>
+          <a:p>
+            <a:pPr marL="285750" indent="-285750">
+              <a:buFont typeface="Arial" panose="020B0604020202020204" pitchFamily="34" charset="0"/>
+              <a:buChar char="•"/>
+            </a:pPr>
+            <a:r>
+              <a:rPr lang="ko-KR" altLang="en-US" sz="2400" dirty="0"/>
+              <a:t>클라이언트측 소켓은 연결 호출을 작성하기 전에 이 </a:t>
+            </a:r>
+            <a:r>
+              <a:rPr lang="ko-KR" altLang="en-US" sz="2400" dirty="0" err="1"/>
+              <a:t>IOCTL을</a:t>
+            </a:r>
+            <a:r>
+              <a:rPr lang="ko-KR" altLang="en-US" sz="2400" dirty="0"/>
+              <a:t> 설정 </a:t>
+            </a:r>
+            <a:r>
+              <a:rPr lang="ko-KR" altLang="en-US" sz="2400" dirty="0" err="1"/>
+              <a:t>해야하나다</a:t>
+            </a:r>
+            <a:r>
+              <a:rPr lang="ko-KR" altLang="en-US" sz="2400" dirty="0"/>
+              <a:t>. 그리고 서버측 소켓은 들어오는 소켓을 수락하기 전에 이 </a:t>
+            </a:r>
+            <a:r>
+              <a:rPr lang="ko-KR" altLang="en-US" sz="2400" dirty="0" err="1"/>
+              <a:t>IOCTL을</a:t>
+            </a:r>
+            <a:r>
+              <a:rPr lang="ko-KR" altLang="en-US" sz="2400" dirty="0"/>
+              <a:t> 적용 해야한다. </a:t>
+            </a:r>
+            <a:br>
+              <a:rPr lang="en-US" altLang="ko-KR" sz="2400" dirty="0"/>
+            </a:br>
+            <a:endParaRPr lang="en-US" altLang="ko-KR" sz="2400" dirty="0"/>
+          </a:p>
+          <a:p>
+            <a:pPr marL="285750" indent="-285750">
+              <a:buFont typeface="Arial" panose="020B0604020202020204" pitchFamily="34" charset="0"/>
+              <a:buChar char="•"/>
+            </a:pPr>
+            <a:r>
+              <a:rPr lang="ko-KR" altLang="en-US" sz="2400" dirty="0"/>
+              <a:t>이 향상된 기능의 제한 사항은 Windows 필터링 플랫폼(WFP) 필터와 함께 사용할 수 없다는 것이다. 또 다른 사소한 제한은 이 </a:t>
+            </a:r>
+            <a:r>
+              <a:rPr lang="ko-KR" altLang="en-US" sz="2400" dirty="0" err="1"/>
+              <a:t>IOCTL이</a:t>
+            </a:r>
+            <a:r>
+              <a:rPr lang="ko-KR" altLang="en-US" sz="2400" dirty="0"/>
+              <a:t> 설정 될 때 소켓 옵션의 제한된 수만 사용될 수 있다는 것이다.</a:t>
+            </a:r>
+          </a:p>
+        </p:txBody>
+      </p:sp>
+      <p:sp>
+        <p:nvSpPr>
+          <p:cNvPr id="4" name="TextBox 3"/>
+          <p:cNvSpPr txBox="1"/>
+          <p:nvPr/>
+        </p:nvSpPr>
+        <p:spPr>
+          <a:xfrm>
+            <a:off x="696685" y="5934670"/>
+            <a:ext cx="11107388" cy="646331"/>
+          </a:xfrm>
+          <a:prstGeom prst="rect">
+            <a:avLst/>
+          </a:prstGeom>
+          <a:noFill/>
+        </p:spPr>
+        <p:txBody>
+          <a:bodyPr wrap="square" rtlCol="0">
+            <a:spAutoFit/>
+          </a:bodyPr>
+          <a:lstStyle/>
+          <a:p>
+            <a:r>
+              <a:rPr lang="en-US" altLang="ko-KR" dirty="0"/>
+              <a:t>WFP: </a:t>
+            </a:r>
+            <a:r>
+              <a:rPr lang="ko-KR" altLang="en-US" dirty="0"/>
+              <a:t>소켓이 </a:t>
+            </a:r>
+            <a:r>
+              <a:rPr lang="en-US" altLang="ko-KR" dirty="0"/>
+              <a:t>OS </a:t>
+            </a:r>
+            <a:r>
+              <a:rPr lang="ko-KR" altLang="en-US" dirty="0"/>
+              <a:t>내에서 처리되기 전에 필터 하거나 변경할 수 있다</a:t>
+            </a:r>
+            <a:r>
+              <a:rPr lang="en-US" altLang="ko-KR" dirty="0"/>
+              <a:t>. </a:t>
+            </a:r>
+            <a:r>
+              <a:rPr lang="ko-KR" altLang="en-US" dirty="0"/>
+              <a:t>즉 방화벽이나 안티 바이러스</a:t>
+            </a:r>
+            <a:r>
+              <a:rPr lang="en-US" altLang="ko-KR" dirty="0"/>
+              <a:t>, </a:t>
+            </a:r>
+            <a:r>
+              <a:rPr lang="ko-KR" altLang="en-US" dirty="0"/>
+              <a:t>안티 스파이웨어 대응 소프트웨어 등이 어떤 데이터를 시스템에서 수신할지를 보다 효율적으로 컨트롤 할 수 있다</a:t>
+            </a:r>
+            <a:r>
+              <a:rPr lang="en-US" altLang="ko-KR" dirty="0"/>
+              <a:t>.</a:t>
+            </a:r>
+            <a:endParaRPr lang="ko-KR" altLang="en-US" dirty="0"/>
+          </a:p>
+        </p:txBody>
+      </p:sp>
+    </p:spTree>
+    <p:extLst>
+      <p:ext uri="{BB962C8B-B14F-4D97-AF65-F5344CB8AC3E}">
+        <p14:creationId xmlns:p14="http://schemas.microsoft.com/office/powerpoint/2010/main" val="1902999244"/>
+      </p:ext>
+    </p:extLst>
+  </p:cSld>
+  <p:clrMapOvr>
+    <a:masterClrMapping/>
+  </p:clrMapOvr>
+</p:sld>
+</file>
+
+<file path=ppt/slides/slide32.xml><?xml version="1.0" encoding="utf-8"?>
+<p:sld xmlns:a="http://schemas.openxmlformats.org/drawingml/2006/main" xmlns:r="http://schemas.openxmlformats.org/officeDocument/2006/relationships" xmlns:p="http://schemas.openxmlformats.org/presentationml/2006/main">
+  <p:cSld>
+    <p:spTree>
+      <p:nvGrpSpPr>
+        <p:cNvPr id="1" name=""/>
+        <p:cNvGrpSpPr/>
+        <p:nvPr/>
+      </p:nvGrpSpPr>
+      <p:grpSpPr>
+        <a:xfrm>
+          <a:off x="0" y="0"/>
+          <a:ext cx="0" cy="0"/>
+          <a:chOff x="0" y="0"/>
+          <a:chExt cx="0" cy="0"/>
+        </a:xfrm>
+      </p:grpSpPr>
+      <p:sp>
+        <p:nvSpPr>
+          <p:cNvPr id="2" name="TextBox 1"/>
+          <p:cNvSpPr txBox="1"/>
+          <p:nvPr/>
+        </p:nvSpPr>
+        <p:spPr>
+          <a:xfrm>
+            <a:off x="551328" y="322729"/>
+            <a:ext cx="11282083" cy="646331"/>
+          </a:xfrm>
+          <a:prstGeom prst="rect">
+            <a:avLst/>
+          </a:prstGeom>
+          <a:noFill/>
+        </p:spPr>
+        <p:txBody>
+          <a:bodyPr wrap="square" rtlCol="0">
+            <a:spAutoFit/>
+          </a:bodyPr>
+          <a:lstStyle/>
+          <a:p>
+            <a:r>
+              <a:rPr lang="ko-KR" altLang="en-US" sz="3600" b="1" dirty="0"/>
+              <a:t>사용 예</a:t>
+            </a:r>
+          </a:p>
+        </p:txBody>
+      </p:sp>
+      <p:pic>
+        <p:nvPicPr>
+          <p:cNvPr id="3" name="그림 2"/>
+          <p:cNvPicPr>
+            <a:picLocks noChangeAspect="1"/>
+          </p:cNvPicPr>
+          <p:nvPr/>
+        </p:nvPicPr>
+        <p:blipFill>
+          <a:blip r:embed="rId2"/>
+          <a:stretch>
+            <a:fillRect/>
+          </a:stretch>
+        </p:blipFill>
+        <p:spPr>
+          <a:xfrm>
+            <a:off x="838199" y="3122343"/>
+            <a:ext cx="9951547" cy="2957821"/>
+          </a:xfrm>
+          <a:prstGeom prst="rect">
+            <a:avLst/>
+          </a:prstGeom>
+        </p:spPr>
+      </p:pic>
+      <p:pic>
+        <p:nvPicPr>
+          <p:cNvPr id="4" name="그림 3"/>
+          <p:cNvPicPr>
+            <a:picLocks noChangeAspect="1"/>
+          </p:cNvPicPr>
+          <p:nvPr/>
+        </p:nvPicPr>
+        <p:blipFill>
+          <a:blip r:embed="rId3"/>
+          <a:stretch>
+            <a:fillRect/>
+          </a:stretch>
+        </p:blipFill>
+        <p:spPr>
+          <a:xfrm>
+            <a:off x="3735779" y="1326511"/>
+            <a:ext cx="6405748" cy="1040645"/>
+          </a:xfrm>
+          <a:prstGeom prst="rect">
+            <a:avLst/>
+          </a:prstGeom>
+        </p:spPr>
+      </p:pic>
+      <p:sp>
+        <p:nvSpPr>
+          <p:cNvPr id="5" name="TextBox 4"/>
+          <p:cNvSpPr txBox="1"/>
+          <p:nvPr/>
+        </p:nvSpPr>
+        <p:spPr>
+          <a:xfrm>
+            <a:off x="3641764" y="1846833"/>
+            <a:ext cx="3566558" cy="450629"/>
+          </a:xfrm>
+          <a:prstGeom prst="rect">
+            <a:avLst/>
+          </a:prstGeom>
+          <a:noFill/>
+          <a:ln w="28575">
+            <a:solidFill>
+              <a:srgbClr val="FF0000"/>
+            </a:solidFill>
+          </a:ln>
+        </p:spPr>
+        <p:txBody>
+          <a:bodyPr wrap="square" rtlCol="0">
+            <a:spAutoFit/>
+          </a:bodyPr>
+          <a:lstStyle/>
+          <a:p>
+            <a:endParaRPr lang="ko-KR" altLang="en-US" dirty="0"/>
+          </a:p>
+        </p:txBody>
+      </p:sp>
+      <p:sp>
+        <p:nvSpPr>
+          <p:cNvPr id="6" name="직사각형 5"/>
+          <p:cNvSpPr/>
+          <p:nvPr/>
+        </p:nvSpPr>
+        <p:spPr>
+          <a:xfrm>
+            <a:off x="3075709" y="6080164"/>
+            <a:ext cx="8645236" cy="461665"/>
+          </a:xfrm>
+          <a:prstGeom prst="rect">
+            <a:avLst/>
+          </a:prstGeom>
+        </p:spPr>
+        <p:txBody>
+          <a:bodyPr wrap="square">
+            <a:spAutoFit/>
+          </a:bodyPr>
+          <a:lstStyle/>
+          <a:p>
+            <a:r>
+              <a:rPr lang="ko-KR" altLang="en-US" sz="1200" dirty="0"/>
+              <a:t>출처</a:t>
+            </a:r>
+            <a:r>
+              <a:rPr lang="en-US" altLang="ko-KR" sz="1200" dirty="0"/>
+              <a:t>: </a:t>
+            </a:r>
+            <a:r>
+              <a:rPr lang="ko-KR" altLang="en-US" sz="1200" dirty="0">
+                <a:hlinkClick r:id="rId4"/>
+              </a:rPr>
+              <a:t>https://github.com/billlin0904/librapid/blob/95864eed190bee0752502f88c57c7dcef6965050/source/details/socket.cpp</a:t>
+            </a:r>
+            <a:r>
+              <a:rPr lang="ko-KR" altLang="en-US" sz="1200" dirty="0"/>
+              <a:t> </a:t>
+            </a:r>
+          </a:p>
+        </p:txBody>
+      </p:sp>
+    </p:spTree>
+    <p:extLst>
+      <p:ext uri="{BB962C8B-B14F-4D97-AF65-F5344CB8AC3E}">
+        <p14:creationId xmlns:p14="http://schemas.microsoft.com/office/powerpoint/2010/main" val="3359129168"/>
+      </p:ext>
+    </p:extLst>
+  </p:cSld>
+  <p:clrMapOvr>
+    <a:masterClrMapping/>
+  </p:clrMapOvr>
+</p:sld>
+</file>
+
+<file path=ppt/slides/slide33.xml><?xml version="1.0" encoding="utf-8"?>
+<p:sld xmlns:a="http://schemas.openxmlformats.org/drawingml/2006/main" xmlns:r="http://schemas.openxmlformats.org/officeDocument/2006/relationships" xmlns:p="http://schemas.openxmlformats.org/presentationml/2006/main">
+  <p:cSld>
+    <p:spTree>
+      <p:nvGrpSpPr>
+        <p:cNvPr id="1" name=""/>
+        <p:cNvGrpSpPr/>
+        <p:nvPr/>
+      </p:nvGrpSpPr>
+      <p:grpSpPr>
+        <a:xfrm>
+          <a:off x="0" y="0"/>
+          <a:ext cx="0" cy="0"/>
+          <a:chOff x="0" y="0"/>
+          <a:chExt cx="0" cy="0"/>
+        </a:xfrm>
+      </p:grpSpPr>
+      <p:pic>
+        <p:nvPicPr>
+          <p:cNvPr id="3" name="그림 2"/>
+          <p:cNvPicPr>
+            <a:picLocks noChangeAspect="1"/>
+          </p:cNvPicPr>
+          <p:nvPr/>
+        </p:nvPicPr>
+        <p:blipFill>
+          <a:blip r:embed="rId2"/>
+          <a:stretch>
+            <a:fillRect/>
+          </a:stretch>
+        </p:blipFill>
+        <p:spPr>
+          <a:xfrm>
+            <a:off x="1117579" y="275482"/>
+            <a:ext cx="4736956" cy="6168518"/>
+          </a:xfrm>
+          <a:prstGeom prst="rect">
+            <a:avLst/>
+          </a:prstGeom>
+        </p:spPr>
+      </p:pic>
+      <p:sp>
+        <p:nvSpPr>
+          <p:cNvPr id="4" name="직사각형 3"/>
+          <p:cNvSpPr/>
+          <p:nvPr/>
+        </p:nvSpPr>
+        <p:spPr>
+          <a:xfrm>
+            <a:off x="2660074" y="6581001"/>
+            <a:ext cx="9369630" cy="276999"/>
+          </a:xfrm>
+          <a:prstGeom prst="rect">
+            <a:avLst/>
+          </a:prstGeom>
+        </p:spPr>
+        <p:txBody>
+          <a:bodyPr wrap="square">
+            <a:spAutoFit/>
+          </a:bodyPr>
+          <a:lstStyle/>
+          <a:p>
+            <a:r>
+              <a:rPr lang="ko-KR" altLang="en-US" sz="1200" dirty="0"/>
+              <a:t>출처</a:t>
+            </a:r>
+            <a:r>
+              <a:rPr lang="en-US" altLang="ko-KR" sz="1200" dirty="0"/>
+              <a:t>: </a:t>
+            </a:r>
+            <a:r>
+              <a:rPr lang="ko-KR" altLang="en-US" sz="1200" dirty="0">
+                <a:hlinkClick r:id="rId3"/>
+              </a:rPr>
+              <a:t>https://github.com/GorNishanov/await/blob/c23d240a7b9a3f49df3fd6f9b44e2ae78c45899d/2015_CppCon/SuperLean/PAL.cpp</a:t>
+            </a:r>
+            <a:r>
+              <a:rPr lang="ko-KR" altLang="en-US" sz="1200" dirty="0"/>
+              <a:t> </a:t>
+            </a:r>
+          </a:p>
+        </p:txBody>
+      </p:sp>
+    </p:spTree>
+    <p:extLst>
+      <p:ext uri="{BB962C8B-B14F-4D97-AF65-F5344CB8AC3E}">
+        <p14:creationId xmlns:p14="http://schemas.microsoft.com/office/powerpoint/2010/main" val="1807372915"/>
+      </p:ext>
+    </p:extLst>
+  </p:cSld>
+  <p:clrMapOvr>
+    <a:masterClrMapping/>
+  </p:clrMapOvr>
+</p:sld>
+</file>
+
+<file path=ppt/slides/slide34.xml><?xml version="1.0" encoding="utf-8"?>
 <p:sld xmlns:a="http://schemas.openxmlformats.org/drawingml/2006/main" xmlns:r="http://schemas.openxmlformats.org/officeDocument/2006/relationships" xmlns:p="http://schemas.openxmlformats.org/presentationml/2006/main">
   <p:cSld>
     <p:spTree>
@@ -12175,6 +11463,488 @@
         </p:blipFill>
         <p:spPr>
           <a:xfrm>
+            <a:off x="370423" y="1149925"/>
+            <a:ext cx="11505340" cy="3873337"/>
+          </a:xfrm>
+          <a:prstGeom prst="rect">
+            <a:avLst/>
+          </a:prstGeom>
+        </p:spPr>
+      </p:pic>
+      <p:sp>
+        <p:nvSpPr>
+          <p:cNvPr id="3" name="직사각형 2"/>
+          <p:cNvSpPr/>
+          <p:nvPr/>
+        </p:nvSpPr>
+        <p:spPr>
+          <a:xfrm>
+            <a:off x="2268624" y="5449278"/>
+            <a:ext cx="9607139" cy="276999"/>
+          </a:xfrm>
+          <a:prstGeom prst="rect">
+            <a:avLst/>
+          </a:prstGeom>
+        </p:spPr>
+        <p:txBody>
+          <a:bodyPr wrap="square">
+            <a:spAutoFit/>
+          </a:bodyPr>
+          <a:lstStyle/>
+          <a:p>
+            <a:r>
+              <a:rPr lang="ko-KR" altLang="en-US" sz="1200" dirty="0"/>
+              <a:t>출처</a:t>
+            </a:r>
+            <a:r>
+              <a:rPr lang="en-US" altLang="ko-KR" sz="1200" dirty="0"/>
+              <a:t>: </a:t>
+            </a:r>
+            <a:r>
+              <a:rPr lang="ko-KR" altLang="en-US" sz="1200" dirty="0">
+                <a:hlinkClick r:id="rId3"/>
+              </a:rPr>
+              <a:t>https://github.com/stas-sultanov/SXN.Net/blob/d7bbba5f56900813b4f88d38b54bc12a560ded13/src/TcpServerCli/TcpWorker.h</a:t>
+            </a:r>
+            <a:r>
+              <a:rPr lang="ko-KR" altLang="en-US" sz="1200" dirty="0"/>
+              <a:t> </a:t>
+            </a:r>
+          </a:p>
+        </p:txBody>
+      </p:sp>
+    </p:spTree>
+    <p:extLst>
+      <p:ext uri="{BB962C8B-B14F-4D97-AF65-F5344CB8AC3E}">
+        <p14:creationId xmlns:p14="http://schemas.microsoft.com/office/powerpoint/2010/main" val="880290254"/>
+      </p:ext>
+    </p:extLst>
+  </p:cSld>
+  <p:clrMapOvr>
+    <a:masterClrMapping/>
+  </p:clrMapOvr>
+</p:sld>
+</file>
+
+<file path=ppt/slides/slide35.xml><?xml version="1.0" encoding="utf-8"?>
+<p:sld xmlns:a="http://schemas.openxmlformats.org/drawingml/2006/main" xmlns:r="http://schemas.openxmlformats.org/officeDocument/2006/relationships" xmlns:p="http://schemas.openxmlformats.org/presentationml/2006/main">
+  <p:cSld>
+    <p:spTree>
+      <p:nvGrpSpPr>
+        <p:cNvPr id="1" name=""/>
+        <p:cNvGrpSpPr/>
+        <p:nvPr/>
+      </p:nvGrpSpPr>
+      <p:grpSpPr>
+        <a:xfrm>
+          <a:off x="0" y="0"/>
+          <a:ext cx="0" cy="0"/>
+          <a:chOff x="0" y="0"/>
+          <a:chExt cx="0" cy="0"/>
+        </a:xfrm>
+      </p:grpSpPr>
+      <p:pic>
+        <p:nvPicPr>
+          <p:cNvPr id="3" name="그림 2"/>
+          <p:cNvPicPr>
+            <a:picLocks noChangeAspect="1"/>
+          </p:cNvPicPr>
+          <p:nvPr/>
+        </p:nvPicPr>
+        <p:blipFill>
+          <a:blip r:embed="rId2"/>
+          <a:stretch>
+            <a:fillRect/>
+          </a:stretch>
+        </p:blipFill>
+        <p:spPr>
+          <a:xfrm>
+            <a:off x="2192606" y="451632"/>
+            <a:ext cx="7804188" cy="5800725"/>
+          </a:xfrm>
+          <a:prstGeom prst="rect">
+            <a:avLst/>
+          </a:prstGeom>
+        </p:spPr>
+      </p:pic>
+      <p:sp>
+        <p:nvSpPr>
+          <p:cNvPr id="4" name="직사각형 3"/>
+          <p:cNvSpPr/>
+          <p:nvPr/>
+        </p:nvSpPr>
+        <p:spPr>
+          <a:xfrm>
+            <a:off x="2762991" y="6351802"/>
+            <a:ext cx="9242961" cy="276999"/>
+          </a:xfrm>
+          <a:prstGeom prst="rect">
+            <a:avLst/>
+          </a:prstGeom>
+        </p:spPr>
+        <p:txBody>
+          <a:bodyPr wrap="square">
+            <a:spAutoFit/>
+          </a:bodyPr>
+          <a:lstStyle/>
+          <a:p>
+            <a:r>
+              <a:rPr lang="ko-KR" altLang="en-US" sz="1200" dirty="0"/>
+              <a:t>출처</a:t>
+            </a:r>
+            <a:r>
+              <a:rPr lang="en-US" altLang="ko-KR" sz="1200" dirty="0"/>
+              <a:t>: </a:t>
+            </a:r>
+            <a:r>
+              <a:rPr lang="ko-KR" altLang="en-US" sz="1200" dirty="0">
+                <a:hlinkClick r:id="rId3"/>
+              </a:rPr>
+              <a:t>https://github.com/imiuka/rtmp-sharp/blob/834f7079bc1b32676dabbd6806b9b746b15f5717/src/_Sky/Hina/Net/SocketEx.cs</a:t>
+            </a:r>
+            <a:r>
+              <a:rPr lang="ko-KR" altLang="en-US" sz="1200" dirty="0"/>
+              <a:t> </a:t>
+            </a:r>
+          </a:p>
+        </p:txBody>
+      </p:sp>
+      <p:sp>
+        <p:nvSpPr>
+          <p:cNvPr id="5" name="TextBox 4"/>
+          <p:cNvSpPr txBox="1"/>
+          <p:nvPr/>
+        </p:nvSpPr>
+        <p:spPr>
+          <a:xfrm>
+            <a:off x="961901" y="273132"/>
+            <a:ext cx="914400" cy="646331"/>
+          </a:xfrm>
+          <a:prstGeom prst="rect">
+            <a:avLst/>
+          </a:prstGeom>
+          <a:noFill/>
+        </p:spPr>
+        <p:txBody>
+          <a:bodyPr wrap="square" rtlCol="0">
+            <a:spAutoFit/>
+          </a:bodyPr>
+          <a:lstStyle/>
+          <a:p>
+            <a:r>
+              <a:rPr lang="en-US" altLang="ko-KR" sz="3600" b="1" dirty="0"/>
+              <a:t>C#</a:t>
+            </a:r>
+            <a:endParaRPr lang="ko-KR" altLang="en-US" sz="3600" b="1" dirty="0"/>
+          </a:p>
+        </p:txBody>
+      </p:sp>
+    </p:spTree>
+    <p:extLst>
+      <p:ext uri="{BB962C8B-B14F-4D97-AF65-F5344CB8AC3E}">
+        <p14:creationId xmlns:p14="http://schemas.microsoft.com/office/powerpoint/2010/main" val="620822485"/>
+      </p:ext>
+    </p:extLst>
+  </p:cSld>
+  <p:clrMapOvr>
+    <a:masterClrMapping/>
+  </p:clrMapOvr>
+</p:sld>
+</file>
+
+<file path=ppt/slides/slide36.xml><?xml version="1.0" encoding="utf-8"?>
+<p:sld xmlns:a="http://schemas.openxmlformats.org/drawingml/2006/main" xmlns:r="http://schemas.openxmlformats.org/officeDocument/2006/relationships" xmlns:p="http://schemas.openxmlformats.org/presentationml/2006/main">
+  <p:cSld>
+    <p:spTree>
+      <p:nvGrpSpPr>
+        <p:cNvPr id="1" name=""/>
+        <p:cNvGrpSpPr/>
+        <p:nvPr/>
+      </p:nvGrpSpPr>
+      <p:grpSpPr>
+        <a:xfrm>
+          <a:off x="0" y="0"/>
+          <a:ext cx="0" cy="0"/>
+          <a:chOff x="0" y="0"/>
+          <a:chExt cx="0" cy="0"/>
+        </a:xfrm>
+      </p:grpSpPr>
+      <p:pic>
+        <p:nvPicPr>
+          <p:cNvPr id="2" name="그림 1"/>
+          <p:cNvPicPr>
+            <a:picLocks noChangeAspect="1"/>
+          </p:cNvPicPr>
+          <p:nvPr/>
+        </p:nvPicPr>
+        <p:blipFill>
+          <a:blip r:embed="rId2"/>
+          <a:stretch>
+            <a:fillRect/>
+          </a:stretch>
+        </p:blipFill>
+        <p:spPr>
+          <a:xfrm>
+            <a:off x="1281112" y="523875"/>
+            <a:ext cx="9629775" cy="5810250"/>
+          </a:xfrm>
+          <a:prstGeom prst="rect">
+            <a:avLst/>
+          </a:prstGeom>
+        </p:spPr>
+      </p:pic>
+      <p:sp>
+        <p:nvSpPr>
+          <p:cNvPr id="3" name="직사각형 2"/>
+          <p:cNvSpPr/>
+          <p:nvPr/>
+        </p:nvSpPr>
+        <p:spPr>
+          <a:xfrm>
+            <a:off x="3461100" y="6334125"/>
+            <a:ext cx="7449787" cy="276999"/>
+          </a:xfrm>
+          <a:prstGeom prst="rect">
+            <a:avLst/>
+          </a:prstGeom>
+        </p:spPr>
+        <p:txBody>
+          <a:bodyPr wrap="square">
+            <a:spAutoFit/>
+          </a:bodyPr>
+          <a:lstStyle/>
+          <a:p>
+            <a:r>
+              <a:rPr lang="ko-KR" altLang="en-US" sz="1200" dirty="0">
+                <a:hlinkClick r:id="rId3"/>
+              </a:rPr>
+              <a:t>https://github.com/search?l=C%2B%2B&amp;q=SIO_LOOPBACK_FAST_PATH&amp;type=Code&amp;utf8=%E2%9C%93</a:t>
+            </a:r>
+            <a:r>
+              <a:rPr lang="ko-KR" altLang="en-US" sz="1200" dirty="0"/>
+              <a:t> </a:t>
+            </a:r>
+          </a:p>
+        </p:txBody>
+      </p:sp>
+    </p:spTree>
+    <p:extLst>
+      <p:ext uri="{BB962C8B-B14F-4D97-AF65-F5344CB8AC3E}">
+        <p14:creationId xmlns:p14="http://schemas.microsoft.com/office/powerpoint/2010/main" val="2760264221"/>
+      </p:ext>
+    </p:extLst>
+  </p:cSld>
+  <p:clrMapOvr>
+    <a:masterClrMapping/>
+  </p:clrMapOvr>
+</p:sld>
+</file>
+
+<file path=ppt/slides/slide37.xml><?xml version="1.0" encoding="utf-8"?>
+<p:sld xmlns:a="http://schemas.openxmlformats.org/drawingml/2006/main" xmlns:r="http://schemas.openxmlformats.org/officeDocument/2006/relationships" xmlns:p="http://schemas.openxmlformats.org/presentationml/2006/main">
+  <p:cSld>
+    <p:spTree>
+      <p:nvGrpSpPr>
+        <p:cNvPr id="1" name=""/>
+        <p:cNvGrpSpPr/>
+        <p:nvPr/>
+      </p:nvGrpSpPr>
+      <p:grpSpPr>
+        <a:xfrm>
+          <a:off x="0" y="0"/>
+          <a:ext cx="0" cy="0"/>
+          <a:chOff x="0" y="0"/>
+          <a:chExt cx="0" cy="0"/>
+        </a:xfrm>
+      </p:grpSpPr>
+      <p:sp>
+        <p:nvSpPr>
+          <p:cNvPr id="2" name="TextBox 1"/>
+          <p:cNvSpPr txBox="1"/>
+          <p:nvPr/>
+        </p:nvSpPr>
+        <p:spPr>
+          <a:xfrm>
+            <a:off x="551328" y="322729"/>
+            <a:ext cx="11282083" cy="1754326"/>
+          </a:xfrm>
+          <a:prstGeom prst="rect">
+            <a:avLst/>
+          </a:prstGeom>
+          <a:noFill/>
+        </p:spPr>
+        <p:txBody>
+          <a:bodyPr wrap="square" rtlCol="0">
+            <a:spAutoFit/>
+          </a:bodyPr>
+          <a:lstStyle/>
+          <a:p>
+            <a:r>
+              <a:rPr lang="en-US" altLang="ko-KR" sz="3600" b="1" dirty="0"/>
+              <a:t>Fast TCP Loopback Performance and Low Latency with Windows Server 2012 TCP Loopback Fast Path</a:t>
+            </a:r>
+            <a:endParaRPr lang="ko-KR" altLang="en-US" sz="3600" b="1" dirty="0"/>
+          </a:p>
+        </p:txBody>
+      </p:sp>
+      <p:pic>
+        <p:nvPicPr>
+          <p:cNvPr id="3" name="그림 2"/>
+          <p:cNvPicPr>
+            <a:picLocks noChangeAspect="1"/>
+          </p:cNvPicPr>
+          <p:nvPr/>
+        </p:nvPicPr>
+        <p:blipFill>
+          <a:blip r:embed="rId2"/>
+          <a:stretch>
+            <a:fillRect/>
+          </a:stretch>
+        </p:blipFill>
+        <p:spPr>
+          <a:xfrm>
+            <a:off x="1796581" y="2077055"/>
+            <a:ext cx="8791575" cy="4524375"/>
+          </a:xfrm>
+          <a:prstGeom prst="rect">
+            <a:avLst/>
+          </a:prstGeom>
+        </p:spPr>
+      </p:pic>
+      <p:sp>
+        <p:nvSpPr>
+          <p:cNvPr id="4" name="직사각형 3"/>
+          <p:cNvSpPr/>
+          <p:nvPr/>
+        </p:nvSpPr>
+        <p:spPr>
+          <a:xfrm>
+            <a:off x="684749" y="6462930"/>
+            <a:ext cx="11015238" cy="276999"/>
+          </a:xfrm>
+          <a:prstGeom prst="rect">
+            <a:avLst/>
+          </a:prstGeom>
+        </p:spPr>
+        <p:txBody>
+          <a:bodyPr wrap="square">
+            <a:spAutoFit/>
+          </a:bodyPr>
+          <a:lstStyle/>
+          <a:p>
+            <a:r>
+              <a:rPr lang="ko-KR" altLang="en-US" sz="1200" dirty="0">
+                <a:hlinkClick r:id="rId3"/>
+              </a:rPr>
+              <a:t>https://blogs.technet.microsoft.com/wincat/2012/12/05/fast-tcp-loopback-performance-and-low-latency-with-windows-server-2012-tcp-loopback-fast-path/</a:t>
+            </a:r>
+            <a:r>
+              <a:rPr lang="ko-KR" altLang="en-US" sz="1200" dirty="0"/>
+              <a:t> </a:t>
+            </a:r>
+          </a:p>
+        </p:txBody>
+      </p:sp>
+    </p:spTree>
+    <p:extLst>
+      <p:ext uri="{BB962C8B-B14F-4D97-AF65-F5344CB8AC3E}">
+        <p14:creationId xmlns:p14="http://schemas.microsoft.com/office/powerpoint/2010/main" val="1873475471"/>
+      </p:ext>
+    </p:extLst>
+  </p:cSld>
+  <p:clrMapOvr>
+    <a:masterClrMapping/>
+  </p:clrMapOvr>
+</p:sld>
+</file>
+
+<file path=ppt/slides/slide38.xml><?xml version="1.0" encoding="utf-8"?>
+<p:sld xmlns:a="http://schemas.openxmlformats.org/drawingml/2006/main" xmlns:r="http://schemas.openxmlformats.org/officeDocument/2006/relationships" xmlns:p="http://schemas.openxmlformats.org/presentationml/2006/main">
+  <p:cSld>
+    <p:spTree>
+      <p:nvGrpSpPr>
+        <p:cNvPr id="1" name=""/>
+        <p:cNvGrpSpPr/>
+        <p:nvPr/>
+      </p:nvGrpSpPr>
+      <p:grpSpPr>
+        <a:xfrm>
+          <a:off x="0" y="0"/>
+          <a:ext cx="0" cy="0"/>
+          <a:chOff x="0" y="0"/>
+          <a:chExt cx="0" cy="0"/>
+        </a:xfrm>
+      </p:grpSpPr>
+      <p:pic>
+        <p:nvPicPr>
+          <p:cNvPr id="3" name="그림 2"/>
+          <p:cNvPicPr>
+            <a:picLocks noChangeAspect="1"/>
+          </p:cNvPicPr>
+          <p:nvPr/>
+        </p:nvPicPr>
+        <p:blipFill>
+          <a:blip r:embed="rId2"/>
+          <a:stretch>
+            <a:fillRect/>
+          </a:stretch>
+        </p:blipFill>
+        <p:spPr>
+          <a:xfrm>
+            <a:off x="1765217" y="360341"/>
+            <a:ext cx="9077423" cy="6200775"/>
+          </a:xfrm>
+          <a:prstGeom prst="rect">
+            <a:avLst/>
+          </a:prstGeom>
+        </p:spPr>
+      </p:pic>
+    </p:spTree>
+    <p:extLst>
+      <p:ext uri="{BB962C8B-B14F-4D97-AF65-F5344CB8AC3E}">
+        <p14:creationId xmlns:p14="http://schemas.microsoft.com/office/powerpoint/2010/main" val="3075968608"/>
+      </p:ext>
+    </p:extLst>
+  </p:cSld>
+  <p:clrMapOvr>
+    <a:masterClrMapping/>
+  </p:clrMapOvr>
+</p:sld>
+</file>
+
+<file path=ppt/slides/slide39.xml><?xml version="1.0" encoding="utf-8"?>
+<p:sld xmlns:a="http://schemas.openxmlformats.org/drawingml/2006/main" xmlns:r="http://schemas.openxmlformats.org/officeDocument/2006/relationships" xmlns:p="http://schemas.openxmlformats.org/presentationml/2006/main">
+  <p:cSld>
+    <p:spTree>
+      <p:nvGrpSpPr>
+        <p:cNvPr id="1" name=""/>
+        <p:cNvGrpSpPr/>
+        <p:nvPr/>
+      </p:nvGrpSpPr>
+      <p:grpSpPr>
+        <a:xfrm>
+          <a:off x="0" y="0"/>
+          <a:ext cx="0" cy="0"/>
+          <a:chOff x="0" y="0"/>
+          <a:chExt cx="0" cy="0"/>
+        </a:xfrm>
+      </p:grpSpPr>
+      <p:pic>
+        <p:nvPicPr>
+          <p:cNvPr id="2" name="그림 1"/>
+          <p:cNvPicPr>
+            <a:picLocks noChangeAspect="1"/>
+          </p:cNvPicPr>
+          <p:nvPr/>
+        </p:nvPicPr>
+        <p:blipFill>
+          <a:blip r:embed="rId2"/>
+          <a:stretch>
+            <a:fillRect/>
+          </a:stretch>
+        </p:blipFill>
+        <p:spPr>
+          <a:xfrm>
             <a:off x="2461285" y="636938"/>
             <a:ext cx="6978304" cy="5336350"/>
           </a:xfrm>
@@ -12187,6 +11957,195 @@
     <p:extLst>
       <p:ext uri="{BB962C8B-B14F-4D97-AF65-F5344CB8AC3E}">
         <p14:creationId xmlns:p14="http://schemas.microsoft.com/office/powerpoint/2010/main" val="2367002039"/>
+      </p:ext>
+    </p:extLst>
+  </p:cSld>
+  <p:clrMapOvr>
+    <a:masterClrMapping/>
+  </p:clrMapOvr>
+</p:sld>
+</file>
+
+<file path=ppt/slides/slide4.xml><?xml version="1.0" encoding="utf-8"?>
+<p:sld xmlns:a="http://schemas.openxmlformats.org/drawingml/2006/main" xmlns:r="http://schemas.openxmlformats.org/officeDocument/2006/relationships" xmlns:p="http://schemas.openxmlformats.org/presentationml/2006/main">
+  <p:cSld>
+    <p:spTree>
+      <p:nvGrpSpPr>
+        <p:cNvPr id="1" name=""/>
+        <p:cNvGrpSpPr/>
+        <p:nvPr/>
+      </p:nvGrpSpPr>
+      <p:grpSpPr>
+        <a:xfrm>
+          <a:off x="0" y="0"/>
+          <a:ext cx="0" cy="0"/>
+          <a:chOff x="0" y="0"/>
+          <a:chExt cx="0" cy="0"/>
+        </a:xfrm>
+      </p:grpSpPr>
+      <p:pic>
+        <p:nvPicPr>
+          <p:cNvPr id="1026" name="Picture 2" descr="linux ms에 대한 이미지 검색결과"/>
+          <p:cNvPicPr>
+            <a:picLocks noChangeAspect="1" noChangeArrowheads="1"/>
+          </p:cNvPicPr>
+          <p:nvPr/>
+        </p:nvPicPr>
+        <p:blipFill>
+          <a:blip r:embed="rId2">
+            <a:extLst>
+              <a:ext uri="{28A0092B-C50C-407E-A947-70E740481C1C}">
+                <a14:useLocalDpi xmlns:a14="http://schemas.microsoft.com/office/drawing/2010/main" val="0"/>
+              </a:ext>
+            </a:extLst>
+          </a:blip>
+          <a:srcRect/>
+          <a:stretch>
+            <a:fillRect/>
+          </a:stretch>
+        </p:blipFill>
+        <p:spPr bwMode="auto">
+          <a:xfrm>
+            <a:off x="-1" y="0"/>
+            <a:ext cx="12191999" cy="6858000"/>
+          </a:xfrm>
+          <a:prstGeom prst="rect">
+            <a:avLst/>
+          </a:prstGeom>
+          <a:noFill/>
+          <a:extLst>
+            <a:ext uri="{909E8E84-426E-40DD-AFC4-6F175D3DCCD1}">
+              <a14:hiddenFill xmlns:a14="http://schemas.microsoft.com/office/drawing/2010/main">
+                <a:solidFill>
+                  <a:srgbClr val="FFFFFF"/>
+                </a:solidFill>
+              </a14:hiddenFill>
+            </a:ext>
+          </a:extLst>
+        </p:spPr>
+      </p:pic>
+    </p:spTree>
+    <p:extLst>
+      <p:ext uri="{BB962C8B-B14F-4D97-AF65-F5344CB8AC3E}">
+        <p14:creationId xmlns:p14="http://schemas.microsoft.com/office/powerpoint/2010/main" val="2713476959"/>
+      </p:ext>
+    </p:extLst>
+  </p:cSld>
+  <p:clrMapOvr>
+    <a:masterClrMapping/>
+  </p:clrMapOvr>
+</p:sld>
+</file>
+
+<file path=ppt/slides/slide40.xml><?xml version="1.0" encoding="utf-8"?>
+<p:sld xmlns:a="http://schemas.openxmlformats.org/drawingml/2006/main" xmlns:r="http://schemas.openxmlformats.org/officeDocument/2006/relationships" xmlns:p="http://schemas.openxmlformats.org/presentationml/2006/main">
+  <p:cSld>
+    <p:spTree>
+      <p:nvGrpSpPr>
+        <p:cNvPr id="1" name=""/>
+        <p:cNvGrpSpPr/>
+        <p:nvPr/>
+      </p:nvGrpSpPr>
+      <p:grpSpPr>
+        <a:xfrm>
+          <a:off x="0" y="0"/>
+          <a:ext cx="0" cy="0"/>
+          <a:chOff x="0" y="0"/>
+          <a:chExt cx="0" cy="0"/>
+        </a:xfrm>
+      </p:grpSpPr>
+      <p:sp>
+        <p:nvSpPr>
+          <p:cNvPr id="2" name="TextBox 1"/>
+          <p:cNvSpPr txBox="1"/>
+          <p:nvPr/>
+        </p:nvSpPr>
+        <p:spPr>
+          <a:xfrm>
+            <a:off x="551328" y="322729"/>
+            <a:ext cx="11282083" cy="646331"/>
+          </a:xfrm>
+          <a:prstGeom prst="rect">
+            <a:avLst/>
+          </a:prstGeom>
+          <a:noFill/>
+        </p:spPr>
+        <p:txBody>
+          <a:bodyPr wrap="square" rtlCol="0">
+            <a:spAutoFit/>
+          </a:bodyPr>
+          <a:lstStyle/>
+          <a:p>
+            <a:r>
+              <a:rPr lang="en-US" altLang="ko-KR" sz="3600" b="1" dirty="0"/>
+              <a:t>MSDN</a:t>
+            </a:r>
+            <a:endParaRPr lang="ko-KR" altLang="en-US" sz="3600" b="1" dirty="0"/>
+          </a:p>
+        </p:txBody>
+      </p:sp>
+      <p:pic>
+        <p:nvPicPr>
+          <p:cNvPr id="3" name="그림 2"/>
+          <p:cNvPicPr>
+            <a:picLocks noChangeAspect="1"/>
+          </p:cNvPicPr>
+          <p:nvPr/>
+        </p:nvPicPr>
+        <p:blipFill>
+          <a:blip r:embed="rId2"/>
+          <a:stretch>
+            <a:fillRect/>
+          </a:stretch>
+        </p:blipFill>
+        <p:spPr>
+          <a:xfrm>
+            <a:off x="1986829" y="1058462"/>
+            <a:ext cx="8411079" cy="5280368"/>
+          </a:xfrm>
+          <a:prstGeom prst="rect">
+            <a:avLst/>
+          </a:prstGeom>
+        </p:spPr>
+      </p:pic>
+      <p:sp>
+        <p:nvSpPr>
+          <p:cNvPr id="4" name="직사각형 3"/>
+          <p:cNvSpPr/>
+          <p:nvPr/>
+        </p:nvSpPr>
+        <p:spPr>
+          <a:xfrm>
+            <a:off x="4301908" y="6428232"/>
+            <a:ext cx="6096000" cy="276999"/>
+          </a:xfrm>
+          <a:prstGeom prst="rect">
+            <a:avLst/>
+          </a:prstGeom>
+        </p:spPr>
+        <p:txBody>
+          <a:bodyPr>
+            <a:spAutoFit/>
+          </a:bodyPr>
+          <a:lstStyle/>
+          <a:p>
+            <a:r>
+              <a:rPr lang="ko-KR" altLang="en-US" sz="1200" dirty="0">
+                <a:hlinkClick r:id="rId3"/>
+              </a:rPr>
+              <a:t>https://msdn.microsoft.com/en-us/library/windows/desktop/jj841212(v=vs.85).aspx</a:t>
+            </a:r>
+            <a:r>
+              <a:rPr lang="ko-KR" altLang="en-US" sz="1200" dirty="0"/>
+              <a:t> </a:t>
+            </a:r>
+          </a:p>
+        </p:txBody>
+      </p:sp>
+    </p:spTree>
+    <p:extLst>
+      <p:ext uri="{BB962C8B-B14F-4D97-AF65-F5344CB8AC3E}">
+        <p14:creationId xmlns:p14="http://schemas.microsoft.com/office/powerpoint/2010/main" val="29494011"/>
       </p:ext>
     </p:extLst>
   </p:cSld>
@@ -12237,124 +12196,6 @@
           <a:p>
             <a:r>
               <a:rPr lang="en-US" altLang="ko-KR" sz="3600" b="1" dirty="0"/>
-              <a:t>MSDN</a:t>
-            </a:r>
-            <a:endParaRPr lang="ko-KR" altLang="en-US" sz="3600" b="1" dirty="0"/>
-          </a:p>
-        </p:txBody>
-      </p:sp>
-      <p:pic>
-        <p:nvPicPr>
-          <p:cNvPr id="3" name="그림 2"/>
-          <p:cNvPicPr>
-            <a:picLocks noChangeAspect="1"/>
-          </p:cNvPicPr>
-          <p:nvPr/>
-        </p:nvPicPr>
-        <p:blipFill>
-          <a:blip r:embed="rId2"/>
-          <a:stretch>
-            <a:fillRect/>
-          </a:stretch>
-        </p:blipFill>
-        <p:spPr>
-          <a:xfrm>
-            <a:off x="1986829" y="1058462"/>
-            <a:ext cx="8411079" cy="5280368"/>
-          </a:xfrm>
-          <a:prstGeom prst="rect">
-            <a:avLst/>
-          </a:prstGeom>
-        </p:spPr>
-      </p:pic>
-      <p:sp>
-        <p:nvSpPr>
-          <p:cNvPr id="4" name="직사각형 3"/>
-          <p:cNvSpPr/>
-          <p:nvPr/>
-        </p:nvSpPr>
-        <p:spPr>
-          <a:xfrm>
-            <a:off x="4301908" y="6428232"/>
-            <a:ext cx="6096000" cy="276999"/>
-          </a:xfrm>
-          <a:prstGeom prst="rect">
-            <a:avLst/>
-          </a:prstGeom>
-        </p:spPr>
-        <p:txBody>
-          <a:bodyPr>
-            <a:spAutoFit/>
-          </a:bodyPr>
-          <a:lstStyle/>
-          <a:p>
-            <a:r>
-              <a:rPr lang="ko-KR" altLang="en-US" sz="1200" dirty="0">
-                <a:hlinkClick r:id="rId3"/>
-              </a:rPr>
-              <a:t>https://msdn.microsoft.com/en-us/library/windows/desktop/jj841212(v=vs.85).aspx</a:t>
-            </a:r>
-            <a:r>
-              <a:rPr lang="ko-KR" altLang="en-US" sz="1200" dirty="0"/>
-              <a:t> </a:t>
-            </a:r>
-          </a:p>
-        </p:txBody>
-      </p:sp>
-    </p:spTree>
-    <p:extLst>
-      <p:ext uri="{BB962C8B-B14F-4D97-AF65-F5344CB8AC3E}">
-        <p14:creationId xmlns:p14="http://schemas.microsoft.com/office/powerpoint/2010/main" val="29494011"/>
-      </p:ext>
-    </p:extLst>
-  </p:cSld>
-  <p:clrMapOvr>
-    <a:masterClrMapping/>
-  </p:clrMapOvr>
-</p:sld>
-</file>
-
-<file path=ppt/slides/slide42.xml><?xml version="1.0" encoding="utf-8"?>
-<p:sld xmlns:a="http://schemas.openxmlformats.org/drawingml/2006/main" xmlns:r="http://schemas.openxmlformats.org/officeDocument/2006/relationships" xmlns:p="http://schemas.openxmlformats.org/presentationml/2006/main">
-  <p:cSld>
-    <p:spTree>
-      <p:nvGrpSpPr>
-        <p:cNvPr id="1" name=""/>
-        <p:cNvGrpSpPr/>
-        <p:nvPr/>
-      </p:nvGrpSpPr>
-      <p:grpSpPr>
-        <a:xfrm>
-          <a:off x="0" y="0"/>
-          <a:ext cx="0" cy="0"/>
-          <a:chOff x="0" y="0"/>
-          <a:chExt cx="0" cy="0"/>
-        </a:xfrm>
-      </p:grpSpPr>
-      <p:sp>
-        <p:nvSpPr>
-          <p:cNvPr id="2" name="TextBox 1"/>
-          <p:cNvSpPr txBox="1"/>
-          <p:nvPr/>
-        </p:nvSpPr>
-        <p:spPr>
-          <a:xfrm>
-            <a:off x="551328" y="322729"/>
-            <a:ext cx="11282083" cy="646331"/>
-          </a:xfrm>
-          <a:prstGeom prst="rect">
-            <a:avLst/>
-          </a:prstGeom>
-          <a:noFill/>
-        </p:spPr>
-        <p:txBody>
-          <a:bodyPr wrap="square" rtlCol="0">
-            <a:spAutoFit/>
-          </a:bodyPr>
-          <a:lstStyle/>
-          <a:p>
-            <a:r>
-              <a:rPr lang="en-US" altLang="ko-KR" sz="3600" b="1" dirty="0"/>
               <a:t>Python</a:t>
             </a:r>
             <a:r>
@@ -12503,7 +12344,7 @@
 </p:sld>
 </file>
 
-<file path=ppt/slides/slide43.xml><?xml version="1.0" encoding="utf-8"?>
+<file path=ppt/slides/slide42.xml><?xml version="1.0" encoding="utf-8"?>
 <p:sld xmlns:a="http://schemas.openxmlformats.org/drawingml/2006/main" xmlns:r="http://schemas.openxmlformats.org/officeDocument/2006/relationships" xmlns:p="http://schemas.openxmlformats.org/presentationml/2006/main">
   <p:cSld>
     <p:spTree>
@@ -12593,77 +12434,6 @@
       </p:grpSpPr>
       <p:pic>
         <p:nvPicPr>
-          <p:cNvPr id="1026" name="Picture 2" descr="linux ms에 대한 이미지 검색결과"/>
-          <p:cNvPicPr>
-            <a:picLocks noChangeAspect="1" noChangeArrowheads="1"/>
-          </p:cNvPicPr>
-          <p:nvPr/>
-        </p:nvPicPr>
-        <p:blipFill>
-          <a:blip r:embed="rId2">
-            <a:extLst>
-              <a:ext uri="{28A0092B-C50C-407E-A947-70E740481C1C}">
-                <a14:useLocalDpi xmlns:a14="http://schemas.microsoft.com/office/drawing/2010/main" val="0"/>
-              </a:ext>
-            </a:extLst>
-          </a:blip>
-          <a:srcRect/>
-          <a:stretch>
-            <a:fillRect/>
-          </a:stretch>
-        </p:blipFill>
-        <p:spPr bwMode="auto">
-          <a:xfrm>
-            <a:off x="-1" y="0"/>
-            <a:ext cx="12191999" cy="6858000"/>
-          </a:xfrm>
-          <a:prstGeom prst="rect">
-            <a:avLst/>
-          </a:prstGeom>
-          <a:noFill/>
-          <a:extLst>
-            <a:ext uri="{909E8E84-426E-40DD-AFC4-6F175D3DCCD1}">
-              <a14:hiddenFill xmlns:a14="http://schemas.microsoft.com/office/drawing/2010/main">
-                <a:solidFill>
-                  <a:srgbClr val="FFFFFF"/>
-                </a:solidFill>
-              </a14:hiddenFill>
-            </a:ext>
-          </a:extLst>
-        </p:spPr>
-      </p:pic>
-    </p:spTree>
-    <p:extLst>
-      <p:ext uri="{BB962C8B-B14F-4D97-AF65-F5344CB8AC3E}">
-        <p14:creationId xmlns:p14="http://schemas.microsoft.com/office/powerpoint/2010/main" val="2713476959"/>
-      </p:ext>
-    </p:extLst>
-  </p:cSld>
-  <p:clrMapOvr>
-    <a:masterClrMapping/>
-  </p:clrMapOvr>
-</p:sld>
-</file>
-
-<file path=ppt/slides/slide6.xml><?xml version="1.0" encoding="utf-8"?>
-<p:sld xmlns:a="http://schemas.openxmlformats.org/drawingml/2006/main" xmlns:r="http://schemas.openxmlformats.org/officeDocument/2006/relationships" xmlns:p="http://schemas.openxmlformats.org/presentationml/2006/main">
-  <p:cSld>
-    <p:spTree>
-      <p:nvGrpSpPr>
-        <p:cNvPr id="1" name=""/>
-        <p:cNvGrpSpPr/>
-        <p:nvPr/>
-      </p:nvGrpSpPr>
-      <p:grpSpPr>
-        <a:xfrm>
-          <a:off x="0" y="0"/>
-          <a:ext cx="0" cy="0"/>
-          <a:chOff x="0" y="0"/>
-          <a:chExt cx="0" cy="0"/>
-        </a:xfrm>
-      </p:grpSpPr>
-      <p:pic>
-        <p:nvPicPr>
           <p:cNvPr id="2" name="그림 1"/>
           <p:cNvPicPr>
             <a:picLocks noChangeAspect="1"/>
@@ -12699,7 +12469,7 @@
 </p:sld>
 </file>
 
-<file path=ppt/slides/slide7.xml><?xml version="1.0" encoding="utf-8"?>
+<file path=ppt/slides/slide6.xml><?xml version="1.0" encoding="utf-8"?>
 <p:sld xmlns:a="http://schemas.openxmlformats.org/drawingml/2006/main" xmlns:r="http://schemas.openxmlformats.org/officeDocument/2006/relationships" xmlns:p="http://schemas.openxmlformats.org/presentationml/2006/main">
   <p:cSld>
     <p:spTree>
@@ -12836,7 +12606,7 @@
         </p:nvSpPr>
         <p:spPr>
           <a:xfrm>
-            <a:off x="9039792" y="2347635"/>
+            <a:off x="8588527" y="2347635"/>
             <a:ext cx="954107" cy="523220"/>
           </a:xfrm>
           <a:prstGeom prst="rect">
@@ -12906,7 +12676,7 @@
 </p:sld>
 </file>
 
-<file path=ppt/slides/slide8.xml><?xml version="1.0" encoding="utf-8"?>
+<file path=ppt/slides/slide7.xml><?xml version="1.0" encoding="utf-8"?>
 <p:sld xmlns:a="http://schemas.openxmlformats.org/drawingml/2006/main" xmlns:r="http://schemas.openxmlformats.org/officeDocument/2006/relationships" xmlns:p="http://schemas.openxmlformats.org/presentationml/2006/main">
   <p:cSld>
     <p:spTree>
@@ -12960,6 +12730,197 @@
 </p:sld>
 </file>
 
+<file path=ppt/slides/slide8.xml><?xml version="1.0" encoding="utf-8"?>
+<p:sld xmlns:a="http://schemas.openxmlformats.org/drawingml/2006/main" xmlns:r="http://schemas.openxmlformats.org/officeDocument/2006/relationships" xmlns:p="http://schemas.openxmlformats.org/presentationml/2006/main">
+  <p:cSld>
+    <p:spTree>
+      <p:nvGrpSpPr>
+        <p:cNvPr id="1" name=""/>
+        <p:cNvGrpSpPr/>
+        <p:nvPr/>
+      </p:nvGrpSpPr>
+      <p:grpSpPr>
+        <a:xfrm>
+          <a:off x="0" y="0"/>
+          <a:ext cx="0" cy="0"/>
+          <a:chOff x="0" y="0"/>
+          <a:chExt cx="0" cy="0"/>
+        </a:xfrm>
+      </p:grpSpPr>
+      <p:sp>
+        <p:nvSpPr>
+          <p:cNvPr id="2" name="TextBox 1"/>
+          <p:cNvSpPr txBox="1"/>
+          <p:nvPr/>
+        </p:nvSpPr>
+        <p:spPr>
+          <a:xfrm>
+            <a:off x="551329" y="322729"/>
+            <a:ext cx="4074459" cy="646331"/>
+          </a:xfrm>
+          <a:prstGeom prst="rect">
+            <a:avLst/>
+          </a:prstGeom>
+          <a:noFill/>
+        </p:spPr>
+        <p:txBody>
+          <a:bodyPr wrap="square" rtlCol="0">
+            <a:spAutoFit/>
+          </a:bodyPr>
+          <a:lstStyle/>
+          <a:p>
+            <a:r>
+              <a:rPr lang="en-US" altLang="ko-KR" sz="3600" b="1" dirty="0" err="1"/>
+              <a:t>WSAPoll</a:t>
+            </a:r>
+            <a:endParaRPr lang="ko-KR" altLang="en-US" sz="3600" b="1" dirty="0"/>
+          </a:p>
+        </p:txBody>
+      </p:sp>
+      <p:sp>
+        <p:nvSpPr>
+          <p:cNvPr id="3" name="직사각형 2"/>
+          <p:cNvSpPr/>
+          <p:nvPr/>
+        </p:nvSpPr>
+        <p:spPr>
+          <a:xfrm>
+            <a:off x="654424" y="1141309"/>
+            <a:ext cx="10425952" cy="3539430"/>
+          </a:xfrm>
+          <a:prstGeom prst="rect">
+            <a:avLst/>
+          </a:prstGeom>
+        </p:spPr>
+        <p:txBody>
+          <a:bodyPr wrap="square">
+            <a:spAutoFit/>
+          </a:bodyPr>
+          <a:lstStyle/>
+          <a:p>
+            <a:pPr marL="514350" indent="-514350">
+              <a:buFont typeface="Arial" panose="020B0604020202020204" pitchFamily="34" charset="0"/>
+              <a:buChar char="•"/>
+            </a:pPr>
+            <a:r>
+              <a:rPr lang="en-US" altLang="ko-KR" sz="2800" b="1" dirty="0"/>
+              <a:t>Windows Vista</a:t>
+            </a:r>
+            <a:r>
+              <a:rPr lang="ko-KR" altLang="en-US" sz="2800" dirty="0"/>
+              <a:t>부터 새로 생긴 네트워크 </a:t>
+            </a:r>
+            <a:r>
+              <a:rPr lang="en-US" altLang="ko-KR" sz="2800" dirty="0"/>
+              <a:t>API.</a:t>
+            </a:r>
+            <a:br>
+              <a:rPr lang="en-US" altLang="ko-KR" sz="2800" dirty="0"/>
+            </a:br>
+            <a:endParaRPr lang="en-US" altLang="ko-KR" sz="2800" dirty="0"/>
+          </a:p>
+          <a:p>
+            <a:pPr marL="514350" indent="-514350">
+              <a:buFont typeface="Arial" panose="020B0604020202020204" pitchFamily="34" charset="0"/>
+              <a:buChar char="•"/>
+            </a:pPr>
+            <a:r>
+              <a:rPr lang="en-US" altLang="ko-KR" sz="2800" dirty="0"/>
+              <a:t>Linux(Unix) OS</a:t>
+            </a:r>
+            <a:r>
+              <a:rPr lang="ko-KR" altLang="en-US" sz="2800" dirty="0"/>
+              <a:t>의 </a:t>
+            </a:r>
+            <a:r>
+              <a:rPr lang="en-US" altLang="ko-KR" sz="2800" b="1" dirty="0"/>
+              <a:t>poll</a:t>
+            </a:r>
+            <a:r>
+              <a:rPr lang="ko-KR" altLang="en-US" sz="2800" dirty="0"/>
+              <a:t>과 비슷한 것이다</a:t>
+            </a:r>
+            <a:r>
+              <a:rPr lang="en-US" altLang="ko-KR" sz="2800" dirty="0"/>
+              <a:t>.</a:t>
+            </a:r>
+            <a:br>
+              <a:rPr lang="en-US" altLang="ko-KR" sz="2800" dirty="0"/>
+            </a:br>
+            <a:endParaRPr lang="ko-KR" altLang="en-US" sz="2800" dirty="0"/>
+          </a:p>
+          <a:p>
+            <a:pPr marL="514350" indent="-514350">
+              <a:buFont typeface="Arial" panose="020B0604020202020204" pitchFamily="34" charset="0"/>
+              <a:buChar char="•"/>
+            </a:pPr>
+            <a:r>
+              <a:rPr lang="ko-KR" altLang="en-US" sz="2800" dirty="0"/>
+              <a:t>복수의 파일 </a:t>
+            </a:r>
+            <a:r>
+              <a:rPr lang="ko-KR" altLang="en-US" sz="2800" dirty="0" err="1"/>
+              <a:t>디스크립터를</a:t>
+            </a:r>
+            <a:r>
+              <a:rPr lang="ko-KR" altLang="en-US" sz="2800" dirty="0"/>
+              <a:t> 감시하는 </a:t>
+            </a:r>
+            <a:r>
+              <a:rPr lang="en-US" altLang="ko-KR" sz="2800" dirty="0"/>
+              <a:t>API.</a:t>
+            </a:r>
+            <a:br>
+              <a:rPr lang="en-US" altLang="ko-KR" sz="2800" dirty="0"/>
+            </a:br>
+            <a:endParaRPr lang="en-US" altLang="ko-KR" sz="2800" dirty="0"/>
+          </a:p>
+          <a:p>
+            <a:pPr marL="514350" indent="-514350">
+              <a:buFont typeface="Arial" panose="020B0604020202020204" pitchFamily="34" charset="0"/>
+              <a:buChar char="•"/>
+            </a:pPr>
+            <a:r>
+              <a:rPr lang="ko-KR" altLang="en-US" sz="2800" dirty="0"/>
+              <a:t>지정한 소켓의 상태가 변화했는지 확인하는 기능을 제공한다</a:t>
+            </a:r>
+            <a:r>
+              <a:rPr lang="en-US" altLang="ko-KR" sz="2800" dirty="0"/>
+              <a:t>. </a:t>
+            </a:r>
+            <a:r>
+              <a:rPr lang="ko-KR" altLang="en-US" sz="2800" dirty="0"/>
+              <a:t>기능적으로는 </a:t>
+            </a:r>
+            <a:r>
+              <a:rPr lang="en-US" altLang="ko-KR" sz="2800" dirty="0"/>
+              <a:t>select</a:t>
+            </a:r>
+            <a:r>
+              <a:rPr lang="ko-KR" altLang="en-US" sz="2800" dirty="0"/>
+              <a:t>와 유사하다</a:t>
+            </a:r>
+            <a:r>
+              <a:rPr lang="en-US" altLang="ko-KR" sz="2800" dirty="0"/>
+              <a:t>.</a:t>
+            </a:r>
+            <a:endParaRPr lang="ko-KR" altLang="en-US" sz="2800" dirty="0"/>
+          </a:p>
+        </p:txBody>
+      </p:sp>
+    </p:spTree>
+    <p:extLst>
+      <p:ext uri="{BB962C8B-B14F-4D97-AF65-F5344CB8AC3E}">
+        <p14:creationId xmlns:p14="http://schemas.microsoft.com/office/powerpoint/2010/main" val="3421330507"/>
+      </p:ext>
+    </p:extLst>
+  </p:cSld>
+  <p:clrMapOvr>
+    <a:masterClrMapping/>
+  </p:clrMapOvr>
+</p:sld>
+</file>
+
 <file path=ppt/slides/slide9.xml><?xml version="1.0" encoding="utf-8"?>
 <p:sld xmlns:a="http://schemas.openxmlformats.org/drawingml/2006/main" xmlns:r="http://schemas.openxmlformats.org/officeDocument/2006/relationships" xmlns:p="http://schemas.openxmlformats.org/presentationml/2006/main">
   <p:cSld>
@@ -12986,7 +12947,7 @@
         <p:spPr>
           <a:xfrm>
             <a:off x="551329" y="322729"/>
-            <a:ext cx="4074459" cy="646331"/>
+            <a:ext cx="6217606" cy="646331"/>
           </a:xfrm>
           <a:prstGeom prst="rect">
             <a:avLst/>
@@ -13000,8 +12961,28 @@
           <a:lstStyle/>
           <a:p>
             <a:r>
-              <a:rPr lang="en-US" altLang="ko-KR" sz="3600" b="1" dirty="0" err="1"/>
-              <a:t>WSAPoll</a:t>
+              <a:rPr lang="ko-KR" altLang="en-US" sz="3600" b="1" dirty="0"/>
+              <a:t>잠시 </a:t>
+            </a:r>
+            <a:r>
+              <a:rPr lang="en-US" altLang="ko-KR" sz="3600" b="1" dirty="0"/>
+              <a:t>Linux</a:t>
+            </a:r>
+            <a:r>
+              <a:rPr lang="ko-KR" altLang="en-US" sz="3600" b="1" dirty="0"/>
+              <a:t>의 </a:t>
+            </a:r>
+            <a:r>
+              <a:rPr lang="en-US" altLang="ko-KR" sz="3600" b="1" dirty="0"/>
+              <a:t>poll</a:t>
+            </a:r>
+            <a:r>
+              <a:rPr lang="ko-KR" altLang="en-US" sz="3600" b="1" dirty="0"/>
+              <a:t>에 대해</a:t>
+            </a:r>
+            <a:r>
+              <a:rPr lang="en-US" altLang="ko-KR" sz="3600" b="1" dirty="0"/>
+              <a:t>…</a:t>
             </a:r>
             <a:endParaRPr lang="ko-KR" altLang="en-US" sz="3600" b="1" dirty="0"/>
           </a:p>
@@ -13016,7 +12997,7 @@
         <p:spPr>
           <a:xfrm>
             <a:off x="654424" y="1141309"/>
-            <a:ext cx="10425952" cy="3539430"/>
+            <a:ext cx="10425952" cy="2308324"/>
           </a:xfrm>
           <a:prstGeom prst="rect">
             <a:avLst/>
@@ -13028,120 +13009,118 @@
           </a:bodyPr>
           <a:lstStyle/>
           <a:p>
-            <a:pPr marL="514350" indent="-514350">
-              <a:buFont typeface="Arial" panose="020B0604020202020204" pitchFamily="34" charset="0"/>
-              <a:buChar char="•"/>
-            </a:pPr>
-            <a:r>
-              <a:rPr lang="en-US" altLang="ko-KR" sz="2800" b="1" dirty="0"/>
-              <a:t>Windows Vista</a:t>
-            </a:r>
-            <a:r>
-              <a:rPr lang="ko-KR" altLang="en-US" sz="2800" dirty="0"/>
-              <a:t>부터 새로 생긴 네트워크 </a:t>
-            </a:r>
-            <a:r>
-              <a:rPr lang="en-US" altLang="ko-KR" sz="2800" dirty="0"/>
-              <a:t>API.</a:t>
+            <a:r>
+              <a:rPr lang="en-US" altLang="ko-KR" sz="2400" dirty="0"/>
+              <a:t>poll</a:t>
+            </a:r>
+            <a:r>
+              <a:rPr lang="ko-KR" altLang="en-US" sz="2400" dirty="0"/>
+              <a:t>은 거의 </a:t>
+            </a:r>
+            <a:r>
+              <a:rPr lang="en-US" altLang="ko-KR" sz="2400" dirty="0"/>
+              <a:t>select</a:t>
+            </a:r>
+            <a:r>
+              <a:rPr lang="ko-KR" altLang="en-US" sz="2400" dirty="0"/>
+              <a:t>와 비슷하지만 아래와 같은 차이가 있다</a:t>
+            </a:r>
+            <a:r>
+              <a:rPr lang="en-US" altLang="ko-KR" sz="2400" dirty="0"/>
+              <a:t>.</a:t>
             </a:r>
             <a:br>
-              <a:rPr lang="en-US" altLang="ko-KR" sz="2800" dirty="0"/>
+              <a:rPr lang="en-US" altLang="ko-KR" sz="2400" dirty="0"/>
             </a:br>
-            <a:endParaRPr lang="en-US" altLang="ko-KR" sz="2800" dirty="0"/>
-          </a:p>
-          <a:p>
-            <a:pPr marL="514350" indent="-514350">
-              <a:buFont typeface="Arial" panose="020B0604020202020204" pitchFamily="34" charset="0"/>
-              <a:buChar char="•"/>
-            </a:pPr>
-            <a:r>
-              <a:rPr lang="en-US" altLang="ko-KR" sz="2800" dirty="0"/>
-              <a:t>Linux(Unix) OS</a:t>
-            </a:r>
-            <a:r>
-              <a:rPr lang="ko-KR" altLang="en-US" sz="2800" dirty="0"/>
-              <a:t>의 </a:t>
-            </a:r>
-            <a:r>
-              <a:rPr lang="en-US" altLang="ko-KR" sz="2800" b="1" dirty="0"/>
-              <a:t>poll</a:t>
-            </a:r>
-            <a:r>
-              <a:rPr lang="ko-KR" altLang="en-US" sz="2800" dirty="0"/>
-              <a:t>과 비슷한 것이다</a:t>
-            </a:r>
-            <a:r>
-              <a:rPr lang="en-US" altLang="ko-KR" sz="2800" dirty="0"/>
+            <a:endParaRPr lang="en-US" altLang="ko-KR" sz="2400" dirty="0"/>
+          </a:p>
+          <a:p>
+            <a:r>
+              <a:rPr lang="en-US" altLang="ko-KR" sz="2400" dirty="0"/>
+              <a:t>- </a:t>
+            </a:r>
+            <a:r>
+              <a:rPr lang="ko-KR" altLang="en-US" sz="2400" dirty="0"/>
+              <a:t>관리할 수 있는 </a:t>
+            </a:r>
+            <a:r>
+              <a:rPr lang="ko-KR" altLang="en-US" sz="2400" b="1" dirty="0" err="1"/>
+              <a:t>디스크립터</a:t>
+            </a:r>
+            <a:r>
+              <a:rPr lang="en-US" altLang="ko-KR" sz="2400" b="1" dirty="0"/>
+              <a:t>(</a:t>
+            </a:r>
+            <a:r>
+              <a:rPr lang="ko-KR" altLang="en-US" sz="2400" b="1" dirty="0"/>
+              <a:t>네트워크에서는 소켓</a:t>
+            </a:r>
+            <a:r>
+              <a:rPr lang="en-US" altLang="ko-KR" sz="2400" b="1" dirty="0"/>
+              <a:t>)</a:t>
+            </a:r>
+            <a:r>
+              <a:rPr lang="ko-KR" altLang="en-US" sz="2400" b="1" dirty="0"/>
+              <a:t> 수가 무제한</a:t>
+            </a:r>
+            <a:r>
+              <a:rPr lang="ko-KR" altLang="en-US" sz="2400" dirty="0"/>
+              <a:t>이 된다</a:t>
+            </a:r>
+            <a:r>
+              <a:rPr lang="en-US" altLang="ko-KR" sz="2400" dirty="0"/>
               <a:t>.</a:t>
             </a:r>
             <a:br>
-              <a:rPr lang="en-US" altLang="ko-KR" sz="2800" dirty="0"/>
+              <a:rPr lang="en-US" altLang="ko-KR" sz="2400" dirty="0"/>
             </a:br>
-            <a:endParaRPr lang="ko-KR" altLang="en-US" sz="2800" dirty="0"/>
-          </a:p>
-          <a:p>
-            <a:pPr marL="514350" indent="-514350">
-              <a:buFont typeface="Arial" panose="020B0604020202020204" pitchFamily="34" charset="0"/>
-              <a:buChar char="•"/>
-            </a:pPr>
-            <a:r>
-              <a:rPr lang="ko-KR" altLang="en-US" sz="2800" dirty="0"/>
-              <a:t>복수의 파일 </a:t>
-            </a:r>
-            <a:r>
-              <a:rPr lang="ko-KR" altLang="en-US" sz="2800" dirty="0" err="1"/>
-              <a:t>디스크립터를</a:t>
-            </a:r>
-            <a:r>
-              <a:rPr lang="ko-KR" altLang="en-US" sz="2800" dirty="0"/>
-              <a:t> 감시하는 </a:t>
-            </a:r>
-            <a:r>
-              <a:rPr lang="en-US" altLang="ko-KR" sz="2800" dirty="0"/>
-              <a:t>API.</a:t>
-            </a:r>
             <a:br>
-              <a:rPr lang="en-US" altLang="ko-KR" sz="2800" dirty="0"/>
+              <a:rPr lang="en-US" altLang="ko-KR" sz="2400" dirty="0"/>
             </a:br>
-            <a:endParaRPr lang="en-US" altLang="ko-KR" sz="2800" dirty="0"/>
-          </a:p>
-          <a:p>
-            <a:pPr marL="514350" indent="-514350">
-              <a:buFont typeface="Arial" panose="020B0604020202020204" pitchFamily="34" charset="0"/>
-              <a:buChar char="•"/>
-            </a:pPr>
-            <a:r>
-              <a:rPr lang="ko-KR" altLang="en-US" sz="2800" dirty="0"/>
-              <a:t>지정한 소켓의 상태가 변화했는지 확인하는 기능을 제공한다</a:t>
-            </a:r>
-            <a:r>
-              <a:rPr lang="en-US" altLang="ko-KR" sz="2800" dirty="0"/>
-              <a:t>. </a:t>
-            </a:r>
-            <a:r>
-              <a:rPr lang="ko-KR" altLang="en-US" sz="2800" dirty="0"/>
-              <a:t>기능적으로는 </a:t>
-            </a:r>
-            <a:r>
-              <a:rPr lang="en-US" altLang="ko-KR" sz="2800" dirty="0"/>
-              <a:t>select</a:t>
-            </a:r>
-            <a:r>
-              <a:rPr lang="ko-KR" altLang="en-US" sz="2800" dirty="0"/>
-              <a:t>와 유사하다</a:t>
-            </a:r>
-            <a:r>
-              <a:rPr lang="en-US" altLang="ko-KR" sz="2800" dirty="0"/>
-              <a:t>.</a:t>
-            </a:r>
-            <a:endParaRPr lang="ko-KR" altLang="en-US" sz="2800" dirty="0"/>
+            <a:r>
+              <a:rPr lang="en-US" altLang="ko-KR" sz="2400" dirty="0"/>
+              <a:t>- poll </a:t>
+            </a:r>
+            <a:r>
+              <a:rPr lang="ko-KR" altLang="en-US" sz="2400" dirty="0"/>
+              <a:t>시스템 콜 자체를 구현하고 있는 시스템이 </a:t>
+            </a:r>
+            <a:r>
+              <a:rPr lang="en-US" altLang="ko-KR" sz="2400" dirty="0"/>
+              <a:t>select </a:t>
+            </a:r>
+            <a:r>
+              <a:rPr lang="ko-KR" altLang="en-US" sz="2400" dirty="0"/>
+              <a:t>보다 적기 때문에 </a:t>
+            </a:r>
+            <a:r>
+              <a:rPr lang="ko-KR" altLang="en-US" sz="2400" dirty="0" err="1"/>
+              <a:t>이식성</a:t>
+            </a:r>
+            <a:r>
+              <a:rPr lang="ko-KR" altLang="en-US" sz="2400" dirty="0"/>
+              <a:t> 등에 좋지 않다</a:t>
+            </a:r>
+            <a:r>
+              <a:rPr lang="en-US" altLang="ko-KR" sz="2400" dirty="0"/>
+              <a:t>(</a:t>
+            </a:r>
+            <a:r>
+              <a:rPr lang="ko-KR" altLang="en-US" sz="2400" dirty="0"/>
+              <a:t>오래된 이야기</a:t>
+            </a:r>
+            <a:r>
+              <a:rPr lang="en-US" altLang="ko-KR" sz="2400" dirty="0"/>
+              <a:t>..)</a:t>
+            </a:r>
+            <a:endParaRPr lang="ko-KR" altLang="en-US" sz="2400" dirty="0"/>
           </a:p>
         </p:txBody>
       </p:sp>
     </p:spTree>
     <p:extLst>
       <p:ext uri="{BB962C8B-B14F-4D97-AF65-F5344CB8AC3E}">
-        <p14:creationId xmlns:p14="http://schemas.microsoft.com/office/powerpoint/2010/main" val="3421330507"/>
+        <p14:creationId xmlns:p14="http://schemas.microsoft.com/office/powerpoint/2010/main" val="2165421971"/>
       </p:ext>
     </p:extLst>
   </p:cSld>

--- a/WSAPoll, Fast Loopback.pptx
+++ b/WSAPoll, Fast Loopback.pptx
@@ -5,54 +5,55 @@
     <p:sldMasterId id="2147483648" r:id="rId1"/>
   </p:sldMasterIdLst>
   <p:notesMasterIdLst>
-    <p:notesMasterId r:id="rId44"/>
+    <p:notesMasterId r:id="rId45"/>
   </p:notesMasterIdLst>
   <p:handoutMasterIdLst>
-    <p:handoutMasterId r:id="rId45"/>
+    <p:handoutMasterId r:id="rId46"/>
   </p:handoutMasterIdLst>
   <p:sldIdLst>
     <p:sldId id="261" r:id="rId2"/>
     <p:sldId id="326" r:id="rId3"/>
-    <p:sldId id="327" r:id="rId4"/>
-    <p:sldId id="325" r:id="rId5"/>
-    <p:sldId id="296" r:id="rId6"/>
-    <p:sldId id="295" r:id="rId7"/>
-    <p:sldId id="297" r:id="rId8"/>
-    <p:sldId id="294" r:id="rId9"/>
-    <p:sldId id="302" r:id="rId10"/>
-    <p:sldId id="303" r:id="rId11"/>
-    <p:sldId id="304" r:id="rId12"/>
-    <p:sldId id="305" r:id="rId13"/>
-    <p:sldId id="301" r:id="rId14"/>
-    <p:sldId id="287" r:id="rId15"/>
-    <p:sldId id="293" r:id="rId16"/>
-    <p:sldId id="298" r:id="rId17"/>
-    <p:sldId id="300" r:id="rId18"/>
-    <p:sldId id="299" r:id="rId19"/>
-    <p:sldId id="310" r:id="rId20"/>
-    <p:sldId id="306" r:id="rId21"/>
-    <p:sldId id="311" r:id="rId22"/>
-    <p:sldId id="312" r:id="rId23"/>
-    <p:sldId id="307" r:id="rId24"/>
-    <p:sldId id="292" r:id="rId25"/>
-    <p:sldId id="291" r:id="rId26"/>
-    <p:sldId id="308" r:id="rId27"/>
-    <p:sldId id="289" r:id="rId28"/>
-    <p:sldId id="290" r:id="rId29"/>
-    <p:sldId id="313" r:id="rId30"/>
-    <p:sldId id="314" r:id="rId31"/>
-    <p:sldId id="316" r:id="rId32"/>
-    <p:sldId id="315" r:id="rId33"/>
-    <p:sldId id="317" r:id="rId34"/>
-    <p:sldId id="319" r:id="rId35"/>
-    <p:sldId id="320" r:id="rId36"/>
-    <p:sldId id="321" r:id="rId37"/>
-    <p:sldId id="323" r:id="rId38"/>
-    <p:sldId id="288" r:id="rId39"/>
-    <p:sldId id="324" r:id="rId40"/>
-    <p:sldId id="318" r:id="rId41"/>
-    <p:sldId id="322" r:id="rId42"/>
-    <p:sldId id="309" r:id="rId43"/>
+    <p:sldId id="328" r:id="rId4"/>
+    <p:sldId id="327" r:id="rId5"/>
+    <p:sldId id="325" r:id="rId6"/>
+    <p:sldId id="296" r:id="rId7"/>
+    <p:sldId id="295" r:id="rId8"/>
+    <p:sldId id="297" r:id="rId9"/>
+    <p:sldId id="294" r:id="rId10"/>
+    <p:sldId id="302" r:id="rId11"/>
+    <p:sldId id="303" r:id="rId12"/>
+    <p:sldId id="304" r:id="rId13"/>
+    <p:sldId id="305" r:id="rId14"/>
+    <p:sldId id="301" r:id="rId15"/>
+    <p:sldId id="287" r:id="rId16"/>
+    <p:sldId id="293" r:id="rId17"/>
+    <p:sldId id="298" r:id="rId18"/>
+    <p:sldId id="300" r:id="rId19"/>
+    <p:sldId id="299" r:id="rId20"/>
+    <p:sldId id="310" r:id="rId21"/>
+    <p:sldId id="306" r:id="rId22"/>
+    <p:sldId id="311" r:id="rId23"/>
+    <p:sldId id="312" r:id="rId24"/>
+    <p:sldId id="307" r:id="rId25"/>
+    <p:sldId id="292" r:id="rId26"/>
+    <p:sldId id="291" r:id="rId27"/>
+    <p:sldId id="308" r:id="rId28"/>
+    <p:sldId id="289" r:id="rId29"/>
+    <p:sldId id="290" r:id="rId30"/>
+    <p:sldId id="313" r:id="rId31"/>
+    <p:sldId id="314" r:id="rId32"/>
+    <p:sldId id="316" r:id="rId33"/>
+    <p:sldId id="315" r:id="rId34"/>
+    <p:sldId id="317" r:id="rId35"/>
+    <p:sldId id="319" r:id="rId36"/>
+    <p:sldId id="320" r:id="rId37"/>
+    <p:sldId id="321" r:id="rId38"/>
+    <p:sldId id="323" r:id="rId39"/>
+    <p:sldId id="288" r:id="rId40"/>
+    <p:sldId id="324" r:id="rId41"/>
+    <p:sldId id="318" r:id="rId42"/>
+    <p:sldId id="322" r:id="rId43"/>
+    <p:sldId id="309" r:id="rId44"/>
   </p:sldIdLst>
   <p:sldSz cx="12192000" cy="6858000"/>
   <p:notesSz cx="6858000" cy="9144000"/>
@@ -745,7 +746,7 @@
           <a:p>
             <a:fld id="{9D72A88F-1F4A-4A98-8F7A-BDD41242B633}" type="slidenum">
               <a:rPr lang="ko-KR" altLang="en-US" smtClean="0"/>
-              <a:t>5</a:t>
+              <a:t>6</a:t>
             </a:fld>
             <a:endParaRPr lang="ko-KR" altLang="en-US"/>
           </a:p>
@@ -4025,7 +4026,7 @@
         <p:spPr>
           <a:xfrm>
             <a:off x="551329" y="322729"/>
-            <a:ext cx="5683216" cy="646331"/>
+            <a:ext cx="6217606" cy="646331"/>
           </a:xfrm>
           <a:prstGeom prst="rect">
             <a:avLst/>
@@ -4044,11 +4045,19 @@
             </a:r>
             <a:r>
               <a:rPr lang="en-US" altLang="ko-KR" sz="3600" b="1" dirty="0"/>
-              <a:t>select </a:t>
+              <a:t>Linux</a:t>
             </a:r>
             <a:r>
               <a:rPr lang="ko-KR" altLang="en-US" sz="3600" b="1" dirty="0"/>
-              <a:t>에 대해서</a:t>
+              <a:t>의 </a:t>
+            </a:r>
+            <a:r>
+              <a:rPr lang="en-US" altLang="ko-KR" sz="3600" b="1" dirty="0"/>
+              <a:t>poll</a:t>
+            </a:r>
+            <a:r>
+              <a:rPr lang="ko-KR" altLang="en-US" sz="3600" b="1" dirty="0"/>
+              <a:t>에 대해</a:t>
             </a:r>
             <a:r>
               <a:rPr lang="en-US" altLang="ko-KR" sz="3600" b="1" dirty="0"/>
@@ -4060,14 +4069,14 @@
       </p:sp>
       <p:sp>
         <p:nvSpPr>
-          <p:cNvPr id="4" name="직사각형 3"/>
+          <p:cNvPr id="3" name="직사각형 2"/>
           <p:cNvSpPr/>
           <p:nvPr/>
         </p:nvSpPr>
         <p:spPr>
           <a:xfrm>
-            <a:off x="551329" y="4938777"/>
-            <a:ext cx="11228993" cy="1754326"/>
+            <a:off x="654424" y="1141309"/>
+            <a:ext cx="10425952" cy="2308324"/>
           </a:xfrm>
           <a:prstGeom prst="rect">
             <a:avLst/>
@@ -4080,185 +4089,117 @@
           <a:lstStyle/>
           <a:p>
             <a:r>
-              <a:rPr lang="ko-KR" altLang="en-US" sz="1200" dirty="0"/>
-              <a:t>소켓 </a:t>
-            </a:r>
-            <a:r>
-              <a:rPr lang="ko-KR" altLang="en-US" sz="1200" dirty="0" err="1"/>
-              <a:t>멀티플렉싱</a:t>
-            </a:r>
-            <a:r>
-              <a:rPr lang="ko-KR" altLang="en-US" sz="1200" dirty="0"/>
-              <a:t> 함수 </a:t>
-            </a:r>
-            <a:r>
-              <a:rPr lang="en-US" altLang="ko-KR" sz="1200" dirty="0"/>
-              <a:t>select()</a:t>
-            </a:r>
-          </a:p>
-          <a:p>
-            <a:r>
-              <a:rPr lang="en-US" altLang="ko-KR" sz="1200" dirty="0">
-                <a:hlinkClick r:id="rId2"/>
-              </a:rPr>
-              <a:t>http://eastroot1590.tistory.com/entry/%EC%86%8C%EC%BC%93-%EB%A9%80%ED%8B%B0%ED%94%8C%EB%A0%89%EC%8B%B1-%ED%95%A8%EC%88%98-select</a:t>
-            </a:r>
-            <a:endParaRPr lang="en-US" altLang="ko-KR" sz="1200" dirty="0"/>
-          </a:p>
-          <a:p>
-            <a:endParaRPr lang="en-US" altLang="ko-KR" sz="1200" dirty="0"/>
-          </a:p>
-          <a:p>
-            <a:r>
-              <a:rPr lang="ko-KR" altLang="en-US" sz="1200" dirty="0" err="1"/>
-              <a:t>Non</a:t>
-            </a:r>
-            <a:r>
-              <a:rPr lang="ko-KR" altLang="en-US" sz="1200" dirty="0"/>
-              <a:t>-Block 네트워크 프로그램 - 2 (</a:t>
-            </a:r>
-            <a:r>
-              <a:rPr lang="ko-KR" altLang="en-US" sz="1200" dirty="0" err="1"/>
+              <a:rPr lang="en-US" altLang="ko-KR" sz="2400" dirty="0"/>
+              <a:t>poll</a:t>
+            </a:r>
+            <a:r>
+              <a:rPr lang="ko-KR" altLang="en-US" sz="2400" dirty="0"/>
+              <a:t>은 거의 </a:t>
+            </a:r>
+            <a:r>
+              <a:rPr lang="en-US" altLang="ko-KR" sz="2400" dirty="0"/>
               <a:t>select</a:t>
             </a:r>
             <a:r>
-              <a:rPr lang="ko-KR" altLang="en-US" sz="1200" dirty="0"/>
-              <a:t> 사용하기)</a:t>
-            </a:r>
-          </a:p>
-          <a:p>
-            <a:r>
-              <a:rPr lang="ko-KR" altLang="en-US" sz="1200" dirty="0">
-                <a:hlinkClick r:id="rId3"/>
-              </a:rPr>
-              <a:t>http://blog.naver.com/cestlavie_01/220908793329</a:t>
-            </a:r>
-            <a:r>
-              <a:rPr lang="ko-KR" altLang="en-US" sz="1200" dirty="0"/>
-              <a:t> </a:t>
-            </a:r>
-          </a:p>
-          <a:p>
-            <a:endParaRPr lang="ko-KR" altLang="en-US" sz="1200" dirty="0"/>
-          </a:p>
-          <a:p>
-            <a:r>
-              <a:rPr lang="ko-KR" altLang="en-US" sz="1200" dirty="0" err="1"/>
-              <a:t>Non</a:t>
-            </a:r>
-            <a:r>
-              <a:rPr lang="ko-KR" altLang="en-US" sz="1200" dirty="0"/>
-              <a:t>-Block 네트워크 프로그램 - 3 (</a:t>
-            </a:r>
-            <a:r>
-              <a:rPr lang="ko-KR" altLang="en-US" sz="1200" dirty="0" err="1"/>
-              <a:t>select를</a:t>
-            </a:r>
-            <a:r>
-              <a:rPr lang="ko-KR" altLang="en-US" sz="1200" dirty="0"/>
-              <a:t> 이용한 </a:t>
-            </a:r>
-            <a:r>
-              <a:rPr lang="ko-KR" altLang="en-US" sz="1200" dirty="0" err="1"/>
-              <a:t>echo</a:t>
-            </a:r>
-            <a:r>
-              <a:rPr lang="ko-KR" altLang="en-US" sz="1200" dirty="0"/>
-              <a:t> </a:t>
-            </a:r>
-            <a:r>
-              <a:rPr lang="ko-KR" altLang="en-US" sz="1200" dirty="0" err="1"/>
-              <a:t>server</a:t>
-            </a:r>
-            <a:r>
-              <a:rPr lang="ko-KR" altLang="en-US" sz="1200" dirty="0"/>
+              <a:rPr lang="ko-KR" altLang="en-US" sz="2400" dirty="0"/>
+              <a:t>와 비슷하지만 아래와 같은 차이가 있다</a:t>
+            </a:r>
+            <a:r>
+              <a:rPr lang="en-US" altLang="ko-KR" sz="2400" dirty="0"/>
+              <a:t>.</a:t>
+            </a:r>
+            <a:br>
+              <a:rPr lang="en-US" altLang="ko-KR" sz="2400" dirty="0"/>
+            </a:br>
+            <a:endParaRPr lang="en-US" altLang="ko-KR" sz="2400" dirty="0"/>
+          </a:p>
+          <a:p>
+            <a:r>
+              <a:rPr lang="en-US" altLang="ko-KR" sz="2400" dirty="0"/>
+              <a:t>- </a:t>
+            </a:r>
+            <a:r>
+              <a:rPr lang="ko-KR" altLang="en-US" sz="2400" dirty="0"/>
+              <a:t>관리할 수 있는 </a:t>
+            </a:r>
+            <a:r>
+              <a:rPr lang="ko-KR" altLang="en-US" sz="2400" b="1" dirty="0" err="1"/>
+              <a:t>디스크립터</a:t>
+            </a:r>
+            <a:r>
+              <a:rPr lang="en-US" altLang="ko-KR" sz="2400" b="1" dirty="0"/>
+              <a:t>(</a:t>
+            </a:r>
+            <a:r>
+              <a:rPr lang="ko-KR" altLang="en-US" sz="2400" b="1" dirty="0"/>
+              <a:t>네트워크에서는 소켓</a:t>
+            </a:r>
+            <a:r>
+              <a:rPr lang="en-US" altLang="ko-KR" sz="2400" b="1" dirty="0"/>
               <a:t>)</a:t>
             </a:r>
-          </a:p>
-          <a:p>
-            <a:r>
-              <a:rPr lang="ko-KR" altLang="en-US" sz="1200" dirty="0">
-                <a:hlinkClick r:id="rId4"/>
-              </a:rPr>
-              <a:t>http://blog.naver.com/cestlavie_01/220909732913</a:t>
-            </a:r>
-            <a:r>
-              <a:rPr lang="ko-KR" altLang="en-US" sz="1200" dirty="0"/>
-              <a:t> </a:t>
-            </a:r>
-          </a:p>
-        </p:txBody>
-      </p:sp>
-      <p:pic>
-        <p:nvPicPr>
-          <p:cNvPr id="5" name="그림 4"/>
-          <p:cNvPicPr>
-            <a:picLocks noChangeAspect="1"/>
-          </p:cNvPicPr>
-          <p:nvPr/>
-        </p:nvPicPr>
-        <p:blipFill>
-          <a:blip r:embed="rId5"/>
-          <a:stretch>
-            <a:fillRect/>
-          </a:stretch>
-        </p:blipFill>
-        <p:spPr>
-          <a:xfrm>
-            <a:off x="665142" y="1260638"/>
-            <a:ext cx="10229866" cy="2147579"/>
-          </a:xfrm>
-          <a:prstGeom prst="rect">
-            <a:avLst/>
-          </a:prstGeom>
-        </p:spPr>
-      </p:pic>
-      <p:sp>
-        <p:nvSpPr>
-          <p:cNvPr id="6" name="직사각형 5"/>
-          <p:cNvSpPr/>
-          <p:nvPr/>
-        </p:nvSpPr>
-        <p:spPr>
-          <a:xfrm>
-            <a:off x="8525449" y="3453574"/>
-            <a:ext cx="2369559" cy="246221"/>
-          </a:xfrm>
-          <a:prstGeom prst="rect">
-            <a:avLst/>
-          </a:prstGeom>
-        </p:spPr>
-        <p:txBody>
-          <a:bodyPr wrap="none">
-            <a:spAutoFit/>
-          </a:bodyPr>
-          <a:lstStyle/>
-          <a:p>
-            <a:r>
-              <a:rPr lang="ko-KR" altLang="en-US" sz="1000" dirty="0"/>
-              <a:t>출처</a:t>
-            </a:r>
-            <a:r>
-              <a:rPr lang="en-US" altLang="ko-KR" sz="1000" dirty="0"/>
-              <a:t>: </a:t>
-            </a:r>
-            <a:r>
-              <a:rPr lang="ko-KR" altLang="en-US" sz="1000" dirty="0">
-                <a:hlinkClick r:id="rId6"/>
-              </a:rPr>
-              <a:t>http://downman.tistory.com/79</a:t>
-            </a:r>
-            <a:r>
-              <a:rPr lang="ko-KR" altLang="en-US" sz="1000" dirty="0"/>
-              <a:t> </a:t>
-            </a:r>
+            <a:r>
+              <a:rPr lang="ko-KR" altLang="en-US" sz="2400" b="1" dirty="0"/>
+              <a:t> 수가 무제한</a:t>
+            </a:r>
+            <a:r>
+              <a:rPr lang="ko-KR" altLang="en-US" sz="2400" dirty="0"/>
+              <a:t>이 된다</a:t>
+            </a:r>
+            <a:r>
+              <a:rPr lang="en-US" altLang="ko-KR" sz="2400" dirty="0"/>
+              <a:t>.</a:t>
+            </a:r>
+            <a:br>
+              <a:rPr lang="en-US" altLang="ko-KR" sz="2400" dirty="0"/>
+            </a:br>
+            <a:br>
+              <a:rPr lang="en-US" altLang="ko-KR" sz="2400" dirty="0"/>
+            </a:br>
+            <a:r>
+              <a:rPr lang="en-US" altLang="ko-KR" sz="2400" dirty="0"/>
+              <a:t>- poll </a:t>
+            </a:r>
+            <a:r>
+              <a:rPr lang="ko-KR" altLang="en-US" sz="2400" dirty="0"/>
+              <a:t>시스템 콜 자체를 구현하고 있는 시스템이 </a:t>
+            </a:r>
+            <a:r>
+              <a:rPr lang="en-US" altLang="ko-KR" sz="2400" dirty="0"/>
+              <a:t>select </a:t>
+            </a:r>
+            <a:r>
+              <a:rPr lang="ko-KR" altLang="en-US" sz="2400" dirty="0"/>
+              <a:t>보다 적기 때문에 </a:t>
+            </a:r>
+            <a:r>
+              <a:rPr lang="ko-KR" altLang="en-US" sz="2400" dirty="0" err="1"/>
+              <a:t>이식성</a:t>
+            </a:r>
+            <a:r>
+              <a:rPr lang="ko-KR" altLang="en-US" sz="2400" dirty="0"/>
+              <a:t> 등에 좋지 않다</a:t>
+            </a:r>
+            <a:r>
+              <a:rPr lang="en-US" altLang="ko-KR" sz="2400" dirty="0"/>
+              <a:t>(</a:t>
+            </a:r>
+            <a:r>
+              <a:rPr lang="ko-KR" altLang="en-US" sz="2400" dirty="0"/>
+              <a:t>오래된 이야기</a:t>
+            </a:r>
+            <a:r>
+              <a:rPr lang="en-US" altLang="ko-KR" sz="2400" dirty="0"/>
+              <a:t>..)</a:t>
+            </a:r>
+            <a:endParaRPr lang="ko-KR" altLang="en-US" sz="2400" dirty="0"/>
           </a:p>
         </p:txBody>
       </p:sp>
     </p:spTree>
     <p:extLst>
       <p:ext uri="{BB962C8B-B14F-4D97-AF65-F5344CB8AC3E}">
-        <p14:creationId xmlns:p14="http://schemas.microsoft.com/office/powerpoint/2010/main" val="572213710"/>
+        <p14:creationId xmlns:p14="http://schemas.microsoft.com/office/powerpoint/2010/main" val="2165421971"/>
       </p:ext>
     </p:extLst>
   </p:cSld>
@@ -4287,14 +4228,56 @@
       </p:grpSpPr>
       <p:sp>
         <p:nvSpPr>
-          <p:cNvPr id="5" name="직사각형 4"/>
+          <p:cNvPr id="2" name="TextBox 1"/>
+          <p:cNvSpPr txBox="1"/>
+          <p:nvPr/>
+        </p:nvSpPr>
+        <p:spPr>
+          <a:xfrm>
+            <a:off x="551329" y="322729"/>
+            <a:ext cx="5683216" cy="646331"/>
+          </a:xfrm>
+          <a:prstGeom prst="rect">
+            <a:avLst/>
+          </a:prstGeom>
+          <a:noFill/>
+        </p:spPr>
+        <p:txBody>
+          <a:bodyPr wrap="square" rtlCol="0">
+            <a:spAutoFit/>
+          </a:bodyPr>
+          <a:lstStyle/>
+          <a:p>
+            <a:r>
+              <a:rPr lang="ko-KR" altLang="en-US" sz="3600" b="1" dirty="0"/>
+              <a:t>잠시 </a:t>
+            </a:r>
+            <a:r>
+              <a:rPr lang="en-US" altLang="ko-KR" sz="3600" b="1" dirty="0"/>
+              <a:t>select </a:t>
+            </a:r>
+            <a:r>
+              <a:rPr lang="ko-KR" altLang="en-US" sz="3600" b="1" dirty="0"/>
+              <a:t>에 대해서</a:t>
+            </a:r>
+            <a:r>
+              <a:rPr lang="en-US" altLang="ko-KR" sz="3600" b="1" dirty="0"/>
+              <a:t>…</a:t>
+            </a:r>
+            <a:endParaRPr lang="ko-KR" altLang="en-US" sz="3600" b="1" dirty="0"/>
+          </a:p>
+        </p:txBody>
+      </p:sp>
+      <p:sp>
+        <p:nvSpPr>
+          <p:cNvPr id="4" name="직사각형 3"/>
           <p:cNvSpPr/>
           <p:nvPr/>
         </p:nvSpPr>
         <p:spPr>
           <a:xfrm>
-            <a:off x="551329" y="1131725"/>
-            <a:ext cx="8882743" cy="738664"/>
+            <a:off x="551329" y="4938777"/>
+            <a:ext cx="11228993" cy="1754326"/>
           </a:xfrm>
           <a:prstGeom prst="rect">
             <a:avLst/>
@@ -4307,471 +4290,185 @@
           <a:lstStyle/>
           <a:p>
             <a:r>
-              <a:rPr lang="ko-KR" altLang="en-US" sz="1400" dirty="0" err="1"/>
-              <a:t>Programming</a:t>
-            </a:r>
-            <a:r>
-              <a:rPr lang="ko-KR" altLang="en-US" sz="1400" dirty="0"/>
-              <a:t> UNIX </a:t>
-            </a:r>
-            <a:r>
-              <a:rPr lang="ko-KR" altLang="en-US" sz="1400" dirty="0" err="1"/>
-              <a:t>Sockets</a:t>
-            </a:r>
-            <a:r>
-              <a:rPr lang="ko-KR" altLang="en-US" sz="1400" dirty="0"/>
+              <a:rPr lang="ko-KR" altLang="en-US" sz="1200" dirty="0"/>
+              <a:t>소켓 </a:t>
+            </a:r>
+            <a:r>
+              <a:rPr lang="ko-KR" altLang="en-US" sz="1200" dirty="0" err="1"/>
+              <a:t>멀티플렉싱</a:t>
+            </a:r>
+            <a:r>
+              <a:rPr lang="ko-KR" altLang="en-US" sz="1200" dirty="0"/>
+              <a:t> 함수 </a:t>
+            </a:r>
+            <a:r>
+              <a:rPr lang="en-US" altLang="ko-KR" sz="1200" dirty="0"/>
+              <a:t>select()</a:t>
+            </a:r>
+          </a:p>
+          <a:p>
+            <a:r>
+              <a:rPr lang="en-US" altLang="ko-KR" sz="1200" dirty="0">
+                <a:hlinkClick r:id="rId2"/>
+              </a:rPr>
+              <a:t>http://eastroot1590.tistory.com/entry/%EC%86%8C%EC%BC%93-%EB%A9%80%ED%8B%B0%ED%94%8C%EB%A0%89%EC%8B%B1-%ED%95%A8%EC%88%98-select</a:t>
+            </a:r>
+            <a:endParaRPr lang="en-US" altLang="ko-KR" sz="1200" dirty="0"/>
+          </a:p>
+          <a:p>
+            <a:endParaRPr lang="en-US" altLang="ko-KR" sz="1200" dirty="0"/>
+          </a:p>
+          <a:p>
+            <a:r>
+              <a:rPr lang="ko-KR" altLang="en-US" sz="1200" dirty="0" err="1"/>
+              <a:t>Non</a:t>
+            </a:r>
+            <a:r>
+              <a:rPr lang="ko-KR" altLang="en-US" sz="1200" dirty="0"/>
+              <a:t>-Block 네트워크 프로그램 - 2 (</a:t>
+            </a:r>
+            <a:r>
+              <a:rPr lang="ko-KR" altLang="en-US" sz="1200" dirty="0" err="1"/>
+              <a:t>select</a:t>
+            </a:r>
+            <a:r>
+              <a:rPr lang="ko-KR" altLang="en-US" sz="1200" dirty="0"/>
+              <a:t> 사용하기)</a:t>
+            </a:r>
+          </a:p>
+          <a:p>
+            <a:r>
+              <a:rPr lang="ko-KR" altLang="en-US" sz="1200" dirty="0">
+                <a:hlinkClick r:id="rId3"/>
+              </a:rPr>
+              <a:t>http://blog.naver.com/cestlavie_01/220908793329</a:t>
+            </a:r>
+            <a:r>
+              <a:rPr lang="ko-KR" altLang="en-US" sz="1200" dirty="0"/>
               <a:t> </a:t>
             </a:r>
-            <a:r>
-              <a:rPr lang="ko-KR" altLang="en-US" sz="1400" dirty="0" err="1"/>
-              <a:t>in</a:t>
-            </a:r>
-            <a:r>
-              <a:rPr lang="ko-KR" altLang="en-US" sz="1400" dirty="0"/>
-              <a:t> C - </a:t>
-            </a:r>
-            <a:r>
-              <a:rPr lang="ko-KR" altLang="en-US" sz="1400" dirty="0" err="1"/>
-              <a:t>Frequently</a:t>
-            </a:r>
-            <a:r>
-              <a:rPr lang="ko-KR" altLang="en-US" sz="1400" dirty="0"/>
+          </a:p>
+          <a:p>
+            <a:endParaRPr lang="ko-KR" altLang="en-US" sz="1200" dirty="0"/>
+          </a:p>
+          <a:p>
+            <a:r>
+              <a:rPr lang="ko-KR" altLang="en-US" sz="1200" dirty="0" err="1"/>
+              <a:t>Non</a:t>
+            </a:r>
+            <a:r>
+              <a:rPr lang="ko-KR" altLang="en-US" sz="1200" dirty="0"/>
+              <a:t>-Block 네트워크 프로그램 - 3 (</a:t>
+            </a:r>
+            <a:r>
+              <a:rPr lang="ko-KR" altLang="en-US" sz="1200" dirty="0" err="1"/>
+              <a:t>select를</a:t>
+            </a:r>
+            <a:r>
+              <a:rPr lang="ko-KR" altLang="en-US" sz="1200" dirty="0"/>
+              <a:t> 이용한 </a:t>
+            </a:r>
+            <a:r>
+              <a:rPr lang="ko-KR" altLang="en-US" sz="1200" dirty="0" err="1"/>
+              <a:t>echo</a:t>
+            </a:r>
+            <a:r>
+              <a:rPr lang="ko-KR" altLang="en-US" sz="1200" dirty="0"/>
               <a:t> </a:t>
             </a:r>
             <a:r>
-              <a:rPr lang="ko-KR" altLang="en-US" sz="1400" dirty="0" err="1"/>
-              <a:t>Asked</a:t>
-            </a:r>
-            <a:r>
-              <a:rPr lang="ko-KR" altLang="en-US" sz="1400" dirty="0"/>
+              <a:rPr lang="ko-KR" altLang="en-US" sz="1200" dirty="0" err="1"/>
+              <a:t>server</a:t>
+            </a:r>
+            <a:r>
+              <a:rPr lang="ko-KR" altLang="en-US" sz="1200" dirty="0"/>
+              <a:t>)</a:t>
+            </a:r>
+          </a:p>
+          <a:p>
+            <a:r>
+              <a:rPr lang="ko-KR" altLang="en-US" sz="1200" dirty="0">
+                <a:hlinkClick r:id="rId4"/>
+              </a:rPr>
+              <a:t>http://blog.naver.com/cestlavie_01/220909732913</a:t>
+            </a:r>
+            <a:r>
+              <a:rPr lang="ko-KR" altLang="en-US" sz="1200" dirty="0"/>
               <a:t> </a:t>
             </a:r>
-            <a:r>
-              <a:rPr lang="ko-KR" altLang="en-US" sz="1400" dirty="0" err="1"/>
-              <a:t>Questions</a:t>
-            </a:r>
-            <a:endParaRPr lang="ko-KR" altLang="en-US" sz="1400" dirty="0"/>
-          </a:p>
-          <a:p>
-            <a:r>
-              <a:rPr lang="ko-KR" altLang="en-US" sz="1400" dirty="0" err="1"/>
-              <a:t>Created</a:t>
-            </a:r>
-            <a:r>
-              <a:rPr lang="ko-KR" altLang="en-US" sz="1400" dirty="0"/>
-              <a:t> </a:t>
-            </a:r>
-            <a:r>
-              <a:rPr lang="ko-KR" altLang="en-US" sz="1400" dirty="0" err="1"/>
-              <a:t>by</a:t>
-            </a:r>
-            <a:r>
-              <a:rPr lang="ko-KR" altLang="en-US" sz="1400" dirty="0"/>
-              <a:t> </a:t>
-            </a:r>
-            <a:r>
-              <a:rPr lang="ko-KR" altLang="en-US" sz="1400" dirty="0" err="1"/>
-              <a:t>Vic</a:t>
-            </a:r>
-            <a:r>
-              <a:rPr lang="ko-KR" altLang="en-US" sz="1400" dirty="0"/>
-              <a:t> </a:t>
-            </a:r>
-            <a:r>
-              <a:rPr lang="ko-KR" altLang="en-US" sz="1400" dirty="0" err="1"/>
-              <a:t>Metcalfe</a:t>
-            </a:r>
-            <a:r>
-              <a:rPr lang="ko-KR" altLang="en-US" sz="1400" dirty="0"/>
-              <a:t>, </a:t>
-            </a:r>
-            <a:r>
-              <a:rPr lang="ko-KR" altLang="en-US" sz="1400" dirty="0" err="1"/>
-              <a:t>Andrew</a:t>
-            </a:r>
-            <a:r>
-              <a:rPr lang="ko-KR" altLang="en-US" sz="1400" dirty="0"/>
-              <a:t> </a:t>
-            </a:r>
-            <a:r>
-              <a:rPr lang="ko-KR" altLang="en-US" sz="1400" dirty="0" err="1"/>
-              <a:t>Gierth</a:t>
-            </a:r>
-            <a:r>
-              <a:rPr lang="ko-KR" altLang="en-US" sz="1400" dirty="0"/>
-              <a:t> and </a:t>
-            </a:r>
-            <a:r>
-              <a:rPr lang="ko-KR" altLang="en-US" sz="1400" dirty="0" err="1"/>
-              <a:t>other</a:t>
-            </a:r>
-            <a:r>
-              <a:rPr lang="ko-KR" altLang="en-US" sz="1400" dirty="0"/>
-              <a:t> </a:t>
-            </a:r>
-            <a:r>
-              <a:rPr lang="ko-KR" altLang="en-US" sz="1400" dirty="0" err="1"/>
-              <a:t>contributers</a:t>
-            </a:r>
-            <a:r>
-              <a:rPr lang="ko-KR" altLang="en-US" sz="1400" dirty="0"/>
-              <a:t> (</a:t>
-            </a:r>
-            <a:r>
-              <a:rPr lang="ko-KR" altLang="en-US" sz="1400" dirty="0" err="1"/>
-              <a:t>Transrated</a:t>
-            </a:r>
-            <a:r>
-              <a:rPr lang="ko-KR" altLang="en-US" sz="1400" dirty="0"/>
-              <a:t> </a:t>
-            </a:r>
-            <a:r>
-              <a:rPr lang="ko-KR" altLang="en-US" sz="1400" dirty="0" err="1"/>
-              <a:t>into</a:t>
-            </a:r>
-            <a:r>
-              <a:rPr lang="ko-KR" altLang="en-US" sz="1400" dirty="0"/>
-              <a:t> </a:t>
-            </a:r>
-            <a:r>
-              <a:rPr lang="ko-KR" altLang="en-US" sz="1400" dirty="0" err="1"/>
-              <a:t>Japanese</a:t>
-            </a:r>
-            <a:r>
-              <a:rPr lang="ko-KR" altLang="en-US" sz="1400" dirty="0"/>
-              <a:t> </a:t>
-            </a:r>
-            <a:r>
-              <a:rPr lang="ko-KR" altLang="en-US" sz="1400" dirty="0" err="1"/>
-              <a:t>by</a:t>
-            </a:r>
-            <a:r>
-              <a:rPr lang="ko-KR" altLang="en-US" sz="1400" dirty="0"/>
-              <a:t>: </a:t>
-            </a:r>
-            <a:r>
-              <a:rPr lang="ko-KR" altLang="en-US" sz="1400" dirty="0" err="1"/>
-              <a:t>Keisuke</a:t>
-            </a:r>
-            <a:r>
-              <a:rPr lang="ko-KR" altLang="en-US" sz="1400" dirty="0"/>
-              <a:t> </a:t>
-            </a:r>
-            <a:r>
-              <a:rPr lang="ko-KR" altLang="en-US" sz="1400" dirty="0" err="1"/>
-              <a:t>Mori</a:t>
-            </a:r>
-            <a:r>
-              <a:rPr lang="ko-KR" altLang="en-US" sz="1400" dirty="0"/>
-              <a:t>)</a:t>
-            </a:r>
-          </a:p>
-          <a:p>
-            <a:r>
-              <a:rPr lang="ko-KR" altLang="en-US" sz="1400" dirty="0" err="1"/>
-              <a:t>May</a:t>
-            </a:r>
-            <a:r>
-              <a:rPr lang="ko-KR" altLang="en-US" sz="1400" dirty="0"/>
-              <a:t> 21, 1998</a:t>
-            </a:r>
-          </a:p>
-        </p:txBody>
-      </p:sp>
-      <p:sp>
-        <p:nvSpPr>
-          <p:cNvPr id="2" name="TextBox 1"/>
-          <p:cNvSpPr txBox="1"/>
+          </a:p>
+        </p:txBody>
+      </p:sp>
+      <p:pic>
+        <p:nvPicPr>
+          <p:cNvPr id="5" name="그림 4"/>
+          <p:cNvPicPr>
+            <a:picLocks noChangeAspect="1"/>
+          </p:cNvPicPr>
           <p:nvPr/>
-        </p:nvSpPr>
+        </p:nvPicPr>
+        <p:blipFill>
+          <a:blip r:embed="rId5"/>
+          <a:stretch>
+            <a:fillRect/>
+          </a:stretch>
+        </p:blipFill>
         <p:spPr>
           <a:xfrm>
-            <a:off x="551329" y="322729"/>
-            <a:ext cx="5208203" cy="646331"/>
+            <a:off x="665142" y="1260638"/>
+            <a:ext cx="10229866" cy="2147579"/>
           </a:xfrm>
           <a:prstGeom prst="rect">
             <a:avLst/>
           </a:prstGeom>
-          <a:noFill/>
-        </p:spPr>
-        <p:txBody>
-          <a:bodyPr wrap="square" rtlCol="0">
+        </p:spPr>
+      </p:pic>
+      <p:sp>
+        <p:nvSpPr>
+          <p:cNvPr id="6" name="직사각형 5"/>
+          <p:cNvSpPr/>
+          <p:nvPr/>
+        </p:nvSpPr>
+        <p:spPr>
+          <a:xfrm>
+            <a:off x="8525449" y="3453574"/>
+            <a:ext cx="2369559" cy="246221"/>
+          </a:xfrm>
+          <a:prstGeom prst="rect">
+            <a:avLst/>
+          </a:prstGeom>
+        </p:spPr>
+        <p:txBody>
+          <a:bodyPr wrap="none">
             <a:spAutoFit/>
           </a:bodyPr>
           <a:lstStyle/>
           <a:p>
             <a:r>
-              <a:rPr lang="en-US" altLang="ko-KR" sz="3600" b="1" dirty="0"/>
-              <a:t>select</a:t>
-            </a:r>
-            <a:r>
-              <a:rPr lang="ko-KR" altLang="en-US" sz="3600" b="1" dirty="0"/>
-              <a:t>와 </a:t>
-            </a:r>
-            <a:r>
-              <a:rPr lang="en-US" altLang="ko-KR" sz="3600" b="1" dirty="0"/>
-              <a:t>poll</a:t>
-            </a:r>
-            <a:r>
-              <a:rPr lang="ko-KR" altLang="en-US" sz="3600" b="1" dirty="0"/>
-              <a:t>의 차이는</a:t>
-            </a:r>
-            <a:r>
-              <a:rPr lang="en-US" altLang="ko-KR" sz="3600" b="1" dirty="0"/>
-              <a:t>?</a:t>
-            </a:r>
-            <a:endParaRPr lang="ko-KR" altLang="en-US" sz="3600" b="1" dirty="0"/>
-          </a:p>
-        </p:txBody>
-      </p:sp>
-      <p:sp>
-        <p:nvSpPr>
-          <p:cNvPr id="3" name="직사각형 2"/>
-          <p:cNvSpPr/>
-          <p:nvPr/>
-        </p:nvSpPr>
-        <p:spPr>
-          <a:xfrm>
-            <a:off x="551329" y="2033054"/>
-            <a:ext cx="10425952" cy="4893647"/>
-          </a:xfrm>
-          <a:prstGeom prst="rect">
-            <a:avLst/>
-          </a:prstGeom>
-        </p:spPr>
-        <p:txBody>
-          <a:bodyPr wrap="square">
-            <a:spAutoFit/>
-          </a:bodyPr>
-          <a:lstStyle/>
-          <a:p>
-            <a:r>
-              <a:rPr lang="en-US" altLang="ko-KR" sz="2400" dirty="0"/>
-              <a:t>Richard Stevens(rstevens@noao.edu):</a:t>
-            </a:r>
-          </a:p>
-          <a:p>
-            <a:endParaRPr lang="en-US" altLang="ko-KR" sz="2400" dirty="0"/>
-          </a:p>
-          <a:p>
-            <a:r>
-              <a:rPr lang="ko-KR" altLang="en-US" sz="2400" dirty="0"/>
-              <a:t>기본적 차이는 </a:t>
-            </a:r>
-            <a:r>
-              <a:rPr lang="en-US" altLang="ko-KR" sz="2400" dirty="0"/>
-              <a:t>select()</a:t>
-            </a:r>
-            <a:r>
-              <a:rPr lang="ko-KR" altLang="en-US" sz="2400" dirty="0"/>
-              <a:t>의 </a:t>
-            </a:r>
-            <a:r>
-              <a:rPr lang="en-US" altLang="ko-KR" sz="2400" dirty="0" err="1"/>
-              <a:t>fd_set</a:t>
-            </a:r>
-            <a:r>
-              <a:rPr lang="ko-KR" altLang="en-US" sz="2400" dirty="0"/>
-              <a:t>은 비트 마스크로 되어 있어서 고정 크기라는 것이다</a:t>
-            </a:r>
-            <a:r>
-              <a:rPr lang="en-US" altLang="ko-KR" sz="2400" dirty="0"/>
-              <a:t>. </a:t>
-            </a:r>
-            <a:r>
-              <a:rPr lang="ko-KR" altLang="en-US" sz="2400" b="1" dirty="0"/>
-              <a:t>커널 컴파일 때 이 사이즈 제한을 제외하여 애플리케이션에 필요한 만큼 </a:t>
-            </a:r>
-            <a:r>
-              <a:rPr lang="en-US" altLang="ko-KR" sz="2400" b="1" dirty="0"/>
-              <a:t>FD_SETSIZE</a:t>
-            </a:r>
-            <a:r>
-              <a:rPr lang="ko-KR" altLang="en-US" sz="2400" b="1" dirty="0"/>
-              <a:t>로 정의할 수 있지만</a:t>
-            </a:r>
-            <a:r>
-              <a:rPr lang="en-US" altLang="ko-KR" sz="2400" b="1" dirty="0"/>
-              <a:t>, </a:t>
-            </a:r>
-            <a:r>
-              <a:rPr lang="ko-KR" altLang="en-US" sz="2400" b="1" dirty="0"/>
-              <a:t>많이 작업이 필요</a:t>
-            </a:r>
-            <a:r>
-              <a:rPr lang="ko-KR" altLang="en-US" sz="2400" dirty="0"/>
-              <a:t>하다</a:t>
-            </a:r>
-            <a:r>
-              <a:rPr lang="en-US" altLang="ko-KR" sz="2400" dirty="0"/>
-              <a:t>. </a:t>
-            </a:r>
-          </a:p>
-          <a:p>
-            <a:endParaRPr lang="en-US" altLang="ko-KR" sz="2400" dirty="0"/>
-          </a:p>
-          <a:p>
-            <a:r>
-              <a:rPr lang="en-US" altLang="ko-KR" sz="2400" dirty="0"/>
-              <a:t>4.4 BSD</a:t>
-            </a:r>
-            <a:r>
-              <a:rPr lang="ko-KR" altLang="en-US" sz="2400" dirty="0"/>
-              <a:t>의 커널과 </a:t>
-            </a:r>
-            <a:r>
-              <a:rPr lang="en-US" altLang="ko-KR" sz="2400" dirty="0"/>
-              <a:t>Solaris</a:t>
-            </a:r>
-            <a:r>
-              <a:rPr lang="ko-KR" altLang="en-US" sz="2400" dirty="0"/>
-              <a:t> 라이브러리 함수 양쪽에는 이 제한이 있다</a:t>
-            </a:r>
-            <a:r>
-              <a:rPr lang="en-US" altLang="ko-KR" sz="2400" dirty="0"/>
-              <a:t>. </a:t>
-            </a:r>
-            <a:r>
-              <a:rPr lang="ko-KR" altLang="en-US" sz="2400" dirty="0"/>
-              <a:t>그러나</a:t>
-            </a:r>
-            <a:r>
-              <a:rPr lang="en-US" altLang="ko-KR" sz="2400" dirty="0"/>
-              <a:t> BSD/OS 2.1</a:t>
-            </a:r>
-            <a:r>
-              <a:rPr lang="ko-KR" altLang="en-US" sz="2400" dirty="0"/>
-              <a:t>에는 이 제한을 피하도록 코딩 되어 있는 것을 찾았다</a:t>
-            </a:r>
-            <a:r>
-              <a:rPr lang="en-US" altLang="ko-KR" sz="2400" dirty="0"/>
-              <a:t>. </a:t>
-            </a:r>
-            <a:r>
-              <a:rPr lang="ko-KR" altLang="en-US" sz="2400" dirty="0"/>
-              <a:t>그래서 이것은 가능하다</a:t>
-            </a:r>
-            <a:r>
-              <a:rPr lang="en-US" altLang="ko-KR" sz="2400" dirty="0"/>
-              <a:t>. </a:t>
-            </a:r>
-          </a:p>
-          <a:p>
-            <a:endParaRPr lang="en-US" altLang="ko-KR" sz="2400" dirty="0"/>
-          </a:p>
-          <a:p>
-            <a:r>
-              <a:rPr lang="ko-KR" altLang="en-US" sz="2400" dirty="0"/>
-              <a:t>그러나 </a:t>
-            </a:r>
-            <a:r>
-              <a:rPr lang="en-US" altLang="ko-KR" sz="2400" dirty="0"/>
-              <a:t>poll()</a:t>
-            </a:r>
-            <a:r>
-              <a:rPr lang="ko-KR" altLang="en-US" sz="2400" dirty="0"/>
-              <a:t>에서는 유저는 </a:t>
-            </a:r>
-            <a:r>
-              <a:rPr lang="en-US" altLang="ko-KR" sz="2400" dirty="0" err="1"/>
-              <a:t>pollfd</a:t>
-            </a:r>
-            <a:r>
-              <a:rPr lang="en-US" altLang="ko-KR" sz="2400" dirty="0"/>
+              <a:rPr lang="ko-KR" altLang="en-US" sz="1000" dirty="0"/>
+              <a:t>출처</a:t>
+            </a:r>
+            <a:r>
+              <a:rPr lang="en-US" altLang="ko-KR" sz="1000" dirty="0"/>
+              <a:t>: </a:t>
+            </a:r>
+            <a:r>
+              <a:rPr lang="ko-KR" altLang="en-US" sz="1000" dirty="0">
+                <a:hlinkClick r:id="rId6"/>
+              </a:rPr>
+              <a:t>http://downman.tistory.com/79</a:t>
+            </a:r>
+            <a:r>
+              <a:rPr lang="ko-KR" altLang="en-US" sz="1000" dirty="0"/>
               <a:t> </a:t>
             </a:r>
-            <a:r>
-              <a:rPr lang="ko-KR" altLang="en-US" sz="2400" dirty="0"/>
-              <a:t>구조체 배열을 나누 맞추어야 한다</a:t>
-            </a:r>
-            <a:r>
-              <a:rPr lang="en-US" altLang="ko-KR" sz="2400" dirty="0"/>
-              <a:t>. </a:t>
-            </a:r>
-            <a:r>
-              <a:rPr lang="ko-KR" altLang="en-US" sz="2400" dirty="0"/>
-              <a:t>그리고 </a:t>
-            </a:r>
-            <a:r>
-              <a:rPr lang="ko-KR" altLang="en-US" sz="2400" b="1" dirty="0"/>
-              <a:t>이 배열의 엔트리 수를 주기 때문에 근본적으로는 상한은 없다</a:t>
-            </a:r>
-            <a:r>
-              <a:rPr lang="en-US" altLang="ko-KR" sz="2400" dirty="0"/>
-              <a:t>. </a:t>
-            </a:r>
-          </a:p>
-          <a:p>
-            <a:endParaRPr lang="en-US" altLang="ko-KR" sz="2400" dirty="0"/>
-          </a:p>
-        </p:txBody>
-      </p:sp>
-      <p:sp>
-        <p:nvSpPr>
-          <p:cNvPr id="4" name="TextBox 3"/>
-          <p:cNvSpPr txBox="1"/>
-          <p:nvPr/>
-        </p:nvSpPr>
-        <p:spPr>
-          <a:xfrm>
-            <a:off x="1805049" y="1582390"/>
-            <a:ext cx="3705102" cy="369332"/>
-          </a:xfrm>
-          <a:prstGeom prst="rect">
-            <a:avLst/>
-          </a:prstGeom>
-          <a:noFill/>
-        </p:spPr>
-        <p:txBody>
-          <a:bodyPr wrap="square" rtlCol="0">
-            <a:spAutoFit/>
-          </a:bodyPr>
-          <a:lstStyle/>
-          <a:p>
-            <a:r>
-              <a:rPr lang="ko-KR" altLang="en-US" b="1" dirty="0">
-                <a:solidFill>
-                  <a:srgbClr val="FF0000"/>
-                </a:solidFill>
-              </a:rPr>
-              <a:t>주의</a:t>
-            </a:r>
-            <a:r>
-              <a:rPr lang="en-US" altLang="ko-KR" b="1" dirty="0">
-                <a:solidFill>
-                  <a:srgbClr val="FF0000"/>
-                </a:solidFill>
-              </a:rPr>
-              <a:t>: </a:t>
-            </a:r>
-            <a:r>
-              <a:rPr lang="ko-KR" altLang="en-US" b="1" dirty="0">
-                <a:solidFill>
-                  <a:srgbClr val="FF0000"/>
-                </a:solidFill>
-              </a:rPr>
-              <a:t>오래된 이야기 입니다</a:t>
-            </a:r>
-            <a:r>
-              <a:rPr lang="en-US" altLang="ko-KR" b="1" dirty="0">
-                <a:solidFill>
-                  <a:srgbClr val="FF0000"/>
-                </a:solidFill>
-              </a:rPr>
-              <a:t>.</a:t>
-            </a:r>
-            <a:endParaRPr lang="ko-KR" altLang="en-US" b="1" dirty="0">
-              <a:solidFill>
-                <a:srgbClr val="FF0000"/>
-              </a:solidFill>
-            </a:endParaRPr>
           </a:p>
         </p:txBody>
       </p:sp>
     </p:spTree>
     <p:extLst>
       <p:ext uri="{BB962C8B-B14F-4D97-AF65-F5344CB8AC3E}">
-        <p14:creationId xmlns:p14="http://schemas.microsoft.com/office/powerpoint/2010/main" val="1870480454"/>
+        <p14:creationId xmlns:p14="http://schemas.microsoft.com/office/powerpoint/2010/main" val="572213710"/>
       </p:ext>
     </p:extLst>
   </p:cSld>
@@ -4800,6 +4497,519 @@
       </p:grpSpPr>
       <p:sp>
         <p:nvSpPr>
+          <p:cNvPr id="5" name="직사각형 4"/>
+          <p:cNvSpPr/>
+          <p:nvPr/>
+        </p:nvSpPr>
+        <p:spPr>
+          <a:xfrm>
+            <a:off x="551329" y="1131725"/>
+            <a:ext cx="8882743" cy="738664"/>
+          </a:xfrm>
+          <a:prstGeom prst="rect">
+            <a:avLst/>
+          </a:prstGeom>
+        </p:spPr>
+        <p:txBody>
+          <a:bodyPr wrap="square">
+            <a:spAutoFit/>
+          </a:bodyPr>
+          <a:lstStyle/>
+          <a:p>
+            <a:r>
+              <a:rPr lang="ko-KR" altLang="en-US" sz="1400" dirty="0" err="1"/>
+              <a:t>Programming</a:t>
+            </a:r>
+            <a:r>
+              <a:rPr lang="ko-KR" altLang="en-US" sz="1400" dirty="0"/>
+              <a:t> UNIX </a:t>
+            </a:r>
+            <a:r>
+              <a:rPr lang="ko-KR" altLang="en-US" sz="1400" dirty="0" err="1"/>
+              <a:t>Sockets</a:t>
+            </a:r>
+            <a:r>
+              <a:rPr lang="ko-KR" altLang="en-US" sz="1400" dirty="0"/>
+              <a:t> </a:t>
+            </a:r>
+            <a:r>
+              <a:rPr lang="ko-KR" altLang="en-US" sz="1400" dirty="0" err="1"/>
+              <a:t>in</a:t>
+            </a:r>
+            <a:r>
+              <a:rPr lang="ko-KR" altLang="en-US" sz="1400" dirty="0"/>
+              <a:t> C - </a:t>
+            </a:r>
+            <a:r>
+              <a:rPr lang="ko-KR" altLang="en-US" sz="1400" dirty="0" err="1"/>
+              <a:t>Frequently</a:t>
+            </a:r>
+            <a:r>
+              <a:rPr lang="ko-KR" altLang="en-US" sz="1400" dirty="0"/>
+              <a:t> </a:t>
+            </a:r>
+            <a:r>
+              <a:rPr lang="ko-KR" altLang="en-US" sz="1400" dirty="0" err="1"/>
+              <a:t>Asked</a:t>
+            </a:r>
+            <a:r>
+              <a:rPr lang="ko-KR" altLang="en-US" sz="1400" dirty="0"/>
+              <a:t> </a:t>
+            </a:r>
+            <a:r>
+              <a:rPr lang="ko-KR" altLang="en-US" sz="1400" dirty="0" err="1"/>
+              <a:t>Questions</a:t>
+            </a:r>
+            <a:endParaRPr lang="ko-KR" altLang="en-US" sz="1400" dirty="0"/>
+          </a:p>
+          <a:p>
+            <a:r>
+              <a:rPr lang="ko-KR" altLang="en-US" sz="1400" dirty="0" err="1"/>
+              <a:t>Created</a:t>
+            </a:r>
+            <a:r>
+              <a:rPr lang="ko-KR" altLang="en-US" sz="1400" dirty="0"/>
+              <a:t> </a:t>
+            </a:r>
+            <a:r>
+              <a:rPr lang="ko-KR" altLang="en-US" sz="1400" dirty="0" err="1"/>
+              <a:t>by</a:t>
+            </a:r>
+            <a:r>
+              <a:rPr lang="ko-KR" altLang="en-US" sz="1400" dirty="0"/>
+              <a:t> </a:t>
+            </a:r>
+            <a:r>
+              <a:rPr lang="ko-KR" altLang="en-US" sz="1400" dirty="0" err="1"/>
+              <a:t>Vic</a:t>
+            </a:r>
+            <a:r>
+              <a:rPr lang="ko-KR" altLang="en-US" sz="1400" dirty="0"/>
+              <a:t> </a:t>
+            </a:r>
+            <a:r>
+              <a:rPr lang="ko-KR" altLang="en-US" sz="1400" dirty="0" err="1"/>
+              <a:t>Metcalfe</a:t>
+            </a:r>
+            <a:r>
+              <a:rPr lang="ko-KR" altLang="en-US" sz="1400" dirty="0"/>
+              <a:t>, </a:t>
+            </a:r>
+            <a:r>
+              <a:rPr lang="ko-KR" altLang="en-US" sz="1400" dirty="0" err="1"/>
+              <a:t>Andrew</a:t>
+            </a:r>
+            <a:r>
+              <a:rPr lang="ko-KR" altLang="en-US" sz="1400" dirty="0"/>
+              <a:t> </a:t>
+            </a:r>
+            <a:r>
+              <a:rPr lang="ko-KR" altLang="en-US" sz="1400" dirty="0" err="1"/>
+              <a:t>Gierth</a:t>
+            </a:r>
+            <a:r>
+              <a:rPr lang="ko-KR" altLang="en-US" sz="1400" dirty="0"/>
+              <a:t> and </a:t>
+            </a:r>
+            <a:r>
+              <a:rPr lang="ko-KR" altLang="en-US" sz="1400" dirty="0" err="1"/>
+              <a:t>other</a:t>
+            </a:r>
+            <a:r>
+              <a:rPr lang="ko-KR" altLang="en-US" sz="1400" dirty="0"/>
+              <a:t> </a:t>
+            </a:r>
+            <a:r>
+              <a:rPr lang="ko-KR" altLang="en-US" sz="1400" dirty="0" err="1"/>
+              <a:t>contributers</a:t>
+            </a:r>
+            <a:r>
+              <a:rPr lang="ko-KR" altLang="en-US" sz="1400" dirty="0"/>
+              <a:t> (</a:t>
+            </a:r>
+            <a:r>
+              <a:rPr lang="ko-KR" altLang="en-US" sz="1400" dirty="0" err="1"/>
+              <a:t>Transrated</a:t>
+            </a:r>
+            <a:r>
+              <a:rPr lang="ko-KR" altLang="en-US" sz="1400" dirty="0"/>
+              <a:t> </a:t>
+            </a:r>
+            <a:r>
+              <a:rPr lang="ko-KR" altLang="en-US" sz="1400" dirty="0" err="1"/>
+              <a:t>into</a:t>
+            </a:r>
+            <a:r>
+              <a:rPr lang="ko-KR" altLang="en-US" sz="1400" dirty="0"/>
+              <a:t> </a:t>
+            </a:r>
+            <a:r>
+              <a:rPr lang="ko-KR" altLang="en-US" sz="1400" dirty="0" err="1"/>
+              <a:t>Japanese</a:t>
+            </a:r>
+            <a:r>
+              <a:rPr lang="ko-KR" altLang="en-US" sz="1400" dirty="0"/>
+              <a:t> </a:t>
+            </a:r>
+            <a:r>
+              <a:rPr lang="ko-KR" altLang="en-US" sz="1400" dirty="0" err="1"/>
+              <a:t>by</a:t>
+            </a:r>
+            <a:r>
+              <a:rPr lang="ko-KR" altLang="en-US" sz="1400" dirty="0"/>
+              <a:t>: </a:t>
+            </a:r>
+            <a:r>
+              <a:rPr lang="ko-KR" altLang="en-US" sz="1400" dirty="0" err="1"/>
+              <a:t>Keisuke</a:t>
+            </a:r>
+            <a:r>
+              <a:rPr lang="ko-KR" altLang="en-US" sz="1400" dirty="0"/>
+              <a:t> </a:t>
+            </a:r>
+            <a:r>
+              <a:rPr lang="ko-KR" altLang="en-US" sz="1400" dirty="0" err="1"/>
+              <a:t>Mori</a:t>
+            </a:r>
+            <a:r>
+              <a:rPr lang="ko-KR" altLang="en-US" sz="1400" dirty="0"/>
+              <a:t>)</a:t>
+            </a:r>
+          </a:p>
+          <a:p>
+            <a:r>
+              <a:rPr lang="ko-KR" altLang="en-US" sz="1400" dirty="0" err="1"/>
+              <a:t>May</a:t>
+            </a:r>
+            <a:r>
+              <a:rPr lang="ko-KR" altLang="en-US" sz="1400" dirty="0"/>
+              <a:t> 21, 1998</a:t>
+            </a:r>
+          </a:p>
+        </p:txBody>
+      </p:sp>
+      <p:sp>
+        <p:nvSpPr>
+          <p:cNvPr id="2" name="TextBox 1"/>
+          <p:cNvSpPr txBox="1"/>
+          <p:nvPr/>
+        </p:nvSpPr>
+        <p:spPr>
+          <a:xfrm>
+            <a:off x="551329" y="322729"/>
+            <a:ext cx="5208203" cy="646331"/>
+          </a:xfrm>
+          <a:prstGeom prst="rect">
+            <a:avLst/>
+          </a:prstGeom>
+          <a:noFill/>
+        </p:spPr>
+        <p:txBody>
+          <a:bodyPr wrap="square" rtlCol="0">
+            <a:spAutoFit/>
+          </a:bodyPr>
+          <a:lstStyle/>
+          <a:p>
+            <a:r>
+              <a:rPr lang="en-US" altLang="ko-KR" sz="3600" b="1" dirty="0"/>
+              <a:t>select</a:t>
+            </a:r>
+            <a:r>
+              <a:rPr lang="ko-KR" altLang="en-US" sz="3600" b="1" dirty="0"/>
+              <a:t>와 </a:t>
+            </a:r>
+            <a:r>
+              <a:rPr lang="en-US" altLang="ko-KR" sz="3600" b="1" dirty="0"/>
+              <a:t>poll</a:t>
+            </a:r>
+            <a:r>
+              <a:rPr lang="ko-KR" altLang="en-US" sz="3600" b="1" dirty="0"/>
+              <a:t>의 차이는</a:t>
+            </a:r>
+            <a:r>
+              <a:rPr lang="en-US" altLang="ko-KR" sz="3600" b="1" dirty="0"/>
+              <a:t>?</a:t>
+            </a:r>
+            <a:endParaRPr lang="ko-KR" altLang="en-US" sz="3600" b="1" dirty="0"/>
+          </a:p>
+        </p:txBody>
+      </p:sp>
+      <p:sp>
+        <p:nvSpPr>
+          <p:cNvPr id="3" name="직사각형 2"/>
+          <p:cNvSpPr/>
+          <p:nvPr/>
+        </p:nvSpPr>
+        <p:spPr>
+          <a:xfrm>
+            <a:off x="551329" y="2033054"/>
+            <a:ext cx="10425952" cy="4893647"/>
+          </a:xfrm>
+          <a:prstGeom prst="rect">
+            <a:avLst/>
+          </a:prstGeom>
+        </p:spPr>
+        <p:txBody>
+          <a:bodyPr wrap="square">
+            <a:spAutoFit/>
+          </a:bodyPr>
+          <a:lstStyle/>
+          <a:p>
+            <a:r>
+              <a:rPr lang="en-US" altLang="ko-KR" sz="2400" dirty="0"/>
+              <a:t>Richard Stevens(rstevens@noao.edu):</a:t>
+            </a:r>
+          </a:p>
+          <a:p>
+            <a:endParaRPr lang="en-US" altLang="ko-KR" sz="2400" dirty="0"/>
+          </a:p>
+          <a:p>
+            <a:r>
+              <a:rPr lang="ko-KR" altLang="en-US" sz="2400" dirty="0"/>
+              <a:t>기본적 차이는 </a:t>
+            </a:r>
+            <a:r>
+              <a:rPr lang="en-US" altLang="ko-KR" sz="2400" dirty="0"/>
+              <a:t>select()</a:t>
+            </a:r>
+            <a:r>
+              <a:rPr lang="ko-KR" altLang="en-US" sz="2400" dirty="0"/>
+              <a:t>의 </a:t>
+            </a:r>
+            <a:r>
+              <a:rPr lang="en-US" altLang="ko-KR" sz="2400" dirty="0" err="1"/>
+              <a:t>fd_set</a:t>
+            </a:r>
+            <a:r>
+              <a:rPr lang="ko-KR" altLang="en-US" sz="2400" dirty="0"/>
+              <a:t>은 비트 마스크로 되어 있어서 고정 크기라는 것이다</a:t>
+            </a:r>
+            <a:r>
+              <a:rPr lang="en-US" altLang="ko-KR" sz="2400" dirty="0"/>
+              <a:t>. </a:t>
+            </a:r>
+            <a:r>
+              <a:rPr lang="ko-KR" altLang="en-US" sz="2400" b="1" dirty="0"/>
+              <a:t>커널 컴파일 때 이 사이즈 제한을 제외하여 애플리케이션에 필요한 만큼 </a:t>
+            </a:r>
+            <a:r>
+              <a:rPr lang="en-US" altLang="ko-KR" sz="2400" b="1" dirty="0"/>
+              <a:t>FD_SETSIZE</a:t>
+            </a:r>
+            <a:r>
+              <a:rPr lang="ko-KR" altLang="en-US" sz="2400" b="1" dirty="0"/>
+              <a:t>로 정의할 수 있지만</a:t>
+            </a:r>
+            <a:r>
+              <a:rPr lang="en-US" altLang="ko-KR" sz="2400" b="1" dirty="0"/>
+              <a:t>, </a:t>
+            </a:r>
+            <a:r>
+              <a:rPr lang="ko-KR" altLang="en-US" sz="2400" b="1" dirty="0"/>
+              <a:t>많이 작업이 필요</a:t>
+            </a:r>
+            <a:r>
+              <a:rPr lang="ko-KR" altLang="en-US" sz="2400" dirty="0"/>
+              <a:t>하다</a:t>
+            </a:r>
+            <a:r>
+              <a:rPr lang="en-US" altLang="ko-KR" sz="2400" dirty="0"/>
+              <a:t>. </a:t>
+            </a:r>
+          </a:p>
+          <a:p>
+            <a:endParaRPr lang="en-US" altLang="ko-KR" sz="2400" dirty="0"/>
+          </a:p>
+          <a:p>
+            <a:r>
+              <a:rPr lang="en-US" altLang="ko-KR" sz="2400" dirty="0"/>
+              <a:t>4.4 BSD</a:t>
+            </a:r>
+            <a:r>
+              <a:rPr lang="ko-KR" altLang="en-US" sz="2400" dirty="0"/>
+              <a:t>의 커널과 </a:t>
+            </a:r>
+            <a:r>
+              <a:rPr lang="en-US" altLang="ko-KR" sz="2400" dirty="0"/>
+              <a:t>Solaris</a:t>
+            </a:r>
+            <a:r>
+              <a:rPr lang="ko-KR" altLang="en-US" sz="2400" dirty="0"/>
+              <a:t> 라이브러리 함수 양쪽에는 이 제한이 있다</a:t>
+            </a:r>
+            <a:r>
+              <a:rPr lang="en-US" altLang="ko-KR" sz="2400" dirty="0"/>
+              <a:t>. </a:t>
+            </a:r>
+            <a:r>
+              <a:rPr lang="ko-KR" altLang="en-US" sz="2400" dirty="0"/>
+              <a:t>그러나</a:t>
+            </a:r>
+            <a:r>
+              <a:rPr lang="en-US" altLang="ko-KR" sz="2400" dirty="0"/>
+              <a:t> BSD/OS 2.1</a:t>
+            </a:r>
+            <a:r>
+              <a:rPr lang="ko-KR" altLang="en-US" sz="2400" dirty="0"/>
+              <a:t>에는 이 제한을 피하도록 코딩 되어 있는 것을 찾았다</a:t>
+            </a:r>
+            <a:r>
+              <a:rPr lang="en-US" altLang="ko-KR" sz="2400" dirty="0"/>
+              <a:t>. </a:t>
+            </a:r>
+            <a:r>
+              <a:rPr lang="ko-KR" altLang="en-US" sz="2400" dirty="0"/>
+              <a:t>그래서 이것은 가능하다</a:t>
+            </a:r>
+            <a:r>
+              <a:rPr lang="en-US" altLang="ko-KR" sz="2400" dirty="0"/>
+              <a:t>. </a:t>
+            </a:r>
+          </a:p>
+          <a:p>
+            <a:endParaRPr lang="en-US" altLang="ko-KR" sz="2400" dirty="0"/>
+          </a:p>
+          <a:p>
+            <a:r>
+              <a:rPr lang="ko-KR" altLang="en-US" sz="2400" dirty="0"/>
+              <a:t>그러나 </a:t>
+            </a:r>
+            <a:r>
+              <a:rPr lang="en-US" altLang="ko-KR" sz="2400" dirty="0"/>
+              <a:t>poll()</a:t>
+            </a:r>
+            <a:r>
+              <a:rPr lang="ko-KR" altLang="en-US" sz="2400" dirty="0"/>
+              <a:t>에서는 유저는 </a:t>
+            </a:r>
+            <a:r>
+              <a:rPr lang="en-US" altLang="ko-KR" sz="2400" dirty="0" err="1"/>
+              <a:t>pollfd</a:t>
+            </a:r>
+            <a:r>
+              <a:rPr lang="en-US" altLang="ko-KR" sz="2400" dirty="0"/>
+              <a:t> </a:t>
+            </a:r>
+            <a:r>
+              <a:rPr lang="ko-KR" altLang="en-US" sz="2400" dirty="0"/>
+              <a:t>구조체 배열을 나누 맞추어야 한다</a:t>
+            </a:r>
+            <a:r>
+              <a:rPr lang="en-US" altLang="ko-KR" sz="2400" dirty="0"/>
+              <a:t>. </a:t>
+            </a:r>
+            <a:r>
+              <a:rPr lang="ko-KR" altLang="en-US" sz="2400" dirty="0"/>
+              <a:t>그리고 </a:t>
+            </a:r>
+            <a:r>
+              <a:rPr lang="ko-KR" altLang="en-US" sz="2400" b="1" dirty="0"/>
+              <a:t>이 배열의 엔트리 수를 주기 때문에 근본적으로는 상한은 없다</a:t>
+            </a:r>
+            <a:r>
+              <a:rPr lang="en-US" altLang="ko-KR" sz="2400" dirty="0"/>
+              <a:t>. </a:t>
+            </a:r>
+          </a:p>
+          <a:p>
+            <a:endParaRPr lang="en-US" altLang="ko-KR" sz="2400" dirty="0"/>
+          </a:p>
+        </p:txBody>
+      </p:sp>
+      <p:sp>
+        <p:nvSpPr>
+          <p:cNvPr id="4" name="TextBox 3"/>
+          <p:cNvSpPr txBox="1"/>
+          <p:nvPr/>
+        </p:nvSpPr>
+        <p:spPr>
+          <a:xfrm>
+            <a:off x="1805049" y="1582390"/>
+            <a:ext cx="3705102" cy="369332"/>
+          </a:xfrm>
+          <a:prstGeom prst="rect">
+            <a:avLst/>
+          </a:prstGeom>
+          <a:noFill/>
+        </p:spPr>
+        <p:txBody>
+          <a:bodyPr wrap="square" rtlCol="0">
+            <a:spAutoFit/>
+          </a:bodyPr>
+          <a:lstStyle/>
+          <a:p>
+            <a:r>
+              <a:rPr lang="ko-KR" altLang="en-US" b="1" dirty="0">
+                <a:solidFill>
+                  <a:srgbClr val="FF0000"/>
+                </a:solidFill>
+              </a:rPr>
+              <a:t>주의</a:t>
+            </a:r>
+            <a:r>
+              <a:rPr lang="en-US" altLang="ko-KR" b="1" dirty="0">
+                <a:solidFill>
+                  <a:srgbClr val="FF0000"/>
+                </a:solidFill>
+              </a:rPr>
+              <a:t>: </a:t>
+            </a:r>
+            <a:r>
+              <a:rPr lang="ko-KR" altLang="en-US" b="1" dirty="0">
+                <a:solidFill>
+                  <a:srgbClr val="FF0000"/>
+                </a:solidFill>
+              </a:rPr>
+              <a:t>오래된 이야기 입니다</a:t>
+            </a:r>
+            <a:r>
+              <a:rPr lang="en-US" altLang="ko-KR" b="1" dirty="0">
+                <a:solidFill>
+                  <a:srgbClr val="FF0000"/>
+                </a:solidFill>
+              </a:rPr>
+              <a:t>.</a:t>
+            </a:r>
+            <a:endParaRPr lang="ko-KR" altLang="en-US" b="1" dirty="0">
+              <a:solidFill>
+                <a:srgbClr val="FF0000"/>
+              </a:solidFill>
+            </a:endParaRPr>
+          </a:p>
+        </p:txBody>
+      </p:sp>
+    </p:spTree>
+    <p:extLst>
+      <p:ext uri="{BB962C8B-B14F-4D97-AF65-F5344CB8AC3E}">
+        <p14:creationId xmlns:p14="http://schemas.microsoft.com/office/powerpoint/2010/main" val="1870480454"/>
+      </p:ext>
+    </p:extLst>
+  </p:cSld>
+  <p:clrMapOvr>
+    <a:masterClrMapping/>
+  </p:clrMapOvr>
+</p:sld>
+</file>
+
+<file path=ppt/slides/slide13.xml><?xml version="1.0" encoding="utf-8"?>
+<p:sld xmlns:a="http://schemas.openxmlformats.org/drawingml/2006/main" xmlns:r="http://schemas.openxmlformats.org/officeDocument/2006/relationships" xmlns:p="http://schemas.openxmlformats.org/presentationml/2006/main">
+  <p:cSld>
+    <p:spTree>
+      <p:nvGrpSpPr>
+        <p:cNvPr id="1" name=""/>
+        <p:cNvGrpSpPr/>
+        <p:nvPr/>
+      </p:nvGrpSpPr>
+      <p:grpSpPr>
+        <a:xfrm>
+          <a:off x="0" y="0"/>
+          <a:ext cx="0" cy="0"/>
+          <a:chOff x="0" y="0"/>
+          <a:chExt cx="0" cy="0"/>
+        </a:xfrm>
+      </p:grpSpPr>
+      <p:sp>
+        <p:nvSpPr>
           <p:cNvPr id="3" name="직사각형 2"/>
           <p:cNvSpPr/>
           <p:nvPr/>
@@ -5150,7 +5360,7 @@
 </p:sld>
 </file>
 
-<file path=ppt/slides/slide13.xml><?xml version="1.0" encoding="utf-8"?>
+<file path=ppt/slides/slide14.xml><?xml version="1.0" encoding="utf-8"?>
 <p:sld xmlns:a="http://schemas.openxmlformats.org/drawingml/2006/main" xmlns:r="http://schemas.openxmlformats.org/officeDocument/2006/relationships" xmlns:p="http://schemas.openxmlformats.org/presentationml/2006/main">
   <p:cSld>
     <p:spTree>
@@ -5292,472 +5502,6 @@
 </p:sld>
 </file>
 
-<file path=ppt/slides/slide14.xml><?xml version="1.0" encoding="utf-8"?>
-<p:sld xmlns:a="http://schemas.openxmlformats.org/drawingml/2006/main" xmlns:r="http://schemas.openxmlformats.org/officeDocument/2006/relationships" xmlns:p="http://schemas.openxmlformats.org/presentationml/2006/main">
-  <p:cSld>
-    <p:spTree>
-      <p:nvGrpSpPr>
-        <p:cNvPr id="1" name=""/>
-        <p:cNvGrpSpPr/>
-        <p:nvPr/>
-      </p:nvGrpSpPr>
-      <p:grpSpPr>
-        <a:xfrm>
-          <a:off x="0" y="0"/>
-          <a:ext cx="0" cy="0"/>
-          <a:chOff x="0" y="0"/>
-          <a:chExt cx="0" cy="0"/>
-        </a:xfrm>
-      </p:grpSpPr>
-      <p:sp>
-        <p:nvSpPr>
-          <p:cNvPr id="2" name="TextBox 1"/>
-          <p:cNvSpPr txBox="1"/>
-          <p:nvPr/>
-        </p:nvSpPr>
-        <p:spPr>
-          <a:xfrm>
-            <a:off x="551328" y="322729"/>
-            <a:ext cx="11282083" cy="646331"/>
-          </a:xfrm>
-          <a:prstGeom prst="rect">
-            <a:avLst/>
-          </a:prstGeom>
-          <a:noFill/>
-        </p:spPr>
-        <p:txBody>
-          <a:bodyPr wrap="square" rtlCol="0">
-            <a:spAutoFit/>
-          </a:bodyPr>
-          <a:lstStyle/>
-          <a:p>
-            <a:r>
-              <a:rPr lang="en-US" altLang="ko-KR" sz="3600" dirty="0"/>
-              <a:t>select </a:t>
-            </a:r>
-            <a:r>
-              <a:rPr lang="ko-KR" altLang="en-US" sz="3600" dirty="0"/>
-              <a:t>와 </a:t>
-            </a:r>
-            <a:r>
-              <a:rPr lang="en-US" altLang="ko-KR" sz="3600" dirty="0"/>
-              <a:t>poll </a:t>
-            </a:r>
-            <a:r>
-              <a:rPr lang="ko-KR" altLang="en-US" sz="3600" dirty="0"/>
-              <a:t>비교</a:t>
-            </a:r>
-            <a:endParaRPr lang="ko-KR" altLang="en-US" sz="3600" b="1" dirty="0"/>
-          </a:p>
-        </p:txBody>
-      </p:sp>
-      <p:sp>
-        <p:nvSpPr>
-          <p:cNvPr id="3" name="직사각형 2"/>
-          <p:cNvSpPr/>
-          <p:nvPr/>
-        </p:nvSpPr>
-        <p:spPr>
-          <a:xfrm>
-            <a:off x="645458" y="1186988"/>
-            <a:ext cx="11187953" cy="3693319"/>
-          </a:xfrm>
-          <a:prstGeom prst="rect">
-            <a:avLst/>
-          </a:prstGeom>
-        </p:spPr>
-        <p:txBody>
-          <a:bodyPr wrap="square">
-            <a:spAutoFit/>
-          </a:bodyPr>
-          <a:lstStyle/>
-          <a:p>
-            <a:r>
-              <a:rPr lang="en-US" altLang="ko-KR" dirty="0"/>
-              <a:t>poll </a:t>
-            </a:r>
-            <a:r>
-              <a:rPr lang="ko-KR" altLang="en-US" dirty="0"/>
-              <a:t>은 가장 높은 </a:t>
-            </a:r>
-            <a:r>
-              <a:rPr lang="en-US" altLang="ko-KR" dirty="0" err="1"/>
-              <a:t>fd</a:t>
-            </a:r>
-            <a:r>
-              <a:rPr lang="ko-KR" altLang="en-US" dirty="0"/>
-              <a:t>에 </a:t>
-            </a:r>
-            <a:r>
-              <a:rPr lang="en-US" altLang="ko-KR" dirty="0"/>
-              <a:t>+1</a:t>
-            </a:r>
-            <a:r>
-              <a:rPr lang="ko-KR" altLang="en-US" dirty="0"/>
-              <a:t>을 할 필요가 없다</a:t>
-            </a:r>
-            <a:r>
-              <a:rPr lang="en-US" altLang="ko-KR" dirty="0"/>
-              <a:t>.</a:t>
-            </a:r>
-            <a:br>
-              <a:rPr lang="en-US" altLang="ko-KR" dirty="0"/>
-            </a:br>
-            <a:endParaRPr lang="en-US" altLang="ko-KR" dirty="0"/>
-          </a:p>
-          <a:p>
-            <a:r>
-              <a:rPr lang="en-US" altLang="ko-KR" dirty="0"/>
-              <a:t>poll</a:t>
-            </a:r>
-            <a:r>
-              <a:rPr lang="ko-KR" altLang="en-US" dirty="0"/>
-              <a:t>은 </a:t>
-            </a:r>
-            <a:r>
-              <a:rPr lang="en-US" altLang="ko-KR" dirty="0" err="1"/>
-              <a:t>fd</a:t>
-            </a:r>
-            <a:r>
-              <a:rPr lang="ko-KR" altLang="en-US" dirty="0"/>
-              <a:t>가 클 경우 좋다</a:t>
-            </a:r>
-            <a:r>
-              <a:rPr lang="en-US" altLang="ko-KR" dirty="0"/>
-              <a:t>. select</a:t>
-            </a:r>
-            <a:r>
-              <a:rPr lang="ko-KR" altLang="en-US" dirty="0"/>
-              <a:t>는 모든 </a:t>
-            </a:r>
-            <a:r>
-              <a:rPr lang="en-US" altLang="ko-KR" dirty="0" err="1"/>
-              <a:t>fd</a:t>
-            </a:r>
-            <a:r>
-              <a:rPr lang="ko-KR" altLang="en-US" dirty="0"/>
-              <a:t>의 비트를 검사한다</a:t>
-            </a:r>
-            <a:r>
-              <a:rPr lang="en-US" altLang="ko-KR" dirty="0"/>
-              <a:t>. (select</a:t>
-            </a:r>
-            <a:r>
-              <a:rPr lang="ko-KR" altLang="en-US" dirty="0"/>
-              <a:t>는 </a:t>
-            </a:r>
-            <a:r>
-              <a:rPr lang="en-US" altLang="ko-KR" dirty="0"/>
-              <a:t>for loop</a:t>
-            </a:r>
-            <a:r>
-              <a:rPr lang="ko-KR" altLang="en-US" dirty="0"/>
-              <a:t>에서 </a:t>
-            </a:r>
-            <a:r>
-              <a:rPr lang="en-US" altLang="ko-KR" dirty="0"/>
-              <a:t>set </a:t>
-            </a:r>
-            <a:r>
-              <a:rPr lang="ko-KR" altLang="en-US" dirty="0"/>
-              <a:t>된 정보를 찾음</a:t>
-            </a:r>
-            <a:r>
-              <a:rPr lang="en-US" altLang="ko-KR" dirty="0"/>
-              <a:t>)</a:t>
-            </a:r>
-          </a:p>
-          <a:p>
-            <a:r>
-              <a:rPr lang="en-US" altLang="ko-KR" dirty="0"/>
-              <a:t>-&gt; </a:t>
-            </a:r>
-            <a:r>
-              <a:rPr lang="ko-KR" altLang="en-US" dirty="0"/>
-              <a:t>그렇다고 </a:t>
-            </a:r>
-            <a:r>
-              <a:rPr lang="en-US" altLang="ko-KR" dirty="0"/>
-              <a:t>select</a:t>
-            </a:r>
-            <a:r>
-              <a:rPr lang="ko-KR" altLang="en-US" dirty="0"/>
-              <a:t>가 안좋다고 말할 수 없다</a:t>
-            </a:r>
-            <a:r>
-              <a:rPr lang="en-US" altLang="ko-KR" dirty="0"/>
-              <a:t>. </a:t>
-            </a:r>
-            <a:r>
-              <a:rPr lang="ko-KR" altLang="en-US" dirty="0"/>
-              <a:t>이벤트가 자주 발생하고 연속적인 시스템에서는 </a:t>
-            </a:r>
-            <a:r>
-              <a:rPr lang="en-US" altLang="ko-KR" dirty="0"/>
-              <a:t>select</a:t>
-            </a:r>
-            <a:r>
-              <a:rPr lang="ko-KR" altLang="en-US" dirty="0"/>
-              <a:t>를 사용 </a:t>
-            </a:r>
-            <a:r>
-              <a:rPr lang="en-US" altLang="ko-KR" dirty="0"/>
-              <a:t>(apache http)</a:t>
-            </a:r>
-          </a:p>
-          <a:p>
-            <a:endParaRPr lang="en-US" altLang="ko-KR" dirty="0"/>
-          </a:p>
-          <a:p>
-            <a:r>
-              <a:rPr lang="en-US" altLang="ko-KR" dirty="0"/>
-              <a:t>poll</a:t>
-            </a:r>
-            <a:r>
-              <a:rPr lang="ko-KR" altLang="en-US" dirty="0"/>
-              <a:t>은 어느 정도 분산되어 있거나 크기 제한이 없는 여러 개의 </a:t>
-            </a:r>
-            <a:r>
-              <a:rPr lang="en-US" altLang="ko-KR" dirty="0"/>
-              <a:t>array </a:t>
-            </a:r>
-            <a:r>
-              <a:rPr lang="ko-KR" altLang="en-US" dirty="0"/>
-              <a:t>형태로 넘겨서 사용할 때 유용하다</a:t>
-            </a:r>
-            <a:r>
-              <a:rPr lang="en-US" altLang="ko-KR" dirty="0"/>
-              <a:t>. </a:t>
-            </a:r>
-          </a:p>
-          <a:p>
-            <a:r>
-              <a:rPr lang="ko-KR" altLang="en-US" dirty="0"/>
-              <a:t>그리고</a:t>
-            </a:r>
-            <a:r>
-              <a:rPr lang="en-US" altLang="ko-KR" dirty="0"/>
-              <a:t>, </a:t>
-            </a:r>
-            <a:r>
-              <a:rPr lang="ko-KR" altLang="en-US" dirty="0"/>
-              <a:t>필요한 것만 비교할 경우가 효과적이다</a:t>
-            </a:r>
-            <a:r>
-              <a:rPr lang="en-US" altLang="ko-KR" dirty="0"/>
-              <a:t>. </a:t>
-            </a:r>
-          </a:p>
-          <a:p>
-            <a:endParaRPr lang="en-US" altLang="ko-KR" dirty="0"/>
-          </a:p>
-          <a:p>
-            <a:r>
-              <a:rPr lang="en-US" altLang="ko-KR" dirty="0"/>
-              <a:t>- select</a:t>
-            </a:r>
-            <a:r>
-              <a:rPr lang="ko-KR" altLang="en-US" dirty="0"/>
-              <a:t>는 </a:t>
-            </a:r>
-            <a:r>
-              <a:rPr lang="en-US" altLang="ko-KR" dirty="0" err="1"/>
-              <a:t>fd</a:t>
-            </a:r>
-            <a:r>
-              <a:rPr lang="en-US" altLang="ko-KR" dirty="0"/>
-              <a:t> set</a:t>
-            </a:r>
-            <a:r>
-              <a:rPr lang="ko-KR" altLang="en-US" dirty="0"/>
-              <a:t>을 초기화를 해야 하지만</a:t>
-            </a:r>
-            <a:r>
-              <a:rPr lang="en-US" altLang="ko-KR" dirty="0"/>
-              <a:t>, poll</a:t>
-            </a:r>
-            <a:r>
-              <a:rPr lang="ko-KR" altLang="en-US" dirty="0"/>
-              <a:t>은 입력과 결과를 분리할 수 있다</a:t>
-            </a:r>
-            <a:r>
-              <a:rPr lang="en-US" altLang="ko-KR" dirty="0"/>
-              <a:t>.</a:t>
-            </a:r>
-          </a:p>
-          <a:p>
-            <a:r>
-              <a:rPr lang="en-US" altLang="ko-KR" dirty="0"/>
-              <a:t>- select</a:t>
-            </a:r>
-            <a:r>
-              <a:rPr lang="ko-KR" altLang="en-US" dirty="0"/>
-              <a:t>는 사이즈 제한이 있다</a:t>
-            </a:r>
-            <a:r>
-              <a:rPr lang="en-US" altLang="ko-KR" dirty="0"/>
-              <a:t>. </a:t>
-            </a:r>
-          </a:p>
-          <a:p>
-            <a:r>
-              <a:rPr lang="en-US" altLang="ko-KR" dirty="0"/>
-              <a:t>- select</a:t>
-            </a:r>
-            <a:r>
-              <a:rPr lang="ko-KR" altLang="en-US" dirty="0"/>
-              <a:t>가 이식성이 좋음</a:t>
-            </a:r>
-            <a:r>
-              <a:rPr lang="en-US" altLang="ko-KR" dirty="0"/>
-              <a:t>. </a:t>
-            </a:r>
-            <a:r>
-              <a:rPr lang="ko-KR" altLang="en-US" dirty="0"/>
-              <a:t>어떤 시스템은 </a:t>
-            </a:r>
-            <a:r>
-              <a:rPr lang="en-US" altLang="ko-KR" dirty="0"/>
-              <a:t>poll</a:t>
-            </a:r>
-            <a:r>
-              <a:rPr lang="ko-KR" altLang="en-US" dirty="0"/>
-              <a:t>을 쓰지 않기도 함 </a:t>
-            </a:r>
-          </a:p>
-          <a:p>
-            <a:r>
-              <a:rPr lang="en-US" altLang="ko-KR" dirty="0"/>
-              <a:t>- select</a:t>
-            </a:r>
-            <a:r>
-              <a:rPr lang="ko-KR" altLang="en-US" dirty="0"/>
-              <a:t>의 </a:t>
-            </a:r>
-            <a:r>
-              <a:rPr lang="en-US" altLang="ko-KR" dirty="0"/>
-              <a:t>timeout</a:t>
-            </a:r>
-            <a:r>
-              <a:rPr lang="ko-KR" altLang="en-US" dirty="0"/>
-              <a:t>이 </a:t>
-            </a:r>
-            <a:r>
-              <a:rPr lang="en-US" altLang="ko-KR" dirty="0"/>
-              <a:t>poll</a:t>
-            </a:r>
-            <a:r>
-              <a:rPr lang="ko-KR" altLang="en-US" dirty="0"/>
-              <a:t>의 </a:t>
-            </a:r>
-            <a:r>
-              <a:rPr lang="en-US" altLang="ko-KR" dirty="0"/>
-              <a:t>timeout</a:t>
-            </a:r>
-            <a:r>
-              <a:rPr lang="ko-KR" altLang="en-US" dirty="0"/>
-              <a:t>보다 안정적임</a:t>
-            </a:r>
-          </a:p>
-        </p:txBody>
-      </p:sp>
-      <p:sp>
-        <p:nvSpPr>
-          <p:cNvPr id="4" name="직사각형 3"/>
-          <p:cNvSpPr/>
-          <p:nvPr/>
-        </p:nvSpPr>
-        <p:spPr>
-          <a:xfrm>
-            <a:off x="918587" y="6527142"/>
-            <a:ext cx="11187953" cy="276999"/>
-          </a:xfrm>
-          <a:prstGeom prst="rect">
-            <a:avLst/>
-          </a:prstGeom>
-        </p:spPr>
-        <p:txBody>
-          <a:bodyPr wrap="square">
-            <a:spAutoFit/>
-          </a:bodyPr>
-          <a:lstStyle/>
-          <a:p>
-            <a:r>
-              <a:rPr lang="ko-KR" altLang="en-US" sz="1200" dirty="0"/>
-              <a:t>출처: </a:t>
-            </a:r>
-            <a:r>
-              <a:rPr lang="ko-KR" altLang="en-US" sz="1200" dirty="0">
-                <a:hlinkClick r:id="rId2"/>
-              </a:rPr>
-              <a:t>http://knight76.tistory.com/entry/select-poll-%EC%8B%9C%EC%8A%A4%ED%85%9C-%EC%BD%9C-%EC%9D%B4%ED%95%B4%ED%95%98%EA%B8%B0</a:t>
-            </a:r>
-            <a:r>
-              <a:rPr lang="ko-KR" altLang="en-US" sz="1200" dirty="0"/>
-              <a:t> </a:t>
-            </a:r>
-          </a:p>
-        </p:txBody>
-      </p:sp>
-      <p:sp>
-        <p:nvSpPr>
-          <p:cNvPr id="5" name="직사각형 4"/>
-          <p:cNvSpPr/>
-          <p:nvPr/>
-        </p:nvSpPr>
-        <p:spPr>
-          <a:xfrm>
-            <a:off x="645458" y="2857451"/>
-            <a:ext cx="10814230" cy="657645"/>
-          </a:xfrm>
-          <a:prstGeom prst="rect">
-            <a:avLst/>
-          </a:prstGeom>
-          <a:noFill/>
-          <a:ln w="28575">
-            <a:solidFill>
-              <a:srgbClr val="FF0000"/>
-            </a:solidFill>
-          </a:ln>
-        </p:spPr>
-        <p:style>
-          <a:lnRef idx="2">
-            <a:schemeClr val="accent1">
-              <a:shade val="50000"/>
-            </a:schemeClr>
-          </a:lnRef>
-          <a:fillRef idx="1">
-            <a:schemeClr val="accent1"/>
-          </a:fillRef>
-          <a:effectRef idx="0">
-            <a:schemeClr val="accent1"/>
-          </a:effectRef>
-          <a:fontRef idx="minor">
-            <a:schemeClr val="lt1"/>
-          </a:fontRef>
-        </p:style>
-        <p:txBody>
-          <a:bodyPr rtlCol="0" anchor="ctr"/>
-          <a:lstStyle/>
-          <a:p>
-            <a:pPr algn="ctr"/>
-            <a:endParaRPr lang="ko-KR" altLang="en-US"/>
-          </a:p>
-        </p:txBody>
-      </p:sp>
-    </p:spTree>
-    <p:extLst>
-      <p:ext uri="{BB962C8B-B14F-4D97-AF65-F5344CB8AC3E}">
-        <p14:creationId xmlns:p14="http://schemas.microsoft.com/office/powerpoint/2010/main" val="2751484186"/>
-      </p:ext>
-    </p:extLst>
-  </p:cSld>
-  <p:clrMapOvr>
-    <a:masterClrMapping/>
-  </p:clrMapOvr>
-</p:sld>
-</file>
-
 <file path=ppt/slides/slide15.xml><?xml version="1.0" encoding="utf-8"?>
 <p:sld xmlns:a="http://schemas.openxmlformats.org/drawingml/2006/main" xmlns:r="http://schemas.openxmlformats.org/officeDocument/2006/relationships" xmlns:p="http://schemas.openxmlformats.org/presentationml/2006/main">
   <p:cSld>
@@ -5783,8 +5527,8 @@
         </p:nvSpPr>
         <p:spPr>
           <a:xfrm>
-            <a:off x="551329" y="322729"/>
-            <a:ext cx="6894500" cy="646331"/>
+            <a:off x="551328" y="322729"/>
+            <a:ext cx="11282083" cy="646331"/>
           </a:xfrm>
           <a:prstGeom prst="rect">
             <a:avLst/>
@@ -5798,42 +5542,35 @@
           <a:lstStyle/>
           <a:p>
             <a:r>
-              <a:rPr lang="ko-KR" altLang="en-US" sz="3600" b="1" dirty="0"/>
-              <a:t>이제 </a:t>
-            </a:r>
-            <a:r>
-              <a:rPr lang="en-US" altLang="ko-KR" sz="3600" b="1" dirty="0"/>
-              <a:t>Windows</a:t>
-            </a:r>
-            <a:r>
-              <a:rPr lang="ko-KR" altLang="en-US" sz="3600" b="1" dirty="0"/>
-              <a:t>의 </a:t>
-            </a:r>
-            <a:r>
-              <a:rPr lang="en-US" altLang="ko-KR" sz="3600" b="1" dirty="0" err="1"/>
-              <a:t>WSAPoll</a:t>
-            </a:r>
-            <a:r>
-              <a:rPr lang="en-US" altLang="ko-KR" sz="3600" b="1" dirty="0"/>
-              <a:t> </a:t>
-            </a:r>
-            <a:r>
-              <a:rPr lang="ko-KR" altLang="en-US" sz="3600" b="1" dirty="0"/>
-              <a:t>로</a:t>
-            </a:r>
-          </a:p>
-        </p:txBody>
-      </p:sp>
-      <p:sp>
-        <p:nvSpPr>
-          <p:cNvPr id="4" name="직사각형 3"/>
+              <a:rPr lang="en-US" altLang="ko-KR" sz="3600" dirty="0"/>
+              <a:t>select </a:t>
+            </a:r>
+            <a:r>
+              <a:rPr lang="ko-KR" altLang="en-US" sz="3600" dirty="0"/>
+              <a:t>와 </a:t>
+            </a:r>
+            <a:r>
+              <a:rPr lang="en-US" altLang="ko-KR" sz="3600" dirty="0"/>
+              <a:t>poll </a:t>
+            </a:r>
+            <a:r>
+              <a:rPr lang="ko-KR" altLang="en-US" sz="3600" dirty="0"/>
+              <a:t>비교</a:t>
+            </a:r>
+            <a:endParaRPr lang="ko-KR" altLang="en-US" sz="3600" b="1" dirty="0"/>
+          </a:p>
+        </p:txBody>
+      </p:sp>
+      <p:sp>
+        <p:nvSpPr>
+          <p:cNvPr id="3" name="직사각형 2"/>
           <p:cNvSpPr/>
           <p:nvPr/>
         </p:nvSpPr>
         <p:spPr>
           <a:xfrm>
-            <a:off x="2822369" y="6569126"/>
-            <a:ext cx="9349839" cy="276999"/>
+            <a:off x="645458" y="1186988"/>
+            <a:ext cx="11187953" cy="3693319"/>
           </a:xfrm>
           <a:prstGeom prst="rect">
             <a:avLst/>
@@ -5846,10 +5583,324 @@
           <a:lstStyle/>
           <a:p>
             <a:r>
+              <a:rPr lang="en-US" altLang="ko-KR" dirty="0"/>
+              <a:t>poll </a:t>
+            </a:r>
+            <a:r>
+              <a:rPr lang="ko-KR" altLang="en-US" dirty="0"/>
+              <a:t>은 가장 높은 </a:t>
+            </a:r>
+            <a:r>
+              <a:rPr lang="en-US" altLang="ko-KR" dirty="0" err="1"/>
+              <a:t>fd</a:t>
+            </a:r>
+            <a:r>
+              <a:rPr lang="ko-KR" altLang="en-US" dirty="0"/>
+              <a:t>에 </a:t>
+            </a:r>
+            <a:r>
+              <a:rPr lang="en-US" altLang="ko-KR" dirty="0"/>
+              <a:t>+1</a:t>
+            </a:r>
+            <a:r>
+              <a:rPr lang="ko-KR" altLang="en-US" dirty="0"/>
+              <a:t>을 할 필요가 없다</a:t>
+            </a:r>
+            <a:r>
+              <a:rPr lang="en-US" altLang="ko-KR" dirty="0"/>
+              <a:t>.</a:t>
+            </a:r>
+            <a:br>
+              <a:rPr lang="en-US" altLang="ko-KR" dirty="0"/>
+            </a:br>
+            <a:endParaRPr lang="en-US" altLang="ko-KR" dirty="0"/>
+          </a:p>
+          <a:p>
+            <a:r>
+              <a:rPr lang="en-US" altLang="ko-KR" dirty="0"/>
+              <a:t>poll</a:t>
+            </a:r>
+            <a:r>
+              <a:rPr lang="ko-KR" altLang="en-US" dirty="0"/>
+              <a:t>은 </a:t>
+            </a:r>
+            <a:r>
+              <a:rPr lang="en-US" altLang="ko-KR" dirty="0" err="1"/>
+              <a:t>fd</a:t>
+            </a:r>
+            <a:r>
+              <a:rPr lang="ko-KR" altLang="en-US" dirty="0"/>
+              <a:t>가 클 경우 좋다</a:t>
+            </a:r>
+            <a:r>
+              <a:rPr lang="en-US" altLang="ko-KR" dirty="0"/>
+              <a:t>. select</a:t>
+            </a:r>
+            <a:r>
+              <a:rPr lang="ko-KR" altLang="en-US" dirty="0"/>
+              <a:t>는 모든 </a:t>
+            </a:r>
+            <a:r>
+              <a:rPr lang="en-US" altLang="ko-KR" dirty="0" err="1"/>
+              <a:t>fd</a:t>
+            </a:r>
+            <a:r>
+              <a:rPr lang="ko-KR" altLang="en-US" dirty="0"/>
+              <a:t>의 비트를 검사한다</a:t>
+            </a:r>
+            <a:r>
+              <a:rPr lang="en-US" altLang="ko-KR" dirty="0"/>
+              <a:t>. (select</a:t>
+            </a:r>
+            <a:r>
+              <a:rPr lang="ko-KR" altLang="en-US" dirty="0"/>
+              <a:t>는 </a:t>
+            </a:r>
+            <a:r>
+              <a:rPr lang="en-US" altLang="ko-KR" dirty="0"/>
+              <a:t>for loop</a:t>
+            </a:r>
+            <a:r>
+              <a:rPr lang="ko-KR" altLang="en-US" dirty="0"/>
+              <a:t>에서 </a:t>
+            </a:r>
+            <a:r>
+              <a:rPr lang="en-US" altLang="ko-KR" dirty="0"/>
+              <a:t>set </a:t>
+            </a:r>
+            <a:r>
+              <a:rPr lang="ko-KR" altLang="en-US" dirty="0"/>
+              <a:t>된 정보를 찾음</a:t>
+            </a:r>
+            <a:r>
+              <a:rPr lang="en-US" altLang="ko-KR" dirty="0"/>
+              <a:t>)</a:t>
+            </a:r>
+          </a:p>
+          <a:p>
+            <a:r>
+              <a:rPr lang="en-US" altLang="ko-KR" dirty="0"/>
+              <a:t>-&gt; </a:t>
+            </a:r>
+            <a:r>
+              <a:rPr lang="ko-KR" altLang="en-US" dirty="0"/>
+              <a:t>그렇다고 </a:t>
+            </a:r>
+            <a:r>
+              <a:rPr lang="en-US" altLang="ko-KR" dirty="0"/>
+              <a:t>select</a:t>
+            </a:r>
+            <a:r>
+              <a:rPr lang="ko-KR" altLang="en-US" dirty="0"/>
+              <a:t>가 안좋다고 말할 수 없다</a:t>
+            </a:r>
+            <a:r>
+              <a:rPr lang="en-US" altLang="ko-KR" dirty="0"/>
+              <a:t>. </a:t>
+            </a:r>
+            <a:r>
+              <a:rPr lang="ko-KR" altLang="en-US" dirty="0"/>
+              <a:t>이벤트가 자주 발생하고 연속적인 시스템에서는 </a:t>
+            </a:r>
+            <a:r>
+              <a:rPr lang="en-US" altLang="ko-KR" dirty="0"/>
+              <a:t>select</a:t>
+            </a:r>
+            <a:r>
+              <a:rPr lang="ko-KR" altLang="en-US" dirty="0"/>
+              <a:t>를 사용 </a:t>
+            </a:r>
+            <a:r>
+              <a:rPr lang="en-US" altLang="ko-KR" dirty="0"/>
+              <a:t>(apache http)</a:t>
+            </a:r>
+          </a:p>
+          <a:p>
+            <a:endParaRPr lang="en-US" altLang="ko-KR" dirty="0"/>
+          </a:p>
+          <a:p>
+            <a:r>
+              <a:rPr lang="en-US" altLang="ko-KR" dirty="0"/>
+              <a:t>poll</a:t>
+            </a:r>
+            <a:r>
+              <a:rPr lang="ko-KR" altLang="en-US" dirty="0"/>
+              <a:t>은 어느 정도 분산되어 있거나 크기 제한이 없는 여러 개의 </a:t>
+            </a:r>
+            <a:r>
+              <a:rPr lang="en-US" altLang="ko-KR" dirty="0"/>
+              <a:t>array </a:t>
+            </a:r>
+            <a:r>
+              <a:rPr lang="ko-KR" altLang="en-US" dirty="0"/>
+              <a:t>형태로 넘겨서 사용할 때 유용하다</a:t>
+            </a:r>
+            <a:r>
+              <a:rPr lang="en-US" altLang="ko-KR" dirty="0"/>
+              <a:t>. </a:t>
+            </a:r>
+          </a:p>
+          <a:p>
+            <a:r>
+              <a:rPr lang="ko-KR" altLang="en-US" dirty="0"/>
+              <a:t>그리고</a:t>
+            </a:r>
+            <a:r>
+              <a:rPr lang="en-US" altLang="ko-KR" dirty="0"/>
+              <a:t>, </a:t>
+            </a:r>
+            <a:r>
+              <a:rPr lang="ko-KR" altLang="en-US" dirty="0"/>
+              <a:t>필요한 것만 비교할 경우가 효과적이다</a:t>
+            </a:r>
+            <a:r>
+              <a:rPr lang="en-US" altLang="ko-KR" dirty="0"/>
+              <a:t>. </a:t>
+            </a:r>
+          </a:p>
+          <a:p>
+            <a:endParaRPr lang="en-US" altLang="ko-KR" dirty="0"/>
+          </a:p>
+          <a:p>
+            <a:r>
+              <a:rPr lang="en-US" altLang="ko-KR" dirty="0"/>
+              <a:t>- select</a:t>
+            </a:r>
+            <a:r>
+              <a:rPr lang="ko-KR" altLang="en-US" dirty="0"/>
+              <a:t>는 </a:t>
+            </a:r>
+            <a:r>
+              <a:rPr lang="en-US" altLang="ko-KR" dirty="0" err="1"/>
+              <a:t>fd</a:t>
+            </a:r>
+            <a:r>
+              <a:rPr lang="en-US" altLang="ko-KR" dirty="0"/>
+              <a:t> set</a:t>
+            </a:r>
+            <a:r>
+              <a:rPr lang="ko-KR" altLang="en-US" dirty="0"/>
+              <a:t>을 초기화를 해야 하지만</a:t>
+            </a:r>
+            <a:r>
+              <a:rPr lang="en-US" altLang="ko-KR" dirty="0"/>
+              <a:t>, poll</a:t>
+            </a:r>
+            <a:r>
+              <a:rPr lang="ko-KR" altLang="en-US" dirty="0"/>
+              <a:t>은 입력과 결과를 분리할 수 있다</a:t>
+            </a:r>
+            <a:r>
+              <a:rPr lang="en-US" altLang="ko-KR" dirty="0"/>
+              <a:t>.</a:t>
+            </a:r>
+          </a:p>
+          <a:p>
+            <a:r>
+              <a:rPr lang="en-US" altLang="ko-KR" dirty="0"/>
+              <a:t>- select</a:t>
+            </a:r>
+            <a:r>
+              <a:rPr lang="ko-KR" altLang="en-US" dirty="0"/>
+              <a:t>는 사이즈 제한이 있다</a:t>
+            </a:r>
+            <a:r>
+              <a:rPr lang="en-US" altLang="ko-KR" dirty="0"/>
+              <a:t>. </a:t>
+            </a:r>
+          </a:p>
+          <a:p>
+            <a:r>
+              <a:rPr lang="en-US" altLang="ko-KR" dirty="0"/>
+              <a:t>- select</a:t>
+            </a:r>
+            <a:r>
+              <a:rPr lang="ko-KR" altLang="en-US" dirty="0"/>
+              <a:t>가 이식성이 좋음</a:t>
+            </a:r>
+            <a:r>
+              <a:rPr lang="en-US" altLang="ko-KR" dirty="0"/>
+              <a:t>. </a:t>
+            </a:r>
+            <a:r>
+              <a:rPr lang="ko-KR" altLang="en-US" dirty="0"/>
+              <a:t>어떤 시스템은 </a:t>
+            </a:r>
+            <a:r>
+              <a:rPr lang="en-US" altLang="ko-KR" dirty="0"/>
+              <a:t>poll</a:t>
+            </a:r>
+            <a:r>
+              <a:rPr lang="ko-KR" altLang="en-US" dirty="0"/>
+              <a:t>을 쓰지 않기도 함 </a:t>
+            </a:r>
+          </a:p>
+          <a:p>
+            <a:r>
+              <a:rPr lang="en-US" altLang="ko-KR" dirty="0"/>
+              <a:t>- select</a:t>
+            </a:r>
+            <a:r>
+              <a:rPr lang="ko-KR" altLang="en-US" dirty="0"/>
+              <a:t>의 </a:t>
+            </a:r>
+            <a:r>
+              <a:rPr lang="en-US" altLang="ko-KR" dirty="0"/>
+              <a:t>timeout</a:t>
+            </a:r>
+            <a:r>
+              <a:rPr lang="ko-KR" altLang="en-US" dirty="0"/>
+              <a:t>이 </a:t>
+            </a:r>
+            <a:r>
+              <a:rPr lang="en-US" altLang="ko-KR" dirty="0"/>
+              <a:t>poll</a:t>
+            </a:r>
+            <a:r>
+              <a:rPr lang="ko-KR" altLang="en-US" dirty="0"/>
+              <a:t>의 </a:t>
+            </a:r>
+            <a:r>
+              <a:rPr lang="en-US" altLang="ko-KR" dirty="0"/>
+              <a:t>timeout</a:t>
+            </a:r>
+            <a:r>
+              <a:rPr lang="ko-KR" altLang="en-US" dirty="0"/>
+              <a:t>보다 안정적임</a:t>
+            </a:r>
+          </a:p>
+        </p:txBody>
+      </p:sp>
+      <p:sp>
+        <p:nvSpPr>
+          <p:cNvPr id="4" name="직사각형 3"/>
+          <p:cNvSpPr/>
+          <p:nvPr/>
+        </p:nvSpPr>
+        <p:spPr>
+          <a:xfrm>
+            <a:off x="918587" y="6527142"/>
+            <a:ext cx="11187953" cy="276999"/>
+          </a:xfrm>
+          <a:prstGeom prst="rect">
+            <a:avLst/>
+          </a:prstGeom>
+        </p:spPr>
+        <p:txBody>
+          <a:bodyPr wrap="square">
+            <a:spAutoFit/>
+          </a:bodyPr>
+          <a:lstStyle/>
+          <a:p>
+            <a:r>
+              <a:rPr lang="ko-KR" altLang="en-US" sz="1200" dirty="0"/>
+              <a:t>출처: </a:t>
+            </a:r>
+            <a:r>
               <a:rPr lang="ko-KR" altLang="en-US" sz="1200" dirty="0">
                 <a:hlinkClick r:id="rId2"/>
               </a:rPr>
-              <a:t>https://blogs.msdn.microsoft.com/wndp/2006/10/26/wsapoll-a-new-winsock-api-to-simplify-porting-poll-applications-to-winsock/</a:t>
+              <a:t>http://knight76.tistory.com/entry/select-poll-%EC%8B%9C%EC%8A%A4%ED%85%9C-%EC%BD%9C-%EC%9D%B4%ED%95%B4%ED%95%98%EA%B8%B0</a:t>
             </a:r>
             <a:r>
               <a:rPr lang="ko-KR" altLang="en-US" sz="1200" dirty="0"/>
@@ -5858,34 +5909,56 @@
           </a:p>
         </p:txBody>
       </p:sp>
-      <p:pic>
-        <p:nvPicPr>
-          <p:cNvPr id="6" name="그림 5"/>
-          <p:cNvPicPr>
-            <a:picLocks noChangeAspect="1"/>
-          </p:cNvPicPr>
+      <p:sp>
+        <p:nvSpPr>
+          <p:cNvPr id="5" name="직사각형 4"/>
+          <p:cNvSpPr/>
           <p:nvPr/>
-        </p:nvPicPr>
-        <p:blipFill>
-          <a:blip r:embed="rId3"/>
-          <a:stretch>
-            <a:fillRect/>
-          </a:stretch>
-        </p:blipFill>
+        </p:nvSpPr>
         <p:spPr>
           <a:xfrm>
-            <a:off x="1750434" y="969060"/>
-            <a:ext cx="8524875" cy="5419725"/>
+            <a:off x="645458" y="2857451"/>
+            <a:ext cx="10814230" cy="657645"/>
           </a:xfrm>
           <a:prstGeom prst="rect">
             <a:avLst/>
           </a:prstGeom>
-        </p:spPr>
-      </p:pic>
+          <a:noFill/>
+          <a:ln w="28575">
+            <a:solidFill>
+              <a:srgbClr val="FF0000"/>
+            </a:solidFill>
+          </a:ln>
+        </p:spPr>
+        <p:style>
+          <a:lnRef idx="2">
+            <a:schemeClr val="accent1">
+              <a:shade val="50000"/>
+            </a:schemeClr>
+          </a:lnRef>
+          <a:fillRef idx="1">
+            <a:schemeClr val="accent1"/>
+          </a:fillRef>
+          <a:effectRef idx="0">
+            <a:schemeClr val="accent1"/>
+          </a:effectRef>
+          <a:fontRef idx="minor">
+            <a:schemeClr val="lt1"/>
+          </a:fontRef>
+        </p:style>
+        <p:txBody>
+          <a:bodyPr rtlCol="0" anchor="ctr"/>
+          <a:lstStyle/>
+          <a:p>
+            <a:pPr algn="ctr"/>
+            <a:endParaRPr lang="ko-KR" altLang="en-US"/>
+          </a:p>
+        </p:txBody>
+      </p:sp>
     </p:spTree>
     <p:extLst>
       <p:ext uri="{BB962C8B-B14F-4D97-AF65-F5344CB8AC3E}">
-        <p14:creationId xmlns:p14="http://schemas.microsoft.com/office/powerpoint/2010/main" val="384142984"/>
+        <p14:creationId xmlns:p14="http://schemas.microsoft.com/office/powerpoint/2010/main" val="2751484186"/>
       </p:ext>
     </p:extLst>
   </p:cSld>
@@ -5914,14 +5987,63 @@
       </p:grpSpPr>
       <p:sp>
         <p:nvSpPr>
-          <p:cNvPr id="2" name="직사각형 1"/>
+          <p:cNvPr id="2" name="TextBox 1"/>
+          <p:cNvSpPr txBox="1"/>
+          <p:nvPr/>
+        </p:nvSpPr>
+        <p:spPr>
+          <a:xfrm>
+            <a:off x="551329" y="322729"/>
+            <a:ext cx="6894500" cy="646331"/>
+          </a:xfrm>
+          <a:prstGeom prst="rect">
+            <a:avLst/>
+          </a:prstGeom>
+          <a:noFill/>
+        </p:spPr>
+        <p:txBody>
+          <a:bodyPr wrap="square" rtlCol="0">
+            <a:spAutoFit/>
+          </a:bodyPr>
+          <a:lstStyle/>
+          <a:p>
+            <a:r>
+              <a:rPr lang="ko-KR" altLang="en-US" sz="3600" b="1" dirty="0"/>
+              <a:t>이제 </a:t>
+            </a:r>
+            <a:r>
+              <a:rPr lang="en-US" altLang="ko-KR" sz="3600" b="1" dirty="0"/>
+              <a:t>Windows</a:t>
+            </a:r>
+            <a:r>
+              <a:rPr lang="ko-KR" altLang="en-US" sz="3600" b="1" dirty="0"/>
+              <a:t>의 </a:t>
+            </a:r>
+            <a:r>
+              <a:rPr lang="en-US" altLang="ko-KR" sz="3600" b="1" dirty="0" err="1"/>
+              <a:t>WSAPoll</a:t>
+            </a:r>
+            <a:r>
+              <a:rPr lang="en-US" altLang="ko-KR" sz="3600" b="1" dirty="0"/>
+              <a:t> </a:t>
+            </a:r>
+            <a:r>
+              <a:rPr lang="ko-KR" altLang="en-US" sz="3600" b="1" dirty="0"/>
+              <a:t>로</a:t>
+            </a:r>
+          </a:p>
+        </p:txBody>
+      </p:sp>
+      <p:sp>
+        <p:nvSpPr>
+          <p:cNvPr id="4" name="직사각형 3"/>
           <p:cNvSpPr/>
           <p:nvPr/>
         </p:nvSpPr>
         <p:spPr>
           <a:xfrm>
-            <a:off x="472135" y="2853139"/>
-            <a:ext cx="10770919" cy="923330"/>
+            <a:off x="2822369" y="6569126"/>
+            <a:ext cx="9349839" cy="276999"/>
           </a:xfrm>
           <a:prstGeom prst="rect">
             <a:avLst/>
@@ -5934,86 +6056,36 @@
           <a:lstStyle/>
           <a:p>
             <a:r>
-              <a:rPr lang="ko-KR" altLang="en-US" dirty="0" err="1"/>
-              <a:t>poll</a:t>
-            </a:r>
-            <a:r>
-              <a:rPr lang="ko-KR" altLang="en-US" dirty="0"/>
-              <a:t>()을 사용하여 응용 프로그램을 개발 한 경험이 있다면 </a:t>
-            </a:r>
-            <a:r>
-              <a:rPr lang="ko-KR" altLang="en-US" dirty="0" err="1"/>
-              <a:t>WSAPoll은</a:t>
-            </a:r>
-            <a:r>
-              <a:rPr lang="ko-KR" altLang="en-US" dirty="0"/>
-              <a:t> 매우 친숙하다. </a:t>
-            </a:r>
-            <a:r>
-              <a:rPr lang="ko-KR" altLang="en-US" b="1" dirty="0" err="1"/>
-              <a:t>poll</a:t>
-            </a:r>
-            <a:r>
-              <a:rPr lang="ko-KR" altLang="en-US" b="1" dirty="0"/>
-              <a:t>()과 똑같이 동작하도록 설계되었다</a:t>
-            </a:r>
-            <a:r>
-              <a:rPr lang="ko-KR" altLang="en-US" dirty="0"/>
-              <a:t>. 실제로 BSD </a:t>
-            </a:r>
-            <a:r>
-              <a:rPr lang="ko-KR" altLang="en-US" dirty="0" err="1"/>
-              <a:t>Unix에서</a:t>
-            </a:r>
-            <a:r>
-              <a:rPr lang="ko-KR" altLang="en-US" dirty="0"/>
-              <a:t> 실행되도록 </a:t>
-            </a:r>
-            <a:r>
-              <a:rPr lang="ko-KR" altLang="en-US" dirty="0" err="1"/>
-              <a:t>Winsock</a:t>
-            </a:r>
-            <a:r>
-              <a:rPr lang="ko-KR" altLang="en-US" dirty="0"/>
+              <a:rPr lang="ko-KR" altLang="en-US" sz="1200" dirty="0">
+                <a:hlinkClick r:id="rId2"/>
+              </a:rPr>
+              <a:t>https://blogs.msdn.microsoft.com/wndp/2006/10/26/wsapoll-a-new-winsock-api-to-simplify-porting-poll-applications-to-winsock/</a:t>
+            </a:r>
+            <a:r>
+              <a:rPr lang="ko-KR" altLang="en-US" sz="1200" dirty="0"/>
               <a:t> </a:t>
             </a:r>
-            <a:r>
-              <a:rPr lang="ko-KR" altLang="en-US" dirty="0" err="1"/>
-              <a:t>WSAPoll</a:t>
-            </a:r>
-            <a:r>
-              <a:rPr lang="ko-KR" altLang="en-US" dirty="0"/>
-              <a:t> SDK 샘플을 이식했다. </a:t>
-            </a:r>
-            <a:endParaRPr lang="en-US" altLang="ko-KR" dirty="0"/>
-          </a:p>
-          <a:p>
-            <a:r>
-              <a:rPr lang="en-US" altLang="ko-KR" dirty="0"/>
-              <a:t>…..</a:t>
-            </a:r>
-            <a:endParaRPr lang="ko-KR" altLang="en-US" dirty="0"/>
           </a:p>
         </p:txBody>
       </p:sp>
       <p:pic>
         <p:nvPicPr>
-          <p:cNvPr id="3" name="그림 2"/>
+          <p:cNvPr id="6" name="그림 5"/>
           <p:cNvPicPr>
             <a:picLocks noChangeAspect="1"/>
           </p:cNvPicPr>
           <p:nvPr/>
         </p:nvPicPr>
         <p:blipFill>
-          <a:blip r:embed="rId2"/>
+          <a:blip r:embed="rId3"/>
           <a:stretch>
             <a:fillRect/>
           </a:stretch>
         </p:blipFill>
         <p:spPr>
           <a:xfrm>
-            <a:off x="472135" y="947799"/>
-            <a:ext cx="11037932" cy="1676648"/>
+            <a:off x="1750434" y="969060"/>
+            <a:ext cx="8524875" cy="5419725"/>
           </a:xfrm>
           <a:prstGeom prst="rect">
             <a:avLst/>
@@ -6023,7 +6095,7 @@
     </p:spTree>
     <p:extLst>
       <p:ext uri="{BB962C8B-B14F-4D97-AF65-F5344CB8AC3E}">
-        <p14:creationId xmlns:p14="http://schemas.microsoft.com/office/powerpoint/2010/main" val="1778192700"/>
+        <p14:creationId xmlns:p14="http://schemas.microsoft.com/office/powerpoint/2010/main" val="384142984"/>
       </p:ext>
     </p:extLst>
   </p:cSld>
@@ -6058,6 +6130,144 @@
         </p:nvSpPr>
         <p:spPr>
           <a:xfrm>
+            <a:off x="472135" y="2853139"/>
+            <a:ext cx="10770919" cy="923330"/>
+          </a:xfrm>
+          <a:prstGeom prst="rect">
+            <a:avLst/>
+          </a:prstGeom>
+        </p:spPr>
+        <p:txBody>
+          <a:bodyPr wrap="square">
+            <a:spAutoFit/>
+          </a:bodyPr>
+          <a:lstStyle/>
+          <a:p>
+            <a:r>
+              <a:rPr lang="ko-KR" altLang="en-US" dirty="0" err="1"/>
+              <a:t>poll</a:t>
+            </a:r>
+            <a:r>
+              <a:rPr lang="ko-KR" altLang="en-US" dirty="0"/>
+              <a:t>()을 사용하여 응용 프로그램을 개발 한 경험이 있다면 </a:t>
+            </a:r>
+            <a:r>
+              <a:rPr lang="ko-KR" altLang="en-US" dirty="0" err="1"/>
+              <a:t>WSAPoll은</a:t>
+            </a:r>
+            <a:r>
+              <a:rPr lang="ko-KR" altLang="en-US" dirty="0"/>
+              <a:t> 매우 친숙하다. </a:t>
+            </a:r>
+            <a:r>
+              <a:rPr lang="ko-KR" altLang="en-US" b="1" dirty="0" err="1"/>
+              <a:t>poll</a:t>
+            </a:r>
+            <a:r>
+              <a:rPr lang="ko-KR" altLang="en-US" b="1" dirty="0"/>
+              <a:t>()과 똑같이 동작하도록 설계되었다</a:t>
+            </a:r>
+            <a:r>
+              <a:rPr lang="ko-KR" altLang="en-US" dirty="0"/>
+              <a:t>. 실제로 BSD </a:t>
+            </a:r>
+            <a:r>
+              <a:rPr lang="ko-KR" altLang="en-US" dirty="0" err="1"/>
+              <a:t>Unix에서</a:t>
+            </a:r>
+            <a:r>
+              <a:rPr lang="ko-KR" altLang="en-US" dirty="0"/>
+              <a:t> 실행되도록 </a:t>
+            </a:r>
+            <a:r>
+              <a:rPr lang="ko-KR" altLang="en-US" dirty="0" err="1"/>
+              <a:t>Winsock</a:t>
+            </a:r>
+            <a:r>
+              <a:rPr lang="ko-KR" altLang="en-US" dirty="0"/>
+              <a:t> </a:t>
+            </a:r>
+            <a:r>
+              <a:rPr lang="ko-KR" altLang="en-US" dirty="0" err="1"/>
+              <a:t>WSAPoll</a:t>
+            </a:r>
+            <a:r>
+              <a:rPr lang="ko-KR" altLang="en-US" dirty="0"/>
+              <a:t> SDK 샘플을 이식했다. </a:t>
+            </a:r>
+            <a:endParaRPr lang="en-US" altLang="ko-KR" dirty="0"/>
+          </a:p>
+          <a:p>
+            <a:r>
+              <a:rPr lang="en-US" altLang="ko-KR" dirty="0"/>
+              <a:t>…..</a:t>
+            </a:r>
+            <a:endParaRPr lang="ko-KR" altLang="en-US" dirty="0"/>
+          </a:p>
+        </p:txBody>
+      </p:sp>
+      <p:pic>
+        <p:nvPicPr>
+          <p:cNvPr id="3" name="그림 2"/>
+          <p:cNvPicPr>
+            <a:picLocks noChangeAspect="1"/>
+          </p:cNvPicPr>
+          <p:nvPr/>
+        </p:nvPicPr>
+        <p:blipFill>
+          <a:blip r:embed="rId2"/>
+          <a:stretch>
+            <a:fillRect/>
+          </a:stretch>
+        </p:blipFill>
+        <p:spPr>
+          <a:xfrm>
+            <a:off x="472135" y="947799"/>
+            <a:ext cx="11037932" cy="1676648"/>
+          </a:xfrm>
+          <a:prstGeom prst="rect">
+            <a:avLst/>
+          </a:prstGeom>
+        </p:spPr>
+      </p:pic>
+    </p:spTree>
+    <p:extLst>
+      <p:ext uri="{BB962C8B-B14F-4D97-AF65-F5344CB8AC3E}">
+        <p14:creationId xmlns:p14="http://schemas.microsoft.com/office/powerpoint/2010/main" val="1778192700"/>
+      </p:ext>
+    </p:extLst>
+  </p:cSld>
+  <p:clrMapOvr>
+    <a:masterClrMapping/>
+  </p:clrMapOvr>
+</p:sld>
+</file>
+
+<file path=ppt/slides/slide18.xml><?xml version="1.0" encoding="utf-8"?>
+<p:sld xmlns:a="http://schemas.openxmlformats.org/drawingml/2006/main" xmlns:r="http://schemas.openxmlformats.org/officeDocument/2006/relationships" xmlns:p="http://schemas.openxmlformats.org/presentationml/2006/main">
+  <p:cSld>
+    <p:spTree>
+      <p:nvGrpSpPr>
+        <p:cNvPr id="1" name=""/>
+        <p:cNvGrpSpPr/>
+        <p:nvPr/>
+      </p:nvGrpSpPr>
+      <p:grpSpPr>
+        <a:xfrm>
+          <a:off x="0" y="0"/>
+          <a:ext cx="0" cy="0"/>
+          <a:chOff x="0" y="0"/>
+          <a:chExt cx="0" cy="0"/>
+        </a:xfrm>
+      </p:grpSpPr>
+      <p:sp>
+        <p:nvSpPr>
+          <p:cNvPr id="2" name="직사각형 1"/>
+          <p:cNvSpPr/>
+          <p:nvPr/>
+        </p:nvSpPr>
+        <p:spPr>
+          <a:xfrm>
             <a:off x="6915398" y="445839"/>
             <a:ext cx="5078680" cy="400110"/>
           </a:xfrm>
@@ -6438,7 +6648,7 @@
 </p:sld>
 </file>
 
-<file path=ppt/slides/slide18.xml><?xml version="1.0" encoding="utf-8"?>
+<file path=ppt/slides/slide19.xml><?xml version="1.0" encoding="utf-8"?>
 <p:sld xmlns:a="http://schemas.openxmlformats.org/drawingml/2006/main" xmlns:r="http://schemas.openxmlformats.org/officeDocument/2006/relationships" xmlns:p="http://schemas.openxmlformats.org/presentationml/2006/main">
   <p:cSld>
     <p:spTree>
@@ -7462,7 +7672,93 @@
 </p:sld>
 </file>
 
-<file path=ppt/slides/slide19.xml><?xml version="1.0" encoding="utf-8"?>
+<file path=ppt/slides/slide2.xml><?xml version="1.0" encoding="utf-8"?>
+<p:sld xmlns:a="http://schemas.openxmlformats.org/drawingml/2006/main" xmlns:r="http://schemas.openxmlformats.org/officeDocument/2006/relationships" xmlns:p="http://schemas.openxmlformats.org/presentationml/2006/main">
+  <p:cSld>
+    <p:spTree>
+      <p:nvGrpSpPr>
+        <p:cNvPr id="1" name=""/>
+        <p:cNvGrpSpPr/>
+        <p:nvPr/>
+      </p:nvGrpSpPr>
+      <p:grpSpPr>
+        <a:xfrm>
+          <a:off x="0" y="0"/>
+          <a:ext cx="0" cy="0"/>
+          <a:chOff x="0" y="0"/>
+          <a:chExt cx="0" cy="0"/>
+        </a:xfrm>
+      </p:grpSpPr>
+      <p:sp>
+        <p:nvSpPr>
+          <p:cNvPr id="3" name="TextBox 2"/>
+          <p:cNvSpPr txBox="1"/>
+          <p:nvPr/>
+        </p:nvSpPr>
+        <p:spPr>
+          <a:xfrm>
+            <a:off x="985652" y="1721922"/>
+            <a:ext cx="8811491" cy="1569660"/>
+          </a:xfrm>
+          <a:prstGeom prst="rect">
+            <a:avLst/>
+          </a:prstGeom>
+          <a:noFill/>
+        </p:spPr>
+        <p:txBody>
+          <a:bodyPr wrap="square" rtlCol="0">
+            <a:spAutoFit/>
+          </a:bodyPr>
+          <a:lstStyle/>
+          <a:p>
+            <a:r>
+              <a:rPr lang="ko-KR" altLang="en-US" sz="5400" dirty="0"/>
+              <a:t>강연 자료는</a:t>
+            </a:r>
+            <a:r>
+              <a:rPr lang="en-US" altLang="ko-KR" sz="5400" dirty="0" err="1"/>
+              <a:t>github</a:t>
+            </a:r>
+            <a:r>
+              <a:rPr lang="ko-KR" altLang="en-US" sz="5400" dirty="0"/>
+              <a:t>에</a:t>
+            </a:r>
+            <a:endParaRPr lang="en-US" altLang="ko-KR" sz="5400" dirty="0"/>
+          </a:p>
+          <a:p>
+            <a:endParaRPr lang="en-US" altLang="ko-KR" dirty="0">
+              <a:hlinkClick r:id="rId2"/>
+            </a:endParaRPr>
+          </a:p>
+          <a:p>
+            <a:r>
+              <a:rPr lang="en-US" altLang="ko-KR" sz="2400" dirty="0">
+                <a:hlinkClick r:id="rId2"/>
+              </a:rPr>
+              <a:t>https://github.com/jacking75/conf_cpp_korea_201702</a:t>
+            </a:r>
+            <a:r>
+              <a:rPr lang="en-US" altLang="ko-KR" sz="2400" dirty="0"/>
+              <a:t> </a:t>
+            </a:r>
+            <a:endParaRPr lang="ko-KR" altLang="en-US" sz="2400" dirty="0"/>
+          </a:p>
+        </p:txBody>
+      </p:sp>
+    </p:spTree>
+    <p:extLst>
+      <p:ext uri="{BB962C8B-B14F-4D97-AF65-F5344CB8AC3E}">
+        <p14:creationId xmlns:p14="http://schemas.microsoft.com/office/powerpoint/2010/main" val="3717429832"/>
+      </p:ext>
+    </p:extLst>
+  </p:cSld>
+  <p:clrMapOvr>
+    <a:masterClrMapping/>
+  </p:clrMapOvr>
+</p:sld>
+</file>
+
+<file path=ppt/slides/slide20.xml><?xml version="1.0" encoding="utf-8"?>
 <p:sld xmlns:a="http://schemas.openxmlformats.org/drawingml/2006/main" xmlns:r="http://schemas.openxmlformats.org/officeDocument/2006/relationships" xmlns:p="http://schemas.openxmlformats.org/presentationml/2006/main">
   <p:cSld>
     <p:spTree>
@@ -8798,310 +9094,6 @@
 </p:sld>
 </file>
 
-<file path=ppt/slides/slide2.xml><?xml version="1.0" encoding="utf-8"?>
-<p:sld xmlns:a="http://schemas.openxmlformats.org/drawingml/2006/main" xmlns:r="http://schemas.openxmlformats.org/officeDocument/2006/relationships" xmlns:p="http://schemas.openxmlformats.org/presentationml/2006/main">
-  <p:cSld>
-    <p:spTree>
-      <p:nvGrpSpPr>
-        <p:cNvPr id="1" name=""/>
-        <p:cNvGrpSpPr/>
-        <p:nvPr/>
-      </p:nvGrpSpPr>
-      <p:grpSpPr>
-        <a:xfrm>
-          <a:off x="0" y="0"/>
-          <a:ext cx="0" cy="0"/>
-          <a:chOff x="0" y="0"/>
-          <a:chExt cx="0" cy="0"/>
-        </a:xfrm>
-      </p:grpSpPr>
-      <p:pic>
-        <p:nvPicPr>
-          <p:cNvPr id="2" name="Picture 2" descr="http://www.hanbit.co.kr/data/books/B5569582339_l.jpg"/>
-          <p:cNvPicPr>
-            <a:picLocks noChangeAspect="1" noChangeArrowheads="1"/>
-          </p:cNvPicPr>
-          <p:nvPr/>
-        </p:nvPicPr>
-        <p:blipFill>
-          <a:blip r:embed="rId2">
-            <a:extLst>
-              <a:ext uri="{28A0092B-C50C-407E-A947-70E740481C1C}">
-                <a14:useLocalDpi xmlns:a14="http://schemas.microsoft.com/office/drawing/2010/main" val="0"/>
-              </a:ext>
-            </a:extLst>
-          </a:blip>
-          <a:srcRect/>
-          <a:stretch>
-            <a:fillRect/>
-          </a:stretch>
-        </p:blipFill>
-        <p:spPr bwMode="auto">
-          <a:xfrm>
-            <a:off x="1352797" y="1032907"/>
-            <a:ext cx="3810000" cy="5219700"/>
-          </a:xfrm>
-          <a:prstGeom prst="rect">
-            <a:avLst/>
-          </a:prstGeom>
-          <a:noFill/>
-          <a:extLst>
-            <a:ext uri="{909E8E84-426E-40DD-AFC4-6F175D3DCCD1}">
-              <a14:hiddenFill xmlns:a14="http://schemas.microsoft.com/office/drawing/2010/main">
-                <a:solidFill>
-                  <a:srgbClr val="FFFFFF"/>
-                </a:solidFill>
-              </a14:hiddenFill>
-            </a:ext>
-          </a:extLst>
-        </p:spPr>
-      </p:pic>
-      <p:pic>
-        <p:nvPicPr>
-          <p:cNvPr id="1030" name="Picture 6" descr="windows xp에 대한 이미지 검색결과"/>
-          <p:cNvPicPr>
-            <a:picLocks noChangeAspect="1" noChangeArrowheads="1"/>
-          </p:cNvPicPr>
-          <p:nvPr/>
-        </p:nvPicPr>
-        <p:blipFill>
-          <a:blip r:embed="rId3">
-            <a:extLst>
-              <a:ext uri="{28A0092B-C50C-407E-A947-70E740481C1C}">
-                <a14:useLocalDpi xmlns:a14="http://schemas.microsoft.com/office/drawing/2010/main" val="0"/>
-              </a:ext>
-            </a:extLst>
-          </a:blip>
-          <a:srcRect/>
-          <a:stretch>
-            <a:fillRect/>
-          </a:stretch>
-        </p:blipFill>
-        <p:spPr bwMode="auto">
-          <a:xfrm>
-            <a:off x="6214197" y="1643806"/>
-            <a:ext cx="4770477" cy="3577858"/>
-          </a:xfrm>
-          <a:prstGeom prst="rect">
-            <a:avLst/>
-          </a:prstGeom>
-          <a:noFill/>
-          <a:extLst>
-            <a:ext uri="{909E8E84-426E-40DD-AFC4-6F175D3DCCD1}">
-              <a14:hiddenFill xmlns:a14="http://schemas.microsoft.com/office/drawing/2010/main">
-                <a:solidFill>
-                  <a:srgbClr val="FFFFFF"/>
-                </a:solidFill>
-              </a14:hiddenFill>
-            </a:ext>
-          </a:extLst>
-        </p:spPr>
-      </p:pic>
-    </p:spTree>
-    <p:extLst>
-      <p:ext uri="{BB962C8B-B14F-4D97-AF65-F5344CB8AC3E}">
-        <p14:creationId xmlns:p14="http://schemas.microsoft.com/office/powerpoint/2010/main" val="3717429832"/>
-      </p:ext>
-    </p:extLst>
-  </p:cSld>
-  <p:clrMapOvr>
-    <a:masterClrMapping/>
-  </p:clrMapOvr>
-</p:sld>
-</file>
-
-<file path=ppt/slides/slide20.xml><?xml version="1.0" encoding="utf-8"?>
-<p:sld xmlns:a="http://schemas.openxmlformats.org/drawingml/2006/main" xmlns:r="http://schemas.openxmlformats.org/officeDocument/2006/relationships" xmlns:p="http://schemas.openxmlformats.org/presentationml/2006/main">
-  <p:cSld>
-    <p:spTree>
-      <p:nvGrpSpPr>
-        <p:cNvPr id="1" name=""/>
-        <p:cNvGrpSpPr/>
-        <p:nvPr/>
-      </p:nvGrpSpPr>
-      <p:grpSpPr>
-        <a:xfrm>
-          <a:off x="0" y="0"/>
-          <a:ext cx="0" cy="0"/>
-          <a:chOff x="0" y="0"/>
-          <a:chExt cx="0" cy="0"/>
-        </a:xfrm>
-      </p:grpSpPr>
-      <p:sp>
-        <p:nvSpPr>
-          <p:cNvPr id="2" name="TextBox 1"/>
-          <p:cNvSpPr txBox="1"/>
-          <p:nvPr/>
-        </p:nvSpPr>
-        <p:spPr>
-          <a:xfrm>
-            <a:off x="551329" y="322729"/>
-            <a:ext cx="4074459" cy="646331"/>
-          </a:xfrm>
-          <a:prstGeom prst="rect">
-            <a:avLst/>
-          </a:prstGeom>
-          <a:noFill/>
-        </p:spPr>
-        <p:txBody>
-          <a:bodyPr wrap="square" rtlCol="0">
-            <a:spAutoFit/>
-          </a:bodyPr>
-          <a:lstStyle/>
-          <a:p>
-            <a:r>
-              <a:rPr lang="ko-KR" altLang="en-US" sz="3600" b="1" dirty="0"/>
-              <a:t>예제 코드 분석</a:t>
-            </a:r>
-          </a:p>
-        </p:txBody>
-      </p:sp>
-      <p:pic>
-        <p:nvPicPr>
-          <p:cNvPr id="4" name="그림 3"/>
-          <p:cNvPicPr>
-            <a:picLocks noChangeAspect="1"/>
-          </p:cNvPicPr>
-          <p:nvPr/>
-        </p:nvPicPr>
-        <p:blipFill>
-          <a:blip r:embed="rId2"/>
-          <a:stretch>
-            <a:fillRect/>
-          </a:stretch>
-        </p:blipFill>
-        <p:spPr>
-          <a:xfrm>
-            <a:off x="2403021" y="1111214"/>
-            <a:ext cx="5986241" cy="2795772"/>
-          </a:xfrm>
-          <a:prstGeom prst="rect">
-            <a:avLst/>
-          </a:prstGeom>
-        </p:spPr>
-      </p:pic>
-      <p:sp>
-        <p:nvSpPr>
-          <p:cNvPr id="5" name="직사각형 4"/>
-          <p:cNvSpPr/>
-          <p:nvPr/>
-        </p:nvSpPr>
-        <p:spPr>
-          <a:xfrm>
-            <a:off x="803563" y="4049140"/>
-            <a:ext cx="10549247" cy="2677656"/>
-          </a:xfrm>
-          <a:prstGeom prst="rect">
-            <a:avLst/>
-          </a:prstGeom>
-        </p:spPr>
-        <p:txBody>
-          <a:bodyPr wrap="square">
-            <a:spAutoFit/>
-          </a:bodyPr>
-          <a:lstStyle/>
-          <a:p>
-            <a:r>
-              <a:rPr lang="ko-KR" altLang="en-US" sz="2400" dirty="0" err="1"/>
-              <a:t>fdArray의</a:t>
-            </a:r>
-            <a:r>
-              <a:rPr lang="ko-KR" altLang="en-US" sz="2400" dirty="0"/>
-              <a:t> 요소 수가 1</a:t>
-            </a:r>
-            <a:r>
-              <a:rPr lang="en-US" altLang="ko-KR" sz="2400" dirty="0"/>
-              <a:t>6</a:t>
-            </a:r>
-            <a:r>
-              <a:rPr lang="ko-KR" altLang="en-US" sz="2400" dirty="0"/>
-              <a:t>이라면 이것은 1+1</a:t>
-            </a:r>
-            <a:r>
-              <a:rPr lang="en-US" altLang="ko-KR" sz="2400" dirty="0"/>
-              <a:t>5</a:t>
-            </a:r>
-            <a:r>
-              <a:rPr lang="ko-KR" altLang="en-US" sz="2400" dirty="0"/>
-              <a:t>로 </a:t>
-            </a:r>
-            <a:r>
-              <a:rPr lang="ko-KR" altLang="en-US" sz="2400" b="1" dirty="0"/>
-              <a:t>1개의 리슨 소켓과 1</a:t>
-            </a:r>
-            <a:r>
-              <a:rPr lang="en-US" altLang="ko-KR" sz="2400" b="1" dirty="0"/>
-              <a:t>5</a:t>
-            </a:r>
-            <a:r>
-              <a:rPr lang="ko-KR" altLang="en-US" sz="2400" b="1" dirty="0"/>
-              <a:t>개의 서버 소켓의 상태의 변경을 검출하는 목적이다</a:t>
-            </a:r>
-            <a:r>
-              <a:rPr lang="ko-KR" altLang="en-US" sz="2400" dirty="0"/>
-              <a:t>. 즉 접속할 수 있는 클라이언트의 최대 크기는 1</a:t>
-            </a:r>
-            <a:r>
-              <a:rPr lang="en-US" altLang="ko-KR" sz="2400" dirty="0"/>
-              <a:t>5</a:t>
-            </a:r>
-            <a:r>
-              <a:rPr lang="ko-KR" altLang="en-US" sz="2400" dirty="0"/>
-              <a:t>이다. </a:t>
-            </a:r>
-            <a:endParaRPr lang="en-US" altLang="ko-KR" sz="2400" dirty="0"/>
-          </a:p>
-          <a:p>
-            <a:r>
-              <a:rPr lang="ko-KR" altLang="en-US" sz="2400" dirty="0"/>
-              <a:t>초기 상태에서는 서버 소켓은 만들어지 않았으므로(접속한 클라이언트가 없으니) </a:t>
-            </a:r>
-            <a:r>
-              <a:rPr lang="ko-KR" altLang="en-US" sz="2400" dirty="0" err="1"/>
-              <a:t>NULL을</a:t>
-            </a:r>
-            <a:r>
-              <a:rPr lang="ko-KR" altLang="en-US" sz="2400" dirty="0"/>
-              <a:t> 지정하고 리슨 소켓은 배열의 선두에 지정한다.</a:t>
-            </a:r>
-          </a:p>
-          <a:p>
-            <a:r>
-              <a:rPr lang="ko-KR" altLang="en-US" sz="2400" b="1" dirty="0" err="1"/>
-              <a:t>events는</a:t>
-            </a:r>
-            <a:r>
-              <a:rPr lang="ko-KR" altLang="en-US" sz="2400" b="1" dirty="0"/>
-              <a:t> 검출하고 싶은 이벤트를 지정하고 </a:t>
-            </a:r>
-            <a:r>
-              <a:rPr lang="ko-KR" altLang="en-US" sz="2400" b="1" dirty="0" err="1"/>
-              <a:t>POLLRDNORM은</a:t>
-            </a:r>
-            <a:r>
-              <a:rPr lang="ko-KR" altLang="en-US" sz="2400" b="1" dirty="0"/>
-              <a:t> 접속 또는 데이터 읽기 검출을 한다</a:t>
-            </a:r>
-            <a:r>
-              <a:rPr lang="ko-KR" altLang="en-US" sz="2400" dirty="0"/>
-              <a:t>.</a:t>
-            </a:r>
-          </a:p>
-        </p:txBody>
-      </p:sp>
-    </p:spTree>
-    <p:extLst>
-      <p:ext uri="{BB962C8B-B14F-4D97-AF65-F5344CB8AC3E}">
-        <p14:creationId xmlns:p14="http://schemas.microsoft.com/office/powerpoint/2010/main" val="750272973"/>
-      </p:ext>
-    </p:extLst>
-  </p:cSld>
-  <p:clrMapOvr>
-    <a:masterClrMapping/>
-  </p:clrMapOvr>
-</p:sld>
-</file>
-
 <file path=ppt/slides/slide21.xml><?xml version="1.0" encoding="utf-8"?>
 <p:sld xmlns:a="http://schemas.openxmlformats.org/drawingml/2006/main" xmlns:r="http://schemas.openxmlformats.org/officeDocument/2006/relationships" xmlns:p="http://schemas.openxmlformats.org/presentationml/2006/main">
   <p:cSld>
@@ -9119,9 +9111,38 @@
           <a:chExt cx="0" cy="0"/>
         </a:xfrm>
       </p:grpSpPr>
+      <p:sp>
+        <p:nvSpPr>
+          <p:cNvPr id="2" name="TextBox 1"/>
+          <p:cNvSpPr txBox="1"/>
+          <p:nvPr/>
+        </p:nvSpPr>
+        <p:spPr>
+          <a:xfrm>
+            <a:off x="551329" y="322729"/>
+            <a:ext cx="4074459" cy="646331"/>
+          </a:xfrm>
+          <a:prstGeom prst="rect">
+            <a:avLst/>
+          </a:prstGeom>
+          <a:noFill/>
+        </p:spPr>
+        <p:txBody>
+          <a:bodyPr wrap="square" rtlCol="0">
+            <a:spAutoFit/>
+          </a:bodyPr>
+          <a:lstStyle/>
+          <a:p>
+            <a:r>
+              <a:rPr lang="ko-KR" altLang="en-US" sz="3600" b="1" dirty="0"/>
+              <a:t>예제 코드 분석</a:t>
+            </a:r>
+          </a:p>
+        </p:txBody>
+      </p:sp>
       <p:pic>
         <p:nvPicPr>
-          <p:cNvPr id="2" name="그림 1"/>
+          <p:cNvPr id="4" name="그림 3"/>
           <p:cNvPicPr>
             <a:picLocks noChangeAspect="1"/>
           </p:cNvPicPr>
@@ -9135,8 +9156,8 @@
         </p:blipFill>
         <p:spPr>
           <a:xfrm>
-            <a:off x="1114487" y="1099767"/>
-            <a:ext cx="9674048" cy="1987818"/>
+            <a:off x="2403021" y="1111214"/>
+            <a:ext cx="5986241" cy="2795772"/>
           </a:xfrm>
           <a:prstGeom prst="rect">
             <a:avLst/>
@@ -9145,14 +9166,14 @@
       </p:pic>
       <p:sp>
         <p:nvSpPr>
-          <p:cNvPr id="3" name="직사각형 2"/>
+          <p:cNvPr id="5" name="직사각형 4"/>
           <p:cNvSpPr/>
           <p:nvPr/>
         </p:nvSpPr>
         <p:spPr>
           <a:xfrm>
-            <a:off x="761096" y="3351769"/>
-            <a:ext cx="10888597" cy="2554545"/>
+            <a:off x="803563" y="4049140"/>
+            <a:ext cx="10549247" cy="2677656"/>
           </a:xfrm>
           <a:prstGeom prst="rect">
             <a:avLst/>
@@ -9165,57 +9186,89 @@
           <a:lstStyle/>
           <a:p>
             <a:r>
-              <a:rPr lang="ko-KR" altLang="en-US" sz="2000" dirty="0" err="1"/>
-              <a:t>WSAPoll이</a:t>
-            </a:r>
-            <a:r>
-              <a:rPr lang="ko-KR" altLang="en-US" sz="2000" dirty="0"/>
-              <a:t> 0 이하의 값을 반환한 경우에는 함수가 실패했음을 의미하므로 그 뜻을 표시한다. </a:t>
-            </a:r>
-          </a:p>
-          <a:p>
-            <a:r>
-              <a:rPr lang="ko-KR" altLang="en-US" sz="2000" b="1" dirty="0"/>
-              <a:t>0이 반환된 경우에는 타임 아웃이 발생한 것을 의미하며 이 경우 후속 처리를 실행하지 않는다</a:t>
-            </a:r>
-            <a:r>
-              <a:rPr lang="ko-KR" altLang="en-US" sz="2000" dirty="0"/>
-              <a:t>. </a:t>
-            </a:r>
-          </a:p>
-          <a:p>
-            <a:endParaRPr lang="en-US" altLang="ko-KR" sz="2000" dirty="0"/>
-          </a:p>
-          <a:p>
-            <a:r>
-              <a:rPr lang="ko-KR" altLang="en-US" sz="2000" dirty="0"/>
-              <a:t>위 </a:t>
-            </a:r>
-            <a:r>
-              <a:rPr lang="ko-KR" altLang="en-US" sz="2000" dirty="0" err="1"/>
-              <a:t>WSAPoll</a:t>
-            </a:r>
-            <a:r>
-              <a:rPr lang="ko-KR" altLang="en-US" sz="2000" dirty="0"/>
-              <a:t> 호출에서는 </a:t>
-            </a:r>
-            <a:r>
-              <a:rPr lang="ko-KR" altLang="en-US" sz="2000" b="1" dirty="0"/>
-              <a:t>500밀리 초 타임 아웃 값을 지정</a:t>
-            </a:r>
-            <a:r>
-              <a:rPr lang="ko-KR" altLang="en-US" sz="2000" dirty="0"/>
-              <a:t>하고 있지만 본래라면 -1 등의 마이너스 값을 지정하여 이벤트가 발생할 때까지 대기하는 것이 이상적이다.</a:t>
-            </a:r>
-            <a:endParaRPr lang="en-US" altLang="ko-KR" sz="2000" dirty="0"/>
-          </a:p>
-          <a:p>
-            <a:endParaRPr lang="ko-KR" altLang="en-US" sz="2000" dirty="0"/>
-          </a:p>
-          <a:p>
-            <a:r>
-              <a:rPr lang="ko-KR" altLang="en-US" sz="2000" dirty="0"/>
-              <a:t>0 보다 큰 값이 반환된 경우 배열 내의 어떤 소켓에 상태의 변경이 생겼는지 다음 처리에서 확인한다.</a:t>
+              <a:rPr lang="ko-KR" altLang="en-US" sz="2400" dirty="0" err="1"/>
+              <a:t>fdArray의</a:t>
+            </a:r>
+            <a:r>
+              <a:rPr lang="ko-KR" altLang="en-US" sz="2400" dirty="0"/>
+              <a:t> 요소 수가 1</a:t>
+            </a:r>
+            <a:r>
+              <a:rPr lang="en-US" altLang="ko-KR" sz="2400" dirty="0"/>
+              <a:t>6</a:t>
+            </a:r>
+            <a:r>
+              <a:rPr lang="ko-KR" altLang="en-US" sz="2400" dirty="0"/>
+              <a:t>이라면 이것은 1+1</a:t>
+            </a:r>
+            <a:r>
+              <a:rPr lang="en-US" altLang="ko-KR" sz="2400" dirty="0"/>
+              <a:t>5</a:t>
+            </a:r>
+            <a:r>
+              <a:rPr lang="ko-KR" altLang="en-US" sz="2400" dirty="0"/>
+              <a:t>로 </a:t>
+            </a:r>
+            <a:r>
+              <a:rPr lang="ko-KR" altLang="en-US" sz="2400" b="1" dirty="0"/>
+              <a:t>1개의 리슨 소켓과 1</a:t>
+            </a:r>
+            <a:r>
+              <a:rPr lang="en-US" altLang="ko-KR" sz="2400" b="1" dirty="0"/>
+              <a:t>5</a:t>
+            </a:r>
+            <a:r>
+              <a:rPr lang="ko-KR" altLang="en-US" sz="2400" b="1" dirty="0"/>
+              <a:t>개의 서버 소켓의 상태의 변경을 검출하는 목적이다</a:t>
+            </a:r>
+            <a:r>
+              <a:rPr lang="ko-KR" altLang="en-US" sz="2400" dirty="0"/>
+              <a:t>. 즉 접속할 수 있는 클라이언트의 최대 크기는 1</a:t>
+            </a:r>
+            <a:r>
+              <a:rPr lang="en-US" altLang="ko-KR" sz="2400" dirty="0"/>
+              <a:t>5</a:t>
+            </a:r>
+            <a:r>
+              <a:rPr lang="ko-KR" altLang="en-US" sz="2400" dirty="0"/>
+              <a:t>이다. </a:t>
+            </a:r>
+            <a:endParaRPr lang="en-US" altLang="ko-KR" sz="2400" dirty="0"/>
+          </a:p>
+          <a:p>
+            <a:r>
+              <a:rPr lang="ko-KR" altLang="en-US" sz="2400" dirty="0"/>
+              <a:t>초기 상태에서는 서버 소켓은 만들어지 않았으므로(접속한 클라이언트가 없으니) </a:t>
+            </a:r>
+            <a:r>
+              <a:rPr lang="ko-KR" altLang="en-US" sz="2400" dirty="0" err="1"/>
+              <a:t>NULL을</a:t>
+            </a:r>
+            <a:r>
+              <a:rPr lang="ko-KR" altLang="en-US" sz="2400" dirty="0"/>
+              <a:t> 지정하고 리슨 소켓은 배열의 선두에 지정한다.</a:t>
+            </a:r>
+          </a:p>
+          <a:p>
+            <a:r>
+              <a:rPr lang="ko-KR" altLang="en-US" sz="2400" b="1" dirty="0" err="1"/>
+              <a:t>events는</a:t>
+            </a:r>
+            <a:r>
+              <a:rPr lang="ko-KR" altLang="en-US" sz="2400" b="1" dirty="0"/>
+              <a:t> 검출하고 싶은 이벤트를 지정하고 </a:t>
+            </a:r>
+            <a:r>
+              <a:rPr lang="ko-KR" altLang="en-US" sz="2400" b="1" dirty="0" err="1"/>
+              <a:t>POLLRDNORM은</a:t>
+            </a:r>
+            <a:r>
+              <a:rPr lang="ko-KR" altLang="en-US" sz="2400" b="1" dirty="0"/>
+              <a:t> 접속 또는 데이터 읽기 검출을 한다</a:t>
+            </a:r>
+            <a:r>
+              <a:rPr lang="ko-KR" altLang="en-US" sz="2400" dirty="0"/>
+              <a:t>.</a:t>
             </a:r>
           </a:p>
         </p:txBody>
@@ -9223,7 +9276,7 @@
     </p:spTree>
     <p:extLst>
       <p:ext uri="{BB962C8B-B14F-4D97-AF65-F5344CB8AC3E}">
-        <p14:creationId xmlns:p14="http://schemas.microsoft.com/office/powerpoint/2010/main" val="1421070529"/>
+        <p14:creationId xmlns:p14="http://schemas.microsoft.com/office/powerpoint/2010/main" val="750272973"/>
       </p:ext>
     </p:extLst>
   </p:cSld>
@@ -9266,6 +9319,137 @@
         </p:blipFill>
         <p:spPr>
           <a:xfrm>
+            <a:off x="1114487" y="1099767"/>
+            <a:ext cx="9674048" cy="1987818"/>
+          </a:xfrm>
+          <a:prstGeom prst="rect">
+            <a:avLst/>
+          </a:prstGeom>
+        </p:spPr>
+      </p:pic>
+      <p:sp>
+        <p:nvSpPr>
+          <p:cNvPr id="3" name="직사각형 2"/>
+          <p:cNvSpPr/>
+          <p:nvPr/>
+        </p:nvSpPr>
+        <p:spPr>
+          <a:xfrm>
+            <a:off x="761096" y="3351769"/>
+            <a:ext cx="10888597" cy="2554545"/>
+          </a:xfrm>
+          <a:prstGeom prst="rect">
+            <a:avLst/>
+          </a:prstGeom>
+        </p:spPr>
+        <p:txBody>
+          <a:bodyPr wrap="square">
+            <a:spAutoFit/>
+          </a:bodyPr>
+          <a:lstStyle/>
+          <a:p>
+            <a:r>
+              <a:rPr lang="ko-KR" altLang="en-US" sz="2000" dirty="0" err="1"/>
+              <a:t>WSAPoll이</a:t>
+            </a:r>
+            <a:r>
+              <a:rPr lang="ko-KR" altLang="en-US" sz="2000" dirty="0"/>
+              <a:t> 0 이하의 값을 반환한 경우에는 함수가 실패했음을 의미하므로 그 뜻을 표시한다. </a:t>
+            </a:r>
+          </a:p>
+          <a:p>
+            <a:r>
+              <a:rPr lang="ko-KR" altLang="en-US" sz="2000" b="1" dirty="0"/>
+              <a:t>0이 반환된 경우에는 타임 아웃이 발생한 것을 의미하며 이 경우 후속 처리를 실행하지 않는다</a:t>
+            </a:r>
+            <a:r>
+              <a:rPr lang="ko-KR" altLang="en-US" sz="2000" dirty="0"/>
+              <a:t>. </a:t>
+            </a:r>
+          </a:p>
+          <a:p>
+            <a:endParaRPr lang="en-US" altLang="ko-KR" sz="2000" dirty="0"/>
+          </a:p>
+          <a:p>
+            <a:r>
+              <a:rPr lang="ko-KR" altLang="en-US" sz="2000" dirty="0"/>
+              <a:t>위 </a:t>
+            </a:r>
+            <a:r>
+              <a:rPr lang="ko-KR" altLang="en-US" sz="2000" dirty="0" err="1"/>
+              <a:t>WSAPoll</a:t>
+            </a:r>
+            <a:r>
+              <a:rPr lang="ko-KR" altLang="en-US" sz="2000" dirty="0"/>
+              <a:t> 호출에서는 </a:t>
+            </a:r>
+            <a:r>
+              <a:rPr lang="ko-KR" altLang="en-US" sz="2000" b="1" dirty="0"/>
+              <a:t>500밀리 초 타임 아웃 값을 지정</a:t>
+            </a:r>
+            <a:r>
+              <a:rPr lang="ko-KR" altLang="en-US" sz="2000" dirty="0"/>
+              <a:t>하고 있지만 본래라면 -1 등의 마이너스 값을 지정하여 이벤트가 발생할 때까지 대기하는 것이 이상적이다.</a:t>
+            </a:r>
+            <a:endParaRPr lang="en-US" altLang="ko-KR" sz="2000" dirty="0"/>
+          </a:p>
+          <a:p>
+            <a:endParaRPr lang="ko-KR" altLang="en-US" sz="2000" dirty="0"/>
+          </a:p>
+          <a:p>
+            <a:r>
+              <a:rPr lang="ko-KR" altLang="en-US" sz="2000" dirty="0"/>
+              <a:t>0 보다 큰 값이 반환된 경우 배열 내의 어떤 소켓에 상태의 변경이 생겼는지 다음 처리에서 확인한다.</a:t>
+            </a:r>
+          </a:p>
+        </p:txBody>
+      </p:sp>
+    </p:spTree>
+    <p:extLst>
+      <p:ext uri="{BB962C8B-B14F-4D97-AF65-F5344CB8AC3E}">
+        <p14:creationId xmlns:p14="http://schemas.microsoft.com/office/powerpoint/2010/main" val="1421070529"/>
+      </p:ext>
+    </p:extLst>
+  </p:cSld>
+  <p:clrMapOvr>
+    <a:masterClrMapping/>
+  </p:clrMapOvr>
+</p:sld>
+</file>
+
+<file path=ppt/slides/slide23.xml><?xml version="1.0" encoding="utf-8"?>
+<p:sld xmlns:a="http://schemas.openxmlformats.org/drawingml/2006/main" xmlns:r="http://schemas.openxmlformats.org/officeDocument/2006/relationships" xmlns:p="http://schemas.openxmlformats.org/presentationml/2006/main">
+  <p:cSld>
+    <p:spTree>
+      <p:nvGrpSpPr>
+        <p:cNvPr id="1" name=""/>
+        <p:cNvGrpSpPr/>
+        <p:nvPr/>
+      </p:nvGrpSpPr>
+      <p:grpSpPr>
+        <a:xfrm>
+          <a:off x="0" y="0"/>
+          <a:ext cx="0" cy="0"/>
+          <a:chOff x="0" y="0"/>
+          <a:chExt cx="0" cy="0"/>
+        </a:xfrm>
+      </p:grpSpPr>
+      <p:pic>
+        <p:nvPicPr>
+          <p:cNvPr id="2" name="그림 1"/>
+          <p:cNvPicPr>
+            <a:picLocks noChangeAspect="1"/>
+          </p:cNvPicPr>
+          <p:nvPr/>
+        </p:nvPicPr>
+        <p:blipFill>
+          <a:blip r:embed="rId2"/>
+          <a:stretch>
+            <a:fillRect/>
+          </a:stretch>
+        </p:blipFill>
+        <p:spPr>
+          <a:xfrm>
             <a:off x="2587150" y="649218"/>
             <a:ext cx="6449972" cy="4139323"/>
           </a:xfrm>
@@ -9382,7 +9566,7 @@
 </p:sld>
 </file>
 
-<file path=ppt/slides/slide23.xml><?xml version="1.0" encoding="utf-8"?>
+<file path=ppt/slides/slide24.xml><?xml version="1.0" encoding="utf-8"?>
 <p:sld xmlns:a="http://schemas.openxmlformats.org/drawingml/2006/main" xmlns:r="http://schemas.openxmlformats.org/officeDocument/2006/relationships" xmlns:p="http://schemas.openxmlformats.org/presentationml/2006/main">
   <p:cSld>
     <p:spTree>
@@ -9436,144 +9620,6 @@
 </p:sld>
 </file>
 
-<file path=ppt/slides/slide24.xml><?xml version="1.0" encoding="utf-8"?>
-<p:sld xmlns:a="http://schemas.openxmlformats.org/drawingml/2006/main" xmlns:r="http://schemas.openxmlformats.org/officeDocument/2006/relationships" xmlns:p="http://schemas.openxmlformats.org/presentationml/2006/main">
-  <p:cSld>
-    <p:spTree>
-      <p:nvGrpSpPr>
-        <p:cNvPr id="1" name=""/>
-        <p:cNvGrpSpPr/>
-        <p:nvPr/>
-      </p:nvGrpSpPr>
-      <p:grpSpPr>
-        <a:xfrm>
-          <a:off x="0" y="0"/>
-          <a:ext cx="0" cy="0"/>
-          <a:chOff x="0" y="0"/>
-          <a:chExt cx="0" cy="0"/>
-        </a:xfrm>
-      </p:grpSpPr>
-      <p:sp>
-        <p:nvSpPr>
-          <p:cNvPr id="2" name="TextBox 1"/>
-          <p:cNvSpPr txBox="1"/>
-          <p:nvPr/>
-        </p:nvSpPr>
-        <p:spPr>
-          <a:xfrm>
-            <a:off x="551329" y="322729"/>
-            <a:ext cx="4074459" cy="646331"/>
-          </a:xfrm>
-          <a:prstGeom prst="rect">
-            <a:avLst/>
-          </a:prstGeom>
-          <a:noFill/>
-        </p:spPr>
-        <p:txBody>
-          <a:bodyPr wrap="square" rtlCol="0">
-            <a:spAutoFit/>
-          </a:bodyPr>
-          <a:lstStyle/>
-          <a:p>
-            <a:r>
-              <a:rPr lang="en-US" altLang="ko-KR" sz="3600" b="1" dirty="0" err="1"/>
-              <a:t>linux</a:t>
-            </a:r>
-            <a:r>
-              <a:rPr lang="ko-KR" altLang="en-US" sz="3600" b="1" dirty="0"/>
-              <a:t>의 </a:t>
-            </a:r>
-            <a:r>
-              <a:rPr lang="en-US" altLang="ko-KR" sz="3600" b="1" dirty="0"/>
-              <a:t>poll</a:t>
-            </a:r>
-            <a:endParaRPr lang="ko-KR" altLang="en-US" sz="3600" b="1" dirty="0"/>
-          </a:p>
-        </p:txBody>
-      </p:sp>
-      <p:sp>
-        <p:nvSpPr>
-          <p:cNvPr id="3" name="직사각형 2"/>
-          <p:cNvSpPr/>
-          <p:nvPr/>
-        </p:nvSpPr>
-        <p:spPr>
-          <a:xfrm>
-            <a:off x="551329" y="1153184"/>
-            <a:ext cx="10425952" cy="3416320"/>
-          </a:xfrm>
-          <a:prstGeom prst="rect">
-            <a:avLst/>
-          </a:prstGeom>
-        </p:spPr>
-        <p:txBody>
-          <a:bodyPr wrap="square">
-            <a:spAutoFit/>
-          </a:bodyPr>
-          <a:lstStyle/>
-          <a:p>
-            <a:r>
-              <a:rPr lang="en-US" altLang="ko-KR" sz="2400" dirty="0"/>
-              <a:t>poll </a:t>
-            </a:r>
-            <a:r>
-              <a:rPr lang="ko-KR" altLang="en-US" sz="2400" dirty="0"/>
-              <a:t>함수 예제</a:t>
-            </a:r>
-          </a:p>
-          <a:p>
-            <a:r>
-              <a:rPr lang="en-US" altLang="ko-KR" sz="2400" dirty="0">
-                <a:hlinkClick r:id="rId2"/>
-              </a:rPr>
-              <a:t>http://sfixer.tistory.com/entry/%EA%B1%B0%EA%BE%B8%EB%A1%9C-%EC%8B%9C%EC%9E%91%ED%95%98%EB%8A%94-%EC%8B%9C%EC%8A%A4%ED%85%9C-%ED%94%84%EB%A1%9C%EA%B7%B8%EB%9E%98%EB%B0%8D-poll-%ED%95%A8%EC%88%98-%EC%98%88%EC%A0%9C</a:t>
-            </a:r>
-            <a:r>
-              <a:rPr lang="en-US" altLang="ko-KR" sz="2400" dirty="0"/>
-              <a:t> </a:t>
-            </a:r>
-          </a:p>
-          <a:p>
-            <a:endParaRPr lang="en-US" altLang="ko-KR" sz="2400" dirty="0"/>
-          </a:p>
-          <a:p>
-            <a:r>
-              <a:rPr lang="en-US" altLang="ko-KR" sz="2400" dirty="0"/>
-              <a:t>Poll</a:t>
-            </a:r>
-            <a:r>
-              <a:rPr lang="ko-KR" altLang="en-US" sz="2400" dirty="0"/>
-              <a:t>을 이용한 다중서버 예제</a:t>
-            </a:r>
-          </a:p>
-          <a:p>
-            <a:r>
-              <a:rPr lang="en-US" altLang="ko-KR" sz="2400" dirty="0">
-                <a:hlinkClick r:id="rId3"/>
-              </a:rPr>
-              <a:t>http://robelias.tistory.com/2</a:t>
-            </a:r>
-            <a:r>
-              <a:rPr lang="en-US" altLang="ko-KR" sz="2400" dirty="0"/>
-              <a:t> </a:t>
-            </a:r>
-            <a:endParaRPr lang="ko-KR" altLang="en-US" sz="2400" dirty="0"/>
-          </a:p>
-        </p:txBody>
-      </p:sp>
-    </p:spTree>
-    <p:extLst>
-      <p:ext uri="{BB962C8B-B14F-4D97-AF65-F5344CB8AC3E}">
-        <p14:creationId xmlns:p14="http://schemas.microsoft.com/office/powerpoint/2010/main" val="1973882705"/>
-      </p:ext>
-    </p:extLst>
-  </p:cSld>
-  <p:clrMapOvr>
-    <a:masterClrMapping/>
-  </p:clrMapOvr>
-</p:sld>
-</file>
-
 <file path=ppt/slides/slide25.xml><?xml version="1.0" encoding="utf-8"?>
 <p:sld xmlns:a="http://schemas.openxmlformats.org/drawingml/2006/main" xmlns:r="http://schemas.openxmlformats.org/officeDocument/2006/relationships" xmlns:p="http://schemas.openxmlformats.org/presentationml/2006/main">
   <p:cSld>
@@ -9600,7 +9646,7 @@
         <p:spPr>
           <a:xfrm>
             <a:off x="551329" y="322729"/>
-            <a:ext cx="7381388" cy="646331"/>
+            <a:ext cx="4074459" cy="646331"/>
           </a:xfrm>
           <a:prstGeom prst="rect">
             <a:avLst/>
@@ -9614,28 +9660,16 @@
           <a:lstStyle/>
           <a:p>
             <a:r>
-              <a:rPr lang="en-US" altLang="ko-KR" sz="3600" b="1" dirty="0"/>
-              <a:t>.NET</a:t>
+              <a:rPr lang="en-US" altLang="ko-KR" sz="3600" b="1" dirty="0" err="1"/>
+              <a:t>linux</a:t>
             </a:r>
             <a:r>
               <a:rPr lang="ko-KR" altLang="en-US" sz="3600" b="1" dirty="0"/>
               <a:t>의 </a:t>
             </a:r>
             <a:r>
-              <a:rPr lang="en-US" altLang="ko-KR" sz="3600" b="1" dirty="0" err="1"/>
-              <a:t>Sokcet.Poll</a:t>
-            </a:r>
-            <a:r>
               <a:rPr lang="en-US" altLang="ko-KR" sz="3600" b="1" dirty="0"/>
-              <a:t> </a:t>
-            </a:r>
-            <a:r>
-              <a:rPr lang="ko-KR" altLang="en-US" sz="3600" b="1" dirty="0"/>
-              <a:t>이 있지만</a:t>
-            </a:r>
-            <a:r>
-              <a:rPr lang="en-US" altLang="ko-KR" sz="3600" b="1" dirty="0"/>
-              <a:t>…</a:t>
+              <a:t>poll</a:t>
             </a:r>
             <a:endParaRPr lang="ko-KR" altLang="en-US" sz="3600" b="1" dirty="0"/>
           </a:p>
@@ -9649,8 +9683,8 @@
         </p:nvSpPr>
         <p:spPr>
           <a:xfrm>
-            <a:off x="551329" y="1153185"/>
-            <a:ext cx="10817140" cy="738664"/>
+            <a:off x="551329" y="1153184"/>
+            <a:ext cx="10425952" cy="3416320"/>
           </a:xfrm>
           <a:prstGeom prst="rect">
             <a:avLst/>
@@ -9663,62 +9697,58 @@
           <a:lstStyle/>
           <a:p>
             <a:r>
-              <a:rPr lang="ko-KR" altLang="en-US" sz="2400" dirty="0"/>
-              <a:t>당연하게 닷넷에서도 </a:t>
-            </a:r>
-            <a:r>
               <a:rPr lang="en-US" altLang="ko-KR" sz="2400" dirty="0"/>
               <a:t>poll </a:t>
             </a:r>
             <a:r>
               <a:rPr lang="ko-KR" altLang="en-US" sz="2400" dirty="0"/>
-              <a:t>함수를 지원한다</a:t>
-            </a:r>
-            <a:r>
-              <a:rPr lang="en-US" altLang="ko-KR" sz="2400" dirty="0"/>
-              <a:t>. </a:t>
-            </a:r>
-            <a:br>
-              <a:rPr lang="en-US" altLang="ko-KR" sz="2400" dirty="0"/>
-            </a:br>
-            <a:r>
-              <a:rPr lang="en-US" altLang="ko-KR" dirty="0">
+              <a:t>함수 예제</a:t>
+            </a:r>
+          </a:p>
+          <a:p>
+            <a:r>
+              <a:rPr lang="en-US" altLang="ko-KR" sz="2400" dirty="0">
                 <a:hlinkClick r:id="rId2"/>
               </a:rPr>
-              <a:t>https://msdn.microsoft.com/ko-kr/library/system.net.sockets.socket.poll(v=vs.110).aspx</a:t>
+              <a:t>http://sfixer.tistory.com/entry/%EA%B1%B0%EA%BE%B8%EB%A1%9C-%EC%8B%9C%EC%9E%91%ED%95%98%EB%8A%94-%EC%8B%9C%EC%8A%A4%ED%85%9C-%ED%94%84%EB%A1%9C%EA%B7%B8%EB%9E%98%EB%B0%8D-poll-%ED%95%A8%EC%88%98-%EC%98%88%EC%A0%9C</a:t>
+            </a:r>
+            <a:r>
+              <a:rPr lang="en-US" altLang="ko-KR" sz="2400" dirty="0"/>
+              <a:t> </a:t>
+            </a:r>
+          </a:p>
+          <a:p>
+            <a:endParaRPr lang="en-US" altLang="ko-KR" sz="2400" dirty="0"/>
+          </a:p>
+          <a:p>
+            <a:r>
+              <a:rPr lang="en-US" altLang="ko-KR" sz="2400" dirty="0"/>
+              <a:t>Poll</a:t>
+            </a:r>
+            <a:r>
+              <a:rPr lang="ko-KR" altLang="en-US" sz="2400" dirty="0"/>
+              <a:t>을 이용한 다중서버 예제</a:t>
+            </a:r>
+          </a:p>
+          <a:p>
+            <a:r>
+              <a:rPr lang="en-US" altLang="ko-KR" sz="2400" dirty="0">
+                <a:hlinkClick r:id="rId3"/>
+              </a:rPr>
+              <a:t>http://robelias.tistory.com/2</a:t>
+            </a:r>
+            <a:r>
+              <a:rPr lang="en-US" altLang="ko-KR" sz="2400" dirty="0"/>
+              <a:t> </a:t>
             </a:r>
             <a:endParaRPr lang="ko-KR" altLang="en-US" sz="2400" dirty="0"/>
           </a:p>
         </p:txBody>
       </p:sp>
-      <p:pic>
-        <p:nvPicPr>
-          <p:cNvPr id="4" name="그림 3"/>
-          <p:cNvPicPr>
-            <a:picLocks noChangeAspect="1"/>
-          </p:cNvPicPr>
-          <p:nvPr/>
-        </p:nvPicPr>
-        <p:blipFill>
-          <a:blip r:embed="rId3"/>
-          <a:stretch>
-            <a:fillRect/>
-          </a:stretch>
-        </p:blipFill>
-        <p:spPr>
-          <a:xfrm>
-            <a:off x="2878273" y="1939349"/>
-            <a:ext cx="6163252" cy="4681086"/>
-          </a:xfrm>
-          <a:prstGeom prst="rect">
-            <a:avLst/>
-          </a:prstGeom>
-        </p:spPr>
-      </p:pic>
     </p:spTree>
     <p:extLst>
       <p:ext uri="{BB962C8B-B14F-4D97-AF65-F5344CB8AC3E}">
-        <p14:creationId xmlns:p14="http://schemas.microsoft.com/office/powerpoint/2010/main" val="1989872692"/>
+        <p14:creationId xmlns:p14="http://schemas.microsoft.com/office/powerpoint/2010/main" val="1973882705"/>
       </p:ext>
     </p:extLst>
   </p:cSld>
@@ -9754,6 +9784,160 @@
         <p:spPr>
           <a:xfrm>
             <a:off x="551329" y="322729"/>
+            <a:ext cx="7381388" cy="646331"/>
+          </a:xfrm>
+          <a:prstGeom prst="rect">
+            <a:avLst/>
+          </a:prstGeom>
+          <a:noFill/>
+        </p:spPr>
+        <p:txBody>
+          <a:bodyPr wrap="square" rtlCol="0">
+            <a:spAutoFit/>
+          </a:bodyPr>
+          <a:lstStyle/>
+          <a:p>
+            <a:r>
+              <a:rPr lang="en-US" altLang="ko-KR" sz="3600" b="1" dirty="0"/>
+              <a:t>.NET</a:t>
+            </a:r>
+            <a:r>
+              <a:rPr lang="ko-KR" altLang="en-US" sz="3600" b="1" dirty="0"/>
+              <a:t>의 </a:t>
+            </a:r>
+            <a:r>
+              <a:rPr lang="en-US" altLang="ko-KR" sz="3600" b="1" dirty="0" err="1"/>
+              <a:t>Sokcet.Poll</a:t>
+            </a:r>
+            <a:r>
+              <a:rPr lang="en-US" altLang="ko-KR" sz="3600" b="1" dirty="0"/>
+              <a:t> </a:t>
+            </a:r>
+            <a:r>
+              <a:rPr lang="ko-KR" altLang="en-US" sz="3600" b="1" dirty="0"/>
+              <a:t>이 있지만</a:t>
+            </a:r>
+            <a:r>
+              <a:rPr lang="en-US" altLang="ko-KR" sz="3600" b="1" dirty="0"/>
+              <a:t>…</a:t>
+            </a:r>
+            <a:endParaRPr lang="ko-KR" altLang="en-US" sz="3600" b="1" dirty="0"/>
+          </a:p>
+        </p:txBody>
+      </p:sp>
+      <p:sp>
+        <p:nvSpPr>
+          <p:cNvPr id="3" name="직사각형 2"/>
+          <p:cNvSpPr/>
+          <p:nvPr/>
+        </p:nvSpPr>
+        <p:spPr>
+          <a:xfrm>
+            <a:off x="551329" y="1153185"/>
+            <a:ext cx="10817140" cy="738664"/>
+          </a:xfrm>
+          <a:prstGeom prst="rect">
+            <a:avLst/>
+          </a:prstGeom>
+        </p:spPr>
+        <p:txBody>
+          <a:bodyPr wrap="square">
+            <a:spAutoFit/>
+          </a:bodyPr>
+          <a:lstStyle/>
+          <a:p>
+            <a:r>
+              <a:rPr lang="ko-KR" altLang="en-US" sz="2400" dirty="0"/>
+              <a:t>당연하게 닷넷에서도 </a:t>
+            </a:r>
+            <a:r>
+              <a:rPr lang="en-US" altLang="ko-KR" sz="2400" dirty="0"/>
+              <a:t>poll </a:t>
+            </a:r>
+            <a:r>
+              <a:rPr lang="ko-KR" altLang="en-US" sz="2400" dirty="0"/>
+              <a:t>함수를 지원한다</a:t>
+            </a:r>
+            <a:r>
+              <a:rPr lang="en-US" altLang="ko-KR" sz="2400" dirty="0"/>
+              <a:t>. </a:t>
+            </a:r>
+            <a:br>
+              <a:rPr lang="en-US" altLang="ko-KR" sz="2400" dirty="0"/>
+            </a:br>
+            <a:r>
+              <a:rPr lang="en-US" altLang="ko-KR" dirty="0">
+                <a:hlinkClick r:id="rId2"/>
+              </a:rPr>
+              <a:t>https://msdn.microsoft.com/ko-kr/library/system.net.sockets.socket.poll(v=vs.110).aspx</a:t>
+            </a:r>
+            <a:endParaRPr lang="ko-KR" altLang="en-US" sz="2400" dirty="0"/>
+          </a:p>
+        </p:txBody>
+      </p:sp>
+      <p:pic>
+        <p:nvPicPr>
+          <p:cNvPr id="4" name="그림 3"/>
+          <p:cNvPicPr>
+            <a:picLocks noChangeAspect="1"/>
+          </p:cNvPicPr>
+          <p:nvPr/>
+        </p:nvPicPr>
+        <p:blipFill>
+          <a:blip r:embed="rId3"/>
+          <a:stretch>
+            <a:fillRect/>
+          </a:stretch>
+        </p:blipFill>
+        <p:spPr>
+          <a:xfrm>
+            <a:off x="2878273" y="1939349"/>
+            <a:ext cx="6163252" cy="4681086"/>
+          </a:xfrm>
+          <a:prstGeom prst="rect">
+            <a:avLst/>
+          </a:prstGeom>
+        </p:spPr>
+      </p:pic>
+    </p:spTree>
+    <p:extLst>
+      <p:ext uri="{BB962C8B-B14F-4D97-AF65-F5344CB8AC3E}">
+        <p14:creationId xmlns:p14="http://schemas.microsoft.com/office/powerpoint/2010/main" val="1989872692"/>
+      </p:ext>
+    </p:extLst>
+  </p:cSld>
+  <p:clrMapOvr>
+    <a:masterClrMapping/>
+  </p:clrMapOvr>
+</p:sld>
+</file>
+
+<file path=ppt/slides/slide27.xml><?xml version="1.0" encoding="utf-8"?>
+<p:sld xmlns:a="http://schemas.openxmlformats.org/drawingml/2006/main" xmlns:r="http://schemas.openxmlformats.org/officeDocument/2006/relationships" xmlns:p="http://schemas.openxmlformats.org/presentationml/2006/main">
+  <p:cSld>
+    <p:spTree>
+      <p:nvGrpSpPr>
+        <p:cNvPr id="1" name=""/>
+        <p:cNvGrpSpPr/>
+        <p:nvPr/>
+      </p:nvGrpSpPr>
+      <p:grpSpPr>
+        <a:xfrm>
+          <a:off x="0" y="0"/>
+          <a:ext cx="0" cy="0"/>
+          <a:chOff x="0" y="0"/>
+          <a:chExt cx="0" cy="0"/>
+        </a:xfrm>
+      </p:grpSpPr>
+      <p:sp>
+        <p:nvSpPr>
+          <p:cNvPr id="2" name="TextBox 1"/>
+          <p:cNvSpPr txBox="1"/>
+          <p:nvPr/>
+        </p:nvSpPr>
+        <p:spPr>
+          <a:xfrm>
+            <a:off x="551329" y="322729"/>
             <a:ext cx="4074459" cy="646331"/>
           </a:xfrm>
           <a:prstGeom prst="rect">
@@ -10070,7 +10254,7 @@
 </p:sld>
 </file>
 
-<file path=ppt/slides/slide27.xml><?xml version="1.0" encoding="utf-8"?>
+<file path=ppt/slides/slide28.xml><?xml version="1.0" encoding="utf-8"?>
 <p:sld xmlns:a="http://schemas.openxmlformats.org/drawingml/2006/main" xmlns:r="http://schemas.openxmlformats.org/officeDocument/2006/relationships" xmlns:p="http://schemas.openxmlformats.org/presentationml/2006/main">
   <p:cSld>
     <p:spTree>
@@ -10148,194 +10332,6 @@
 </p:sld>
 </file>
 
-<file path=ppt/slides/slide28.xml><?xml version="1.0" encoding="utf-8"?>
-<p:sld xmlns:a="http://schemas.openxmlformats.org/drawingml/2006/main" xmlns:r="http://schemas.openxmlformats.org/officeDocument/2006/relationships" xmlns:p="http://schemas.openxmlformats.org/presentationml/2006/main">
-  <p:cSld>
-    <p:spTree>
-      <p:nvGrpSpPr>
-        <p:cNvPr id="1" name=""/>
-        <p:cNvGrpSpPr/>
-        <p:nvPr/>
-      </p:nvGrpSpPr>
-      <p:grpSpPr>
-        <a:xfrm>
-          <a:off x="0" y="0"/>
-          <a:ext cx="0" cy="0"/>
-          <a:chOff x="0" y="0"/>
-          <a:chExt cx="0" cy="0"/>
-        </a:xfrm>
-      </p:grpSpPr>
-      <p:sp>
-        <p:nvSpPr>
-          <p:cNvPr id="2" name="TextBox 1"/>
-          <p:cNvSpPr txBox="1"/>
-          <p:nvPr/>
-        </p:nvSpPr>
-        <p:spPr>
-          <a:xfrm>
-            <a:off x="551328" y="322729"/>
-            <a:ext cx="11282083" cy="646331"/>
-          </a:xfrm>
-          <a:prstGeom prst="rect">
-            <a:avLst/>
-          </a:prstGeom>
-          <a:noFill/>
-        </p:spPr>
-        <p:txBody>
-          <a:bodyPr wrap="square" rtlCol="0">
-            <a:spAutoFit/>
-          </a:bodyPr>
-          <a:lstStyle/>
-          <a:p>
-            <a:r>
-              <a:rPr lang="en-US" altLang="ko-KR" sz="3600" b="1" dirty="0"/>
-              <a:t>UDS (Unix Domain Socket)</a:t>
-            </a:r>
-            <a:endParaRPr lang="ko-KR" altLang="en-US" sz="3600" b="1" dirty="0"/>
-          </a:p>
-        </p:txBody>
-      </p:sp>
-      <p:sp>
-        <p:nvSpPr>
-          <p:cNvPr id="4" name="직사각형 3"/>
-          <p:cNvSpPr/>
-          <p:nvPr/>
-        </p:nvSpPr>
-        <p:spPr>
-          <a:xfrm>
-            <a:off x="7865722" y="5912674"/>
-            <a:ext cx="3967689" cy="276999"/>
-          </a:xfrm>
-          <a:prstGeom prst="rect">
-            <a:avLst/>
-          </a:prstGeom>
-        </p:spPr>
-        <p:txBody>
-          <a:bodyPr wrap="none">
-            <a:spAutoFit/>
-          </a:bodyPr>
-          <a:lstStyle/>
-          <a:p>
-            <a:r>
-              <a:rPr lang="ko-KR" altLang="en-US" sz="1200" dirty="0"/>
-              <a:t>출처</a:t>
-            </a:r>
-            <a:r>
-              <a:rPr lang="en-US" altLang="ko-KR" sz="1200" dirty="0"/>
-              <a:t>: </a:t>
-            </a:r>
-            <a:r>
-              <a:rPr lang="ko-KR" altLang="en-US" sz="1200" dirty="0">
-                <a:hlinkClick r:id="rId2"/>
-              </a:rPr>
-              <a:t>http://www.dreamy.pe.kr/zbxe/CodeClip/119393</a:t>
-            </a:r>
-            <a:r>
-              <a:rPr lang="ko-KR" altLang="en-US" sz="1200" dirty="0"/>
-              <a:t> </a:t>
-            </a:r>
-          </a:p>
-        </p:txBody>
-      </p:sp>
-      <p:pic>
-        <p:nvPicPr>
-          <p:cNvPr id="6" name="그림 5"/>
-          <p:cNvPicPr>
-            <a:picLocks noChangeAspect="1"/>
-          </p:cNvPicPr>
-          <p:nvPr/>
-        </p:nvPicPr>
-        <p:blipFill>
-          <a:blip r:embed="rId3"/>
-          <a:stretch>
-            <a:fillRect/>
-          </a:stretch>
-        </p:blipFill>
-        <p:spPr>
-          <a:xfrm>
-            <a:off x="551328" y="1118198"/>
-            <a:ext cx="11414520" cy="4783838"/>
-          </a:xfrm>
-          <a:prstGeom prst="rect">
-            <a:avLst/>
-          </a:prstGeom>
-        </p:spPr>
-      </p:pic>
-      <p:sp>
-        <p:nvSpPr>
-          <p:cNvPr id="7" name="TextBox 6"/>
-          <p:cNvSpPr txBox="1"/>
-          <p:nvPr/>
-        </p:nvSpPr>
-        <p:spPr>
-          <a:xfrm>
-            <a:off x="688768" y="1225787"/>
-            <a:ext cx="8182100" cy="769268"/>
-          </a:xfrm>
-          <a:prstGeom prst="rect">
-            <a:avLst/>
-          </a:prstGeom>
-          <a:noFill/>
-          <a:ln w="28575">
-            <a:solidFill>
-              <a:srgbClr val="FF0000"/>
-            </a:solidFill>
-          </a:ln>
-        </p:spPr>
-        <p:txBody>
-          <a:bodyPr wrap="square" rtlCol="0">
-            <a:spAutoFit/>
-          </a:bodyPr>
-          <a:lstStyle/>
-          <a:p>
-            <a:endParaRPr lang="ko-KR" altLang="en-US" dirty="0"/>
-          </a:p>
-        </p:txBody>
-      </p:sp>
-      <p:sp>
-        <p:nvSpPr>
-          <p:cNvPr id="8" name="TextBox 7"/>
-          <p:cNvSpPr txBox="1"/>
-          <p:nvPr/>
-        </p:nvSpPr>
-        <p:spPr>
-          <a:xfrm>
-            <a:off x="688768" y="2791336"/>
-            <a:ext cx="10960926" cy="403126"/>
-          </a:xfrm>
-          <a:prstGeom prst="rect">
-            <a:avLst/>
-          </a:prstGeom>
-          <a:noFill/>
-          <a:ln w="28575">
-            <a:solidFill>
-              <a:srgbClr val="FF0000"/>
-            </a:solidFill>
-          </a:ln>
-        </p:spPr>
-        <p:txBody>
-          <a:bodyPr wrap="square" rtlCol="0">
-            <a:spAutoFit/>
-          </a:bodyPr>
-          <a:lstStyle/>
-          <a:p>
-            <a:endParaRPr lang="ko-KR" altLang="en-US" dirty="0"/>
-          </a:p>
-        </p:txBody>
-      </p:sp>
-    </p:spTree>
-    <p:extLst>
-      <p:ext uri="{BB962C8B-B14F-4D97-AF65-F5344CB8AC3E}">
-        <p14:creationId xmlns:p14="http://schemas.microsoft.com/office/powerpoint/2010/main" val="1816069401"/>
-      </p:ext>
-    </p:extLst>
-  </p:cSld>
-  <p:clrMapOvr>
-    <a:masterClrMapping/>
-  </p:clrMapOvr>
-</p:sld>
-</file>
-
 <file path=ppt/slides/slide29.xml><?xml version="1.0" encoding="utf-8"?>
 <p:sld xmlns:a="http://schemas.openxmlformats.org/drawingml/2006/main" xmlns:r="http://schemas.openxmlformats.org/officeDocument/2006/relationships" xmlns:p="http://schemas.openxmlformats.org/presentationml/2006/main">
   <p:cSld>
@@ -10355,6 +10351,306 @@
       </p:grpSpPr>
       <p:sp>
         <p:nvSpPr>
+          <p:cNvPr id="2" name="TextBox 1"/>
+          <p:cNvSpPr txBox="1"/>
+          <p:nvPr/>
+        </p:nvSpPr>
+        <p:spPr>
+          <a:xfrm>
+            <a:off x="551328" y="322729"/>
+            <a:ext cx="11282083" cy="646331"/>
+          </a:xfrm>
+          <a:prstGeom prst="rect">
+            <a:avLst/>
+          </a:prstGeom>
+          <a:noFill/>
+        </p:spPr>
+        <p:txBody>
+          <a:bodyPr wrap="square" rtlCol="0">
+            <a:spAutoFit/>
+          </a:bodyPr>
+          <a:lstStyle/>
+          <a:p>
+            <a:r>
+              <a:rPr lang="en-US" altLang="ko-KR" sz="3600" b="1" dirty="0"/>
+              <a:t>UDS (Unix Domain Socket)</a:t>
+            </a:r>
+            <a:endParaRPr lang="ko-KR" altLang="en-US" sz="3600" b="1" dirty="0"/>
+          </a:p>
+        </p:txBody>
+      </p:sp>
+      <p:sp>
+        <p:nvSpPr>
+          <p:cNvPr id="4" name="직사각형 3"/>
+          <p:cNvSpPr/>
+          <p:nvPr/>
+        </p:nvSpPr>
+        <p:spPr>
+          <a:xfrm>
+            <a:off x="7865722" y="5912674"/>
+            <a:ext cx="3967689" cy="276999"/>
+          </a:xfrm>
+          <a:prstGeom prst="rect">
+            <a:avLst/>
+          </a:prstGeom>
+        </p:spPr>
+        <p:txBody>
+          <a:bodyPr wrap="none">
+            <a:spAutoFit/>
+          </a:bodyPr>
+          <a:lstStyle/>
+          <a:p>
+            <a:r>
+              <a:rPr lang="ko-KR" altLang="en-US" sz="1200" dirty="0"/>
+              <a:t>출처</a:t>
+            </a:r>
+            <a:r>
+              <a:rPr lang="en-US" altLang="ko-KR" sz="1200" dirty="0"/>
+              <a:t>: </a:t>
+            </a:r>
+            <a:r>
+              <a:rPr lang="ko-KR" altLang="en-US" sz="1200" dirty="0">
+                <a:hlinkClick r:id="rId2"/>
+              </a:rPr>
+              <a:t>http://www.dreamy.pe.kr/zbxe/CodeClip/119393</a:t>
+            </a:r>
+            <a:r>
+              <a:rPr lang="ko-KR" altLang="en-US" sz="1200" dirty="0"/>
+              <a:t> </a:t>
+            </a:r>
+          </a:p>
+        </p:txBody>
+      </p:sp>
+      <p:pic>
+        <p:nvPicPr>
+          <p:cNvPr id="6" name="그림 5"/>
+          <p:cNvPicPr>
+            <a:picLocks noChangeAspect="1"/>
+          </p:cNvPicPr>
+          <p:nvPr/>
+        </p:nvPicPr>
+        <p:blipFill>
+          <a:blip r:embed="rId3"/>
+          <a:stretch>
+            <a:fillRect/>
+          </a:stretch>
+        </p:blipFill>
+        <p:spPr>
+          <a:xfrm>
+            <a:off x="551328" y="1118198"/>
+            <a:ext cx="11414520" cy="4783838"/>
+          </a:xfrm>
+          <a:prstGeom prst="rect">
+            <a:avLst/>
+          </a:prstGeom>
+        </p:spPr>
+      </p:pic>
+      <p:sp>
+        <p:nvSpPr>
+          <p:cNvPr id="7" name="TextBox 6"/>
+          <p:cNvSpPr txBox="1"/>
+          <p:nvPr/>
+        </p:nvSpPr>
+        <p:spPr>
+          <a:xfrm>
+            <a:off x="688768" y="1225787"/>
+            <a:ext cx="8182100" cy="769268"/>
+          </a:xfrm>
+          <a:prstGeom prst="rect">
+            <a:avLst/>
+          </a:prstGeom>
+          <a:noFill/>
+          <a:ln w="28575">
+            <a:solidFill>
+              <a:srgbClr val="FF0000"/>
+            </a:solidFill>
+          </a:ln>
+        </p:spPr>
+        <p:txBody>
+          <a:bodyPr wrap="square" rtlCol="0">
+            <a:spAutoFit/>
+          </a:bodyPr>
+          <a:lstStyle/>
+          <a:p>
+            <a:endParaRPr lang="ko-KR" altLang="en-US" dirty="0"/>
+          </a:p>
+        </p:txBody>
+      </p:sp>
+      <p:sp>
+        <p:nvSpPr>
+          <p:cNvPr id="8" name="TextBox 7"/>
+          <p:cNvSpPr txBox="1"/>
+          <p:nvPr/>
+        </p:nvSpPr>
+        <p:spPr>
+          <a:xfrm>
+            <a:off x="688768" y="2791336"/>
+            <a:ext cx="10960926" cy="403126"/>
+          </a:xfrm>
+          <a:prstGeom prst="rect">
+            <a:avLst/>
+          </a:prstGeom>
+          <a:noFill/>
+          <a:ln w="28575">
+            <a:solidFill>
+              <a:srgbClr val="FF0000"/>
+            </a:solidFill>
+          </a:ln>
+        </p:spPr>
+        <p:txBody>
+          <a:bodyPr wrap="square" rtlCol="0">
+            <a:spAutoFit/>
+          </a:bodyPr>
+          <a:lstStyle/>
+          <a:p>
+            <a:endParaRPr lang="ko-KR" altLang="en-US" dirty="0"/>
+          </a:p>
+        </p:txBody>
+      </p:sp>
+    </p:spTree>
+    <p:extLst>
+      <p:ext uri="{BB962C8B-B14F-4D97-AF65-F5344CB8AC3E}">
+        <p14:creationId xmlns:p14="http://schemas.microsoft.com/office/powerpoint/2010/main" val="1816069401"/>
+      </p:ext>
+    </p:extLst>
+  </p:cSld>
+  <p:clrMapOvr>
+    <a:masterClrMapping/>
+  </p:clrMapOvr>
+</p:sld>
+</file>
+
+<file path=ppt/slides/slide3.xml><?xml version="1.0" encoding="utf-8"?>
+<p:sld xmlns:a="http://schemas.openxmlformats.org/drawingml/2006/main" xmlns:r="http://schemas.openxmlformats.org/officeDocument/2006/relationships" xmlns:p="http://schemas.openxmlformats.org/presentationml/2006/main">
+  <p:cSld>
+    <p:spTree>
+      <p:nvGrpSpPr>
+        <p:cNvPr id="1" name=""/>
+        <p:cNvGrpSpPr/>
+        <p:nvPr/>
+      </p:nvGrpSpPr>
+      <p:grpSpPr>
+        <a:xfrm>
+          <a:off x="0" y="0"/>
+          <a:ext cx="0" cy="0"/>
+          <a:chOff x="0" y="0"/>
+          <a:chExt cx="0" cy="0"/>
+        </a:xfrm>
+      </p:grpSpPr>
+      <p:pic>
+        <p:nvPicPr>
+          <p:cNvPr id="2" name="Picture 2" descr="http://www.hanbit.co.kr/data/books/B5569582339_l.jpg"/>
+          <p:cNvPicPr>
+            <a:picLocks noChangeAspect="1" noChangeArrowheads="1"/>
+          </p:cNvPicPr>
+          <p:nvPr/>
+        </p:nvPicPr>
+        <p:blipFill>
+          <a:blip r:embed="rId2">
+            <a:extLst>
+              <a:ext uri="{28A0092B-C50C-407E-A947-70E740481C1C}">
+                <a14:useLocalDpi xmlns:a14="http://schemas.microsoft.com/office/drawing/2010/main" val="0"/>
+              </a:ext>
+            </a:extLst>
+          </a:blip>
+          <a:srcRect/>
+          <a:stretch>
+            <a:fillRect/>
+          </a:stretch>
+        </p:blipFill>
+        <p:spPr bwMode="auto">
+          <a:xfrm>
+            <a:off x="1352797" y="1032907"/>
+            <a:ext cx="3810000" cy="5219700"/>
+          </a:xfrm>
+          <a:prstGeom prst="rect">
+            <a:avLst/>
+          </a:prstGeom>
+          <a:noFill/>
+          <a:extLst>
+            <a:ext uri="{909E8E84-426E-40DD-AFC4-6F175D3DCCD1}">
+              <a14:hiddenFill xmlns:a14="http://schemas.microsoft.com/office/drawing/2010/main">
+                <a:solidFill>
+                  <a:srgbClr val="FFFFFF"/>
+                </a:solidFill>
+              </a14:hiddenFill>
+            </a:ext>
+          </a:extLst>
+        </p:spPr>
+      </p:pic>
+      <p:pic>
+        <p:nvPicPr>
+          <p:cNvPr id="1030" name="Picture 6" descr="windows xp에 대한 이미지 검색결과"/>
+          <p:cNvPicPr>
+            <a:picLocks noChangeAspect="1" noChangeArrowheads="1"/>
+          </p:cNvPicPr>
+          <p:nvPr/>
+        </p:nvPicPr>
+        <p:blipFill>
+          <a:blip r:embed="rId3">
+            <a:extLst>
+              <a:ext uri="{28A0092B-C50C-407E-A947-70E740481C1C}">
+                <a14:useLocalDpi xmlns:a14="http://schemas.microsoft.com/office/drawing/2010/main" val="0"/>
+              </a:ext>
+            </a:extLst>
+          </a:blip>
+          <a:srcRect/>
+          <a:stretch>
+            <a:fillRect/>
+          </a:stretch>
+        </p:blipFill>
+        <p:spPr bwMode="auto">
+          <a:xfrm>
+            <a:off x="6214197" y="1643806"/>
+            <a:ext cx="4770477" cy="3577858"/>
+          </a:xfrm>
+          <a:prstGeom prst="rect">
+            <a:avLst/>
+          </a:prstGeom>
+          <a:noFill/>
+          <a:extLst>
+            <a:ext uri="{909E8E84-426E-40DD-AFC4-6F175D3DCCD1}">
+              <a14:hiddenFill xmlns:a14="http://schemas.microsoft.com/office/drawing/2010/main">
+                <a:solidFill>
+                  <a:srgbClr val="FFFFFF"/>
+                </a:solidFill>
+              </a14:hiddenFill>
+            </a:ext>
+          </a:extLst>
+        </p:spPr>
+      </p:pic>
+    </p:spTree>
+    <p:extLst>
+      <p:ext uri="{BB962C8B-B14F-4D97-AF65-F5344CB8AC3E}">
+        <p14:creationId xmlns:p14="http://schemas.microsoft.com/office/powerpoint/2010/main" val="2837501967"/>
+      </p:ext>
+    </p:extLst>
+  </p:cSld>
+  <p:clrMapOvr>
+    <a:masterClrMapping/>
+  </p:clrMapOvr>
+</p:sld>
+</file>
+
+<file path=ppt/slides/slide30.xml><?xml version="1.0" encoding="utf-8"?>
+<p:sld xmlns:a="http://schemas.openxmlformats.org/drawingml/2006/main" xmlns:r="http://schemas.openxmlformats.org/officeDocument/2006/relationships" xmlns:p="http://schemas.openxmlformats.org/presentationml/2006/main">
+  <p:cSld>
+    <p:spTree>
+      <p:nvGrpSpPr>
+        <p:cNvPr id="1" name=""/>
+        <p:cNvGrpSpPr/>
+        <p:nvPr/>
+      </p:nvGrpSpPr>
+      <p:grpSpPr>
+        <a:xfrm>
+          <a:off x="0" y="0"/>
+          <a:ext cx="0" cy="0"/>
+          <a:chOff x="0" y="0"/>
+          <a:chExt cx="0" cy="0"/>
+        </a:xfrm>
+      </p:grpSpPr>
+      <p:sp>
+        <p:nvSpPr>
           <p:cNvPr id="5" name="직사각형 4"/>
           <p:cNvSpPr/>
           <p:nvPr/>
@@ -10519,7 +10815,1206 @@
 </p:sld>
 </file>
 
-<file path=ppt/slides/slide3.xml><?xml version="1.0" encoding="utf-8"?>
+<file path=ppt/slides/slide31.xml><?xml version="1.0" encoding="utf-8"?>
+<p:sld xmlns:a="http://schemas.openxmlformats.org/drawingml/2006/main" xmlns:r="http://schemas.openxmlformats.org/officeDocument/2006/relationships" xmlns:p="http://schemas.openxmlformats.org/presentationml/2006/main">
+  <p:cSld>
+    <p:spTree>
+      <p:nvGrpSpPr>
+        <p:cNvPr id="1" name=""/>
+        <p:cNvGrpSpPr/>
+        <p:nvPr/>
+      </p:nvGrpSpPr>
+      <p:grpSpPr>
+        <a:xfrm>
+          <a:off x="0" y="0"/>
+          <a:ext cx="0" cy="0"/>
+          <a:chOff x="0" y="0"/>
+          <a:chExt cx="0" cy="0"/>
+        </a:xfrm>
+      </p:grpSpPr>
+      <p:sp>
+        <p:nvSpPr>
+          <p:cNvPr id="2" name="TextBox 1"/>
+          <p:cNvSpPr txBox="1"/>
+          <p:nvPr/>
+        </p:nvSpPr>
+        <p:spPr>
+          <a:xfrm>
+            <a:off x="551328" y="322729"/>
+            <a:ext cx="11282083" cy="646331"/>
+          </a:xfrm>
+          <a:prstGeom prst="rect">
+            <a:avLst/>
+          </a:prstGeom>
+          <a:noFill/>
+        </p:spPr>
+        <p:txBody>
+          <a:bodyPr wrap="square" rtlCol="0">
+            <a:spAutoFit/>
+          </a:bodyPr>
+          <a:lstStyle/>
+          <a:p>
+            <a:r>
+              <a:rPr lang="en-US" altLang="ko-KR" sz="3600" b="1" dirty="0"/>
+              <a:t>Fast TCP Loopback</a:t>
+            </a:r>
+            <a:endParaRPr lang="ko-KR" altLang="en-US" sz="3600" b="1" dirty="0"/>
+          </a:p>
+        </p:txBody>
+      </p:sp>
+      <p:sp>
+        <p:nvSpPr>
+          <p:cNvPr id="3" name="직사각형 2"/>
+          <p:cNvSpPr/>
+          <p:nvPr/>
+        </p:nvSpPr>
+        <p:spPr>
+          <a:xfrm>
+            <a:off x="696685" y="1388745"/>
+            <a:ext cx="10477995" cy="4524315"/>
+          </a:xfrm>
+          <a:prstGeom prst="rect">
+            <a:avLst/>
+          </a:prstGeom>
+        </p:spPr>
+        <p:txBody>
+          <a:bodyPr wrap="square">
+            <a:spAutoFit/>
+          </a:bodyPr>
+          <a:lstStyle/>
+          <a:p>
+            <a:pPr marL="285750" indent="-285750">
+              <a:buFont typeface="Arial" panose="020B0604020202020204" pitchFamily="34" charset="0"/>
+              <a:buChar char="•"/>
+            </a:pPr>
+            <a:r>
+              <a:rPr lang="ko-KR" altLang="en-US" sz="2400" dirty="0"/>
+              <a:t>Windows 8 / Windows Server 2012 에서 추가된 </a:t>
+            </a:r>
+            <a:r>
+              <a:rPr lang="ko-KR" altLang="en-US" sz="2400" dirty="0" err="1"/>
+              <a:t>Winsock</a:t>
+            </a:r>
+            <a:r>
+              <a:rPr lang="ko-KR" altLang="en-US" sz="2400" dirty="0"/>
+              <a:t> 기능</a:t>
+            </a:r>
+            <a:r>
+              <a:rPr lang="en-US" altLang="ko-KR" sz="2400" dirty="0"/>
+              <a:t>.</a:t>
+            </a:r>
+            <a:br>
+              <a:rPr lang="en-US" altLang="ko-KR" sz="2400" dirty="0"/>
+            </a:br>
+            <a:endParaRPr lang="en-US" altLang="ko-KR" sz="2400" dirty="0"/>
+          </a:p>
+          <a:p>
+            <a:pPr marL="285750" indent="-285750">
+              <a:buFont typeface="Arial" panose="020B0604020202020204" pitchFamily="34" charset="0"/>
+              <a:buChar char="•"/>
+            </a:pPr>
+            <a:r>
+              <a:rPr lang="ko-KR" altLang="en-US" sz="2400" b="1" dirty="0"/>
+              <a:t>SIO_LOOPBACK_FAST_PATH </a:t>
+            </a:r>
+            <a:r>
+              <a:rPr lang="ko-KR" altLang="en-US" sz="2400" b="1" dirty="0" err="1"/>
+              <a:t>IOCTL은</a:t>
+            </a:r>
+            <a:r>
+              <a:rPr lang="ko-KR" altLang="en-US" sz="2400" b="1" dirty="0"/>
+              <a:t> 지연 시간을 줄이고</a:t>
+            </a:r>
+            <a:r>
+              <a:rPr lang="en-US" altLang="ko-KR" sz="2400" b="1" dirty="0"/>
+              <a:t>,</a:t>
+            </a:r>
+            <a:r>
+              <a:rPr lang="ko-KR" altLang="en-US" sz="2400" b="1" dirty="0"/>
+              <a:t> TCP </a:t>
+            </a:r>
+            <a:r>
+              <a:rPr lang="ko-KR" altLang="en-US" sz="2400" b="1" dirty="0" err="1"/>
+              <a:t>over</a:t>
+            </a:r>
+            <a:r>
+              <a:rPr lang="ko-KR" altLang="en-US" sz="2400" b="1" dirty="0"/>
+              <a:t> 루프백의 성능을 향상시킨다</a:t>
+            </a:r>
+            <a:r>
+              <a:rPr lang="en-US" altLang="ko-KR" sz="2400" dirty="0"/>
+              <a:t>.</a:t>
+            </a:r>
+            <a:br>
+              <a:rPr lang="en-US" altLang="ko-KR" sz="2400" dirty="0"/>
+            </a:br>
+            <a:r>
+              <a:rPr lang="en-US" altLang="ko-KR" sz="2400" dirty="0"/>
+              <a:t>Device Input and Output Control (IOCTL)</a:t>
+            </a:r>
+            <a:br>
+              <a:rPr lang="en-US" altLang="ko-KR" sz="2400" dirty="0"/>
+            </a:br>
+            <a:endParaRPr lang="en-US" altLang="ko-KR" sz="2400" dirty="0"/>
+          </a:p>
+          <a:p>
+            <a:pPr marL="285750" indent="-285750">
+              <a:buFont typeface="Arial" panose="020B0604020202020204" pitchFamily="34" charset="0"/>
+              <a:buChar char="•"/>
+            </a:pPr>
+            <a:r>
+              <a:rPr lang="ko-KR" altLang="en-US" sz="2400" dirty="0"/>
+              <a:t>Windows에서 IPv4 또는 IPv6 </a:t>
+            </a:r>
+            <a:r>
+              <a:rPr lang="ko-KR" altLang="en-US" sz="2400" dirty="0" err="1"/>
+              <a:t>루프백</a:t>
+            </a:r>
+            <a:r>
+              <a:rPr lang="en-US" altLang="ko-KR" sz="2400" dirty="0"/>
+              <a:t>(localhost, 127.0.0.1)</a:t>
+            </a:r>
+            <a:r>
+              <a:rPr lang="ko-KR" altLang="en-US" sz="2400" dirty="0"/>
+              <a:t> 주소를 사용하는 패킷은 네트워크 계층을 사용한다. 이 </a:t>
+            </a:r>
+            <a:r>
+              <a:rPr lang="ko-KR" altLang="en-US" sz="2400" dirty="0" err="1"/>
+              <a:t>IOCTL은</a:t>
+            </a:r>
+            <a:r>
+              <a:rPr lang="ko-KR" altLang="en-US" sz="2400" dirty="0"/>
+              <a:t> 루프백을 통한 TCP 패킷이 </a:t>
+            </a:r>
+            <a:r>
+              <a:rPr lang="ko-KR" altLang="en-US" sz="2400" b="1" dirty="0"/>
+              <a:t>전송 계층을 대신 사용하도록 동작을 변경</a:t>
+            </a:r>
+            <a:r>
+              <a:rPr lang="ko-KR" altLang="en-US" sz="2400" dirty="0"/>
+              <a:t>한다. </a:t>
+            </a:r>
+            <a:br>
+              <a:rPr lang="en-US" altLang="ko-KR" sz="2400" dirty="0"/>
+            </a:br>
+            <a:endParaRPr lang="en-US" altLang="ko-KR" sz="2400" dirty="0"/>
+          </a:p>
+          <a:p>
+            <a:pPr marL="285750" indent="-285750">
+              <a:buFont typeface="Arial" panose="020B0604020202020204" pitchFamily="34" charset="0"/>
+              <a:buChar char="•"/>
+            </a:pPr>
+            <a:r>
+              <a:rPr lang="ko-KR" altLang="en-US" sz="2400" dirty="0"/>
+              <a:t>이렇게 하면 </a:t>
+            </a:r>
+            <a:r>
+              <a:rPr lang="ko-KR" altLang="en-US" sz="2400" dirty="0" err="1"/>
+              <a:t>루프백</a:t>
+            </a:r>
+            <a:r>
+              <a:rPr lang="ko-KR" altLang="en-US" sz="2400" dirty="0"/>
+              <a:t> 패킷이 </a:t>
+            </a:r>
+            <a:r>
+              <a:rPr lang="ko-KR" altLang="en-US" sz="2400" dirty="0" err="1"/>
+              <a:t>OS에서</a:t>
+            </a:r>
+            <a:r>
+              <a:rPr lang="ko-KR" altLang="en-US" sz="2400" dirty="0"/>
+              <a:t> 통과 해야하는 </a:t>
+            </a:r>
+            <a:r>
+              <a:rPr lang="ko-KR" altLang="en-US" sz="2400" b="1" dirty="0"/>
+              <a:t>코드 경로가 단축되므로 대기 시간이 단축되고 성능이 향상</a:t>
+            </a:r>
+            <a:r>
+              <a:rPr lang="ko-KR" altLang="en-US" sz="2400" dirty="0"/>
+              <a:t>된다.</a:t>
+            </a:r>
+          </a:p>
+        </p:txBody>
+      </p:sp>
+    </p:spTree>
+    <p:extLst>
+      <p:ext uri="{BB962C8B-B14F-4D97-AF65-F5344CB8AC3E}">
+        <p14:creationId xmlns:p14="http://schemas.microsoft.com/office/powerpoint/2010/main" val="3367074224"/>
+      </p:ext>
+    </p:extLst>
+  </p:cSld>
+  <p:clrMapOvr>
+    <a:masterClrMapping/>
+  </p:clrMapOvr>
+</p:sld>
+</file>
+
+<file path=ppt/slides/slide32.xml><?xml version="1.0" encoding="utf-8"?>
+<p:sld xmlns:a="http://schemas.openxmlformats.org/drawingml/2006/main" xmlns:r="http://schemas.openxmlformats.org/officeDocument/2006/relationships" xmlns:p="http://schemas.openxmlformats.org/presentationml/2006/main">
+  <p:cSld>
+    <p:spTree>
+      <p:nvGrpSpPr>
+        <p:cNvPr id="1" name=""/>
+        <p:cNvGrpSpPr/>
+        <p:nvPr/>
+      </p:nvGrpSpPr>
+      <p:grpSpPr>
+        <a:xfrm>
+          <a:off x="0" y="0"/>
+          <a:ext cx="0" cy="0"/>
+          <a:chOff x="0" y="0"/>
+          <a:chExt cx="0" cy="0"/>
+        </a:xfrm>
+      </p:grpSpPr>
+      <p:sp>
+        <p:nvSpPr>
+          <p:cNvPr id="3" name="직사각형 2"/>
+          <p:cNvSpPr/>
+          <p:nvPr/>
+        </p:nvSpPr>
+        <p:spPr>
+          <a:xfrm>
+            <a:off x="696685" y="1388745"/>
+            <a:ext cx="10477995" cy="3785652"/>
+          </a:xfrm>
+          <a:prstGeom prst="rect">
+            <a:avLst/>
+          </a:prstGeom>
+        </p:spPr>
+        <p:txBody>
+          <a:bodyPr wrap="square">
+            <a:spAutoFit/>
+          </a:bodyPr>
+          <a:lstStyle/>
+          <a:p>
+            <a:pPr marL="285750" indent="-285750">
+              <a:buFont typeface="Arial" panose="020B0604020202020204" pitchFamily="34" charset="0"/>
+              <a:buChar char="•"/>
+            </a:pPr>
+            <a:r>
+              <a:rPr lang="ko-KR" altLang="en-US" sz="2400" dirty="0"/>
+              <a:t>이 향상된 기능을 사용하려면 </a:t>
+            </a:r>
+            <a:r>
+              <a:rPr lang="ko-KR" altLang="en-US" sz="2400" b="1" dirty="0" err="1"/>
+              <a:t>루프백</a:t>
+            </a:r>
+            <a:r>
+              <a:rPr lang="ko-KR" altLang="en-US" sz="2400" b="1" dirty="0"/>
+              <a:t>(클라이언트와 서버)을 사용하는 소켓 모두가 </a:t>
+            </a:r>
+            <a:r>
+              <a:rPr lang="ko-KR" altLang="en-US" sz="2400" b="1" dirty="0" err="1"/>
+              <a:t>IOCTL을</a:t>
+            </a:r>
+            <a:r>
+              <a:rPr lang="ko-KR" altLang="en-US" sz="2400" b="1" dirty="0"/>
+              <a:t> </a:t>
+            </a:r>
+            <a:r>
+              <a:rPr lang="ko-KR" altLang="en-US" sz="2400" b="1" dirty="0" err="1"/>
+              <a:t>설정해야한다</a:t>
+            </a:r>
+            <a:r>
+              <a:rPr lang="ko-KR" altLang="en-US" sz="2400" dirty="0"/>
+              <a:t>. </a:t>
+            </a:r>
+            <a:br>
+              <a:rPr lang="en-US" altLang="ko-KR" sz="2400" dirty="0"/>
+            </a:br>
+            <a:endParaRPr lang="en-US" altLang="ko-KR" sz="2400" dirty="0"/>
+          </a:p>
+          <a:p>
+            <a:pPr marL="285750" indent="-285750">
+              <a:buFont typeface="Arial" panose="020B0604020202020204" pitchFamily="34" charset="0"/>
+              <a:buChar char="•"/>
+            </a:pPr>
+            <a:r>
+              <a:rPr lang="ko-KR" altLang="en-US" sz="2400" dirty="0"/>
+              <a:t>클라이언트측 소켓은 연결 호출을 작성하기 전에 이 </a:t>
+            </a:r>
+            <a:r>
+              <a:rPr lang="ko-KR" altLang="en-US" sz="2400" dirty="0" err="1"/>
+              <a:t>IOCTL을</a:t>
+            </a:r>
+            <a:r>
+              <a:rPr lang="ko-KR" altLang="en-US" sz="2400" dirty="0"/>
+              <a:t> 설정 </a:t>
+            </a:r>
+            <a:r>
+              <a:rPr lang="ko-KR" altLang="en-US" sz="2400" dirty="0" err="1"/>
+              <a:t>해야하나다</a:t>
+            </a:r>
+            <a:r>
+              <a:rPr lang="ko-KR" altLang="en-US" sz="2400" dirty="0"/>
+              <a:t>. 그리고 서버측 소켓은 들어오는 소켓을 수락하기 전에 이 </a:t>
+            </a:r>
+            <a:r>
+              <a:rPr lang="ko-KR" altLang="en-US" sz="2400" dirty="0" err="1"/>
+              <a:t>IOCTL을</a:t>
+            </a:r>
+            <a:r>
+              <a:rPr lang="ko-KR" altLang="en-US" sz="2400" dirty="0"/>
+              <a:t> 적용 해야한다. </a:t>
+            </a:r>
+            <a:br>
+              <a:rPr lang="en-US" altLang="ko-KR" sz="2400" dirty="0"/>
+            </a:br>
+            <a:endParaRPr lang="en-US" altLang="ko-KR" sz="2400" dirty="0"/>
+          </a:p>
+          <a:p>
+            <a:pPr marL="285750" indent="-285750">
+              <a:buFont typeface="Arial" panose="020B0604020202020204" pitchFamily="34" charset="0"/>
+              <a:buChar char="•"/>
+            </a:pPr>
+            <a:r>
+              <a:rPr lang="ko-KR" altLang="en-US" sz="2400" dirty="0"/>
+              <a:t>이 향상된 기능의 제한 사항은 Windows 필터링 플랫폼(WFP) 필터와 함께 사용할 수 없다는 것이다. 또 다른 사소한 제한은 이 </a:t>
+            </a:r>
+            <a:r>
+              <a:rPr lang="ko-KR" altLang="en-US" sz="2400" dirty="0" err="1"/>
+              <a:t>IOCTL이</a:t>
+            </a:r>
+            <a:r>
+              <a:rPr lang="ko-KR" altLang="en-US" sz="2400" dirty="0"/>
+              <a:t> 설정 될 때 소켓 옵션의 제한된 수만 사용될 수 있다는 것이다.</a:t>
+            </a:r>
+          </a:p>
+        </p:txBody>
+      </p:sp>
+      <p:sp>
+        <p:nvSpPr>
+          <p:cNvPr id="4" name="TextBox 3"/>
+          <p:cNvSpPr txBox="1"/>
+          <p:nvPr/>
+        </p:nvSpPr>
+        <p:spPr>
+          <a:xfrm>
+            <a:off x="696685" y="5934670"/>
+            <a:ext cx="11107388" cy="646331"/>
+          </a:xfrm>
+          <a:prstGeom prst="rect">
+            <a:avLst/>
+          </a:prstGeom>
+          <a:noFill/>
+        </p:spPr>
+        <p:txBody>
+          <a:bodyPr wrap="square" rtlCol="0">
+            <a:spAutoFit/>
+          </a:bodyPr>
+          <a:lstStyle/>
+          <a:p>
+            <a:r>
+              <a:rPr lang="en-US" altLang="ko-KR" dirty="0"/>
+              <a:t>WFP: </a:t>
+            </a:r>
+            <a:r>
+              <a:rPr lang="ko-KR" altLang="en-US" dirty="0"/>
+              <a:t>소켓이 </a:t>
+            </a:r>
+            <a:r>
+              <a:rPr lang="en-US" altLang="ko-KR" dirty="0"/>
+              <a:t>OS </a:t>
+            </a:r>
+            <a:r>
+              <a:rPr lang="ko-KR" altLang="en-US" dirty="0"/>
+              <a:t>내에서 처리되기 전에 필터 하거나 변경할 수 있다</a:t>
+            </a:r>
+            <a:r>
+              <a:rPr lang="en-US" altLang="ko-KR" dirty="0"/>
+              <a:t>. </a:t>
+            </a:r>
+            <a:r>
+              <a:rPr lang="ko-KR" altLang="en-US" dirty="0"/>
+              <a:t>즉 방화벽이나 안티 바이러스</a:t>
+            </a:r>
+            <a:r>
+              <a:rPr lang="en-US" altLang="ko-KR" dirty="0"/>
+              <a:t>, </a:t>
+            </a:r>
+            <a:r>
+              <a:rPr lang="ko-KR" altLang="en-US" dirty="0"/>
+              <a:t>안티 스파이웨어 대응 소프트웨어 등이 어떤 데이터를 시스템에서 수신할지를 보다 효율적으로 컨트롤 할 수 있다</a:t>
+            </a:r>
+            <a:r>
+              <a:rPr lang="en-US" altLang="ko-KR" dirty="0"/>
+              <a:t>.</a:t>
+            </a:r>
+            <a:endParaRPr lang="ko-KR" altLang="en-US" dirty="0"/>
+          </a:p>
+        </p:txBody>
+      </p:sp>
+    </p:spTree>
+    <p:extLst>
+      <p:ext uri="{BB962C8B-B14F-4D97-AF65-F5344CB8AC3E}">
+        <p14:creationId xmlns:p14="http://schemas.microsoft.com/office/powerpoint/2010/main" val="1902999244"/>
+      </p:ext>
+    </p:extLst>
+  </p:cSld>
+  <p:clrMapOvr>
+    <a:masterClrMapping/>
+  </p:clrMapOvr>
+</p:sld>
+</file>
+
+<file path=ppt/slides/slide33.xml><?xml version="1.0" encoding="utf-8"?>
+<p:sld xmlns:a="http://schemas.openxmlformats.org/drawingml/2006/main" xmlns:r="http://schemas.openxmlformats.org/officeDocument/2006/relationships" xmlns:p="http://schemas.openxmlformats.org/presentationml/2006/main">
+  <p:cSld>
+    <p:spTree>
+      <p:nvGrpSpPr>
+        <p:cNvPr id="1" name=""/>
+        <p:cNvGrpSpPr/>
+        <p:nvPr/>
+      </p:nvGrpSpPr>
+      <p:grpSpPr>
+        <a:xfrm>
+          <a:off x="0" y="0"/>
+          <a:ext cx="0" cy="0"/>
+          <a:chOff x="0" y="0"/>
+          <a:chExt cx="0" cy="0"/>
+        </a:xfrm>
+      </p:grpSpPr>
+      <p:sp>
+        <p:nvSpPr>
+          <p:cNvPr id="2" name="TextBox 1"/>
+          <p:cNvSpPr txBox="1"/>
+          <p:nvPr/>
+        </p:nvSpPr>
+        <p:spPr>
+          <a:xfrm>
+            <a:off x="551328" y="322729"/>
+            <a:ext cx="11282083" cy="646331"/>
+          </a:xfrm>
+          <a:prstGeom prst="rect">
+            <a:avLst/>
+          </a:prstGeom>
+          <a:noFill/>
+        </p:spPr>
+        <p:txBody>
+          <a:bodyPr wrap="square" rtlCol="0">
+            <a:spAutoFit/>
+          </a:bodyPr>
+          <a:lstStyle/>
+          <a:p>
+            <a:r>
+              <a:rPr lang="ko-KR" altLang="en-US" sz="3600" b="1" dirty="0"/>
+              <a:t>사용 예</a:t>
+            </a:r>
+          </a:p>
+        </p:txBody>
+      </p:sp>
+      <p:pic>
+        <p:nvPicPr>
+          <p:cNvPr id="3" name="그림 2"/>
+          <p:cNvPicPr>
+            <a:picLocks noChangeAspect="1"/>
+          </p:cNvPicPr>
+          <p:nvPr/>
+        </p:nvPicPr>
+        <p:blipFill>
+          <a:blip r:embed="rId2"/>
+          <a:stretch>
+            <a:fillRect/>
+          </a:stretch>
+        </p:blipFill>
+        <p:spPr>
+          <a:xfrm>
+            <a:off x="838199" y="3122343"/>
+            <a:ext cx="9951547" cy="2957821"/>
+          </a:xfrm>
+          <a:prstGeom prst="rect">
+            <a:avLst/>
+          </a:prstGeom>
+        </p:spPr>
+      </p:pic>
+      <p:pic>
+        <p:nvPicPr>
+          <p:cNvPr id="4" name="그림 3"/>
+          <p:cNvPicPr>
+            <a:picLocks noChangeAspect="1"/>
+          </p:cNvPicPr>
+          <p:nvPr/>
+        </p:nvPicPr>
+        <p:blipFill>
+          <a:blip r:embed="rId3"/>
+          <a:stretch>
+            <a:fillRect/>
+          </a:stretch>
+        </p:blipFill>
+        <p:spPr>
+          <a:xfrm>
+            <a:off x="3735779" y="1326511"/>
+            <a:ext cx="6405748" cy="1040645"/>
+          </a:xfrm>
+          <a:prstGeom prst="rect">
+            <a:avLst/>
+          </a:prstGeom>
+        </p:spPr>
+      </p:pic>
+      <p:sp>
+        <p:nvSpPr>
+          <p:cNvPr id="5" name="TextBox 4"/>
+          <p:cNvSpPr txBox="1"/>
+          <p:nvPr/>
+        </p:nvSpPr>
+        <p:spPr>
+          <a:xfrm>
+            <a:off x="3641764" y="1846833"/>
+            <a:ext cx="3566558" cy="450629"/>
+          </a:xfrm>
+          <a:prstGeom prst="rect">
+            <a:avLst/>
+          </a:prstGeom>
+          <a:noFill/>
+          <a:ln w="28575">
+            <a:solidFill>
+              <a:srgbClr val="FF0000"/>
+            </a:solidFill>
+          </a:ln>
+        </p:spPr>
+        <p:txBody>
+          <a:bodyPr wrap="square" rtlCol="0">
+            <a:spAutoFit/>
+          </a:bodyPr>
+          <a:lstStyle/>
+          <a:p>
+            <a:endParaRPr lang="ko-KR" altLang="en-US" dirty="0"/>
+          </a:p>
+        </p:txBody>
+      </p:sp>
+      <p:sp>
+        <p:nvSpPr>
+          <p:cNvPr id="6" name="직사각형 5"/>
+          <p:cNvSpPr/>
+          <p:nvPr/>
+        </p:nvSpPr>
+        <p:spPr>
+          <a:xfrm>
+            <a:off x="3075709" y="6080164"/>
+            <a:ext cx="8645236" cy="461665"/>
+          </a:xfrm>
+          <a:prstGeom prst="rect">
+            <a:avLst/>
+          </a:prstGeom>
+        </p:spPr>
+        <p:txBody>
+          <a:bodyPr wrap="square">
+            <a:spAutoFit/>
+          </a:bodyPr>
+          <a:lstStyle/>
+          <a:p>
+            <a:r>
+              <a:rPr lang="ko-KR" altLang="en-US" sz="1200" dirty="0"/>
+              <a:t>출처</a:t>
+            </a:r>
+            <a:r>
+              <a:rPr lang="en-US" altLang="ko-KR" sz="1200" dirty="0"/>
+              <a:t>: </a:t>
+            </a:r>
+            <a:r>
+              <a:rPr lang="ko-KR" altLang="en-US" sz="1200" dirty="0">
+                <a:hlinkClick r:id="rId4"/>
+              </a:rPr>
+              <a:t>https://github.com/billlin0904/librapid/blob/95864eed190bee0752502f88c57c7dcef6965050/source/details/socket.cpp</a:t>
+            </a:r>
+            <a:r>
+              <a:rPr lang="ko-KR" altLang="en-US" sz="1200" dirty="0"/>
+              <a:t> </a:t>
+            </a:r>
+          </a:p>
+        </p:txBody>
+      </p:sp>
+    </p:spTree>
+    <p:extLst>
+      <p:ext uri="{BB962C8B-B14F-4D97-AF65-F5344CB8AC3E}">
+        <p14:creationId xmlns:p14="http://schemas.microsoft.com/office/powerpoint/2010/main" val="3359129168"/>
+      </p:ext>
+    </p:extLst>
+  </p:cSld>
+  <p:clrMapOvr>
+    <a:masterClrMapping/>
+  </p:clrMapOvr>
+</p:sld>
+</file>
+
+<file path=ppt/slides/slide34.xml><?xml version="1.0" encoding="utf-8"?>
+<p:sld xmlns:a="http://schemas.openxmlformats.org/drawingml/2006/main" xmlns:r="http://schemas.openxmlformats.org/officeDocument/2006/relationships" xmlns:p="http://schemas.openxmlformats.org/presentationml/2006/main">
+  <p:cSld>
+    <p:spTree>
+      <p:nvGrpSpPr>
+        <p:cNvPr id="1" name=""/>
+        <p:cNvGrpSpPr/>
+        <p:nvPr/>
+      </p:nvGrpSpPr>
+      <p:grpSpPr>
+        <a:xfrm>
+          <a:off x="0" y="0"/>
+          <a:ext cx="0" cy="0"/>
+          <a:chOff x="0" y="0"/>
+          <a:chExt cx="0" cy="0"/>
+        </a:xfrm>
+      </p:grpSpPr>
+      <p:pic>
+        <p:nvPicPr>
+          <p:cNvPr id="3" name="그림 2"/>
+          <p:cNvPicPr>
+            <a:picLocks noChangeAspect="1"/>
+          </p:cNvPicPr>
+          <p:nvPr/>
+        </p:nvPicPr>
+        <p:blipFill>
+          <a:blip r:embed="rId2"/>
+          <a:stretch>
+            <a:fillRect/>
+          </a:stretch>
+        </p:blipFill>
+        <p:spPr>
+          <a:xfrm>
+            <a:off x="1117579" y="275482"/>
+            <a:ext cx="4736956" cy="6168518"/>
+          </a:xfrm>
+          <a:prstGeom prst="rect">
+            <a:avLst/>
+          </a:prstGeom>
+        </p:spPr>
+      </p:pic>
+      <p:sp>
+        <p:nvSpPr>
+          <p:cNvPr id="4" name="직사각형 3"/>
+          <p:cNvSpPr/>
+          <p:nvPr/>
+        </p:nvSpPr>
+        <p:spPr>
+          <a:xfrm>
+            <a:off x="2660074" y="6581001"/>
+            <a:ext cx="9369630" cy="276999"/>
+          </a:xfrm>
+          <a:prstGeom prst="rect">
+            <a:avLst/>
+          </a:prstGeom>
+        </p:spPr>
+        <p:txBody>
+          <a:bodyPr wrap="square">
+            <a:spAutoFit/>
+          </a:bodyPr>
+          <a:lstStyle/>
+          <a:p>
+            <a:r>
+              <a:rPr lang="ko-KR" altLang="en-US" sz="1200" dirty="0"/>
+              <a:t>출처</a:t>
+            </a:r>
+            <a:r>
+              <a:rPr lang="en-US" altLang="ko-KR" sz="1200" dirty="0"/>
+              <a:t>: </a:t>
+            </a:r>
+            <a:r>
+              <a:rPr lang="ko-KR" altLang="en-US" sz="1200" dirty="0">
+                <a:hlinkClick r:id="rId3"/>
+              </a:rPr>
+              <a:t>https://github.com/GorNishanov/await/blob/c23d240a7b9a3f49df3fd6f9b44e2ae78c45899d/2015_CppCon/SuperLean/PAL.cpp</a:t>
+            </a:r>
+            <a:r>
+              <a:rPr lang="ko-KR" altLang="en-US" sz="1200" dirty="0"/>
+              <a:t> </a:t>
+            </a:r>
+          </a:p>
+        </p:txBody>
+      </p:sp>
+    </p:spTree>
+    <p:extLst>
+      <p:ext uri="{BB962C8B-B14F-4D97-AF65-F5344CB8AC3E}">
+        <p14:creationId xmlns:p14="http://schemas.microsoft.com/office/powerpoint/2010/main" val="1807372915"/>
+      </p:ext>
+    </p:extLst>
+  </p:cSld>
+  <p:clrMapOvr>
+    <a:masterClrMapping/>
+  </p:clrMapOvr>
+</p:sld>
+</file>
+
+<file path=ppt/slides/slide35.xml><?xml version="1.0" encoding="utf-8"?>
+<p:sld xmlns:a="http://schemas.openxmlformats.org/drawingml/2006/main" xmlns:r="http://schemas.openxmlformats.org/officeDocument/2006/relationships" xmlns:p="http://schemas.openxmlformats.org/presentationml/2006/main">
+  <p:cSld>
+    <p:spTree>
+      <p:nvGrpSpPr>
+        <p:cNvPr id="1" name=""/>
+        <p:cNvGrpSpPr/>
+        <p:nvPr/>
+      </p:nvGrpSpPr>
+      <p:grpSpPr>
+        <a:xfrm>
+          <a:off x="0" y="0"/>
+          <a:ext cx="0" cy="0"/>
+          <a:chOff x="0" y="0"/>
+          <a:chExt cx="0" cy="0"/>
+        </a:xfrm>
+      </p:grpSpPr>
+      <p:pic>
+        <p:nvPicPr>
+          <p:cNvPr id="2" name="그림 1"/>
+          <p:cNvPicPr>
+            <a:picLocks noChangeAspect="1"/>
+          </p:cNvPicPr>
+          <p:nvPr/>
+        </p:nvPicPr>
+        <p:blipFill>
+          <a:blip r:embed="rId2"/>
+          <a:stretch>
+            <a:fillRect/>
+          </a:stretch>
+        </p:blipFill>
+        <p:spPr>
+          <a:xfrm>
+            <a:off x="370423" y="1149925"/>
+            <a:ext cx="11505340" cy="3873337"/>
+          </a:xfrm>
+          <a:prstGeom prst="rect">
+            <a:avLst/>
+          </a:prstGeom>
+        </p:spPr>
+      </p:pic>
+      <p:sp>
+        <p:nvSpPr>
+          <p:cNvPr id="3" name="직사각형 2"/>
+          <p:cNvSpPr/>
+          <p:nvPr/>
+        </p:nvSpPr>
+        <p:spPr>
+          <a:xfrm>
+            <a:off x="2268624" y="5449278"/>
+            <a:ext cx="9607139" cy="276999"/>
+          </a:xfrm>
+          <a:prstGeom prst="rect">
+            <a:avLst/>
+          </a:prstGeom>
+        </p:spPr>
+        <p:txBody>
+          <a:bodyPr wrap="square">
+            <a:spAutoFit/>
+          </a:bodyPr>
+          <a:lstStyle/>
+          <a:p>
+            <a:r>
+              <a:rPr lang="ko-KR" altLang="en-US" sz="1200" dirty="0"/>
+              <a:t>출처</a:t>
+            </a:r>
+            <a:r>
+              <a:rPr lang="en-US" altLang="ko-KR" sz="1200" dirty="0"/>
+              <a:t>: </a:t>
+            </a:r>
+            <a:r>
+              <a:rPr lang="ko-KR" altLang="en-US" sz="1200" dirty="0">
+                <a:hlinkClick r:id="rId3"/>
+              </a:rPr>
+              <a:t>https://github.com/stas-sultanov/SXN.Net/blob/d7bbba5f56900813b4f88d38b54bc12a560ded13/src/TcpServerCli/TcpWorker.h</a:t>
+            </a:r>
+            <a:r>
+              <a:rPr lang="ko-KR" altLang="en-US" sz="1200" dirty="0"/>
+              <a:t> </a:t>
+            </a:r>
+          </a:p>
+        </p:txBody>
+      </p:sp>
+    </p:spTree>
+    <p:extLst>
+      <p:ext uri="{BB962C8B-B14F-4D97-AF65-F5344CB8AC3E}">
+        <p14:creationId xmlns:p14="http://schemas.microsoft.com/office/powerpoint/2010/main" val="880290254"/>
+      </p:ext>
+    </p:extLst>
+  </p:cSld>
+  <p:clrMapOvr>
+    <a:masterClrMapping/>
+  </p:clrMapOvr>
+</p:sld>
+</file>
+
+<file path=ppt/slides/slide36.xml><?xml version="1.0" encoding="utf-8"?>
+<p:sld xmlns:a="http://schemas.openxmlformats.org/drawingml/2006/main" xmlns:r="http://schemas.openxmlformats.org/officeDocument/2006/relationships" xmlns:p="http://schemas.openxmlformats.org/presentationml/2006/main">
+  <p:cSld>
+    <p:spTree>
+      <p:nvGrpSpPr>
+        <p:cNvPr id="1" name=""/>
+        <p:cNvGrpSpPr/>
+        <p:nvPr/>
+      </p:nvGrpSpPr>
+      <p:grpSpPr>
+        <a:xfrm>
+          <a:off x="0" y="0"/>
+          <a:ext cx="0" cy="0"/>
+          <a:chOff x="0" y="0"/>
+          <a:chExt cx="0" cy="0"/>
+        </a:xfrm>
+      </p:grpSpPr>
+      <p:pic>
+        <p:nvPicPr>
+          <p:cNvPr id="3" name="그림 2"/>
+          <p:cNvPicPr>
+            <a:picLocks noChangeAspect="1"/>
+          </p:cNvPicPr>
+          <p:nvPr/>
+        </p:nvPicPr>
+        <p:blipFill>
+          <a:blip r:embed="rId2"/>
+          <a:stretch>
+            <a:fillRect/>
+          </a:stretch>
+        </p:blipFill>
+        <p:spPr>
+          <a:xfrm>
+            <a:off x="2192606" y="451632"/>
+            <a:ext cx="7804188" cy="5800725"/>
+          </a:xfrm>
+          <a:prstGeom prst="rect">
+            <a:avLst/>
+          </a:prstGeom>
+        </p:spPr>
+      </p:pic>
+      <p:sp>
+        <p:nvSpPr>
+          <p:cNvPr id="4" name="직사각형 3"/>
+          <p:cNvSpPr/>
+          <p:nvPr/>
+        </p:nvSpPr>
+        <p:spPr>
+          <a:xfrm>
+            <a:off x="2762991" y="6351802"/>
+            <a:ext cx="9242961" cy="276999"/>
+          </a:xfrm>
+          <a:prstGeom prst="rect">
+            <a:avLst/>
+          </a:prstGeom>
+        </p:spPr>
+        <p:txBody>
+          <a:bodyPr wrap="square">
+            <a:spAutoFit/>
+          </a:bodyPr>
+          <a:lstStyle/>
+          <a:p>
+            <a:r>
+              <a:rPr lang="ko-KR" altLang="en-US" sz="1200" dirty="0"/>
+              <a:t>출처</a:t>
+            </a:r>
+            <a:r>
+              <a:rPr lang="en-US" altLang="ko-KR" sz="1200" dirty="0"/>
+              <a:t>: </a:t>
+            </a:r>
+            <a:r>
+              <a:rPr lang="ko-KR" altLang="en-US" sz="1200" dirty="0">
+                <a:hlinkClick r:id="rId3"/>
+              </a:rPr>
+              <a:t>https://github.com/imiuka/rtmp-sharp/blob/834f7079bc1b32676dabbd6806b9b746b15f5717/src/_Sky/Hina/Net/SocketEx.cs</a:t>
+            </a:r>
+            <a:r>
+              <a:rPr lang="ko-KR" altLang="en-US" sz="1200" dirty="0"/>
+              <a:t> </a:t>
+            </a:r>
+          </a:p>
+        </p:txBody>
+      </p:sp>
+      <p:sp>
+        <p:nvSpPr>
+          <p:cNvPr id="5" name="TextBox 4"/>
+          <p:cNvSpPr txBox="1"/>
+          <p:nvPr/>
+        </p:nvSpPr>
+        <p:spPr>
+          <a:xfrm>
+            <a:off x="961901" y="273132"/>
+            <a:ext cx="914400" cy="646331"/>
+          </a:xfrm>
+          <a:prstGeom prst="rect">
+            <a:avLst/>
+          </a:prstGeom>
+          <a:noFill/>
+        </p:spPr>
+        <p:txBody>
+          <a:bodyPr wrap="square" rtlCol="0">
+            <a:spAutoFit/>
+          </a:bodyPr>
+          <a:lstStyle/>
+          <a:p>
+            <a:r>
+              <a:rPr lang="en-US" altLang="ko-KR" sz="3600" b="1" dirty="0"/>
+              <a:t>C#</a:t>
+            </a:r>
+            <a:endParaRPr lang="ko-KR" altLang="en-US" sz="3600" b="1" dirty="0"/>
+          </a:p>
+        </p:txBody>
+      </p:sp>
+    </p:spTree>
+    <p:extLst>
+      <p:ext uri="{BB962C8B-B14F-4D97-AF65-F5344CB8AC3E}">
+        <p14:creationId xmlns:p14="http://schemas.microsoft.com/office/powerpoint/2010/main" val="620822485"/>
+      </p:ext>
+    </p:extLst>
+  </p:cSld>
+  <p:clrMapOvr>
+    <a:masterClrMapping/>
+  </p:clrMapOvr>
+</p:sld>
+</file>
+
+<file path=ppt/slides/slide37.xml><?xml version="1.0" encoding="utf-8"?>
+<p:sld xmlns:a="http://schemas.openxmlformats.org/drawingml/2006/main" xmlns:r="http://schemas.openxmlformats.org/officeDocument/2006/relationships" xmlns:p="http://schemas.openxmlformats.org/presentationml/2006/main">
+  <p:cSld>
+    <p:spTree>
+      <p:nvGrpSpPr>
+        <p:cNvPr id="1" name=""/>
+        <p:cNvGrpSpPr/>
+        <p:nvPr/>
+      </p:nvGrpSpPr>
+      <p:grpSpPr>
+        <a:xfrm>
+          <a:off x="0" y="0"/>
+          <a:ext cx="0" cy="0"/>
+          <a:chOff x="0" y="0"/>
+          <a:chExt cx="0" cy="0"/>
+        </a:xfrm>
+      </p:grpSpPr>
+      <p:pic>
+        <p:nvPicPr>
+          <p:cNvPr id="2" name="그림 1"/>
+          <p:cNvPicPr>
+            <a:picLocks noChangeAspect="1"/>
+          </p:cNvPicPr>
+          <p:nvPr/>
+        </p:nvPicPr>
+        <p:blipFill>
+          <a:blip r:embed="rId2"/>
+          <a:stretch>
+            <a:fillRect/>
+          </a:stretch>
+        </p:blipFill>
+        <p:spPr>
+          <a:xfrm>
+            <a:off x="1281112" y="523875"/>
+            <a:ext cx="9629775" cy="5810250"/>
+          </a:xfrm>
+          <a:prstGeom prst="rect">
+            <a:avLst/>
+          </a:prstGeom>
+        </p:spPr>
+      </p:pic>
+      <p:sp>
+        <p:nvSpPr>
+          <p:cNvPr id="3" name="직사각형 2"/>
+          <p:cNvSpPr/>
+          <p:nvPr/>
+        </p:nvSpPr>
+        <p:spPr>
+          <a:xfrm>
+            <a:off x="3461100" y="6334125"/>
+            <a:ext cx="7449787" cy="276999"/>
+          </a:xfrm>
+          <a:prstGeom prst="rect">
+            <a:avLst/>
+          </a:prstGeom>
+        </p:spPr>
+        <p:txBody>
+          <a:bodyPr wrap="square">
+            <a:spAutoFit/>
+          </a:bodyPr>
+          <a:lstStyle/>
+          <a:p>
+            <a:r>
+              <a:rPr lang="ko-KR" altLang="en-US" sz="1200" dirty="0">
+                <a:hlinkClick r:id="rId3"/>
+              </a:rPr>
+              <a:t>https://github.com/search?l=C%2B%2B&amp;q=SIO_LOOPBACK_FAST_PATH&amp;type=Code&amp;utf8=%E2%9C%93</a:t>
+            </a:r>
+            <a:r>
+              <a:rPr lang="ko-KR" altLang="en-US" sz="1200" dirty="0"/>
+              <a:t> </a:t>
+            </a:r>
+          </a:p>
+        </p:txBody>
+      </p:sp>
+    </p:spTree>
+    <p:extLst>
+      <p:ext uri="{BB962C8B-B14F-4D97-AF65-F5344CB8AC3E}">
+        <p14:creationId xmlns:p14="http://schemas.microsoft.com/office/powerpoint/2010/main" val="2760264221"/>
+      </p:ext>
+    </p:extLst>
+  </p:cSld>
+  <p:clrMapOvr>
+    <a:masterClrMapping/>
+  </p:clrMapOvr>
+</p:sld>
+</file>
+
+<file path=ppt/slides/slide38.xml><?xml version="1.0" encoding="utf-8"?>
+<p:sld xmlns:a="http://schemas.openxmlformats.org/drawingml/2006/main" xmlns:r="http://schemas.openxmlformats.org/officeDocument/2006/relationships" xmlns:p="http://schemas.openxmlformats.org/presentationml/2006/main">
+  <p:cSld>
+    <p:spTree>
+      <p:nvGrpSpPr>
+        <p:cNvPr id="1" name=""/>
+        <p:cNvGrpSpPr/>
+        <p:nvPr/>
+      </p:nvGrpSpPr>
+      <p:grpSpPr>
+        <a:xfrm>
+          <a:off x="0" y="0"/>
+          <a:ext cx="0" cy="0"/>
+          <a:chOff x="0" y="0"/>
+          <a:chExt cx="0" cy="0"/>
+        </a:xfrm>
+      </p:grpSpPr>
+      <p:sp>
+        <p:nvSpPr>
+          <p:cNvPr id="2" name="TextBox 1"/>
+          <p:cNvSpPr txBox="1"/>
+          <p:nvPr/>
+        </p:nvSpPr>
+        <p:spPr>
+          <a:xfrm>
+            <a:off x="551328" y="322729"/>
+            <a:ext cx="11282083" cy="1754326"/>
+          </a:xfrm>
+          <a:prstGeom prst="rect">
+            <a:avLst/>
+          </a:prstGeom>
+          <a:noFill/>
+        </p:spPr>
+        <p:txBody>
+          <a:bodyPr wrap="square" rtlCol="0">
+            <a:spAutoFit/>
+          </a:bodyPr>
+          <a:lstStyle/>
+          <a:p>
+            <a:r>
+              <a:rPr lang="en-US" altLang="ko-KR" sz="3600" b="1" dirty="0"/>
+              <a:t>Fast TCP Loopback Performance and Low Latency with Windows Server 2012 TCP Loopback Fast Path</a:t>
+            </a:r>
+            <a:endParaRPr lang="ko-KR" altLang="en-US" sz="3600" b="1" dirty="0"/>
+          </a:p>
+        </p:txBody>
+      </p:sp>
+      <p:pic>
+        <p:nvPicPr>
+          <p:cNvPr id="3" name="그림 2"/>
+          <p:cNvPicPr>
+            <a:picLocks noChangeAspect="1"/>
+          </p:cNvPicPr>
+          <p:nvPr/>
+        </p:nvPicPr>
+        <p:blipFill>
+          <a:blip r:embed="rId2"/>
+          <a:stretch>
+            <a:fillRect/>
+          </a:stretch>
+        </p:blipFill>
+        <p:spPr>
+          <a:xfrm>
+            <a:off x="1796581" y="2077055"/>
+            <a:ext cx="8791575" cy="4524375"/>
+          </a:xfrm>
+          <a:prstGeom prst="rect">
+            <a:avLst/>
+          </a:prstGeom>
+        </p:spPr>
+      </p:pic>
+      <p:sp>
+        <p:nvSpPr>
+          <p:cNvPr id="4" name="직사각형 3"/>
+          <p:cNvSpPr/>
+          <p:nvPr/>
+        </p:nvSpPr>
+        <p:spPr>
+          <a:xfrm>
+            <a:off x="684749" y="6462930"/>
+            <a:ext cx="11015238" cy="276999"/>
+          </a:xfrm>
+          <a:prstGeom prst="rect">
+            <a:avLst/>
+          </a:prstGeom>
+        </p:spPr>
+        <p:txBody>
+          <a:bodyPr wrap="square">
+            <a:spAutoFit/>
+          </a:bodyPr>
+          <a:lstStyle/>
+          <a:p>
+            <a:r>
+              <a:rPr lang="ko-KR" altLang="en-US" sz="1200" dirty="0">
+                <a:hlinkClick r:id="rId3"/>
+              </a:rPr>
+              <a:t>https://blogs.technet.microsoft.com/wincat/2012/12/05/fast-tcp-loopback-performance-and-low-latency-with-windows-server-2012-tcp-loopback-fast-path/</a:t>
+            </a:r>
+            <a:r>
+              <a:rPr lang="ko-KR" altLang="en-US" sz="1200" dirty="0"/>
+              <a:t> </a:t>
+            </a:r>
+          </a:p>
+        </p:txBody>
+      </p:sp>
+    </p:spTree>
+    <p:extLst>
+      <p:ext uri="{BB962C8B-B14F-4D97-AF65-F5344CB8AC3E}">
+        <p14:creationId xmlns:p14="http://schemas.microsoft.com/office/powerpoint/2010/main" val="1873475471"/>
+      </p:ext>
+    </p:extLst>
+  </p:cSld>
+  <p:clrMapOvr>
+    <a:masterClrMapping/>
+  </p:clrMapOvr>
+</p:sld>
+</file>
+
+<file path=ppt/slides/slide39.xml><?xml version="1.0" encoding="utf-8"?>
+<p:sld xmlns:a="http://schemas.openxmlformats.org/drawingml/2006/main" xmlns:r="http://schemas.openxmlformats.org/officeDocument/2006/relationships" xmlns:p="http://schemas.openxmlformats.org/presentationml/2006/main">
+  <p:cSld>
+    <p:spTree>
+      <p:nvGrpSpPr>
+        <p:cNvPr id="1" name=""/>
+        <p:cNvGrpSpPr/>
+        <p:nvPr/>
+      </p:nvGrpSpPr>
+      <p:grpSpPr>
+        <a:xfrm>
+          <a:off x="0" y="0"/>
+          <a:ext cx="0" cy="0"/>
+          <a:chOff x="0" y="0"/>
+          <a:chExt cx="0" cy="0"/>
+        </a:xfrm>
+      </p:grpSpPr>
+      <p:pic>
+        <p:nvPicPr>
+          <p:cNvPr id="3" name="그림 2"/>
+          <p:cNvPicPr>
+            <a:picLocks noChangeAspect="1"/>
+          </p:cNvPicPr>
+          <p:nvPr/>
+        </p:nvPicPr>
+        <p:blipFill>
+          <a:blip r:embed="rId2"/>
+          <a:stretch>
+            <a:fillRect/>
+          </a:stretch>
+        </p:blipFill>
+        <p:spPr>
+          <a:xfrm>
+            <a:off x="1765217" y="360341"/>
+            <a:ext cx="9077423" cy="6200775"/>
+          </a:xfrm>
+          <a:prstGeom prst="rect">
+            <a:avLst/>
+          </a:prstGeom>
+        </p:spPr>
+      </p:pic>
+    </p:spTree>
+    <p:extLst>
+      <p:ext uri="{BB962C8B-B14F-4D97-AF65-F5344CB8AC3E}">
+        <p14:creationId xmlns:p14="http://schemas.microsoft.com/office/powerpoint/2010/main" val="3075968608"/>
+      </p:ext>
+    </p:extLst>
+  </p:cSld>
+  <p:clrMapOvr>
+    <a:masterClrMapping/>
+  </p:clrMapOvr>
+</p:sld>
+</file>
+
+<file path=ppt/slides/slide4.xml><?xml version="1.0" encoding="utf-8"?>
 <p:sld xmlns:a="http://schemas.openxmlformats.org/drawingml/2006/main" xmlns:r="http://schemas.openxmlformats.org/officeDocument/2006/relationships" xmlns:p="http://schemas.openxmlformats.org/presentationml/2006/main">
   <p:cSld>
     <p:spTree>
@@ -10713,724 +12208,7 @@
 </p:sld>
 </file>
 
-<file path=ppt/slides/slide30.xml><?xml version="1.0" encoding="utf-8"?>
-<p:sld xmlns:a="http://schemas.openxmlformats.org/drawingml/2006/main" xmlns:r="http://schemas.openxmlformats.org/officeDocument/2006/relationships" xmlns:p="http://schemas.openxmlformats.org/presentationml/2006/main">
-  <p:cSld>
-    <p:spTree>
-      <p:nvGrpSpPr>
-        <p:cNvPr id="1" name=""/>
-        <p:cNvGrpSpPr/>
-        <p:nvPr/>
-      </p:nvGrpSpPr>
-      <p:grpSpPr>
-        <a:xfrm>
-          <a:off x="0" y="0"/>
-          <a:ext cx="0" cy="0"/>
-          <a:chOff x="0" y="0"/>
-          <a:chExt cx="0" cy="0"/>
-        </a:xfrm>
-      </p:grpSpPr>
-      <p:sp>
-        <p:nvSpPr>
-          <p:cNvPr id="2" name="TextBox 1"/>
-          <p:cNvSpPr txBox="1"/>
-          <p:nvPr/>
-        </p:nvSpPr>
-        <p:spPr>
-          <a:xfrm>
-            <a:off x="551328" y="322729"/>
-            <a:ext cx="11282083" cy="646331"/>
-          </a:xfrm>
-          <a:prstGeom prst="rect">
-            <a:avLst/>
-          </a:prstGeom>
-          <a:noFill/>
-        </p:spPr>
-        <p:txBody>
-          <a:bodyPr wrap="square" rtlCol="0">
-            <a:spAutoFit/>
-          </a:bodyPr>
-          <a:lstStyle/>
-          <a:p>
-            <a:r>
-              <a:rPr lang="en-US" altLang="ko-KR" sz="3600" b="1" dirty="0"/>
-              <a:t>Fast TCP Loopback</a:t>
-            </a:r>
-            <a:endParaRPr lang="ko-KR" altLang="en-US" sz="3600" b="1" dirty="0"/>
-          </a:p>
-        </p:txBody>
-      </p:sp>
-      <p:sp>
-        <p:nvSpPr>
-          <p:cNvPr id="3" name="직사각형 2"/>
-          <p:cNvSpPr/>
-          <p:nvPr/>
-        </p:nvSpPr>
-        <p:spPr>
-          <a:xfrm>
-            <a:off x="696685" y="1388745"/>
-            <a:ext cx="10477995" cy="4524315"/>
-          </a:xfrm>
-          <a:prstGeom prst="rect">
-            <a:avLst/>
-          </a:prstGeom>
-        </p:spPr>
-        <p:txBody>
-          <a:bodyPr wrap="square">
-            <a:spAutoFit/>
-          </a:bodyPr>
-          <a:lstStyle/>
-          <a:p>
-            <a:pPr marL="285750" indent="-285750">
-              <a:buFont typeface="Arial" panose="020B0604020202020204" pitchFamily="34" charset="0"/>
-              <a:buChar char="•"/>
-            </a:pPr>
-            <a:r>
-              <a:rPr lang="ko-KR" altLang="en-US" sz="2400" dirty="0"/>
-              <a:t>Windows 8 / Windows Server 2012 에서 추가된 </a:t>
-            </a:r>
-            <a:r>
-              <a:rPr lang="ko-KR" altLang="en-US" sz="2400" dirty="0" err="1"/>
-              <a:t>Winsock</a:t>
-            </a:r>
-            <a:r>
-              <a:rPr lang="ko-KR" altLang="en-US" sz="2400" dirty="0"/>
-              <a:t> 기능</a:t>
-            </a:r>
-            <a:r>
-              <a:rPr lang="en-US" altLang="ko-KR" sz="2400" dirty="0"/>
-              <a:t>.</a:t>
-            </a:r>
-            <a:br>
-              <a:rPr lang="en-US" altLang="ko-KR" sz="2400" dirty="0"/>
-            </a:br>
-            <a:endParaRPr lang="en-US" altLang="ko-KR" sz="2400" dirty="0"/>
-          </a:p>
-          <a:p>
-            <a:pPr marL="285750" indent="-285750">
-              <a:buFont typeface="Arial" panose="020B0604020202020204" pitchFamily="34" charset="0"/>
-              <a:buChar char="•"/>
-            </a:pPr>
-            <a:r>
-              <a:rPr lang="ko-KR" altLang="en-US" sz="2400" b="1" dirty="0"/>
-              <a:t>SIO_LOOPBACK_FAST_PATH </a:t>
-            </a:r>
-            <a:r>
-              <a:rPr lang="ko-KR" altLang="en-US" sz="2400" b="1" dirty="0" err="1"/>
-              <a:t>IOCTL은</a:t>
-            </a:r>
-            <a:r>
-              <a:rPr lang="ko-KR" altLang="en-US" sz="2400" b="1" dirty="0"/>
-              <a:t> 지연 시간을 줄이고</a:t>
-            </a:r>
-            <a:r>
-              <a:rPr lang="en-US" altLang="ko-KR" sz="2400" b="1" dirty="0"/>
-              <a:t>,</a:t>
-            </a:r>
-            <a:r>
-              <a:rPr lang="ko-KR" altLang="en-US" sz="2400" b="1" dirty="0"/>
-              <a:t> TCP </a:t>
-            </a:r>
-            <a:r>
-              <a:rPr lang="ko-KR" altLang="en-US" sz="2400" b="1" dirty="0" err="1"/>
-              <a:t>over</a:t>
-            </a:r>
-            <a:r>
-              <a:rPr lang="ko-KR" altLang="en-US" sz="2400" b="1" dirty="0"/>
-              <a:t> 루프백의 성능을 향상시킨다</a:t>
-            </a:r>
-            <a:r>
-              <a:rPr lang="en-US" altLang="ko-KR" sz="2400" dirty="0"/>
-              <a:t>.</a:t>
-            </a:r>
-            <a:br>
-              <a:rPr lang="en-US" altLang="ko-KR" sz="2400" dirty="0"/>
-            </a:br>
-            <a:r>
-              <a:rPr lang="en-US" altLang="ko-KR" sz="2400" dirty="0"/>
-              <a:t>Device Input and Output Control (IOCTL)</a:t>
-            </a:r>
-            <a:br>
-              <a:rPr lang="en-US" altLang="ko-KR" sz="2400" dirty="0"/>
-            </a:br>
-            <a:endParaRPr lang="en-US" altLang="ko-KR" sz="2400" dirty="0"/>
-          </a:p>
-          <a:p>
-            <a:pPr marL="285750" indent="-285750">
-              <a:buFont typeface="Arial" panose="020B0604020202020204" pitchFamily="34" charset="0"/>
-              <a:buChar char="•"/>
-            </a:pPr>
-            <a:r>
-              <a:rPr lang="ko-KR" altLang="en-US" sz="2400" dirty="0"/>
-              <a:t>Windows에서 IPv4 또는 IPv6 </a:t>
-            </a:r>
-            <a:r>
-              <a:rPr lang="ko-KR" altLang="en-US" sz="2400" dirty="0" err="1"/>
-              <a:t>루프백</a:t>
-            </a:r>
-            <a:r>
-              <a:rPr lang="en-US" altLang="ko-KR" sz="2400" dirty="0"/>
-              <a:t>(localhost, 127.0.0.1)</a:t>
-            </a:r>
-            <a:r>
-              <a:rPr lang="ko-KR" altLang="en-US" sz="2400" dirty="0"/>
-              <a:t> 주소를 사용하는 패킷은 네트워크 계층을 사용한다. 이 </a:t>
-            </a:r>
-            <a:r>
-              <a:rPr lang="ko-KR" altLang="en-US" sz="2400" dirty="0" err="1"/>
-              <a:t>IOCTL은</a:t>
-            </a:r>
-            <a:r>
-              <a:rPr lang="ko-KR" altLang="en-US" sz="2400" dirty="0"/>
-              <a:t> 루프백을 통한 TCP 패킷이 </a:t>
-            </a:r>
-            <a:r>
-              <a:rPr lang="ko-KR" altLang="en-US" sz="2400" b="1" dirty="0"/>
-              <a:t>전송 계층을 대신 사용하도록 동작을 변경</a:t>
-            </a:r>
-            <a:r>
-              <a:rPr lang="ko-KR" altLang="en-US" sz="2400" dirty="0"/>
-              <a:t>한다. </a:t>
-            </a:r>
-            <a:br>
-              <a:rPr lang="en-US" altLang="ko-KR" sz="2400" dirty="0"/>
-            </a:br>
-            <a:endParaRPr lang="en-US" altLang="ko-KR" sz="2400" dirty="0"/>
-          </a:p>
-          <a:p>
-            <a:pPr marL="285750" indent="-285750">
-              <a:buFont typeface="Arial" panose="020B0604020202020204" pitchFamily="34" charset="0"/>
-              <a:buChar char="•"/>
-            </a:pPr>
-            <a:r>
-              <a:rPr lang="ko-KR" altLang="en-US" sz="2400" dirty="0"/>
-              <a:t>이렇게 하면 </a:t>
-            </a:r>
-            <a:r>
-              <a:rPr lang="ko-KR" altLang="en-US" sz="2400" dirty="0" err="1"/>
-              <a:t>루프백</a:t>
-            </a:r>
-            <a:r>
-              <a:rPr lang="ko-KR" altLang="en-US" sz="2400" dirty="0"/>
-              <a:t> 패킷이 </a:t>
-            </a:r>
-            <a:r>
-              <a:rPr lang="ko-KR" altLang="en-US" sz="2400" dirty="0" err="1"/>
-              <a:t>OS에서</a:t>
-            </a:r>
-            <a:r>
-              <a:rPr lang="ko-KR" altLang="en-US" sz="2400" dirty="0"/>
-              <a:t> 통과 해야하는 </a:t>
-            </a:r>
-            <a:r>
-              <a:rPr lang="ko-KR" altLang="en-US" sz="2400" b="1" dirty="0"/>
-              <a:t>코드 경로가 단축되므로 대기 시간이 단축되고 성능이 향상</a:t>
-            </a:r>
-            <a:r>
-              <a:rPr lang="ko-KR" altLang="en-US" sz="2400" dirty="0"/>
-              <a:t>된다.</a:t>
-            </a:r>
-          </a:p>
-        </p:txBody>
-      </p:sp>
-    </p:spTree>
-    <p:extLst>
-      <p:ext uri="{BB962C8B-B14F-4D97-AF65-F5344CB8AC3E}">
-        <p14:creationId xmlns:p14="http://schemas.microsoft.com/office/powerpoint/2010/main" val="3367074224"/>
-      </p:ext>
-    </p:extLst>
-  </p:cSld>
-  <p:clrMapOvr>
-    <a:masterClrMapping/>
-  </p:clrMapOvr>
-</p:sld>
-</file>
-
-<file path=ppt/slides/slide31.xml><?xml version="1.0" encoding="utf-8"?>
-<p:sld xmlns:a="http://schemas.openxmlformats.org/drawingml/2006/main" xmlns:r="http://schemas.openxmlformats.org/officeDocument/2006/relationships" xmlns:p="http://schemas.openxmlformats.org/presentationml/2006/main">
-  <p:cSld>
-    <p:spTree>
-      <p:nvGrpSpPr>
-        <p:cNvPr id="1" name=""/>
-        <p:cNvGrpSpPr/>
-        <p:nvPr/>
-      </p:nvGrpSpPr>
-      <p:grpSpPr>
-        <a:xfrm>
-          <a:off x="0" y="0"/>
-          <a:ext cx="0" cy="0"/>
-          <a:chOff x="0" y="0"/>
-          <a:chExt cx="0" cy="0"/>
-        </a:xfrm>
-      </p:grpSpPr>
-      <p:sp>
-        <p:nvSpPr>
-          <p:cNvPr id="3" name="직사각형 2"/>
-          <p:cNvSpPr/>
-          <p:nvPr/>
-        </p:nvSpPr>
-        <p:spPr>
-          <a:xfrm>
-            <a:off x="696685" y="1388745"/>
-            <a:ext cx="10477995" cy="3785652"/>
-          </a:xfrm>
-          <a:prstGeom prst="rect">
-            <a:avLst/>
-          </a:prstGeom>
-        </p:spPr>
-        <p:txBody>
-          <a:bodyPr wrap="square">
-            <a:spAutoFit/>
-          </a:bodyPr>
-          <a:lstStyle/>
-          <a:p>
-            <a:pPr marL="285750" indent="-285750">
-              <a:buFont typeface="Arial" panose="020B0604020202020204" pitchFamily="34" charset="0"/>
-              <a:buChar char="•"/>
-            </a:pPr>
-            <a:r>
-              <a:rPr lang="ko-KR" altLang="en-US" sz="2400" dirty="0"/>
-              <a:t>이 향상된 기능을 사용하려면 </a:t>
-            </a:r>
-            <a:r>
-              <a:rPr lang="ko-KR" altLang="en-US" sz="2400" b="1" dirty="0" err="1"/>
-              <a:t>루프백</a:t>
-            </a:r>
-            <a:r>
-              <a:rPr lang="ko-KR" altLang="en-US" sz="2400" b="1" dirty="0"/>
-              <a:t>(클라이언트와 서버)을 사용하는 소켓 모두가 </a:t>
-            </a:r>
-            <a:r>
-              <a:rPr lang="ko-KR" altLang="en-US" sz="2400" b="1" dirty="0" err="1"/>
-              <a:t>IOCTL을</a:t>
-            </a:r>
-            <a:r>
-              <a:rPr lang="ko-KR" altLang="en-US" sz="2400" b="1" dirty="0"/>
-              <a:t> </a:t>
-            </a:r>
-            <a:r>
-              <a:rPr lang="ko-KR" altLang="en-US" sz="2400" b="1" dirty="0" err="1"/>
-              <a:t>설정해야한다</a:t>
-            </a:r>
-            <a:r>
-              <a:rPr lang="ko-KR" altLang="en-US" sz="2400" dirty="0"/>
-              <a:t>. </a:t>
-            </a:r>
-            <a:br>
-              <a:rPr lang="en-US" altLang="ko-KR" sz="2400" dirty="0"/>
-            </a:br>
-            <a:endParaRPr lang="en-US" altLang="ko-KR" sz="2400" dirty="0"/>
-          </a:p>
-          <a:p>
-            <a:pPr marL="285750" indent="-285750">
-              <a:buFont typeface="Arial" panose="020B0604020202020204" pitchFamily="34" charset="0"/>
-              <a:buChar char="•"/>
-            </a:pPr>
-            <a:r>
-              <a:rPr lang="ko-KR" altLang="en-US" sz="2400" dirty="0"/>
-              <a:t>클라이언트측 소켓은 연결 호출을 작성하기 전에 이 </a:t>
-            </a:r>
-            <a:r>
-              <a:rPr lang="ko-KR" altLang="en-US" sz="2400" dirty="0" err="1"/>
-              <a:t>IOCTL을</a:t>
-            </a:r>
-            <a:r>
-              <a:rPr lang="ko-KR" altLang="en-US" sz="2400" dirty="0"/>
-              <a:t> 설정 </a:t>
-            </a:r>
-            <a:r>
-              <a:rPr lang="ko-KR" altLang="en-US" sz="2400" dirty="0" err="1"/>
-              <a:t>해야하나다</a:t>
-            </a:r>
-            <a:r>
-              <a:rPr lang="ko-KR" altLang="en-US" sz="2400" dirty="0"/>
-              <a:t>. 그리고 서버측 소켓은 들어오는 소켓을 수락하기 전에 이 </a:t>
-            </a:r>
-            <a:r>
-              <a:rPr lang="ko-KR" altLang="en-US" sz="2400" dirty="0" err="1"/>
-              <a:t>IOCTL을</a:t>
-            </a:r>
-            <a:r>
-              <a:rPr lang="ko-KR" altLang="en-US" sz="2400" dirty="0"/>
-              <a:t> 적용 해야한다. </a:t>
-            </a:r>
-            <a:br>
-              <a:rPr lang="en-US" altLang="ko-KR" sz="2400" dirty="0"/>
-            </a:br>
-            <a:endParaRPr lang="en-US" altLang="ko-KR" sz="2400" dirty="0"/>
-          </a:p>
-          <a:p>
-            <a:pPr marL="285750" indent="-285750">
-              <a:buFont typeface="Arial" panose="020B0604020202020204" pitchFamily="34" charset="0"/>
-              <a:buChar char="•"/>
-            </a:pPr>
-            <a:r>
-              <a:rPr lang="ko-KR" altLang="en-US" sz="2400" dirty="0"/>
-              <a:t>이 향상된 기능의 제한 사항은 Windows 필터링 플랫폼(WFP) 필터와 함께 사용할 수 없다는 것이다. 또 다른 사소한 제한은 이 </a:t>
-            </a:r>
-            <a:r>
-              <a:rPr lang="ko-KR" altLang="en-US" sz="2400" dirty="0" err="1"/>
-              <a:t>IOCTL이</a:t>
-            </a:r>
-            <a:r>
-              <a:rPr lang="ko-KR" altLang="en-US" sz="2400" dirty="0"/>
-              <a:t> 설정 될 때 소켓 옵션의 제한된 수만 사용될 수 있다는 것이다.</a:t>
-            </a:r>
-          </a:p>
-        </p:txBody>
-      </p:sp>
-      <p:sp>
-        <p:nvSpPr>
-          <p:cNvPr id="4" name="TextBox 3"/>
-          <p:cNvSpPr txBox="1"/>
-          <p:nvPr/>
-        </p:nvSpPr>
-        <p:spPr>
-          <a:xfrm>
-            <a:off x="696685" y="5934670"/>
-            <a:ext cx="11107388" cy="646331"/>
-          </a:xfrm>
-          <a:prstGeom prst="rect">
-            <a:avLst/>
-          </a:prstGeom>
-          <a:noFill/>
-        </p:spPr>
-        <p:txBody>
-          <a:bodyPr wrap="square" rtlCol="0">
-            <a:spAutoFit/>
-          </a:bodyPr>
-          <a:lstStyle/>
-          <a:p>
-            <a:r>
-              <a:rPr lang="en-US" altLang="ko-KR" dirty="0"/>
-              <a:t>WFP: </a:t>
-            </a:r>
-            <a:r>
-              <a:rPr lang="ko-KR" altLang="en-US" dirty="0"/>
-              <a:t>소켓이 </a:t>
-            </a:r>
-            <a:r>
-              <a:rPr lang="en-US" altLang="ko-KR" dirty="0"/>
-              <a:t>OS </a:t>
-            </a:r>
-            <a:r>
-              <a:rPr lang="ko-KR" altLang="en-US" dirty="0"/>
-              <a:t>내에서 처리되기 전에 필터 하거나 변경할 수 있다</a:t>
-            </a:r>
-            <a:r>
-              <a:rPr lang="en-US" altLang="ko-KR" dirty="0"/>
-              <a:t>. </a:t>
-            </a:r>
-            <a:r>
-              <a:rPr lang="ko-KR" altLang="en-US" dirty="0"/>
-              <a:t>즉 방화벽이나 안티 바이러스</a:t>
-            </a:r>
-            <a:r>
-              <a:rPr lang="en-US" altLang="ko-KR" dirty="0"/>
-              <a:t>, </a:t>
-            </a:r>
-            <a:r>
-              <a:rPr lang="ko-KR" altLang="en-US" dirty="0"/>
-              <a:t>안티 스파이웨어 대응 소프트웨어 등이 어떤 데이터를 시스템에서 수신할지를 보다 효율적으로 컨트롤 할 수 있다</a:t>
-            </a:r>
-            <a:r>
-              <a:rPr lang="en-US" altLang="ko-KR" dirty="0"/>
-              <a:t>.</a:t>
-            </a:r>
-            <a:endParaRPr lang="ko-KR" altLang="en-US" dirty="0"/>
-          </a:p>
-        </p:txBody>
-      </p:sp>
-    </p:spTree>
-    <p:extLst>
-      <p:ext uri="{BB962C8B-B14F-4D97-AF65-F5344CB8AC3E}">
-        <p14:creationId xmlns:p14="http://schemas.microsoft.com/office/powerpoint/2010/main" val="1902999244"/>
-      </p:ext>
-    </p:extLst>
-  </p:cSld>
-  <p:clrMapOvr>
-    <a:masterClrMapping/>
-  </p:clrMapOvr>
-</p:sld>
-</file>
-
-<file path=ppt/slides/slide32.xml><?xml version="1.0" encoding="utf-8"?>
-<p:sld xmlns:a="http://schemas.openxmlformats.org/drawingml/2006/main" xmlns:r="http://schemas.openxmlformats.org/officeDocument/2006/relationships" xmlns:p="http://schemas.openxmlformats.org/presentationml/2006/main">
-  <p:cSld>
-    <p:spTree>
-      <p:nvGrpSpPr>
-        <p:cNvPr id="1" name=""/>
-        <p:cNvGrpSpPr/>
-        <p:nvPr/>
-      </p:nvGrpSpPr>
-      <p:grpSpPr>
-        <a:xfrm>
-          <a:off x="0" y="0"/>
-          <a:ext cx="0" cy="0"/>
-          <a:chOff x="0" y="0"/>
-          <a:chExt cx="0" cy="0"/>
-        </a:xfrm>
-      </p:grpSpPr>
-      <p:sp>
-        <p:nvSpPr>
-          <p:cNvPr id="2" name="TextBox 1"/>
-          <p:cNvSpPr txBox="1"/>
-          <p:nvPr/>
-        </p:nvSpPr>
-        <p:spPr>
-          <a:xfrm>
-            <a:off x="551328" y="322729"/>
-            <a:ext cx="11282083" cy="646331"/>
-          </a:xfrm>
-          <a:prstGeom prst="rect">
-            <a:avLst/>
-          </a:prstGeom>
-          <a:noFill/>
-        </p:spPr>
-        <p:txBody>
-          <a:bodyPr wrap="square" rtlCol="0">
-            <a:spAutoFit/>
-          </a:bodyPr>
-          <a:lstStyle/>
-          <a:p>
-            <a:r>
-              <a:rPr lang="ko-KR" altLang="en-US" sz="3600" b="1" dirty="0"/>
-              <a:t>사용 예</a:t>
-            </a:r>
-          </a:p>
-        </p:txBody>
-      </p:sp>
-      <p:pic>
-        <p:nvPicPr>
-          <p:cNvPr id="3" name="그림 2"/>
-          <p:cNvPicPr>
-            <a:picLocks noChangeAspect="1"/>
-          </p:cNvPicPr>
-          <p:nvPr/>
-        </p:nvPicPr>
-        <p:blipFill>
-          <a:blip r:embed="rId2"/>
-          <a:stretch>
-            <a:fillRect/>
-          </a:stretch>
-        </p:blipFill>
-        <p:spPr>
-          <a:xfrm>
-            <a:off x="838199" y="3122343"/>
-            <a:ext cx="9951547" cy="2957821"/>
-          </a:xfrm>
-          <a:prstGeom prst="rect">
-            <a:avLst/>
-          </a:prstGeom>
-        </p:spPr>
-      </p:pic>
-      <p:pic>
-        <p:nvPicPr>
-          <p:cNvPr id="4" name="그림 3"/>
-          <p:cNvPicPr>
-            <a:picLocks noChangeAspect="1"/>
-          </p:cNvPicPr>
-          <p:nvPr/>
-        </p:nvPicPr>
-        <p:blipFill>
-          <a:blip r:embed="rId3"/>
-          <a:stretch>
-            <a:fillRect/>
-          </a:stretch>
-        </p:blipFill>
-        <p:spPr>
-          <a:xfrm>
-            <a:off x="3735779" y="1326511"/>
-            <a:ext cx="6405748" cy="1040645"/>
-          </a:xfrm>
-          <a:prstGeom prst="rect">
-            <a:avLst/>
-          </a:prstGeom>
-        </p:spPr>
-      </p:pic>
-      <p:sp>
-        <p:nvSpPr>
-          <p:cNvPr id="5" name="TextBox 4"/>
-          <p:cNvSpPr txBox="1"/>
-          <p:nvPr/>
-        </p:nvSpPr>
-        <p:spPr>
-          <a:xfrm>
-            <a:off x="3641764" y="1846833"/>
-            <a:ext cx="3566558" cy="450629"/>
-          </a:xfrm>
-          <a:prstGeom prst="rect">
-            <a:avLst/>
-          </a:prstGeom>
-          <a:noFill/>
-          <a:ln w="28575">
-            <a:solidFill>
-              <a:srgbClr val="FF0000"/>
-            </a:solidFill>
-          </a:ln>
-        </p:spPr>
-        <p:txBody>
-          <a:bodyPr wrap="square" rtlCol="0">
-            <a:spAutoFit/>
-          </a:bodyPr>
-          <a:lstStyle/>
-          <a:p>
-            <a:endParaRPr lang="ko-KR" altLang="en-US" dirty="0"/>
-          </a:p>
-        </p:txBody>
-      </p:sp>
-      <p:sp>
-        <p:nvSpPr>
-          <p:cNvPr id="6" name="직사각형 5"/>
-          <p:cNvSpPr/>
-          <p:nvPr/>
-        </p:nvSpPr>
-        <p:spPr>
-          <a:xfrm>
-            <a:off x="3075709" y="6080164"/>
-            <a:ext cx="8645236" cy="461665"/>
-          </a:xfrm>
-          <a:prstGeom prst="rect">
-            <a:avLst/>
-          </a:prstGeom>
-        </p:spPr>
-        <p:txBody>
-          <a:bodyPr wrap="square">
-            <a:spAutoFit/>
-          </a:bodyPr>
-          <a:lstStyle/>
-          <a:p>
-            <a:r>
-              <a:rPr lang="ko-KR" altLang="en-US" sz="1200" dirty="0"/>
-              <a:t>출처</a:t>
-            </a:r>
-            <a:r>
-              <a:rPr lang="en-US" altLang="ko-KR" sz="1200" dirty="0"/>
-              <a:t>: </a:t>
-            </a:r>
-            <a:r>
-              <a:rPr lang="ko-KR" altLang="en-US" sz="1200" dirty="0">
-                <a:hlinkClick r:id="rId4"/>
-              </a:rPr>
-              <a:t>https://github.com/billlin0904/librapid/blob/95864eed190bee0752502f88c57c7dcef6965050/source/details/socket.cpp</a:t>
-            </a:r>
-            <a:r>
-              <a:rPr lang="ko-KR" altLang="en-US" sz="1200" dirty="0"/>
-              <a:t> </a:t>
-            </a:r>
-          </a:p>
-        </p:txBody>
-      </p:sp>
-    </p:spTree>
-    <p:extLst>
-      <p:ext uri="{BB962C8B-B14F-4D97-AF65-F5344CB8AC3E}">
-        <p14:creationId xmlns:p14="http://schemas.microsoft.com/office/powerpoint/2010/main" val="3359129168"/>
-      </p:ext>
-    </p:extLst>
-  </p:cSld>
-  <p:clrMapOvr>
-    <a:masterClrMapping/>
-  </p:clrMapOvr>
-</p:sld>
-</file>
-
-<file path=ppt/slides/slide33.xml><?xml version="1.0" encoding="utf-8"?>
-<p:sld xmlns:a="http://schemas.openxmlformats.org/drawingml/2006/main" xmlns:r="http://schemas.openxmlformats.org/officeDocument/2006/relationships" xmlns:p="http://schemas.openxmlformats.org/presentationml/2006/main">
-  <p:cSld>
-    <p:spTree>
-      <p:nvGrpSpPr>
-        <p:cNvPr id="1" name=""/>
-        <p:cNvGrpSpPr/>
-        <p:nvPr/>
-      </p:nvGrpSpPr>
-      <p:grpSpPr>
-        <a:xfrm>
-          <a:off x="0" y="0"/>
-          <a:ext cx="0" cy="0"/>
-          <a:chOff x="0" y="0"/>
-          <a:chExt cx="0" cy="0"/>
-        </a:xfrm>
-      </p:grpSpPr>
-      <p:pic>
-        <p:nvPicPr>
-          <p:cNvPr id="3" name="그림 2"/>
-          <p:cNvPicPr>
-            <a:picLocks noChangeAspect="1"/>
-          </p:cNvPicPr>
-          <p:nvPr/>
-        </p:nvPicPr>
-        <p:blipFill>
-          <a:blip r:embed="rId2"/>
-          <a:stretch>
-            <a:fillRect/>
-          </a:stretch>
-        </p:blipFill>
-        <p:spPr>
-          <a:xfrm>
-            <a:off x="1117579" y="275482"/>
-            <a:ext cx="4736956" cy="6168518"/>
-          </a:xfrm>
-          <a:prstGeom prst="rect">
-            <a:avLst/>
-          </a:prstGeom>
-        </p:spPr>
-      </p:pic>
-      <p:sp>
-        <p:nvSpPr>
-          <p:cNvPr id="4" name="직사각형 3"/>
-          <p:cNvSpPr/>
-          <p:nvPr/>
-        </p:nvSpPr>
-        <p:spPr>
-          <a:xfrm>
-            <a:off x="2660074" y="6581001"/>
-            <a:ext cx="9369630" cy="276999"/>
-          </a:xfrm>
-          <a:prstGeom prst="rect">
-            <a:avLst/>
-          </a:prstGeom>
-        </p:spPr>
-        <p:txBody>
-          <a:bodyPr wrap="square">
-            <a:spAutoFit/>
-          </a:bodyPr>
-          <a:lstStyle/>
-          <a:p>
-            <a:r>
-              <a:rPr lang="ko-KR" altLang="en-US" sz="1200" dirty="0"/>
-              <a:t>출처</a:t>
-            </a:r>
-            <a:r>
-              <a:rPr lang="en-US" altLang="ko-KR" sz="1200" dirty="0"/>
-              <a:t>: </a:t>
-            </a:r>
-            <a:r>
-              <a:rPr lang="ko-KR" altLang="en-US" sz="1200" dirty="0">
-                <a:hlinkClick r:id="rId3"/>
-              </a:rPr>
-              <a:t>https://github.com/GorNishanov/await/blob/c23d240a7b9a3f49df3fd6f9b44e2ae78c45899d/2015_CppCon/SuperLean/PAL.cpp</a:t>
-            </a:r>
-            <a:r>
-              <a:rPr lang="ko-KR" altLang="en-US" sz="1200" dirty="0"/>
-              <a:t> </a:t>
-            </a:r>
-          </a:p>
-        </p:txBody>
-      </p:sp>
-    </p:spTree>
-    <p:extLst>
-      <p:ext uri="{BB962C8B-B14F-4D97-AF65-F5344CB8AC3E}">
-        <p14:creationId xmlns:p14="http://schemas.microsoft.com/office/powerpoint/2010/main" val="1807372915"/>
-      </p:ext>
-    </p:extLst>
-  </p:cSld>
-  <p:clrMapOvr>
-    <a:masterClrMapping/>
-  </p:clrMapOvr>
-</p:sld>
-</file>
-
-<file path=ppt/slides/slide34.xml><?xml version="1.0" encoding="utf-8"?>
+<file path=ppt/slides/slide40.xml><?xml version="1.0" encoding="utf-8"?>
 <p:sld xmlns:a="http://schemas.openxmlformats.org/drawingml/2006/main" xmlns:r="http://schemas.openxmlformats.org/officeDocument/2006/relationships" xmlns:p="http://schemas.openxmlformats.org/presentationml/2006/main">
   <p:cSld>
     <p:spTree>
@@ -11463,60 +12241,18 @@
         </p:blipFill>
         <p:spPr>
           <a:xfrm>
-            <a:off x="370423" y="1149925"/>
-            <a:ext cx="11505340" cy="3873337"/>
+            <a:off x="2461285" y="636938"/>
+            <a:ext cx="6978304" cy="5336350"/>
           </a:xfrm>
           <a:prstGeom prst="rect">
             <a:avLst/>
           </a:prstGeom>
         </p:spPr>
       </p:pic>
-      <p:sp>
-        <p:nvSpPr>
-          <p:cNvPr id="3" name="직사각형 2"/>
-          <p:cNvSpPr/>
-          <p:nvPr/>
-        </p:nvSpPr>
-        <p:spPr>
-          <a:xfrm>
-            <a:off x="2268624" y="5449278"/>
-            <a:ext cx="9607139" cy="276999"/>
-          </a:xfrm>
-          <a:prstGeom prst="rect">
-            <a:avLst/>
-          </a:prstGeom>
-        </p:spPr>
-        <p:txBody>
-          <a:bodyPr wrap="square">
-            <a:spAutoFit/>
-          </a:bodyPr>
-          <a:lstStyle/>
-          <a:p>
-            <a:r>
-              <a:rPr lang="ko-KR" altLang="en-US" sz="1200" dirty="0"/>
-              <a:t>출처</a:t>
-            </a:r>
-            <a:r>
-              <a:rPr lang="en-US" altLang="ko-KR" sz="1200" dirty="0"/>
-              <a:t>: </a:t>
-            </a:r>
-            <a:r>
-              <a:rPr lang="ko-KR" altLang="en-US" sz="1200" dirty="0">
-                <a:hlinkClick r:id="rId3"/>
-              </a:rPr>
-              <a:t>https://github.com/stas-sultanov/SXN.Net/blob/d7bbba5f56900813b4f88d38b54bc12a560ded13/src/TcpServerCli/TcpWorker.h</a:t>
-            </a:r>
-            <a:r>
-              <a:rPr lang="ko-KR" altLang="en-US" sz="1200" dirty="0"/>
-              <a:t> </a:t>
-            </a:r>
-          </a:p>
-        </p:txBody>
-      </p:sp>
     </p:spTree>
     <p:extLst>
       <p:ext uri="{BB962C8B-B14F-4D97-AF65-F5344CB8AC3E}">
-        <p14:creationId xmlns:p14="http://schemas.microsoft.com/office/powerpoint/2010/main" val="880290254"/>
+        <p14:creationId xmlns:p14="http://schemas.microsoft.com/office/powerpoint/2010/main" val="2367002039"/>
       </p:ext>
     </p:extLst>
   </p:cSld>
@@ -11526,7 +12262,314 @@
 </p:sld>
 </file>
 
-<file path=ppt/slides/slide35.xml><?xml version="1.0" encoding="utf-8"?>
+<file path=ppt/slides/slide41.xml><?xml version="1.0" encoding="utf-8"?>
+<p:sld xmlns:a="http://schemas.openxmlformats.org/drawingml/2006/main" xmlns:r="http://schemas.openxmlformats.org/officeDocument/2006/relationships" xmlns:p="http://schemas.openxmlformats.org/presentationml/2006/main">
+  <p:cSld>
+    <p:spTree>
+      <p:nvGrpSpPr>
+        <p:cNvPr id="1" name=""/>
+        <p:cNvGrpSpPr/>
+        <p:nvPr/>
+      </p:nvGrpSpPr>
+      <p:grpSpPr>
+        <a:xfrm>
+          <a:off x="0" y="0"/>
+          <a:ext cx="0" cy="0"/>
+          <a:chOff x="0" y="0"/>
+          <a:chExt cx="0" cy="0"/>
+        </a:xfrm>
+      </p:grpSpPr>
+      <p:sp>
+        <p:nvSpPr>
+          <p:cNvPr id="2" name="TextBox 1"/>
+          <p:cNvSpPr txBox="1"/>
+          <p:nvPr/>
+        </p:nvSpPr>
+        <p:spPr>
+          <a:xfrm>
+            <a:off x="551328" y="322729"/>
+            <a:ext cx="11282083" cy="646331"/>
+          </a:xfrm>
+          <a:prstGeom prst="rect">
+            <a:avLst/>
+          </a:prstGeom>
+          <a:noFill/>
+        </p:spPr>
+        <p:txBody>
+          <a:bodyPr wrap="square" rtlCol="0">
+            <a:spAutoFit/>
+          </a:bodyPr>
+          <a:lstStyle/>
+          <a:p>
+            <a:r>
+              <a:rPr lang="en-US" altLang="ko-KR" sz="3600" b="1" dirty="0"/>
+              <a:t>MSDN</a:t>
+            </a:r>
+            <a:endParaRPr lang="ko-KR" altLang="en-US" sz="3600" b="1" dirty="0"/>
+          </a:p>
+        </p:txBody>
+      </p:sp>
+      <p:pic>
+        <p:nvPicPr>
+          <p:cNvPr id="3" name="그림 2"/>
+          <p:cNvPicPr>
+            <a:picLocks noChangeAspect="1"/>
+          </p:cNvPicPr>
+          <p:nvPr/>
+        </p:nvPicPr>
+        <p:blipFill>
+          <a:blip r:embed="rId2"/>
+          <a:stretch>
+            <a:fillRect/>
+          </a:stretch>
+        </p:blipFill>
+        <p:spPr>
+          <a:xfrm>
+            <a:off x="1986829" y="1058462"/>
+            <a:ext cx="8411079" cy="5280368"/>
+          </a:xfrm>
+          <a:prstGeom prst="rect">
+            <a:avLst/>
+          </a:prstGeom>
+        </p:spPr>
+      </p:pic>
+      <p:sp>
+        <p:nvSpPr>
+          <p:cNvPr id="4" name="직사각형 3"/>
+          <p:cNvSpPr/>
+          <p:nvPr/>
+        </p:nvSpPr>
+        <p:spPr>
+          <a:xfrm>
+            <a:off x="4301908" y="6428232"/>
+            <a:ext cx="6096000" cy="276999"/>
+          </a:xfrm>
+          <a:prstGeom prst="rect">
+            <a:avLst/>
+          </a:prstGeom>
+        </p:spPr>
+        <p:txBody>
+          <a:bodyPr>
+            <a:spAutoFit/>
+          </a:bodyPr>
+          <a:lstStyle/>
+          <a:p>
+            <a:r>
+              <a:rPr lang="ko-KR" altLang="en-US" sz="1200" dirty="0">
+                <a:hlinkClick r:id="rId3"/>
+              </a:rPr>
+              <a:t>https://msdn.microsoft.com/en-us/library/windows/desktop/jj841212(v=vs.85).aspx</a:t>
+            </a:r>
+            <a:r>
+              <a:rPr lang="ko-KR" altLang="en-US" sz="1200" dirty="0"/>
+              <a:t> </a:t>
+            </a:r>
+          </a:p>
+        </p:txBody>
+      </p:sp>
+    </p:spTree>
+    <p:extLst>
+      <p:ext uri="{BB962C8B-B14F-4D97-AF65-F5344CB8AC3E}">
+        <p14:creationId xmlns:p14="http://schemas.microsoft.com/office/powerpoint/2010/main" val="29494011"/>
+      </p:ext>
+    </p:extLst>
+  </p:cSld>
+  <p:clrMapOvr>
+    <a:masterClrMapping/>
+  </p:clrMapOvr>
+</p:sld>
+</file>
+
+<file path=ppt/slides/slide42.xml><?xml version="1.0" encoding="utf-8"?>
+<p:sld xmlns:a="http://schemas.openxmlformats.org/drawingml/2006/main" xmlns:r="http://schemas.openxmlformats.org/officeDocument/2006/relationships" xmlns:p="http://schemas.openxmlformats.org/presentationml/2006/main">
+  <p:cSld>
+    <p:spTree>
+      <p:nvGrpSpPr>
+        <p:cNvPr id="1" name=""/>
+        <p:cNvGrpSpPr/>
+        <p:nvPr/>
+      </p:nvGrpSpPr>
+      <p:grpSpPr>
+        <a:xfrm>
+          <a:off x="0" y="0"/>
+          <a:ext cx="0" cy="0"/>
+          <a:chOff x="0" y="0"/>
+          <a:chExt cx="0" cy="0"/>
+        </a:xfrm>
+      </p:grpSpPr>
+      <p:sp>
+        <p:nvSpPr>
+          <p:cNvPr id="2" name="TextBox 1"/>
+          <p:cNvSpPr txBox="1"/>
+          <p:nvPr/>
+        </p:nvSpPr>
+        <p:spPr>
+          <a:xfrm>
+            <a:off x="551328" y="322729"/>
+            <a:ext cx="11282083" cy="646331"/>
+          </a:xfrm>
+          <a:prstGeom prst="rect">
+            <a:avLst/>
+          </a:prstGeom>
+          <a:noFill/>
+        </p:spPr>
+        <p:txBody>
+          <a:bodyPr wrap="square" rtlCol="0">
+            <a:spAutoFit/>
+          </a:bodyPr>
+          <a:lstStyle/>
+          <a:p>
+            <a:r>
+              <a:rPr lang="en-US" altLang="ko-KR" sz="3600" b="1" dirty="0"/>
+              <a:t>Python</a:t>
+            </a:r>
+            <a:r>
+              <a:rPr lang="ko-KR" altLang="en-US" sz="3600" b="1" dirty="0"/>
+              <a:t> </a:t>
+            </a:r>
+            <a:r>
+              <a:rPr lang="en-US" altLang="ko-KR" sz="3600" b="1" dirty="0"/>
+              <a:t>3.6</a:t>
+            </a:r>
+            <a:endParaRPr lang="ko-KR" altLang="en-US" sz="3600" b="1" dirty="0"/>
+          </a:p>
+        </p:txBody>
+      </p:sp>
+      <p:sp>
+        <p:nvSpPr>
+          <p:cNvPr id="3" name="직사각형 2"/>
+          <p:cNvSpPr/>
+          <p:nvPr/>
+        </p:nvSpPr>
+        <p:spPr>
+          <a:xfrm>
+            <a:off x="530175" y="4154303"/>
+            <a:ext cx="11151198" cy="830997"/>
+          </a:xfrm>
+          <a:prstGeom prst="rect">
+            <a:avLst/>
+          </a:prstGeom>
+        </p:spPr>
+        <p:txBody>
+          <a:bodyPr wrap="square">
+            <a:spAutoFit/>
+          </a:bodyPr>
+          <a:lstStyle/>
+          <a:p>
+            <a:r>
+              <a:rPr lang="ko-KR" altLang="en-US" sz="2400" dirty="0" err="1"/>
+              <a:t>ioctl</a:t>
+            </a:r>
+            <a:r>
+              <a:rPr lang="ko-KR" altLang="en-US" sz="2400" dirty="0"/>
+              <a:t>() 함수에서 </a:t>
+            </a:r>
+            <a:r>
+              <a:rPr lang="ko-KR" altLang="en-US" sz="2400" dirty="0" err="1"/>
+              <a:t>SIO_LOOPBACK_FAST_PATH를</a:t>
+            </a:r>
+            <a:r>
+              <a:rPr lang="ko-KR" altLang="en-US" sz="2400" dirty="0"/>
+              <a:t> 사용할 수 있게 되었다</a:t>
+            </a:r>
+            <a:r>
+              <a:rPr lang="en-US" altLang="ko-KR" sz="2400" dirty="0"/>
+              <a:t>.</a:t>
+            </a:r>
+          </a:p>
+          <a:p>
+            <a:r>
+              <a:rPr lang="ko-KR" altLang="en-US" sz="2400" dirty="0"/>
+              <a:t>Windows 환경(Win8 이상)에서 TCP </a:t>
+            </a:r>
+            <a:r>
+              <a:rPr lang="ko-KR" altLang="en-US" sz="2400" dirty="0" err="1"/>
+              <a:t>loopback</a:t>
+            </a:r>
+            <a:r>
+              <a:rPr lang="ko-KR" altLang="en-US" sz="2400" dirty="0"/>
+              <a:t> 성능을 향상 시킬 수 있게 되었다</a:t>
+            </a:r>
+            <a:r>
+              <a:rPr lang="en-US" altLang="ko-KR" sz="2400" dirty="0"/>
+              <a:t>.</a:t>
+            </a:r>
+            <a:endParaRPr lang="ko-KR" altLang="en-US" sz="2400" dirty="0"/>
+          </a:p>
+        </p:txBody>
+      </p:sp>
+      <p:sp>
+        <p:nvSpPr>
+          <p:cNvPr id="4" name="직사각형 3"/>
+          <p:cNvSpPr/>
+          <p:nvPr/>
+        </p:nvSpPr>
+        <p:spPr>
+          <a:xfrm>
+            <a:off x="7316426" y="3382833"/>
+            <a:ext cx="3376245" cy="276999"/>
+          </a:xfrm>
+          <a:prstGeom prst="rect">
+            <a:avLst/>
+          </a:prstGeom>
+        </p:spPr>
+        <p:txBody>
+          <a:bodyPr wrap="none">
+            <a:spAutoFit/>
+          </a:bodyPr>
+          <a:lstStyle/>
+          <a:p>
+            <a:r>
+              <a:rPr lang="ko-KR" altLang="en-US" sz="1200" dirty="0">
+                <a:hlinkClick r:id="rId2"/>
+              </a:rPr>
+              <a:t>https://docs.python.org/3/library/socket.html</a:t>
+            </a:r>
+            <a:r>
+              <a:rPr lang="ko-KR" altLang="en-US" sz="1200" dirty="0"/>
+              <a:t> </a:t>
+            </a:r>
+          </a:p>
+        </p:txBody>
+      </p:sp>
+      <p:pic>
+        <p:nvPicPr>
+          <p:cNvPr id="5" name="그림 4"/>
+          <p:cNvPicPr>
+            <a:picLocks noChangeAspect="1"/>
+          </p:cNvPicPr>
+          <p:nvPr/>
+        </p:nvPicPr>
+        <p:blipFill>
+          <a:blip r:embed="rId3"/>
+          <a:stretch>
+            <a:fillRect/>
+          </a:stretch>
+        </p:blipFill>
+        <p:spPr>
+          <a:xfrm>
+            <a:off x="682213" y="1363533"/>
+            <a:ext cx="9925050" cy="2019300"/>
+          </a:xfrm>
+          <a:prstGeom prst="rect">
+            <a:avLst/>
+          </a:prstGeom>
+        </p:spPr>
+      </p:pic>
+    </p:spTree>
+    <p:extLst>
+      <p:ext uri="{BB962C8B-B14F-4D97-AF65-F5344CB8AC3E}">
+        <p14:creationId xmlns:p14="http://schemas.microsoft.com/office/powerpoint/2010/main" val="142513471"/>
+      </p:ext>
+    </p:extLst>
+  </p:cSld>
+  <p:clrMapOvr>
+    <a:masterClrMapping/>
+  </p:clrMapOvr>
+</p:sld>
+</file>
+
+<file path=ppt/slides/slide43.xml><?xml version="1.0" encoding="utf-8"?>
 <p:sld xmlns:a="http://schemas.openxmlformats.org/drawingml/2006/main" xmlns:r="http://schemas.openxmlformats.org/officeDocument/2006/relationships" xmlns:p="http://schemas.openxmlformats.org/presentationml/2006/main">
   <p:cSld>
     <p:spTree>
@@ -11545,104 +12588,49 @@
       </p:grpSpPr>
       <p:pic>
         <p:nvPicPr>
-          <p:cNvPr id="3" name="그림 2"/>
+          <p:cNvPr id="4098" name="Picture 2" descr="질문에 대한 이미지 검색결과"/>
           <p:cNvPicPr>
-            <a:picLocks noChangeAspect="1"/>
+            <a:picLocks noChangeAspect="1" noChangeArrowheads="1"/>
           </p:cNvPicPr>
           <p:nvPr/>
         </p:nvPicPr>
         <p:blipFill>
-          <a:blip r:embed="rId2"/>
+          <a:blip r:embed="rId2">
+            <a:extLst>
+              <a:ext uri="{28A0092B-C50C-407E-A947-70E740481C1C}">
+                <a14:useLocalDpi xmlns:a14="http://schemas.microsoft.com/office/drawing/2010/main" val="0"/>
+              </a:ext>
+            </a:extLst>
+          </a:blip>
+          <a:srcRect/>
           <a:stretch>
             <a:fillRect/>
           </a:stretch>
         </p:blipFill>
-        <p:spPr>
-          <a:xfrm>
-            <a:off x="2192606" y="451632"/>
-            <a:ext cx="7804188" cy="5800725"/>
-          </a:xfrm>
-          <a:prstGeom prst="rect">
-            <a:avLst/>
-          </a:prstGeom>
-        </p:spPr>
-      </p:pic>
-      <p:sp>
-        <p:nvSpPr>
-          <p:cNvPr id="4" name="직사각형 3"/>
-          <p:cNvSpPr/>
-          <p:nvPr/>
-        </p:nvSpPr>
-        <p:spPr>
-          <a:xfrm>
-            <a:off x="2762991" y="6351802"/>
-            <a:ext cx="9242961" cy="276999"/>
-          </a:xfrm>
-          <a:prstGeom prst="rect">
-            <a:avLst/>
-          </a:prstGeom>
-        </p:spPr>
-        <p:txBody>
-          <a:bodyPr wrap="square">
-            <a:spAutoFit/>
-          </a:bodyPr>
-          <a:lstStyle/>
-          <a:p>
-            <a:r>
-              <a:rPr lang="ko-KR" altLang="en-US" sz="1200" dirty="0"/>
-              <a:t>출처</a:t>
-            </a:r>
-            <a:r>
-              <a:rPr lang="en-US" altLang="ko-KR" sz="1200" dirty="0"/>
-              <a:t>: </a:t>
-            </a:r>
-            <a:r>
-              <a:rPr lang="ko-KR" altLang="en-US" sz="1200" dirty="0">
-                <a:hlinkClick r:id="rId3"/>
-              </a:rPr>
-              <a:t>https://github.com/imiuka/rtmp-sharp/blob/834f7079bc1b32676dabbd6806b9b746b15f5717/src/_Sky/Hina/Net/SocketEx.cs</a:t>
-            </a:r>
-            <a:r>
-              <a:rPr lang="ko-KR" altLang="en-US" sz="1200" dirty="0"/>
-              <a:t> </a:t>
-            </a:r>
-          </a:p>
-        </p:txBody>
-      </p:sp>
-      <p:sp>
-        <p:nvSpPr>
-          <p:cNvPr id="5" name="TextBox 4"/>
-          <p:cNvSpPr txBox="1"/>
-          <p:nvPr/>
-        </p:nvSpPr>
-        <p:spPr>
-          <a:xfrm>
-            <a:off x="961901" y="273132"/>
-            <a:ext cx="914400" cy="646331"/>
+        <p:spPr bwMode="auto">
+          <a:xfrm>
+            <a:off x="0" y="510639"/>
+            <a:ext cx="12215091" cy="5735782"/>
           </a:xfrm>
           <a:prstGeom prst="rect">
             <a:avLst/>
           </a:prstGeom>
           <a:noFill/>
-        </p:spPr>
-        <p:txBody>
-          <a:bodyPr wrap="square" rtlCol="0">
-            <a:spAutoFit/>
-          </a:bodyPr>
-          <a:lstStyle/>
-          <a:p>
-            <a:r>
-              <a:rPr lang="en-US" altLang="ko-KR" sz="3600" b="1" dirty="0"/>
-              <a:t>C#</a:t>
-            </a:r>
-            <a:endParaRPr lang="ko-KR" altLang="en-US" sz="3600" b="1" dirty="0"/>
-          </a:p>
-        </p:txBody>
-      </p:sp>
+          <a:extLst>
+            <a:ext uri="{909E8E84-426E-40DD-AFC4-6F175D3DCCD1}">
+              <a14:hiddenFill xmlns:a14="http://schemas.microsoft.com/office/drawing/2010/main">
+                <a:solidFill>
+                  <a:srgbClr val="FFFFFF"/>
+                </a:solidFill>
+              </a14:hiddenFill>
+            </a:ext>
+          </a:extLst>
+        </p:spPr>
+      </p:pic>
     </p:spTree>
     <p:extLst>
       <p:ext uri="{BB962C8B-B14F-4D97-AF65-F5344CB8AC3E}">
-        <p14:creationId xmlns:p14="http://schemas.microsoft.com/office/powerpoint/2010/main" val="620822485"/>
+        <p14:creationId xmlns:p14="http://schemas.microsoft.com/office/powerpoint/2010/main" val="117595690"/>
       </p:ext>
     </p:extLst>
   </p:cSld>
@@ -11652,321 +12640,7 @@
 </p:sld>
 </file>
 
-<file path=ppt/slides/slide36.xml><?xml version="1.0" encoding="utf-8"?>
-<p:sld xmlns:a="http://schemas.openxmlformats.org/drawingml/2006/main" xmlns:r="http://schemas.openxmlformats.org/officeDocument/2006/relationships" xmlns:p="http://schemas.openxmlformats.org/presentationml/2006/main">
-  <p:cSld>
-    <p:spTree>
-      <p:nvGrpSpPr>
-        <p:cNvPr id="1" name=""/>
-        <p:cNvGrpSpPr/>
-        <p:nvPr/>
-      </p:nvGrpSpPr>
-      <p:grpSpPr>
-        <a:xfrm>
-          <a:off x="0" y="0"/>
-          <a:ext cx="0" cy="0"/>
-          <a:chOff x="0" y="0"/>
-          <a:chExt cx="0" cy="0"/>
-        </a:xfrm>
-      </p:grpSpPr>
-      <p:pic>
-        <p:nvPicPr>
-          <p:cNvPr id="2" name="그림 1"/>
-          <p:cNvPicPr>
-            <a:picLocks noChangeAspect="1"/>
-          </p:cNvPicPr>
-          <p:nvPr/>
-        </p:nvPicPr>
-        <p:blipFill>
-          <a:blip r:embed="rId2"/>
-          <a:stretch>
-            <a:fillRect/>
-          </a:stretch>
-        </p:blipFill>
-        <p:spPr>
-          <a:xfrm>
-            <a:off x="1281112" y="523875"/>
-            <a:ext cx="9629775" cy="5810250"/>
-          </a:xfrm>
-          <a:prstGeom prst="rect">
-            <a:avLst/>
-          </a:prstGeom>
-        </p:spPr>
-      </p:pic>
-      <p:sp>
-        <p:nvSpPr>
-          <p:cNvPr id="3" name="직사각형 2"/>
-          <p:cNvSpPr/>
-          <p:nvPr/>
-        </p:nvSpPr>
-        <p:spPr>
-          <a:xfrm>
-            <a:off x="3461100" y="6334125"/>
-            <a:ext cx="7449787" cy="276999"/>
-          </a:xfrm>
-          <a:prstGeom prst="rect">
-            <a:avLst/>
-          </a:prstGeom>
-        </p:spPr>
-        <p:txBody>
-          <a:bodyPr wrap="square">
-            <a:spAutoFit/>
-          </a:bodyPr>
-          <a:lstStyle/>
-          <a:p>
-            <a:r>
-              <a:rPr lang="ko-KR" altLang="en-US" sz="1200" dirty="0">
-                <a:hlinkClick r:id="rId3"/>
-              </a:rPr>
-              <a:t>https://github.com/search?l=C%2B%2B&amp;q=SIO_LOOPBACK_FAST_PATH&amp;type=Code&amp;utf8=%E2%9C%93</a:t>
-            </a:r>
-            <a:r>
-              <a:rPr lang="ko-KR" altLang="en-US" sz="1200" dirty="0"/>
-              <a:t> </a:t>
-            </a:r>
-          </a:p>
-        </p:txBody>
-      </p:sp>
-    </p:spTree>
-    <p:extLst>
-      <p:ext uri="{BB962C8B-B14F-4D97-AF65-F5344CB8AC3E}">
-        <p14:creationId xmlns:p14="http://schemas.microsoft.com/office/powerpoint/2010/main" val="2760264221"/>
-      </p:ext>
-    </p:extLst>
-  </p:cSld>
-  <p:clrMapOvr>
-    <a:masterClrMapping/>
-  </p:clrMapOvr>
-</p:sld>
-</file>
-
-<file path=ppt/slides/slide37.xml><?xml version="1.0" encoding="utf-8"?>
-<p:sld xmlns:a="http://schemas.openxmlformats.org/drawingml/2006/main" xmlns:r="http://schemas.openxmlformats.org/officeDocument/2006/relationships" xmlns:p="http://schemas.openxmlformats.org/presentationml/2006/main">
-  <p:cSld>
-    <p:spTree>
-      <p:nvGrpSpPr>
-        <p:cNvPr id="1" name=""/>
-        <p:cNvGrpSpPr/>
-        <p:nvPr/>
-      </p:nvGrpSpPr>
-      <p:grpSpPr>
-        <a:xfrm>
-          <a:off x="0" y="0"/>
-          <a:ext cx="0" cy="0"/>
-          <a:chOff x="0" y="0"/>
-          <a:chExt cx="0" cy="0"/>
-        </a:xfrm>
-      </p:grpSpPr>
-      <p:sp>
-        <p:nvSpPr>
-          <p:cNvPr id="2" name="TextBox 1"/>
-          <p:cNvSpPr txBox="1"/>
-          <p:nvPr/>
-        </p:nvSpPr>
-        <p:spPr>
-          <a:xfrm>
-            <a:off x="551328" y="322729"/>
-            <a:ext cx="11282083" cy="1754326"/>
-          </a:xfrm>
-          <a:prstGeom prst="rect">
-            <a:avLst/>
-          </a:prstGeom>
-          <a:noFill/>
-        </p:spPr>
-        <p:txBody>
-          <a:bodyPr wrap="square" rtlCol="0">
-            <a:spAutoFit/>
-          </a:bodyPr>
-          <a:lstStyle/>
-          <a:p>
-            <a:r>
-              <a:rPr lang="en-US" altLang="ko-KR" sz="3600" b="1" dirty="0"/>
-              <a:t>Fast TCP Loopback Performance and Low Latency with Windows Server 2012 TCP Loopback Fast Path</a:t>
-            </a:r>
-            <a:endParaRPr lang="ko-KR" altLang="en-US" sz="3600" b="1" dirty="0"/>
-          </a:p>
-        </p:txBody>
-      </p:sp>
-      <p:pic>
-        <p:nvPicPr>
-          <p:cNvPr id="3" name="그림 2"/>
-          <p:cNvPicPr>
-            <a:picLocks noChangeAspect="1"/>
-          </p:cNvPicPr>
-          <p:nvPr/>
-        </p:nvPicPr>
-        <p:blipFill>
-          <a:blip r:embed="rId2"/>
-          <a:stretch>
-            <a:fillRect/>
-          </a:stretch>
-        </p:blipFill>
-        <p:spPr>
-          <a:xfrm>
-            <a:off x="1796581" y="2077055"/>
-            <a:ext cx="8791575" cy="4524375"/>
-          </a:xfrm>
-          <a:prstGeom prst="rect">
-            <a:avLst/>
-          </a:prstGeom>
-        </p:spPr>
-      </p:pic>
-      <p:sp>
-        <p:nvSpPr>
-          <p:cNvPr id="4" name="직사각형 3"/>
-          <p:cNvSpPr/>
-          <p:nvPr/>
-        </p:nvSpPr>
-        <p:spPr>
-          <a:xfrm>
-            <a:off x="684749" y="6462930"/>
-            <a:ext cx="11015238" cy="276999"/>
-          </a:xfrm>
-          <a:prstGeom prst="rect">
-            <a:avLst/>
-          </a:prstGeom>
-        </p:spPr>
-        <p:txBody>
-          <a:bodyPr wrap="square">
-            <a:spAutoFit/>
-          </a:bodyPr>
-          <a:lstStyle/>
-          <a:p>
-            <a:r>
-              <a:rPr lang="ko-KR" altLang="en-US" sz="1200" dirty="0">
-                <a:hlinkClick r:id="rId3"/>
-              </a:rPr>
-              <a:t>https://blogs.technet.microsoft.com/wincat/2012/12/05/fast-tcp-loopback-performance-and-low-latency-with-windows-server-2012-tcp-loopback-fast-path/</a:t>
-            </a:r>
-            <a:r>
-              <a:rPr lang="ko-KR" altLang="en-US" sz="1200" dirty="0"/>
-              <a:t> </a:t>
-            </a:r>
-          </a:p>
-        </p:txBody>
-      </p:sp>
-    </p:spTree>
-    <p:extLst>
-      <p:ext uri="{BB962C8B-B14F-4D97-AF65-F5344CB8AC3E}">
-        <p14:creationId xmlns:p14="http://schemas.microsoft.com/office/powerpoint/2010/main" val="1873475471"/>
-      </p:ext>
-    </p:extLst>
-  </p:cSld>
-  <p:clrMapOvr>
-    <a:masterClrMapping/>
-  </p:clrMapOvr>
-</p:sld>
-</file>
-
-<file path=ppt/slides/slide38.xml><?xml version="1.0" encoding="utf-8"?>
-<p:sld xmlns:a="http://schemas.openxmlformats.org/drawingml/2006/main" xmlns:r="http://schemas.openxmlformats.org/officeDocument/2006/relationships" xmlns:p="http://schemas.openxmlformats.org/presentationml/2006/main">
-  <p:cSld>
-    <p:spTree>
-      <p:nvGrpSpPr>
-        <p:cNvPr id="1" name=""/>
-        <p:cNvGrpSpPr/>
-        <p:nvPr/>
-      </p:nvGrpSpPr>
-      <p:grpSpPr>
-        <a:xfrm>
-          <a:off x="0" y="0"/>
-          <a:ext cx="0" cy="0"/>
-          <a:chOff x="0" y="0"/>
-          <a:chExt cx="0" cy="0"/>
-        </a:xfrm>
-      </p:grpSpPr>
-      <p:pic>
-        <p:nvPicPr>
-          <p:cNvPr id="3" name="그림 2"/>
-          <p:cNvPicPr>
-            <a:picLocks noChangeAspect="1"/>
-          </p:cNvPicPr>
-          <p:nvPr/>
-        </p:nvPicPr>
-        <p:blipFill>
-          <a:blip r:embed="rId2"/>
-          <a:stretch>
-            <a:fillRect/>
-          </a:stretch>
-        </p:blipFill>
-        <p:spPr>
-          <a:xfrm>
-            <a:off x="1765217" y="360341"/>
-            <a:ext cx="9077423" cy="6200775"/>
-          </a:xfrm>
-          <a:prstGeom prst="rect">
-            <a:avLst/>
-          </a:prstGeom>
-        </p:spPr>
-      </p:pic>
-    </p:spTree>
-    <p:extLst>
-      <p:ext uri="{BB962C8B-B14F-4D97-AF65-F5344CB8AC3E}">
-        <p14:creationId xmlns:p14="http://schemas.microsoft.com/office/powerpoint/2010/main" val="3075968608"/>
-      </p:ext>
-    </p:extLst>
-  </p:cSld>
-  <p:clrMapOvr>
-    <a:masterClrMapping/>
-  </p:clrMapOvr>
-</p:sld>
-</file>
-
-<file path=ppt/slides/slide39.xml><?xml version="1.0" encoding="utf-8"?>
-<p:sld xmlns:a="http://schemas.openxmlformats.org/drawingml/2006/main" xmlns:r="http://schemas.openxmlformats.org/officeDocument/2006/relationships" xmlns:p="http://schemas.openxmlformats.org/presentationml/2006/main">
-  <p:cSld>
-    <p:spTree>
-      <p:nvGrpSpPr>
-        <p:cNvPr id="1" name=""/>
-        <p:cNvGrpSpPr/>
-        <p:nvPr/>
-      </p:nvGrpSpPr>
-      <p:grpSpPr>
-        <a:xfrm>
-          <a:off x="0" y="0"/>
-          <a:ext cx="0" cy="0"/>
-          <a:chOff x="0" y="0"/>
-          <a:chExt cx="0" cy="0"/>
-        </a:xfrm>
-      </p:grpSpPr>
-      <p:pic>
-        <p:nvPicPr>
-          <p:cNvPr id="2" name="그림 1"/>
-          <p:cNvPicPr>
-            <a:picLocks noChangeAspect="1"/>
-          </p:cNvPicPr>
-          <p:nvPr/>
-        </p:nvPicPr>
-        <p:blipFill>
-          <a:blip r:embed="rId2"/>
-          <a:stretch>
-            <a:fillRect/>
-          </a:stretch>
-        </p:blipFill>
-        <p:spPr>
-          <a:xfrm>
-            <a:off x="2461285" y="636938"/>
-            <a:ext cx="6978304" cy="5336350"/>
-          </a:xfrm>
-          <a:prstGeom prst="rect">
-            <a:avLst/>
-          </a:prstGeom>
-        </p:spPr>
-      </p:pic>
-    </p:spTree>
-    <p:extLst>
-      <p:ext uri="{BB962C8B-B14F-4D97-AF65-F5344CB8AC3E}">
-        <p14:creationId xmlns:p14="http://schemas.microsoft.com/office/powerpoint/2010/main" val="2367002039"/>
-      </p:ext>
-    </p:extLst>
-  </p:cSld>
-  <p:clrMapOvr>
-    <a:masterClrMapping/>
-  </p:clrMapOvr>
-</p:sld>
-</file>
-
-<file path=ppt/slides/slide4.xml><?xml version="1.0" encoding="utf-8"?>
+<file path=ppt/slides/slide5.xml><?xml version="1.0" encoding="utf-8"?>
 <p:sld xmlns:a="http://schemas.openxmlformats.org/drawingml/2006/main" xmlns:r="http://schemas.openxmlformats.org/officeDocument/2006/relationships" xmlns:p="http://schemas.openxmlformats.org/presentationml/2006/main">
   <p:cSld>
     <p:spTree>
@@ -12037,385 +12711,7 @@
 </p:sld>
 </file>
 
-<file path=ppt/slides/slide40.xml><?xml version="1.0" encoding="utf-8"?>
-<p:sld xmlns:a="http://schemas.openxmlformats.org/drawingml/2006/main" xmlns:r="http://schemas.openxmlformats.org/officeDocument/2006/relationships" xmlns:p="http://schemas.openxmlformats.org/presentationml/2006/main">
-  <p:cSld>
-    <p:spTree>
-      <p:nvGrpSpPr>
-        <p:cNvPr id="1" name=""/>
-        <p:cNvGrpSpPr/>
-        <p:nvPr/>
-      </p:nvGrpSpPr>
-      <p:grpSpPr>
-        <a:xfrm>
-          <a:off x="0" y="0"/>
-          <a:ext cx="0" cy="0"/>
-          <a:chOff x="0" y="0"/>
-          <a:chExt cx="0" cy="0"/>
-        </a:xfrm>
-      </p:grpSpPr>
-      <p:sp>
-        <p:nvSpPr>
-          <p:cNvPr id="2" name="TextBox 1"/>
-          <p:cNvSpPr txBox="1"/>
-          <p:nvPr/>
-        </p:nvSpPr>
-        <p:spPr>
-          <a:xfrm>
-            <a:off x="551328" y="322729"/>
-            <a:ext cx="11282083" cy="646331"/>
-          </a:xfrm>
-          <a:prstGeom prst="rect">
-            <a:avLst/>
-          </a:prstGeom>
-          <a:noFill/>
-        </p:spPr>
-        <p:txBody>
-          <a:bodyPr wrap="square" rtlCol="0">
-            <a:spAutoFit/>
-          </a:bodyPr>
-          <a:lstStyle/>
-          <a:p>
-            <a:r>
-              <a:rPr lang="en-US" altLang="ko-KR" sz="3600" b="1" dirty="0"/>
-              <a:t>MSDN</a:t>
-            </a:r>
-            <a:endParaRPr lang="ko-KR" altLang="en-US" sz="3600" b="1" dirty="0"/>
-          </a:p>
-        </p:txBody>
-      </p:sp>
-      <p:pic>
-        <p:nvPicPr>
-          <p:cNvPr id="3" name="그림 2"/>
-          <p:cNvPicPr>
-            <a:picLocks noChangeAspect="1"/>
-          </p:cNvPicPr>
-          <p:nvPr/>
-        </p:nvPicPr>
-        <p:blipFill>
-          <a:blip r:embed="rId2"/>
-          <a:stretch>
-            <a:fillRect/>
-          </a:stretch>
-        </p:blipFill>
-        <p:spPr>
-          <a:xfrm>
-            <a:off x="1986829" y="1058462"/>
-            <a:ext cx="8411079" cy="5280368"/>
-          </a:xfrm>
-          <a:prstGeom prst="rect">
-            <a:avLst/>
-          </a:prstGeom>
-        </p:spPr>
-      </p:pic>
-      <p:sp>
-        <p:nvSpPr>
-          <p:cNvPr id="4" name="직사각형 3"/>
-          <p:cNvSpPr/>
-          <p:nvPr/>
-        </p:nvSpPr>
-        <p:spPr>
-          <a:xfrm>
-            <a:off x="4301908" y="6428232"/>
-            <a:ext cx="6096000" cy="276999"/>
-          </a:xfrm>
-          <a:prstGeom prst="rect">
-            <a:avLst/>
-          </a:prstGeom>
-        </p:spPr>
-        <p:txBody>
-          <a:bodyPr>
-            <a:spAutoFit/>
-          </a:bodyPr>
-          <a:lstStyle/>
-          <a:p>
-            <a:r>
-              <a:rPr lang="ko-KR" altLang="en-US" sz="1200" dirty="0">
-                <a:hlinkClick r:id="rId3"/>
-              </a:rPr>
-              <a:t>https://msdn.microsoft.com/en-us/library/windows/desktop/jj841212(v=vs.85).aspx</a:t>
-            </a:r>
-            <a:r>
-              <a:rPr lang="ko-KR" altLang="en-US" sz="1200" dirty="0"/>
-              <a:t> </a:t>
-            </a:r>
-          </a:p>
-        </p:txBody>
-      </p:sp>
-    </p:spTree>
-    <p:extLst>
-      <p:ext uri="{BB962C8B-B14F-4D97-AF65-F5344CB8AC3E}">
-        <p14:creationId xmlns:p14="http://schemas.microsoft.com/office/powerpoint/2010/main" val="29494011"/>
-      </p:ext>
-    </p:extLst>
-  </p:cSld>
-  <p:clrMapOvr>
-    <a:masterClrMapping/>
-  </p:clrMapOvr>
-</p:sld>
-</file>
-
-<file path=ppt/slides/slide41.xml><?xml version="1.0" encoding="utf-8"?>
-<p:sld xmlns:a="http://schemas.openxmlformats.org/drawingml/2006/main" xmlns:r="http://schemas.openxmlformats.org/officeDocument/2006/relationships" xmlns:p="http://schemas.openxmlformats.org/presentationml/2006/main">
-  <p:cSld>
-    <p:spTree>
-      <p:nvGrpSpPr>
-        <p:cNvPr id="1" name=""/>
-        <p:cNvGrpSpPr/>
-        <p:nvPr/>
-      </p:nvGrpSpPr>
-      <p:grpSpPr>
-        <a:xfrm>
-          <a:off x="0" y="0"/>
-          <a:ext cx="0" cy="0"/>
-          <a:chOff x="0" y="0"/>
-          <a:chExt cx="0" cy="0"/>
-        </a:xfrm>
-      </p:grpSpPr>
-      <p:sp>
-        <p:nvSpPr>
-          <p:cNvPr id="2" name="TextBox 1"/>
-          <p:cNvSpPr txBox="1"/>
-          <p:nvPr/>
-        </p:nvSpPr>
-        <p:spPr>
-          <a:xfrm>
-            <a:off x="551328" y="322729"/>
-            <a:ext cx="11282083" cy="646331"/>
-          </a:xfrm>
-          <a:prstGeom prst="rect">
-            <a:avLst/>
-          </a:prstGeom>
-          <a:noFill/>
-        </p:spPr>
-        <p:txBody>
-          <a:bodyPr wrap="square" rtlCol="0">
-            <a:spAutoFit/>
-          </a:bodyPr>
-          <a:lstStyle/>
-          <a:p>
-            <a:r>
-              <a:rPr lang="en-US" altLang="ko-KR" sz="3600" b="1" dirty="0"/>
-              <a:t>Python</a:t>
-            </a:r>
-            <a:r>
-              <a:rPr lang="ko-KR" altLang="en-US" sz="3600" b="1" dirty="0"/>
-              <a:t> </a:t>
-            </a:r>
-            <a:r>
-              <a:rPr lang="en-US" altLang="ko-KR" sz="3600" b="1" dirty="0"/>
-              <a:t>3.6</a:t>
-            </a:r>
-            <a:endParaRPr lang="ko-KR" altLang="en-US" sz="3600" b="1" dirty="0"/>
-          </a:p>
-        </p:txBody>
-      </p:sp>
-      <p:sp>
-        <p:nvSpPr>
-          <p:cNvPr id="3" name="직사각형 2"/>
-          <p:cNvSpPr/>
-          <p:nvPr/>
-        </p:nvSpPr>
-        <p:spPr>
-          <a:xfrm>
-            <a:off x="530175" y="4154303"/>
-            <a:ext cx="11151198" cy="830997"/>
-          </a:xfrm>
-          <a:prstGeom prst="rect">
-            <a:avLst/>
-          </a:prstGeom>
-        </p:spPr>
-        <p:txBody>
-          <a:bodyPr wrap="square">
-            <a:spAutoFit/>
-          </a:bodyPr>
-          <a:lstStyle/>
-          <a:p>
-            <a:r>
-              <a:rPr lang="ko-KR" altLang="en-US" sz="2400" dirty="0" err="1"/>
-              <a:t>ioctl</a:t>
-            </a:r>
-            <a:r>
-              <a:rPr lang="ko-KR" altLang="en-US" sz="2400" dirty="0"/>
-              <a:t>() 함수에서 </a:t>
-            </a:r>
-            <a:r>
-              <a:rPr lang="ko-KR" altLang="en-US" sz="2400" dirty="0" err="1"/>
-              <a:t>SIO_LOOPBACK_FAST_PATH를</a:t>
-            </a:r>
-            <a:r>
-              <a:rPr lang="ko-KR" altLang="en-US" sz="2400" dirty="0"/>
-              <a:t> 사용할 수 있게 되었다</a:t>
-            </a:r>
-            <a:r>
-              <a:rPr lang="en-US" altLang="ko-KR" sz="2400" dirty="0"/>
-              <a:t>.</a:t>
-            </a:r>
-          </a:p>
-          <a:p>
-            <a:r>
-              <a:rPr lang="ko-KR" altLang="en-US" sz="2400" dirty="0"/>
-              <a:t>Windows 환경(Win8 이상)에서 TCP </a:t>
-            </a:r>
-            <a:r>
-              <a:rPr lang="ko-KR" altLang="en-US" sz="2400" dirty="0" err="1"/>
-              <a:t>loopback</a:t>
-            </a:r>
-            <a:r>
-              <a:rPr lang="ko-KR" altLang="en-US" sz="2400" dirty="0"/>
-              <a:t> 성능을 향상 시킬 수 있게 되었다</a:t>
-            </a:r>
-            <a:r>
-              <a:rPr lang="en-US" altLang="ko-KR" sz="2400" dirty="0"/>
-              <a:t>.</a:t>
-            </a:r>
-            <a:endParaRPr lang="ko-KR" altLang="en-US" sz="2400" dirty="0"/>
-          </a:p>
-        </p:txBody>
-      </p:sp>
-      <p:sp>
-        <p:nvSpPr>
-          <p:cNvPr id="4" name="직사각형 3"/>
-          <p:cNvSpPr/>
-          <p:nvPr/>
-        </p:nvSpPr>
-        <p:spPr>
-          <a:xfrm>
-            <a:off x="7316426" y="3382833"/>
-            <a:ext cx="3376245" cy="276999"/>
-          </a:xfrm>
-          <a:prstGeom prst="rect">
-            <a:avLst/>
-          </a:prstGeom>
-        </p:spPr>
-        <p:txBody>
-          <a:bodyPr wrap="none">
-            <a:spAutoFit/>
-          </a:bodyPr>
-          <a:lstStyle/>
-          <a:p>
-            <a:r>
-              <a:rPr lang="ko-KR" altLang="en-US" sz="1200" dirty="0">
-                <a:hlinkClick r:id="rId2"/>
-              </a:rPr>
-              <a:t>https://docs.python.org/3/library/socket.html</a:t>
-            </a:r>
-            <a:r>
-              <a:rPr lang="ko-KR" altLang="en-US" sz="1200" dirty="0"/>
-              <a:t> </a:t>
-            </a:r>
-          </a:p>
-        </p:txBody>
-      </p:sp>
-      <p:pic>
-        <p:nvPicPr>
-          <p:cNvPr id="5" name="그림 4"/>
-          <p:cNvPicPr>
-            <a:picLocks noChangeAspect="1"/>
-          </p:cNvPicPr>
-          <p:nvPr/>
-        </p:nvPicPr>
-        <p:blipFill>
-          <a:blip r:embed="rId3"/>
-          <a:stretch>
-            <a:fillRect/>
-          </a:stretch>
-        </p:blipFill>
-        <p:spPr>
-          <a:xfrm>
-            <a:off x="682213" y="1363533"/>
-            <a:ext cx="9925050" cy="2019300"/>
-          </a:xfrm>
-          <a:prstGeom prst="rect">
-            <a:avLst/>
-          </a:prstGeom>
-        </p:spPr>
-      </p:pic>
-    </p:spTree>
-    <p:extLst>
-      <p:ext uri="{BB962C8B-B14F-4D97-AF65-F5344CB8AC3E}">
-        <p14:creationId xmlns:p14="http://schemas.microsoft.com/office/powerpoint/2010/main" val="142513471"/>
-      </p:ext>
-    </p:extLst>
-  </p:cSld>
-  <p:clrMapOvr>
-    <a:masterClrMapping/>
-  </p:clrMapOvr>
-</p:sld>
-</file>
-
-<file path=ppt/slides/slide42.xml><?xml version="1.0" encoding="utf-8"?>
-<p:sld xmlns:a="http://schemas.openxmlformats.org/drawingml/2006/main" xmlns:r="http://schemas.openxmlformats.org/officeDocument/2006/relationships" xmlns:p="http://schemas.openxmlformats.org/presentationml/2006/main">
-  <p:cSld>
-    <p:spTree>
-      <p:nvGrpSpPr>
-        <p:cNvPr id="1" name=""/>
-        <p:cNvGrpSpPr/>
-        <p:nvPr/>
-      </p:nvGrpSpPr>
-      <p:grpSpPr>
-        <a:xfrm>
-          <a:off x="0" y="0"/>
-          <a:ext cx="0" cy="0"/>
-          <a:chOff x="0" y="0"/>
-          <a:chExt cx="0" cy="0"/>
-        </a:xfrm>
-      </p:grpSpPr>
-      <p:pic>
-        <p:nvPicPr>
-          <p:cNvPr id="4098" name="Picture 2" descr="질문에 대한 이미지 검색결과"/>
-          <p:cNvPicPr>
-            <a:picLocks noChangeAspect="1" noChangeArrowheads="1"/>
-          </p:cNvPicPr>
-          <p:nvPr/>
-        </p:nvPicPr>
-        <p:blipFill>
-          <a:blip r:embed="rId2">
-            <a:extLst>
-              <a:ext uri="{28A0092B-C50C-407E-A947-70E740481C1C}">
-                <a14:useLocalDpi xmlns:a14="http://schemas.microsoft.com/office/drawing/2010/main" val="0"/>
-              </a:ext>
-            </a:extLst>
-          </a:blip>
-          <a:srcRect/>
-          <a:stretch>
-            <a:fillRect/>
-          </a:stretch>
-        </p:blipFill>
-        <p:spPr bwMode="auto">
-          <a:xfrm>
-            <a:off x="0" y="510639"/>
-            <a:ext cx="12215091" cy="5735782"/>
-          </a:xfrm>
-          <a:prstGeom prst="rect">
-            <a:avLst/>
-          </a:prstGeom>
-          <a:noFill/>
-          <a:extLst>
-            <a:ext uri="{909E8E84-426E-40DD-AFC4-6F175D3DCCD1}">
-              <a14:hiddenFill xmlns:a14="http://schemas.microsoft.com/office/drawing/2010/main">
-                <a:solidFill>
-                  <a:srgbClr val="FFFFFF"/>
-                </a:solidFill>
-              </a14:hiddenFill>
-            </a:ext>
-          </a:extLst>
-        </p:spPr>
-      </p:pic>
-    </p:spTree>
-    <p:extLst>
-      <p:ext uri="{BB962C8B-B14F-4D97-AF65-F5344CB8AC3E}">
-        <p14:creationId xmlns:p14="http://schemas.microsoft.com/office/powerpoint/2010/main" val="117595690"/>
-      </p:ext>
-    </p:extLst>
-  </p:cSld>
-  <p:clrMapOvr>
-    <a:masterClrMapping/>
-  </p:clrMapOvr>
-</p:sld>
-</file>
-
-<file path=ppt/slides/slide5.xml><?xml version="1.0" encoding="utf-8"?>
+<file path=ppt/slides/slide6.xml><?xml version="1.0" encoding="utf-8"?>
 <p:sld xmlns:a="http://schemas.openxmlformats.org/drawingml/2006/main" xmlns:r="http://schemas.openxmlformats.org/officeDocument/2006/relationships" xmlns:p="http://schemas.openxmlformats.org/presentationml/2006/main">
   <p:cSld>
     <p:spTree>
@@ -12469,7 +12765,7 @@
 </p:sld>
 </file>
 
-<file path=ppt/slides/slide6.xml><?xml version="1.0" encoding="utf-8"?>
+<file path=ppt/slides/slide7.xml><?xml version="1.0" encoding="utf-8"?>
 <p:sld xmlns:a="http://schemas.openxmlformats.org/drawingml/2006/main" xmlns:r="http://schemas.openxmlformats.org/officeDocument/2006/relationships" xmlns:p="http://schemas.openxmlformats.org/presentationml/2006/main">
   <p:cSld>
     <p:spTree>
@@ -12676,7 +12972,7 @@
 </p:sld>
 </file>
 
-<file path=ppt/slides/slide7.xml><?xml version="1.0" encoding="utf-8"?>
+<file path=ppt/slides/slide8.xml><?xml version="1.0" encoding="utf-8"?>
 <p:sld xmlns:a="http://schemas.openxmlformats.org/drawingml/2006/main" xmlns:r="http://schemas.openxmlformats.org/officeDocument/2006/relationships" xmlns:p="http://schemas.openxmlformats.org/presentationml/2006/main">
   <p:cSld>
     <p:spTree>
@@ -12730,197 +13026,6 @@
 </p:sld>
 </file>
 
-<file path=ppt/slides/slide8.xml><?xml version="1.0" encoding="utf-8"?>
-<p:sld xmlns:a="http://schemas.openxmlformats.org/drawingml/2006/main" xmlns:r="http://schemas.openxmlformats.org/officeDocument/2006/relationships" xmlns:p="http://schemas.openxmlformats.org/presentationml/2006/main">
-  <p:cSld>
-    <p:spTree>
-      <p:nvGrpSpPr>
-        <p:cNvPr id="1" name=""/>
-        <p:cNvGrpSpPr/>
-        <p:nvPr/>
-      </p:nvGrpSpPr>
-      <p:grpSpPr>
-        <a:xfrm>
-          <a:off x="0" y="0"/>
-          <a:ext cx="0" cy="0"/>
-          <a:chOff x="0" y="0"/>
-          <a:chExt cx="0" cy="0"/>
-        </a:xfrm>
-      </p:grpSpPr>
-      <p:sp>
-        <p:nvSpPr>
-          <p:cNvPr id="2" name="TextBox 1"/>
-          <p:cNvSpPr txBox="1"/>
-          <p:nvPr/>
-        </p:nvSpPr>
-        <p:spPr>
-          <a:xfrm>
-            <a:off x="551329" y="322729"/>
-            <a:ext cx="4074459" cy="646331"/>
-          </a:xfrm>
-          <a:prstGeom prst="rect">
-            <a:avLst/>
-          </a:prstGeom>
-          <a:noFill/>
-        </p:spPr>
-        <p:txBody>
-          <a:bodyPr wrap="square" rtlCol="0">
-            <a:spAutoFit/>
-          </a:bodyPr>
-          <a:lstStyle/>
-          <a:p>
-            <a:r>
-              <a:rPr lang="en-US" altLang="ko-KR" sz="3600" b="1" dirty="0" err="1"/>
-              <a:t>WSAPoll</a:t>
-            </a:r>
-            <a:endParaRPr lang="ko-KR" altLang="en-US" sz="3600" b="1" dirty="0"/>
-          </a:p>
-        </p:txBody>
-      </p:sp>
-      <p:sp>
-        <p:nvSpPr>
-          <p:cNvPr id="3" name="직사각형 2"/>
-          <p:cNvSpPr/>
-          <p:nvPr/>
-        </p:nvSpPr>
-        <p:spPr>
-          <a:xfrm>
-            <a:off x="654424" y="1141309"/>
-            <a:ext cx="10425952" cy="3539430"/>
-          </a:xfrm>
-          <a:prstGeom prst="rect">
-            <a:avLst/>
-          </a:prstGeom>
-        </p:spPr>
-        <p:txBody>
-          <a:bodyPr wrap="square">
-            <a:spAutoFit/>
-          </a:bodyPr>
-          <a:lstStyle/>
-          <a:p>
-            <a:pPr marL="514350" indent="-514350">
-              <a:buFont typeface="Arial" panose="020B0604020202020204" pitchFamily="34" charset="0"/>
-              <a:buChar char="•"/>
-            </a:pPr>
-            <a:r>
-              <a:rPr lang="en-US" altLang="ko-KR" sz="2800" b="1" dirty="0"/>
-              <a:t>Windows Vista</a:t>
-            </a:r>
-            <a:r>
-              <a:rPr lang="ko-KR" altLang="en-US" sz="2800" dirty="0"/>
-              <a:t>부터 새로 생긴 네트워크 </a:t>
-            </a:r>
-            <a:r>
-              <a:rPr lang="en-US" altLang="ko-KR" sz="2800" dirty="0"/>
-              <a:t>API.</a:t>
-            </a:r>
-            <a:br>
-              <a:rPr lang="en-US" altLang="ko-KR" sz="2800" dirty="0"/>
-            </a:br>
-            <a:endParaRPr lang="en-US" altLang="ko-KR" sz="2800" dirty="0"/>
-          </a:p>
-          <a:p>
-            <a:pPr marL="514350" indent="-514350">
-              <a:buFont typeface="Arial" panose="020B0604020202020204" pitchFamily="34" charset="0"/>
-              <a:buChar char="•"/>
-            </a:pPr>
-            <a:r>
-              <a:rPr lang="en-US" altLang="ko-KR" sz="2800" dirty="0"/>
-              <a:t>Linux(Unix) OS</a:t>
-            </a:r>
-            <a:r>
-              <a:rPr lang="ko-KR" altLang="en-US" sz="2800" dirty="0"/>
-              <a:t>의 </a:t>
-            </a:r>
-            <a:r>
-              <a:rPr lang="en-US" altLang="ko-KR" sz="2800" b="1" dirty="0"/>
-              <a:t>poll</a:t>
-            </a:r>
-            <a:r>
-              <a:rPr lang="ko-KR" altLang="en-US" sz="2800" dirty="0"/>
-              <a:t>과 비슷한 것이다</a:t>
-            </a:r>
-            <a:r>
-              <a:rPr lang="en-US" altLang="ko-KR" sz="2800" dirty="0"/>
-              <a:t>.</a:t>
-            </a:r>
-            <a:br>
-              <a:rPr lang="en-US" altLang="ko-KR" sz="2800" dirty="0"/>
-            </a:br>
-            <a:endParaRPr lang="ko-KR" altLang="en-US" sz="2800" dirty="0"/>
-          </a:p>
-          <a:p>
-            <a:pPr marL="514350" indent="-514350">
-              <a:buFont typeface="Arial" panose="020B0604020202020204" pitchFamily="34" charset="0"/>
-              <a:buChar char="•"/>
-            </a:pPr>
-            <a:r>
-              <a:rPr lang="ko-KR" altLang="en-US" sz="2800" dirty="0"/>
-              <a:t>복수의 파일 </a:t>
-            </a:r>
-            <a:r>
-              <a:rPr lang="ko-KR" altLang="en-US" sz="2800" dirty="0" err="1"/>
-              <a:t>디스크립터를</a:t>
-            </a:r>
-            <a:r>
-              <a:rPr lang="ko-KR" altLang="en-US" sz="2800" dirty="0"/>
-              <a:t> 감시하는 </a:t>
-            </a:r>
-            <a:r>
-              <a:rPr lang="en-US" altLang="ko-KR" sz="2800" dirty="0"/>
-              <a:t>API.</a:t>
-            </a:r>
-            <a:br>
-              <a:rPr lang="en-US" altLang="ko-KR" sz="2800" dirty="0"/>
-            </a:br>
-            <a:endParaRPr lang="en-US" altLang="ko-KR" sz="2800" dirty="0"/>
-          </a:p>
-          <a:p>
-            <a:pPr marL="514350" indent="-514350">
-              <a:buFont typeface="Arial" panose="020B0604020202020204" pitchFamily="34" charset="0"/>
-              <a:buChar char="•"/>
-            </a:pPr>
-            <a:r>
-              <a:rPr lang="ko-KR" altLang="en-US" sz="2800" dirty="0"/>
-              <a:t>지정한 소켓의 상태가 변화했는지 확인하는 기능을 제공한다</a:t>
-            </a:r>
-            <a:r>
-              <a:rPr lang="en-US" altLang="ko-KR" sz="2800" dirty="0"/>
-              <a:t>. </a:t>
-            </a:r>
-            <a:r>
-              <a:rPr lang="ko-KR" altLang="en-US" sz="2800" dirty="0"/>
-              <a:t>기능적으로는 </a:t>
-            </a:r>
-            <a:r>
-              <a:rPr lang="en-US" altLang="ko-KR" sz="2800" dirty="0"/>
-              <a:t>select</a:t>
-            </a:r>
-            <a:r>
-              <a:rPr lang="ko-KR" altLang="en-US" sz="2800" dirty="0"/>
-              <a:t>와 유사하다</a:t>
-            </a:r>
-            <a:r>
-              <a:rPr lang="en-US" altLang="ko-KR" sz="2800" dirty="0"/>
-              <a:t>.</a:t>
-            </a:r>
-            <a:endParaRPr lang="ko-KR" altLang="en-US" sz="2800" dirty="0"/>
-          </a:p>
-        </p:txBody>
-      </p:sp>
-    </p:spTree>
-    <p:extLst>
-      <p:ext uri="{BB962C8B-B14F-4D97-AF65-F5344CB8AC3E}">
-        <p14:creationId xmlns:p14="http://schemas.microsoft.com/office/powerpoint/2010/main" val="3421330507"/>
-      </p:ext>
-    </p:extLst>
-  </p:cSld>
-  <p:clrMapOvr>
-    <a:masterClrMapping/>
-  </p:clrMapOvr>
-</p:sld>
-</file>
-
 <file path=ppt/slides/slide9.xml><?xml version="1.0" encoding="utf-8"?>
 <p:sld xmlns:a="http://schemas.openxmlformats.org/drawingml/2006/main" xmlns:r="http://schemas.openxmlformats.org/officeDocument/2006/relationships" xmlns:p="http://schemas.openxmlformats.org/presentationml/2006/main">
   <p:cSld>
@@ -12947,7 +13052,7 @@
         <p:spPr>
           <a:xfrm>
             <a:off x="551329" y="322729"/>
-            <a:ext cx="6217606" cy="646331"/>
+            <a:ext cx="4074459" cy="646331"/>
           </a:xfrm>
           <a:prstGeom prst="rect">
             <a:avLst/>
@@ -12961,28 +13066,8 @@
           <a:lstStyle/>
           <a:p>
             <a:r>
-              <a:rPr lang="ko-KR" altLang="en-US" sz="3600" b="1" dirty="0"/>
-              <a:t>잠시 </a:t>
-            </a:r>
-            <a:r>
-              <a:rPr lang="en-US" altLang="ko-KR" sz="3600" b="1" dirty="0"/>
-              <a:t>Linux</a:t>
-            </a:r>
-            <a:r>
-              <a:rPr lang="ko-KR" altLang="en-US" sz="3600" b="1" dirty="0"/>
-              <a:t>의 </a:t>
-            </a:r>
-            <a:r>
-              <a:rPr lang="en-US" altLang="ko-KR" sz="3600" b="1" dirty="0"/>
-              <a:t>poll</a:t>
-            </a:r>
-            <a:r>
-              <a:rPr lang="ko-KR" altLang="en-US" sz="3600" b="1" dirty="0"/>
-              <a:t>에 대해</a:t>
-            </a:r>
-            <a:r>
-              <a:rPr lang="en-US" altLang="ko-KR" sz="3600" b="1" dirty="0"/>
-              <a:t>…</a:t>
+              <a:rPr lang="en-US" altLang="ko-KR" sz="3600" b="1" dirty="0" err="1"/>
+              <a:t>WSAPoll</a:t>
             </a:r>
             <a:endParaRPr lang="ko-KR" altLang="en-US" sz="3600" b="1" dirty="0"/>
           </a:p>
@@ -12997,7 +13082,7 @@
         <p:spPr>
           <a:xfrm>
             <a:off x="654424" y="1141309"/>
-            <a:ext cx="10425952" cy="2308324"/>
+            <a:ext cx="10425952" cy="3539430"/>
           </a:xfrm>
           <a:prstGeom prst="rect">
             <a:avLst/>
@@ -13009,118 +13094,120 @@
           </a:bodyPr>
           <a:lstStyle/>
           <a:p>
-            <a:r>
-              <a:rPr lang="en-US" altLang="ko-KR" sz="2400" dirty="0"/>
+            <a:pPr marL="514350" indent="-514350">
+              <a:buFont typeface="Arial" panose="020B0604020202020204" pitchFamily="34" charset="0"/>
+              <a:buChar char="•"/>
+            </a:pPr>
+            <a:r>
+              <a:rPr lang="en-US" altLang="ko-KR" sz="2800" b="1" dirty="0"/>
+              <a:t>Windows Vista</a:t>
+            </a:r>
+            <a:r>
+              <a:rPr lang="ko-KR" altLang="en-US" sz="2800" dirty="0"/>
+              <a:t>부터 새로 생긴 네트워크 </a:t>
+            </a:r>
+            <a:r>
+              <a:rPr lang="en-US" altLang="ko-KR" sz="2800" dirty="0"/>
+              <a:t>API.</a:t>
+            </a:r>
+            <a:br>
+              <a:rPr lang="en-US" altLang="ko-KR" sz="2800" dirty="0"/>
+            </a:br>
+            <a:endParaRPr lang="en-US" altLang="ko-KR" sz="2800" dirty="0"/>
+          </a:p>
+          <a:p>
+            <a:pPr marL="514350" indent="-514350">
+              <a:buFont typeface="Arial" panose="020B0604020202020204" pitchFamily="34" charset="0"/>
+              <a:buChar char="•"/>
+            </a:pPr>
+            <a:r>
+              <a:rPr lang="en-US" altLang="ko-KR" sz="2800" dirty="0"/>
+              <a:t>Linux(Unix) OS</a:t>
+            </a:r>
+            <a:r>
+              <a:rPr lang="ko-KR" altLang="en-US" sz="2800" dirty="0"/>
+              <a:t>의 </a:t>
+            </a:r>
+            <a:r>
+              <a:rPr lang="en-US" altLang="ko-KR" sz="2800" b="1" dirty="0"/>
               <a:t>poll</a:t>
             </a:r>
             <a:r>
-              <a:rPr lang="ko-KR" altLang="en-US" sz="2400" dirty="0"/>
-              <a:t>은 거의 </a:t>
-            </a:r>
-            <a:r>
-              <a:rPr lang="en-US" altLang="ko-KR" sz="2400" dirty="0"/>
+              <a:rPr lang="ko-KR" altLang="en-US" sz="2800" dirty="0"/>
+              <a:t>과 비슷한 것이다</a:t>
+            </a:r>
+            <a:r>
+              <a:rPr lang="en-US" altLang="ko-KR" sz="2800" dirty="0"/>
+              <a:t>.</a:t>
+            </a:r>
+            <a:br>
+              <a:rPr lang="en-US" altLang="ko-KR" sz="2800" dirty="0"/>
+            </a:br>
+            <a:endParaRPr lang="ko-KR" altLang="en-US" sz="2800" dirty="0"/>
+          </a:p>
+          <a:p>
+            <a:pPr marL="514350" indent="-514350">
+              <a:buFont typeface="Arial" panose="020B0604020202020204" pitchFamily="34" charset="0"/>
+              <a:buChar char="•"/>
+            </a:pPr>
+            <a:r>
+              <a:rPr lang="ko-KR" altLang="en-US" sz="2800" dirty="0"/>
+              <a:t>복수의 파일 </a:t>
+            </a:r>
+            <a:r>
+              <a:rPr lang="ko-KR" altLang="en-US" sz="2800" dirty="0" err="1"/>
+              <a:t>디스크립터를</a:t>
+            </a:r>
+            <a:r>
+              <a:rPr lang="ko-KR" altLang="en-US" sz="2800" dirty="0"/>
+              <a:t> 감시하는 </a:t>
+            </a:r>
+            <a:r>
+              <a:rPr lang="en-US" altLang="ko-KR" sz="2800" dirty="0"/>
+              <a:t>API.</a:t>
+            </a:r>
+            <a:br>
+              <a:rPr lang="en-US" altLang="ko-KR" sz="2800" dirty="0"/>
+            </a:br>
+            <a:endParaRPr lang="en-US" altLang="ko-KR" sz="2800" dirty="0"/>
+          </a:p>
+          <a:p>
+            <a:pPr marL="514350" indent="-514350">
+              <a:buFont typeface="Arial" panose="020B0604020202020204" pitchFamily="34" charset="0"/>
+              <a:buChar char="•"/>
+            </a:pPr>
+            <a:r>
+              <a:rPr lang="ko-KR" altLang="en-US" sz="2800" dirty="0"/>
+              <a:t>지정한 소켓의 상태가 변화했는지 확인하는 기능을 제공한다</a:t>
+            </a:r>
+            <a:r>
+              <a:rPr lang="en-US" altLang="ko-KR" sz="2800" dirty="0"/>
+              <a:t>. </a:t>
+            </a:r>
+            <a:r>
+              <a:rPr lang="ko-KR" altLang="en-US" sz="2800" dirty="0"/>
+              <a:t>기능적으로는 </a:t>
+            </a:r>
+            <a:r>
+              <a:rPr lang="en-US" altLang="ko-KR" sz="2800" dirty="0"/>
               <a:t>select</a:t>
             </a:r>
             <a:r>
-              <a:rPr lang="ko-KR" altLang="en-US" sz="2400" dirty="0"/>
-              <a:t>와 비슷하지만 아래와 같은 차이가 있다</a:t>
-            </a:r>
-            <a:r>
-              <a:rPr lang="en-US" altLang="ko-KR" sz="2400" dirty="0"/>
+              <a:rPr lang="ko-KR" altLang="en-US" sz="2800" dirty="0"/>
+              <a:t>와 유사하다</a:t>
+            </a:r>
+            <a:r>
+              <a:rPr lang="en-US" altLang="ko-KR" sz="2800" dirty="0"/>
               <a:t>.</a:t>
             </a:r>
-            <a:br>
-              <a:rPr lang="en-US" altLang="ko-KR" sz="2400" dirty="0"/>
-            </a:br>
-            <a:endParaRPr lang="en-US" altLang="ko-KR" sz="2400" dirty="0"/>
-          </a:p>
-          <a:p>
-            <a:r>
-              <a:rPr lang="en-US" altLang="ko-KR" sz="2400" dirty="0"/>
-              <a:t>- </a:t>
-            </a:r>
-            <a:r>
-              <a:rPr lang="ko-KR" altLang="en-US" sz="2400" dirty="0"/>
-              <a:t>관리할 수 있는 </a:t>
-            </a:r>
-            <a:r>
-              <a:rPr lang="ko-KR" altLang="en-US" sz="2400" b="1" dirty="0" err="1"/>
-              <a:t>디스크립터</a:t>
-            </a:r>
-            <a:r>
-              <a:rPr lang="en-US" altLang="ko-KR" sz="2400" b="1" dirty="0"/>
-              <a:t>(</a:t>
-            </a:r>
-            <a:r>
-              <a:rPr lang="ko-KR" altLang="en-US" sz="2400" b="1" dirty="0"/>
-              <a:t>네트워크에서는 소켓</a:t>
-            </a:r>
-            <a:r>
-              <a:rPr lang="en-US" altLang="ko-KR" sz="2400" b="1" dirty="0"/>
-              <a:t>)</a:t>
-            </a:r>
-            <a:r>
-              <a:rPr lang="ko-KR" altLang="en-US" sz="2400" b="1" dirty="0"/>
-              <a:t> 수가 무제한</a:t>
-            </a:r>
-            <a:r>
-              <a:rPr lang="ko-KR" altLang="en-US" sz="2400" dirty="0"/>
-              <a:t>이 된다</a:t>
-            </a:r>
-            <a:r>
-              <a:rPr lang="en-US" altLang="ko-KR" sz="2400" dirty="0"/>
-              <a:t>.</a:t>
-            </a:r>
-            <a:br>
-              <a:rPr lang="en-US" altLang="ko-KR" sz="2400" dirty="0"/>
-            </a:br>
-            <a:br>
-              <a:rPr lang="en-US" altLang="ko-KR" sz="2400" dirty="0"/>
-            </a:br>
-            <a:r>
-              <a:rPr lang="en-US" altLang="ko-KR" sz="2400" dirty="0"/>
-              <a:t>- poll </a:t>
-            </a:r>
-            <a:r>
-              <a:rPr lang="ko-KR" altLang="en-US" sz="2400" dirty="0"/>
-              <a:t>시스템 콜 자체를 구현하고 있는 시스템이 </a:t>
-            </a:r>
-            <a:r>
-              <a:rPr lang="en-US" altLang="ko-KR" sz="2400" dirty="0"/>
-              <a:t>select </a:t>
-            </a:r>
-            <a:r>
-              <a:rPr lang="ko-KR" altLang="en-US" sz="2400" dirty="0"/>
-              <a:t>보다 적기 때문에 </a:t>
-            </a:r>
-            <a:r>
-              <a:rPr lang="ko-KR" altLang="en-US" sz="2400" dirty="0" err="1"/>
-              <a:t>이식성</a:t>
-            </a:r>
-            <a:r>
-              <a:rPr lang="ko-KR" altLang="en-US" sz="2400" dirty="0"/>
-              <a:t> 등에 좋지 않다</a:t>
-            </a:r>
-            <a:r>
-              <a:rPr lang="en-US" altLang="ko-KR" sz="2400" dirty="0"/>
-              <a:t>(</a:t>
-            </a:r>
-            <a:r>
-              <a:rPr lang="ko-KR" altLang="en-US" sz="2400" dirty="0"/>
-              <a:t>오래된 이야기</a:t>
-            </a:r>
-            <a:r>
-              <a:rPr lang="en-US" altLang="ko-KR" sz="2400" dirty="0"/>
-              <a:t>..)</a:t>
-            </a:r>
-            <a:endParaRPr lang="ko-KR" altLang="en-US" sz="2400" dirty="0"/>
+            <a:endParaRPr lang="ko-KR" altLang="en-US" sz="2800" dirty="0"/>
           </a:p>
         </p:txBody>
       </p:sp>
     </p:spTree>
     <p:extLst>
       <p:ext uri="{BB962C8B-B14F-4D97-AF65-F5344CB8AC3E}">
-        <p14:creationId xmlns:p14="http://schemas.microsoft.com/office/powerpoint/2010/main" val="2165421971"/>
+        <p14:creationId xmlns:p14="http://schemas.microsoft.com/office/powerpoint/2010/main" val="3421330507"/>
       </p:ext>
     </p:extLst>
   </p:cSld>
